--- a/command/fig/slide.pptx
+++ b/command/fig/slide.pptx
@@ -5,7 +5,7 @@
     <p:sldMasterId id="2147483663" r:id="rId1"/>
   </p:sldMasterIdLst>
   <p:notesMasterIdLst>
-    <p:notesMasterId r:id="rId8"/>
+    <p:notesMasterId r:id="rId21"/>
   </p:notesMasterIdLst>
   <p:sldIdLst>
     <p:sldId id="256" r:id="rId2"/>
@@ -14,6 +14,19 @@
     <p:sldId id="296" r:id="rId5"/>
     <p:sldId id="297" r:id="rId6"/>
     <p:sldId id="299" r:id="rId7"/>
+    <p:sldId id="300" r:id="rId8"/>
+    <p:sldId id="301" r:id="rId9"/>
+    <p:sldId id="302" r:id="rId10"/>
+    <p:sldId id="303" r:id="rId11"/>
+    <p:sldId id="304" r:id="rId12"/>
+    <p:sldId id="305" r:id="rId13"/>
+    <p:sldId id="306" r:id="rId14"/>
+    <p:sldId id="307" r:id="rId15"/>
+    <p:sldId id="308" r:id="rId16"/>
+    <p:sldId id="309" r:id="rId17"/>
+    <p:sldId id="310" r:id="rId18"/>
+    <p:sldId id="311" r:id="rId19"/>
+    <p:sldId id="312" r:id="rId20"/>
   </p:sldIdLst>
   <p:sldSz cx="9144000" cy="6858000" type="screen4x3"/>
   <p:notesSz cx="6858000" cy="9144000"/>
@@ -1205,6 +1218,7508 @@
 </p:sld>
 </file>
 
+<file path=ppt/slides/slide10.xml><?xml version="1.0" encoding="utf-8"?>
+<p:sld xmlns:a="http://schemas.openxmlformats.org/drawingml/2006/main" xmlns:r="http://schemas.openxmlformats.org/officeDocument/2006/relationships" xmlns:p="http://schemas.openxmlformats.org/presentationml/2006/main">
+  <p:cSld>
+    <p:spTree>
+      <p:nvGrpSpPr>
+        <p:cNvPr id="1" name=""/>
+        <p:cNvGrpSpPr/>
+        <p:nvPr/>
+      </p:nvGrpSpPr>
+      <p:grpSpPr>
+        <a:xfrm>
+          <a:off x="0" y="0"/>
+          <a:ext cx="0" cy="0"/>
+          <a:chOff x="0" y="0"/>
+          <a:chExt cx="0" cy="0"/>
+        </a:xfrm>
+      </p:grpSpPr>
+      <p:sp>
+        <p:nvSpPr>
+          <p:cNvPr id="2" name="テキスト プレースホルダー 1">
+            <a:extLst>
+              <a:ext uri="{FF2B5EF4-FFF2-40B4-BE49-F238E27FC236}">
+                <a16:creationId xmlns:a16="http://schemas.microsoft.com/office/drawing/2014/main" id="{DA800611-7004-4801-8132-84E0AEEDC3D4}"/>
+              </a:ext>
+            </a:extLst>
+          </p:cNvPr>
+          <p:cNvSpPr>
+            <a:spLocks noGrp="1"/>
+          </p:cNvSpPr>
+          <p:nvPr>
+            <p:ph type="body" sz="quarter" idx="10"/>
+          </p:nvPr>
+        </p:nvSpPr>
+        <p:spPr/>
+        <p:txBody>
+          <a:bodyPr/>
+          <a:lstStyle/>
+          <a:p>
+            <a:r>
+              <a:rPr lang="ja-JP" altLang="en-US"/>
+              <a:t>ディレクトリとパス</a:t>
+            </a:r>
+            <a:endParaRPr lang="en-US"/>
+          </a:p>
+        </p:txBody>
+      </p:sp>
+      <p:pic>
+        <p:nvPicPr>
+          <p:cNvPr id="1026" name="Picture 2" descr="フォルダのイラスト">
+            <a:extLst>
+              <a:ext uri="{FF2B5EF4-FFF2-40B4-BE49-F238E27FC236}">
+                <a16:creationId xmlns:a16="http://schemas.microsoft.com/office/drawing/2014/main" id="{A1FB7598-F392-4CFE-B41C-3A1C48776351}"/>
+              </a:ext>
+            </a:extLst>
+          </p:cNvPr>
+          <p:cNvPicPr>
+            <a:picLocks noChangeAspect="1" noChangeArrowheads="1"/>
+          </p:cNvPicPr>
+          <p:nvPr/>
+        </p:nvPicPr>
+        <p:blipFill>
+          <a:blip r:embed="rId2" cstate="print">
+            <a:extLst>
+              <a:ext uri="{28A0092B-C50C-407E-A947-70E740481C1C}">
+                <a14:useLocalDpi xmlns:a14="http://schemas.microsoft.com/office/drawing/2010/main" val="0"/>
+              </a:ext>
+            </a:extLst>
+          </a:blip>
+          <a:srcRect/>
+          <a:stretch>
+            <a:fillRect/>
+          </a:stretch>
+        </p:blipFill>
+        <p:spPr bwMode="auto">
+          <a:xfrm>
+            <a:off x="2368595" y="980728"/>
+            <a:ext cx="680864" cy="570224"/>
+          </a:xfrm>
+          <a:prstGeom prst="rect">
+            <a:avLst/>
+          </a:prstGeom>
+          <a:noFill/>
+          <a:extLst>
+            <a:ext uri="{909E8E84-426E-40DD-AFC4-6F175D3DCCD1}">
+              <a14:hiddenFill xmlns:a14="http://schemas.microsoft.com/office/drawing/2010/main">
+                <a:solidFill>
+                  <a:srgbClr val="FFFFFF"/>
+                </a:solidFill>
+              </a14:hiddenFill>
+            </a:ext>
+          </a:extLst>
+        </p:spPr>
+      </p:pic>
+      <p:pic>
+        <p:nvPicPr>
+          <p:cNvPr id="4" name="Picture 2" descr="フォルダのイラスト">
+            <a:extLst>
+              <a:ext uri="{FF2B5EF4-FFF2-40B4-BE49-F238E27FC236}">
+                <a16:creationId xmlns:a16="http://schemas.microsoft.com/office/drawing/2014/main" id="{D86F8008-2E60-4D4E-AE2D-0AFEE5BE0FCD}"/>
+              </a:ext>
+            </a:extLst>
+          </p:cNvPr>
+          <p:cNvPicPr>
+            <a:picLocks noChangeAspect="1" noChangeArrowheads="1"/>
+          </p:cNvPicPr>
+          <p:nvPr/>
+        </p:nvPicPr>
+        <p:blipFill>
+          <a:blip r:embed="rId2" cstate="print">
+            <a:extLst>
+              <a:ext uri="{28A0092B-C50C-407E-A947-70E740481C1C}">
+                <a14:useLocalDpi xmlns:a14="http://schemas.microsoft.com/office/drawing/2010/main" val="0"/>
+              </a:ext>
+            </a:extLst>
+          </a:blip>
+          <a:srcRect/>
+          <a:stretch>
+            <a:fillRect/>
+          </a:stretch>
+        </p:blipFill>
+        <p:spPr bwMode="auto">
+          <a:xfrm>
+            <a:off x="1619672" y="2204864"/>
+            <a:ext cx="680864" cy="570224"/>
+          </a:xfrm>
+          <a:prstGeom prst="rect">
+            <a:avLst/>
+          </a:prstGeom>
+          <a:noFill/>
+          <a:extLst>
+            <a:ext uri="{909E8E84-426E-40DD-AFC4-6F175D3DCCD1}">
+              <a14:hiddenFill xmlns:a14="http://schemas.microsoft.com/office/drawing/2010/main">
+                <a:solidFill>
+                  <a:srgbClr val="FFFFFF"/>
+                </a:solidFill>
+              </a14:hiddenFill>
+            </a:ext>
+          </a:extLst>
+        </p:spPr>
+      </p:pic>
+      <p:sp>
+        <p:nvSpPr>
+          <p:cNvPr id="3" name="テキスト ボックス 2">
+            <a:extLst>
+              <a:ext uri="{FF2B5EF4-FFF2-40B4-BE49-F238E27FC236}">
+                <a16:creationId xmlns:a16="http://schemas.microsoft.com/office/drawing/2014/main" id="{F62F98F7-B202-4746-81D8-5907D117DA0A}"/>
+              </a:ext>
+            </a:extLst>
+          </p:cNvPr>
+          <p:cNvSpPr txBox="1"/>
+          <p:nvPr/>
+        </p:nvSpPr>
+        <p:spPr>
+          <a:xfrm>
+            <a:off x="2546921" y="1444714"/>
+            <a:ext cx="325730" cy="400110"/>
+          </a:xfrm>
+          <a:prstGeom prst="rect">
+            <a:avLst/>
+          </a:prstGeom>
+          <a:noFill/>
+        </p:spPr>
+        <p:txBody>
+          <a:bodyPr wrap="none" rtlCol="0">
+            <a:spAutoFit/>
+          </a:bodyPr>
+          <a:lstStyle/>
+          <a:p>
+            <a:r>
+              <a:rPr lang="en-US" sz="2000">
+                <a:latin typeface="Consolas" panose="020B0609020204030204" pitchFamily="49" charset="0"/>
+              </a:rPr>
+              <a:t>c</a:t>
+            </a:r>
+          </a:p>
+        </p:txBody>
+      </p:sp>
+      <p:sp>
+        <p:nvSpPr>
+          <p:cNvPr id="7" name="テキスト ボックス 6">
+            <a:extLst>
+              <a:ext uri="{FF2B5EF4-FFF2-40B4-BE49-F238E27FC236}">
+                <a16:creationId xmlns:a16="http://schemas.microsoft.com/office/drawing/2014/main" id="{AA20DE0C-DF21-4F90-B2E1-C8774AD4B3EF}"/>
+              </a:ext>
+            </a:extLst>
+          </p:cNvPr>
+          <p:cNvSpPr txBox="1"/>
+          <p:nvPr/>
+        </p:nvSpPr>
+        <p:spPr>
+          <a:xfrm>
+            <a:off x="1576507" y="2708920"/>
+            <a:ext cx="748923" cy="400110"/>
+          </a:xfrm>
+          <a:prstGeom prst="rect">
+            <a:avLst/>
+          </a:prstGeom>
+          <a:noFill/>
+        </p:spPr>
+        <p:txBody>
+          <a:bodyPr wrap="none" rtlCol="0">
+            <a:spAutoFit/>
+          </a:bodyPr>
+          <a:lstStyle/>
+          <a:p>
+            <a:r>
+              <a:rPr lang="en-US" sz="2000">
+                <a:latin typeface="Consolas" panose="020B0609020204030204" pitchFamily="49" charset="0"/>
+              </a:rPr>
+              <a:t>Data</a:t>
+            </a:r>
+          </a:p>
+        </p:txBody>
+      </p:sp>
+      <p:pic>
+        <p:nvPicPr>
+          <p:cNvPr id="10" name="Picture 2" descr="フォルダのイラスト">
+            <a:extLst>
+              <a:ext uri="{FF2B5EF4-FFF2-40B4-BE49-F238E27FC236}">
+                <a16:creationId xmlns:a16="http://schemas.microsoft.com/office/drawing/2014/main" id="{28AD7562-3CCD-442A-8D97-37169F8A7FBF}"/>
+              </a:ext>
+            </a:extLst>
+          </p:cNvPr>
+          <p:cNvPicPr>
+            <a:picLocks noChangeAspect="1" noChangeArrowheads="1"/>
+          </p:cNvPicPr>
+          <p:nvPr/>
+        </p:nvPicPr>
+        <p:blipFill>
+          <a:blip r:embed="rId2" cstate="print">
+            <a:extLst>
+              <a:ext uri="{28A0092B-C50C-407E-A947-70E740481C1C}">
+                <a14:useLocalDpi xmlns:a14="http://schemas.microsoft.com/office/drawing/2010/main" val="0"/>
+              </a:ext>
+            </a:extLst>
+          </a:blip>
+          <a:srcRect/>
+          <a:stretch>
+            <a:fillRect/>
+          </a:stretch>
+        </p:blipFill>
+        <p:spPr bwMode="auto">
+          <a:xfrm>
+            <a:off x="3059832" y="2204864"/>
+            <a:ext cx="680864" cy="570224"/>
+          </a:xfrm>
+          <a:prstGeom prst="rect">
+            <a:avLst/>
+          </a:prstGeom>
+          <a:noFill/>
+          <a:extLst>
+            <a:ext uri="{909E8E84-426E-40DD-AFC4-6F175D3DCCD1}">
+              <a14:hiddenFill xmlns:a14="http://schemas.microsoft.com/office/drawing/2010/main">
+                <a:solidFill>
+                  <a:srgbClr val="FFFFFF"/>
+                </a:solidFill>
+              </a14:hiddenFill>
+            </a:ext>
+          </a:extLst>
+        </p:spPr>
+      </p:pic>
+      <p:sp>
+        <p:nvSpPr>
+          <p:cNvPr id="11" name="テキスト ボックス 10">
+            <a:extLst>
+              <a:ext uri="{FF2B5EF4-FFF2-40B4-BE49-F238E27FC236}">
+                <a16:creationId xmlns:a16="http://schemas.microsoft.com/office/drawing/2014/main" id="{5989232B-9167-4F4C-BA57-BC31FA71F87C}"/>
+              </a:ext>
+            </a:extLst>
+          </p:cNvPr>
+          <p:cNvSpPr txBox="1"/>
+          <p:nvPr/>
+        </p:nvSpPr>
+        <p:spPr>
+          <a:xfrm>
+            <a:off x="3059832" y="2740858"/>
+            <a:ext cx="748923" cy="400110"/>
+          </a:xfrm>
+          <a:prstGeom prst="rect">
+            <a:avLst/>
+          </a:prstGeom>
+          <a:noFill/>
+        </p:spPr>
+        <p:txBody>
+          <a:bodyPr wrap="none" rtlCol="0">
+            <a:spAutoFit/>
+          </a:bodyPr>
+          <a:lstStyle/>
+          <a:p>
+            <a:r>
+              <a:rPr lang="en-US" sz="2000">
+                <a:latin typeface="Consolas" panose="020B0609020204030204" pitchFamily="49" charset="0"/>
+              </a:rPr>
+              <a:t>Apps</a:t>
+            </a:r>
+          </a:p>
+        </p:txBody>
+      </p:sp>
+      <p:cxnSp>
+        <p:nvCxnSpPr>
+          <p:cNvPr id="12" name="コネクタ: カギ線 11">
+            <a:extLst>
+              <a:ext uri="{FF2B5EF4-FFF2-40B4-BE49-F238E27FC236}">
+                <a16:creationId xmlns:a16="http://schemas.microsoft.com/office/drawing/2014/main" id="{C0902AF5-66BD-4A4D-BFE4-4FCCD47B8E7D}"/>
+              </a:ext>
+            </a:extLst>
+          </p:cNvPr>
+          <p:cNvCxnSpPr>
+            <a:stCxn id="3" idx="2"/>
+            <a:endCxn id="10" idx="0"/>
+          </p:cNvCxnSpPr>
+          <p:nvPr/>
+        </p:nvCxnSpPr>
+        <p:spPr>
+          <a:xfrm rot="16200000" flipH="1">
+            <a:off x="2875005" y="1679605"/>
+            <a:ext cx="360040" cy="690478"/>
+          </a:xfrm>
+          <a:prstGeom prst="bentConnector3">
+            <a:avLst/>
+          </a:prstGeom>
+          <a:ln>
+            <a:solidFill>
+              <a:schemeClr val="tx1"/>
+            </a:solidFill>
+            <a:headEnd type="none" w="med" len="med"/>
+            <a:tailEnd type="none" w="med" len="med"/>
+          </a:ln>
+        </p:spPr>
+        <p:style>
+          <a:lnRef idx="1">
+            <a:schemeClr val="accent1"/>
+          </a:lnRef>
+          <a:fillRef idx="0">
+            <a:schemeClr val="accent1"/>
+          </a:fillRef>
+          <a:effectRef idx="0">
+            <a:schemeClr val="accent1"/>
+          </a:effectRef>
+          <a:fontRef idx="minor">
+            <a:schemeClr val="tx1"/>
+          </a:fontRef>
+        </p:style>
+      </p:cxnSp>
+      <p:cxnSp>
+        <p:nvCxnSpPr>
+          <p:cNvPr id="14" name="コネクタ: カギ線 13">
+            <a:extLst>
+              <a:ext uri="{FF2B5EF4-FFF2-40B4-BE49-F238E27FC236}">
+                <a16:creationId xmlns:a16="http://schemas.microsoft.com/office/drawing/2014/main" id="{5BB68585-4462-4BB4-8F0E-3609605FFF70}"/>
+              </a:ext>
+            </a:extLst>
+          </p:cNvPr>
+          <p:cNvCxnSpPr>
+            <a:cxnSpLocks/>
+            <a:stCxn id="3" idx="2"/>
+            <a:endCxn id="4" idx="0"/>
+          </p:cNvCxnSpPr>
+          <p:nvPr/>
+        </p:nvCxnSpPr>
+        <p:spPr>
+          <a:xfrm rot="5400000">
+            <a:off x="2154925" y="1650003"/>
+            <a:ext cx="360040" cy="749682"/>
+          </a:xfrm>
+          <a:prstGeom prst="bentConnector3">
+            <a:avLst>
+              <a:gd name="adj1" fmla="val 50000"/>
+            </a:avLst>
+          </a:prstGeom>
+          <a:ln>
+            <a:solidFill>
+              <a:schemeClr val="tx1"/>
+            </a:solidFill>
+            <a:headEnd type="none" w="med" len="med"/>
+            <a:tailEnd type="none" w="med" len="med"/>
+          </a:ln>
+        </p:spPr>
+        <p:style>
+          <a:lnRef idx="1">
+            <a:schemeClr val="accent1"/>
+          </a:lnRef>
+          <a:fillRef idx="0">
+            <a:schemeClr val="accent1"/>
+          </a:fillRef>
+          <a:effectRef idx="0">
+            <a:schemeClr val="accent1"/>
+          </a:effectRef>
+          <a:fontRef idx="minor">
+            <a:schemeClr val="tx1"/>
+          </a:fontRef>
+        </p:style>
+      </p:cxnSp>
+      <p:pic>
+        <p:nvPicPr>
+          <p:cNvPr id="17" name="Picture 2" descr="フォルダのイラスト">
+            <a:extLst>
+              <a:ext uri="{FF2B5EF4-FFF2-40B4-BE49-F238E27FC236}">
+                <a16:creationId xmlns:a16="http://schemas.microsoft.com/office/drawing/2014/main" id="{D01F21B8-E0E7-4152-9F2B-ADD8CAD4486C}"/>
+              </a:ext>
+            </a:extLst>
+          </p:cNvPr>
+          <p:cNvPicPr>
+            <a:picLocks noChangeAspect="1" noChangeArrowheads="1"/>
+          </p:cNvPicPr>
+          <p:nvPr/>
+        </p:nvPicPr>
+        <p:blipFill>
+          <a:blip r:embed="rId2" cstate="print">
+            <a:extLst>
+              <a:ext uri="{28A0092B-C50C-407E-A947-70E740481C1C}">
+                <a14:useLocalDpi xmlns:a14="http://schemas.microsoft.com/office/drawing/2010/main" val="0"/>
+              </a:ext>
+            </a:extLst>
+          </a:blip>
+          <a:srcRect/>
+          <a:stretch>
+            <a:fillRect/>
+          </a:stretch>
+        </p:blipFill>
+        <p:spPr bwMode="auto">
+          <a:xfrm>
+            <a:off x="971600" y="3532946"/>
+            <a:ext cx="680864" cy="570224"/>
+          </a:xfrm>
+          <a:prstGeom prst="rect">
+            <a:avLst/>
+          </a:prstGeom>
+          <a:noFill/>
+          <a:extLst>
+            <a:ext uri="{909E8E84-426E-40DD-AFC4-6F175D3DCCD1}">
+              <a14:hiddenFill xmlns:a14="http://schemas.microsoft.com/office/drawing/2010/main">
+                <a:solidFill>
+                  <a:srgbClr val="FFFFFF"/>
+                </a:solidFill>
+              </a14:hiddenFill>
+            </a:ext>
+          </a:extLst>
+        </p:spPr>
+      </p:pic>
+      <p:sp>
+        <p:nvSpPr>
+          <p:cNvPr id="18" name="テキスト ボックス 17">
+            <a:extLst>
+              <a:ext uri="{FF2B5EF4-FFF2-40B4-BE49-F238E27FC236}">
+                <a16:creationId xmlns:a16="http://schemas.microsoft.com/office/drawing/2014/main" id="{CB6AFB51-FFD5-4665-939E-A7EBA88C85D2}"/>
+              </a:ext>
+            </a:extLst>
+          </p:cNvPr>
+          <p:cNvSpPr txBox="1"/>
+          <p:nvPr/>
+        </p:nvSpPr>
+        <p:spPr>
+          <a:xfrm>
+            <a:off x="968648" y="4037002"/>
+            <a:ext cx="607859" cy="400110"/>
+          </a:xfrm>
+          <a:prstGeom prst="rect">
+            <a:avLst/>
+          </a:prstGeom>
+          <a:noFill/>
+        </p:spPr>
+        <p:txBody>
+          <a:bodyPr wrap="none" rtlCol="0">
+            <a:spAutoFit/>
+          </a:bodyPr>
+          <a:lstStyle/>
+          <a:p>
+            <a:r>
+              <a:rPr lang="en-US" sz="2000">
+                <a:latin typeface="Consolas" panose="020B0609020204030204" pitchFamily="49" charset="0"/>
+              </a:rPr>
+              <a:t>Fig</a:t>
+            </a:r>
+          </a:p>
+        </p:txBody>
+      </p:sp>
+      <p:pic>
+        <p:nvPicPr>
+          <p:cNvPr id="19" name="Picture 2" descr="フォルダのイラスト">
+            <a:extLst>
+              <a:ext uri="{FF2B5EF4-FFF2-40B4-BE49-F238E27FC236}">
+                <a16:creationId xmlns:a16="http://schemas.microsoft.com/office/drawing/2014/main" id="{5CFB799B-5ADC-44FC-927A-B8391440E096}"/>
+              </a:ext>
+            </a:extLst>
+          </p:cNvPr>
+          <p:cNvPicPr>
+            <a:picLocks noChangeAspect="1" noChangeArrowheads="1"/>
+          </p:cNvPicPr>
+          <p:nvPr/>
+        </p:nvPicPr>
+        <p:blipFill>
+          <a:blip r:embed="rId2" cstate="print">
+            <a:extLst>
+              <a:ext uri="{28A0092B-C50C-407E-A947-70E740481C1C}">
+                <a14:useLocalDpi xmlns:a14="http://schemas.microsoft.com/office/drawing/2010/main" val="0"/>
+              </a:ext>
+            </a:extLst>
+          </a:blip>
+          <a:srcRect/>
+          <a:stretch>
+            <a:fillRect/>
+          </a:stretch>
+        </p:blipFill>
+        <p:spPr bwMode="auto">
+          <a:xfrm>
+            <a:off x="2263795" y="3532946"/>
+            <a:ext cx="680864" cy="570224"/>
+          </a:xfrm>
+          <a:prstGeom prst="rect">
+            <a:avLst/>
+          </a:prstGeom>
+          <a:noFill/>
+          <a:extLst>
+            <a:ext uri="{909E8E84-426E-40DD-AFC4-6F175D3DCCD1}">
+              <a14:hiddenFill xmlns:a14="http://schemas.microsoft.com/office/drawing/2010/main">
+                <a:solidFill>
+                  <a:srgbClr val="FFFFFF"/>
+                </a:solidFill>
+              </a14:hiddenFill>
+            </a:ext>
+          </a:extLst>
+        </p:spPr>
+      </p:pic>
+      <p:sp>
+        <p:nvSpPr>
+          <p:cNvPr id="20" name="テキスト ボックス 19">
+            <a:extLst>
+              <a:ext uri="{FF2B5EF4-FFF2-40B4-BE49-F238E27FC236}">
+                <a16:creationId xmlns:a16="http://schemas.microsoft.com/office/drawing/2014/main" id="{B574C070-8B67-44E3-B65C-5E79F405BBDB}"/>
+              </a:ext>
+            </a:extLst>
+          </p:cNvPr>
+          <p:cNvSpPr txBox="1"/>
+          <p:nvPr/>
+        </p:nvSpPr>
+        <p:spPr>
+          <a:xfrm>
+            <a:off x="2221627" y="4037002"/>
+            <a:ext cx="889987" cy="400110"/>
+          </a:xfrm>
+          <a:prstGeom prst="rect">
+            <a:avLst/>
+          </a:prstGeom>
+          <a:noFill/>
+        </p:spPr>
+        <p:txBody>
+          <a:bodyPr wrap="none" rtlCol="0">
+            <a:spAutoFit/>
+          </a:bodyPr>
+          <a:lstStyle/>
+          <a:p>
+            <a:r>
+              <a:rPr lang="en-US" altLang="ja-JP" sz="2000">
+                <a:latin typeface="Consolas" panose="020B0609020204030204" pitchFamily="49" charset="0"/>
+              </a:rPr>
+              <a:t>Music</a:t>
+            </a:r>
+            <a:endParaRPr lang="en-US" sz="2000">
+              <a:latin typeface="Consolas" panose="020B0609020204030204" pitchFamily="49" charset="0"/>
+            </a:endParaRPr>
+          </a:p>
+        </p:txBody>
+      </p:sp>
+      <p:pic>
+        <p:nvPicPr>
+          <p:cNvPr id="1028" name="Picture 4" descr="ファイルアイコン（画像）">
+            <a:extLst>
+              <a:ext uri="{FF2B5EF4-FFF2-40B4-BE49-F238E27FC236}">
+                <a16:creationId xmlns:a16="http://schemas.microsoft.com/office/drawing/2014/main" id="{840B0E57-53CB-4C0E-8116-8283969E6C75}"/>
+              </a:ext>
+            </a:extLst>
+          </p:cNvPr>
+          <p:cNvPicPr>
+            <a:picLocks noChangeAspect="1" noChangeArrowheads="1"/>
+          </p:cNvPicPr>
+          <p:nvPr/>
+        </p:nvPicPr>
+        <p:blipFill>
+          <a:blip r:embed="rId3" cstate="print">
+            <a:extLst>
+              <a:ext uri="{28A0092B-C50C-407E-A947-70E740481C1C}">
+                <a14:useLocalDpi xmlns:a14="http://schemas.microsoft.com/office/drawing/2010/main" val="0"/>
+              </a:ext>
+            </a:extLst>
+          </a:blip>
+          <a:srcRect/>
+          <a:stretch>
+            <a:fillRect/>
+          </a:stretch>
+        </p:blipFill>
+        <p:spPr bwMode="auto">
+          <a:xfrm>
+            <a:off x="1002457" y="4613066"/>
+            <a:ext cx="552167" cy="641226"/>
+          </a:xfrm>
+          <a:prstGeom prst="rect">
+            <a:avLst/>
+          </a:prstGeom>
+          <a:noFill/>
+          <a:extLst>
+            <a:ext uri="{909E8E84-426E-40DD-AFC4-6F175D3DCCD1}">
+              <a14:hiddenFill xmlns:a14="http://schemas.microsoft.com/office/drawing/2010/main">
+                <a:solidFill>
+                  <a:srgbClr val="FFFFFF"/>
+                </a:solidFill>
+              </a14:hiddenFill>
+            </a:ext>
+          </a:extLst>
+        </p:spPr>
+      </p:pic>
+      <p:sp>
+        <p:nvSpPr>
+          <p:cNvPr id="26" name="テキスト ボックス 25">
+            <a:extLst>
+              <a:ext uri="{FF2B5EF4-FFF2-40B4-BE49-F238E27FC236}">
+                <a16:creationId xmlns:a16="http://schemas.microsoft.com/office/drawing/2014/main" id="{AD201959-F5AC-42C5-BB49-C214328495A4}"/>
+              </a:ext>
+            </a:extLst>
+          </p:cNvPr>
+          <p:cNvSpPr txBox="1"/>
+          <p:nvPr/>
+        </p:nvSpPr>
+        <p:spPr>
+          <a:xfrm>
+            <a:off x="623367" y="5333146"/>
+            <a:ext cx="1313180" cy="400110"/>
+          </a:xfrm>
+          <a:prstGeom prst="rect">
+            <a:avLst/>
+          </a:prstGeom>
+          <a:noFill/>
+        </p:spPr>
+        <p:txBody>
+          <a:bodyPr wrap="none" rtlCol="0">
+            <a:spAutoFit/>
+          </a:bodyPr>
+          <a:lstStyle/>
+          <a:p>
+            <a:r>
+              <a:rPr lang="en-US" altLang="ja-JP" sz="2000">
+                <a:latin typeface="Consolas" panose="020B0609020204030204" pitchFamily="49" charset="0"/>
+              </a:rPr>
+              <a:t>fig1.png</a:t>
+            </a:r>
+            <a:endParaRPr lang="en-US" sz="2000">
+              <a:latin typeface="Consolas" panose="020B0609020204030204" pitchFamily="49" charset="0"/>
+            </a:endParaRPr>
+          </a:p>
+        </p:txBody>
+      </p:sp>
+      <p:cxnSp>
+        <p:nvCxnSpPr>
+          <p:cNvPr id="24" name="コネクタ: カギ線 23">
+            <a:extLst>
+              <a:ext uri="{FF2B5EF4-FFF2-40B4-BE49-F238E27FC236}">
+                <a16:creationId xmlns:a16="http://schemas.microsoft.com/office/drawing/2014/main" id="{74541450-0521-4916-9390-B7E81FB6FBA5}"/>
+              </a:ext>
+            </a:extLst>
+          </p:cNvPr>
+          <p:cNvCxnSpPr>
+            <a:cxnSpLocks/>
+            <a:stCxn id="7" idx="2"/>
+            <a:endCxn id="17" idx="0"/>
+          </p:cNvCxnSpPr>
+          <p:nvPr/>
+        </p:nvCxnSpPr>
+        <p:spPr>
+          <a:xfrm rot="5400000">
+            <a:off x="1419543" y="3001520"/>
+            <a:ext cx="423916" cy="638937"/>
+          </a:xfrm>
+          <a:prstGeom prst="bentConnector3">
+            <a:avLst/>
+          </a:prstGeom>
+          <a:ln>
+            <a:solidFill>
+              <a:schemeClr val="tx1"/>
+            </a:solidFill>
+            <a:headEnd type="none" w="med" len="med"/>
+            <a:tailEnd type="none" w="med" len="med"/>
+          </a:ln>
+        </p:spPr>
+        <p:style>
+          <a:lnRef idx="1">
+            <a:schemeClr val="accent1"/>
+          </a:lnRef>
+          <a:fillRef idx="0">
+            <a:schemeClr val="accent1"/>
+          </a:fillRef>
+          <a:effectRef idx="0">
+            <a:schemeClr val="accent1"/>
+          </a:effectRef>
+          <a:fontRef idx="minor">
+            <a:schemeClr val="tx1"/>
+          </a:fontRef>
+        </p:style>
+      </p:cxnSp>
+      <p:cxnSp>
+        <p:nvCxnSpPr>
+          <p:cNvPr id="28" name="コネクタ: カギ線 27">
+            <a:extLst>
+              <a:ext uri="{FF2B5EF4-FFF2-40B4-BE49-F238E27FC236}">
+                <a16:creationId xmlns:a16="http://schemas.microsoft.com/office/drawing/2014/main" id="{694024E3-3AAA-445C-BB35-9969E8E8EBEC}"/>
+              </a:ext>
+            </a:extLst>
+          </p:cNvPr>
+          <p:cNvCxnSpPr>
+            <a:cxnSpLocks/>
+            <a:stCxn id="7" idx="2"/>
+            <a:endCxn id="19" idx="0"/>
+          </p:cNvCxnSpPr>
+          <p:nvPr/>
+        </p:nvCxnSpPr>
+        <p:spPr>
+          <a:xfrm rot="16200000" flipH="1">
+            <a:off x="2065640" y="2994359"/>
+            <a:ext cx="423916" cy="653258"/>
+          </a:xfrm>
+          <a:prstGeom prst="bentConnector3">
+            <a:avLst/>
+          </a:prstGeom>
+          <a:ln>
+            <a:solidFill>
+              <a:schemeClr val="tx1"/>
+            </a:solidFill>
+            <a:headEnd type="none" w="med" len="med"/>
+            <a:tailEnd type="none" w="med" len="med"/>
+          </a:ln>
+        </p:spPr>
+        <p:style>
+          <a:lnRef idx="1">
+            <a:schemeClr val="accent1"/>
+          </a:lnRef>
+          <a:fillRef idx="0">
+            <a:schemeClr val="accent1"/>
+          </a:fillRef>
+          <a:effectRef idx="0">
+            <a:schemeClr val="accent1"/>
+          </a:effectRef>
+          <a:fontRef idx="minor">
+            <a:schemeClr val="tx1"/>
+          </a:fontRef>
+        </p:style>
+      </p:cxnSp>
+      <p:cxnSp>
+        <p:nvCxnSpPr>
+          <p:cNvPr id="32" name="直線コネクタ 31">
+            <a:extLst>
+              <a:ext uri="{FF2B5EF4-FFF2-40B4-BE49-F238E27FC236}">
+                <a16:creationId xmlns:a16="http://schemas.microsoft.com/office/drawing/2014/main" id="{EE8145A5-6C01-4DCB-AC9F-297F65B4B23E}"/>
+              </a:ext>
+            </a:extLst>
+          </p:cNvPr>
+          <p:cNvCxnSpPr>
+            <a:stCxn id="1028" idx="0"/>
+            <a:endCxn id="18" idx="2"/>
+          </p:cNvCxnSpPr>
+          <p:nvPr/>
+        </p:nvCxnSpPr>
+        <p:spPr>
+          <a:xfrm flipH="1" flipV="1">
+            <a:off x="1272578" y="4437112"/>
+            <a:ext cx="5963" cy="175954"/>
+          </a:xfrm>
+          <a:prstGeom prst="line">
+            <a:avLst/>
+          </a:prstGeom>
+          <a:ln>
+            <a:solidFill>
+              <a:schemeClr val="tx1"/>
+            </a:solidFill>
+            <a:headEnd type="none" w="med" len="med"/>
+            <a:tailEnd type="none" w="med" len="med"/>
+          </a:ln>
+        </p:spPr>
+        <p:style>
+          <a:lnRef idx="1">
+            <a:schemeClr val="accent1"/>
+          </a:lnRef>
+          <a:fillRef idx="0">
+            <a:schemeClr val="accent1"/>
+          </a:fillRef>
+          <a:effectRef idx="0">
+            <a:schemeClr val="accent1"/>
+          </a:effectRef>
+          <a:fontRef idx="minor">
+            <a:schemeClr val="tx1"/>
+          </a:fontRef>
+        </p:style>
+      </p:cxnSp>
+      <p:sp>
+        <p:nvSpPr>
+          <p:cNvPr id="33" name="四角形: 角を丸くする 32">
+            <a:extLst>
+              <a:ext uri="{FF2B5EF4-FFF2-40B4-BE49-F238E27FC236}">
+                <a16:creationId xmlns:a16="http://schemas.microsoft.com/office/drawing/2014/main" id="{E2CD433E-ACF9-4CF3-BBD9-DC10BA99B612}"/>
+              </a:ext>
+            </a:extLst>
+          </p:cNvPr>
+          <p:cNvSpPr/>
+          <p:nvPr/>
+        </p:nvSpPr>
+        <p:spPr>
+          <a:xfrm>
+            <a:off x="1475656" y="2132856"/>
+            <a:ext cx="936104" cy="648072"/>
+          </a:xfrm>
+          <a:prstGeom prst="roundRect">
+            <a:avLst/>
+          </a:prstGeom>
+          <a:noFill/>
+          <a:ln w="38100">
+            <a:solidFill>
+              <a:srgbClr val="011893"/>
+            </a:solidFill>
+            <a:prstDash val="sysDash"/>
+          </a:ln>
+        </p:spPr>
+        <p:style>
+          <a:lnRef idx="2">
+            <a:schemeClr val="accent1">
+              <a:shade val="50000"/>
+            </a:schemeClr>
+          </a:lnRef>
+          <a:fillRef idx="1">
+            <a:schemeClr val="accent1"/>
+          </a:fillRef>
+          <a:effectRef idx="0">
+            <a:schemeClr val="accent1"/>
+          </a:effectRef>
+          <a:fontRef idx="minor">
+            <a:schemeClr val="lt1"/>
+          </a:fontRef>
+        </p:style>
+        <p:txBody>
+          <a:bodyPr rtlCol="0" anchor="ctr"/>
+          <a:lstStyle/>
+          <a:p>
+            <a:pPr algn="ctr"/>
+            <a:endParaRPr kumimoji="1" lang="en-US"/>
+          </a:p>
+        </p:txBody>
+      </p:sp>
+      <p:sp>
+        <p:nvSpPr>
+          <p:cNvPr id="34" name="テキスト ボックス 33">
+            <a:extLst>
+              <a:ext uri="{FF2B5EF4-FFF2-40B4-BE49-F238E27FC236}">
+                <a16:creationId xmlns:a16="http://schemas.microsoft.com/office/drawing/2014/main" id="{5850D237-AFE4-4981-B9D2-D7237CEA2DC9}"/>
+              </a:ext>
+            </a:extLst>
+          </p:cNvPr>
+          <p:cNvSpPr txBox="1"/>
+          <p:nvPr/>
+        </p:nvSpPr>
+        <p:spPr>
+          <a:xfrm>
+            <a:off x="395536" y="2276872"/>
+            <a:ext cx="1107996" cy="461665"/>
+          </a:xfrm>
+          <a:prstGeom prst="rect">
+            <a:avLst/>
+          </a:prstGeom>
+          <a:noFill/>
+        </p:spPr>
+        <p:txBody>
+          <a:bodyPr wrap="none" rtlCol="0">
+            <a:spAutoFit/>
+          </a:bodyPr>
+          <a:lstStyle/>
+          <a:p>
+            <a:r>
+              <a:rPr lang="ja-JP" altLang="en-US" sz="1200"/>
+              <a:t>カレント</a:t>
+            </a:r>
+            <a:endParaRPr lang="en-US" altLang="ja-JP" sz="1200"/>
+          </a:p>
+          <a:p>
+            <a:r>
+              <a:rPr lang="ja-JP" altLang="en-US" sz="1200"/>
+              <a:t>ディレクトリ</a:t>
+            </a:r>
+            <a:endParaRPr lang="en-US" sz="1200"/>
+          </a:p>
+        </p:txBody>
+      </p:sp>
+      <p:sp>
+        <p:nvSpPr>
+          <p:cNvPr id="37" name="テキスト ボックス 36">
+            <a:extLst>
+              <a:ext uri="{FF2B5EF4-FFF2-40B4-BE49-F238E27FC236}">
+                <a16:creationId xmlns:a16="http://schemas.microsoft.com/office/drawing/2014/main" id="{93C9ED76-7DDB-4417-B889-5E39DB9B53F5}"/>
+              </a:ext>
+            </a:extLst>
+          </p:cNvPr>
+          <p:cNvSpPr txBox="1"/>
+          <p:nvPr/>
+        </p:nvSpPr>
+        <p:spPr>
+          <a:xfrm>
+            <a:off x="1259632" y="980728"/>
+            <a:ext cx="1107996" cy="461665"/>
+          </a:xfrm>
+          <a:prstGeom prst="rect">
+            <a:avLst/>
+          </a:prstGeom>
+          <a:noFill/>
+        </p:spPr>
+        <p:txBody>
+          <a:bodyPr wrap="none" rtlCol="0">
+            <a:spAutoFit/>
+          </a:bodyPr>
+          <a:lstStyle/>
+          <a:p>
+            <a:r>
+              <a:rPr lang="ja-JP" altLang="en-US" sz="1200"/>
+              <a:t>ルート</a:t>
+            </a:r>
+            <a:endParaRPr lang="en-US" altLang="ja-JP" sz="1200"/>
+          </a:p>
+          <a:p>
+            <a:r>
+              <a:rPr lang="ja-JP" altLang="en-US" sz="1200"/>
+              <a:t>ディレクトリ</a:t>
+            </a:r>
+            <a:endParaRPr lang="en-US" sz="1200"/>
+          </a:p>
+        </p:txBody>
+      </p:sp>
+      <p:sp>
+        <p:nvSpPr>
+          <p:cNvPr id="38" name="四角形: 角を丸くする 37">
+            <a:extLst>
+              <a:ext uri="{FF2B5EF4-FFF2-40B4-BE49-F238E27FC236}">
+                <a16:creationId xmlns:a16="http://schemas.microsoft.com/office/drawing/2014/main" id="{9D29767E-DDD9-4D61-85FC-9122F6DD2B05}"/>
+              </a:ext>
+            </a:extLst>
+          </p:cNvPr>
+          <p:cNvSpPr/>
+          <p:nvPr/>
+        </p:nvSpPr>
+        <p:spPr>
+          <a:xfrm>
+            <a:off x="827584" y="4581128"/>
+            <a:ext cx="936104" cy="720080"/>
+          </a:xfrm>
+          <a:prstGeom prst="roundRect">
+            <a:avLst/>
+          </a:prstGeom>
+          <a:noFill/>
+          <a:ln w="38100">
+            <a:solidFill>
+              <a:srgbClr val="FF0000"/>
+            </a:solidFill>
+            <a:prstDash val="sysDash"/>
+          </a:ln>
+        </p:spPr>
+        <p:style>
+          <a:lnRef idx="2">
+            <a:schemeClr val="accent1">
+              <a:shade val="50000"/>
+            </a:schemeClr>
+          </a:lnRef>
+          <a:fillRef idx="1">
+            <a:schemeClr val="accent1"/>
+          </a:fillRef>
+          <a:effectRef idx="0">
+            <a:schemeClr val="accent1"/>
+          </a:effectRef>
+          <a:fontRef idx="minor">
+            <a:schemeClr val="lt1"/>
+          </a:fontRef>
+        </p:style>
+        <p:txBody>
+          <a:bodyPr rtlCol="0" anchor="ctr"/>
+          <a:lstStyle/>
+          <a:p>
+            <a:pPr algn="ctr"/>
+            <a:endParaRPr kumimoji="1" lang="en-US"/>
+          </a:p>
+        </p:txBody>
+      </p:sp>
+      <p:sp>
+        <p:nvSpPr>
+          <p:cNvPr id="39" name="テキスト ボックス 38">
+            <a:extLst>
+              <a:ext uri="{FF2B5EF4-FFF2-40B4-BE49-F238E27FC236}">
+                <a16:creationId xmlns:a16="http://schemas.microsoft.com/office/drawing/2014/main" id="{707CDDFF-0855-4E60-A9D3-2C8D922D4D34}"/>
+              </a:ext>
+            </a:extLst>
+          </p:cNvPr>
+          <p:cNvSpPr txBox="1"/>
+          <p:nvPr/>
+        </p:nvSpPr>
+        <p:spPr>
+          <a:xfrm>
+            <a:off x="25896" y="4725144"/>
+            <a:ext cx="800219" cy="461665"/>
+          </a:xfrm>
+          <a:prstGeom prst="rect">
+            <a:avLst/>
+          </a:prstGeom>
+          <a:noFill/>
+        </p:spPr>
+        <p:txBody>
+          <a:bodyPr wrap="none" rtlCol="0">
+            <a:spAutoFit/>
+          </a:bodyPr>
+          <a:lstStyle/>
+          <a:p>
+            <a:r>
+              <a:rPr lang="ja-JP" altLang="en-US" sz="1200"/>
+              <a:t>目的の</a:t>
+            </a:r>
+            <a:endParaRPr lang="en-US" altLang="ja-JP" sz="1200"/>
+          </a:p>
+          <a:p>
+            <a:r>
+              <a:rPr lang="ja-JP" altLang="en-US" sz="1200"/>
+              <a:t>ファイル</a:t>
+            </a:r>
+            <a:endParaRPr lang="en-US" sz="1200"/>
+          </a:p>
+        </p:txBody>
+      </p:sp>
+      <p:sp>
+        <p:nvSpPr>
+          <p:cNvPr id="35" name="テキスト ボックス 34">
+            <a:extLst>
+              <a:ext uri="{FF2B5EF4-FFF2-40B4-BE49-F238E27FC236}">
+                <a16:creationId xmlns:a16="http://schemas.microsoft.com/office/drawing/2014/main" id="{4583D7D0-A781-4C49-A5F9-D5AEF45D6042}"/>
+              </a:ext>
+            </a:extLst>
+          </p:cNvPr>
+          <p:cNvSpPr txBox="1"/>
+          <p:nvPr/>
+        </p:nvSpPr>
+        <p:spPr>
+          <a:xfrm>
+            <a:off x="4860032" y="4653136"/>
+            <a:ext cx="3930884" cy="523220"/>
+          </a:xfrm>
+          <a:prstGeom prst="rect">
+            <a:avLst/>
+          </a:prstGeom>
+          <a:noFill/>
+          <a:ln>
+            <a:solidFill>
+              <a:schemeClr val="tx1"/>
+            </a:solidFill>
+          </a:ln>
+        </p:spPr>
+        <p:txBody>
+          <a:bodyPr wrap="none" rtlCol="0">
+            <a:spAutoFit/>
+          </a:bodyPr>
+          <a:lstStyle/>
+          <a:p>
+            <a:r>
+              <a:rPr lang="en-US" sz="2800">
+                <a:latin typeface="Consolas" panose="020B0609020204030204" pitchFamily="49" charset="0"/>
+              </a:rPr>
+              <a:t>c/Data/Fig/fig1.png</a:t>
+            </a:r>
+          </a:p>
+        </p:txBody>
+      </p:sp>
+      <p:sp>
+        <p:nvSpPr>
+          <p:cNvPr id="41" name="テキスト ボックス 40">
+            <a:extLst>
+              <a:ext uri="{FF2B5EF4-FFF2-40B4-BE49-F238E27FC236}">
+                <a16:creationId xmlns:a16="http://schemas.microsoft.com/office/drawing/2014/main" id="{15490A62-6BE3-4B4F-8D86-3D7A65BB9BAE}"/>
+              </a:ext>
+            </a:extLst>
+          </p:cNvPr>
+          <p:cNvSpPr txBox="1"/>
+          <p:nvPr/>
+        </p:nvSpPr>
+        <p:spPr>
+          <a:xfrm>
+            <a:off x="4860032" y="5445224"/>
+            <a:ext cx="2550698" cy="523220"/>
+          </a:xfrm>
+          <a:prstGeom prst="rect">
+            <a:avLst/>
+          </a:prstGeom>
+          <a:noFill/>
+          <a:ln>
+            <a:solidFill>
+              <a:schemeClr val="tx1"/>
+            </a:solidFill>
+          </a:ln>
+        </p:spPr>
+        <p:txBody>
+          <a:bodyPr wrap="none" rtlCol="0">
+            <a:spAutoFit/>
+          </a:bodyPr>
+          <a:lstStyle/>
+          <a:p>
+            <a:r>
+              <a:rPr lang="en-US" sz="2800">
+                <a:latin typeface="Consolas" panose="020B0609020204030204" pitchFamily="49" charset="0"/>
+              </a:rPr>
+              <a:t>Fig/fig1.png</a:t>
+            </a:r>
+          </a:p>
+        </p:txBody>
+      </p:sp>
+      <p:sp>
+        <p:nvSpPr>
+          <p:cNvPr id="36" name="テキスト ボックス 35">
+            <a:extLst>
+              <a:ext uri="{FF2B5EF4-FFF2-40B4-BE49-F238E27FC236}">
+                <a16:creationId xmlns:a16="http://schemas.microsoft.com/office/drawing/2014/main" id="{482D98F1-6C3A-42BB-B68B-B7BB0293124E}"/>
+              </a:ext>
+            </a:extLst>
+          </p:cNvPr>
+          <p:cNvSpPr txBox="1"/>
+          <p:nvPr/>
+        </p:nvSpPr>
+        <p:spPr>
+          <a:xfrm>
+            <a:off x="3167067" y="4653136"/>
+            <a:ext cx="1620957" cy="523220"/>
+          </a:xfrm>
+          <a:prstGeom prst="rect">
+            <a:avLst/>
+          </a:prstGeom>
+          <a:noFill/>
+        </p:spPr>
+        <p:txBody>
+          <a:bodyPr wrap="none" rtlCol="0">
+            <a:spAutoFit/>
+          </a:bodyPr>
+          <a:lstStyle/>
+          <a:p>
+            <a:r>
+              <a:rPr lang="ja-JP" altLang="en-US" sz="2800"/>
+              <a:t>絶対パス</a:t>
+            </a:r>
+            <a:endParaRPr lang="en-US" sz="2800"/>
+          </a:p>
+        </p:txBody>
+      </p:sp>
+      <p:sp>
+        <p:nvSpPr>
+          <p:cNvPr id="43" name="テキスト ボックス 42">
+            <a:extLst>
+              <a:ext uri="{FF2B5EF4-FFF2-40B4-BE49-F238E27FC236}">
+                <a16:creationId xmlns:a16="http://schemas.microsoft.com/office/drawing/2014/main" id="{E3AD80BE-ED13-40CE-B9FD-80B0F24F371A}"/>
+              </a:ext>
+            </a:extLst>
+          </p:cNvPr>
+          <p:cNvSpPr txBox="1"/>
+          <p:nvPr/>
+        </p:nvSpPr>
+        <p:spPr>
+          <a:xfrm>
+            <a:off x="3131840" y="5445224"/>
+            <a:ext cx="1620957" cy="523220"/>
+          </a:xfrm>
+          <a:prstGeom prst="rect">
+            <a:avLst/>
+          </a:prstGeom>
+          <a:noFill/>
+        </p:spPr>
+        <p:txBody>
+          <a:bodyPr wrap="none" rtlCol="0">
+            <a:spAutoFit/>
+          </a:bodyPr>
+          <a:lstStyle/>
+          <a:p>
+            <a:r>
+              <a:rPr lang="ja-JP" altLang="en-US" sz="2800"/>
+              <a:t>相対パス</a:t>
+            </a:r>
+            <a:endParaRPr lang="en-US" sz="2800"/>
+          </a:p>
+        </p:txBody>
+      </p:sp>
+    </p:spTree>
+    <p:extLst>
+      <p:ext uri="{BB962C8B-B14F-4D97-AF65-F5344CB8AC3E}">
+        <p14:creationId xmlns:p14="http://schemas.microsoft.com/office/powerpoint/2010/main" val="2753096192"/>
+      </p:ext>
+    </p:extLst>
+  </p:cSld>
+  <p:clrMapOvr>
+    <a:masterClrMapping/>
+  </p:clrMapOvr>
+</p:sld>
+</file>
+
+<file path=ppt/slides/slide11.xml><?xml version="1.0" encoding="utf-8"?>
+<p:sld xmlns:a="http://schemas.openxmlformats.org/drawingml/2006/main" xmlns:r="http://schemas.openxmlformats.org/officeDocument/2006/relationships" xmlns:p="http://schemas.openxmlformats.org/presentationml/2006/main">
+  <p:cSld>
+    <p:spTree>
+      <p:nvGrpSpPr>
+        <p:cNvPr id="1" name=""/>
+        <p:cNvGrpSpPr/>
+        <p:nvPr/>
+      </p:nvGrpSpPr>
+      <p:grpSpPr>
+        <a:xfrm>
+          <a:off x="0" y="0"/>
+          <a:ext cx="0" cy="0"/>
+          <a:chOff x="0" y="0"/>
+          <a:chExt cx="0" cy="0"/>
+        </a:xfrm>
+      </p:grpSpPr>
+      <p:sp>
+        <p:nvSpPr>
+          <p:cNvPr id="2" name="テキスト プレースホルダー 1">
+            <a:extLst>
+              <a:ext uri="{FF2B5EF4-FFF2-40B4-BE49-F238E27FC236}">
+                <a16:creationId xmlns:a16="http://schemas.microsoft.com/office/drawing/2014/main" id="{3FF97BC2-BA6C-4127-959D-57F8172DCBE4}"/>
+              </a:ext>
+            </a:extLst>
+          </p:cNvPr>
+          <p:cNvSpPr>
+            <a:spLocks noGrp="1"/>
+          </p:cNvSpPr>
+          <p:nvPr>
+            <p:ph type="body" sz="quarter" idx="10"/>
+          </p:nvPr>
+        </p:nvSpPr>
+        <p:spPr/>
+        <p:txBody>
+          <a:bodyPr/>
+          <a:lstStyle/>
+          <a:p>
+            <a:r>
+              <a:rPr lang="ja-JP" altLang="en-US"/>
+              <a:t>ディレクトリとパス</a:t>
+            </a:r>
+            <a:endParaRPr lang="en-US"/>
+          </a:p>
+        </p:txBody>
+      </p:sp>
+      <p:sp>
+        <p:nvSpPr>
+          <p:cNvPr id="3" name="テキスト ボックス 2">
+            <a:extLst>
+              <a:ext uri="{FF2B5EF4-FFF2-40B4-BE49-F238E27FC236}">
+                <a16:creationId xmlns:a16="http://schemas.microsoft.com/office/drawing/2014/main" id="{10211BE7-0D9C-4521-B5EC-BF5266B51E24}"/>
+              </a:ext>
+            </a:extLst>
+          </p:cNvPr>
+          <p:cNvSpPr txBox="1"/>
+          <p:nvPr/>
+        </p:nvSpPr>
+        <p:spPr>
+          <a:xfrm>
+            <a:off x="323528" y="1196752"/>
+            <a:ext cx="3416320" cy="523220"/>
+          </a:xfrm>
+          <a:prstGeom prst="rect">
+            <a:avLst/>
+          </a:prstGeom>
+          <a:noFill/>
+        </p:spPr>
+        <p:txBody>
+          <a:bodyPr wrap="none" rtlCol="0">
+            <a:spAutoFit/>
+          </a:bodyPr>
+          <a:lstStyle/>
+          <a:p>
+            <a:r>
+              <a:rPr lang="ja-JP" altLang="en-US" sz="2800"/>
+              <a:t>特別なディレクトリ</a:t>
+            </a:r>
+            <a:endParaRPr lang="en-US" sz="2800"/>
+          </a:p>
+        </p:txBody>
+      </p:sp>
+      <p:sp>
+        <p:nvSpPr>
+          <p:cNvPr id="4" name="テキスト ボックス 3">
+            <a:extLst>
+              <a:ext uri="{FF2B5EF4-FFF2-40B4-BE49-F238E27FC236}">
+                <a16:creationId xmlns:a16="http://schemas.microsoft.com/office/drawing/2014/main" id="{EFA4B3E5-4EE3-4670-9FB0-20C80EC03C27}"/>
+              </a:ext>
+            </a:extLst>
+          </p:cNvPr>
+          <p:cNvSpPr txBox="1"/>
+          <p:nvPr/>
+        </p:nvSpPr>
+        <p:spPr>
+          <a:xfrm>
+            <a:off x="805788" y="1969676"/>
+            <a:ext cx="381836" cy="523220"/>
+          </a:xfrm>
+          <a:prstGeom prst="rect">
+            <a:avLst/>
+          </a:prstGeom>
+          <a:noFill/>
+        </p:spPr>
+        <p:txBody>
+          <a:bodyPr wrap="none" rtlCol="0">
+            <a:spAutoFit/>
+          </a:bodyPr>
+          <a:lstStyle/>
+          <a:p>
+            <a:r>
+              <a:rPr lang="en-US" altLang="ja-JP" sz="2800">
+                <a:solidFill>
+                  <a:srgbClr val="011893"/>
+                </a:solidFill>
+                <a:latin typeface="Consolas" panose="020B0609020204030204" pitchFamily="49" charset="0"/>
+              </a:rPr>
+              <a:t>.</a:t>
+            </a:r>
+            <a:endParaRPr lang="en-US" sz="2800">
+              <a:solidFill>
+                <a:srgbClr val="011893"/>
+              </a:solidFill>
+              <a:latin typeface="Consolas" panose="020B0609020204030204" pitchFamily="49" charset="0"/>
+            </a:endParaRPr>
+          </a:p>
+        </p:txBody>
+      </p:sp>
+      <p:sp>
+        <p:nvSpPr>
+          <p:cNvPr id="5" name="テキスト ボックス 4">
+            <a:extLst>
+              <a:ext uri="{FF2B5EF4-FFF2-40B4-BE49-F238E27FC236}">
+                <a16:creationId xmlns:a16="http://schemas.microsoft.com/office/drawing/2014/main" id="{F8739A51-889D-4C1C-8DD6-EEE53DE4A898}"/>
+              </a:ext>
+            </a:extLst>
+          </p:cNvPr>
+          <p:cNvSpPr txBox="1"/>
+          <p:nvPr/>
+        </p:nvSpPr>
+        <p:spPr>
+          <a:xfrm>
+            <a:off x="755576" y="2545740"/>
+            <a:ext cx="579005" cy="523220"/>
+          </a:xfrm>
+          <a:prstGeom prst="rect">
+            <a:avLst/>
+          </a:prstGeom>
+          <a:noFill/>
+        </p:spPr>
+        <p:txBody>
+          <a:bodyPr wrap="none" rtlCol="0">
+            <a:spAutoFit/>
+          </a:bodyPr>
+          <a:lstStyle/>
+          <a:p>
+            <a:r>
+              <a:rPr lang="en-US" altLang="ja-JP" sz="2800">
+                <a:solidFill>
+                  <a:srgbClr val="011893"/>
+                </a:solidFill>
+                <a:latin typeface="Consolas" panose="020B0609020204030204" pitchFamily="49" charset="0"/>
+              </a:rPr>
+              <a:t>..</a:t>
+            </a:r>
+            <a:endParaRPr lang="en-US" sz="2800">
+              <a:solidFill>
+                <a:srgbClr val="011893"/>
+              </a:solidFill>
+              <a:latin typeface="Consolas" panose="020B0609020204030204" pitchFamily="49" charset="0"/>
+            </a:endParaRPr>
+          </a:p>
+        </p:txBody>
+      </p:sp>
+      <p:sp>
+        <p:nvSpPr>
+          <p:cNvPr id="6" name="テキスト ボックス 5">
+            <a:extLst>
+              <a:ext uri="{FF2B5EF4-FFF2-40B4-BE49-F238E27FC236}">
+                <a16:creationId xmlns:a16="http://schemas.microsoft.com/office/drawing/2014/main" id="{B6DE13DF-D528-43D3-9902-09A00540A425}"/>
+              </a:ext>
+            </a:extLst>
+          </p:cNvPr>
+          <p:cNvSpPr txBox="1"/>
+          <p:nvPr/>
+        </p:nvSpPr>
+        <p:spPr>
+          <a:xfrm>
+            <a:off x="1403648" y="1988840"/>
+            <a:ext cx="3775393" cy="523220"/>
+          </a:xfrm>
+          <a:prstGeom prst="rect">
+            <a:avLst/>
+          </a:prstGeom>
+          <a:noFill/>
+        </p:spPr>
+        <p:txBody>
+          <a:bodyPr wrap="none" rtlCol="0">
+            <a:spAutoFit/>
+          </a:bodyPr>
+          <a:lstStyle/>
+          <a:p>
+            <a:r>
+              <a:rPr lang="ja-JP" altLang="en-US" sz="2800"/>
+              <a:t>カレントディレクトリ</a:t>
+            </a:r>
+            <a:endParaRPr lang="en-US" sz="2800"/>
+          </a:p>
+        </p:txBody>
+      </p:sp>
+      <p:sp>
+        <p:nvSpPr>
+          <p:cNvPr id="7" name="テキスト ボックス 6">
+            <a:extLst>
+              <a:ext uri="{FF2B5EF4-FFF2-40B4-BE49-F238E27FC236}">
+                <a16:creationId xmlns:a16="http://schemas.microsoft.com/office/drawing/2014/main" id="{B947B57B-C152-4317-B31C-3D0C1BC29C1A}"/>
+              </a:ext>
+            </a:extLst>
+          </p:cNvPr>
+          <p:cNvSpPr txBox="1"/>
+          <p:nvPr/>
+        </p:nvSpPr>
+        <p:spPr>
+          <a:xfrm>
+            <a:off x="1403648" y="2545740"/>
+            <a:ext cx="6647974" cy="523220"/>
+          </a:xfrm>
+          <a:prstGeom prst="rect">
+            <a:avLst/>
+          </a:prstGeom>
+          <a:noFill/>
+        </p:spPr>
+        <p:txBody>
+          <a:bodyPr wrap="none" rtlCol="0">
+            <a:spAutoFit/>
+          </a:bodyPr>
+          <a:lstStyle/>
+          <a:p>
+            <a:r>
+              <a:rPr lang="ja-JP" altLang="en-US" sz="2800"/>
+              <a:t>カレントディレクトリの親ディレクトリ</a:t>
+            </a:r>
+            <a:endParaRPr lang="en-US" sz="2800"/>
+          </a:p>
+        </p:txBody>
+      </p:sp>
+      <p:sp>
+        <p:nvSpPr>
+          <p:cNvPr id="8" name="テキスト ボックス 7">
+            <a:extLst>
+              <a:ext uri="{FF2B5EF4-FFF2-40B4-BE49-F238E27FC236}">
+                <a16:creationId xmlns:a16="http://schemas.microsoft.com/office/drawing/2014/main" id="{021819AA-514C-459A-808B-07622C26DE3A}"/>
+              </a:ext>
+            </a:extLst>
+          </p:cNvPr>
+          <p:cNvSpPr txBox="1"/>
+          <p:nvPr/>
+        </p:nvSpPr>
+        <p:spPr>
+          <a:xfrm>
+            <a:off x="251520" y="3789040"/>
+            <a:ext cx="8443337" cy="523220"/>
+          </a:xfrm>
+          <a:prstGeom prst="rect">
+            <a:avLst/>
+          </a:prstGeom>
+          <a:noFill/>
+        </p:spPr>
+        <p:txBody>
+          <a:bodyPr wrap="none" rtlCol="0">
+            <a:spAutoFit/>
+          </a:bodyPr>
+          <a:lstStyle/>
+          <a:p>
+            <a:r>
+              <a:rPr lang="ja-JP" altLang="en-US" sz="2800"/>
+              <a:t>相対パスで「真下」以外のパスを指定するのに使用</a:t>
+            </a:r>
+            <a:endParaRPr lang="en-US" sz="2800"/>
+          </a:p>
+        </p:txBody>
+      </p:sp>
+    </p:spTree>
+    <p:extLst>
+      <p:ext uri="{BB962C8B-B14F-4D97-AF65-F5344CB8AC3E}">
+        <p14:creationId xmlns:p14="http://schemas.microsoft.com/office/powerpoint/2010/main" val="2735808148"/>
+      </p:ext>
+    </p:extLst>
+  </p:cSld>
+  <p:clrMapOvr>
+    <a:masterClrMapping/>
+  </p:clrMapOvr>
+</p:sld>
+</file>
+
+<file path=ppt/slides/slide12.xml><?xml version="1.0" encoding="utf-8"?>
+<p:sld xmlns:a="http://schemas.openxmlformats.org/drawingml/2006/main" xmlns:r="http://schemas.openxmlformats.org/officeDocument/2006/relationships" xmlns:p="http://schemas.openxmlformats.org/presentationml/2006/main">
+  <p:cSld>
+    <p:spTree>
+      <p:nvGrpSpPr>
+        <p:cNvPr id="1" name=""/>
+        <p:cNvGrpSpPr/>
+        <p:nvPr/>
+      </p:nvGrpSpPr>
+      <p:grpSpPr>
+        <a:xfrm>
+          <a:off x="0" y="0"/>
+          <a:ext cx="0" cy="0"/>
+          <a:chOff x="0" y="0"/>
+          <a:chExt cx="0" cy="0"/>
+        </a:xfrm>
+      </p:grpSpPr>
+      <p:sp>
+        <p:nvSpPr>
+          <p:cNvPr id="2" name="テキスト プレースホルダー 1">
+            <a:extLst>
+              <a:ext uri="{FF2B5EF4-FFF2-40B4-BE49-F238E27FC236}">
+                <a16:creationId xmlns:a16="http://schemas.microsoft.com/office/drawing/2014/main" id="{DA800611-7004-4801-8132-84E0AEEDC3D4}"/>
+              </a:ext>
+            </a:extLst>
+          </p:cNvPr>
+          <p:cNvSpPr>
+            <a:spLocks noGrp="1"/>
+          </p:cNvSpPr>
+          <p:nvPr>
+            <p:ph type="body" sz="quarter" idx="10"/>
+          </p:nvPr>
+        </p:nvSpPr>
+        <p:spPr/>
+        <p:txBody>
+          <a:bodyPr/>
+          <a:lstStyle/>
+          <a:p>
+            <a:r>
+              <a:rPr lang="ja-JP" altLang="en-US"/>
+              <a:t>ディレクトリとパス</a:t>
+            </a:r>
+            <a:endParaRPr lang="en-US"/>
+          </a:p>
+        </p:txBody>
+      </p:sp>
+      <p:pic>
+        <p:nvPicPr>
+          <p:cNvPr id="1026" name="Picture 2" descr="フォルダのイラスト">
+            <a:extLst>
+              <a:ext uri="{FF2B5EF4-FFF2-40B4-BE49-F238E27FC236}">
+                <a16:creationId xmlns:a16="http://schemas.microsoft.com/office/drawing/2014/main" id="{A1FB7598-F392-4CFE-B41C-3A1C48776351}"/>
+              </a:ext>
+            </a:extLst>
+          </p:cNvPr>
+          <p:cNvPicPr>
+            <a:picLocks noChangeAspect="1" noChangeArrowheads="1"/>
+          </p:cNvPicPr>
+          <p:nvPr/>
+        </p:nvPicPr>
+        <p:blipFill>
+          <a:blip r:embed="rId2" cstate="print">
+            <a:extLst>
+              <a:ext uri="{28A0092B-C50C-407E-A947-70E740481C1C}">
+                <a14:useLocalDpi xmlns:a14="http://schemas.microsoft.com/office/drawing/2010/main" val="0"/>
+              </a:ext>
+            </a:extLst>
+          </a:blip>
+          <a:srcRect/>
+          <a:stretch>
+            <a:fillRect/>
+          </a:stretch>
+        </p:blipFill>
+        <p:spPr bwMode="auto">
+          <a:xfrm>
+            <a:off x="2368595" y="980728"/>
+            <a:ext cx="680864" cy="570224"/>
+          </a:xfrm>
+          <a:prstGeom prst="rect">
+            <a:avLst/>
+          </a:prstGeom>
+          <a:noFill/>
+          <a:extLst>
+            <a:ext uri="{909E8E84-426E-40DD-AFC4-6F175D3DCCD1}">
+              <a14:hiddenFill xmlns:a14="http://schemas.microsoft.com/office/drawing/2010/main">
+                <a:solidFill>
+                  <a:srgbClr val="FFFFFF"/>
+                </a:solidFill>
+              </a14:hiddenFill>
+            </a:ext>
+          </a:extLst>
+        </p:spPr>
+      </p:pic>
+      <p:pic>
+        <p:nvPicPr>
+          <p:cNvPr id="4" name="Picture 2" descr="フォルダのイラスト">
+            <a:extLst>
+              <a:ext uri="{FF2B5EF4-FFF2-40B4-BE49-F238E27FC236}">
+                <a16:creationId xmlns:a16="http://schemas.microsoft.com/office/drawing/2014/main" id="{D86F8008-2E60-4D4E-AE2D-0AFEE5BE0FCD}"/>
+              </a:ext>
+            </a:extLst>
+          </p:cNvPr>
+          <p:cNvPicPr>
+            <a:picLocks noChangeAspect="1" noChangeArrowheads="1"/>
+          </p:cNvPicPr>
+          <p:nvPr/>
+        </p:nvPicPr>
+        <p:blipFill>
+          <a:blip r:embed="rId2" cstate="print">
+            <a:extLst>
+              <a:ext uri="{28A0092B-C50C-407E-A947-70E740481C1C}">
+                <a14:useLocalDpi xmlns:a14="http://schemas.microsoft.com/office/drawing/2010/main" val="0"/>
+              </a:ext>
+            </a:extLst>
+          </a:blip>
+          <a:srcRect/>
+          <a:stretch>
+            <a:fillRect/>
+          </a:stretch>
+        </p:blipFill>
+        <p:spPr bwMode="auto">
+          <a:xfrm>
+            <a:off x="1619672" y="2204864"/>
+            <a:ext cx="680864" cy="570224"/>
+          </a:xfrm>
+          <a:prstGeom prst="rect">
+            <a:avLst/>
+          </a:prstGeom>
+          <a:noFill/>
+          <a:extLst>
+            <a:ext uri="{909E8E84-426E-40DD-AFC4-6F175D3DCCD1}">
+              <a14:hiddenFill xmlns:a14="http://schemas.microsoft.com/office/drawing/2010/main">
+                <a:solidFill>
+                  <a:srgbClr val="FFFFFF"/>
+                </a:solidFill>
+              </a14:hiddenFill>
+            </a:ext>
+          </a:extLst>
+        </p:spPr>
+      </p:pic>
+      <p:sp>
+        <p:nvSpPr>
+          <p:cNvPr id="3" name="テキスト ボックス 2">
+            <a:extLst>
+              <a:ext uri="{FF2B5EF4-FFF2-40B4-BE49-F238E27FC236}">
+                <a16:creationId xmlns:a16="http://schemas.microsoft.com/office/drawing/2014/main" id="{F62F98F7-B202-4746-81D8-5907D117DA0A}"/>
+              </a:ext>
+            </a:extLst>
+          </p:cNvPr>
+          <p:cNvSpPr txBox="1"/>
+          <p:nvPr/>
+        </p:nvSpPr>
+        <p:spPr>
+          <a:xfrm>
+            <a:off x="2546921" y="1444714"/>
+            <a:ext cx="325730" cy="400110"/>
+          </a:xfrm>
+          <a:prstGeom prst="rect">
+            <a:avLst/>
+          </a:prstGeom>
+          <a:noFill/>
+        </p:spPr>
+        <p:txBody>
+          <a:bodyPr wrap="none" rtlCol="0">
+            <a:spAutoFit/>
+          </a:bodyPr>
+          <a:lstStyle/>
+          <a:p>
+            <a:r>
+              <a:rPr lang="en-US" sz="2000">
+                <a:latin typeface="Consolas" panose="020B0609020204030204" pitchFamily="49" charset="0"/>
+              </a:rPr>
+              <a:t>c</a:t>
+            </a:r>
+          </a:p>
+        </p:txBody>
+      </p:sp>
+      <p:sp>
+        <p:nvSpPr>
+          <p:cNvPr id="7" name="テキスト ボックス 6">
+            <a:extLst>
+              <a:ext uri="{FF2B5EF4-FFF2-40B4-BE49-F238E27FC236}">
+                <a16:creationId xmlns:a16="http://schemas.microsoft.com/office/drawing/2014/main" id="{AA20DE0C-DF21-4F90-B2E1-C8774AD4B3EF}"/>
+              </a:ext>
+            </a:extLst>
+          </p:cNvPr>
+          <p:cNvSpPr txBox="1"/>
+          <p:nvPr/>
+        </p:nvSpPr>
+        <p:spPr>
+          <a:xfrm>
+            <a:off x="1576507" y="2708920"/>
+            <a:ext cx="748923" cy="400110"/>
+          </a:xfrm>
+          <a:prstGeom prst="rect">
+            <a:avLst/>
+          </a:prstGeom>
+          <a:noFill/>
+        </p:spPr>
+        <p:txBody>
+          <a:bodyPr wrap="none" rtlCol="0">
+            <a:spAutoFit/>
+          </a:bodyPr>
+          <a:lstStyle/>
+          <a:p>
+            <a:r>
+              <a:rPr lang="en-US" sz="2000">
+                <a:latin typeface="Consolas" panose="020B0609020204030204" pitchFamily="49" charset="0"/>
+              </a:rPr>
+              <a:t>Data</a:t>
+            </a:r>
+          </a:p>
+        </p:txBody>
+      </p:sp>
+      <p:pic>
+        <p:nvPicPr>
+          <p:cNvPr id="10" name="Picture 2" descr="フォルダのイラスト">
+            <a:extLst>
+              <a:ext uri="{FF2B5EF4-FFF2-40B4-BE49-F238E27FC236}">
+                <a16:creationId xmlns:a16="http://schemas.microsoft.com/office/drawing/2014/main" id="{28AD7562-3CCD-442A-8D97-37169F8A7FBF}"/>
+              </a:ext>
+            </a:extLst>
+          </p:cNvPr>
+          <p:cNvPicPr>
+            <a:picLocks noChangeAspect="1" noChangeArrowheads="1"/>
+          </p:cNvPicPr>
+          <p:nvPr/>
+        </p:nvPicPr>
+        <p:blipFill>
+          <a:blip r:embed="rId2" cstate="print">
+            <a:extLst>
+              <a:ext uri="{28A0092B-C50C-407E-A947-70E740481C1C}">
+                <a14:useLocalDpi xmlns:a14="http://schemas.microsoft.com/office/drawing/2010/main" val="0"/>
+              </a:ext>
+            </a:extLst>
+          </a:blip>
+          <a:srcRect/>
+          <a:stretch>
+            <a:fillRect/>
+          </a:stretch>
+        </p:blipFill>
+        <p:spPr bwMode="auto">
+          <a:xfrm>
+            <a:off x="3059832" y="2204864"/>
+            <a:ext cx="680864" cy="570224"/>
+          </a:xfrm>
+          <a:prstGeom prst="rect">
+            <a:avLst/>
+          </a:prstGeom>
+          <a:noFill/>
+          <a:extLst>
+            <a:ext uri="{909E8E84-426E-40DD-AFC4-6F175D3DCCD1}">
+              <a14:hiddenFill xmlns:a14="http://schemas.microsoft.com/office/drawing/2010/main">
+                <a:solidFill>
+                  <a:srgbClr val="FFFFFF"/>
+                </a:solidFill>
+              </a14:hiddenFill>
+            </a:ext>
+          </a:extLst>
+        </p:spPr>
+      </p:pic>
+      <p:sp>
+        <p:nvSpPr>
+          <p:cNvPr id="11" name="テキスト ボックス 10">
+            <a:extLst>
+              <a:ext uri="{FF2B5EF4-FFF2-40B4-BE49-F238E27FC236}">
+                <a16:creationId xmlns:a16="http://schemas.microsoft.com/office/drawing/2014/main" id="{5989232B-9167-4F4C-BA57-BC31FA71F87C}"/>
+              </a:ext>
+            </a:extLst>
+          </p:cNvPr>
+          <p:cNvSpPr txBox="1"/>
+          <p:nvPr/>
+        </p:nvSpPr>
+        <p:spPr>
+          <a:xfrm>
+            <a:off x="3059832" y="2740858"/>
+            <a:ext cx="748923" cy="400110"/>
+          </a:xfrm>
+          <a:prstGeom prst="rect">
+            <a:avLst/>
+          </a:prstGeom>
+          <a:noFill/>
+        </p:spPr>
+        <p:txBody>
+          <a:bodyPr wrap="none" rtlCol="0">
+            <a:spAutoFit/>
+          </a:bodyPr>
+          <a:lstStyle/>
+          <a:p>
+            <a:r>
+              <a:rPr lang="en-US" sz="2000">
+                <a:latin typeface="Consolas" panose="020B0609020204030204" pitchFamily="49" charset="0"/>
+              </a:rPr>
+              <a:t>Apps</a:t>
+            </a:r>
+          </a:p>
+        </p:txBody>
+      </p:sp>
+      <p:cxnSp>
+        <p:nvCxnSpPr>
+          <p:cNvPr id="12" name="コネクタ: カギ線 11">
+            <a:extLst>
+              <a:ext uri="{FF2B5EF4-FFF2-40B4-BE49-F238E27FC236}">
+                <a16:creationId xmlns:a16="http://schemas.microsoft.com/office/drawing/2014/main" id="{C0902AF5-66BD-4A4D-BFE4-4FCCD47B8E7D}"/>
+              </a:ext>
+            </a:extLst>
+          </p:cNvPr>
+          <p:cNvCxnSpPr>
+            <a:stCxn id="3" idx="2"/>
+            <a:endCxn id="10" idx="0"/>
+          </p:cNvCxnSpPr>
+          <p:nvPr/>
+        </p:nvCxnSpPr>
+        <p:spPr>
+          <a:xfrm rot="16200000" flipH="1">
+            <a:off x="2875005" y="1679605"/>
+            <a:ext cx="360040" cy="690478"/>
+          </a:xfrm>
+          <a:prstGeom prst="bentConnector3">
+            <a:avLst/>
+          </a:prstGeom>
+          <a:ln>
+            <a:solidFill>
+              <a:schemeClr val="tx1"/>
+            </a:solidFill>
+            <a:headEnd type="none" w="med" len="med"/>
+            <a:tailEnd type="none" w="med" len="med"/>
+          </a:ln>
+        </p:spPr>
+        <p:style>
+          <a:lnRef idx="1">
+            <a:schemeClr val="accent1"/>
+          </a:lnRef>
+          <a:fillRef idx="0">
+            <a:schemeClr val="accent1"/>
+          </a:fillRef>
+          <a:effectRef idx="0">
+            <a:schemeClr val="accent1"/>
+          </a:effectRef>
+          <a:fontRef idx="minor">
+            <a:schemeClr val="tx1"/>
+          </a:fontRef>
+        </p:style>
+      </p:cxnSp>
+      <p:cxnSp>
+        <p:nvCxnSpPr>
+          <p:cNvPr id="14" name="コネクタ: カギ線 13">
+            <a:extLst>
+              <a:ext uri="{FF2B5EF4-FFF2-40B4-BE49-F238E27FC236}">
+                <a16:creationId xmlns:a16="http://schemas.microsoft.com/office/drawing/2014/main" id="{5BB68585-4462-4BB4-8F0E-3609605FFF70}"/>
+              </a:ext>
+            </a:extLst>
+          </p:cNvPr>
+          <p:cNvCxnSpPr>
+            <a:cxnSpLocks/>
+            <a:stCxn id="3" idx="2"/>
+            <a:endCxn id="4" idx="0"/>
+          </p:cNvCxnSpPr>
+          <p:nvPr/>
+        </p:nvCxnSpPr>
+        <p:spPr>
+          <a:xfrm rot="5400000">
+            <a:off x="2154925" y="1650003"/>
+            <a:ext cx="360040" cy="749682"/>
+          </a:xfrm>
+          <a:prstGeom prst="bentConnector3">
+            <a:avLst>
+              <a:gd name="adj1" fmla="val 50000"/>
+            </a:avLst>
+          </a:prstGeom>
+          <a:ln>
+            <a:solidFill>
+              <a:schemeClr val="tx1"/>
+            </a:solidFill>
+            <a:headEnd type="none" w="med" len="med"/>
+            <a:tailEnd type="none" w="med" len="med"/>
+          </a:ln>
+        </p:spPr>
+        <p:style>
+          <a:lnRef idx="1">
+            <a:schemeClr val="accent1"/>
+          </a:lnRef>
+          <a:fillRef idx="0">
+            <a:schemeClr val="accent1"/>
+          </a:fillRef>
+          <a:effectRef idx="0">
+            <a:schemeClr val="accent1"/>
+          </a:effectRef>
+          <a:fontRef idx="minor">
+            <a:schemeClr val="tx1"/>
+          </a:fontRef>
+        </p:style>
+      </p:cxnSp>
+      <p:pic>
+        <p:nvPicPr>
+          <p:cNvPr id="17" name="Picture 2" descr="フォルダのイラスト">
+            <a:extLst>
+              <a:ext uri="{FF2B5EF4-FFF2-40B4-BE49-F238E27FC236}">
+                <a16:creationId xmlns:a16="http://schemas.microsoft.com/office/drawing/2014/main" id="{D01F21B8-E0E7-4152-9F2B-ADD8CAD4486C}"/>
+              </a:ext>
+            </a:extLst>
+          </p:cNvPr>
+          <p:cNvPicPr>
+            <a:picLocks noChangeAspect="1" noChangeArrowheads="1"/>
+          </p:cNvPicPr>
+          <p:nvPr/>
+        </p:nvPicPr>
+        <p:blipFill>
+          <a:blip r:embed="rId2" cstate="print">
+            <a:extLst>
+              <a:ext uri="{28A0092B-C50C-407E-A947-70E740481C1C}">
+                <a14:useLocalDpi xmlns:a14="http://schemas.microsoft.com/office/drawing/2010/main" val="0"/>
+              </a:ext>
+            </a:extLst>
+          </a:blip>
+          <a:srcRect/>
+          <a:stretch>
+            <a:fillRect/>
+          </a:stretch>
+        </p:blipFill>
+        <p:spPr bwMode="auto">
+          <a:xfrm>
+            <a:off x="971600" y="3532946"/>
+            <a:ext cx="680864" cy="570224"/>
+          </a:xfrm>
+          <a:prstGeom prst="rect">
+            <a:avLst/>
+          </a:prstGeom>
+          <a:noFill/>
+          <a:extLst>
+            <a:ext uri="{909E8E84-426E-40DD-AFC4-6F175D3DCCD1}">
+              <a14:hiddenFill xmlns:a14="http://schemas.microsoft.com/office/drawing/2010/main">
+                <a:solidFill>
+                  <a:srgbClr val="FFFFFF"/>
+                </a:solidFill>
+              </a14:hiddenFill>
+            </a:ext>
+          </a:extLst>
+        </p:spPr>
+      </p:pic>
+      <p:sp>
+        <p:nvSpPr>
+          <p:cNvPr id="18" name="テキスト ボックス 17">
+            <a:extLst>
+              <a:ext uri="{FF2B5EF4-FFF2-40B4-BE49-F238E27FC236}">
+                <a16:creationId xmlns:a16="http://schemas.microsoft.com/office/drawing/2014/main" id="{CB6AFB51-FFD5-4665-939E-A7EBA88C85D2}"/>
+              </a:ext>
+            </a:extLst>
+          </p:cNvPr>
+          <p:cNvSpPr txBox="1"/>
+          <p:nvPr/>
+        </p:nvSpPr>
+        <p:spPr>
+          <a:xfrm>
+            <a:off x="968648" y="4037002"/>
+            <a:ext cx="607859" cy="400110"/>
+          </a:xfrm>
+          <a:prstGeom prst="rect">
+            <a:avLst/>
+          </a:prstGeom>
+          <a:noFill/>
+        </p:spPr>
+        <p:txBody>
+          <a:bodyPr wrap="none" rtlCol="0">
+            <a:spAutoFit/>
+          </a:bodyPr>
+          <a:lstStyle/>
+          <a:p>
+            <a:r>
+              <a:rPr lang="en-US" sz="2000">
+                <a:latin typeface="Consolas" panose="020B0609020204030204" pitchFamily="49" charset="0"/>
+              </a:rPr>
+              <a:t>Fig</a:t>
+            </a:r>
+          </a:p>
+        </p:txBody>
+      </p:sp>
+      <p:pic>
+        <p:nvPicPr>
+          <p:cNvPr id="19" name="Picture 2" descr="フォルダのイラスト">
+            <a:extLst>
+              <a:ext uri="{FF2B5EF4-FFF2-40B4-BE49-F238E27FC236}">
+                <a16:creationId xmlns:a16="http://schemas.microsoft.com/office/drawing/2014/main" id="{5CFB799B-5ADC-44FC-927A-B8391440E096}"/>
+              </a:ext>
+            </a:extLst>
+          </p:cNvPr>
+          <p:cNvPicPr>
+            <a:picLocks noChangeAspect="1" noChangeArrowheads="1"/>
+          </p:cNvPicPr>
+          <p:nvPr/>
+        </p:nvPicPr>
+        <p:blipFill>
+          <a:blip r:embed="rId2" cstate="print">
+            <a:extLst>
+              <a:ext uri="{28A0092B-C50C-407E-A947-70E740481C1C}">
+                <a14:useLocalDpi xmlns:a14="http://schemas.microsoft.com/office/drawing/2010/main" val="0"/>
+              </a:ext>
+            </a:extLst>
+          </a:blip>
+          <a:srcRect/>
+          <a:stretch>
+            <a:fillRect/>
+          </a:stretch>
+        </p:blipFill>
+        <p:spPr bwMode="auto">
+          <a:xfrm>
+            <a:off x="2263795" y="3532946"/>
+            <a:ext cx="680864" cy="570224"/>
+          </a:xfrm>
+          <a:prstGeom prst="rect">
+            <a:avLst/>
+          </a:prstGeom>
+          <a:noFill/>
+          <a:extLst>
+            <a:ext uri="{909E8E84-426E-40DD-AFC4-6F175D3DCCD1}">
+              <a14:hiddenFill xmlns:a14="http://schemas.microsoft.com/office/drawing/2010/main">
+                <a:solidFill>
+                  <a:srgbClr val="FFFFFF"/>
+                </a:solidFill>
+              </a14:hiddenFill>
+            </a:ext>
+          </a:extLst>
+        </p:spPr>
+      </p:pic>
+      <p:sp>
+        <p:nvSpPr>
+          <p:cNvPr id="20" name="テキスト ボックス 19">
+            <a:extLst>
+              <a:ext uri="{FF2B5EF4-FFF2-40B4-BE49-F238E27FC236}">
+                <a16:creationId xmlns:a16="http://schemas.microsoft.com/office/drawing/2014/main" id="{B574C070-8B67-44E3-B65C-5E79F405BBDB}"/>
+              </a:ext>
+            </a:extLst>
+          </p:cNvPr>
+          <p:cNvSpPr txBox="1"/>
+          <p:nvPr/>
+        </p:nvSpPr>
+        <p:spPr>
+          <a:xfrm>
+            <a:off x="2221627" y="4037002"/>
+            <a:ext cx="889987" cy="400110"/>
+          </a:xfrm>
+          <a:prstGeom prst="rect">
+            <a:avLst/>
+          </a:prstGeom>
+          <a:noFill/>
+        </p:spPr>
+        <p:txBody>
+          <a:bodyPr wrap="none" rtlCol="0">
+            <a:spAutoFit/>
+          </a:bodyPr>
+          <a:lstStyle/>
+          <a:p>
+            <a:r>
+              <a:rPr lang="en-US" altLang="ja-JP" sz="2000">
+                <a:latin typeface="Consolas" panose="020B0609020204030204" pitchFamily="49" charset="0"/>
+              </a:rPr>
+              <a:t>Music</a:t>
+            </a:r>
+            <a:endParaRPr lang="en-US" sz="2000">
+              <a:latin typeface="Consolas" panose="020B0609020204030204" pitchFamily="49" charset="0"/>
+            </a:endParaRPr>
+          </a:p>
+        </p:txBody>
+      </p:sp>
+      <p:pic>
+        <p:nvPicPr>
+          <p:cNvPr id="1028" name="Picture 4" descr="ファイルアイコン（画像）">
+            <a:extLst>
+              <a:ext uri="{FF2B5EF4-FFF2-40B4-BE49-F238E27FC236}">
+                <a16:creationId xmlns:a16="http://schemas.microsoft.com/office/drawing/2014/main" id="{840B0E57-53CB-4C0E-8116-8283969E6C75}"/>
+              </a:ext>
+            </a:extLst>
+          </p:cNvPr>
+          <p:cNvPicPr>
+            <a:picLocks noChangeAspect="1" noChangeArrowheads="1"/>
+          </p:cNvPicPr>
+          <p:nvPr/>
+        </p:nvPicPr>
+        <p:blipFill>
+          <a:blip r:embed="rId3" cstate="print">
+            <a:extLst>
+              <a:ext uri="{28A0092B-C50C-407E-A947-70E740481C1C}">
+                <a14:useLocalDpi xmlns:a14="http://schemas.microsoft.com/office/drawing/2010/main" val="0"/>
+              </a:ext>
+            </a:extLst>
+          </a:blip>
+          <a:srcRect/>
+          <a:stretch>
+            <a:fillRect/>
+          </a:stretch>
+        </p:blipFill>
+        <p:spPr bwMode="auto">
+          <a:xfrm>
+            <a:off x="1002457" y="4613066"/>
+            <a:ext cx="552167" cy="641226"/>
+          </a:xfrm>
+          <a:prstGeom prst="rect">
+            <a:avLst/>
+          </a:prstGeom>
+          <a:noFill/>
+          <a:extLst>
+            <a:ext uri="{909E8E84-426E-40DD-AFC4-6F175D3DCCD1}">
+              <a14:hiddenFill xmlns:a14="http://schemas.microsoft.com/office/drawing/2010/main">
+                <a:solidFill>
+                  <a:srgbClr val="FFFFFF"/>
+                </a:solidFill>
+              </a14:hiddenFill>
+            </a:ext>
+          </a:extLst>
+        </p:spPr>
+      </p:pic>
+      <p:sp>
+        <p:nvSpPr>
+          <p:cNvPr id="26" name="テキスト ボックス 25">
+            <a:extLst>
+              <a:ext uri="{FF2B5EF4-FFF2-40B4-BE49-F238E27FC236}">
+                <a16:creationId xmlns:a16="http://schemas.microsoft.com/office/drawing/2014/main" id="{AD201959-F5AC-42C5-BB49-C214328495A4}"/>
+              </a:ext>
+            </a:extLst>
+          </p:cNvPr>
+          <p:cNvSpPr txBox="1"/>
+          <p:nvPr/>
+        </p:nvSpPr>
+        <p:spPr>
+          <a:xfrm>
+            <a:off x="623367" y="5333146"/>
+            <a:ext cx="1313180" cy="400110"/>
+          </a:xfrm>
+          <a:prstGeom prst="rect">
+            <a:avLst/>
+          </a:prstGeom>
+          <a:noFill/>
+        </p:spPr>
+        <p:txBody>
+          <a:bodyPr wrap="none" rtlCol="0">
+            <a:spAutoFit/>
+          </a:bodyPr>
+          <a:lstStyle/>
+          <a:p>
+            <a:r>
+              <a:rPr lang="en-US" altLang="ja-JP" sz="2000">
+                <a:latin typeface="Consolas" panose="020B0609020204030204" pitchFamily="49" charset="0"/>
+              </a:rPr>
+              <a:t>fig1.png</a:t>
+            </a:r>
+            <a:endParaRPr lang="en-US" sz="2000">
+              <a:latin typeface="Consolas" panose="020B0609020204030204" pitchFamily="49" charset="0"/>
+            </a:endParaRPr>
+          </a:p>
+        </p:txBody>
+      </p:sp>
+      <p:cxnSp>
+        <p:nvCxnSpPr>
+          <p:cNvPr id="24" name="コネクタ: カギ線 23">
+            <a:extLst>
+              <a:ext uri="{FF2B5EF4-FFF2-40B4-BE49-F238E27FC236}">
+                <a16:creationId xmlns:a16="http://schemas.microsoft.com/office/drawing/2014/main" id="{74541450-0521-4916-9390-B7E81FB6FBA5}"/>
+              </a:ext>
+            </a:extLst>
+          </p:cNvPr>
+          <p:cNvCxnSpPr>
+            <a:cxnSpLocks/>
+            <a:stCxn id="7" idx="2"/>
+            <a:endCxn id="17" idx="0"/>
+          </p:cNvCxnSpPr>
+          <p:nvPr/>
+        </p:nvCxnSpPr>
+        <p:spPr>
+          <a:xfrm rot="5400000">
+            <a:off x="1419543" y="3001520"/>
+            <a:ext cx="423916" cy="638937"/>
+          </a:xfrm>
+          <a:prstGeom prst="bentConnector3">
+            <a:avLst/>
+          </a:prstGeom>
+          <a:ln>
+            <a:solidFill>
+              <a:schemeClr val="tx1"/>
+            </a:solidFill>
+            <a:headEnd type="none" w="med" len="med"/>
+            <a:tailEnd type="none" w="med" len="med"/>
+          </a:ln>
+        </p:spPr>
+        <p:style>
+          <a:lnRef idx="1">
+            <a:schemeClr val="accent1"/>
+          </a:lnRef>
+          <a:fillRef idx="0">
+            <a:schemeClr val="accent1"/>
+          </a:fillRef>
+          <a:effectRef idx="0">
+            <a:schemeClr val="accent1"/>
+          </a:effectRef>
+          <a:fontRef idx="minor">
+            <a:schemeClr val="tx1"/>
+          </a:fontRef>
+        </p:style>
+      </p:cxnSp>
+      <p:cxnSp>
+        <p:nvCxnSpPr>
+          <p:cNvPr id="28" name="コネクタ: カギ線 27">
+            <a:extLst>
+              <a:ext uri="{FF2B5EF4-FFF2-40B4-BE49-F238E27FC236}">
+                <a16:creationId xmlns:a16="http://schemas.microsoft.com/office/drawing/2014/main" id="{694024E3-3AAA-445C-BB35-9969E8E8EBEC}"/>
+              </a:ext>
+            </a:extLst>
+          </p:cNvPr>
+          <p:cNvCxnSpPr>
+            <a:cxnSpLocks/>
+            <a:stCxn id="7" idx="2"/>
+            <a:endCxn id="19" idx="0"/>
+          </p:cNvCxnSpPr>
+          <p:nvPr/>
+        </p:nvCxnSpPr>
+        <p:spPr>
+          <a:xfrm rot="16200000" flipH="1">
+            <a:off x="2065640" y="2994359"/>
+            <a:ext cx="423916" cy="653258"/>
+          </a:xfrm>
+          <a:prstGeom prst="bentConnector3">
+            <a:avLst/>
+          </a:prstGeom>
+          <a:ln>
+            <a:solidFill>
+              <a:schemeClr val="tx1"/>
+            </a:solidFill>
+            <a:headEnd type="none" w="med" len="med"/>
+            <a:tailEnd type="none" w="med" len="med"/>
+          </a:ln>
+        </p:spPr>
+        <p:style>
+          <a:lnRef idx="1">
+            <a:schemeClr val="accent1"/>
+          </a:lnRef>
+          <a:fillRef idx="0">
+            <a:schemeClr val="accent1"/>
+          </a:fillRef>
+          <a:effectRef idx="0">
+            <a:schemeClr val="accent1"/>
+          </a:effectRef>
+          <a:fontRef idx="minor">
+            <a:schemeClr val="tx1"/>
+          </a:fontRef>
+        </p:style>
+      </p:cxnSp>
+      <p:cxnSp>
+        <p:nvCxnSpPr>
+          <p:cNvPr id="32" name="直線コネクタ 31">
+            <a:extLst>
+              <a:ext uri="{FF2B5EF4-FFF2-40B4-BE49-F238E27FC236}">
+                <a16:creationId xmlns:a16="http://schemas.microsoft.com/office/drawing/2014/main" id="{EE8145A5-6C01-4DCB-AC9F-297F65B4B23E}"/>
+              </a:ext>
+            </a:extLst>
+          </p:cNvPr>
+          <p:cNvCxnSpPr>
+            <a:stCxn id="1028" idx="0"/>
+            <a:endCxn id="18" idx="2"/>
+          </p:cNvCxnSpPr>
+          <p:nvPr/>
+        </p:nvCxnSpPr>
+        <p:spPr>
+          <a:xfrm flipH="1" flipV="1">
+            <a:off x="1272578" y="4437112"/>
+            <a:ext cx="5963" cy="175954"/>
+          </a:xfrm>
+          <a:prstGeom prst="line">
+            <a:avLst/>
+          </a:prstGeom>
+          <a:ln>
+            <a:solidFill>
+              <a:schemeClr val="tx1"/>
+            </a:solidFill>
+            <a:headEnd type="none" w="med" len="med"/>
+            <a:tailEnd type="none" w="med" len="med"/>
+          </a:ln>
+        </p:spPr>
+        <p:style>
+          <a:lnRef idx="1">
+            <a:schemeClr val="accent1"/>
+          </a:lnRef>
+          <a:fillRef idx="0">
+            <a:schemeClr val="accent1"/>
+          </a:fillRef>
+          <a:effectRef idx="0">
+            <a:schemeClr val="accent1"/>
+          </a:effectRef>
+          <a:fontRef idx="minor">
+            <a:schemeClr val="tx1"/>
+          </a:fontRef>
+        </p:style>
+      </p:cxnSp>
+      <p:sp>
+        <p:nvSpPr>
+          <p:cNvPr id="33" name="四角形: 角を丸くする 32">
+            <a:extLst>
+              <a:ext uri="{FF2B5EF4-FFF2-40B4-BE49-F238E27FC236}">
+                <a16:creationId xmlns:a16="http://schemas.microsoft.com/office/drawing/2014/main" id="{E2CD433E-ACF9-4CF3-BBD9-DC10BA99B612}"/>
+              </a:ext>
+            </a:extLst>
+          </p:cNvPr>
+          <p:cNvSpPr/>
+          <p:nvPr/>
+        </p:nvSpPr>
+        <p:spPr>
+          <a:xfrm>
+            <a:off x="2123728" y="3501008"/>
+            <a:ext cx="936104" cy="648072"/>
+          </a:xfrm>
+          <a:prstGeom prst="roundRect">
+            <a:avLst/>
+          </a:prstGeom>
+          <a:noFill/>
+          <a:ln w="38100">
+            <a:solidFill>
+              <a:srgbClr val="011893"/>
+            </a:solidFill>
+            <a:prstDash val="sysDash"/>
+          </a:ln>
+        </p:spPr>
+        <p:style>
+          <a:lnRef idx="2">
+            <a:schemeClr val="accent1">
+              <a:shade val="50000"/>
+            </a:schemeClr>
+          </a:lnRef>
+          <a:fillRef idx="1">
+            <a:schemeClr val="accent1"/>
+          </a:fillRef>
+          <a:effectRef idx="0">
+            <a:schemeClr val="accent1"/>
+          </a:effectRef>
+          <a:fontRef idx="minor">
+            <a:schemeClr val="lt1"/>
+          </a:fontRef>
+        </p:style>
+        <p:txBody>
+          <a:bodyPr rtlCol="0" anchor="ctr"/>
+          <a:lstStyle/>
+          <a:p>
+            <a:pPr algn="ctr"/>
+            <a:endParaRPr kumimoji="1" lang="en-US"/>
+          </a:p>
+        </p:txBody>
+      </p:sp>
+      <p:sp>
+        <p:nvSpPr>
+          <p:cNvPr id="34" name="テキスト ボックス 33">
+            <a:extLst>
+              <a:ext uri="{FF2B5EF4-FFF2-40B4-BE49-F238E27FC236}">
+                <a16:creationId xmlns:a16="http://schemas.microsoft.com/office/drawing/2014/main" id="{5850D237-AFE4-4981-B9D2-D7237CEA2DC9}"/>
+              </a:ext>
+            </a:extLst>
+          </p:cNvPr>
+          <p:cNvSpPr txBox="1"/>
+          <p:nvPr/>
+        </p:nvSpPr>
+        <p:spPr>
+          <a:xfrm>
+            <a:off x="3131840" y="3573016"/>
+            <a:ext cx="1107996" cy="461665"/>
+          </a:xfrm>
+          <a:prstGeom prst="rect">
+            <a:avLst/>
+          </a:prstGeom>
+          <a:noFill/>
+        </p:spPr>
+        <p:txBody>
+          <a:bodyPr wrap="none" rtlCol="0">
+            <a:spAutoFit/>
+          </a:bodyPr>
+          <a:lstStyle/>
+          <a:p>
+            <a:r>
+              <a:rPr lang="ja-JP" altLang="en-US" sz="1200"/>
+              <a:t>カレント</a:t>
+            </a:r>
+            <a:endParaRPr lang="en-US" altLang="ja-JP" sz="1200"/>
+          </a:p>
+          <a:p>
+            <a:r>
+              <a:rPr lang="ja-JP" altLang="en-US" sz="1200"/>
+              <a:t>ディレクトリ</a:t>
+            </a:r>
+            <a:endParaRPr lang="en-US" sz="1200"/>
+          </a:p>
+        </p:txBody>
+      </p:sp>
+      <p:sp>
+        <p:nvSpPr>
+          <p:cNvPr id="37" name="テキスト ボックス 36">
+            <a:extLst>
+              <a:ext uri="{FF2B5EF4-FFF2-40B4-BE49-F238E27FC236}">
+                <a16:creationId xmlns:a16="http://schemas.microsoft.com/office/drawing/2014/main" id="{93C9ED76-7DDB-4417-B889-5E39DB9B53F5}"/>
+              </a:ext>
+            </a:extLst>
+          </p:cNvPr>
+          <p:cNvSpPr txBox="1"/>
+          <p:nvPr/>
+        </p:nvSpPr>
+        <p:spPr>
+          <a:xfrm>
+            <a:off x="1259632" y="980728"/>
+            <a:ext cx="1107996" cy="461665"/>
+          </a:xfrm>
+          <a:prstGeom prst="rect">
+            <a:avLst/>
+          </a:prstGeom>
+          <a:noFill/>
+        </p:spPr>
+        <p:txBody>
+          <a:bodyPr wrap="none" rtlCol="0">
+            <a:spAutoFit/>
+          </a:bodyPr>
+          <a:lstStyle/>
+          <a:p>
+            <a:r>
+              <a:rPr lang="ja-JP" altLang="en-US" sz="1200"/>
+              <a:t>ルート</a:t>
+            </a:r>
+            <a:endParaRPr lang="en-US" altLang="ja-JP" sz="1200"/>
+          </a:p>
+          <a:p>
+            <a:r>
+              <a:rPr lang="ja-JP" altLang="en-US" sz="1200"/>
+              <a:t>ディレクトリ</a:t>
+            </a:r>
+            <a:endParaRPr lang="en-US" sz="1200"/>
+          </a:p>
+        </p:txBody>
+      </p:sp>
+      <p:sp>
+        <p:nvSpPr>
+          <p:cNvPr id="38" name="四角形: 角を丸くする 37">
+            <a:extLst>
+              <a:ext uri="{FF2B5EF4-FFF2-40B4-BE49-F238E27FC236}">
+                <a16:creationId xmlns:a16="http://schemas.microsoft.com/office/drawing/2014/main" id="{9D29767E-DDD9-4D61-85FC-9122F6DD2B05}"/>
+              </a:ext>
+            </a:extLst>
+          </p:cNvPr>
+          <p:cNvSpPr/>
+          <p:nvPr/>
+        </p:nvSpPr>
+        <p:spPr>
+          <a:xfrm>
+            <a:off x="827584" y="4581128"/>
+            <a:ext cx="936104" cy="720080"/>
+          </a:xfrm>
+          <a:prstGeom prst="roundRect">
+            <a:avLst/>
+          </a:prstGeom>
+          <a:noFill/>
+          <a:ln w="38100">
+            <a:solidFill>
+              <a:srgbClr val="FF0000"/>
+            </a:solidFill>
+            <a:prstDash val="sysDash"/>
+          </a:ln>
+        </p:spPr>
+        <p:style>
+          <a:lnRef idx="2">
+            <a:schemeClr val="accent1">
+              <a:shade val="50000"/>
+            </a:schemeClr>
+          </a:lnRef>
+          <a:fillRef idx="1">
+            <a:schemeClr val="accent1"/>
+          </a:fillRef>
+          <a:effectRef idx="0">
+            <a:schemeClr val="accent1"/>
+          </a:effectRef>
+          <a:fontRef idx="minor">
+            <a:schemeClr val="lt1"/>
+          </a:fontRef>
+        </p:style>
+        <p:txBody>
+          <a:bodyPr rtlCol="0" anchor="ctr"/>
+          <a:lstStyle/>
+          <a:p>
+            <a:pPr algn="ctr"/>
+            <a:endParaRPr kumimoji="1" lang="en-US"/>
+          </a:p>
+        </p:txBody>
+      </p:sp>
+      <p:sp>
+        <p:nvSpPr>
+          <p:cNvPr id="39" name="テキスト ボックス 38">
+            <a:extLst>
+              <a:ext uri="{FF2B5EF4-FFF2-40B4-BE49-F238E27FC236}">
+                <a16:creationId xmlns:a16="http://schemas.microsoft.com/office/drawing/2014/main" id="{707CDDFF-0855-4E60-A9D3-2C8D922D4D34}"/>
+              </a:ext>
+            </a:extLst>
+          </p:cNvPr>
+          <p:cNvSpPr txBox="1"/>
+          <p:nvPr/>
+        </p:nvSpPr>
+        <p:spPr>
+          <a:xfrm>
+            <a:off x="25896" y="4725144"/>
+            <a:ext cx="800219" cy="461665"/>
+          </a:xfrm>
+          <a:prstGeom prst="rect">
+            <a:avLst/>
+          </a:prstGeom>
+          <a:noFill/>
+        </p:spPr>
+        <p:txBody>
+          <a:bodyPr wrap="none" rtlCol="0">
+            <a:spAutoFit/>
+          </a:bodyPr>
+          <a:lstStyle/>
+          <a:p>
+            <a:r>
+              <a:rPr lang="ja-JP" altLang="en-US" sz="1200"/>
+              <a:t>目的の</a:t>
+            </a:r>
+            <a:endParaRPr lang="en-US" altLang="ja-JP" sz="1200"/>
+          </a:p>
+          <a:p>
+            <a:r>
+              <a:rPr lang="ja-JP" altLang="en-US" sz="1200"/>
+              <a:t>ファイル</a:t>
+            </a:r>
+            <a:endParaRPr lang="en-US" sz="1200"/>
+          </a:p>
+        </p:txBody>
+      </p:sp>
+      <p:sp>
+        <p:nvSpPr>
+          <p:cNvPr id="35" name="テキスト ボックス 34">
+            <a:extLst>
+              <a:ext uri="{FF2B5EF4-FFF2-40B4-BE49-F238E27FC236}">
+                <a16:creationId xmlns:a16="http://schemas.microsoft.com/office/drawing/2014/main" id="{4583D7D0-A781-4C49-A5F9-D5AEF45D6042}"/>
+              </a:ext>
+            </a:extLst>
+          </p:cNvPr>
+          <p:cNvSpPr txBox="1"/>
+          <p:nvPr/>
+        </p:nvSpPr>
+        <p:spPr>
+          <a:xfrm>
+            <a:off x="4860032" y="4653136"/>
+            <a:ext cx="3930884" cy="523220"/>
+          </a:xfrm>
+          <a:prstGeom prst="rect">
+            <a:avLst/>
+          </a:prstGeom>
+          <a:noFill/>
+          <a:ln>
+            <a:solidFill>
+              <a:schemeClr val="tx1"/>
+            </a:solidFill>
+          </a:ln>
+        </p:spPr>
+        <p:txBody>
+          <a:bodyPr wrap="none" rtlCol="0">
+            <a:spAutoFit/>
+          </a:bodyPr>
+          <a:lstStyle/>
+          <a:p>
+            <a:r>
+              <a:rPr lang="en-US" sz="2800">
+                <a:latin typeface="Consolas" panose="020B0609020204030204" pitchFamily="49" charset="0"/>
+              </a:rPr>
+              <a:t>c/Data/Fig/fig1.png</a:t>
+            </a:r>
+          </a:p>
+        </p:txBody>
+      </p:sp>
+      <p:sp>
+        <p:nvSpPr>
+          <p:cNvPr id="41" name="テキスト ボックス 40">
+            <a:extLst>
+              <a:ext uri="{FF2B5EF4-FFF2-40B4-BE49-F238E27FC236}">
+                <a16:creationId xmlns:a16="http://schemas.microsoft.com/office/drawing/2014/main" id="{15490A62-6BE3-4B4F-8D86-3D7A65BB9BAE}"/>
+              </a:ext>
+            </a:extLst>
+          </p:cNvPr>
+          <p:cNvSpPr txBox="1"/>
+          <p:nvPr/>
+        </p:nvSpPr>
+        <p:spPr>
+          <a:xfrm>
+            <a:off x="4860032" y="5445224"/>
+            <a:ext cx="3142207" cy="523220"/>
+          </a:xfrm>
+          <a:prstGeom prst="rect">
+            <a:avLst/>
+          </a:prstGeom>
+          <a:noFill/>
+          <a:ln>
+            <a:solidFill>
+              <a:schemeClr val="tx1"/>
+            </a:solidFill>
+          </a:ln>
+        </p:spPr>
+        <p:txBody>
+          <a:bodyPr wrap="none" rtlCol="0">
+            <a:spAutoFit/>
+          </a:bodyPr>
+          <a:lstStyle/>
+          <a:p>
+            <a:r>
+              <a:rPr lang="en-US" sz="2800">
+                <a:solidFill>
+                  <a:srgbClr val="FF0000"/>
+                </a:solidFill>
+                <a:latin typeface="Consolas" panose="020B0609020204030204" pitchFamily="49" charset="0"/>
+              </a:rPr>
+              <a:t>..</a:t>
+            </a:r>
+            <a:r>
+              <a:rPr lang="en-US" sz="2800">
+                <a:latin typeface="Consolas" panose="020B0609020204030204" pitchFamily="49" charset="0"/>
+              </a:rPr>
+              <a:t>/Fig/fig1.png</a:t>
+            </a:r>
+          </a:p>
+        </p:txBody>
+      </p:sp>
+      <p:sp>
+        <p:nvSpPr>
+          <p:cNvPr id="36" name="テキスト ボックス 35">
+            <a:extLst>
+              <a:ext uri="{FF2B5EF4-FFF2-40B4-BE49-F238E27FC236}">
+                <a16:creationId xmlns:a16="http://schemas.microsoft.com/office/drawing/2014/main" id="{482D98F1-6C3A-42BB-B68B-B7BB0293124E}"/>
+              </a:ext>
+            </a:extLst>
+          </p:cNvPr>
+          <p:cNvSpPr txBox="1"/>
+          <p:nvPr/>
+        </p:nvSpPr>
+        <p:spPr>
+          <a:xfrm>
+            <a:off x="3167067" y="4653136"/>
+            <a:ext cx="1620957" cy="523220"/>
+          </a:xfrm>
+          <a:prstGeom prst="rect">
+            <a:avLst/>
+          </a:prstGeom>
+          <a:noFill/>
+        </p:spPr>
+        <p:txBody>
+          <a:bodyPr wrap="none" rtlCol="0">
+            <a:spAutoFit/>
+          </a:bodyPr>
+          <a:lstStyle/>
+          <a:p>
+            <a:r>
+              <a:rPr lang="ja-JP" altLang="en-US" sz="2800"/>
+              <a:t>絶対パス</a:t>
+            </a:r>
+            <a:endParaRPr lang="en-US" sz="2800"/>
+          </a:p>
+        </p:txBody>
+      </p:sp>
+      <p:sp>
+        <p:nvSpPr>
+          <p:cNvPr id="43" name="テキスト ボックス 42">
+            <a:extLst>
+              <a:ext uri="{FF2B5EF4-FFF2-40B4-BE49-F238E27FC236}">
+                <a16:creationId xmlns:a16="http://schemas.microsoft.com/office/drawing/2014/main" id="{E3AD80BE-ED13-40CE-B9FD-80B0F24F371A}"/>
+              </a:ext>
+            </a:extLst>
+          </p:cNvPr>
+          <p:cNvSpPr txBox="1"/>
+          <p:nvPr/>
+        </p:nvSpPr>
+        <p:spPr>
+          <a:xfrm>
+            <a:off x="3131840" y="5445224"/>
+            <a:ext cx="1620957" cy="523220"/>
+          </a:xfrm>
+          <a:prstGeom prst="rect">
+            <a:avLst/>
+          </a:prstGeom>
+          <a:noFill/>
+        </p:spPr>
+        <p:txBody>
+          <a:bodyPr wrap="none" rtlCol="0">
+            <a:spAutoFit/>
+          </a:bodyPr>
+          <a:lstStyle/>
+          <a:p>
+            <a:r>
+              <a:rPr lang="ja-JP" altLang="en-US" sz="2800"/>
+              <a:t>相対パス</a:t>
+            </a:r>
+            <a:endParaRPr lang="en-US" sz="2800"/>
+          </a:p>
+        </p:txBody>
+      </p:sp>
+    </p:spTree>
+    <p:extLst>
+      <p:ext uri="{BB962C8B-B14F-4D97-AF65-F5344CB8AC3E}">
+        <p14:creationId xmlns:p14="http://schemas.microsoft.com/office/powerpoint/2010/main" val="810924728"/>
+      </p:ext>
+    </p:extLst>
+  </p:cSld>
+  <p:clrMapOvr>
+    <a:masterClrMapping/>
+  </p:clrMapOvr>
+</p:sld>
+</file>
+
+<file path=ppt/slides/slide13.xml><?xml version="1.0" encoding="utf-8"?>
+<p:sld xmlns:a="http://schemas.openxmlformats.org/drawingml/2006/main" xmlns:r="http://schemas.openxmlformats.org/officeDocument/2006/relationships" xmlns:p="http://schemas.openxmlformats.org/presentationml/2006/main">
+  <p:cSld>
+    <p:spTree>
+      <p:nvGrpSpPr>
+        <p:cNvPr id="1" name=""/>
+        <p:cNvGrpSpPr/>
+        <p:nvPr/>
+      </p:nvGrpSpPr>
+      <p:grpSpPr>
+        <a:xfrm>
+          <a:off x="0" y="0"/>
+          <a:ext cx="0" cy="0"/>
+          <a:chOff x="0" y="0"/>
+          <a:chExt cx="0" cy="0"/>
+        </a:xfrm>
+      </p:grpSpPr>
+      <p:sp>
+        <p:nvSpPr>
+          <p:cNvPr id="2" name="テキスト プレースホルダー 1">
+            <a:extLst>
+              <a:ext uri="{FF2B5EF4-FFF2-40B4-BE49-F238E27FC236}">
+                <a16:creationId xmlns:a16="http://schemas.microsoft.com/office/drawing/2014/main" id="{88321821-D1EE-4730-AFE4-563B916FAE66}"/>
+              </a:ext>
+            </a:extLst>
+          </p:cNvPr>
+          <p:cNvSpPr>
+            <a:spLocks noGrp="1"/>
+          </p:cNvSpPr>
+          <p:nvPr>
+            <p:ph type="body" sz="quarter" idx="10"/>
+          </p:nvPr>
+        </p:nvSpPr>
+        <p:spPr/>
+        <p:txBody>
+          <a:bodyPr/>
+          <a:lstStyle/>
+          <a:p>
+            <a:r>
+              <a:rPr lang="ja-JP" altLang="en-US"/>
+              <a:t>コマンドプロンプト</a:t>
+            </a:r>
+            <a:endParaRPr lang="en-US"/>
+          </a:p>
+        </p:txBody>
+      </p:sp>
+      <p:sp>
+        <p:nvSpPr>
+          <p:cNvPr id="3" name="テキスト ボックス 2">
+            <a:extLst>
+              <a:ext uri="{FF2B5EF4-FFF2-40B4-BE49-F238E27FC236}">
+                <a16:creationId xmlns:a16="http://schemas.microsoft.com/office/drawing/2014/main" id="{9EBF906C-9E62-4A37-A173-DFCA4BEFAAC5}"/>
+              </a:ext>
+            </a:extLst>
+          </p:cNvPr>
+          <p:cNvSpPr txBox="1"/>
+          <p:nvPr/>
+        </p:nvSpPr>
+        <p:spPr>
+          <a:xfrm>
+            <a:off x="395536" y="1700808"/>
+            <a:ext cx="8443337" cy="954107"/>
+          </a:xfrm>
+          <a:prstGeom prst="rect">
+            <a:avLst/>
+          </a:prstGeom>
+          <a:noFill/>
+        </p:spPr>
+        <p:txBody>
+          <a:bodyPr wrap="none" rtlCol="0">
+            <a:spAutoFit/>
+          </a:bodyPr>
+          <a:lstStyle/>
+          <a:p>
+            <a:r>
+              <a:rPr lang="ja-JP" altLang="en-US" sz="2800"/>
+              <a:t>シェルにおいて、ユーザからの入力待ちを示すもの</a:t>
+            </a:r>
+            <a:endParaRPr lang="en-US" altLang="ja-JP" sz="2800"/>
+          </a:p>
+          <a:p>
+            <a:r>
+              <a:rPr lang="en-US" sz="2800"/>
+              <a:t>Git Bash</a:t>
+            </a:r>
+            <a:r>
+              <a:rPr lang="ja-JP" altLang="en-US" sz="2800"/>
+              <a:t>では、「</a:t>
+            </a:r>
+            <a:r>
+              <a:rPr lang="en-US" altLang="ja-JP" sz="2800"/>
+              <a:t>$</a:t>
+            </a:r>
+            <a:r>
+              <a:rPr lang="ja-JP" altLang="en-US" sz="2800"/>
+              <a:t>」の隣でカーソルが点滅する</a:t>
+            </a:r>
+            <a:endParaRPr lang="en-US" altLang="ja-JP" sz="2800"/>
+          </a:p>
+        </p:txBody>
+      </p:sp>
+      <p:sp>
+        <p:nvSpPr>
+          <p:cNvPr id="4" name="テキスト ボックス 3">
+            <a:extLst>
+              <a:ext uri="{FF2B5EF4-FFF2-40B4-BE49-F238E27FC236}">
+                <a16:creationId xmlns:a16="http://schemas.microsoft.com/office/drawing/2014/main" id="{4A18FB61-3959-4BA9-9ED5-5F4C162D53A6}"/>
+              </a:ext>
+            </a:extLst>
+          </p:cNvPr>
+          <p:cNvSpPr txBox="1"/>
+          <p:nvPr/>
+        </p:nvSpPr>
+        <p:spPr>
+          <a:xfrm>
+            <a:off x="1259632" y="4797152"/>
+            <a:ext cx="6282489" cy="1200329"/>
+          </a:xfrm>
+          <a:prstGeom prst="rect">
+            <a:avLst/>
+          </a:prstGeom>
+          <a:noFill/>
+        </p:spPr>
+        <p:txBody>
+          <a:bodyPr wrap="none" rtlCol="0">
+            <a:spAutoFit/>
+          </a:bodyPr>
+          <a:lstStyle/>
+          <a:p>
+            <a:r>
+              <a:rPr lang="en-US" sz="7200">
+                <a:latin typeface="Consolas" panose="020B0609020204030204" pitchFamily="49" charset="0"/>
+              </a:rPr>
+              <a:t>$ ls –la dir</a:t>
+            </a:r>
+          </a:p>
+        </p:txBody>
+      </p:sp>
+      <p:sp>
+        <p:nvSpPr>
+          <p:cNvPr id="5" name="テキスト ボックス 4">
+            <a:extLst>
+              <a:ext uri="{FF2B5EF4-FFF2-40B4-BE49-F238E27FC236}">
+                <a16:creationId xmlns:a16="http://schemas.microsoft.com/office/drawing/2014/main" id="{D00B9E2E-706E-4B98-B51C-213008A7554E}"/>
+              </a:ext>
+            </a:extLst>
+          </p:cNvPr>
+          <p:cNvSpPr txBox="1"/>
+          <p:nvPr/>
+        </p:nvSpPr>
+        <p:spPr>
+          <a:xfrm>
+            <a:off x="107504" y="1052736"/>
+            <a:ext cx="6556603" cy="523220"/>
+          </a:xfrm>
+          <a:prstGeom prst="rect">
+            <a:avLst/>
+          </a:prstGeom>
+          <a:noFill/>
+        </p:spPr>
+        <p:txBody>
+          <a:bodyPr wrap="none" rtlCol="0">
+            <a:spAutoFit/>
+          </a:bodyPr>
+          <a:lstStyle/>
+          <a:p>
+            <a:r>
+              <a:rPr lang="ja-JP" altLang="en-US" sz="2800">
+                <a:solidFill>
+                  <a:srgbClr val="011893"/>
+                </a:solidFill>
+              </a:rPr>
+              <a:t>コマンドプロンプト </a:t>
+            </a:r>
+            <a:r>
+              <a:rPr lang="en-US" altLang="ja-JP" sz="2800">
+                <a:solidFill>
+                  <a:srgbClr val="011893"/>
+                </a:solidFill>
+              </a:rPr>
+              <a:t>(command prompt)</a:t>
+            </a:r>
+            <a:endParaRPr lang="en-US" sz="2800">
+              <a:solidFill>
+                <a:srgbClr val="011893"/>
+              </a:solidFill>
+            </a:endParaRPr>
+          </a:p>
+        </p:txBody>
+      </p:sp>
+      <p:sp>
+        <p:nvSpPr>
+          <p:cNvPr id="6" name="テキスト ボックス 5">
+            <a:extLst>
+              <a:ext uri="{FF2B5EF4-FFF2-40B4-BE49-F238E27FC236}">
+                <a16:creationId xmlns:a16="http://schemas.microsoft.com/office/drawing/2014/main" id="{C4F72E76-C79D-4BC0-B738-445FA8E994F0}"/>
+              </a:ext>
+            </a:extLst>
+          </p:cNvPr>
+          <p:cNvSpPr txBox="1"/>
+          <p:nvPr/>
+        </p:nvSpPr>
+        <p:spPr>
+          <a:xfrm>
+            <a:off x="107504" y="2780928"/>
+            <a:ext cx="3541354" cy="523220"/>
+          </a:xfrm>
+          <a:prstGeom prst="rect">
+            <a:avLst/>
+          </a:prstGeom>
+          <a:noFill/>
+        </p:spPr>
+        <p:txBody>
+          <a:bodyPr wrap="none" rtlCol="0">
+            <a:spAutoFit/>
+          </a:bodyPr>
+          <a:lstStyle/>
+          <a:p>
+            <a:r>
+              <a:rPr lang="ja-JP" altLang="en-US" sz="2800">
+                <a:solidFill>
+                  <a:srgbClr val="011893"/>
+                </a:solidFill>
+              </a:rPr>
+              <a:t>コマンド </a:t>
+            </a:r>
+            <a:r>
+              <a:rPr lang="en-US" altLang="ja-JP" sz="2800">
+                <a:solidFill>
+                  <a:srgbClr val="011893"/>
+                </a:solidFill>
+              </a:rPr>
+              <a:t>(command)</a:t>
+            </a:r>
+            <a:endParaRPr lang="en-US" sz="2800">
+              <a:solidFill>
+                <a:srgbClr val="011893"/>
+              </a:solidFill>
+            </a:endParaRPr>
+          </a:p>
+        </p:txBody>
+      </p:sp>
+      <p:sp>
+        <p:nvSpPr>
+          <p:cNvPr id="7" name="テキスト ボックス 6">
+            <a:extLst>
+              <a:ext uri="{FF2B5EF4-FFF2-40B4-BE49-F238E27FC236}">
+                <a16:creationId xmlns:a16="http://schemas.microsoft.com/office/drawing/2014/main" id="{49BAB7A2-DADC-4F01-A461-18D9C2717CF1}"/>
+              </a:ext>
+            </a:extLst>
+          </p:cNvPr>
+          <p:cNvSpPr txBox="1"/>
+          <p:nvPr/>
+        </p:nvSpPr>
+        <p:spPr>
+          <a:xfrm>
+            <a:off x="395536" y="3429000"/>
+            <a:ext cx="6888424" cy="954107"/>
+          </a:xfrm>
+          <a:prstGeom prst="rect">
+            <a:avLst/>
+          </a:prstGeom>
+          <a:noFill/>
+        </p:spPr>
+        <p:txBody>
+          <a:bodyPr wrap="none" rtlCol="0">
+            <a:spAutoFit/>
+          </a:bodyPr>
+          <a:lstStyle/>
+          <a:p>
+            <a:r>
+              <a:rPr lang="ja-JP" altLang="en-US" sz="2800"/>
+              <a:t>プロンプトに入力する命令</a:t>
+            </a:r>
+            <a:endParaRPr lang="en-US" altLang="ja-JP" sz="2800"/>
+          </a:p>
+          <a:p>
+            <a:r>
+              <a:rPr lang="ja-JP" altLang="en-US" sz="2800"/>
+              <a:t>引数</a:t>
+            </a:r>
+            <a:r>
+              <a:rPr lang="en-US" altLang="ja-JP" sz="2800"/>
+              <a:t>(</a:t>
+            </a:r>
+            <a:r>
+              <a:rPr lang="ja-JP" altLang="en-US" sz="2800"/>
+              <a:t>ひきすう</a:t>
+            </a:r>
+            <a:r>
+              <a:rPr lang="en-US" altLang="ja-JP" sz="2800"/>
+              <a:t>)</a:t>
+            </a:r>
+            <a:r>
+              <a:rPr lang="ja-JP" altLang="en-US" sz="2800"/>
+              <a:t>やオプションを指定できる</a:t>
+            </a:r>
+            <a:endParaRPr lang="en-US" altLang="ja-JP" sz="2800"/>
+          </a:p>
+        </p:txBody>
+      </p:sp>
+      <p:cxnSp>
+        <p:nvCxnSpPr>
+          <p:cNvPr id="8" name="直線コネクタ 7">
+            <a:extLst>
+              <a:ext uri="{FF2B5EF4-FFF2-40B4-BE49-F238E27FC236}">
+                <a16:creationId xmlns:a16="http://schemas.microsoft.com/office/drawing/2014/main" id="{D4D47D1A-4CDF-4747-97BD-80967FFAF09E}"/>
+              </a:ext>
+            </a:extLst>
+          </p:cNvPr>
+          <p:cNvCxnSpPr>
+            <a:cxnSpLocks/>
+          </p:cNvCxnSpPr>
+          <p:nvPr/>
+        </p:nvCxnSpPr>
+        <p:spPr>
+          <a:xfrm flipH="1">
+            <a:off x="1187624" y="5877272"/>
+            <a:ext cx="720080" cy="0"/>
+          </a:xfrm>
+          <a:prstGeom prst="line">
+            <a:avLst/>
+          </a:prstGeom>
+          <a:ln w="38100">
+            <a:solidFill>
+              <a:srgbClr val="011893"/>
+            </a:solidFill>
+            <a:headEnd type="none" w="med" len="med"/>
+            <a:tailEnd type="none" w="med" len="med"/>
+          </a:ln>
+        </p:spPr>
+        <p:style>
+          <a:lnRef idx="1">
+            <a:schemeClr val="accent1"/>
+          </a:lnRef>
+          <a:fillRef idx="0">
+            <a:schemeClr val="accent1"/>
+          </a:fillRef>
+          <a:effectRef idx="0">
+            <a:schemeClr val="accent1"/>
+          </a:effectRef>
+          <a:fontRef idx="minor">
+            <a:schemeClr val="tx1"/>
+          </a:fontRef>
+        </p:style>
+      </p:cxnSp>
+      <p:sp>
+        <p:nvSpPr>
+          <p:cNvPr id="10" name="テキスト ボックス 9">
+            <a:extLst>
+              <a:ext uri="{FF2B5EF4-FFF2-40B4-BE49-F238E27FC236}">
+                <a16:creationId xmlns:a16="http://schemas.microsoft.com/office/drawing/2014/main" id="{FD3DE629-FAC9-473C-A2EA-463006D90866}"/>
+              </a:ext>
+            </a:extLst>
+          </p:cNvPr>
+          <p:cNvSpPr txBox="1"/>
+          <p:nvPr/>
+        </p:nvSpPr>
+        <p:spPr>
+          <a:xfrm>
+            <a:off x="971600" y="5949280"/>
+            <a:ext cx="1224136" cy="584775"/>
+          </a:xfrm>
+          <a:prstGeom prst="rect">
+            <a:avLst/>
+          </a:prstGeom>
+          <a:noFill/>
+        </p:spPr>
+        <p:txBody>
+          <a:bodyPr wrap="square" rtlCol="0">
+            <a:spAutoFit/>
+          </a:bodyPr>
+          <a:lstStyle/>
+          <a:p>
+            <a:r>
+              <a:rPr lang="ja-JP" altLang="en-US" sz="1600"/>
+              <a:t>コマンド</a:t>
+            </a:r>
+            <a:endParaRPr lang="en-US" altLang="ja-JP" sz="1600"/>
+          </a:p>
+          <a:p>
+            <a:r>
+              <a:rPr lang="ja-JP" altLang="en-US" sz="1600"/>
+              <a:t>プロンプト</a:t>
+            </a:r>
+            <a:endParaRPr lang="en-US" sz="1600"/>
+          </a:p>
+        </p:txBody>
+      </p:sp>
+      <p:cxnSp>
+        <p:nvCxnSpPr>
+          <p:cNvPr id="11" name="直線コネクタ 10">
+            <a:extLst>
+              <a:ext uri="{FF2B5EF4-FFF2-40B4-BE49-F238E27FC236}">
+                <a16:creationId xmlns:a16="http://schemas.microsoft.com/office/drawing/2014/main" id="{60042702-BF7A-406C-A706-C8E46BA49FAC}"/>
+              </a:ext>
+            </a:extLst>
+          </p:cNvPr>
+          <p:cNvCxnSpPr>
+            <a:cxnSpLocks/>
+          </p:cNvCxnSpPr>
+          <p:nvPr/>
+        </p:nvCxnSpPr>
+        <p:spPr>
+          <a:xfrm flipH="1">
+            <a:off x="2483768" y="5877272"/>
+            <a:ext cx="720080" cy="0"/>
+          </a:xfrm>
+          <a:prstGeom prst="line">
+            <a:avLst/>
+          </a:prstGeom>
+          <a:ln w="38100">
+            <a:solidFill>
+              <a:srgbClr val="011893"/>
+            </a:solidFill>
+            <a:headEnd type="none" w="med" len="med"/>
+            <a:tailEnd type="none" w="med" len="med"/>
+          </a:ln>
+        </p:spPr>
+        <p:style>
+          <a:lnRef idx="1">
+            <a:schemeClr val="accent1"/>
+          </a:lnRef>
+          <a:fillRef idx="0">
+            <a:schemeClr val="accent1"/>
+          </a:fillRef>
+          <a:effectRef idx="0">
+            <a:schemeClr val="accent1"/>
+          </a:effectRef>
+          <a:fontRef idx="minor">
+            <a:schemeClr val="tx1"/>
+          </a:fontRef>
+        </p:style>
+      </p:cxnSp>
+      <p:sp>
+        <p:nvSpPr>
+          <p:cNvPr id="12" name="テキスト ボックス 11">
+            <a:extLst>
+              <a:ext uri="{FF2B5EF4-FFF2-40B4-BE49-F238E27FC236}">
+                <a16:creationId xmlns:a16="http://schemas.microsoft.com/office/drawing/2014/main" id="{37A89A67-FD01-478E-B469-5780800826C1}"/>
+              </a:ext>
+            </a:extLst>
+          </p:cNvPr>
+          <p:cNvSpPr txBox="1"/>
+          <p:nvPr/>
+        </p:nvSpPr>
+        <p:spPr>
+          <a:xfrm>
+            <a:off x="2339752" y="5949280"/>
+            <a:ext cx="1224136" cy="369332"/>
+          </a:xfrm>
+          <a:prstGeom prst="rect">
+            <a:avLst/>
+          </a:prstGeom>
+          <a:noFill/>
+        </p:spPr>
+        <p:txBody>
+          <a:bodyPr wrap="square" rtlCol="0">
+            <a:spAutoFit/>
+          </a:bodyPr>
+          <a:lstStyle/>
+          <a:p>
+            <a:r>
+              <a:rPr lang="ja-JP" altLang="en-US"/>
+              <a:t>コマンド</a:t>
+            </a:r>
+            <a:endParaRPr lang="en-US"/>
+          </a:p>
+        </p:txBody>
+      </p:sp>
+      <p:cxnSp>
+        <p:nvCxnSpPr>
+          <p:cNvPr id="13" name="直線コネクタ 12">
+            <a:extLst>
+              <a:ext uri="{FF2B5EF4-FFF2-40B4-BE49-F238E27FC236}">
+                <a16:creationId xmlns:a16="http://schemas.microsoft.com/office/drawing/2014/main" id="{A26D9066-DC22-40A7-AD22-433752D8F6DD}"/>
+              </a:ext>
+            </a:extLst>
+          </p:cNvPr>
+          <p:cNvCxnSpPr>
+            <a:cxnSpLocks/>
+          </p:cNvCxnSpPr>
+          <p:nvPr/>
+        </p:nvCxnSpPr>
+        <p:spPr>
+          <a:xfrm flipH="1">
+            <a:off x="3779912" y="5877272"/>
+            <a:ext cx="1584176" cy="0"/>
+          </a:xfrm>
+          <a:prstGeom prst="line">
+            <a:avLst/>
+          </a:prstGeom>
+          <a:ln w="38100">
+            <a:solidFill>
+              <a:srgbClr val="011893"/>
+            </a:solidFill>
+            <a:headEnd type="none" w="med" len="med"/>
+            <a:tailEnd type="none" w="med" len="med"/>
+          </a:ln>
+        </p:spPr>
+        <p:style>
+          <a:lnRef idx="1">
+            <a:schemeClr val="accent1"/>
+          </a:lnRef>
+          <a:fillRef idx="0">
+            <a:schemeClr val="accent1"/>
+          </a:fillRef>
+          <a:effectRef idx="0">
+            <a:schemeClr val="accent1"/>
+          </a:effectRef>
+          <a:fontRef idx="minor">
+            <a:schemeClr val="tx1"/>
+          </a:fontRef>
+        </p:style>
+      </p:cxnSp>
+      <p:sp>
+        <p:nvSpPr>
+          <p:cNvPr id="15" name="テキスト ボックス 14">
+            <a:extLst>
+              <a:ext uri="{FF2B5EF4-FFF2-40B4-BE49-F238E27FC236}">
+                <a16:creationId xmlns:a16="http://schemas.microsoft.com/office/drawing/2014/main" id="{04AAC833-2C43-45C3-A8EE-C104B65BF1BC}"/>
+              </a:ext>
+            </a:extLst>
+          </p:cNvPr>
+          <p:cNvSpPr txBox="1"/>
+          <p:nvPr/>
+        </p:nvSpPr>
+        <p:spPr>
+          <a:xfrm>
+            <a:off x="3851920" y="5949280"/>
+            <a:ext cx="1512168" cy="400110"/>
+          </a:xfrm>
+          <a:prstGeom prst="rect">
+            <a:avLst/>
+          </a:prstGeom>
+          <a:noFill/>
+        </p:spPr>
+        <p:txBody>
+          <a:bodyPr wrap="square" rtlCol="0">
+            <a:spAutoFit/>
+          </a:bodyPr>
+          <a:lstStyle/>
+          <a:p>
+            <a:r>
+              <a:rPr lang="ja-JP" altLang="en-US" sz="2000"/>
+              <a:t>オプション</a:t>
+            </a:r>
+            <a:endParaRPr lang="en-US" sz="2000"/>
+          </a:p>
+        </p:txBody>
+      </p:sp>
+      <p:cxnSp>
+        <p:nvCxnSpPr>
+          <p:cNvPr id="17" name="直線コネクタ 16">
+            <a:extLst>
+              <a:ext uri="{FF2B5EF4-FFF2-40B4-BE49-F238E27FC236}">
+                <a16:creationId xmlns:a16="http://schemas.microsoft.com/office/drawing/2014/main" id="{93CFC207-C639-4513-BA21-7923B69FF99F}"/>
+              </a:ext>
+            </a:extLst>
+          </p:cNvPr>
+          <p:cNvCxnSpPr>
+            <a:cxnSpLocks/>
+          </p:cNvCxnSpPr>
+          <p:nvPr/>
+        </p:nvCxnSpPr>
+        <p:spPr>
+          <a:xfrm flipH="1">
+            <a:off x="5940152" y="5877272"/>
+            <a:ext cx="1584176" cy="0"/>
+          </a:xfrm>
+          <a:prstGeom prst="line">
+            <a:avLst/>
+          </a:prstGeom>
+          <a:ln w="38100">
+            <a:solidFill>
+              <a:srgbClr val="011893"/>
+            </a:solidFill>
+            <a:headEnd type="none" w="med" len="med"/>
+            <a:tailEnd type="none" w="med" len="med"/>
+          </a:ln>
+        </p:spPr>
+        <p:style>
+          <a:lnRef idx="1">
+            <a:schemeClr val="accent1"/>
+          </a:lnRef>
+          <a:fillRef idx="0">
+            <a:schemeClr val="accent1"/>
+          </a:fillRef>
+          <a:effectRef idx="0">
+            <a:schemeClr val="accent1"/>
+          </a:effectRef>
+          <a:fontRef idx="minor">
+            <a:schemeClr val="tx1"/>
+          </a:fontRef>
+        </p:style>
+      </p:cxnSp>
+      <p:sp>
+        <p:nvSpPr>
+          <p:cNvPr id="18" name="テキスト ボックス 17">
+            <a:extLst>
+              <a:ext uri="{FF2B5EF4-FFF2-40B4-BE49-F238E27FC236}">
+                <a16:creationId xmlns:a16="http://schemas.microsoft.com/office/drawing/2014/main" id="{FD95BAB0-8AA5-4B65-BE09-D85778735A81}"/>
+              </a:ext>
+            </a:extLst>
+          </p:cNvPr>
+          <p:cNvSpPr txBox="1"/>
+          <p:nvPr/>
+        </p:nvSpPr>
+        <p:spPr>
+          <a:xfrm>
+            <a:off x="6300192" y="5949280"/>
+            <a:ext cx="1008112" cy="400110"/>
+          </a:xfrm>
+          <a:prstGeom prst="rect">
+            <a:avLst/>
+          </a:prstGeom>
+          <a:noFill/>
+        </p:spPr>
+        <p:txBody>
+          <a:bodyPr wrap="square" rtlCol="0">
+            <a:spAutoFit/>
+          </a:bodyPr>
+          <a:lstStyle/>
+          <a:p>
+            <a:r>
+              <a:rPr lang="ja-JP" altLang="en-US" sz="2000"/>
+              <a:t>引数</a:t>
+            </a:r>
+            <a:endParaRPr lang="en-US" sz="2000"/>
+          </a:p>
+        </p:txBody>
+      </p:sp>
+    </p:spTree>
+    <p:extLst>
+      <p:ext uri="{BB962C8B-B14F-4D97-AF65-F5344CB8AC3E}">
+        <p14:creationId xmlns:p14="http://schemas.microsoft.com/office/powerpoint/2010/main" val="74537557"/>
+      </p:ext>
+    </p:extLst>
+  </p:cSld>
+  <p:clrMapOvr>
+    <a:masterClrMapping/>
+  </p:clrMapOvr>
+</p:sld>
+</file>
+
+<file path=ppt/slides/slide14.xml><?xml version="1.0" encoding="utf-8"?>
+<p:sld xmlns:a="http://schemas.openxmlformats.org/drawingml/2006/main" xmlns:r="http://schemas.openxmlformats.org/officeDocument/2006/relationships" xmlns:p="http://schemas.openxmlformats.org/presentationml/2006/main">
+  <p:cSld>
+    <p:spTree>
+      <p:nvGrpSpPr>
+        <p:cNvPr id="1" name=""/>
+        <p:cNvGrpSpPr/>
+        <p:nvPr/>
+      </p:nvGrpSpPr>
+      <p:grpSpPr>
+        <a:xfrm>
+          <a:off x="0" y="0"/>
+          <a:ext cx="0" cy="0"/>
+          <a:chOff x="0" y="0"/>
+          <a:chExt cx="0" cy="0"/>
+        </a:xfrm>
+      </p:grpSpPr>
+      <p:sp>
+        <p:nvSpPr>
+          <p:cNvPr id="2" name="テキスト プレースホルダー 1">
+            <a:extLst>
+              <a:ext uri="{FF2B5EF4-FFF2-40B4-BE49-F238E27FC236}">
+                <a16:creationId xmlns:a16="http://schemas.microsoft.com/office/drawing/2014/main" id="{0FC7A215-D503-4E07-844D-136EB635D847}"/>
+              </a:ext>
+            </a:extLst>
+          </p:cNvPr>
+          <p:cNvSpPr>
+            <a:spLocks noGrp="1"/>
+          </p:cNvSpPr>
+          <p:nvPr>
+            <p:ph type="body" sz="quarter" idx="10"/>
+          </p:nvPr>
+        </p:nvSpPr>
+        <p:spPr/>
+        <p:txBody>
+          <a:bodyPr/>
+          <a:lstStyle/>
+          <a:p>
+            <a:r>
+              <a:rPr lang="en-US"/>
+              <a:t>ls</a:t>
+            </a:r>
+          </a:p>
+        </p:txBody>
+      </p:sp>
+      <p:sp>
+        <p:nvSpPr>
+          <p:cNvPr id="3" name="テキスト ボックス 2">
+            <a:extLst>
+              <a:ext uri="{FF2B5EF4-FFF2-40B4-BE49-F238E27FC236}">
+                <a16:creationId xmlns:a16="http://schemas.microsoft.com/office/drawing/2014/main" id="{2F6A9378-3808-4A27-888C-C125C452E925}"/>
+              </a:ext>
+            </a:extLst>
+          </p:cNvPr>
+          <p:cNvSpPr txBox="1"/>
+          <p:nvPr/>
+        </p:nvSpPr>
+        <p:spPr>
+          <a:xfrm>
+            <a:off x="251520" y="1124744"/>
+            <a:ext cx="9110186" cy="830997"/>
+          </a:xfrm>
+          <a:prstGeom prst="rect">
+            <a:avLst/>
+          </a:prstGeom>
+          <a:noFill/>
+        </p:spPr>
+        <p:txBody>
+          <a:bodyPr wrap="none" rtlCol="0">
+            <a:spAutoFit/>
+          </a:bodyPr>
+          <a:lstStyle/>
+          <a:p>
+            <a:r>
+              <a:rPr lang="ja-JP" altLang="en-US" sz="2400"/>
+              <a:t>指定したディレクトリ内のファイルやディレクトリを表示する</a:t>
+            </a:r>
+            <a:endParaRPr lang="en-US" altLang="ja-JP" sz="2400"/>
+          </a:p>
+          <a:p>
+            <a:r>
+              <a:rPr lang="ja-JP" altLang="en-US" sz="2400"/>
+              <a:t>引数を指定しない場合はカレントディレクトリ直下を表示する</a:t>
+            </a:r>
+            <a:endParaRPr lang="en-US" sz="2400"/>
+          </a:p>
+        </p:txBody>
+      </p:sp>
+      <p:pic>
+        <p:nvPicPr>
+          <p:cNvPr id="4" name="Picture 2" descr="フォルダのイラスト">
+            <a:extLst>
+              <a:ext uri="{FF2B5EF4-FFF2-40B4-BE49-F238E27FC236}">
+                <a16:creationId xmlns:a16="http://schemas.microsoft.com/office/drawing/2014/main" id="{ABDD30B9-3A04-4075-B378-38BC79ACE2BE}"/>
+              </a:ext>
+            </a:extLst>
+          </p:cNvPr>
+          <p:cNvPicPr>
+            <a:picLocks noChangeAspect="1" noChangeArrowheads="1"/>
+          </p:cNvPicPr>
+          <p:nvPr/>
+        </p:nvPicPr>
+        <p:blipFill>
+          <a:blip r:embed="rId2" cstate="print">
+            <a:extLst>
+              <a:ext uri="{28A0092B-C50C-407E-A947-70E740481C1C}">
+                <a14:useLocalDpi xmlns:a14="http://schemas.microsoft.com/office/drawing/2010/main" val="0"/>
+              </a:ext>
+            </a:extLst>
+          </a:blip>
+          <a:srcRect/>
+          <a:stretch>
+            <a:fillRect/>
+          </a:stretch>
+        </p:blipFill>
+        <p:spPr bwMode="auto">
+          <a:xfrm>
+            <a:off x="5178259" y="3861048"/>
+            <a:ext cx="764145" cy="639971"/>
+          </a:xfrm>
+          <a:prstGeom prst="rect">
+            <a:avLst/>
+          </a:prstGeom>
+          <a:noFill/>
+          <a:extLst>
+            <a:ext uri="{909E8E84-426E-40DD-AFC4-6F175D3DCCD1}">
+              <a14:hiddenFill xmlns:a14="http://schemas.microsoft.com/office/drawing/2010/main">
+                <a:solidFill>
+                  <a:srgbClr val="FFFFFF"/>
+                </a:solidFill>
+              </a14:hiddenFill>
+            </a:ext>
+          </a:extLst>
+        </p:spPr>
+      </p:pic>
+      <p:sp>
+        <p:nvSpPr>
+          <p:cNvPr id="5" name="テキスト ボックス 4">
+            <a:extLst>
+              <a:ext uri="{FF2B5EF4-FFF2-40B4-BE49-F238E27FC236}">
+                <a16:creationId xmlns:a16="http://schemas.microsoft.com/office/drawing/2014/main" id="{D3086B2A-957D-4052-9C05-785D55E88547}"/>
+              </a:ext>
+            </a:extLst>
+          </p:cNvPr>
+          <p:cNvSpPr txBox="1"/>
+          <p:nvPr/>
+        </p:nvSpPr>
+        <p:spPr>
+          <a:xfrm>
+            <a:off x="5207124" y="4005064"/>
+            <a:ext cx="691215" cy="369332"/>
+          </a:xfrm>
+          <a:prstGeom prst="rect">
+            <a:avLst/>
+          </a:prstGeom>
+          <a:noFill/>
+        </p:spPr>
+        <p:txBody>
+          <a:bodyPr wrap="none" rtlCol="0">
+            <a:spAutoFit/>
+          </a:bodyPr>
+          <a:lstStyle/>
+          <a:p>
+            <a:r>
+              <a:rPr lang="en-US" altLang="ja-JP">
+                <a:solidFill>
+                  <a:schemeClr val="bg1"/>
+                </a:solidFill>
+                <a:latin typeface="Consolas" panose="020B0609020204030204" pitchFamily="49" charset="0"/>
+              </a:rPr>
+              <a:t>temp</a:t>
+            </a:r>
+            <a:endParaRPr kumimoji="1" lang="ja-JP" altLang="en-US" dirty="0">
+              <a:solidFill>
+                <a:schemeClr val="bg1"/>
+              </a:solidFill>
+              <a:latin typeface="Consolas" panose="020B0609020204030204" pitchFamily="49" charset="0"/>
+            </a:endParaRPr>
+          </a:p>
+        </p:txBody>
+      </p:sp>
+      <p:pic>
+        <p:nvPicPr>
+          <p:cNvPr id="6" name="Picture 2" descr="フォルダのイラスト">
+            <a:extLst>
+              <a:ext uri="{FF2B5EF4-FFF2-40B4-BE49-F238E27FC236}">
+                <a16:creationId xmlns:a16="http://schemas.microsoft.com/office/drawing/2014/main" id="{754B7AC9-8EA1-4A5C-A398-DD94889813D3}"/>
+              </a:ext>
+            </a:extLst>
+          </p:cNvPr>
+          <p:cNvPicPr>
+            <a:picLocks noChangeAspect="1" noChangeArrowheads="1"/>
+          </p:cNvPicPr>
+          <p:nvPr/>
+        </p:nvPicPr>
+        <p:blipFill>
+          <a:blip r:embed="rId2" cstate="print">
+            <a:extLst>
+              <a:ext uri="{28A0092B-C50C-407E-A947-70E740481C1C}">
+                <a14:useLocalDpi xmlns:a14="http://schemas.microsoft.com/office/drawing/2010/main" val="0"/>
+              </a:ext>
+            </a:extLst>
+          </a:blip>
+          <a:srcRect/>
+          <a:stretch>
+            <a:fillRect/>
+          </a:stretch>
+        </p:blipFill>
+        <p:spPr bwMode="auto">
+          <a:xfrm>
+            <a:off x="5178259" y="4797152"/>
+            <a:ext cx="764145" cy="639971"/>
+          </a:xfrm>
+          <a:prstGeom prst="rect">
+            <a:avLst/>
+          </a:prstGeom>
+          <a:noFill/>
+          <a:extLst>
+            <a:ext uri="{909E8E84-426E-40DD-AFC4-6F175D3DCCD1}">
+              <a14:hiddenFill xmlns:a14="http://schemas.microsoft.com/office/drawing/2010/main">
+                <a:solidFill>
+                  <a:srgbClr val="FFFFFF"/>
+                </a:solidFill>
+              </a14:hiddenFill>
+            </a:ext>
+          </a:extLst>
+        </p:spPr>
+      </p:pic>
+      <p:sp>
+        <p:nvSpPr>
+          <p:cNvPr id="7" name="テキスト ボックス 6">
+            <a:extLst>
+              <a:ext uri="{FF2B5EF4-FFF2-40B4-BE49-F238E27FC236}">
+                <a16:creationId xmlns:a16="http://schemas.microsoft.com/office/drawing/2014/main" id="{78B4E2E7-F02E-4091-A8C0-2EFC1700AFD7}"/>
+              </a:ext>
+            </a:extLst>
+          </p:cNvPr>
+          <p:cNvSpPr txBox="1"/>
+          <p:nvPr/>
+        </p:nvSpPr>
+        <p:spPr>
+          <a:xfrm>
+            <a:off x="5207124" y="4941168"/>
+            <a:ext cx="691215" cy="369332"/>
+          </a:xfrm>
+          <a:prstGeom prst="rect">
+            <a:avLst/>
+          </a:prstGeom>
+          <a:noFill/>
+        </p:spPr>
+        <p:txBody>
+          <a:bodyPr wrap="none" rtlCol="0">
+            <a:spAutoFit/>
+          </a:bodyPr>
+          <a:lstStyle/>
+          <a:p>
+            <a:r>
+              <a:rPr kumimoji="1" lang="en-US" altLang="ja-JP">
+                <a:solidFill>
+                  <a:schemeClr val="bg1"/>
+                </a:solidFill>
+                <a:latin typeface="Consolas" panose="020B0609020204030204" pitchFamily="49" charset="0"/>
+              </a:rPr>
+              <a:t>dir1</a:t>
+            </a:r>
+            <a:endParaRPr kumimoji="1" lang="ja-JP" altLang="en-US" dirty="0">
+              <a:solidFill>
+                <a:schemeClr val="bg1"/>
+              </a:solidFill>
+              <a:latin typeface="Consolas" panose="020B0609020204030204" pitchFamily="49" charset="0"/>
+            </a:endParaRPr>
+          </a:p>
+        </p:txBody>
+      </p:sp>
+      <p:pic>
+        <p:nvPicPr>
+          <p:cNvPr id="8" name="Picture 2" descr="フォルダのイラスト">
+            <a:extLst>
+              <a:ext uri="{FF2B5EF4-FFF2-40B4-BE49-F238E27FC236}">
+                <a16:creationId xmlns:a16="http://schemas.microsoft.com/office/drawing/2014/main" id="{75C12749-4674-448E-A80B-6F4E1E440888}"/>
+              </a:ext>
+            </a:extLst>
+          </p:cNvPr>
+          <p:cNvPicPr>
+            <a:picLocks noChangeAspect="1" noChangeArrowheads="1"/>
+          </p:cNvPicPr>
+          <p:nvPr/>
+        </p:nvPicPr>
+        <p:blipFill>
+          <a:blip r:embed="rId2" cstate="print">
+            <a:extLst>
+              <a:ext uri="{28A0092B-C50C-407E-A947-70E740481C1C}">
+                <a14:useLocalDpi xmlns:a14="http://schemas.microsoft.com/office/drawing/2010/main" val="0"/>
+              </a:ext>
+            </a:extLst>
+          </a:blip>
+          <a:srcRect/>
+          <a:stretch>
+            <a:fillRect/>
+          </a:stretch>
+        </p:blipFill>
+        <p:spPr bwMode="auto">
+          <a:xfrm>
+            <a:off x="6143228" y="4797152"/>
+            <a:ext cx="764145" cy="639971"/>
+          </a:xfrm>
+          <a:prstGeom prst="rect">
+            <a:avLst/>
+          </a:prstGeom>
+          <a:noFill/>
+          <a:extLst>
+            <a:ext uri="{909E8E84-426E-40DD-AFC4-6F175D3DCCD1}">
+              <a14:hiddenFill xmlns:a14="http://schemas.microsoft.com/office/drawing/2010/main">
+                <a:solidFill>
+                  <a:srgbClr val="FFFFFF"/>
+                </a:solidFill>
+              </a14:hiddenFill>
+            </a:ext>
+          </a:extLst>
+        </p:spPr>
+      </p:pic>
+      <p:sp>
+        <p:nvSpPr>
+          <p:cNvPr id="9" name="テキスト ボックス 8">
+            <a:extLst>
+              <a:ext uri="{FF2B5EF4-FFF2-40B4-BE49-F238E27FC236}">
+                <a16:creationId xmlns:a16="http://schemas.microsoft.com/office/drawing/2014/main" id="{12F698BB-98A8-4F61-9BF2-2DA20DF80939}"/>
+              </a:ext>
+            </a:extLst>
+          </p:cNvPr>
+          <p:cNvSpPr txBox="1"/>
+          <p:nvPr/>
+        </p:nvSpPr>
+        <p:spPr>
+          <a:xfrm>
+            <a:off x="6172093" y="4941168"/>
+            <a:ext cx="691215" cy="369332"/>
+          </a:xfrm>
+          <a:prstGeom prst="rect">
+            <a:avLst/>
+          </a:prstGeom>
+          <a:noFill/>
+        </p:spPr>
+        <p:txBody>
+          <a:bodyPr wrap="none" rtlCol="0">
+            <a:spAutoFit/>
+          </a:bodyPr>
+          <a:lstStyle/>
+          <a:p>
+            <a:r>
+              <a:rPr kumimoji="1" lang="en-US" altLang="ja-JP">
+                <a:solidFill>
+                  <a:schemeClr val="bg1"/>
+                </a:solidFill>
+                <a:latin typeface="Consolas" panose="020B0609020204030204" pitchFamily="49" charset="0"/>
+              </a:rPr>
+              <a:t>dir2</a:t>
+            </a:r>
+            <a:endParaRPr kumimoji="1" lang="ja-JP" altLang="en-US" dirty="0">
+              <a:solidFill>
+                <a:schemeClr val="bg1"/>
+              </a:solidFill>
+              <a:latin typeface="Consolas" panose="020B0609020204030204" pitchFamily="49" charset="0"/>
+            </a:endParaRPr>
+          </a:p>
+        </p:txBody>
+      </p:sp>
+      <p:pic>
+        <p:nvPicPr>
+          <p:cNvPr id="10" name="Picture 2" descr="ファイルアイコン（ブランク）">
+            <a:extLst>
+              <a:ext uri="{FF2B5EF4-FFF2-40B4-BE49-F238E27FC236}">
+                <a16:creationId xmlns:a16="http://schemas.microsoft.com/office/drawing/2014/main" id="{DEE3EBF3-164A-4C03-8905-A4C3B186176B}"/>
+              </a:ext>
+            </a:extLst>
+          </p:cNvPr>
+          <p:cNvPicPr>
+            <a:picLocks noChangeAspect="1" noChangeArrowheads="1"/>
+          </p:cNvPicPr>
+          <p:nvPr/>
+        </p:nvPicPr>
+        <p:blipFill>
+          <a:blip r:embed="rId3" cstate="print">
+            <a:extLst>
+              <a:ext uri="{28A0092B-C50C-407E-A947-70E740481C1C}">
+                <a14:useLocalDpi xmlns:a14="http://schemas.microsoft.com/office/drawing/2010/main" val="0"/>
+              </a:ext>
+            </a:extLst>
+          </a:blip>
+          <a:srcRect/>
+          <a:stretch>
+            <a:fillRect/>
+          </a:stretch>
+        </p:blipFill>
+        <p:spPr bwMode="auto">
+          <a:xfrm>
+            <a:off x="7151340" y="4797152"/>
+            <a:ext cx="558061" cy="648072"/>
+          </a:xfrm>
+          <a:prstGeom prst="rect">
+            <a:avLst/>
+          </a:prstGeom>
+          <a:noFill/>
+          <a:extLst>
+            <a:ext uri="{909E8E84-426E-40DD-AFC4-6F175D3DCCD1}">
+              <a14:hiddenFill xmlns:a14="http://schemas.microsoft.com/office/drawing/2010/main">
+                <a:solidFill>
+                  <a:srgbClr val="FFFFFF"/>
+                </a:solidFill>
+              </a14:hiddenFill>
+            </a:ext>
+          </a:extLst>
+        </p:spPr>
+      </p:pic>
+      <p:sp>
+        <p:nvSpPr>
+          <p:cNvPr id="11" name="テキスト ボックス 10">
+            <a:extLst>
+              <a:ext uri="{FF2B5EF4-FFF2-40B4-BE49-F238E27FC236}">
+                <a16:creationId xmlns:a16="http://schemas.microsoft.com/office/drawing/2014/main" id="{6D379E9D-5B5F-4E6F-8152-0F90C8BEAAB4}"/>
+              </a:ext>
+            </a:extLst>
+          </p:cNvPr>
+          <p:cNvSpPr txBox="1"/>
+          <p:nvPr/>
+        </p:nvSpPr>
+        <p:spPr>
+          <a:xfrm>
+            <a:off x="6935316" y="5373216"/>
+            <a:ext cx="1115616" cy="307777"/>
+          </a:xfrm>
+          <a:prstGeom prst="rect">
+            <a:avLst/>
+          </a:prstGeom>
+          <a:noFill/>
+        </p:spPr>
+        <p:txBody>
+          <a:bodyPr wrap="square">
+            <a:spAutoFit/>
+          </a:bodyPr>
+          <a:lstStyle/>
+          <a:p>
+            <a:r>
+              <a:rPr lang="en-US" altLang="ja-JP" sz="1400">
+                <a:latin typeface="Consolas" panose="020B0609020204030204" pitchFamily="49" charset="0"/>
+              </a:rPr>
+              <a:t>file1.txt</a:t>
+            </a:r>
+            <a:endParaRPr kumimoji="1" lang="ja-JP" altLang="en-US" sz="1400" dirty="0">
+              <a:latin typeface="Consolas" panose="020B0609020204030204" pitchFamily="49" charset="0"/>
+            </a:endParaRPr>
+          </a:p>
+        </p:txBody>
+      </p:sp>
+      <p:pic>
+        <p:nvPicPr>
+          <p:cNvPr id="12" name="Picture 2" descr="ファイルアイコン（ブランク）">
+            <a:extLst>
+              <a:ext uri="{FF2B5EF4-FFF2-40B4-BE49-F238E27FC236}">
+                <a16:creationId xmlns:a16="http://schemas.microsoft.com/office/drawing/2014/main" id="{C1234DFA-6E99-4C15-8C3C-BD314D5619A8}"/>
+              </a:ext>
+            </a:extLst>
+          </p:cNvPr>
+          <p:cNvPicPr>
+            <a:picLocks noChangeAspect="1" noChangeArrowheads="1"/>
+          </p:cNvPicPr>
+          <p:nvPr/>
+        </p:nvPicPr>
+        <p:blipFill>
+          <a:blip r:embed="rId3" cstate="print">
+            <a:extLst>
+              <a:ext uri="{28A0092B-C50C-407E-A947-70E740481C1C}">
+                <a14:useLocalDpi xmlns:a14="http://schemas.microsoft.com/office/drawing/2010/main" val="0"/>
+              </a:ext>
+            </a:extLst>
+          </a:blip>
+          <a:srcRect/>
+          <a:stretch>
+            <a:fillRect/>
+          </a:stretch>
+        </p:blipFill>
+        <p:spPr bwMode="auto">
+          <a:xfrm>
+            <a:off x="8159452" y="4797152"/>
+            <a:ext cx="558061" cy="648072"/>
+          </a:xfrm>
+          <a:prstGeom prst="rect">
+            <a:avLst/>
+          </a:prstGeom>
+          <a:noFill/>
+          <a:extLst>
+            <a:ext uri="{909E8E84-426E-40DD-AFC4-6F175D3DCCD1}">
+              <a14:hiddenFill xmlns:a14="http://schemas.microsoft.com/office/drawing/2010/main">
+                <a:solidFill>
+                  <a:srgbClr val="FFFFFF"/>
+                </a:solidFill>
+              </a14:hiddenFill>
+            </a:ext>
+          </a:extLst>
+        </p:spPr>
+      </p:pic>
+      <p:sp>
+        <p:nvSpPr>
+          <p:cNvPr id="13" name="テキスト ボックス 12">
+            <a:extLst>
+              <a:ext uri="{FF2B5EF4-FFF2-40B4-BE49-F238E27FC236}">
+                <a16:creationId xmlns:a16="http://schemas.microsoft.com/office/drawing/2014/main" id="{3A65517A-0168-4593-A366-110A747671B0}"/>
+              </a:ext>
+            </a:extLst>
+          </p:cNvPr>
+          <p:cNvSpPr txBox="1"/>
+          <p:nvPr/>
+        </p:nvSpPr>
+        <p:spPr>
+          <a:xfrm>
+            <a:off x="7943428" y="5373216"/>
+            <a:ext cx="1115616" cy="307777"/>
+          </a:xfrm>
+          <a:prstGeom prst="rect">
+            <a:avLst/>
+          </a:prstGeom>
+          <a:noFill/>
+        </p:spPr>
+        <p:txBody>
+          <a:bodyPr wrap="square">
+            <a:spAutoFit/>
+          </a:bodyPr>
+          <a:lstStyle/>
+          <a:p>
+            <a:r>
+              <a:rPr lang="en-US" altLang="ja-JP" sz="1400">
+                <a:latin typeface="Consolas" panose="020B0609020204030204" pitchFamily="49" charset="0"/>
+              </a:rPr>
+              <a:t>file2.txt</a:t>
+            </a:r>
+            <a:endParaRPr kumimoji="1" lang="ja-JP" altLang="en-US" sz="1400" dirty="0">
+              <a:latin typeface="Consolas" panose="020B0609020204030204" pitchFamily="49" charset="0"/>
+            </a:endParaRPr>
+          </a:p>
+        </p:txBody>
+      </p:sp>
+      <p:pic>
+        <p:nvPicPr>
+          <p:cNvPr id="14" name="Picture 2" descr="ファイルアイコン（ブランク）">
+            <a:extLst>
+              <a:ext uri="{FF2B5EF4-FFF2-40B4-BE49-F238E27FC236}">
+                <a16:creationId xmlns:a16="http://schemas.microsoft.com/office/drawing/2014/main" id="{CCF55761-89F1-4D9C-9719-5B1AF09F802B}"/>
+              </a:ext>
+            </a:extLst>
+          </p:cNvPr>
+          <p:cNvPicPr>
+            <a:picLocks noChangeAspect="1" noChangeArrowheads="1"/>
+          </p:cNvPicPr>
+          <p:nvPr/>
+        </p:nvPicPr>
+        <p:blipFill>
+          <a:blip r:embed="rId3" cstate="print">
+            <a:extLst>
+              <a:ext uri="{28A0092B-C50C-407E-A947-70E740481C1C}">
+                <a14:useLocalDpi xmlns:a14="http://schemas.microsoft.com/office/drawing/2010/main" val="0"/>
+              </a:ext>
+            </a:extLst>
+          </a:blip>
+          <a:srcRect/>
+          <a:stretch>
+            <a:fillRect/>
+          </a:stretch>
+        </p:blipFill>
+        <p:spPr bwMode="auto">
+          <a:xfrm>
+            <a:off x="5279132" y="5805264"/>
+            <a:ext cx="558061" cy="648072"/>
+          </a:xfrm>
+          <a:prstGeom prst="rect">
+            <a:avLst/>
+          </a:prstGeom>
+          <a:noFill/>
+          <a:extLst>
+            <a:ext uri="{909E8E84-426E-40DD-AFC4-6F175D3DCCD1}">
+              <a14:hiddenFill xmlns:a14="http://schemas.microsoft.com/office/drawing/2010/main">
+                <a:solidFill>
+                  <a:srgbClr val="FFFFFF"/>
+                </a:solidFill>
+              </a14:hiddenFill>
+            </a:ext>
+          </a:extLst>
+        </p:spPr>
+      </p:pic>
+      <p:sp>
+        <p:nvSpPr>
+          <p:cNvPr id="15" name="テキスト ボックス 14">
+            <a:extLst>
+              <a:ext uri="{FF2B5EF4-FFF2-40B4-BE49-F238E27FC236}">
+                <a16:creationId xmlns:a16="http://schemas.microsoft.com/office/drawing/2014/main" id="{6B7039A1-379A-4EC1-8ED0-DEDD5EDE287A}"/>
+              </a:ext>
+            </a:extLst>
+          </p:cNvPr>
+          <p:cNvSpPr txBox="1"/>
+          <p:nvPr/>
+        </p:nvSpPr>
+        <p:spPr>
+          <a:xfrm>
+            <a:off x="5098157" y="6430168"/>
+            <a:ext cx="1115616" cy="307777"/>
+          </a:xfrm>
+          <a:prstGeom prst="rect">
+            <a:avLst/>
+          </a:prstGeom>
+          <a:noFill/>
+        </p:spPr>
+        <p:txBody>
+          <a:bodyPr wrap="square">
+            <a:spAutoFit/>
+          </a:bodyPr>
+          <a:lstStyle/>
+          <a:p>
+            <a:r>
+              <a:rPr lang="en-US" altLang="ja-JP" sz="1400">
+                <a:latin typeface="Consolas" panose="020B0609020204030204" pitchFamily="49" charset="0"/>
+              </a:rPr>
+              <a:t>file3.txt</a:t>
+            </a:r>
+            <a:endParaRPr kumimoji="1" lang="ja-JP" altLang="en-US" sz="1400" dirty="0">
+              <a:latin typeface="Consolas" panose="020B0609020204030204" pitchFamily="49" charset="0"/>
+            </a:endParaRPr>
+          </a:p>
+        </p:txBody>
+      </p:sp>
+      <p:cxnSp>
+        <p:nvCxnSpPr>
+          <p:cNvPr id="16" name="コネクタ: カギ線 15">
+            <a:extLst>
+              <a:ext uri="{FF2B5EF4-FFF2-40B4-BE49-F238E27FC236}">
+                <a16:creationId xmlns:a16="http://schemas.microsoft.com/office/drawing/2014/main" id="{80909D43-E0D4-46CB-9552-E0510276755E}"/>
+              </a:ext>
+            </a:extLst>
+          </p:cNvPr>
+          <p:cNvCxnSpPr>
+            <a:cxnSpLocks/>
+            <a:stCxn id="4" idx="2"/>
+            <a:endCxn id="8" idx="0"/>
+          </p:cNvCxnSpPr>
+          <p:nvPr/>
+        </p:nvCxnSpPr>
+        <p:spPr>
+          <a:xfrm rot="16200000" flipH="1">
+            <a:off x="5894750" y="4166600"/>
+            <a:ext cx="296133" cy="964969"/>
+          </a:xfrm>
+          <a:prstGeom prst="bentConnector3">
+            <a:avLst/>
+          </a:prstGeom>
+          <a:ln w="12700">
+            <a:solidFill>
+              <a:schemeClr val="tx1"/>
+            </a:solidFill>
+          </a:ln>
+        </p:spPr>
+        <p:style>
+          <a:lnRef idx="1">
+            <a:schemeClr val="accent1"/>
+          </a:lnRef>
+          <a:fillRef idx="0">
+            <a:schemeClr val="accent1"/>
+          </a:fillRef>
+          <a:effectRef idx="0">
+            <a:schemeClr val="accent1"/>
+          </a:effectRef>
+          <a:fontRef idx="minor">
+            <a:schemeClr val="tx1"/>
+          </a:fontRef>
+        </p:style>
+      </p:cxnSp>
+      <p:cxnSp>
+        <p:nvCxnSpPr>
+          <p:cNvPr id="17" name="コネクタ: カギ線 16">
+            <a:extLst>
+              <a:ext uri="{FF2B5EF4-FFF2-40B4-BE49-F238E27FC236}">
+                <a16:creationId xmlns:a16="http://schemas.microsoft.com/office/drawing/2014/main" id="{8CD70154-9B94-465D-9207-2C54B780439D}"/>
+              </a:ext>
+            </a:extLst>
+          </p:cNvPr>
+          <p:cNvCxnSpPr>
+            <a:cxnSpLocks/>
+            <a:stCxn id="4" idx="2"/>
+            <a:endCxn id="10" idx="0"/>
+          </p:cNvCxnSpPr>
+          <p:nvPr/>
+        </p:nvCxnSpPr>
+        <p:spPr>
+          <a:xfrm rot="16200000" flipH="1">
+            <a:off x="6347285" y="3714065"/>
+            <a:ext cx="296133" cy="1870039"/>
+          </a:xfrm>
+          <a:prstGeom prst="bentConnector3">
+            <a:avLst/>
+          </a:prstGeom>
+          <a:ln w="12700">
+            <a:solidFill>
+              <a:schemeClr val="tx1"/>
+            </a:solidFill>
+          </a:ln>
+        </p:spPr>
+        <p:style>
+          <a:lnRef idx="1">
+            <a:schemeClr val="accent1"/>
+          </a:lnRef>
+          <a:fillRef idx="0">
+            <a:schemeClr val="accent1"/>
+          </a:fillRef>
+          <a:effectRef idx="0">
+            <a:schemeClr val="accent1"/>
+          </a:effectRef>
+          <a:fontRef idx="minor">
+            <a:schemeClr val="tx1"/>
+          </a:fontRef>
+        </p:style>
+      </p:cxnSp>
+      <p:cxnSp>
+        <p:nvCxnSpPr>
+          <p:cNvPr id="18" name="コネクタ: カギ線 17">
+            <a:extLst>
+              <a:ext uri="{FF2B5EF4-FFF2-40B4-BE49-F238E27FC236}">
+                <a16:creationId xmlns:a16="http://schemas.microsoft.com/office/drawing/2014/main" id="{A4C428C3-B93B-4742-AE58-0C57AE033437}"/>
+              </a:ext>
+            </a:extLst>
+          </p:cNvPr>
+          <p:cNvCxnSpPr>
+            <a:cxnSpLocks/>
+            <a:stCxn id="4" idx="2"/>
+            <a:endCxn id="12" idx="0"/>
+          </p:cNvCxnSpPr>
+          <p:nvPr/>
+        </p:nvCxnSpPr>
+        <p:spPr>
+          <a:xfrm rot="16200000" flipH="1">
+            <a:off x="6851341" y="3210009"/>
+            <a:ext cx="296133" cy="2878151"/>
+          </a:xfrm>
+          <a:prstGeom prst="bentConnector3">
+            <a:avLst/>
+          </a:prstGeom>
+          <a:ln w="12700">
+            <a:solidFill>
+              <a:schemeClr val="tx1"/>
+            </a:solidFill>
+          </a:ln>
+        </p:spPr>
+        <p:style>
+          <a:lnRef idx="1">
+            <a:schemeClr val="accent1"/>
+          </a:lnRef>
+          <a:fillRef idx="0">
+            <a:schemeClr val="accent1"/>
+          </a:fillRef>
+          <a:effectRef idx="0">
+            <a:schemeClr val="accent1"/>
+          </a:effectRef>
+          <a:fontRef idx="minor">
+            <a:schemeClr val="tx1"/>
+          </a:fontRef>
+        </p:style>
+      </p:cxnSp>
+      <p:cxnSp>
+        <p:nvCxnSpPr>
+          <p:cNvPr id="19" name="直線コネクタ 18">
+            <a:extLst>
+              <a:ext uri="{FF2B5EF4-FFF2-40B4-BE49-F238E27FC236}">
+                <a16:creationId xmlns:a16="http://schemas.microsoft.com/office/drawing/2014/main" id="{8F9CBEDF-CF4A-46D8-BB2C-2A78383A4716}"/>
+              </a:ext>
+            </a:extLst>
+          </p:cNvPr>
+          <p:cNvCxnSpPr>
+            <a:stCxn id="4" idx="2"/>
+            <a:endCxn id="6" idx="0"/>
+          </p:cNvCxnSpPr>
+          <p:nvPr/>
+        </p:nvCxnSpPr>
+        <p:spPr>
+          <a:xfrm>
+            <a:off x="5560332" y="4501019"/>
+            <a:ext cx="0" cy="296133"/>
+          </a:xfrm>
+          <a:prstGeom prst="line">
+            <a:avLst/>
+          </a:prstGeom>
+          <a:ln w="12700">
+            <a:solidFill>
+              <a:schemeClr val="tx1"/>
+            </a:solidFill>
+          </a:ln>
+        </p:spPr>
+        <p:style>
+          <a:lnRef idx="1">
+            <a:schemeClr val="accent1"/>
+          </a:lnRef>
+          <a:fillRef idx="0">
+            <a:schemeClr val="accent1"/>
+          </a:fillRef>
+          <a:effectRef idx="0">
+            <a:schemeClr val="accent1"/>
+          </a:effectRef>
+          <a:fontRef idx="minor">
+            <a:schemeClr val="tx1"/>
+          </a:fontRef>
+        </p:style>
+      </p:cxnSp>
+      <p:cxnSp>
+        <p:nvCxnSpPr>
+          <p:cNvPr id="20" name="直線コネクタ 19">
+            <a:extLst>
+              <a:ext uri="{FF2B5EF4-FFF2-40B4-BE49-F238E27FC236}">
+                <a16:creationId xmlns:a16="http://schemas.microsoft.com/office/drawing/2014/main" id="{23442DEE-7471-495B-BD2C-CB2267F2FE37}"/>
+              </a:ext>
+            </a:extLst>
+          </p:cNvPr>
+          <p:cNvCxnSpPr/>
+          <p:nvPr/>
+        </p:nvCxnSpPr>
+        <p:spPr>
+          <a:xfrm>
+            <a:off x="5567164" y="5373216"/>
+            <a:ext cx="0" cy="296133"/>
+          </a:xfrm>
+          <a:prstGeom prst="line">
+            <a:avLst/>
+          </a:prstGeom>
+          <a:ln w="12700">
+            <a:solidFill>
+              <a:schemeClr val="tx1"/>
+            </a:solidFill>
+          </a:ln>
+        </p:spPr>
+        <p:style>
+          <a:lnRef idx="1">
+            <a:schemeClr val="accent1"/>
+          </a:lnRef>
+          <a:fillRef idx="0">
+            <a:schemeClr val="accent1"/>
+          </a:fillRef>
+          <a:effectRef idx="0">
+            <a:schemeClr val="accent1"/>
+          </a:effectRef>
+          <a:fontRef idx="minor">
+            <a:schemeClr val="tx1"/>
+          </a:fontRef>
+        </p:style>
+      </p:cxnSp>
+      <p:sp>
+        <p:nvSpPr>
+          <p:cNvPr id="22" name="四角形: 角を丸くする 21">
+            <a:extLst>
+              <a:ext uri="{FF2B5EF4-FFF2-40B4-BE49-F238E27FC236}">
+                <a16:creationId xmlns:a16="http://schemas.microsoft.com/office/drawing/2014/main" id="{4384DB86-E8D4-4DF5-AFEE-0BD8111DB51B}"/>
+              </a:ext>
+            </a:extLst>
+          </p:cNvPr>
+          <p:cNvSpPr/>
+          <p:nvPr/>
+        </p:nvSpPr>
+        <p:spPr>
+          <a:xfrm>
+            <a:off x="5063108" y="3789040"/>
+            <a:ext cx="936104" cy="720080"/>
+          </a:xfrm>
+          <a:prstGeom prst="roundRect">
+            <a:avLst/>
+          </a:prstGeom>
+          <a:noFill/>
+          <a:ln w="28575">
+            <a:solidFill>
+              <a:srgbClr val="FF0000"/>
+            </a:solidFill>
+            <a:prstDash val="sysDash"/>
+          </a:ln>
+        </p:spPr>
+        <p:style>
+          <a:lnRef idx="2">
+            <a:schemeClr val="accent1">
+              <a:shade val="50000"/>
+            </a:schemeClr>
+          </a:lnRef>
+          <a:fillRef idx="1">
+            <a:schemeClr val="accent1"/>
+          </a:fillRef>
+          <a:effectRef idx="0">
+            <a:schemeClr val="accent1"/>
+          </a:effectRef>
+          <a:fontRef idx="minor">
+            <a:schemeClr val="lt1"/>
+          </a:fontRef>
+        </p:style>
+        <p:txBody>
+          <a:bodyPr rtlCol="0" anchor="ctr"/>
+          <a:lstStyle/>
+          <a:p>
+            <a:pPr algn="ctr"/>
+            <a:endParaRPr kumimoji="1" lang="ja-JP" altLang="en-US"/>
+          </a:p>
+        </p:txBody>
+      </p:sp>
+      <p:sp>
+        <p:nvSpPr>
+          <p:cNvPr id="23" name="テキスト ボックス 22">
+            <a:extLst>
+              <a:ext uri="{FF2B5EF4-FFF2-40B4-BE49-F238E27FC236}">
+                <a16:creationId xmlns:a16="http://schemas.microsoft.com/office/drawing/2014/main" id="{DCDC870E-C403-4A3D-809D-6F1F75DD5E09}"/>
+              </a:ext>
+            </a:extLst>
+          </p:cNvPr>
+          <p:cNvSpPr txBox="1"/>
+          <p:nvPr/>
+        </p:nvSpPr>
+        <p:spPr>
+          <a:xfrm>
+            <a:off x="4703068" y="3429000"/>
+            <a:ext cx="1723549" cy="276999"/>
+          </a:xfrm>
+          <a:prstGeom prst="rect">
+            <a:avLst/>
+          </a:prstGeom>
+          <a:noFill/>
+        </p:spPr>
+        <p:txBody>
+          <a:bodyPr wrap="none" rtlCol="0">
+            <a:spAutoFit/>
+          </a:bodyPr>
+          <a:lstStyle/>
+          <a:p>
+            <a:r>
+              <a:rPr kumimoji="1" lang="ja-JP" altLang="en-US" sz="1200"/>
+              <a:t>カレントディレクトリ</a:t>
+            </a:r>
+          </a:p>
+        </p:txBody>
+      </p:sp>
+      <p:sp>
+        <p:nvSpPr>
+          <p:cNvPr id="24" name="四角形: 角を丸くする 23">
+            <a:extLst>
+              <a:ext uri="{FF2B5EF4-FFF2-40B4-BE49-F238E27FC236}">
+                <a16:creationId xmlns:a16="http://schemas.microsoft.com/office/drawing/2014/main" id="{A90515C7-C330-4DA9-987D-55A6EFBF4D3A}"/>
+              </a:ext>
+            </a:extLst>
+          </p:cNvPr>
+          <p:cNvSpPr/>
+          <p:nvPr/>
+        </p:nvSpPr>
+        <p:spPr>
+          <a:xfrm>
+            <a:off x="5063108" y="4581128"/>
+            <a:ext cx="3923928" cy="1080120"/>
+          </a:xfrm>
+          <a:prstGeom prst="roundRect">
+            <a:avLst/>
+          </a:prstGeom>
+          <a:noFill/>
+          <a:ln w="28575">
+            <a:solidFill>
+              <a:srgbClr val="011893"/>
+            </a:solidFill>
+            <a:prstDash val="sysDash"/>
+          </a:ln>
+        </p:spPr>
+        <p:style>
+          <a:lnRef idx="2">
+            <a:schemeClr val="accent1">
+              <a:shade val="50000"/>
+            </a:schemeClr>
+          </a:lnRef>
+          <a:fillRef idx="1">
+            <a:schemeClr val="accent1"/>
+          </a:fillRef>
+          <a:effectRef idx="0">
+            <a:schemeClr val="accent1"/>
+          </a:effectRef>
+          <a:fontRef idx="minor">
+            <a:schemeClr val="lt1"/>
+          </a:fontRef>
+        </p:style>
+        <p:txBody>
+          <a:bodyPr rtlCol="0" anchor="ctr"/>
+          <a:lstStyle/>
+          <a:p>
+            <a:pPr algn="ctr"/>
+            <a:endParaRPr kumimoji="1" lang="ja-JP" altLang="en-US"/>
+          </a:p>
+        </p:txBody>
+      </p:sp>
+      <p:sp>
+        <p:nvSpPr>
+          <p:cNvPr id="25" name="テキスト ボックス 24">
+            <a:extLst>
+              <a:ext uri="{FF2B5EF4-FFF2-40B4-BE49-F238E27FC236}">
+                <a16:creationId xmlns:a16="http://schemas.microsoft.com/office/drawing/2014/main" id="{4B76794B-4758-4B24-AB81-0B30140466FA}"/>
+              </a:ext>
+            </a:extLst>
+          </p:cNvPr>
+          <p:cNvSpPr txBox="1"/>
+          <p:nvPr/>
+        </p:nvSpPr>
+        <p:spPr>
+          <a:xfrm>
+            <a:off x="6575276" y="4077072"/>
+            <a:ext cx="1744388" cy="338554"/>
+          </a:xfrm>
+          <a:prstGeom prst="rect">
+            <a:avLst/>
+          </a:prstGeom>
+          <a:noFill/>
+        </p:spPr>
+        <p:txBody>
+          <a:bodyPr wrap="none" rtlCol="0">
+            <a:spAutoFit/>
+          </a:bodyPr>
+          <a:lstStyle/>
+          <a:p>
+            <a:r>
+              <a:rPr kumimoji="1" lang="en-US" altLang="ja-JP" sz="1600"/>
+              <a:t>ls</a:t>
+            </a:r>
+            <a:r>
+              <a:rPr kumimoji="1" lang="ja-JP" altLang="en-US" sz="1600"/>
+              <a:t>が表示する範囲</a:t>
+            </a:r>
+          </a:p>
+        </p:txBody>
+      </p:sp>
+      <p:sp>
+        <p:nvSpPr>
+          <p:cNvPr id="27" name="テキスト ボックス 26">
+            <a:extLst>
+              <a:ext uri="{FF2B5EF4-FFF2-40B4-BE49-F238E27FC236}">
+                <a16:creationId xmlns:a16="http://schemas.microsoft.com/office/drawing/2014/main" id="{BB44C064-3042-4338-A6D4-7E3DF78A5488}"/>
+              </a:ext>
+            </a:extLst>
+          </p:cNvPr>
+          <p:cNvSpPr txBox="1"/>
+          <p:nvPr/>
+        </p:nvSpPr>
+        <p:spPr>
+          <a:xfrm>
+            <a:off x="107504" y="2060848"/>
+            <a:ext cx="2763898" cy="523220"/>
+          </a:xfrm>
+          <a:prstGeom prst="rect">
+            <a:avLst/>
+          </a:prstGeom>
+          <a:noFill/>
+        </p:spPr>
+        <p:txBody>
+          <a:bodyPr wrap="none" rtlCol="0">
+            <a:spAutoFit/>
+          </a:bodyPr>
+          <a:lstStyle/>
+          <a:p>
+            <a:r>
+              <a:rPr lang="ja-JP" altLang="en-US" sz="2800">
+                <a:solidFill>
+                  <a:srgbClr val="011893"/>
+                </a:solidFill>
+              </a:rPr>
+              <a:t>引数 </a:t>
+            </a:r>
+            <a:r>
+              <a:rPr lang="en-US" altLang="ja-JP" sz="2800">
+                <a:solidFill>
+                  <a:srgbClr val="011893"/>
+                </a:solidFill>
+              </a:rPr>
+              <a:t>(argument)</a:t>
+            </a:r>
+            <a:endParaRPr lang="en-US" sz="2800">
+              <a:solidFill>
+                <a:srgbClr val="011893"/>
+              </a:solidFill>
+            </a:endParaRPr>
+          </a:p>
+        </p:txBody>
+      </p:sp>
+      <p:sp>
+        <p:nvSpPr>
+          <p:cNvPr id="29" name="テキスト ボックス 28">
+            <a:extLst>
+              <a:ext uri="{FF2B5EF4-FFF2-40B4-BE49-F238E27FC236}">
+                <a16:creationId xmlns:a16="http://schemas.microsoft.com/office/drawing/2014/main" id="{47540060-1655-4355-8049-F67AA4E57357}"/>
+              </a:ext>
+            </a:extLst>
+          </p:cNvPr>
+          <p:cNvSpPr txBox="1"/>
+          <p:nvPr/>
+        </p:nvSpPr>
+        <p:spPr>
+          <a:xfrm>
+            <a:off x="611560" y="2636912"/>
+            <a:ext cx="4464496" cy="461665"/>
+          </a:xfrm>
+          <a:prstGeom prst="rect">
+            <a:avLst/>
+          </a:prstGeom>
+          <a:noFill/>
+        </p:spPr>
+        <p:txBody>
+          <a:bodyPr wrap="square">
+            <a:spAutoFit/>
+          </a:bodyPr>
+          <a:lstStyle/>
+          <a:p>
+            <a:r>
+              <a:rPr lang="ja-JP" altLang="en-US" sz="2400"/>
+              <a:t>コマンドの直接の目的語</a:t>
+            </a:r>
+            <a:endParaRPr lang="en-US" altLang="ja-JP" sz="2400"/>
+          </a:p>
+        </p:txBody>
+      </p:sp>
+      <p:sp>
+        <p:nvSpPr>
+          <p:cNvPr id="31" name="テキスト ボックス 30">
+            <a:extLst>
+              <a:ext uri="{FF2B5EF4-FFF2-40B4-BE49-F238E27FC236}">
+                <a16:creationId xmlns:a16="http://schemas.microsoft.com/office/drawing/2014/main" id="{7E167737-2198-46A5-B530-04CE9342B60A}"/>
+              </a:ext>
+            </a:extLst>
+          </p:cNvPr>
+          <p:cNvSpPr txBox="1"/>
+          <p:nvPr/>
+        </p:nvSpPr>
+        <p:spPr>
+          <a:xfrm>
+            <a:off x="35496" y="3790781"/>
+            <a:ext cx="4896544" cy="646331"/>
+          </a:xfrm>
+          <a:prstGeom prst="rect">
+            <a:avLst/>
+          </a:prstGeom>
+          <a:noFill/>
+          <a:ln>
+            <a:solidFill>
+              <a:schemeClr val="tx1"/>
+            </a:solidFill>
+          </a:ln>
+        </p:spPr>
+        <p:txBody>
+          <a:bodyPr wrap="square">
+            <a:spAutoFit/>
+          </a:bodyPr>
+          <a:lstStyle/>
+          <a:p>
+            <a:r>
+              <a:rPr lang="en-US" sz="1800">
+                <a:solidFill>
+                  <a:prstClr val="black"/>
+                </a:solidFill>
+                <a:latin typeface="Lucida Console" panose="020B0609040504020204" pitchFamily="49" charset="0"/>
+              </a:rPr>
+              <a:t>$ ls</a:t>
+            </a:r>
+          </a:p>
+          <a:p>
+            <a:r>
+              <a:rPr lang="en-US" sz="1800">
+                <a:solidFill>
+                  <a:srgbClr val="6060FF"/>
+                </a:solidFill>
+                <a:latin typeface="Lucida Console" panose="020B0609040504020204" pitchFamily="49" charset="0"/>
+              </a:rPr>
+              <a:t>dir1</a:t>
+            </a:r>
+            <a:r>
+              <a:rPr lang="en-US" sz="1800">
+                <a:solidFill>
+                  <a:prstClr val="black"/>
+                </a:solidFill>
+                <a:latin typeface="Lucida Console" panose="020B0609040504020204" pitchFamily="49" charset="0"/>
+              </a:rPr>
+              <a:t>/  </a:t>
+            </a:r>
+            <a:r>
+              <a:rPr lang="en-US" sz="1800">
+                <a:solidFill>
+                  <a:srgbClr val="6060FF"/>
+                </a:solidFill>
+                <a:latin typeface="Lucida Console" panose="020B0609040504020204" pitchFamily="49" charset="0"/>
+              </a:rPr>
+              <a:t>dir2</a:t>
+            </a:r>
+            <a:r>
+              <a:rPr lang="en-US" sz="1800">
+                <a:solidFill>
+                  <a:prstClr val="black"/>
+                </a:solidFill>
+                <a:latin typeface="Lucida Console" panose="020B0609040504020204" pitchFamily="49" charset="0"/>
+              </a:rPr>
+              <a:t>/  file1.txt  file2.txt</a:t>
+            </a:r>
+          </a:p>
+        </p:txBody>
+      </p:sp>
+      <p:sp>
+        <p:nvSpPr>
+          <p:cNvPr id="33" name="テキスト ボックス 32">
+            <a:extLst>
+              <a:ext uri="{FF2B5EF4-FFF2-40B4-BE49-F238E27FC236}">
+                <a16:creationId xmlns:a16="http://schemas.microsoft.com/office/drawing/2014/main" id="{6C649958-E0E0-4FA6-BC1F-1EC61F74B1CD}"/>
+              </a:ext>
+            </a:extLst>
+          </p:cNvPr>
+          <p:cNvSpPr txBox="1"/>
+          <p:nvPr/>
+        </p:nvSpPr>
+        <p:spPr>
+          <a:xfrm>
+            <a:off x="35496" y="4869160"/>
+            <a:ext cx="4896544" cy="646331"/>
+          </a:xfrm>
+          <a:prstGeom prst="rect">
+            <a:avLst/>
+          </a:prstGeom>
+          <a:noFill/>
+          <a:ln>
+            <a:solidFill>
+              <a:schemeClr val="tx1"/>
+            </a:solidFill>
+          </a:ln>
+        </p:spPr>
+        <p:txBody>
+          <a:bodyPr wrap="square">
+            <a:spAutoFit/>
+          </a:bodyPr>
+          <a:lstStyle/>
+          <a:p>
+            <a:r>
+              <a:rPr lang="en-US" sz="1800">
+                <a:solidFill>
+                  <a:prstClr val="black"/>
+                </a:solidFill>
+                <a:latin typeface="Lucida Console" panose="020B0609040504020204" pitchFamily="49" charset="0"/>
+              </a:rPr>
+              <a:t>$ ls dir1</a:t>
+            </a:r>
+          </a:p>
+          <a:p>
+            <a:r>
+              <a:rPr lang="en-US" sz="1800">
+                <a:solidFill>
+                  <a:prstClr val="black"/>
+                </a:solidFill>
+                <a:latin typeface="Lucida Console" panose="020B0609040504020204" pitchFamily="49" charset="0"/>
+              </a:rPr>
+              <a:t>file3.txt</a:t>
+            </a:r>
+          </a:p>
+        </p:txBody>
+      </p:sp>
+    </p:spTree>
+    <p:extLst>
+      <p:ext uri="{BB962C8B-B14F-4D97-AF65-F5344CB8AC3E}">
+        <p14:creationId xmlns:p14="http://schemas.microsoft.com/office/powerpoint/2010/main" val="1270569715"/>
+      </p:ext>
+    </p:extLst>
+  </p:cSld>
+  <p:clrMapOvr>
+    <a:masterClrMapping/>
+  </p:clrMapOvr>
+</p:sld>
+</file>
+
+<file path=ppt/slides/slide15.xml><?xml version="1.0" encoding="utf-8"?>
+<p:sld xmlns:a="http://schemas.openxmlformats.org/drawingml/2006/main" xmlns:r="http://schemas.openxmlformats.org/officeDocument/2006/relationships" xmlns:p="http://schemas.openxmlformats.org/presentationml/2006/main">
+  <p:cSld>
+    <p:spTree>
+      <p:nvGrpSpPr>
+        <p:cNvPr id="1" name=""/>
+        <p:cNvGrpSpPr/>
+        <p:nvPr/>
+      </p:nvGrpSpPr>
+      <p:grpSpPr>
+        <a:xfrm>
+          <a:off x="0" y="0"/>
+          <a:ext cx="0" cy="0"/>
+          <a:chOff x="0" y="0"/>
+          <a:chExt cx="0" cy="0"/>
+        </a:xfrm>
+      </p:grpSpPr>
+      <p:sp>
+        <p:nvSpPr>
+          <p:cNvPr id="2" name="テキスト プレースホルダー 1">
+            <a:extLst>
+              <a:ext uri="{FF2B5EF4-FFF2-40B4-BE49-F238E27FC236}">
+                <a16:creationId xmlns:a16="http://schemas.microsoft.com/office/drawing/2014/main" id="{9E96CD69-5867-4B86-8DFB-A4FFAC926754}"/>
+              </a:ext>
+            </a:extLst>
+          </p:cNvPr>
+          <p:cNvSpPr>
+            <a:spLocks noGrp="1"/>
+          </p:cNvSpPr>
+          <p:nvPr>
+            <p:ph type="body" sz="quarter" idx="10"/>
+          </p:nvPr>
+        </p:nvSpPr>
+        <p:spPr/>
+        <p:txBody>
+          <a:bodyPr/>
+          <a:lstStyle/>
+          <a:p>
+            <a:r>
+              <a:rPr lang="en-US"/>
+              <a:t>ls</a:t>
+            </a:r>
+          </a:p>
+        </p:txBody>
+      </p:sp>
+      <p:sp>
+        <p:nvSpPr>
+          <p:cNvPr id="5" name="テキスト ボックス 4">
+            <a:extLst>
+              <a:ext uri="{FF2B5EF4-FFF2-40B4-BE49-F238E27FC236}">
+                <a16:creationId xmlns:a16="http://schemas.microsoft.com/office/drawing/2014/main" id="{FBE0CBA2-70C7-45A6-BFE5-E8AFF2FEF531}"/>
+              </a:ext>
+            </a:extLst>
+          </p:cNvPr>
+          <p:cNvSpPr txBox="1"/>
+          <p:nvPr/>
+        </p:nvSpPr>
+        <p:spPr>
+          <a:xfrm>
+            <a:off x="179512" y="836712"/>
+            <a:ext cx="3300904" cy="523220"/>
+          </a:xfrm>
+          <a:prstGeom prst="rect">
+            <a:avLst/>
+          </a:prstGeom>
+          <a:noFill/>
+        </p:spPr>
+        <p:txBody>
+          <a:bodyPr wrap="none" rtlCol="0">
+            <a:spAutoFit/>
+          </a:bodyPr>
+          <a:lstStyle/>
+          <a:p>
+            <a:r>
+              <a:rPr lang="ja-JP" altLang="en-US" sz="2800">
+                <a:solidFill>
+                  <a:srgbClr val="011893"/>
+                </a:solidFill>
+              </a:rPr>
+              <a:t>オプション </a:t>
+            </a:r>
+            <a:r>
+              <a:rPr lang="en-US" altLang="ja-JP" sz="2800">
+                <a:solidFill>
+                  <a:srgbClr val="011893"/>
+                </a:solidFill>
+              </a:rPr>
+              <a:t>(option)</a:t>
+            </a:r>
+            <a:endParaRPr lang="en-US" sz="2800">
+              <a:solidFill>
+                <a:srgbClr val="011893"/>
+              </a:solidFill>
+            </a:endParaRPr>
+          </a:p>
+        </p:txBody>
+      </p:sp>
+      <p:sp>
+        <p:nvSpPr>
+          <p:cNvPr id="7" name="テキスト ボックス 6">
+            <a:extLst>
+              <a:ext uri="{FF2B5EF4-FFF2-40B4-BE49-F238E27FC236}">
+                <a16:creationId xmlns:a16="http://schemas.microsoft.com/office/drawing/2014/main" id="{C34F77A0-44C9-443C-AB46-23F918BEF6D2}"/>
+              </a:ext>
+            </a:extLst>
+          </p:cNvPr>
+          <p:cNvSpPr txBox="1"/>
+          <p:nvPr/>
+        </p:nvSpPr>
+        <p:spPr>
+          <a:xfrm>
+            <a:off x="539552" y="1412776"/>
+            <a:ext cx="5112568" cy="1200329"/>
+          </a:xfrm>
+          <a:prstGeom prst="rect">
+            <a:avLst/>
+          </a:prstGeom>
+          <a:noFill/>
+        </p:spPr>
+        <p:txBody>
+          <a:bodyPr wrap="square">
+            <a:spAutoFit/>
+          </a:bodyPr>
+          <a:lstStyle/>
+          <a:p>
+            <a:r>
+              <a:rPr lang="ja-JP" altLang="en-US" sz="2400"/>
+              <a:t>コマンドの振る舞いを変えるもの</a:t>
+            </a:r>
+            <a:endParaRPr lang="en-US" altLang="ja-JP" sz="2400"/>
+          </a:p>
+          <a:p>
+            <a:r>
+              <a:rPr lang="ja-JP" altLang="en-US" sz="2400"/>
+              <a:t>ハイフンに続けて渡す</a:t>
+            </a:r>
+            <a:endParaRPr lang="en-US" altLang="ja-JP" sz="2400"/>
+          </a:p>
+          <a:p>
+            <a:r>
+              <a:rPr lang="ja-JP" altLang="en-US" sz="2400"/>
+              <a:t>一度に複数指定することもできる</a:t>
+            </a:r>
+            <a:endParaRPr lang="en-US" altLang="ja-JP" sz="2400"/>
+          </a:p>
+        </p:txBody>
+      </p:sp>
+      <p:sp>
+        <p:nvSpPr>
+          <p:cNvPr id="13" name="テキスト ボックス 12">
+            <a:extLst>
+              <a:ext uri="{FF2B5EF4-FFF2-40B4-BE49-F238E27FC236}">
+                <a16:creationId xmlns:a16="http://schemas.microsoft.com/office/drawing/2014/main" id="{3F4E7598-ACAE-40B3-82CF-9DF50B1E7280}"/>
+              </a:ext>
+            </a:extLst>
+          </p:cNvPr>
+          <p:cNvSpPr txBox="1"/>
+          <p:nvPr/>
+        </p:nvSpPr>
+        <p:spPr>
+          <a:xfrm>
+            <a:off x="323528" y="3429000"/>
+            <a:ext cx="7974632" cy="1754326"/>
+          </a:xfrm>
+          <a:prstGeom prst="rect">
+            <a:avLst/>
+          </a:prstGeom>
+          <a:noFill/>
+          <a:ln>
+            <a:solidFill>
+              <a:schemeClr val="tx1"/>
+            </a:solidFill>
+          </a:ln>
+        </p:spPr>
+        <p:txBody>
+          <a:bodyPr wrap="square">
+            <a:spAutoFit/>
+          </a:bodyPr>
+          <a:lstStyle/>
+          <a:p>
+            <a:r>
+              <a:rPr lang="en-US" sz="1800">
+                <a:solidFill>
+                  <a:prstClr val="black"/>
+                </a:solidFill>
+                <a:latin typeface="Lucida Console" panose="020B0609040504020204" pitchFamily="49" charset="0"/>
+              </a:rPr>
+              <a:t>$ ls -l</a:t>
+            </a:r>
+          </a:p>
+          <a:p>
+            <a:r>
+              <a:rPr lang="en-US" sz="1800">
+                <a:solidFill>
+                  <a:prstClr val="black"/>
+                </a:solidFill>
+                <a:latin typeface="Lucida Console" panose="020B0609040504020204" pitchFamily="49" charset="0"/>
+              </a:rPr>
+              <a:t>total 0</a:t>
+            </a:r>
+          </a:p>
+          <a:p>
+            <a:r>
+              <a:rPr lang="es-ES" sz="1800">
+                <a:solidFill>
+                  <a:prstClr val="black"/>
+                </a:solidFill>
+                <a:latin typeface="Lucida Console" panose="020B0609040504020204" pitchFamily="49" charset="0"/>
+              </a:rPr>
+              <a:t>drwxr-xr-x 1 watanabe 197121 0 Sep 26 23:06 </a:t>
+            </a:r>
+            <a:r>
+              <a:rPr lang="es-ES" sz="1800">
+                <a:solidFill>
+                  <a:srgbClr val="6060FF"/>
+                </a:solidFill>
+                <a:latin typeface="Lucida Console" panose="020B0609040504020204" pitchFamily="49" charset="0"/>
+              </a:rPr>
+              <a:t>dir1</a:t>
+            </a:r>
+            <a:r>
+              <a:rPr lang="es-ES" sz="1800">
+                <a:solidFill>
+                  <a:prstClr val="black"/>
+                </a:solidFill>
+                <a:latin typeface="Lucida Console" panose="020B0609040504020204" pitchFamily="49" charset="0"/>
+              </a:rPr>
+              <a:t>/</a:t>
+            </a:r>
+          </a:p>
+          <a:p>
+            <a:r>
+              <a:rPr lang="es-ES" sz="1800">
+                <a:solidFill>
+                  <a:prstClr val="black"/>
+                </a:solidFill>
+                <a:latin typeface="Lucida Console" panose="020B0609040504020204" pitchFamily="49" charset="0"/>
+              </a:rPr>
+              <a:t>drwxr-xr-x 1 watanabe 197121 0 Sep 26 23:06 </a:t>
+            </a:r>
+            <a:r>
+              <a:rPr lang="es-ES" sz="1800">
+                <a:solidFill>
+                  <a:srgbClr val="6060FF"/>
+                </a:solidFill>
+                <a:latin typeface="Lucida Console" panose="020B0609040504020204" pitchFamily="49" charset="0"/>
+              </a:rPr>
+              <a:t>dir2</a:t>
+            </a:r>
+            <a:r>
+              <a:rPr lang="es-ES" sz="1800">
+                <a:solidFill>
+                  <a:prstClr val="black"/>
+                </a:solidFill>
+                <a:latin typeface="Lucida Console" panose="020B0609040504020204" pitchFamily="49" charset="0"/>
+              </a:rPr>
+              <a:t>/</a:t>
+            </a:r>
+          </a:p>
+          <a:p>
+            <a:r>
+              <a:rPr lang="pt-BR" sz="1800">
+                <a:solidFill>
+                  <a:prstClr val="black"/>
+                </a:solidFill>
+                <a:latin typeface="Lucida Console" panose="020B0609040504020204" pitchFamily="49" charset="0"/>
+              </a:rPr>
+              <a:t>-rw-r--r-- 1 watanabe 197121 0 Sep 26 23:06 file1.txt</a:t>
+            </a:r>
+          </a:p>
+          <a:p>
+            <a:r>
+              <a:rPr lang="pt-BR" sz="1800">
+                <a:solidFill>
+                  <a:prstClr val="black"/>
+                </a:solidFill>
+                <a:latin typeface="Lucida Console" panose="020B0609040504020204" pitchFamily="49" charset="0"/>
+              </a:rPr>
+              <a:t>-rw-r--r-- 1 watanabe 197121 0 Sep 26 23:06 file2.txt</a:t>
+            </a:r>
+          </a:p>
+        </p:txBody>
+      </p:sp>
+      <p:sp>
+        <p:nvSpPr>
+          <p:cNvPr id="15" name="テキスト ボックス 14">
+            <a:extLst>
+              <a:ext uri="{FF2B5EF4-FFF2-40B4-BE49-F238E27FC236}">
+                <a16:creationId xmlns:a16="http://schemas.microsoft.com/office/drawing/2014/main" id="{33029678-033F-4DD8-B783-34F52F68D753}"/>
+              </a:ext>
+            </a:extLst>
+          </p:cNvPr>
+          <p:cNvSpPr txBox="1"/>
+          <p:nvPr/>
+        </p:nvSpPr>
+        <p:spPr>
+          <a:xfrm>
+            <a:off x="323528" y="5949280"/>
+            <a:ext cx="7992888" cy="646331"/>
+          </a:xfrm>
+          <a:prstGeom prst="rect">
+            <a:avLst/>
+          </a:prstGeom>
+          <a:noFill/>
+          <a:ln>
+            <a:solidFill>
+              <a:schemeClr val="tx1"/>
+            </a:solidFill>
+          </a:ln>
+        </p:spPr>
+        <p:txBody>
+          <a:bodyPr wrap="square">
+            <a:spAutoFit/>
+          </a:bodyPr>
+          <a:lstStyle/>
+          <a:p>
+            <a:r>
+              <a:rPr lang="en-US" sz="1800">
+                <a:solidFill>
+                  <a:prstClr val="black"/>
+                </a:solidFill>
+                <a:latin typeface="Lucida Console" panose="020B0609040504020204" pitchFamily="49" charset="0"/>
+              </a:rPr>
+              <a:t>$ ls -a</a:t>
+            </a:r>
+          </a:p>
+          <a:p>
+            <a:r>
+              <a:rPr lang="en-US" sz="1800">
+                <a:solidFill>
+                  <a:srgbClr val="6060FF"/>
+                </a:solidFill>
+                <a:latin typeface="Lucida Console" panose="020B0609040504020204" pitchFamily="49" charset="0"/>
+              </a:rPr>
+              <a:t>.</a:t>
+            </a:r>
+            <a:r>
+              <a:rPr lang="en-US" sz="1800">
+                <a:solidFill>
+                  <a:prstClr val="black"/>
+                </a:solidFill>
+                <a:latin typeface="Lucida Console" panose="020B0609040504020204" pitchFamily="49" charset="0"/>
+              </a:rPr>
+              <a:t>/  </a:t>
+            </a:r>
+            <a:r>
+              <a:rPr lang="en-US" sz="1800">
+                <a:solidFill>
+                  <a:srgbClr val="6060FF"/>
+                </a:solidFill>
+                <a:latin typeface="Lucida Console" panose="020B0609040504020204" pitchFamily="49" charset="0"/>
+              </a:rPr>
+              <a:t>..</a:t>
+            </a:r>
+            <a:r>
+              <a:rPr lang="en-US" sz="1800">
+                <a:solidFill>
+                  <a:prstClr val="black"/>
+                </a:solidFill>
+                <a:latin typeface="Lucida Console" panose="020B0609040504020204" pitchFamily="49" charset="0"/>
+              </a:rPr>
+              <a:t>/  </a:t>
+            </a:r>
+            <a:r>
+              <a:rPr lang="en-US" sz="1800">
+                <a:solidFill>
+                  <a:srgbClr val="6060FF"/>
+                </a:solidFill>
+                <a:latin typeface="Lucida Console" panose="020B0609040504020204" pitchFamily="49" charset="0"/>
+              </a:rPr>
+              <a:t>dir1</a:t>
+            </a:r>
+            <a:r>
+              <a:rPr lang="en-US" sz="1800">
+                <a:solidFill>
+                  <a:prstClr val="black"/>
+                </a:solidFill>
+                <a:latin typeface="Lucida Console" panose="020B0609040504020204" pitchFamily="49" charset="0"/>
+              </a:rPr>
+              <a:t>/  </a:t>
+            </a:r>
+            <a:r>
+              <a:rPr lang="en-US" sz="1800">
+                <a:solidFill>
+                  <a:srgbClr val="6060FF"/>
+                </a:solidFill>
+                <a:latin typeface="Lucida Console" panose="020B0609040504020204" pitchFamily="49" charset="0"/>
+              </a:rPr>
+              <a:t>dir2</a:t>
+            </a:r>
+            <a:r>
+              <a:rPr lang="en-US" sz="1800">
+                <a:solidFill>
+                  <a:prstClr val="black"/>
+                </a:solidFill>
+                <a:latin typeface="Lucida Console" panose="020B0609040504020204" pitchFamily="49" charset="0"/>
+              </a:rPr>
+              <a:t>/  file1.txt  file2.txt</a:t>
+            </a:r>
+          </a:p>
+        </p:txBody>
+      </p:sp>
+      <p:sp>
+        <p:nvSpPr>
+          <p:cNvPr id="16" name="テキスト ボックス 15">
+            <a:extLst>
+              <a:ext uri="{FF2B5EF4-FFF2-40B4-BE49-F238E27FC236}">
+                <a16:creationId xmlns:a16="http://schemas.microsoft.com/office/drawing/2014/main" id="{1317EB8B-CEB5-42C0-ABD4-B48FB6BC8853}"/>
+              </a:ext>
+            </a:extLst>
+          </p:cNvPr>
+          <p:cNvSpPr txBox="1"/>
+          <p:nvPr/>
+        </p:nvSpPr>
+        <p:spPr>
+          <a:xfrm>
+            <a:off x="323528" y="2780928"/>
+            <a:ext cx="579005" cy="523220"/>
+          </a:xfrm>
+          <a:prstGeom prst="rect">
+            <a:avLst/>
+          </a:prstGeom>
+          <a:noFill/>
+        </p:spPr>
+        <p:txBody>
+          <a:bodyPr wrap="none" rtlCol="0">
+            <a:spAutoFit/>
+          </a:bodyPr>
+          <a:lstStyle/>
+          <a:p>
+            <a:r>
+              <a:rPr lang="en-US" sz="2800">
+                <a:latin typeface="Consolas" panose="020B0609020204030204" pitchFamily="49" charset="0"/>
+              </a:rPr>
+              <a:t>-l</a:t>
+            </a:r>
+          </a:p>
+        </p:txBody>
+      </p:sp>
+      <p:sp>
+        <p:nvSpPr>
+          <p:cNvPr id="17" name="テキスト ボックス 16">
+            <a:extLst>
+              <a:ext uri="{FF2B5EF4-FFF2-40B4-BE49-F238E27FC236}">
+                <a16:creationId xmlns:a16="http://schemas.microsoft.com/office/drawing/2014/main" id="{05B69844-C716-4864-978A-B2CC3623CD16}"/>
+              </a:ext>
+            </a:extLst>
+          </p:cNvPr>
+          <p:cNvSpPr txBox="1"/>
+          <p:nvPr/>
+        </p:nvSpPr>
+        <p:spPr>
+          <a:xfrm>
+            <a:off x="899592" y="2852936"/>
+            <a:ext cx="1723549" cy="461665"/>
+          </a:xfrm>
+          <a:prstGeom prst="rect">
+            <a:avLst/>
+          </a:prstGeom>
+          <a:noFill/>
+        </p:spPr>
+        <p:txBody>
+          <a:bodyPr wrap="none" rtlCol="0">
+            <a:spAutoFit/>
+          </a:bodyPr>
+          <a:lstStyle/>
+          <a:p>
+            <a:r>
+              <a:rPr lang="ja-JP" altLang="en-US" sz="2400"/>
+              <a:t>リスト表示</a:t>
+            </a:r>
+            <a:endParaRPr lang="en-US" sz="2400"/>
+          </a:p>
+        </p:txBody>
+      </p:sp>
+      <p:sp>
+        <p:nvSpPr>
+          <p:cNvPr id="18" name="テキスト ボックス 17">
+            <a:extLst>
+              <a:ext uri="{FF2B5EF4-FFF2-40B4-BE49-F238E27FC236}">
+                <a16:creationId xmlns:a16="http://schemas.microsoft.com/office/drawing/2014/main" id="{E49EE242-62EE-4C07-B010-8D35CE61D0F4}"/>
+              </a:ext>
+            </a:extLst>
+          </p:cNvPr>
+          <p:cNvSpPr txBox="1"/>
+          <p:nvPr/>
+        </p:nvSpPr>
+        <p:spPr>
+          <a:xfrm>
+            <a:off x="395536" y="5426060"/>
+            <a:ext cx="579005" cy="523220"/>
+          </a:xfrm>
+          <a:prstGeom prst="rect">
+            <a:avLst/>
+          </a:prstGeom>
+          <a:noFill/>
+        </p:spPr>
+        <p:txBody>
+          <a:bodyPr wrap="none" rtlCol="0">
+            <a:spAutoFit/>
+          </a:bodyPr>
+          <a:lstStyle/>
+          <a:p>
+            <a:r>
+              <a:rPr lang="en-US" sz="2800">
+                <a:latin typeface="Consolas" panose="020B0609020204030204" pitchFamily="49" charset="0"/>
+              </a:rPr>
+              <a:t>-a</a:t>
+            </a:r>
+          </a:p>
+        </p:txBody>
+      </p:sp>
+      <p:sp>
+        <p:nvSpPr>
+          <p:cNvPr id="19" name="テキスト ボックス 18">
+            <a:extLst>
+              <a:ext uri="{FF2B5EF4-FFF2-40B4-BE49-F238E27FC236}">
+                <a16:creationId xmlns:a16="http://schemas.microsoft.com/office/drawing/2014/main" id="{E8F660F6-4F4F-44C0-A24D-84539097F730}"/>
+              </a:ext>
+            </a:extLst>
+          </p:cNvPr>
+          <p:cNvSpPr txBox="1"/>
+          <p:nvPr/>
+        </p:nvSpPr>
+        <p:spPr>
+          <a:xfrm>
+            <a:off x="971600" y="5445224"/>
+            <a:ext cx="3570208" cy="461665"/>
+          </a:xfrm>
+          <a:prstGeom prst="rect">
+            <a:avLst/>
+          </a:prstGeom>
+          <a:noFill/>
+        </p:spPr>
+        <p:txBody>
+          <a:bodyPr wrap="none" rtlCol="0">
+            <a:spAutoFit/>
+          </a:bodyPr>
+          <a:lstStyle/>
+          <a:p>
+            <a:r>
+              <a:rPr lang="ja-JP" altLang="en-US" sz="2400"/>
+              <a:t>隠しファイルも表示する</a:t>
+            </a:r>
+            <a:endParaRPr lang="en-US" sz="2400"/>
+          </a:p>
+        </p:txBody>
+      </p:sp>
+    </p:spTree>
+    <p:extLst>
+      <p:ext uri="{BB962C8B-B14F-4D97-AF65-F5344CB8AC3E}">
+        <p14:creationId xmlns:p14="http://schemas.microsoft.com/office/powerpoint/2010/main" val="4011722692"/>
+      </p:ext>
+    </p:extLst>
+  </p:cSld>
+  <p:clrMapOvr>
+    <a:masterClrMapping/>
+  </p:clrMapOvr>
+</p:sld>
+</file>
+
+<file path=ppt/slides/slide16.xml><?xml version="1.0" encoding="utf-8"?>
+<p:sld xmlns:a="http://schemas.openxmlformats.org/drawingml/2006/main" xmlns:r="http://schemas.openxmlformats.org/officeDocument/2006/relationships" xmlns:p="http://schemas.openxmlformats.org/presentationml/2006/main">
+  <p:cSld>
+    <p:spTree>
+      <p:nvGrpSpPr>
+        <p:cNvPr id="1" name=""/>
+        <p:cNvGrpSpPr/>
+        <p:nvPr/>
+      </p:nvGrpSpPr>
+      <p:grpSpPr>
+        <a:xfrm>
+          <a:off x="0" y="0"/>
+          <a:ext cx="0" cy="0"/>
+          <a:chOff x="0" y="0"/>
+          <a:chExt cx="0" cy="0"/>
+        </a:xfrm>
+      </p:grpSpPr>
+      <p:sp>
+        <p:nvSpPr>
+          <p:cNvPr id="2" name="テキスト プレースホルダー 1">
+            <a:extLst>
+              <a:ext uri="{FF2B5EF4-FFF2-40B4-BE49-F238E27FC236}">
+                <a16:creationId xmlns:a16="http://schemas.microsoft.com/office/drawing/2014/main" id="{F1EA244D-1103-4076-BE40-3DF47C28B5DC}"/>
+              </a:ext>
+            </a:extLst>
+          </p:cNvPr>
+          <p:cNvSpPr>
+            <a:spLocks noGrp="1"/>
+          </p:cNvSpPr>
+          <p:nvPr>
+            <p:ph type="body" sz="quarter" idx="10"/>
+          </p:nvPr>
+        </p:nvSpPr>
+        <p:spPr/>
+        <p:txBody>
+          <a:bodyPr/>
+          <a:lstStyle/>
+          <a:p>
+            <a:r>
+              <a:rPr lang="ja-JP" altLang="en-US"/>
+              <a:t>エラーメッセージ</a:t>
+            </a:r>
+            <a:endParaRPr lang="en-US"/>
+          </a:p>
+        </p:txBody>
+      </p:sp>
+      <p:sp>
+        <p:nvSpPr>
+          <p:cNvPr id="3" name="テキスト ボックス 2">
+            <a:extLst>
+              <a:ext uri="{FF2B5EF4-FFF2-40B4-BE49-F238E27FC236}">
+                <a16:creationId xmlns:a16="http://schemas.microsoft.com/office/drawing/2014/main" id="{4ED2AB4F-0988-42C0-B3A8-7EB68ED3743F}"/>
+              </a:ext>
+            </a:extLst>
+          </p:cNvPr>
+          <p:cNvSpPr txBox="1"/>
+          <p:nvPr/>
+        </p:nvSpPr>
+        <p:spPr>
+          <a:xfrm>
+            <a:off x="539552" y="1196752"/>
+            <a:ext cx="7725192" cy="523220"/>
+          </a:xfrm>
+          <a:prstGeom prst="rect">
+            <a:avLst/>
+          </a:prstGeom>
+          <a:noFill/>
+        </p:spPr>
+        <p:txBody>
+          <a:bodyPr wrap="none" rtlCol="0">
+            <a:spAutoFit/>
+          </a:bodyPr>
+          <a:lstStyle/>
+          <a:p>
+            <a:r>
+              <a:rPr lang="ja-JP" altLang="en-US" sz="2800"/>
+              <a:t>できない操作を指示するとエラーが表示される</a:t>
+            </a:r>
+            <a:endParaRPr lang="en-US" sz="2800"/>
+          </a:p>
+        </p:txBody>
+      </p:sp>
+      <p:sp>
+        <p:nvSpPr>
+          <p:cNvPr id="5" name="テキスト ボックス 4">
+            <a:extLst>
+              <a:ext uri="{FF2B5EF4-FFF2-40B4-BE49-F238E27FC236}">
+                <a16:creationId xmlns:a16="http://schemas.microsoft.com/office/drawing/2014/main" id="{2FD37C5F-0922-4B8B-840A-40E0FD247167}"/>
+              </a:ext>
+            </a:extLst>
+          </p:cNvPr>
+          <p:cNvSpPr txBox="1"/>
+          <p:nvPr/>
+        </p:nvSpPr>
+        <p:spPr>
+          <a:xfrm>
+            <a:off x="107504" y="2780928"/>
+            <a:ext cx="8928992" cy="646331"/>
+          </a:xfrm>
+          <a:prstGeom prst="rect">
+            <a:avLst/>
+          </a:prstGeom>
+          <a:noFill/>
+          <a:ln>
+            <a:solidFill>
+              <a:schemeClr val="tx1"/>
+            </a:solidFill>
+          </a:ln>
+        </p:spPr>
+        <p:txBody>
+          <a:bodyPr wrap="square">
+            <a:spAutoFit/>
+          </a:bodyPr>
+          <a:lstStyle/>
+          <a:p>
+            <a:r>
+              <a:rPr lang="en-US" sz="1800">
+                <a:solidFill>
+                  <a:prstClr val="black"/>
+                </a:solidFill>
+                <a:latin typeface="Lucida Console" panose="020B0609040504020204" pitchFamily="49" charset="0"/>
+              </a:rPr>
+              <a:t>$ ls non-existing-dir</a:t>
+            </a:r>
+          </a:p>
+          <a:p>
+            <a:r>
+              <a:rPr lang="en-US" sz="1800">
+                <a:solidFill>
+                  <a:prstClr val="black"/>
+                </a:solidFill>
+                <a:latin typeface="Lucida Console" panose="020B0609040504020204" pitchFamily="49" charset="0"/>
+              </a:rPr>
+              <a:t>ls: cannot access 'non-existing-dir': No such file or directory</a:t>
+            </a:r>
+          </a:p>
+        </p:txBody>
+      </p:sp>
+      <p:sp>
+        <p:nvSpPr>
+          <p:cNvPr id="6" name="テキスト ボックス 5">
+            <a:extLst>
+              <a:ext uri="{FF2B5EF4-FFF2-40B4-BE49-F238E27FC236}">
+                <a16:creationId xmlns:a16="http://schemas.microsoft.com/office/drawing/2014/main" id="{FC5196C1-2FBF-4FE6-B033-2A6DC0C510D6}"/>
+              </a:ext>
+            </a:extLst>
+          </p:cNvPr>
+          <p:cNvSpPr txBox="1"/>
+          <p:nvPr/>
+        </p:nvSpPr>
+        <p:spPr>
+          <a:xfrm>
+            <a:off x="107504" y="2060848"/>
+            <a:ext cx="8443337" cy="523220"/>
+          </a:xfrm>
+          <a:prstGeom prst="rect">
+            <a:avLst/>
+          </a:prstGeom>
+          <a:noFill/>
+        </p:spPr>
+        <p:txBody>
+          <a:bodyPr wrap="none" rtlCol="0">
+            <a:spAutoFit/>
+          </a:bodyPr>
+          <a:lstStyle/>
+          <a:p>
+            <a:r>
+              <a:rPr lang="ja-JP" altLang="en-US" sz="2800"/>
+              <a:t>例： </a:t>
+            </a:r>
+            <a:r>
+              <a:rPr lang="en-US" altLang="ja-JP" sz="2800"/>
+              <a:t>ls</a:t>
+            </a:r>
+            <a:r>
+              <a:rPr lang="ja-JP" altLang="en-US" sz="2800"/>
+              <a:t>の引数に存在しないディレクトリを指定した</a:t>
+            </a:r>
+            <a:endParaRPr lang="en-US" sz="2800"/>
+          </a:p>
+        </p:txBody>
+      </p:sp>
+      <p:sp>
+        <p:nvSpPr>
+          <p:cNvPr id="7" name="テキスト ボックス 6">
+            <a:extLst>
+              <a:ext uri="{FF2B5EF4-FFF2-40B4-BE49-F238E27FC236}">
+                <a16:creationId xmlns:a16="http://schemas.microsoft.com/office/drawing/2014/main" id="{A67E4916-551F-4240-97C6-E7597B3EDD04}"/>
+              </a:ext>
+            </a:extLst>
+          </p:cNvPr>
+          <p:cNvSpPr txBox="1"/>
+          <p:nvPr/>
+        </p:nvSpPr>
+        <p:spPr>
+          <a:xfrm>
+            <a:off x="251520" y="3717032"/>
+            <a:ext cx="7263527" cy="1200329"/>
+          </a:xfrm>
+          <a:prstGeom prst="rect">
+            <a:avLst/>
+          </a:prstGeom>
+          <a:noFill/>
+        </p:spPr>
+        <p:txBody>
+          <a:bodyPr wrap="none" rtlCol="0">
+            <a:spAutoFit/>
+          </a:bodyPr>
+          <a:lstStyle/>
+          <a:p>
+            <a:r>
+              <a:rPr lang="ja-JP" altLang="en-US" sz="2400"/>
+              <a:t>エラーの現象と理由が表示される</a:t>
+            </a:r>
+            <a:endParaRPr lang="en-US" altLang="ja-JP" sz="2400"/>
+          </a:p>
+          <a:p>
+            <a:r>
+              <a:rPr lang="ja-JP" altLang="en-US" sz="2400"/>
+              <a:t>現象：</a:t>
+            </a:r>
+            <a:r>
+              <a:rPr lang="en-US" altLang="ja-JP" sz="2400"/>
+              <a:t>non-existing-dir</a:t>
+            </a:r>
+            <a:r>
+              <a:rPr lang="ja-JP" altLang="en-US" sz="2400"/>
+              <a:t>にアクセスできない</a:t>
+            </a:r>
+            <a:endParaRPr lang="en-US" altLang="ja-JP" sz="2400"/>
+          </a:p>
+          <a:p>
+            <a:r>
+              <a:rPr lang="ja-JP" altLang="en-US" sz="2400"/>
+              <a:t>理由：そんなファイルやディレクトリが存在しない</a:t>
+            </a:r>
+            <a:endParaRPr lang="en-US" sz="2400"/>
+          </a:p>
+        </p:txBody>
+      </p:sp>
+      <p:sp>
+        <p:nvSpPr>
+          <p:cNvPr id="9" name="テキスト ボックス 8">
+            <a:extLst>
+              <a:ext uri="{FF2B5EF4-FFF2-40B4-BE49-F238E27FC236}">
+                <a16:creationId xmlns:a16="http://schemas.microsoft.com/office/drawing/2014/main" id="{F4950EAA-96C5-415A-BA70-43E989FBEB11}"/>
+              </a:ext>
+            </a:extLst>
+          </p:cNvPr>
+          <p:cNvSpPr txBox="1"/>
+          <p:nvPr/>
+        </p:nvSpPr>
+        <p:spPr>
+          <a:xfrm>
+            <a:off x="539552" y="5157192"/>
+            <a:ext cx="8084264" cy="1384995"/>
+          </a:xfrm>
+          <a:prstGeom prst="rect">
+            <a:avLst/>
+          </a:prstGeom>
+          <a:noFill/>
+        </p:spPr>
+        <p:txBody>
+          <a:bodyPr wrap="none" rtlCol="0">
+            <a:spAutoFit/>
+          </a:bodyPr>
+          <a:lstStyle/>
+          <a:p>
+            <a:r>
+              <a:rPr lang="ja-JP" altLang="en-US" sz="2800"/>
+              <a:t>エラーメッセージは平易な英語なので読めるはず</a:t>
+            </a:r>
+            <a:endParaRPr lang="en-US" altLang="ja-JP" sz="2800"/>
+          </a:p>
+          <a:p>
+            <a:r>
+              <a:rPr lang="ja-JP" altLang="en-US" sz="2800"/>
+              <a:t>ちゃんと読むのが脱初心者への近道</a:t>
+            </a:r>
+            <a:endParaRPr lang="en-US" altLang="ja-JP" sz="2800"/>
+          </a:p>
+          <a:p>
+            <a:r>
+              <a:rPr lang="ja-JP" altLang="en-US" sz="2800"/>
+              <a:t>→ </a:t>
+            </a:r>
+            <a:r>
+              <a:rPr lang="ja-JP" altLang="en-US" sz="2800">
+                <a:solidFill>
+                  <a:srgbClr val="FF0000"/>
+                </a:solidFill>
+              </a:rPr>
+              <a:t>読め！</a:t>
+            </a:r>
+            <a:endParaRPr lang="en-US" sz="2800">
+              <a:solidFill>
+                <a:srgbClr val="FF0000"/>
+              </a:solidFill>
+            </a:endParaRPr>
+          </a:p>
+        </p:txBody>
+      </p:sp>
+    </p:spTree>
+    <p:extLst>
+      <p:ext uri="{BB962C8B-B14F-4D97-AF65-F5344CB8AC3E}">
+        <p14:creationId xmlns:p14="http://schemas.microsoft.com/office/powerpoint/2010/main" val="3247607671"/>
+      </p:ext>
+    </p:extLst>
+  </p:cSld>
+  <p:clrMapOvr>
+    <a:masterClrMapping/>
+  </p:clrMapOvr>
+</p:sld>
+</file>
+
+<file path=ppt/slides/slide17.xml><?xml version="1.0" encoding="utf-8"?>
+<p:sld xmlns:a="http://schemas.openxmlformats.org/drawingml/2006/main" xmlns:r="http://schemas.openxmlformats.org/officeDocument/2006/relationships" xmlns:p="http://schemas.openxmlformats.org/presentationml/2006/main">
+  <p:cSld>
+    <p:spTree>
+      <p:nvGrpSpPr>
+        <p:cNvPr id="1" name=""/>
+        <p:cNvGrpSpPr/>
+        <p:nvPr/>
+      </p:nvGrpSpPr>
+      <p:grpSpPr>
+        <a:xfrm>
+          <a:off x="0" y="0"/>
+          <a:ext cx="0" cy="0"/>
+          <a:chOff x="0" y="0"/>
+          <a:chExt cx="0" cy="0"/>
+        </a:xfrm>
+      </p:grpSpPr>
+      <p:sp>
+        <p:nvSpPr>
+          <p:cNvPr id="2" name="テキスト プレースホルダー 1">
+            <a:extLst>
+              <a:ext uri="{FF2B5EF4-FFF2-40B4-BE49-F238E27FC236}">
+                <a16:creationId xmlns:a16="http://schemas.microsoft.com/office/drawing/2014/main" id="{5F52F03B-A329-4206-A0BD-EC917895DB1D}"/>
+              </a:ext>
+            </a:extLst>
+          </p:cNvPr>
+          <p:cNvSpPr>
+            <a:spLocks noGrp="1"/>
+          </p:cNvSpPr>
+          <p:nvPr>
+            <p:ph type="body" sz="quarter" idx="10"/>
+          </p:nvPr>
+        </p:nvSpPr>
+        <p:spPr/>
+        <p:txBody>
+          <a:bodyPr/>
+          <a:lstStyle/>
+          <a:p>
+            <a:r>
+              <a:rPr lang="en-US"/>
+              <a:t>cd</a:t>
+            </a:r>
+          </a:p>
+        </p:txBody>
+      </p:sp>
+      <p:sp>
+        <p:nvSpPr>
+          <p:cNvPr id="3" name="テキスト ボックス 2">
+            <a:extLst>
+              <a:ext uri="{FF2B5EF4-FFF2-40B4-BE49-F238E27FC236}">
+                <a16:creationId xmlns:a16="http://schemas.microsoft.com/office/drawing/2014/main" id="{2F526413-2CC6-4E1D-8CCB-CF35B6FC7C9C}"/>
+              </a:ext>
+            </a:extLst>
+          </p:cNvPr>
+          <p:cNvSpPr txBox="1"/>
+          <p:nvPr/>
+        </p:nvSpPr>
+        <p:spPr>
+          <a:xfrm>
+            <a:off x="251520" y="1124744"/>
+            <a:ext cx="8494633" cy="830997"/>
+          </a:xfrm>
+          <a:prstGeom prst="rect">
+            <a:avLst/>
+          </a:prstGeom>
+          <a:noFill/>
+        </p:spPr>
+        <p:txBody>
+          <a:bodyPr wrap="none" rtlCol="0">
+            <a:spAutoFit/>
+          </a:bodyPr>
+          <a:lstStyle/>
+          <a:p>
+            <a:r>
+              <a:rPr lang="ja-JP" altLang="en-US" sz="2400"/>
+              <a:t>引数で指定したディレクトリをカレントディレクトリとする</a:t>
+            </a:r>
+            <a:endParaRPr lang="en-US" altLang="ja-JP" sz="2400"/>
+          </a:p>
+          <a:p>
+            <a:r>
+              <a:rPr lang="ja-JP" altLang="en-US" sz="2400"/>
+              <a:t>引数を指定しない場合はホームディレクトリへ移動する</a:t>
+            </a:r>
+            <a:endParaRPr lang="en-US" sz="2400"/>
+          </a:p>
+        </p:txBody>
+      </p:sp>
+      <p:sp>
+        <p:nvSpPr>
+          <p:cNvPr id="5" name="テキスト ボックス 4">
+            <a:extLst>
+              <a:ext uri="{FF2B5EF4-FFF2-40B4-BE49-F238E27FC236}">
+                <a16:creationId xmlns:a16="http://schemas.microsoft.com/office/drawing/2014/main" id="{207076BB-2B48-4650-8605-A56B259D3101}"/>
+              </a:ext>
+            </a:extLst>
+          </p:cNvPr>
+          <p:cNvSpPr txBox="1"/>
+          <p:nvPr/>
+        </p:nvSpPr>
+        <p:spPr>
+          <a:xfrm>
+            <a:off x="251520" y="3645024"/>
+            <a:ext cx="3456384" cy="1569660"/>
+          </a:xfrm>
+          <a:prstGeom prst="rect">
+            <a:avLst/>
+          </a:prstGeom>
+          <a:noFill/>
+          <a:ln>
+            <a:solidFill>
+              <a:schemeClr val="tx1"/>
+            </a:solidFill>
+          </a:ln>
+        </p:spPr>
+        <p:txBody>
+          <a:bodyPr wrap="square">
+            <a:spAutoFit/>
+          </a:bodyPr>
+          <a:lstStyle/>
+          <a:p>
+            <a:r>
+              <a:rPr lang="en-US" sz="2400">
+                <a:solidFill>
+                  <a:prstClr val="black"/>
+                </a:solidFill>
+                <a:latin typeface="Lucida Console" panose="020B0609040504020204" pitchFamily="49" charset="0"/>
+              </a:rPr>
+              <a:t>$ cd dir1</a:t>
+            </a:r>
+          </a:p>
+          <a:p>
+            <a:endParaRPr lang="en-US" sz="2400">
+              <a:solidFill>
+                <a:prstClr val="black"/>
+              </a:solidFill>
+              <a:latin typeface="Lucida Console" panose="020B0609040504020204" pitchFamily="49" charset="0"/>
+            </a:endParaRPr>
+          </a:p>
+          <a:p>
+            <a:r>
+              <a:rPr lang="en-US" sz="2400">
+                <a:solidFill>
+                  <a:prstClr val="black"/>
+                </a:solidFill>
+                <a:latin typeface="Lucida Console" panose="020B0609040504020204" pitchFamily="49" charset="0"/>
+              </a:rPr>
+              <a:t>$ ls</a:t>
+            </a:r>
+          </a:p>
+          <a:p>
+            <a:r>
+              <a:rPr lang="en-US" sz="2400">
+                <a:solidFill>
+                  <a:prstClr val="black"/>
+                </a:solidFill>
+                <a:latin typeface="Lucida Console" panose="020B0609040504020204" pitchFamily="49" charset="0"/>
+              </a:rPr>
+              <a:t>file3.txt</a:t>
+            </a:r>
+          </a:p>
+        </p:txBody>
+      </p:sp>
+      <p:pic>
+        <p:nvPicPr>
+          <p:cNvPr id="6" name="Picture 2" descr="フォルダのイラスト">
+            <a:extLst>
+              <a:ext uri="{FF2B5EF4-FFF2-40B4-BE49-F238E27FC236}">
+                <a16:creationId xmlns:a16="http://schemas.microsoft.com/office/drawing/2014/main" id="{A477FD85-42CC-4F3D-8CD1-4E9685A3E21B}"/>
+              </a:ext>
+            </a:extLst>
+          </p:cNvPr>
+          <p:cNvPicPr>
+            <a:picLocks noChangeAspect="1" noChangeArrowheads="1"/>
+          </p:cNvPicPr>
+          <p:nvPr/>
+        </p:nvPicPr>
+        <p:blipFill>
+          <a:blip r:embed="rId2" cstate="print">
+            <a:extLst>
+              <a:ext uri="{28A0092B-C50C-407E-A947-70E740481C1C}">
+                <a14:useLocalDpi xmlns:a14="http://schemas.microsoft.com/office/drawing/2010/main" val="0"/>
+              </a:ext>
+            </a:extLst>
+          </a:blip>
+          <a:srcRect/>
+          <a:stretch>
+            <a:fillRect/>
+          </a:stretch>
+        </p:blipFill>
+        <p:spPr bwMode="auto">
+          <a:xfrm>
+            <a:off x="5191207" y="2276872"/>
+            <a:ext cx="764145" cy="639971"/>
+          </a:xfrm>
+          <a:prstGeom prst="rect">
+            <a:avLst/>
+          </a:prstGeom>
+          <a:noFill/>
+          <a:extLst>
+            <a:ext uri="{909E8E84-426E-40DD-AFC4-6F175D3DCCD1}">
+              <a14:hiddenFill xmlns:a14="http://schemas.microsoft.com/office/drawing/2010/main">
+                <a:solidFill>
+                  <a:srgbClr val="FFFFFF"/>
+                </a:solidFill>
+              </a14:hiddenFill>
+            </a:ext>
+          </a:extLst>
+        </p:spPr>
+      </p:pic>
+      <p:sp>
+        <p:nvSpPr>
+          <p:cNvPr id="7" name="テキスト ボックス 6">
+            <a:extLst>
+              <a:ext uri="{FF2B5EF4-FFF2-40B4-BE49-F238E27FC236}">
+                <a16:creationId xmlns:a16="http://schemas.microsoft.com/office/drawing/2014/main" id="{411E1EBC-CFC2-4959-A544-CEAED430A914}"/>
+              </a:ext>
+            </a:extLst>
+          </p:cNvPr>
+          <p:cNvSpPr txBox="1"/>
+          <p:nvPr/>
+        </p:nvSpPr>
+        <p:spPr>
+          <a:xfrm>
+            <a:off x="5220072" y="2420888"/>
+            <a:ext cx="691215" cy="369332"/>
+          </a:xfrm>
+          <a:prstGeom prst="rect">
+            <a:avLst/>
+          </a:prstGeom>
+          <a:noFill/>
+        </p:spPr>
+        <p:txBody>
+          <a:bodyPr wrap="none" rtlCol="0">
+            <a:spAutoFit/>
+          </a:bodyPr>
+          <a:lstStyle/>
+          <a:p>
+            <a:r>
+              <a:rPr lang="en-US" altLang="ja-JP">
+                <a:solidFill>
+                  <a:schemeClr val="bg1"/>
+                </a:solidFill>
+                <a:latin typeface="Consolas" panose="020B0609020204030204" pitchFamily="49" charset="0"/>
+              </a:rPr>
+              <a:t>temp</a:t>
+            </a:r>
+            <a:endParaRPr kumimoji="1" lang="ja-JP" altLang="en-US" dirty="0">
+              <a:solidFill>
+                <a:schemeClr val="bg1"/>
+              </a:solidFill>
+              <a:latin typeface="Consolas" panose="020B0609020204030204" pitchFamily="49" charset="0"/>
+            </a:endParaRPr>
+          </a:p>
+        </p:txBody>
+      </p:sp>
+      <p:pic>
+        <p:nvPicPr>
+          <p:cNvPr id="8" name="Picture 2" descr="フォルダのイラスト">
+            <a:extLst>
+              <a:ext uri="{FF2B5EF4-FFF2-40B4-BE49-F238E27FC236}">
+                <a16:creationId xmlns:a16="http://schemas.microsoft.com/office/drawing/2014/main" id="{E6A6D1A4-9EC6-4046-B868-59B9165D5794}"/>
+              </a:ext>
+            </a:extLst>
+          </p:cNvPr>
+          <p:cNvPicPr>
+            <a:picLocks noChangeAspect="1" noChangeArrowheads="1"/>
+          </p:cNvPicPr>
+          <p:nvPr/>
+        </p:nvPicPr>
+        <p:blipFill>
+          <a:blip r:embed="rId2" cstate="print">
+            <a:extLst>
+              <a:ext uri="{28A0092B-C50C-407E-A947-70E740481C1C}">
+                <a14:useLocalDpi xmlns:a14="http://schemas.microsoft.com/office/drawing/2010/main" val="0"/>
+              </a:ext>
+            </a:extLst>
+          </a:blip>
+          <a:srcRect/>
+          <a:stretch>
+            <a:fillRect/>
+          </a:stretch>
+        </p:blipFill>
+        <p:spPr bwMode="auto">
+          <a:xfrm>
+            <a:off x="5191207" y="3212976"/>
+            <a:ext cx="764145" cy="639971"/>
+          </a:xfrm>
+          <a:prstGeom prst="rect">
+            <a:avLst/>
+          </a:prstGeom>
+          <a:noFill/>
+          <a:extLst>
+            <a:ext uri="{909E8E84-426E-40DD-AFC4-6F175D3DCCD1}">
+              <a14:hiddenFill xmlns:a14="http://schemas.microsoft.com/office/drawing/2010/main">
+                <a:solidFill>
+                  <a:srgbClr val="FFFFFF"/>
+                </a:solidFill>
+              </a14:hiddenFill>
+            </a:ext>
+          </a:extLst>
+        </p:spPr>
+      </p:pic>
+      <p:sp>
+        <p:nvSpPr>
+          <p:cNvPr id="9" name="テキスト ボックス 8">
+            <a:extLst>
+              <a:ext uri="{FF2B5EF4-FFF2-40B4-BE49-F238E27FC236}">
+                <a16:creationId xmlns:a16="http://schemas.microsoft.com/office/drawing/2014/main" id="{A9B44B43-ADB7-415D-9970-AFC1B9E89D5F}"/>
+              </a:ext>
+            </a:extLst>
+          </p:cNvPr>
+          <p:cNvSpPr txBox="1"/>
+          <p:nvPr/>
+        </p:nvSpPr>
+        <p:spPr>
+          <a:xfrm>
+            <a:off x="5220072" y="3356992"/>
+            <a:ext cx="691215" cy="369332"/>
+          </a:xfrm>
+          <a:prstGeom prst="rect">
+            <a:avLst/>
+          </a:prstGeom>
+          <a:noFill/>
+        </p:spPr>
+        <p:txBody>
+          <a:bodyPr wrap="none" rtlCol="0">
+            <a:spAutoFit/>
+          </a:bodyPr>
+          <a:lstStyle/>
+          <a:p>
+            <a:r>
+              <a:rPr kumimoji="1" lang="en-US" altLang="ja-JP">
+                <a:solidFill>
+                  <a:schemeClr val="bg1"/>
+                </a:solidFill>
+                <a:latin typeface="Consolas" panose="020B0609020204030204" pitchFamily="49" charset="0"/>
+              </a:rPr>
+              <a:t>dir1</a:t>
+            </a:r>
+            <a:endParaRPr kumimoji="1" lang="ja-JP" altLang="en-US" dirty="0">
+              <a:solidFill>
+                <a:schemeClr val="bg1"/>
+              </a:solidFill>
+              <a:latin typeface="Consolas" panose="020B0609020204030204" pitchFamily="49" charset="0"/>
+            </a:endParaRPr>
+          </a:p>
+        </p:txBody>
+      </p:sp>
+      <p:pic>
+        <p:nvPicPr>
+          <p:cNvPr id="10" name="Picture 2" descr="フォルダのイラスト">
+            <a:extLst>
+              <a:ext uri="{FF2B5EF4-FFF2-40B4-BE49-F238E27FC236}">
+                <a16:creationId xmlns:a16="http://schemas.microsoft.com/office/drawing/2014/main" id="{C66ECC57-4FE4-4A34-96B6-BBF473329B46}"/>
+              </a:ext>
+            </a:extLst>
+          </p:cNvPr>
+          <p:cNvPicPr>
+            <a:picLocks noChangeAspect="1" noChangeArrowheads="1"/>
+          </p:cNvPicPr>
+          <p:nvPr/>
+        </p:nvPicPr>
+        <p:blipFill>
+          <a:blip r:embed="rId2" cstate="print">
+            <a:extLst>
+              <a:ext uri="{28A0092B-C50C-407E-A947-70E740481C1C}">
+                <a14:useLocalDpi xmlns:a14="http://schemas.microsoft.com/office/drawing/2010/main" val="0"/>
+              </a:ext>
+            </a:extLst>
+          </a:blip>
+          <a:srcRect/>
+          <a:stretch>
+            <a:fillRect/>
+          </a:stretch>
+        </p:blipFill>
+        <p:spPr bwMode="auto">
+          <a:xfrm>
+            <a:off x="6156176" y="3212976"/>
+            <a:ext cx="764145" cy="639971"/>
+          </a:xfrm>
+          <a:prstGeom prst="rect">
+            <a:avLst/>
+          </a:prstGeom>
+          <a:noFill/>
+          <a:extLst>
+            <a:ext uri="{909E8E84-426E-40DD-AFC4-6F175D3DCCD1}">
+              <a14:hiddenFill xmlns:a14="http://schemas.microsoft.com/office/drawing/2010/main">
+                <a:solidFill>
+                  <a:srgbClr val="FFFFFF"/>
+                </a:solidFill>
+              </a14:hiddenFill>
+            </a:ext>
+          </a:extLst>
+        </p:spPr>
+      </p:pic>
+      <p:sp>
+        <p:nvSpPr>
+          <p:cNvPr id="11" name="テキスト ボックス 10">
+            <a:extLst>
+              <a:ext uri="{FF2B5EF4-FFF2-40B4-BE49-F238E27FC236}">
+                <a16:creationId xmlns:a16="http://schemas.microsoft.com/office/drawing/2014/main" id="{9FF75030-14B1-47C4-868F-8DA2741B5103}"/>
+              </a:ext>
+            </a:extLst>
+          </p:cNvPr>
+          <p:cNvSpPr txBox="1"/>
+          <p:nvPr/>
+        </p:nvSpPr>
+        <p:spPr>
+          <a:xfrm>
+            <a:off x="6185041" y="3356992"/>
+            <a:ext cx="691215" cy="369332"/>
+          </a:xfrm>
+          <a:prstGeom prst="rect">
+            <a:avLst/>
+          </a:prstGeom>
+          <a:noFill/>
+        </p:spPr>
+        <p:txBody>
+          <a:bodyPr wrap="none" rtlCol="0">
+            <a:spAutoFit/>
+          </a:bodyPr>
+          <a:lstStyle/>
+          <a:p>
+            <a:r>
+              <a:rPr kumimoji="1" lang="en-US" altLang="ja-JP">
+                <a:solidFill>
+                  <a:schemeClr val="bg1"/>
+                </a:solidFill>
+                <a:latin typeface="Consolas" panose="020B0609020204030204" pitchFamily="49" charset="0"/>
+              </a:rPr>
+              <a:t>dir2</a:t>
+            </a:r>
+            <a:endParaRPr kumimoji="1" lang="ja-JP" altLang="en-US" dirty="0">
+              <a:solidFill>
+                <a:schemeClr val="bg1"/>
+              </a:solidFill>
+              <a:latin typeface="Consolas" panose="020B0609020204030204" pitchFamily="49" charset="0"/>
+            </a:endParaRPr>
+          </a:p>
+        </p:txBody>
+      </p:sp>
+      <p:pic>
+        <p:nvPicPr>
+          <p:cNvPr id="12" name="Picture 2" descr="ファイルアイコン（ブランク）">
+            <a:extLst>
+              <a:ext uri="{FF2B5EF4-FFF2-40B4-BE49-F238E27FC236}">
+                <a16:creationId xmlns:a16="http://schemas.microsoft.com/office/drawing/2014/main" id="{84DDB810-BD73-4ADC-9894-8A764BA83199}"/>
+              </a:ext>
+            </a:extLst>
+          </p:cNvPr>
+          <p:cNvPicPr>
+            <a:picLocks noChangeAspect="1" noChangeArrowheads="1"/>
+          </p:cNvPicPr>
+          <p:nvPr/>
+        </p:nvPicPr>
+        <p:blipFill>
+          <a:blip r:embed="rId3" cstate="print">
+            <a:extLst>
+              <a:ext uri="{28A0092B-C50C-407E-A947-70E740481C1C}">
+                <a14:useLocalDpi xmlns:a14="http://schemas.microsoft.com/office/drawing/2010/main" val="0"/>
+              </a:ext>
+            </a:extLst>
+          </a:blip>
+          <a:srcRect/>
+          <a:stretch>
+            <a:fillRect/>
+          </a:stretch>
+        </p:blipFill>
+        <p:spPr bwMode="auto">
+          <a:xfrm>
+            <a:off x="7164288" y="3212976"/>
+            <a:ext cx="558061" cy="648072"/>
+          </a:xfrm>
+          <a:prstGeom prst="rect">
+            <a:avLst/>
+          </a:prstGeom>
+          <a:noFill/>
+          <a:extLst>
+            <a:ext uri="{909E8E84-426E-40DD-AFC4-6F175D3DCCD1}">
+              <a14:hiddenFill xmlns:a14="http://schemas.microsoft.com/office/drawing/2010/main">
+                <a:solidFill>
+                  <a:srgbClr val="FFFFFF"/>
+                </a:solidFill>
+              </a14:hiddenFill>
+            </a:ext>
+          </a:extLst>
+        </p:spPr>
+      </p:pic>
+      <p:sp>
+        <p:nvSpPr>
+          <p:cNvPr id="13" name="テキスト ボックス 12">
+            <a:extLst>
+              <a:ext uri="{FF2B5EF4-FFF2-40B4-BE49-F238E27FC236}">
+                <a16:creationId xmlns:a16="http://schemas.microsoft.com/office/drawing/2014/main" id="{7E0E49A7-9B0E-45D9-8FDE-D831CA46B587}"/>
+              </a:ext>
+            </a:extLst>
+          </p:cNvPr>
+          <p:cNvSpPr txBox="1"/>
+          <p:nvPr/>
+        </p:nvSpPr>
+        <p:spPr>
+          <a:xfrm>
+            <a:off x="6948264" y="3789040"/>
+            <a:ext cx="1115616" cy="307777"/>
+          </a:xfrm>
+          <a:prstGeom prst="rect">
+            <a:avLst/>
+          </a:prstGeom>
+          <a:noFill/>
+        </p:spPr>
+        <p:txBody>
+          <a:bodyPr wrap="square">
+            <a:spAutoFit/>
+          </a:bodyPr>
+          <a:lstStyle/>
+          <a:p>
+            <a:r>
+              <a:rPr lang="en-US" altLang="ja-JP" sz="1400">
+                <a:latin typeface="Consolas" panose="020B0609020204030204" pitchFamily="49" charset="0"/>
+              </a:rPr>
+              <a:t>file1.txt</a:t>
+            </a:r>
+            <a:endParaRPr kumimoji="1" lang="ja-JP" altLang="en-US" sz="1400" dirty="0">
+              <a:latin typeface="Consolas" panose="020B0609020204030204" pitchFamily="49" charset="0"/>
+            </a:endParaRPr>
+          </a:p>
+        </p:txBody>
+      </p:sp>
+      <p:pic>
+        <p:nvPicPr>
+          <p:cNvPr id="14" name="Picture 2" descr="ファイルアイコン（ブランク）">
+            <a:extLst>
+              <a:ext uri="{FF2B5EF4-FFF2-40B4-BE49-F238E27FC236}">
+                <a16:creationId xmlns:a16="http://schemas.microsoft.com/office/drawing/2014/main" id="{7B696740-0D2A-4D12-98C0-00B77AAD7A80}"/>
+              </a:ext>
+            </a:extLst>
+          </p:cNvPr>
+          <p:cNvPicPr>
+            <a:picLocks noChangeAspect="1" noChangeArrowheads="1"/>
+          </p:cNvPicPr>
+          <p:nvPr/>
+        </p:nvPicPr>
+        <p:blipFill>
+          <a:blip r:embed="rId3" cstate="print">
+            <a:extLst>
+              <a:ext uri="{28A0092B-C50C-407E-A947-70E740481C1C}">
+                <a14:useLocalDpi xmlns:a14="http://schemas.microsoft.com/office/drawing/2010/main" val="0"/>
+              </a:ext>
+            </a:extLst>
+          </a:blip>
+          <a:srcRect/>
+          <a:stretch>
+            <a:fillRect/>
+          </a:stretch>
+        </p:blipFill>
+        <p:spPr bwMode="auto">
+          <a:xfrm>
+            <a:off x="8172400" y="3212976"/>
+            <a:ext cx="558061" cy="648072"/>
+          </a:xfrm>
+          <a:prstGeom prst="rect">
+            <a:avLst/>
+          </a:prstGeom>
+          <a:noFill/>
+          <a:extLst>
+            <a:ext uri="{909E8E84-426E-40DD-AFC4-6F175D3DCCD1}">
+              <a14:hiddenFill xmlns:a14="http://schemas.microsoft.com/office/drawing/2010/main">
+                <a:solidFill>
+                  <a:srgbClr val="FFFFFF"/>
+                </a:solidFill>
+              </a14:hiddenFill>
+            </a:ext>
+          </a:extLst>
+        </p:spPr>
+      </p:pic>
+      <p:sp>
+        <p:nvSpPr>
+          <p:cNvPr id="15" name="テキスト ボックス 14">
+            <a:extLst>
+              <a:ext uri="{FF2B5EF4-FFF2-40B4-BE49-F238E27FC236}">
+                <a16:creationId xmlns:a16="http://schemas.microsoft.com/office/drawing/2014/main" id="{4D6EACEF-CFCA-4E30-A379-A2B08AB326CD}"/>
+              </a:ext>
+            </a:extLst>
+          </p:cNvPr>
+          <p:cNvSpPr txBox="1"/>
+          <p:nvPr/>
+        </p:nvSpPr>
+        <p:spPr>
+          <a:xfrm>
+            <a:off x="7956376" y="3789040"/>
+            <a:ext cx="1115616" cy="307777"/>
+          </a:xfrm>
+          <a:prstGeom prst="rect">
+            <a:avLst/>
+          </a:prstGeom>
+          <a:noFill/>
+        </p:spPr>
+        <p:txBody>
+          <a:bodyPr wrap="square">
+            <a:spAutoFit/>
+          </a:bodyPr>
+          <a:lstStyle/>
+          <a:p>
+            <a:r>
+              <a:rPr lang="en-US" altLang="ja-JP" sz="1400">
+                <a:latin typeface="Consolas" panose="020B0609020204030204" pitchFamily="49" charset="0"/>
+              </a:rPr>
+              <a:t>file2.txt</a:t>
+            </a:r>
+            <a:endParaRPr kumimoji="1" lang="ja-JP" altLang="en-US" sz="1400" dirty="0">
+              <a:latin typeface="Consolas" panose="020B0609020204030204" pitchFamily="49" charset="0"/>
+            </a:endParaRPr>
+          </a:p>
+        </p:txBody>
+      </p:sp>
+      <p:pic>
+        <p:nvPicPr>
+          <p:cNvPr id="16" name="Picture 2" descr="ファイルアイコン（ブランク）">
+            <a:extLst>
+              <a:ext uri="{FF2B5EF4-FFF2-40B4-BE49-F238E27FC236}">
+                <a16:creationId xmlns:a16="http://schemas.microsoft.com/office/drawing/2014/main" id="{F7D08E77-68E4-4654-8BAD-38AD4E265859}"/>
+              </a:ext>
+            </a:extLst>
+          </p:cNvPr>
+          <p:cNvPicPr>
+            <a:picLocks noChangeAspect="1" noChangeArrowheads="1"/>
+          </p:cNvPicPr>
+          <p:nvPr/>
+        </p:nvPicPr>
+        <p:blipFill>
+          <a:blip r:embed="rId3" cstate="print">
+            <a:extLst>
+              <a:ext uri="{28A0092B-C50C-407E-A947-70E740481C1C}">
+                <a14:useLocalDpi xmlns:a14="http://schemas.microsoft.com/office/drawing/2010/main" val="0"/>
+              </a:ext>
+            </a:extLst>
+          </a:blip>
+          <a:srcRect/>
+          <a:stretch>
+            <a:fillRect/>
+          </a:stretch>
+        </p:blipFill>
+        <p:spPr bwMode="auto">
+          <a:xfrm>
+            <a:off x="5292080" y="4221088"/>
+            <a:ext cx="558061" cy="648072"/>
+          </a:xfrm>
+          <a:prstGeom prst="rect">
+            <a:avLst/>
+          </a:prstGeom>
+          <a:noFill/>
+          <a:extLst>
+            <a:ext uri="{909E8E84-426E-40DD-AFC4-6F175D3DCCD1}">
+              <a14:hiddenFill xmlns:a14="http://schemas.microsoft.com/office/drawing/2010/main">
+                <a:solidFill>
+                  <a:srgbClr val="FFFFFF"/>
+                </a:solidFill>
+              </a14:hiddenFill>
+            </a:ext>
+          </a:extLst>
+        </p:spPr>
+      </p:pic>
+      <p:sp>
+        <p:nvSpPr>
+          <p:cNvPr id="17" name="テキスト ボックス 16">
+            <a:extLst>
+              <a:ext uri="{FF2B5EF4-FFF2-40B4-BE49-F238E27FC236}">
+                <a16:creationId xmlns:a16="http://schemas.microsoft.com/office/drawing/2014/main" id="{5CEF66C6-0186-469F-938A-56FFF1487A4F}"/>
+              </a:ext>
+            </a:extLst>
+          </p:cNvPr>
+          <p:cNvSpPr txBox="1"/>
+          <p:nvPr/>
+        </p:nvSpPr>
+        <p:spPr>
+          <a:xfrm>
+            <a:off x="5111105" y="4845992"/>
+            <a:ext cx="1115616" cy="307777"/>
+          </a:xfrm>
+          <a:prstGeom prst="rect">
+            <a:avLst/>
+          </a:prstGeom>
+          <a:noFill/>
+        </p:spPr>
+        <p:txBody>
+          <a:bodyPr wrap="square">
+            <a:spAutoFit/>
+          </a:bodyPr>
+          <a:lstStyle/>
+          <a:p>
+            <a:r>
+              <a:rPr lang="en-US" altLang="ja-JP" sz="1400">
+                <a:latin typeface="Consolas" panose="020B0609020204030204" pitchFamily="49" charset="0"/>
+              </a:rPr>
+              <a:t>file3.txt</a:t>
+            </a:r>
+            <a:endParaRPr kumimoji="1" lang="ja-JP" altLang="en-US" sz="1400" dirty="0">
+              <a:latin typeface="Consolas" panose="020B0609020204030204" pitchFamily="49" charset="0"/>
+            </a:endParaRPr>
+          </a:p>
+        </p:txBody>
+      </p:sp>
+      <p:cxnSp>
+        <p:nvCxnSpPr>
+          <p:cNvPr id="18" name="コネクタ: カギ線 17">
+            <a:extLst>
+              <a:ext uri="{FF2B5EF4-FFF2-40B4-BE49-F238E27FC236}">
+                <a16:creationId xmlns:a16="http://schemas.microsoft.com/office/drawing/2014/main" id="{BBE23CC3-D07C-47C4-AF65-0E81AA17811A}"/>
+              </a:ext>
+            </a:extLst>
+          </p:cNvPr>
+          <p:cNvCxnSpPr>
+            <a:cxnSpLocks/>
+            <a:stCxn id="6" idx="2"/>
+            <a:endCxn id="10" idx="0"/>
+          </p:cNvCxnSpPr>
+          <p:nvPr/>
+        </p:nvCxnSpPr>
+        <p:spPr>
+          <a:xfrm rot="16200000" flipH="1">
+            <a:off x="5907698" y="2582424"/>
+            <a:ext cx="296133" cy="964969"/>
+          </a:xfrm>
+          <a:prstGeom prst="bentConnector3">
+            <a:avLst/>
+          </a:prstGeom>
+          <a:ln w="12700">
+            <a:solidFill>
+              <a:schemeClr val="tx1"/>
+            </a:solidFill>
+          </a:ln>
+        </p:spPr>
+        <p:style>
+          <a:lnRef idx="1">
+            <a:schemeClr val="accent1"/>
+          </a:lnRef>
+          <a:fillRef idx="0">
+            <a:schemeClr val="accent1"/>
+          </a:fillRef>
+          <a:effectRef idx="0">
+            <a:schemeClr val="accent1"/>
+          </a:effectRef>
+          <a:fontRef idx="minor">
+            <a:schemeClr val="tx1"/>
+          </a:fontRef>
+        </p:style>
+      </p:cxnSp>
+      <p:cxnSp>
+        <p:nvCxnSpPr>
+          <p:cNvPr id="19" name="コネクタ: カギ線 18">
+            <a:extLst>
+              <a:ext uri="{FF2B5EF4-FFF2-40B4-BE49-F238E27FC236}">
+                <a16:creationId xmlns:a16="http://schemas.microsoft.com/office/drawing/2014/main" id="{6BE83DB1-9F00-4D47-8E4A-22425B1D49DC}"/>
+              </a:ext>
+            </a:extLst>
+          </p:cNvPr>
+          <p:cNvCxnSpPr>
+            <a:cxnSpLocks/>
+            <a:stCxn id="6" idx="2"/>
+            <a:endCxn id="12" idx="0"/>
+          </p:cNvCxnSpPr>
+          <p:nvPr/>
+        </p:nvCxnSpPr>
+        <p:spPr>
+          <a:xfrm rot="16200000" flipH="1">
+            <a:off x="6360233" y="2129889"/>
+            <a:ext cx="296133" cy="1870039"/>
+          </a:xfrm>
+          <a:prstGeom prst="bentConnector3">
+            <a:avLst/>
+          </a:prstGeom>
+          <a:ln w="12700">
+            <a:solidFill>
+              <a:schemeClr val="tx1"/>
+            </a:solidFill>
+          </a:ln>
+        </p:spPr>
+        <p:style>
+          <a:lnRef idx="1">
+            <a:schemeClr val="accent1"/>
+          </a:lnRef>
+          <a:fillRef idx="0">
+            <a:schemeClr val="accent1"/>
+          </a:fillRef>
+          <a:effectRef idx="0">
+            <a:schemeClr val="accent1"/>
+          </a:effectRef>
+          <a:fontRef idx="minor">
+            <a:schemeClr val="tx1"/>
+          </a:fontRef>
+        </p:style>
+      </p:cxnSp>
+      <p:cxnSp>
+        <p:nvCxnSpPr>
+          <p:cNvPr id="20" name="コネクタ: カギ線 19">
+            <a:extLst>
+              <a:ext uri="{FF2B5EF4-FFF2-40B4-BE49-F238E27FC236}">
+                <a16:creationId xmlns:a16="http://schemas.microsoft.com/office/drawing/2014/main" id="{5DA2288B-0CAC-44D2-8B45-0FDF97FE2FD3}"/>
+              </a:ext>
+            </a:extLst>
+          </p:cNvPr>
+          <p:cNvCxnSpPr>
+            <a:cxnSpLocks/>
+            <a:stCxn id="6" idx="2"/>
+            <a:endCxn id="14" idx="0"/>
+          </p:cNvCxnSpPr>
+          <p:nvPr/>
+        </p:nvCxnSpPr>
+        <p:spPr>
+          <a:xfrm rot="16200000" flipH="1">
+            <a:off x="6864289" y="1625833"/>
+            <a:ext cx="296133" cy="2878151"/>
+          </a:xfrm>
+          <a:prstGeom prst="bentConnector3">
+            <a:avLst/>
+          </a:prstGeom>
+          <a:ln w="12700">
+            <a:solidFill>
+              <a:schemeClr val="tx1"/>
+            </a:solidFill>
+          </a:ln>
+        </p:spPr>
+        <p:style>
+          <a:lnRef idx="1">
+            <a:schemeClr val="accent1"/>
+          </a:lnRef>
+          <a:fillRef idx="0">
+            <a:schemeClr val="accent1"/>
+          </a:fillRef>
+          <a:effectRef idx="0">
+            <a:schemeClr val="accent1"/>
+          </a:effectRef>
+          <a:fontRef idx="minor">
+            <a:schemeClr val="tx1"/>
+          </a:fontRef>
+        </p:style>
+      </p:cxnSp>
+      <p:cxnSp>
+        <p:nvCxnSpPr>
+          <p:cNvPr id="21" name="直線コネクタ 20">
+            <a:extLst>
+              <a:ext uri="{FF2B5EF4-FFF2-40B4-BE49-F238E27FC236}">
+                <a16:creationId xmlns:a16="http://schemas.microsoft.com/office/drawing/2014/main" id="{36A8FC18-3166-40A4-AFDD-3F2DE67DDC2E}"/>
+              </a:ext>
+            </a:extLst>
+          </p:cNvPr>
+          <p:cNvCxnSpPr>
+            <a:stCxn id="6" idx="2"/>
+            <a:endCxn id="8" idx="0"/>
+          </p:cNvCxnSpPr>
+          <p:nvPr/>
+        </p:nvCxnSpPr>
+        <p:spPr>
+          <a:xfrm>
+            <a:off x="5573280" y="2916843"/>
+            <a:ext cx="0" cy="296133"/>
+          </a:xfrm>
+          <a:prstGeom prst="line">
+            <a:avLst/>
+          </a:prstGeom>
+          <a:ln w="12700">
+            <a:solidFill>
+              <a:schemeClr val="tx1"/>
+            </a:solidFill>
+          </a:ln>
+        </p:spPr>
+        <p:style>
+          <a:lnRef idx="1">
+            <a:schemeClr val="accent1"/>
+          </a:lnRef>
+          <a:fillRef idx="0">
+            <a:schemeClr val="accent1"/>
+          </a:fillRef>
+          <a:effectRef idx="0">
+            <a:schemeClr val="accent1"/>
+          </a:effectRef>
+          <a:fontRef idx="minor">
+            <a:schemeClr val="tx1"/>
+          </a:fontRef>
+        </p:style>
+      </p:cxnSp>
+      <p:cxnSp>
+        <p:nvCxnSpPr>
+          <p:cNvPr id="22" name="直線コネクタ 21">
+            <a:extLst>
+              <a:ext uri="{FF2B5EF4-FFF2-40B4-BE49-F238E27FC236}">
+                <a16:creationId xmlns:a16="http://schemas.microsoft.com/office/drawing/2014/main" id="{DB57E62A-94C6-4A76-A556-9AB026D6B6AC}"/>
+              </a:ext>
+            </a:extLst>
+          </p:cNvPr>
+          <p:cNvCxnSpPr/>
+          <p:nvPr/>
+        </p:nvCxnSpPr>
+        <p:spPr>
+          <a:xfrm>
+            <a:off x="5580112" y="3789040"/>
+            <a:ext cx="0" cy="296133"/>
+          </a:xfrm>
+          <a:prstGeom prst="line">
+            <a:avLst/>
+          </a:prstGeom>
+          <a:ln w="12700">
+            <a:solidFill>
+              <a:schemeClr val="tx1"/>
+            </a:solidFill>
+          </a:ln>
+        </p:spPr>
+        <p:style>
+          <a:lnRef idx="1">
+            <a:schemeClr val="accent1"/>
+          </a:lnRef>
+          <a:fillRef idx="0">
+            <a:schemeClr val="accent1"/>
+          </a:fillRef>
+          <a:effectRef idx="0">
+            <a:schemeClr val="accent1"/>
+          </a:effectRef>
+          <a:fontRef idx="minor">
+            <a:schemeClr val="tx1"/>
+          </a:fontRef>
+        </p:style>
+      </p:cxnSp>
+      <p:sp>
+        <p:nvSpPr>
+          <p:cNvPr id="23" name="四角形: 角を丸くする 22">
+            <a:extLst>
+              <a:ext uri="{FF2B5EF4-FFF2-40B4-BE49-F238E27FC236}">
+                <a16:creationId xmlns:a16="http://schemas.microsoft.com/office/drawing/2014/main" id="{D0946FBB-033B-49FA-8E25-83BDFBDC1151}"/>
+              </a:ext>
+            </a:extLst>
+          </p:cNvPr>
+          <p:cNvSpPr/>
+          <p:nvPr/>
+        </p:nvSpPr>
+        <p:spPr>
+          <a:xfrm>
+            <a:off x="5076056" y="3212976"/>
+            <a:ext cx="936104" cy="720080"/>
+          </a:xfrm>
+          <a:prstGeom prst="roundRect">
+            <a:avLst/>
+          </a:prstGeom>
+          <a:noFill/>
+          <a:ln w="28575">
+            <a:solidFill>
+              <a:srgbClr val="FF0000"/>
+            </a:solidFill>
+            <a:prstDash val="sysDash"/>
+          </a:ln>
+        </p:spPr>
+        <p:style>
+          <a:lnRef idx="2">
+            <a:schemeClr val="accent1">
+              <a:shade val="50000"/>
+            </a:schemeClr>
+          </a:lnRef>
+          <a:fillRef idx="1">
+            <a:schemeClr val="accent1"/>
+          </a:fillRef>
+          <a:effectRef idx="0">
+            <a:schemeClr val="accent1"/>
+          </a:effectRef>
+          <a:fontRef idx="minor">
+            <a:schemeClr val="lt1"/>
+          </a:fontRef>
+        </p:style>
+        <p:txBody>
+          <a:bodyPr rtlCol="0" anchor="ctr"/>
+          <a:lstStyle/>
+          <a:p>
+            <a:pPr algn="ctr"/>
+            <a:endParaRPr kumimoji="1" lang="ja-JP" altLang="en-US"/>
+          </a:p>
+        </p:txBody>
+      </p:sp>
+      <p:sp>
+        <p:nvSpPr>
+          <p:cNvPr id="24" name="四角形: 角を丸くする 23">
+            <a:extLst>
+              <a:ext uri="{FF2B5EF4-FFF2-40B4-BE49-F238E27FC236}">
+                <a16:creationId xmlns:a16="http://schemas.microsoft.com/office/drawing/2014/main" id="{8C255AC7-7A42-4D38-93C4-1EBA2D564163}"/>
+              </a:ext>
+            </a:extLst>
+          </p:cNvPr>
+          <p:cNvSpPr/>
+          <p:nvPr/>
+        </p:nvSpPr>
+        <p:spPr>
+          <a:xfrm>
+            <a:off x="5076056" y="4149080"/>
+            <a:ext cx="1152128" cy="1080120"/>
+          </a:xfrm>
+          <a:prstGeom prst="roundRect">
+            <a:avLst/>
+          </a:prstGeom>
+          <a:noFill/>
+          <a:ln w="28575">
+            <a:solidFill>
+              <a:srgbClr val="011893"/>
+            </a:solidFill>
+            <a:prstDash val="sysDash"/>
+          </a:ln>
+        </p:spPr>
+        <p:style>
+          <a:lnRef idx="2">
+            <a:schemeClr val="accent1">
+              <a:shade val="50000"/>
+            </a:schemeClr>
+          </a:lnRef>
+          <a:fillRef idx="1">
+            <a:schemeClr val="accent1"/>
+          </a:fillRef>
+          <a:effectRef idx="0">
+            <a:schemeClr val="accent1"/>
+          </a:effectRef>
+          <a:fontRef idx="minor">
+            <a:schemeClr val="lt1"/>
+          </a:fontRef>
+        </p:style>
+        <p:txBody>
+          <a:bodyPr rtlCol="0" anchor="ctr"/>
+          <a:lstStyle/>
+          <a:p>
+            <a:pPr algn="ctr"/>
+            <a:endParaRPr kumimoji="1" lang="ja-JP" altLang="en-US"/>
+          </a:p>
+        </p:txBody>
+      </p:sp>
+      <p:sp>
+        <p:nvSpPr>
+          <p:cNvPr id="25" name="テキスト ボックス 24">
+            <a:extLst>
+              <a:ext uri="{FF2B5EF4-FFF2-40B4-BE49-F238E27FC236}">
+                <a16:creationId xmlns:a16="http://schemas.microsoft.com/office/drawing/2014/main" id="{3DD5C634-9942-4ABE-9C85-EE2606F0B2CA}"/>
+              </a:ext>
+            </a:extLst>
+          </p:cNvPr>
+          <p:cNvSpPr txBox="1"/>
+          <p:nvPr/>
+        </p:nvSpPr>
+        <p:spPr>
+          <a:xfrm>
+            <a:off x="6372200" y="4509120"/>
+            <a:ext cx="1744388" cy="338554"/>
+          </a:xfrm>
+          <a:prstGeom prst="rect">
+            <a:avLst/>
+          </a:prstGeom>
+          <a:noFill/>
+        </p:spPr>
+        <p:txBody>
+          <a:bodyPr wrap="none" rtlCol="0">
+            <a:spAutoFit/>
+          </a:bodyPr>
+          <a:lstStyle/>
+          <a:p>
+            <a:r>
+              <a:rPr kumimoji="1" lang="en-US" altLang="ja-JP" sz="1600"/>
+              <a:t>ls</a:t>
+            </a:r>
+            <a:r>
+              <a:rPr kumimoji="1" lang="ja-JP" altLang="en-US" sz="1600"/>
+              <a:t>が表示する範囲</a:t>
+            </a:r>
+          </a:p>
+        </p:txBody>
+      </p:sp>
+      <p:cxnSp>
+        <p:nvCxnSpPr>
+          <p:cNvPr id="26" name="コネクタ: カギ線 25">
+            <a:extLst>
+              <a:ext uri="{FF2B5EF4-FFF2-40B4-BE49-F238E27FC236}">
+                <a16:creationId xmlns:a16="http://schemas.microsoft.com/office/drawing/2014/main" id="{9016CC62-EE95-4F89-97F4-E0A4C5E6830F}"/>
+              </a:ext>
+            </a:extLst>
+          </p:cNvPr>
+          <p:cNvCxnSpPr>
+            <a:stCxn id="7" idx="1"/>
+            <a:endCxn id="23" idx="1"/>
+          </p:cNvCxnSpPr>
+          <p:nvPr/>
+        </p:nvCxnSpPr>
+        <p:spPr>
+          <a:xfrm rot="10800000" flipV="1">
+            <a:off x="5076056" y="2605554"/>
+            <a:ext cx="144016" cy="967462"/>
+          </a:xfrm>
+          <a:prstGeom prst="bentConnector3">
+            <a:avLst>
+              <a:gd name="adj1" fmla="val 258732"/>
+            </a:avLst>
+          </a:prstGeom>
+          <a:ln w="12700">
+            <a:solidFill>
+              <a:schemeClr val="tx1"/>
+            </a:solidFill>
+            <a:tailEnd type="triangle"/>
+          </a:ln>
+        </p:spPr>
+        <p:style>
+          <a:lnRef idx="1">
+            <a:schemeClr val="accent1"/>
+          </a:lnRef>
+          <a:fillRef idx="0">
+            <a:schemeClr val="accent1"/>
+          </a:fillRef>
+          <a:effectRef idx="0">
+            <a:schemeClr val="accent1"/>
+          </a:effectRef>
+          <a:fontRef idx="minor">
+            <a:schemeClr val="tx1"/>
+          </a:fontRef>
+        </p:style>
+      </p:cxnSp>
+      <p:sp>
+        <p:nvSpPr>
+          <p:cNvPr id="27" name="テキスト ボックス 26">
+            <a:extLst>
+              <a:ext uri="{FF2B5EF4-FFF2-40B4-BE49-F238E27FC236}">
+                <a16:creationId xmlns:a16="http://schemas.microsoft.com/office/drawing/2014/main" id="{730FBE26-213C-4DF7-95F5-DD2CE1171D28}"/>
+              </a:ext>
+            </a:extLst>
+          </p:cNvPr>
+          <p:cNvSpPr txBox="1"/>
+          <p:nvPr/>
+        </p:nvSpPr>
+        <p:spPr>
+          <a:xfrm>
+            <a:off x="3779912" y="2924944"/>
+            <a:ext cx="1080120" cy="369332"/>
+          </a:xfrm>
+          <a:prstGeom prst="rect">
+            <a:avLst/>
+          </a:prstGeom>
+          <a:noFill/>
+        </p:spPr>
+        <p:txBody>
+          <a:bodyPr wrap="square" rtlCol="0">
+            <a:spAutoFit/>
+          </a:bodyPr>
+          <a:lstStyle/>
+          <a:p>
+            <a:r>
+              <a:rPr kumimoji="1" lang="en-US" altLang="ja-JP">
+                <a:latin typeface="Consolas" panose="020B0609020204030204" pitchFamily="49" charset="0"/>
+              </a:rPr>
+              <a:t>cd dir1</a:t>
+            </a:r>
+            <a:endParaRPr kumimoji="1" lang="ja-JP" altLang="en-US">
+              <a:latin typeface="Consolas" panose="020B0609020204030204" pitchFamily="49" charset="0"/>
+            </a:endParaRPr>
+          </a:p>
+        </p:txBody>
+      </p:sp>
+      <p:sp>
+        <p:nvSpPr>
+          <p:cNvPr id="28" name="テキスト ボックス 27">
+            <a:extLst>
+              <a:ext uri="{FF2B5EF4-FFF2-40B4-BE49-F238E27FC236}">
+                <a16:creationId xmlns:a16="http://schemas.microsoft.com/office/drawing/2014/main" id="{8E845D6A-A39B-4B26-93A3-3ED02A2DD4A9}"/>
+              </a:ext>
+            </a:extLst>
+          </p:cNvPr>
+          <p:cNvSpPr txBox="1"/>
+          <p:nvPr/>
+        </p:nvSpPr>
+        <p:spPr>
+          <a:xfrm>
+            <a:off x="4499992" y="4509120"/>
+            <a:ext cx="648072" cy="369332"/>
+          </a:xfrm>
+          <a:prstGeom prst="rect">
+            <a:avLst/>
+          </a:prstGeom>
+          <a:noFill/>
+        </p:spPr>
+        <p:txBody>
+          <a:bodyPr wrap="square" rtlCol="0">
+            <a:spAutoFit/>
+          </a:bodyPr>
+          <a:lstStyle/>
+          <a:p>
+            <a:r>
+              <a:rPr kumimoji="1" lang="en-US" altLang="ja-JP">
+                <a:latin typeface="Consolas" panose="020B0609020204030204" pitchFamily="49" charset="0"/>
+              </a:rPr>
+              <a:t>ls</a:t>
+            </a:r>
+            <a:endParaRPr kumimoji="1" lang="ja-JP" altLang="en-US">
+              <a:latin typeface="Consolas" panose="020B0609020204030204" pitchFamily="49" charset="0"/>
+            </a:endParaRPr>
+          </a:p>
+        </p:txBody>
+      </p:sp>
+    </p:spTree>
+    <p:extLst>
+      <p:ext uri="{BB962C8B-B14F-4D97-AF65-F5344CB8AC3E}">
+        <p14:creationId xmlns:p14="http://schemas.microsoft.com/office/powerpoint/2010/main" val="1301873851"/>
+      </p:ext>
+    </p:extLst>
+  </p:cSld>
+  <p:clrMapOvr>
+    <a:masterClrMapping/>
+  </p:clrMapOvr>
+</p:sld>
+</file>
+
+<file path=ppt/slides/slide18.xml><?xml version="1.0" encoding="utf-8"?>
+<p:sld xmlns:a="http://schemas.openxmlformats.org/drawingml/2006/main" xmlns:r="http://schemas.openxmlformats.org/officeDocument/2006/relationships" xmlns:p="http://schemas.openxmlformats.org/presentationml/2006/main">
+  <p:cSld>
+    <p:spTree>
+      <p:nvGrpSpPr>
+        <p:cNvPr id="1" name=""/>
+        <p:cNvGrpSpPr/>
+        <p:nvPr/>
+      </p:nvGrpSpPr>
+      <p:grpSpPr>
+        <a:xfrm>
+          <a:off x="0" y="0"/>
+          <a:ext cx="0" cy="0"/>
+          <a:chOff x="0" y="0"/>
+          <a:chExt cx="0" cy="0"/>
+        </a:xfrm>
+      </p:grpSpPr>
+      <p:sp>
+        <p:nvSpPr>
+          <p:cNvPr id="2" name="テキスト プレースホルダー 1">
+            <a:extLst>
+              <a:ext uri="{FF2B5EF4-FFF2-40B4-BE49-F238E27FC236}">
+                <a16:creationId xmlns:a16="http://schemas.microsoft.com/office/drawing/2014/main" id="{B5923ECE-D39A-494B-9478-7E4502B3B335}"/>
+              </a:ext>
+            </a:extLst>
+          </p:cNvPr>
+          <p:cNvSpPr>
+            <a:spLocks noGrp="1"/>
+          </p:cNvSpPr>
+          <p:nvPr>
+            <p:ph type="body" sz="quarter" idx="10"/>
+          </p:nvPr>
+        </p:nvSpPr>
+        <p:spPr/>
+        <p:txBody>
+          <a:bodyPr/>
+          <a:lstStyle/>
+          <a:p>
+            <a:r>
+              <a:rPr lang="en-US"/>
+              <a:t>cd</a:t>
+            </a:r>
+          </a:p>
+        </p:txBody>
+      </p:sp>
+      <p:sp>
+        <p:nvSpPr>
+          <p:cNvPr id="3" name="テキスト ボックス 2">
+            <a:extLst>
+              <a:ext uri="{FF2B5EF4-FFF2-40B4-BE49-F238E27FC236}">
+                <a16:creationId xmlns:a16="http://schemas.microsoft.com/office/drawing/2014/main" id="{30B702C6-4A83-48D0-B38E-1214E3747E11}"/>
+              </a:ext>
+            </a:extLst>
+          </p:cNvPr>
+          <p:cNvSpPr txBox="1"/>
+          <p:nvPr/>
+        </p:nvSpPr>
+        <p:spPr>
+          <a:xfrm>
+            <a:off x="323528" y="1124744"/>
+            <a:ext cx="1152128" cy="461665"/>
+          </a:xfrm>
+          <a:prstGeom prst="rect">
+            <a:avLst/>
+          </a:prstGeom>
+          <a:noFill/>
+          <a:ln>
+            <a:solidFill>
+              <a:schemeClr val="tx1"/>
+            </a:solidFill>
+          </a:ln>
+        </p:spPr>
+        <p:txBody>
+          <a:bodyPr wrap="square">
+            <a:spAutoFit/>
+          </a:bodyPr>
+          <a:lstStyle/>
+          <a:p>
+            <a:r>
+              <a:rPr lang="en-US" sz="2400">
+                <a:solidFill>
+                  <a:prstClr val="black"/>
+                </a:solidFill>
+                <a:latin typeface="Lucida Console" panose="020B0609040504020204" pitchFamily="49" charset="0"/>
+              </a:rPr>
+              <a:t>$ cd</a:t>
+            </a:r>
+          </a:p>
+        </p:txBody>
+      </p:sp>
+      <p:sp>
+        <p:nvSpPr>
+          <p:cNvPr id="4" name="テキスト ボックス 3">
+            <a:extLst>
+              <a:ext uri="{FF2B5EF4-FFF2-40B4-BE49-F238E27FC236}">
+                <a16:creationId xmlns:a16="http://schemas.microsoft.com/office/drawing/2014/main" id="{2B8A1C42-8F6F-48BB-AC89-B2D1F8BEA20E}"/>
+              </a:ext>
+            </a:extLst>
+          </p:cNvPr>
+          <p:cNvSpPr txBox="1"/>
+          <p:nvPr/>
+        </p:nvSpPr>
+        <p:spPr>
+          <a:xfrm>
+            <a:off x="683568" y="1844824"/>
+            <a:ext cx="7366119" cy="954107"/>
+          </a:xfrm>
+          <a:prstGeom prst="rect">
+            <a:avLst/>
+          </a:prstGeom>
+          <a:noFill/>
+        </p:spPr>
+        <p:txBody>
+          <a:bodyPr wrap="none" rtlCol="0">
+            <a:spAutoFit/>
+          </a:bodyPr>
+          <a:lstStyle/>
+          <a:p>
+            <a:r>
+              <a:rPr lang="ja-JP" altLang="en-US" sz="2800"/>
+              <a:t>引数無しではホームディレクトリへ移動する</a:t>
+            </a:r>
+            <a:endParaRPr lang="en-US" altLang="ja-JP" sz="2800"/>
+          </a:p>
+          <a:p>
+            <a:r>
+              <a:rPr lang="ja-JP" altLang="en-US" sz="2800"/>
+              <a:t>場所がよくわからなくなったらこれを使う</a:t>
+            </a:r>
+            <a:endParaRPr lang="en-US" sz="2800"/>
+          </a:p>
+        </p:txBody>
+      </p:sp>
+      <p:sp>
+        <p:nvSpPr>
+          <p:cNvPr id="5" name="テキスト ボックス 4">
+            <a:extLst>
+              <a:ext uri="{FF2B5EF4-FFF2-40B4-BE49-F238E27FC236}">
+                <a16:creationId xmlns:a16="http://schemas.microsoft.com/office/drawing/2014/main" id="{00AACE0C-3259-4B16-B3C6-96E283E20F27}"/>
+              </a:ext>
+            </a:extLst>
+          </p:cNvPr>
+          <p:cNvSpPr txBox="1"/>
+          <p:nvPr/>
+        </p:nvSpPr>
+        <p:spPr>
+          <a:xfrm>
+            <a:off x="323528" y="3356992"/>
+            <a:ext cx="1584176" cy="461665"/>
+          </a:xfrm>
+          <a:prstGeom prst="rect">
+            <a:avLst/>
+          </a:prstGeom>
+          <a:noFill/>
+          <a:ln>
+            <a:solidFill>
+              <a:schemeClr val="tx1"/>
+            </a:solidFill>
+          </a:ln>
+        </p:spPr>
+        <p:txBody>
+          <a:bodyPr wrap="square">
+            <a:spAutoFit/>
+          </a:bodyPr>
+          <a:lstStyle/>
+          <a:p>
+            <a:r>
+              <a:rPr lang="en-US" sz="2400">
+                <a:solidFill>
+                  <a:prstClr val="black"/>
+                </a:solidFill>
+                <a:latin typeface="Lucida Console" panose="020B0609040504020204" pitchFamily="49" charset="0"/>
+              </a:rPr>
+              <a:t>$ cd ..</a:t>
+            </a:r>
+          </a:p>
+        </p:txBody>
+      </p:sp>
+      <p:sp>
+        <p:nvSpPr>
+          <p:cNvPr id="6" name="テキスト ボックス 5">
+            <a:extLst>
+              <a:ext uri="{FF2B5EF4-FFF2-40B4-BE49-F238E27FC236}">
+                <a16:creationId xmlns:a16="http://schemas.microsoft.com/office/drawing/2014/main" id="{023D5583-400B-4DC2-A836-F631C5270E1B}"/>
+              </a:ext>
+            </a:extLst>
+          </p:cNvPr>
+          <p:cNvSpPr txBox="1"/>
+          <p:nvPr/>
+        </p:nvSpPr>
+        <p:spPr>
+          <a:xfrm>
+            <a:off x="683568" y="4005064"/>
+            <a:ext cx="4852610" cy="954107"/>
+          </a:xfrm>
+          <a:prstGeom prst="rect">
+            <a:avLst/>
+          </a:prstGeom>
+          <a:noFill/>
+        </p:spPr>
+        <p:txBody>
+          <a:bodyPr wrap="none" rtlCol="0">
+            <a:spAutoFit/>
+          </a:bodyPr>
+          <a:lstStyle/>
+          <a:p>
+            <a:r>
+              <a:rPr lang="ja-JP" altLang="en-US" sz="2800"/>
+              <a:t>親ディレクトリへ移動する</a:t>
+            </a:r>
+            <a:endParaRPr lang="en-US" altLang="ja-JP" sz="2800"/>
+          </a:p>
+          <a:p>
+            <a:r>
+              <a:rPr lang="ja-JP" altLang="en-US" sz="2800"/>
+              <a:t>よく使うので覚えておくこと</a:t>
+            </a:r>
+            <a:endParaRPr lang="en-US" sz="2800"/>
+          </a:p>
+        </p:txBody>
+      </p:sp>
+    </p:spTree>
+    <p:extLst>
+      <p:ext uri="{BB962C8B-B14F-4D97-AF65-F5344CB8AC3E}">
+        <p14:creationId xmlns:p14="http://schemas.microsoft.com/office/powerpoint/2010/main" val="30837454"/>
+      </p:ext>
+    </p:extLst>
+  </p:cSld>
+  <p:clrMapOvr>
+    <a:masterClrMapping/>
+  </p:clrMapOvr>
+</p:sld>
+</file>
+
+<file path=ppt/slides/slide19.xml><?xml version="1.0" encoding="utf-8"?>
+<p:sld xmlns:a="http://schemas.openxmlformats.org/drawingml/2006/main" xmlns:r="http://schemas.openxmlformats.org/officeDocument/2006/relationships" xmlns:p="http://schemas.openxmlformats.org/presentationml/2006/main">
+  <p:cSld>
+    <p:spTree>
+      <p:nvGrpSpPr>
+        <p:cNvPr id="1" name=""/>
+        <p:cNvGrpSpPr/>
+        <p:nvPr/>
+      </p:nvGrpSpPr>
+      <p:grpSpPr>
+        <a:xfrm>
+          <a:off x="0" y="0"/>
+          <a:ext cx="0" cy="0"/>
+          <a:chOff x="0" y="0"/>
+          <a:chExt cx="0" cy="0"/>
+        </a:xfrm>
+      </p:grpSpPr>
+      <p:sp>
+        <p:nvSpPr>
+          <p:cNvPr id="2" name="テキスト プレースホルダー 1">
+            <a:extLst>
+              <a:ext uri="{FF2B5EF4-FFF2-40B4-BE49-F238E27FC236}">
+                <a16:creationId xmlns:a16="http://schemas.microsoft.com/office/drawing/2014/main" id="{5CE2D363-B07F-4F6C-A916-5FD6D17C271B}"/>
+              </a:ext>
+            </a:extLst>
+          </p:cNvPr>
+          <p:cNvSpPr>
+            <a:spLocks noGrp="1"/>
+          </p:cNvSpPr>
+          <p:nvPr>
+            <p:ph type="body" sz="quarter" idx="10"/>
+          </p:nvPr>
+        </p:nvSpPr>
+        <p:spPr/>
+        <p:txBody>
+          <a:bodyPr/>
+          <a:lstStyle/>
+          <a:p>
+            <a:r>
+              <a:rPr lang="en-US"/>
+              <a:t>mkdir</a:t>
+            </a:r>
+          </a:p>
+        </p:txBody>
+      </p:sp>
+      <p:sp>
+        <p:nvSpPr>
+          <p:cNvPr id="3" name="テキスト ボックス 2">
+            <a:extLst>
+              <a:ext uri="{FF2B5EF4-FFF2-40B4-BE49-F238E27FC236}">
+                <a16:creationId xmlns:a16="http://schemas.microsoft.com/office/drawing/2014/main" id="{49D51CDD-F304-4BF0-9BA5-FD373C0F5791}"/>
+              </a:ext>
+            </a:extLst>
+          </p:cNvPr>
+          <p:cNvSpPr txBox="1"/>
+          <p:nvPr/>
+        </p:nvSpPr>
+        <p:spPr>
+          <a:xfrm>
+            <a:off x="539552" y="1196752"/>
+            <a:ext cx="6647974" cy="1384995"/>
+          </a:xfrm>
+          <a:prstGeom prst="rect">
+            <a:avLst/>
+          </a:prstGeom>
+          <a:noFill/>
+        </p:spPr>
+        <p:txBody>
+          <a:bodyPr wrap="none" rtlCol="0">
+            <a:spAutoFit/>
+          </a:bodyPr>
+          <a:lstStyle/>
+          <a:p>
+            <a:r>
+              <a:rPr lang="ja-JP" altLang="en-US" sz="2800"/>
+              <a:t>引数で指定したディレクトリを作成する</a:t>
+            </a:r>
+            <a:endParaRPr lang="en-US" altLang="ja-JP" sz="2800"/>
+          </a:p>
+          <a:p>
+            <a:r>
+              <a:rPr lang="en-US" sz="2800"/>
+              <a:t>(</a:t>
+            </a:r>
+            <a:r>
+              <a:rPr lang="ja-JP" altLang="en-US" sz="2800"/>
+              <a:t>新規作成→フォルダ</a:t>
+            </a:r>
+            <a:r>
+              <a:rPr lang="en-US" sz="2800"/>
+              <a:t>)</a:t>
+            </a:r>
+          </a:p>
+          <a:p>
+            <a:r>
+              <a:rPr lang="ja-JP" altLang="en-US" sz="2800"/>
+              <a:t>引数は必須</a:t>
+            </a:r>
+            <a:endParaRPr lang="en-US" sz="2800"/>
+          </a:p>
+        </p:txBody>
+      </p:sp>
+      <p:sp>
+        <p:nvSpPr>
+          <p:cNvPr id="5" name="テキスト ボックス 4">
+            <a:extLst>
+              <a:ext uri="{FF2B5EF4-FFF2-40B4-BE49-F238E27FC236}">
+                <a16:creationId xmlns:a16="http://schemas.microsoft.com/office/drawing/2014/main" id="{0190EB7A-B7C1-4A59-B52A-FEC4EE7C184E}"/>
+              </a:ext>
+            </a:extLst>
+          </p:cNvPr>
+          <p:cNvSpPr txBox="1"/>
+          <p:nvPr/>
+        </p:nvSpPr>
+        <p:spPr>
+          <a:xfrm>
+            <a:off x="251520" y="3284984"/>
+            <a:ext cx="6192688" cy="2031325"/>
+          </a:xfrm>
+          <a:prstGeom prst="rect">
+            <a:avLst/>
+          </a:prstGeom>
+          <a:noFill/>
+          <a:ln>
+            <a:solidFill>
+              <a:schemeClr val="tx1"/>
+            </a:solidFill>
+          </a:ln>
+        </p:spPr>
+        <p:txBody>
+          <a:bodyPr wrap="square">
+            <a:spAutoFit/>
+          </a:bodyPr>
+          <a:lstStyle/>
+          <a:p>
+            <a:r>
+              <a:rPr lang="en-US" sz="1800">
+                <a:solidFill>
+                  <a:prstClr val="black"/>
+                </a:solidFill>
+                <a:latin typeface="Lucida Console" panose="020B0609040504020204" pitchFamily="49" charset="0"/>
+              </a:rPr>
+              <a:t>$ ls</a:t>
+            </a:r>
+          </a:p>
+          <a:p>
+            <a:r>
+              <a:rPr lang="en-US" sz="1800">
+                <a:solidFill>
+                  <a:srgbClr val="6060FF"/>
+                </a:solidFill>
+                <a:latin typeface="Lucida Console" panose="020B0609040504020204" pitchFamily="49" charset="0"/>
+              </a:rPr>
+              <a:t>dir1</a:t>
+            </a:r>
+            <a:r>
+              <a:rPr lang="en-US" sz="1800">
+                <a:solidFill>
+                  <a:prstClr val="black"/>
+                </a:solidFill>
+                <a:latin typeface="Lucida Console" panose="020B0609040504020204" pitchFamily="49" charset="0"/>
+              </a:rPr>
+              <a:t>/  </a:t>
+            </a:r>
+            <a:r>
+              <a:rPr lang="en-US" sz="1800">
+                <a:solidFill>
+                  <a:srgbClr val="6060FF"/>
+                </a:solidFill>
+                <a:latin typeface="Lucida Console" panose="020B0609040504020204" pitchFamily="49" charset="0"/>
+              </a:rPr>
+              <a:t>dir2</a:t>
+            </a:r>
+            <a:r>
+              <a:rPr lang="en-US" sz="1800">
+                <a:solidFill>
+                  <a:prstClr val="black"/>
+                </a:solidFill>
+                <a:latin typeface="Lucida Console" panose="020B0609040504020204" pitchFamily="49" charset="0"/>
+              </a:rPr>
+              <a:t>/  file1.txt  file2.txt</a:t>
+            </a:r>
+          </a:p>
+          <a:p>
+            <a:endParaRPr lang="en-US" sz="1800">
+              <a:solidFill>
+                <a:prstClr val="black"/>
+              </a:solidFill>
+              <a:latin typeface="Lucida Console" panose="020B0609040504020204" pitchFamily="49" charset="0"/>
+            </a:endParaRPr>
+          </a:p>
+          <a:p>
+            <a:r>
+              <a:rPr lang="en-US" sz="1800">
+                <a:solidFill>
+                  <a:prstClr val="black"/>
+                </a:solidFill>
+                <a:latin typeface="Lucida Console" panose="020B0609040504020204" pitchFamily="49" charset="0"/>
+              </a:rPr>
+              <a:t>$ mkdir dir3</a:t>
+            </a:r>
+          </a:p>
+          <a:p>
+            <a:endParaRPr lang="en-US" sz="1800">
+              <a:solidFill>
+                <a:prstClr val="black"/>
+              </a:solidFill>
+              <a:latin typeface="Lucida Console" panose="020B0609040504020204" pitchFamily="49" charset="0"/>
+            </a:endParaRPr>
+          </a:p>
+          <a:p>
+            <a:r>
+              <a:rPr lang="en-US" sz="1800">
+                <a:solidFill>
+                  <a:prstClr val="black"/>
+                </a:solidFill>
+                <a:latin typeface="Lucida Console" panose="020B0609040504020204" pitchFamily="49" charset="0"/>
+              </a:rPr>
+              <a:t>$ ls</a:t>
+            </a:r>
+          </a:p>
+          <a:p>
+            <a:r>
+              <a:rPr lang="en-US" sz="1800">
+                <a:solidFill>
+                  <a:srgbClr val="6060FF"/>
+                </a:solidFill>
+                <a:latin typeface="Lucida Console" panose="020B0609040504020204" pitchFamily="49" charset="0"/>
+              </a:rPr>
+              <a:t>dir1</a:t>
+            </a:r>
+            <a:r>
+              <a:rPr lang="en-US" sz="1800">
+                <a:solidFill>
+                  <a:prstClr val="black"/>
+                </a:solidFill>
+                <a:latin typeface="Lucida Console" panose="020B0609040504020204" pitchFamily="49" charset="0"/>
+              </a:rPr>
+              <a:t>/  </a:t>
+            </a:r>
+            <a:r>
+              <a:rPr lang="en-US" sz="1800">
+                <a:solidFill>
+                  <a:srgbClr val="6060FF"/>
+                </a:solidFill>
+                <a:latin typeface="Lucida Console" panose="020B0609040504020204" pitchFamily="49" charset="0"/>
+              </a:rPr>
+              <a:t>dir2</a:t>
+            </a:r>
+            <a:r>
+              <a:rPr lang="en-US" sz="1800">
+                <a:solidFill>
+                  <a:prstClr val="black"/>
+                </a:solidFill>
+                <a:latin typeface="Lucida Console" panose="020B0609040504020204" pitchFamily="49" charset="0"/>
+              </a:rPr>
+              <a:t>/  </a:t>
+            </a:r>
+            <a:r>
+              <a:rPr lang="en-US" sz="1800">
+                <a:solidFill>
+                  <a:srgbClr val="6060FF"/>
+                </a:solidFill>
+                <a:latin typeface="Lucida Console" panose="020B0609040504020204" pitchFamily="49" charset="0"/>
+              </a:rPr>
+              <a:t>dir3</a:t>
+            </a:r>
+            <a:r>
+              <a:rPr lang="en-US" sz="1800">
+                <a:solidFill>
+                  <a:prstClr val="black"/>
+                </a:solidFill>
+                <a:latin typeface="Lucida Console" panose="020B0609040504020204" pitchFamily="49" charset="0"/>
+              </a:rPr>
+              <a:t>/  file1.txt  file2.txt</a:t>
+            </a:r>
+          </a:p>
+        </p:txBody>
+      </p:sp>
+      <p:sp>
+        <p:nvSpPr>
+          <p:cNvPr id="6" name="テキスト ボックス 5">
+            <a:extLst>
+              <a:ext uri="{FF2B5EF4-FFF2-40B4-BE49-F238E27FC236}">
+                <a16:creationId xmlns:a16="http://schemas.microsoft.com/office/drawing/2014/main" id="{9AD4368F-4841-4DED-90B0-E02C34EBFD3A}"/>
+              </a:ext>
+            </a:extLst>
+          </p:cNvPr>
+          <p:cNvSpPr txBox="1"/>
+          <p:nvPr/>
+        </p:nvSpPr>
+        <p:spPr>
+          <a:xfrm>
+            <a:off x="3707904" y="2636912"/>
+            <a:ext cx="3554178" cy="461665"/>
+          </a:xfrm>
+          <a:prstGeom prst="rect">
+            <a:avLst/>
+          </a:prstGeom>
+          <a:noFill/>
+        </p:spPr>
+        <p:txBody>
+          <a:bodyPr wrap="none" rtlCol="0">
+            <a:spAutoFit/>
+          </a:bodyPr>
+          <a:lstStyle/>
+          <a:p>
+            <a:r>
+              <a:rPr lang="ja-JP" altLang="en-US" sz="2400"/>
+              <a:t>ディレクトリ </a:t>
+            </a:r>
+            <a:r>
+              <a:rPr lang="en-US" altLang="ja-JP" sz="2400"/>
+              <a:t>dir3</a:t>
+            </a:r>
+            <a:r>
+              <a:rPr lang="ja-JP" altLang="en-US" sz="2400"/>
+              <a:t>を作成</a:t>
+            </a:r>
+            <a:endParaRPr lang="en-US" sz="2400"/>
+          </a:p>
+        </p:txBody>
+      </p:sp>
+      <p:sp>
+        <p:nvSpPr>
+          <p:cNvPr id="7" name="テキスト ボックス 6">
+            <a:extLst>
+              <a:ext uri="{FF2B5EF4-FFF2-40B4-BE49-F238E27FC236}">
+                <a16:creationId xmlns:a16="http://schemas.microsoft.com/office/drawing/2014/main" id="{C8F8D575-9CAE-48C1-BB71-CD0167161871}"/>
+              </a:ext>
+            </a:extLst>
+          </p:cNvPr>
+          <p:cNvSpPr txBox="1"/>
+          <p:nvPr/>
+        </p:nvSpPr>
+        <p:spPr>
+          <a:xfrm>
+            <a:off x="3563888" y="5661248"/>
+            <a:ext cx="4477508" cy="461665"/>
+          </a:xfrm>
+          <a:prstGeom prst="rect">
+            <a:avLst/>
+          </a:prstGeom>
+          <a:noFill/>
+        </p:spPr>
+        <p:txBody>
+          <a:bodyPr wrap="none" rtlCol="0">
+            <a:spAutoFit/>
+          </a:bodyPr>
+          <a:lstStyle/>
+          <a:p>
+            <a:r>
+              <a:rPr lang="ja-JP" altLang="en-US" sz="2400"/>
+              <a:t>ディレクトリ </a:t>
+            </a:r>
+            <a:r>
+              <a:rPr lang="en-US" altLang="ja-JP" sz="2400"/>
+              <a:t>dir3</a:t>
+            </a:r>
+            <a:r>
+              <a:rPr lang="ja-JP" altLang="en-US" sz="2400"/>
+              <a:t>が作成された</a:t>
+            </a:r>
+            <a:endParaRPr lang="en-US" altLang="ja-JP" sz="2400"/>
+          </a:p>
+        </p:txBody>
+      </p:sp>
+      <p:sp>
+        <p:nvSpPr>
+          <p:cNvPr id="8" name="四角形: 角を丸くする 7">
+            <a:extLst>
+              <a:ext uri="{FF2B5EF4-FFF2-40B4-BE49-F238E27FC236}">
+                <a16:creationId xmlns:a16="http://schemas.microsoft.com/office/drawing/2014/main" id="{E542588E-1A96-4D52-A63B-16B7CB54D0F5}"/>
+              </a:ext>
+            </a:extLst>
+          </p:cNvPr>
+          <p:cNvSpPr/>
+          <p:nvPr/>
+        </p:nvSpPr>
+        <p:spPr>
+          <a:xfrm>
+            <a:off x="539552" y="4077072"/>
+            <a:ext cx="1512168" cy="432048"/>
+          </a:xfrm>
+          <a:prstGeom prst="roundRect">
+            <a:avLst/>
+          </a:prstGeom>
+          <a:noFill/>
+          <a:ln w="28575">
+            <a:solidFill>
+              <a:srgbClr val="FF0000"/>
+            </a:solidFill>
+            <a:prstDash val="sysDash"/>
+          </a:ln>
+        </p:spPr>
+        <p:style>
+          <a:lnRef idx="2">
+            <a:schemeClr val="accent1">
+              <a:shade val="50000"/>
+            </a:schemeClr>
+          </a:lnRef>
+          <a:fillRef idx="1">
+            <a:schemeClr val="accent1"/>
+          </a:fillRef>
+          <a:effectRef idx="0">
+            <a:schemeClr val="accent1"/>
+          </a:effectRef>
+          <a:fontRef idx="minor">
+            <a:schemeClr val="lt1"/>
+          </a:fontRef>
+        </p:style>
+        <p:txBody>
+          <a:bodyPr rtlCol="0" anchor="ctr"/>
+          <a:lstStyle/>
+          <a:p>
+            <a:pPr algn="ctr"/>
+            <a:endParaRPr kumimoji="1" lang="en-US"/>
+          </a:p>
+        </p:txBody>
+      </p:sp>
+      <p:sp>
+        <p:nvSpPr>
+          <p:cNvPr id="9" name="四角形: 角を丸くする 8">
+            <a:extLst>
+              <a:ext uri="{FF2B5EF4-FFF2-40B4-BE49-F238E27FC236}">
+                <a16:creationId xmlns:a16="http://schemas.microsoft.com/office/drawing/2014/main" id="{914388F8-4255-45E2-A6A5-D62BCF331E1E}"/>
+              </a:ext>
+            </a:extLst>
+          </p:cNvPr>
+          <p:cNvSpPr/>
+          <p:nvPr/>
+        </p:nvSpPr>
+        <p:spPr>
+          <a:xfrm>
+            <a:off x="2123728" y="4869160"/>
+            <a:ext cx="936104" cy="432048"/>
+          </a:xfrm>
+          <a:prstGeom prst="roundRect">
+            <a:avLst/>
+          </a:prstGeom>
+          <a:noFill/>
+          <a:ln w="28575">
+            <a:solidFill>
+              <a:srgbClr val="FF0000"/>
+            </a:solidFill>
+            <a:prstDash val="sysDash"/>
+          </a:ln>
+        </p:spPr>
+        <p:style>
+          <a:lnRef idx="2">
+            <a:schemeClr val="accent1">
+              <a:shade val="50000"/>
+            </a:schemeClr>
+          </a:lnRef>
+          <a:fillRef idx="1">
+            <a:schemeClr val="accent1"/>
+          </a:fillRef>
+          <a:effectRef idx="0">
+            <a:schemeClr val="accent1"/>
+          </a:effectRef>
+          <a:fontRef idx="minor">
+            <a:schemeClr val="lt1"/>
+          </a:fontRef>
+        </p:style>
+        <p:txBody>
+          <a:bodyPr rtlCol="0" anchor="ctr"/>
+          <a:lstStyle/>
+          <a:p>
+            <a:pPr algn="ctr"/>
+            <a:endParaRPr kumimoji="1" lang="en-US"/>
+          </a:p>
+        </p:txBody>
+      </p:sp>
+      <p:cxnSp>
+        <p:nvCxnSpPr>
+          <p:cNvPr id="11" name="コネクタ: カギ線 10">
+            <a:extLst>
+              <a:ext uri="{FF2B5EF4-FFF2-40B4-BE49-F238E27FC236}">
+                <a16:creationId xmlns:a16="http://schemas.microsoft.com/office/drawing/2014/main" id="{5F10CA91-8F91-4EEB-8659-166D3826A41B}"/>
+              </a:ext>
+            </a:extLst>
+          </p:cNvPr>
+          <p:cNvCxnSpPr>
+            <a:stCxn id="6" idx="2"/>
+          </p:cNvCxnSpPr>
+          <p:nvPr/>
+        </p:nvCxnSpPr>
+        <p:spPr>
+          <a:xfrm rot="5400000">
+            <a:off x="3171098" y="1979200"/>
+            <a:ext cx="1194519" cy="3433273"/>
+          </a:xfrm>
+          <a:prstGeom prst="bentConnector2">
+            <a:avLst/>
+          </a:prstGeom>
+          <a:ln>
+            <a:solidFill>
+              <a:schemeClr val="tx1"/>
+            </a:solidFill>
+            <a:headEnd type="none" w="med" len="med"/>
+            <a:tailEnd type="triangle"/>
+          </a:ln>
+        </p:spPr>
+        <p:style>
+          <a:lnRef idx="1">
+            <a:schemeClr val="accent1"/>
+          </a:lnRef>
+          <a:fillRef idx="0">
+            <a:schemeClr val="accent1"/>
+          </a:fillRef>
+          <a:effectRef idx="0">
+            <a:schemeClr val="accent1"/>
+          </a:effectRef>
+          <a:fontRef idx="minor">
+            <a:schemeClr val="tx1"/>
+          </a:fontRef>
+        </p:style>
+      </p:cxnSp>
+      <p:cxnSp>
+        <p:nvCxnSpPr>
+          <p:cNvPr id="13" name="コネクタ: カギ線 12">
+            <a:extLst>
+              <a:ext uri="{FF2B5EF4-FFF2-40B4-BE49-F238E27FC236}">
+                <a16:creationId xmlns:a16="http://schemas.microsoft.com/office/drawing/2014/main" id="{705D2613-F8DA-4A1F-8CB2-4CE2F7B7B6CD}"/>
+              </a:ext>
+            </a:extLst>
+          </p:cNvPr>
+          <p:cNvCxnSpPr>
+            <a:stCxn id="7" idx="1"/>
+            <a:endCxn id="9" idx="2"/>
+          </p:cNvCxnSpPr>
+          <p:nvPr/>
+        </p:nvCxnSpPr>
+        <p:spPr>
+          <a:xfrm rot="10800000">
+            <a:off x="2591780" y="5301209"/>
+            <a:ext cx="972108" cy="590873"/>
+          </a:xfrm>
+          <a:prstGeom prst="bentConnector2">
+            <a:avLst/>
+          </a:prstGeom>
+          <a:ln>
+            <a:solidFill>
+              <a:schemeClr val="tx1"/>
+            </a:solidFill>
+            <a:headEnd type="none" w="med" len="med"/>
+            <a:tailEnd type="triangle"/>
+          </a:ln>
+        </p:spPr>
+        <p:style>
+          <a:lnRef idx="1">
+            <a:schemeClr val="accent1"/>
+          </a:lnRef>
+          <a:fillRef idx="0">
+            <a:schemeClr val="accent1"/>
+          </a:fillRef>
+          <a:effectRef idx="0">
+            <a:schemeClr val="accent1"/>
+          </a:effectRef>
+          <a:fontRef idx="minor">
+            <a:schemeClr val="tx1"/>
+          </a:fontRef>
+        </p:style>
+      </p:cxnSp>
+    </p:spTree>
+    <p:extLst>
+      <p:ext uri="{BB962C8B-B14F-4D97-AF65-F5344CB8AC3E}">
+        <p14:creationId xmlns:p14="http://schemas.microsoft.com/office/powerpoint/2010/main" val="2130657963"/>
+      </p:ext>
+    </p:extLst>
+  </p:cSld>
+  <p:clrMapOvr>
+    <a:masterClrMapping/>
+  </p:clrMapOvr>
+</p:sld>
+</file>
+
 <file path=ppt/slides/slide2.xml><?xml version="1.0" encoding="utf-8"?>
 <p:sld xmlns:a="http://schemas.openxmlformats.org/drawingml/2006/main" xmlns:r="http://schemas.openxmlformats.org/officeDocument/2006/relationships" xmlns:p="http://schemas.openxmlformats.org/presentationml/2006/main">
   <p:cSld>
@@ -2268,7 +9783,7 @@
         </p:nvSpPr>
         <p:spPr>
           <a:xfrm>
-            <a:off x="827584" y="1844824"/>
+            <a:off x="539552" y="1052736"/>
             <a:ext cx="7776864" cy="954107"/>
           </a:xfrm>
           <a:prstGeom prst="rect">
@@ -2307,10 +9822,10 @@
       </p:sp>
       <p:pic>
         <p:nvPicPr>
-          <p:cNvPr id="3074" name="Picture 2" descr="プログラムのコードが表示されたコンピューターのイラスト">
-            <a:extLst>
-              <a:ext uri="{FF2B5EF4-FFF2-40B4-BE49-F238E27FC236}">
-                <a16:creationId xmlns:a16="http://schemas.microsoft.com/office/drawing/2014/main" id="{1AD7E237-57B8-4D35-ACF0-BCF49C449782}"/>
+          <p:cNvPr id="7" name="Picture 2" descr="プログラムのコードが表示されたコンピューターのイラスト">
+            <a:extLst>
+              <a:ext uri="{FF2B5EF4-FFF2-40B4-BE49-F238E27FC236}">
+                <a16:creationId xmlns:a16="http://schemas.microsoft.com/office/drawing/2014/main" id="{45CFC6AA-FC43-472D-8407-550871AC87D6}"/>
               </a:ext>
             </a:extLst>
           </p:cNvPr>
@@ -2334,7 +9849,7 @@
         </p:blipFill>
         <p:spPr bwMode="auto">
           <a:xfrm>
-            <a:off x="3203848" y="3284984"/>
+            <a:off x="2843808" y="3068960"/>
             <a:ext cx="3079778" cy="2733303"/>
           </a:xfrm>
           <a:prstGeom prst="rect">
@@ -2403,14 +9918,1798 @@
           <a:bodyPr/>
           <a:lstStyle/>
           <a:p>
+            <a:r>
+              <a:rPr lang="ja-JP" altLang="en-US"/>
+              <a:t>ターミナルと</a:t>
+            </a:r>
+            <a:r>
+              <a:rPr lang="en-US" altLang="ja-JP"/>
+              <a:t>UNIX</a:t>
+            </a:r>
+            <a:r>
+              <a:rPr lang="ja-JP" altLang="en-US"/>
+              <a:t>コマンド</a:t>
+            </a:r>
             <a:endParaRPr lang="en-US"/>
           </a:p>
         </p:txBody>
       </p:sp>
+      <p:sp>
+        <p:nvSpPr>
+          <p:cNvPr id="4" name="テキスト ボックス 3">
+            <a:extLst>
+              <a:ext uri="{FF2B5EF4-FFF2-40B4-BE49-F238E27FC236}">
+                <a16:creationId xmlns:a16="http://schemas.microsoft.com/office/drawing/2014/main" id="{44D48AF1-401E-4443-9D92-3DDF126BDCCB}"/>
+              </a:ext>
+            </a:extLst>
+          </p:cNvPr>
+          <p:cNvSpPr txBox="1"/>
+          <p:nvPr/>
+        </p:nvSpPr>
+        <p:spPr>
+          <a:xfrm>
+            <a:off x="179512" y="4653136"/>
+            <a:ext cx="8568952" cy="1815882"/>
+          </a:xfrm>
+          <a:prstGeom prst="rect">
+            <a:avLst/>
+          </a:prstGeom>
+          <a:noFill/>
+        </p:spPr>
+        <p:txBody>
+          <a:bodyPr wrap="square" rtlCol="0">
+            <a:spAutoFit/>
+          </a:bodyPr>
+          <a:lstStyle/>
+          <a:p>
+            <a:r>
+              <a:rPr lang="ja-JP" altLang="en-US" sz="2800"/>
+              <a:t>本講義では、</a:t>
+            </a:r>
+            <a:r>
+              <a:rPr lang="en-US" altLang="ja-JP" sz="2800"/>
+              <a:t>Git</a:t>
+            </a:r>
+            <a:r>
+              <a:rPr lang="ja-JP" altLang="en-US" sz="2800"/>
+              <a:t>を「</a:t>
+            </a:r>
+            <a:r>
+              <a:rPr lang="en-US" altLang="ja-JP" sz="2800"/>
+              <a:t>Git Bash</a:t>
+            </a:r>
+            <a:r>
+              <a:rPr lang="ja-JP" altLang="en-US" sz="2800"/>
+              <a:t>」から操作する</a:t>
+            </a:r>
+            <a:endParaRPr lang="en-US" altLang="ja-JP" sz="2800"/>
+          </a:p>
+          <a:p>
+            <a:r>
+              <a:rPr lang="en-US" altLang="ja-JP" sz="2800"/>
+              <a:t>Git Bash</a:t>
+            </a:r>
+            <a:r>
+              <a:rPr lang="ja-JP" altLang="en-US" sz="2800"/>
+              <a:t>は</a:t>
+            </a:r>
+            <a:r>
+              <a:rPr lang="en-US" altLang="ja-JP" sz="2800"/>
+              <a:t>Windows</a:t>
+            </a:r>
+            <a:r>
+              <a:rPr lang="ja-JP" altLang="en-US" sz="2800"/>
+              <a:t>上で</a:t>
+            </a:r>
+            <a:r>
+              <a:rPr lang="en-US" altLang="ja-JP" sz="2800"/>
+              <a:t>UNIX</a:t>
+            </a:r>
+            <a:r>
+              <a:rPr lang="ja-JP" altLang="en-US" sz="2800"/>
+              <a:t>ベースの</a:t>
+            </a:r>
+            <a:r>
+              <a:rPr lang="ja-JP" altLang="en-US" sz="2800">
+                <a:solidFill>
+                  <a:srgbClr val="011893"/>
+                </a:solidFill>
+              </a:rPr>
+              <a:t>ターミナル</a:t>
+            </a:r>
+            <a:r>
+              <a:rPr lang="ja-JP" altLang="en-US" sz="2800"/>
+              <a:t>を実現するソフトウェア</a:t>
+            </a:r>
+            <a:endParaRPr lang="en-US" altLang="ja-JP" sz="2800"/>
+          </a:p>
+          <a:p>
+            <a:r>
+              <a:rPr lang="en-US" altLang="ja-JP" sz="2800"/>
+              <a:t>Bash</a:t>
+            </a:r>
+            <a:r>
+              <a:rPr lang="ja-JP" altLang="en-US" sz="2800"/>
+              <a:t>は</a:t>
+            </a:r>
+            <a:r>
+              <a:rPr lang="ja-JP" altLang="en-US" sz="2800">
+                <a:solidFill>
+                  <a:srgbClr val="011893"/>
+                </a:solidFill>
+              </a:rPr>
+              <a:t>シェル</a:t>
+            </a:r>
+            <a:r>
+              <a:rPr lang="ja-JP" altLang="en-US" sz="2800"/>
+              <a:t>の一種であり、コマンドを受け付ける</a:t>
+            </a:r>
+            <a:endParaRPr lang="en-US" altLang="ja-JP" sz="2800"/>
+          </a:p>
+        </p:txBody>
+      </p:sp>
+      <p:pic>
+        <p:nvPicPr>
+          <p:cNvPr id="5" name="図 4">
+            <a:extLst>
+              <a:ext uri="{FF2B5EF4-FFF2-40B4-BE49-F238E27FC236}">
+                <a16:creationId xmlns:a16="http://schemas.microsoft.com/office/drawing/2014/main" id="{ADEC3768-42E7-49F4-B0B2-BA629F45286D}"/>
+              </a:ext>
+            </a:extLst>
+          </p:cNvPr>
+          <p:cNvPicPr>
+            <a:picLocks noChangeAspect="1"/>
+          </p:cNvPicPr>
+          <p:nvPr/>
+        </p:nvPicPr>
+        <p:blipFill>
+          <a:blip r:embed="rId2"/>
+          <a:stretch>
+            <a:fillRect/>
+          </a:stretch>
+        </p:blipFill>
+        <p:spPr>
+          <a:xfrm>
+            <a:off x="1331640" y="908720"/>
+            <a:ext cx="6255695" cy="3456384"/>
+          </a:xfrm>
+          <a:prstGeom prst="rect">
+            <a:avLst/>
+          </a:prstGeom>
+        </p:spPr>
+      </p:pic>
     </p:spTree>
     <p:extLst>
       <p:ext uri="{BB962C8B-B14F-4D97-AF65-F5344CB8AC3E}">
         <p14:creationId xmlns:p14="http://schemas.microsoft.com/office/powerpoint/2010/main" val="3952994675"/>
+      </p:ext>
+    </p:extLst>
+  </p:cSld>
+  <p:clrMapOvr>
+    <a:masterClrMapping/>
+  </p:clrMapOvr>
+</p:sld>
+</file>
+
+<file path=ppt/slides/slide7.xml><?xml version="1.0" encoding="utf-8"?>
+<p:sld xmlns:a="http://schemas.openxmlformats.org/drawingml/2006/main" xmlns:r="http://schemas.openxmlformats.org/officeDocument/2006/relationships" xmlns:p="http://schemas.openxmlformats.org/presentationml/2006/main">
+  <p:cSld>
+    <p:spTree>
+      <p:nvGrpSpPr>
+        <p:cNvPr id="1" name=""/>
+        <p:cNvGrpSpPr/>
+        <p:nvPr/>
+      </p:nvGrpSpPr>
+      <p:grpSpPr>
+        <a:xfrm>
+          <a:off x="0" y="0"/>
+          <a:ext cx="0" cy="0"/>
+          <a:chOff x="0" y="0"/>
+          <a:chExt cx="0" cy="0"/>
+        </a:xfrm>
+      </p:grpSpPr>
+      <p:sp>
+        <p:nvSpPr>
+          <p:cNvPr id="2" name="テキスト プレースホルダー 1">
+            <a:extLst>
+              <a:ext uri="{FF2B5EF4-FFF2-40B4-BE49-F238E27FC236}">
+                <a16:creationId xmlns:a16="http://schemas.microsoft.com/office/drawing/2014/main" id="{800B2F69-5C99-4388-8F13-0FB2C6D3B467}"/>
+              </a:ext>
+            </a:extLst>
+          </p:cNvPr>
+          <p:cNvSpPr>
+            <a:spLocks noGrp="1"/>
+          </p:cNvSpPr>
+          <p:nvPr>
+            <p:ph type="body" sz="quarter" idx="10"/>
+          </p:nvPr>
+        </p:nvSpPr>
+        <p:spPr/>
+        <p:txBody>
+          <a:bodyPr/>
+          <a:lstStyle/>
+          <a:p>
+            <a:r>
+              <a:rPr lang="ja-JP" altLang="en-US"/>
+              <a:t>オペレーティングシステムとシェル</a:t>
+            </a:r>
+            <a:endParaRPr lang="en-US"/>
+          </a:p>
+        </p:txBody>
+      </p:sp>
+      <p:pic>
+        <p:nvPicPr>
+          <p:cNvPr id="3" name="Picture 2" descr="ハードディスクのイラスト（コンピューター）">
+            <a:extLst>
+              <a:ext uri="{FF2B5EF4-FFF2-40B4-BE49-F238E27FC236}">
+                <a16:creationId xmlns:a16="http://schemas.microsoft.com/office/drawing/2014/main" id="{8049A398-9DA0-4FC1-8DC2-BA3CBF462685}"/>
+              </a:ext>
+            </a:extLst>
+          </p:cNvPr>
+          <p:cNvPicPr>
+            <a:picLocks noChangeAspect="1" noChangeArrowheads="1"/>
+          </p:cNvPicPr>
+          <p:nvPr/>
+        </p:nvPicPr>
+        <p:blipFill>
+          <a:blip r:embed="rId2" cstate="print">
+            <a:extLst>
+              <a:ext uri="{28A0092B-C50C-407E-A947-70E740481C1C}">
+                <a14:useLocalDpi xmlns:a14="http://schemas.microsoft.com/office/drawing/2010/main" val="0"/>
+              </a:ext>
+            </a:extLst>
+          </a:blip>
+          <a:srcRect/>
+          <a:stretch>
+            <a:fillRect/>
+          </a:stretch>
+        </p:blipFill>
+        <p:spPr bwMode="auto">
+          <a:xfrm>
+            <a:off x="7236296" y="4581128"/>
+            <a:ext cx="1080120" cy="982909"/>
+          </a:xfrm>
+          <a:prstGeom prst="rect">
+            <a:avLst/>
+          </a:prstGeom>
+          <a:noFill/>
+          <a:extLst>
+            <a:ext uri="{909E8E84-426E-40DD-AFC4-6F175D3DCCD1}">
+              <a14:hiddenFill xmlns:a14="http://schemas.microsoft.com/office/drawing/2010/main">
+                <a:solidFill>
+                  <a:srgbClr val="FFFFFF"/>
+                </a:solidFill>
+              </a14:hiddenFill>
+            </a:ext>
+          </a:extLst>
+        </p:spPr>
+      </p:pic>
+      <p:pic>
+        <p:nvPicPr>
+          <p:cNvPr id="4" name="Picture 2" descr="SSDのイラスト（コンピューター）">
+            <a:extLst>
+              <a:ext uri="{FF2B5EF4-FFF2-40B4-BE49-F238E27FC236}">
+                <a16:creationId xmlns:a16="http://schemas.microsoft.com/office/drawing/2014/main" id="{DCE1B45D-BB42-40A5-B757-B1B06CDE6328}"/>
+              </a:ext>
+            </a:extLst>
+          </p:cNvPr>
+          <p:cNvPicPr>
+            <a:picLocks noChangeAspect="1" noChangeArrowheads="1"/>
+          </p:cNvPicPr>
+          <p:nvPr/>
+        </p:nvPicPr>
+        <p:blipFill>
+          <a:blip r:embed="rId3" cstate="print">
+            <a:extLst>
+              <a:ext uri="{28A0092B-C50C-407E-A947-70E740481C1C}">
+                <a14:useLocalDpi xmlns:a14="http://schemas.microsoft.com/office/drawing/2010/main" val="0"/>
+              </a:ext>
+            </a:extLst>
+          </a:blip>
+          <a:srcRect/>
+          <a:stretch>
+            <a:fillRect/>
+          </a:stretch>
+        </p:blipFill>
+        <p:spPr bwMode="auto">
+          <a:xfrm>
+            <a:off x="7164288" y="5661248"/>
+            <a:ext cx="1112911" cy="957104"/>
+          </a:xfrm>
+          <a:prstGeom prst="rect">
+            <a:avLst/>
+          </a:prstGeom>
+          <a:noFill/>
+          <a:extLst>
+            <a:ext uri="{909E8E84-426E-40DD-AFC4-6F175D3DCCD1}">
+              <a14:hiddenFill xmlns:a14="http://schemas.microsoft.com/office/drawing/2010/main">
+                <a:solidFill>
+                  <a:srgbClr val="FFFFFF"/>
+                </a:solidFill>
+              </a14:hiddenFill>
+            </a:ext>
+          </a:extLst>
+        </p:spPr>
+      </p:pic>
+      <p:pic>
+        <p:nvPicPr>
+          <p:cNvPr id="5" name="Picture 4" descr="玩具のロボットのイラスト（青）">
+            <a:extLst>
+              <a:ext uri="{FF2B5EF4-FFF2-40B4-BE49-F238E27FC236}">
+                <a16:creationId xmlns:a16="http://schemas.microsoft.com/office/drawing/2014/main" id="{4F841615-E723-45AC-9F56-5BD156C96AD9}"/>
+              </a:ext>
+            </a:extLst>
+          </p:cNvPr>
+          <p:cNvPicPr>
+            <a:picLocks noChangeAspect="1" noChangeArrowheads="1"/>
+          </p:cNvPicPr>
+          <p:nvPr/>
+        </p:nvPicPr>
+        <p:blipFill>
+          <a:blip r:embed="rId4">
+            <a:extLst>
+              <a:ext uri="{28A0092B-C50C-407E-A947-70E740481C1C}">
+                <a14:useLocalDpi xmlns:a14="http://schemas.microsoft.com/office/drawing/2010/main" val="0"/>
+              </a:ext>
+            </a:extLst>
+          </a:blip>
+          <a:srcRect/>
+          <a:stretch>
+            <a:fillRect/>
+          </a:stretch>
+        </p:blipFill>
+        <p:spPr bwMode="auto">
+          <a:xfrm>
+            <a:off x="4644008" y="4581128"/>
+            <a:ext cx="1448685" cy="1766689"/>
+          </a:xfrm>
+          <a:prstGeom prst="rect">
+            <a:avLst/>
+          </a:prstGeom>
+          <a:noFill/>
+          <a:extLst>
+            <a:ext uri="{909E8E84-426E-40DD-AFC4-6F175D3DCCD1}">
+              <a14:hiddenFill xmlns:a14="http://schemas.microsoft.com/office/drawing/2010/main">
+                <a:solidFill>
+                  <a:srgbClr val="FFFFFF"/>
+                </a:solidFill>
+              </a14:hiddenFill>
+            </a:ext>
+          </a:extLst>
+        </p:spPr>
+      </p:pic>
+      <p:pic>
+        <p:nvPicPr>
+          <p:cNvPr id="6" name="Picture 6" descr="会社の受付のイラスト（男性）">
+            <a:extLst>
+              <a:ext uri="{FF2B5EF4-FFF2-40B4-BE49-F238E27FC236}">
+                <a16:creationId xmlns:a16="http://schemas.microsoft.com/office/drawing/2014/main" id="{AC8ABBC3-6E5E-4B3F-AFAD-D94D44DA5CF0}"/>
+              </a:ext>
+            </a:extLst>
+          </p:cNvPr>
+          <p:cNvPicPr>
+            <a:picLocks noChangeAspect="1" noChangeArrowheads="1"/>
+          </p:cNvPicPr>
+          <p:nvPr/>
+        </p:nvPicPr>
+        <p:blipFill>
+          <a:blip r:embed="rId5" cstate="print">
+            <a:extLst>
+              <a:ext uri="{28A0092B-C50C-407E-A947-70E740481C1C}">
+                <a14:useLocalDpi xmlns:a14="http://schemas.microsoft.com/office/drawing/2010/main" val="0"/>
+              </a:ext>
+            </a:extLst>
+          </a:blip>
+          <a:srcRect/>
+          <a:stretch>
+            <a:fillRect/>
+          </a:stretch>
+        </p:blipFill>
+        <p:spPr bwMode="auto">
+          <a:xfrm>
+            <a:off x="2627784" y="4653136"/>
+            <a:ext cx="1449521" cy="1584176"/>
+          </a:xfrm>
+          <a:prstGeom prst="rect">
+            <a:avLst/>
+          </a:prstGeom>
+          <a:noFill/>
+          <a:extLst>
+            <a:ext uri="{909E8E84-426E-40DD-AFC4-6F175D3DCCD1}">
+              <a14:hiddenFill xmlns:a14="http://schemas.microsoft.com/office/drawing/2010/main">
+                <a:solidFill>
+                  <a:srgbClr val="FFFFFF"/>
+                </a:solidFill>
+              </a14:hiddenFill>
+            </a:ext>
+          </a:extLst>
+        </p:spPr>
+      </p:pic>
+      <p:pic>
+        <p:nvPicPr>
+          <p:cNvPr id="7" name="Picture 8" descr="携帯電話で話す人のイラスト（女性）">
+            <a:extLst>
+              <a:ext uri="{FF2B5EF4-FFF2-40B4-BE49-F238E27FC236}">
+                <a16:creationId xmlns:a16="http://schemas.microsoft.com/office/drawing/2014/main" id="{F283AEC1-3692-43A7-B03A-A1D3645CA32A}"/>
+              </a:ext>
+            </a:extLst>
+          </p:cNvPr>
+          <p:cNvPicPr>
+            <a:picLocks noChangeAspect="1" noChangeArrowheads="1"/>
+          </p:cNvPicPr>
+          <p:nvPr/>
+        </p:nvPicPr>
+        <p:blipFill>
+          <a:blip r:embed="rId6">
+            <a:extLst>
+              <a:ext uri="{28A0092B-C50C-407E-A947-70E740481C1C}">
+                <a14:useLocalDpi xmlns:a14="http://schemas.microsoft.com/office/drawing/2010/main" val="0"/>
+              </a:ext>
+            </a:extLst>
+          </a:blip>
+          <a:srcRect/>
+          <a:stretch>
+            <a:fillRect/>
+          </a:stretch>
+        </p:blipFill>
+        <p:spPr bwMode="auto">
+          <a:xfrm>
+            <a:off x="683568" y="4829522"/>
+            <a:ext cx="817985" cy="1191766"/>
+          </a:xfrm>
+          <a:prstGeom prst="rect">
+            <a:avLst/>
+          </a:prstGeom>
+          <a:noFill/>
+          <a:extLst>
+            <a:ext uri="{909E8E84-426E-40DD-AFC4-6F175D3DCCD1}">
+              <a14:hiddenFill xmlns:a14="http://schemas.microsoft.com/office/drawing/2010/main">
+                <a:solidFill>
+                  <a:srgbClr val="FFFFFF"/>
+                </a:solidFill>
+              </a14:hiddenFill>
+            </a:ext>
+          </a:extLst>
+        </p:spPr>
+      </p:pic>
+      <p:sp>
+        <p:nvSpPr>
+          <p:cNvPr id="8" name="矢印: 右 7">
+            <a:extLst>
+              <a:ext uri="{FF2B5EF4-FFF2-40B4-BE49-F238E27FC236}">
+                <a16:creationId xmlns:a16="http://schemas.microsoft.com/office/drawing/2014/main" id="{A1C6C462-B59F-4DDC-9546-61369AADB669}"/>
+              </a:ext>
+            </a:extLst>
+          </p:cNvPr>
+          <p:cNvSpPr/>
+          <p:nvPr/>
+        </p:nvSpPr>
+        <p:spPr>
+          <a:xfrm>
+            <a:off x="1835696" y="5149190"/>
+            <a:ext cx="576064" cy="512057"/>
+          </a:xfrm>
+          <a:prstGeom prst="rightArrow">
+            <a:avLst/>
+          </a:prstGeom>
+          <a:solidFill>
+            <a:srgbClr val="FF0000"/>
+          </a:solidFill>
+          <a:ln>
+            <a:solidFill>
+              <a:schemeClr val="tx1"/>
+            </a:solidFill>
+          </a:ln>
+        </p:spPr>
+        <p:style>
+          <a:lnRef idx="2">
+            <a:schemeClr val="accent1">
+              <a:shade val="50000"/>
+            </a:schemeClr>
+          </a:lnRef>
+          <a:fillRef idx="1">
+            <a:schemeClr val="accent1"/>
+          </a:fillRef>
+          <a:effectRef idx="0">
+            <a:schemeClr val="accent1"/>
+          </a:effectRef>
+          <a:fontRef idx="minor">
+            <a:schemeClr val="lt1"/>
+          </a:fontRef>
+        </p:style>
+        <p:txBody>
+          <a:bodyPr rtlCol="0" anchor="ctr"/>
+          <a:lstStyle/>
+          <a:p>
+            <a:pPr algn="ctr"/>
+            <a:endParaRPr kumimoji="1" lang="ja-JP" altLang="en-US"/>
+          </a:p>
+        </p:txBody>
+      </p:sp>
+      <p:sp>
+        <p:nvSpPr>
+          <p:cNvPr id="9" name="矢印: 右 8">
+            <a:extLst>
+              <a:ext uri="{FF2B5EF4-FFF2-40B4-BE49-F238E27FC236}">
+                <a16:creationId xmlns:a16="http://schemas.microsoft.com/office/drawing/2014/main" id="{F43FDD5E-CAD4-4669-833F-ADAC20DBCBAA}"/>
+              </a:ext>
+            </a:extLst>
+          </p:cNvPr>
+          <p:cNvSpPr/>
+          <p:nvPr/>
+        </p:nvSpPr>
+        <p:spPr>
+          <a:xfrm>
+            <a:off x="4067944" y="5157192"/>
+            <a:ext cx="576064" cy="512057"/>
+          </a:xfrm>
+          <a:prstGeom prst="rightArrow">
+            <a:avLst/>
+          </a:prstGeom>
+          <a:solidFill>
+            <a:srgbClr val="FF0000"/>
+          </a:solidFill>
+          <a:ln>
+            <a:solidFill>
+              <a:schemeClr val="tx1"/>
+            </a:solidFill>
+          </a:ln>
+        </p:spPr>
+        <p:style>
+          <a:lnRef idx="2">
+            <a:schemeClr val="accent1">
+              <a:shade val="50000"/>
+            </a:schemeClr>
+          </a:lnRef>
+          <a:fillRef idx="1">
+            <a:schemeClr val="accent1"/>
+          </a:fillRef>
+          <a:effectRef idx="0">
+            <a:schemeClr val="accent1"/>
+          </a:effectRef>
+          <a:fontRef idx="minor">
+            <a:schemeClr val="lt1"/>
+          </a:fontRef>
+        </p:style>
+        <p:txBody>
+          <a:bodyPr rtlCol="0" anchor="ctr"/>
+          <a:lstStyle/>
+          <a:p>
+            <a:pPr algn="ctr"/>
+            <a:endParaRPr kumimoji="1" lang="ja-JP" altLang="en-US"/>
+          </a:p>
+        </p:txBody>
+      </p:sp>
+      <p:sp>
+        <p:nvSpPr>
+          <p:cNvPr id="10" name="矢印: 右 9">
+            <a:extLst>
+              <a:ext uri="{FF2B5EF4-FFF2-40B4-BE49-F238E27FC236}">
+                <a16:creationId xmlns:a16="http://schemas.microsoft.com/office/drawing/2014/main" id="{104B1DAE-C7EA-4907-898A-7D9982487C2A}"/>
+              </a:ext>
+            </a:extLst>
+          </p:cNvPr>
+          <p:cNvSpPr/>
+          <p:nvPr/>
+        </p:nvSpPr>
+        <p:spPr>
+          <a:xfrm>
+            <a:off x="6228184" y="5149191"/>
+            <a:ext cx="576064" cy="512057"/>
+          </a:xfrm>
+          <a:prstGeom prst="rightArrow">
+            <a:avLst/>
+          </a:prstGeom>
+          <a:solidFill>
+            <a:srgbClr val="FF0000"/>
+          </a:solidFill>
+          <a:ln>
+            <a:solidFill>
+              <a:schemeClr val="tx1"/>
+            </a:solidFill>
+          </a:ln>
+        </p:spPr>
+        <p:style>
+          <a:lnRef idx="2">
+            <a:schemeClr val="accent1">
+              <a:shade val="50000"/>
+            </a:schemeClr>
+          </a:lnRef>
+          <a:fillRef idx="1">
+            <a:schemeClr val="accent1"/>
+          </a:fillRef>
+          <a:effectRef idx="0">
+            <a:schemeClr val="accent1"/>
+          </a:effectRef>
+          <a:fontRef idx="minor">
+            <a:schemeClr val="lt1"/>
+          </a:fontRef>
+        </p:style>
+        <p:txBody>
+          <a:bodyPr rtlCol="0" anchor="ctr"/>
+          <a:lstStyle/>
+          <a:p>
+            <a:pPr algn="ctr"/>
+            <a:endParaRPr kumimoji="1" lang="ja-JP" altLang="en-US"/>
+          </a:p>
+        </p:txBody>
+      </p:sp>
+      <p:sp>
+        <p:nvSpPr>
+          <p:cNvPr id="11" name="テキスト ボックス 10">
+            <a:extLst>
+              <a:ext uri="{FF2B5EF4-FFF2-40B4-BE49-F238E27FC236}">
+                <a16:creationId xmlns:a16="http://schemas.microsoft.com/office/drawing/2014/main" id="{25971031-6917-4146-BD15-A8AB0A544E90}"/>
+              </a:ext>
+            </a:extLst>
+          </p:cNvPr>
+          <p:cNvSpPr txBox="1"/>
+          <p:nvPr/>
+        </p:nvSpPr>
+        <p:spPr>
+          <a:xfrm>
+            <a:off x="6890772" y="4078813"/>
+            <a:ext cx="1569660" cy="369332"/>
+          </a:xfrm>
+          <a:prstGeom prst="rect">
+            <a:avLst/>
+          </a:prstGeom>
+          <a:noFill/>
+        </p:spPr>
+        <p:txBody>
+          <a:bodyPr wrap="none" rtlCol="0">
+            <a:spAutoFit/>
+          </a:bodyPr>
+          <a:lstStyle/>
+          <a:p>
+            <a:r>
+              <a:rPr lang="ja-JP" altLang="en-US"/>
+              <a:t>ハードウェア</a:t>
+            </a:r>
+            <a:endParaRPr kumimoji="1" lang="ja-JP" altLang="en-US"/>
+          </a:p>
+        </p:txBody>
+      </p:sp>
+      <p:sp>
+        <p:nvSpPr>
+          <p:cNvPr id="12" name="テキスト ボックス 11">
+            <a:extLst>
+              <a:ext uri="{FF2B5EF4-FFF2-40B4-BE49-F238E27FC236}">
+                <a16:creationId xmlns:a16="http://schemas.microsoft.com/office/drawing/2014/main" id="{D7DC9C8B-923B-4128-9A34-354C1CA19216}"/>
+              </a:ext>
+            </a:extLst>
+          </p:cNvPr>
+          <p:cNvSpPr txBox="1"/>
+          <p:nvPr/>
+        </p:nvSpPr>
+        <p:spPr>
+          <a:xfrm>
+            <a:off x="4499992" y="4078813"/>
+            <a:ext cx="2031325" cy="646331"/>
+          </a:xfrm>
+          <a:prstGeom prst="rect">
+            <a:avLst/>
+          </a:prstGeom>
+          <a:noFill/>
+        </p:spPr>
+        <p:txBody>
+          <a:bodyPr wrap="none" rtlCol="0">
+            <a:spAutoFit/>
+          </a:bodyPr>
+          <a:lstStyle/>
+          <a:p>
+            <a:r>
+              <a:rPr lang="ja-JP" altLang="en-US"/>
+              <a:t>オペレーティング</a:t>
+            </a:r>
+            <a:endParaRPr lang="en-US" altLang="ja-JP"/>
+          </a:p>
+          <a:p>
+            <a:r>
+              <a:rPr lang="ja-JP" altLang="en-US"/>
+              <a:t>システム</a:t>
+            </a:r>
+            <a:endParaRPr kumimoji="1" lang="ja-JP" altLang="en-US"/>
+          </a:p>
+        </p:txBody>
+      </p:sp>
+      <p:sp>
+        <p:nvSpPr>
+          <p:cNvPr id="13" name="テキスト ボックス 12">
+            <a:extLst>
+              <a:ext uri="{FF2B5EF4-FFF2-40B4-BE49-F238E27FC236}">
+                <a16:creationId xmlns:a16="http://schemas.microsoft.com/office/drawing/2014/main" id="{C2AF2E32-E61D-494F-A14A-2261204F92F9}"/>
+              </a:ext>
+            </a:extLst>
+          </p:cNvPr>
+          <p:cNvSpPr txBox="1"/>
+          <p:nvPr/>
+        </p:nvSpPr>
+        <p:spPr>
+          <a:xfrm>
+            <a:off x="2843808" y="4222829"/>
+            <a:ext cx="877163" cy="369332"/>
+          </a:xfrm>
+          <a:prstGeom prst="rect">
+            <a:avLst/>
+          </a:prstGeom>
+          <a:noFill/>
+        </p:spPr>
+        <p:txBody>
+          <a:bodyPr wrap="none" rtlCol="0">
+            <a:spAutoFit/>
+          </a:bodyPr>
+          <a:lstStyle/>
+          <a:p>
+            <a:r>
+              <a:rPr kumimoji="1" lang="ja-JP" altLang="en-US"/>
+              <a:t>シェル</a:t>
+            </a:r>
+          </a:p>
+        </p:txBody>
+      </p:sp>
+      <p:sp>
+        <p:nvSpPr>
+          <p:cNvPr id="14" name="テキスト ボックス 13">
+            <a:extLst>
+              <a:ext uri="{FF2B5EF4-FFF2-40B4-BE49-F238E27FC236}">
+                <a16:creationId xmlns:a16="http://schemas.microsoft.com/office/drawing/2014/main" id="{F10993C9-B2CB-4E4E-81C6-DE088E98534D}"/>
+              </a:ext>
+            </a:extLst>
+          </p:cNvPr>
+          <p:cNvSpPr txBox="1"/>
+          <p:nvPr/>
+        </p:nvSpPr>
+        <p:spPr>
+          <a:xfrm>
+            <a:off x="683568" y="4255199"/>
+            <a:ext cx="877163" cy="369332"/>
+          </a:xfrm>
+          <a:prstGeom prst="rect">
+            <a:avLst/>
+          </a:prstGeom>
+          <a:noFill/>
+        </p:spPr>
+        <p:txBody>
+          <a:bodyPr wrap="none" rtlCol="0">
+            <a:spAutoFit/>
+          </a:bodyPr>
+          <a:lstStyle/>
+          <a:p>
+            <a:r>
+              <a:rPr lang="ja-JP" altLang="en-US"/>
+              <a:t>ユーザ</a:t>
+            </a:r>
+            <a:endParaRPr kumimoji="1" lang="ja-JP" altLang="en-US"/>
+          </a:p>
+        </p:txBody>
+      </p:sp>
+      <p:sp>
+        <p:nvSpPr>
+          <p:cNvPr id="23" name="テキスト ボックス 22">
+            <a:extLst>
+              <a:ext uri="{FF2B5EF4-FFF2-40B4-BE49-F238E27FC236}">
+                <a16:creationId xmlns:a16="http://schemas.microsoft.com/office/drawing/2014/main" id="{05E139B7-D4A1-49DE-8EC1-3ACA78CBBF16}"/>
+              </a:ext>
+            </a:extLst>
+          </p:cNvPr>
+          <p:cNvSpPr txBox="1"/>
+          <p:nvPr/>
+        </p:nvSpPr>
+        <p:spPr>
+          <a:xfrm>
+            <a:off x="251520" y="1196752"/>
+            <a:ext cx="7245894" cy="461665"/>
+          </a:xfrm>
+          <a:prstGeom prst="rect">
+            <a:avLst/>
+          </a:prstGeom>
+          <a:noFill/>
+        </p:spPr>
+        <p:txBody>
+          <a:bodyPr wrap="none" rtlCol="0">
+            <a:spAutoFit/>
+          </a:bodyPr>
+          <a:lstStyle/>
+          <a:p>
+            <a:r>
+              <a:rPr lang="ja-JP" altLang="en-US" sz="2400">
+                <a:solidFill>
+                  <a:srgbClr val="011893"/>
+                </a:solidFill>
+              </a:rPr>
+              <a:t>オペレーティングシステム</a:t>
+            </a:r>
+            <a:r>
+              <a:rPr lang="en-US" altLang="ja-JP" sz="2400">
+                <a:solidFill>
+                  <a:srgbClr val="011893"/>
+                </a:solidFill>
+              </a:rPr>
+              <a:t> (Operating System, OS)</a:t>
+            </a:r>
+            <a:endParaRPr lang="en-US" sz="2400">
+              <a:solidFill>
+                <a:srgbClr val="011893"/>
+              </a:solidFill>
+            </a:endParaRPr>
+          </a:p>
+        </p:txBody>
+      </p:sp>
+      <p:sp>
+        <p:nvSpPr>
+          <p:cNvPr id="24" name="テキスト ボックス 23">
+            <a:extLst>
+              <a:ext uri="{FF2B5EF4-FFF2-40B4-BE49-F238E27FC236}">
+                <a16:creationId xmlns:a16="http://schemas.microsoft.com/office/drawing/2014/main" id="{B86F7ED0-4325-4A49-8EC7-75ED16A25AEE}"/>
+              </a:ext>
+            </a:extLst>
+          </p:cNvPr>
+          <p:cNvSpPr txBox="1"/>
+          <p:nvPr/>
+        </p:nvSpPr>
+        <p:spPr>
+          <a:xfrm>
+            <a:off x="539552" y="1772816"/>
+            <a:ext cx="8392041" cy="707886"/>
+          </a:xfrm>
+          <a:prstGeom prst="rect">
+            <a:avLst/>
+          </a:prstGeom>
+          <a:noFill/>
+        </p:spPr>
+        <p:txBody>
+          <a:bodyPr wrap="none" rtlCol="0">
+            <a:spAutoFit/>
+          </a:bodyPr>
+          <a:lstStyle/>
+          <a:p>
+            <a:r>
+              <a:rPr lang="ja-JP" altLang="en-US" sz="2000"/>
+              <a:t>ハードウェアを抽象化し、ソフトウェアとハードウェアの仲立ちをする</a:t>
+            </a:r>
+            <a:endParaRPr lang="en-US" altLang="ja-JP" sz="2000"/>
+          </a:p>
+          <a:p>
+            <a:r>
+              <a:rPr lang="en-US" sz="2000"/>
+              <a:t>Windows</a:t>
+            </a:r>
+            <a:r>
+              <a:rPr lang="ja-JP" altLang="en-US" sz="2000"/>
+              <a:t>や</a:t>
+            </a:r>
+            <a:r>
+              <a:rPr lang="en-US" altLang="ja-JP" sz="2000"/>
+              <a:t>Mac</a:t>
+            </a:r>
+            <a:r>
+              <a:rPr lang="ja-JP" altLang="en-US" sz="2000"/>
+              <a:t>、</a:t>
+            </a:r>
+            <a:r>
+              <a:rPr lang="en-US" altLang="ja-JP" sz="2000"/>
+              <a:t>Linux</a:t>
+            </a:r>
+            <a:r>
+              <a:rPr lang="ja-JP" altLang="en-US" sz="2000"/>
+              <a:t>、</a:t>
+            </a:r>
+            <a:r>
+              <a:rPr lang="en-US" altLang="ja-JP" sz="2000"/>
+              <a:t>iOS</a:t>
+            </a:r>
+            <a:r>
+              <a:rPr lang="ja-JP" altLang="en-US" sz="2000"/>
+              <a:t>や</a:t>
+            </a:r>
+            <a:r>
+              <a:rPr lang="en-US" altLang="ja-JP" sz="2000"/>
+              <a:t>Android</a:t>
+            </a:r>
+            <a:r>
+              <a:rPr lang="ja-JP" altLang="en-US" sz="2000"/>
+              <a:t>等</a:t>
+            </a:r>
+            <a:endParaRPr lang="en-US" altLang="ja-JP" sz="2000"/>
+          </a:p>
+        </p:txBody>
+      </p:sp>
+      <p:sp>
+        <p:nvSpPr>
+          <p:cNvPr id="25" name="テキスト ボックス 24">
+            <a:extLst>
+              <a:ext uri="{FF2B5EF4-FFF2-40B4-BE49-F238E27FC236}">
+                <a16:creationId xmlns:a16="http://schemas.microsoft.com/office/drawing/2014/main" id="{D307659E-A8DC-4146-AB2E-05D7C72FCC1D}"/>
+              </a:ext>
+            </a:extLst>
+          </p:cNvPr>
+          <p:cNvSpPr txBox="1"/>
+          <p:nvPr/>
+        </p:nvSpPr>
+        <p:spPr>
+          <a:xfrm>
+            <a:off x="251520" y="2636912"/>
+            <a:ext cx="2084225" cy="461665"/>
+          </a:xfrm>
+          <a:prstGeom prst="rect">
+            <a:avLst/>
+          </a:prstGeom>
+          <a:noFill/>
+        </p:spPr>
+        <p:txBody>
+          <a:bodyPr wrap="none" rtlCol="0">
+            <a:spAutoFit/>
+          </a:bodyPr>
+          <a:lstStyle/>
+          <a:p>
+            <a:r>
+              <a:rPr lang="ja-JP" altLang="en-US" sz="2400">
+                <a:solidFill>
+                  <a:srgbClr val="011893"/>
+                </a:solidFill>
+              </a:rPr>
+              <a:t>シェル</a:t>
+            </a:r>
+            <a:r>
+              <a:rPr lang="en-US" altLang="ja-JP" sz="2400">
+                <a:solidFill>
+                  <a:srgbClr val="011893"/>
+                </a:solidFill>
+              </a:rPr>
+              <a:t> (Shell)</a:t>
+            </a:r>
+            <a:endParaRPr lang="en-US" sz="2400">
+              <a:solidFill>
+                <a:srgbClr val="011893"/>
+              </a:solidFill>
+            </a:endParaRPr>
+          </a:p>
+        </p:txBody>
+      </p:sp>
+      <p:sp>
+        <p:nvSpPr>
+          <p:cNvPr id="26" name="テキスト ボックス 25">
+            <a:extLst>
+              <a:ext uri="{FF2B5EF4-FFF2-40B4-BE49-F238E27FC236}">
+                <a16:creationId xmlns:a16="http://schemas.microsoft.com/office/drawing/2014/main" id="{6323DD72-8E92-4896-A2F5-E8485CB609B2}"/>
+              </a:ext>
+            </a:extLst>
+          </p:cNvPr>
+          <p:cNvSpPr txBox="1"/>
+          <p:nvPr/>
+        </p:nvSpPr>
+        <p:spPr>
+          <a:xfrm>
+            <a:off x="611560" y="3140968"/>
+            <a:ext cx="5854488" cy="707886"/>
+          </a:xfrm>
+          <a:prstGeom prst="rect">
+            <a:avLst/>
+          </a:prstGeom>
+          <a:noFill/>
+        </p:spPr>
+        <p:txBody>
+          <a:bodyPr wrap="none" rtlCol="0">
+            <a:spAutoFit/>
+          </a:bodyPr>
+          <a:lstStyle/>
+          <a:p>
+            <a:r>
+              <a:rPr lang="ja-JP" altLang="en-US" sz="2000"/>
+              <a:t>ユーザと</a:t>
+            </a:r>
+            <a:r>
+              <a:rPr lang="en-US" altLang="ja-JP" sz="2000"/>
+              <a:t>OS(</a:t>
+            </a:r>
+            <a:r>
+              <a:rPr lang="ja-JP" altLang="en-US" sz="2000"/>
+              <a:t>カーネル</a:t>
+            </a:r>
+            <a:r>
+              <a:rPr lang="en-US" altLang="ja-JP" sz="2000"/>
+              <a:t>)</a:t>
+            </a:r>
+            <a:r>
+              <a:rPr lang="ja-JP" altLang="en-US" sz="2000"/>
+              <a:t>の仲立ちをするのがシェル</a:t>
+            </a:r>
+            <a:endParaRPr lang="en-US" altLang="ja-JP" sz="2000"/>
+          </a:p>
+          <a:p>
+            <a:r>
+              <a:rPr lang="ja-JP" altLang="en-US" sz="2000"/>
+              <a:t>ユーザの要望を</a:t>
+            </a:r>
+            <a:r>
+              <a:rPr lang="en-US" altLang="ja-JP" sz="2000"/>
+              <a:t>OS</a:t>
+            </a:r>
+            <a:r>
+              <a:rPr lang="ja-JP" altLang="en-US" sz="2000"/>
+              <a:t>に伝える</a:t>
+            </a:r>
+            <a:endParaRPr lang="en-US" altLang="ja-JP" sz="2000"/>
+          </a:p>
+        </p:txBody>
+      </p:sp>
+    </p:spTree>
+    <p:extLst>
+      <p:ext uri="{BB962C8B-B14F-4D97-AF65-F5344CB8AC3E}">
+        <p14:creationId xmlns:p14="http://schemas.microsoft.com/office/powerpoint/2010/main" val="3968015452"/>
+      </p:ext>
+    </p:extLst>
+  </p:cSld>
+  <p:clrMapOvr>
+    <a:masterClrMapping/>
+  </p:clrMapOvr>
+</p:sld>
+</file>
+
+<file path=ppt/slides/slide8.xml><?xml version="1.0" encoding="utf-8"?>
+<p:sld xmlns:a="http://schemas.openxmlformats.org/drawingml/2006/main" xmlns:r="http://schemas.openxmlformats.org/officeDocument/2006/relationships" xmlns:p="http://schemas.openxmlformats.org/presentationml/2006/main">
+  <p:cSld>
+    <p:spTree>
+      <p:nvGrpSpPr>
+        <p:cNvPr id="1" name=""/>
+        <p:cNvGrpSpPr/>
+        <p:nvPr/>
+      </p:nvGrpSpPr>
+      <p:grpSpPr>
+        <a:xfrm>
+          <a:off x="0" y="0"/>
+          <a:ext cx="0" cy="0"/>
+          <a:chOff x="0" y="0"/>
+          <a:chExt cx="0" cy="0"/>
+        </a:xfrm>
+      </p:grpSpPr>
+      <p:sp>
+        <p:nvSpPr>
+          <p:cNvPr id="2" name="テキスト プレースホルダー 1">
+            <a:extLst>
+              <a:ext uri="{FF2B5EF4-FFF2-40B4-BE49-F238E27FC236}">
+                <a16:creationId xmlns:a16="http://schemas.microsoft.com/office/drawing/2014/main" id="{0B71C7AC-5A63-4992-A87A-DC0B3FCD6CA5}"/>
+              </a:ext>
+            </a:extLst>
+          </p:cNvPr>
+          <p:cNvSpPr>
+            <a:spLocks noGrp="1"/>
+          </p:cNvSpPr>
+          <p:nvPr>
+            <p:ph type="body" sz="quarter" idx="10"/>
+          </p:nvPr>
+        </p:nvSpPr>
+        <p:spPr/>
+        <p:txBody>
+          <a:bodyPr/>
+          <a:lstStyle/>
+          <a:p>
+            <a:r>
+              <a:rPr lang="ja-JP" altLang="en-US"/>
+              <a:t>ディレクトリとパス</a:t>
+            </a:r>
+            <a:endParaRPr lang="en-US"/>
+          </a:p>
+        </p:txBody>
+      </p:sp>
+      <p:sp>
+        <p:nvSpPr>
+          <p:cNvPr id="3" name="テキスト ボックス 2">
+            <a:extLst>
+              <a:ext uri="{FF2B5EF4-FFF2-40B4-BE49-F238E27FC236}">
+                <a16:creationId xmlns:a16="http://schemas.microsoft.com/office/drawing/2014/main" id="{DF4532AE-55DC-4875-805B-5A2D73F3C85D}"/>
+              </a:ext>
+            </a:extLst>
+          </p:cNvPr>
+          <p:cNvSpPr txBox="1"/>
+          <p:nvPr/>
+        </p:nvSpPr>
+        <p:spPr>
+          <a:xfrm>
+            <a:off x="251520" y="1268760"/>
+            <a:ext cx="4118435" cy="523220"/>
+          </a:xfrm>
+          <a:prstGeom prst="rect">
+            <a:avLst/>
+          </a:prstGeom>
+          <a:noFill/>
+        </p:spPr>
+        <p:txBody>
+          <a:bodyPr wrap="none" rtlCol="0">
+            <a:spAutoFit/>
+          </a:bodyPr>
+          <a:lstStyle/>
+          <a:p>
+            <a:r>
+              <a:rPr lang="ja-JP" altLang="en-US" sz="2800">
+                <a:solidFill>
+                  <a:srgbClr val="011893"/>
+                </a:solidFill>
+              </a:rPr>
+              <a:t>ディレクトリ </a:t>
+            </a:r>
+            <a:r>
+              <a:rPr lang="en-US" altLang="ja-JP" sz="2800">
+                <a:solidFill>
+                  <a:srgbClr val="011893"/>
+                </a:solidFill>
+              </a:rPr>
+              <a:t>(Directory)</a:t>
+            </a:r>
+            <a:endParaRPr lang="en-US" sz="2800">
+              <a:solidFill>
+                <a:srgbClr val="011893"/>
+              </a:solidFill>
+            </a:endParaRPr>
+          </a:p>
+        </p:txBody>
+      </p:sp>
+      <p:sp>
+        <p:nvSpPr>
+          <p:cNvPr id="4" name="テキスト ボックス 3">
+            <a:extLst>
+              <a:ext uri="{FF2B5EF4-FFF2-40B4-BE49-F238E27FC236}">
+                <a16:creationId xmlns:a16="http://schemas.microsoft.com/office/drawing/2014/main" id="{420DBF21-99A8-4E36-8506-C9DB7707EDEB}"/>
+              </a:ext>
+            </a:extLst>
+          </p:cNvPr>
+          <p:cNvSpPr txBox="1"/>
+          <p:nvPr/>
+        </p:nvSpPr>
+        <p:spPr>
+          <a:xfrm>
+            <a:off x="827584" y="2060848"/>
+            <a:ext cx="5827236" cy="707886"/>
+          </a:xfrm>
+          <a:prstGeom prst="rect">
+            <a:avLst/>
+          </a:prstGeom>
+          <a:noFill/>
+        </p:spPr>
+        <p:txBody>
+          <a:bodyPr wrap="none" rtlCol="0">
+            <a:spAutoFit/>
+          </a:bodyPr>
+          <a:lstStyle/>
+          <a:p>
+            <a:r>
+              <a:rPr lang="ja-JP" altLang="en-US" sz="2000"/>
+              <a:t>複数のファイルをまとめるフォルダのこと</a:t>
+            </a:r>
+            <a:endParaRPr lang="en-US" altLang="ja-JP" sz="2000"/>
+          </a:p>
+          <a:p>
+            <a:r>
+              <a:rPr lang="ja-JP" altLang="en-US" sz="2000"/>
+              <a:t>以後、フォルダのことを「ディレクトリ」と呼ぶ</a:t>
+            </a:r>
+            <a:endParaRPr lang="en-US" sz="2000"/>
+          </a:p>
+        </p:txBody>
+      </p:sp>
+      <p:sp>
+        <p:nvSpPr>
+          <p:cNvPr id="5" name="テキスト ボックス 4">
+            <a:extLst>
+              <a:ext uri="{FF2B5EF4-FFF2-40B4-BE49-F238E27FC236}">
+                <a16:creationId xmlns:a16="http://schemas.microsoft.com/office/drawing/2014/main" id="{69E3F4DA-A802-46E3-9A39-EC7BF50E8E3A}"/>
+              </a:ext>
+            </a:extLst>
+          </p:cNvPr>
+          <p:cNvSpPr txBox="1"/>
+          <p:nvPr/>
+        </p:nvSpPr>
+        <p:spPr>
+          <a:xfrm>
+            <a:off x="251520" y="3068960"/>
+            <a:ext cx="6854762" cy="523220"/>
+          </a:xfrm>
+          <a:prstGeom prst="rect">
+            <a:avLst/>
+          </a:prstGeom>
+          <a:noFill/>
+        </p:spPr>
+        <p:txBody>
+          <a:bodyPr wrap="none" rtlCol="0">
+            <a:spAutoFit/>
+          </a:bodyPr>
+          <a:lstStyle/>
+          <a:p>
+            <a:r>
+              <a:rPr lang="ja-JP" altLang="en-US" sz="2800">
+                <a:solidFill>
+                  <a:srgbClr val="011893"/>
+                </a:solidFill>
+              </a:rPr>
+              <a:t>カレントディレクトリ </a:t>
+            </a:r>
+            <a:r>
+              <a:rPr lang="en-US" altLang="ja-JP" sz="2800">
+                <a:solidFill>
+                  <a:srgbClr val="011893"/>
+                </a:solidFill>
+              </a:rPr>
+              <a:t>(Current Directory)</a:t>
+            </a:r>
+            <a:endParaRPr lang="en-US" sz="2800">
+              <a:solidFill>
+                <a:srgbClr val="011893"/>
+              </a:solidFill>
+            </a:endParaRPr>
+          </a:p>
+        </p:txBody>
+      </p:sp>
+      <p:sp>
+        <p:nvSpPr>
+          <p:cNvPr id="7" name="テキスト ボックス 6">
+            <a:extLst>
+              <a:ext uri="{FF2B5EF4-FFF2-40B4-BE49-F238E27FC236}">
+                <a16:creationId xmlns:a16="http://schemas.microsoft.com/office/drawing/2014/main" id="{AFA7DFCD-C75B-4F2E-BAC5-FC4AC5AD37A4}"/>
+              </a:ext>
+            </a:extLst>
+          </p:cNvPr>
+          <p:cNvSpPr txBox="1"/>
+          <p:nvPr/>
+        </p:nvSpPr>
+        <p:spPr>
+          <a:xfrm>
+            <a:off x="827584" y="3717032"/>
+            <a:ext cx="6782626" cy="1015663"/>
+          </a:xfrm>
+          <a:prstGeom prst="rect">
+            <a:avLst/>
+          </a:prstGeom>
+          <a:noFill/>
+        </p:spPr>
+        <p:txBody>
+          <a:bodyPr wrap="none" rtlCol="0">
+            <a:spAutoFit/>
+          </a:bodyPr>
+          <a:lstStyle/>
+          <a:p>
+            <a:r>
+              <a:rPr lang="ja-JP" altLang="en-US" sz="2000"/>
+              <a:t>ワーキングディレクトリとも</a:t>
+            </a:r>
+            <a:endParaRPr lang="en-US" altLang="ja-JP" sz="2000"/>
+          </a:p>
+          <a:p>
+            <a:r>
+              <a:rPr lang="ja-JP" altLang="en-US" sz="2000"/>
+              <a:t>「現在自分が見ているディレクトリ」のこと</a:t>
+            </a:r>
+            <a:endParaRPr lang="en-US" altLang="ja-JP" sz="2000"/>
+          </a:p>
+          <a:p>
+            <a:r>
+              <a:rPr lang="en-US" sz="2000"/>
+              <a:t>CUI</a:t>
+            </a:r>
+            <a:r>
+              <a:rPr lang="ja-JP" altLang="en-US" sz="2000"/>
+              <a:t>だとどこにいるかわからなくなる場合があるので注意</a:t>
+            </a:r>
+            <a:endParaRPr lang="en-US" altLang="ja-JP" sz="2000"/>
+          </a:p>
+        </p:txBody>
+      </p:sp>
+      <p:sp>
+        <p:nvSpPr>
+          <p:cNvPr id="8" name="テキスト ボックス 7">
+            <a:extLst>
+              <a:ext uri="{FF2B5EF4-FFF2-40B4-BE49-F238E27FC236}">
+                <a16:creationId xmlns:a16="http://schemas.microsoft.com/office/drawing/2014/main" id="{BE724DE6-1053-44C9-AE3B-9F877354D1E2}"/>
+              </a:ext>
+            </a:extLst>
+          </p:cNvPr>
+          <p:cNvSpPr txBox="1"/>
+          <p:nvPr/>
+        </p:nvSpPr>
+        <p:spPr>
+          <a:xfrm>
+            <a:off x="260977" y="4881354"/>
+            <a:ext cx="6255239" cy="523220"/>
+          </a:xfrm>
+          <a:prstGeom prst="rect">
+            <a:avLst/>
+          </a:prstGeom>
+          <a:noFill/>
+        </p:spPr>
+        <p:txBody>
+          <a:bodyPr wrap="none" rtlCol="0">
+            <a:spAutoFit/>
+          </a:bodyPr>
+          <a:lstStyle/>
+          <a:p>
+            <a:r>
+              <a:rPr lang="ja-JP" altLang="en-US" sz="2800">
+                <a:solidFill>
+                  <a:srgbClr val="011893"/>
+                </a:solidFill>
+              </a:rPr>
+              <a:t>ホームディレクトリ </a:t>
+            </a:r>
+            <a:r>
+              <a:rPr lang="en-US" altLang="ja-JP" sz="2800">
+                <a:solidFill>
+                  <a:srgbClr val="011893"/>
+                </a:solidFill>
+              </a:rPr>
+              <a:t>(Home Directory)</a:t>
+            </a:r>
+            <a:endParaRPr lang="en-US" sz="2800">
+              <a:solidFill>
+                <a:srgbClr val="011893"/>
+              </a:solidFill>
+            </a:endParaRPr>
+          </a:p>
+        </p:txBody>
+      </p:sp>
+      <p:sp>
+        <p:nvSpPr>
+          <p:cNvPr id="9" name="テキスト ボックス 8">
+            <a:extLst>
+              <a:ext uri="{FF2B5EF4-FFF2-40B4-BE49-F238E27FC236}">
+                <a16:creationId xmlns:a16="http://schemas.microsoft.com/office/drawing/2014/main" id="{D27FE641-25D4-475B-B1D1-C4B8D088DE5B}"/>
+              </a:ext>
+            </a:extLst>
+          </p:cNvPr>
+          <p:cNvSpPr txBox="1"/>
+          <p:nvPr/>
+        </p:nvSpPr>
+        <p:spPr>
+          <a:xfrm>
+            <a:off x="827584" y="5517232"/>
+            <a:ext cx="5827236" cy="707886"/>
+          </a:xfrm>
+          <a:prstGeom prst="rect">
+            <a:avLst/>
+          </a:prstGeom>
+          <a:noFill/>
+        </p:spPr>
+        <p:txBody>
+          <a:bodyPr wrap="none" rtlCol="0">
+            <a:spAutoFit/>
+          </a:bodyPr>
+          <a:lstStyle/>
+          <a:p>
+            <a:r>
+              <a:rPr lang="ja-JP" altLang="en-US" sz="2000"/>
+              <a:t>ターミナルを開いた直後のカレントディレクトリ</a:t>
+            </a:r>
+            <a:endParaRPr lang="en-US" altLang="ja-JP" sz="2000"/>
+          </a:p>
+          <a:p>
+            <a:r>
+              <a:rPr lang="ja-JP" altLang="en-US" sz="2000"/>
+              <a:t>引数無しの</a:t>
+            </a:r>
+            <a:r>
+              <a:rPr lang="en-US" sz="2000"/>
+              <a:t>cd</a:t>
+            </a:r>
+            <a:r>
+              <a:rPr lang="ja-JP" altLang="en-US" sz="2000"/>
+              <a:t>コマンドで戻ってくる場所</a:t>
+            </a:r>
+            <a:endParaRPr lang="en-US" sz="2000"/>
+          </a:p>
+        </p:txBody>
+      </p:sp>
+    </p:spTree>
+    <p:extLst>
+      <p:ext uri="{BB962C8B-B14F-4D97-AF65-F5344CB8AC3E}">
+        <p14:creationId xmlns:p14="http://schemas.microsoft.com/office/powerpoint/2010/main" val="2124943179"/>
+      </p:ext>
+    </p:extLst>
+  </p:cSld>
+  <p:clrMapOvr>
+    <a:masterClrMapping/>
+  </p:clrMapOvr>
+</p:sld>
+</file>
+
+<file path=ppt/slides/slide9.xml><?xml version="1.0" encoding="utf-8"?>
+<p:sld xmlns:a="http://schemas.openxmlformats.org/drawingml/2006/main" xmlns:r="http://schemas.openxmlformats.org/officeDocument/2006/relationships" xmlns:p="http://schemas.openxmlformats.org/presentationml/2006/main">
+  <p:cSld>
+    <p:spTree>
+      <p:nvGrpSpPr>
+        <p:cNvPr id="1" name=""/>
+        <p:cNvGrpSpPr/>
+        <p:nvPr/>
+      </p:nvGrpSpPr>
+      <p:grpSpPr>
+        <a:xfrm>
+          <a:off x="0" y="0"/>
+          <a:ext cx="0" cy="0"/>
+          <a:chOff x="0" y="0"/>
+          <a:chExt cx="0" cy="0"/>
+        </a:xfrm>
+      </p:grpSpPr>
+      <p:sp>
+        <p:nvSpPr>
+          <p:cNvPr id="2" name="テキスト プレースホルダー 1">
+            <a:extLst>
+              <a:ext uri="{FF2B5EF4-FFF2-40B4-BE49-F238E27FC236}">
+                <a16:creationId xmlns:a16="http://schemas.microsoft.com/office/drawing/2014/main" id="{44ACF5EA-4316-419C-955E-278C43F6C578}"/>
+              </a:ext>
+            </a:extLst>
+          </p:cNvPr>
+          <p:cNvSpPr>
+            <a:spLocks noGrp="1"/>
+          </p:cNvSpPr>
+          <p:nvPr>
+            <p:ph type="body" sz="quarter" idx="10"/>
+          </p:nvPr>
+        </p:nvSpPr>
+        <p:spPr/>
+        <p:txBody>
+          <a:bodyPr/>
+          <a:lstStyle/>
+          <a:p>
+            <a:r>
+              <a:rPr lang="ja-JP" altLang="en-US"/>
+              <a:t>ディレクトリとパス</a:t>
+            </a:r>
+            <a:endParaRPr lang="en-US"/>
+          </a:p>
+        </p:txBody>
+      </p:sp>
+      <p:sp>
+        <p:nvSpPr>
+          <p:cNvPr id="3" name="テキスト ボックス 2">
+            <a:extLst>
+              <a:ext uri="{FF2B5EF4-FFF2-40B4-BE49-F238E27FC236}">
+                <a16:creationId xmlns:a16="http://schemas.microsoft.com/office/drawing/2014/main" id="{67FEA053-87F1-480A-A24B-9B9ABF3D25F9}"/>
+              </a:ext>
+            </a:extLst>
+          </p:cNvPr>
+          <p:cNvSpPr txBox="1"/>
+          <p:nvPr/>
+        </p:nvSpPr>
+        <p:spPr>
+          <a:xfrm>
+            <a:off x="251520" y="1268760"/>
+            <a:ext cx="1943161" cy="523220"/>
+          </a:xfrm>
+          <a:prstGeom prst="rect">
+            <a:avLst/>
+          </a:prstGeom>
+          <a:noFill/>
+        </p:spPr>
+        <p:txBody>
+          <a:bodyPr wrap="none" rtlCol="0">
+            <a:spAutoFit/>
+          </a:bodyPr>
+          <a:lstStyle/>
+          <a:p>
+            <a:r>
+              <a:rPr lang="ja-JP" altLang="en-US" sz="2800">
+                <a:solidFill>
+                  <a:srgbClr val="011893"/>
+                </a:solidFill>
+              </a:rPr>
+              <a:t>パス </a:t>
+            </a:r>
+            <a:r>
+              <a:rPr lang="en-US" altLang="ja-JP" sz="2800">
+                <a:solidFill>
+                  <a:srgbClr val="011893"/>
+                </a:solidFill>
+              </a:rPr>
+              <a:t>(path)</a:t>
+            </a:r>
+            <a:endParaRPr lang="en-US" sz="2800">
+              <a:solidFill>
+                <a:srgbClr val="011893"/>
+              </a:solidFill>
+            </a:endParaRPr>
+          </a:p>
+        </p:txBody>
+      </p:sp>
+      <p:sp>
+        <p:nvSpPr>
+          <p:cNvPr id="4" name="テキスト ボックス 3">
+            <a:extLst>
+              <a:ext uri="{FF2B5EF4-FFF2-40B4-BE49-F238E27FC236}">
+                <a16:creationId xmlns:a16="http://schemas.microsoft.com/office/drawing/2014/main" id="{EE988230-3B36-46AB-B0AF-87937E126AFC}"/>
+              </a:ext>
+            </a:extLst>
+          </p:cNvPr>
+          <p:cNvSpPr txBox="1"/>
+          <p:nvPr/>
+        </p:nvSpPr>
+        <p:spPr>
+          <a:xfrm>
+            <a:off x="755576" y="1916832"/>
+            <a:ext cx="6955750" cy="830997"/>
+          </a:xfrm>
+          <a:prstGeom prst="rect">
+            <a:avLst/>
+          </a:prstGeom>
+          <a:noFill/>
+        </p:spPr>
+        <p:txBody>
+          <a:bodyPr wrap="none" rtlCol="0">
+            <a:spAutoFit/>
+          </a:bodyPr>
+          <a:lstStyle/>
+          <a:p>
+            <a:r>
+              <a:rPr lang="ja-JP" altLang="en-US" sz="2400"/>
+              <a:t>階層構造の中でファイルの位置を示す文字列</a:t>
+            </a:r>
+            <a:endParaRPr lang="en-US" altLang="ja-JP" sz="2400"/>
+          </a:p>
+          <a:p>
+            <a:r>
+              <a:rPr lang="ja-JP" altLang="en-US" sz="2400"/>
+              <a:t>デフォルトでファイルを探しに行くディレクトリ</a:t>
+            </a:r>
+            <a:endParaRPr lang="en-US" sz="2400"/>
+          </a:p>
+        </p:txBody>
+      </p:sp>
+      <p:sp>
+        <p:nvSpPr>
+          <p:cNvPr id="5" name="テキスト ボックス 4">
+            <a:extLst>
+              <a:ext uri="{FF2B5EF4-FFF2-40B4-BE49-F238E27FC236}">
+                <a16:creationId xmlns:a16="http://schemas.microsoft.com/office/drawing/2014/main" id="{FB27361C-8169-4923-A38B-3AD14DD93EAB}"/>
+              </a:ext>
+            </a:extLst>
+          </p:cNvPr>
+          <p:cNvSpPr txBox="1"/>
+          <p:nvPr/>
+        </p:nvSpPr>
+        <p:spPr>
+          <a:xfrm>
+            <a:off x="251520" y="2996952"/>
+            <a:ext cx="4121641" cy="523220"/>
+          </a:xfrm>
+          <a:prstGeom prst="rect">
+            <a:avLst/>
+          </a:prstGeom>
+          <a:noFill/>
+        </p:spPr>
+        <p:txBody>
+          <a:bodyPr wrap="none" rtlCol="0">
+            <a:spAutoFit/>
+          </a:bodyPr>
+          <a:lstStyle/>
+          <a:p>
+            <a:r>
+              <a:rPr lang="ja-JP" altLang="en-US" sz="2800">
+                <a:solidFill>
+                  <a:srgbClr val="011893"/>
+                </a:solidFill>
+              </a:rPr>
+              <a:t>絶対パス </a:t>
+            </a:r>
+            <a:r>
+              <a:rPr lang="en-US" altLang="ja-JP" sz="2800">
+                <a:solidFill>
+                  <a:srgbClr val="011893"/>
+                </a:solidFill>
+              </a:rPr>
+              <a:t>(absolute path)</a:t>
+            </a:r>
+            <a:endParaRPr lang="en-US" sz="2800">
+              <a:solidFill>
+                <a:srgbClr val="011893"/>
+              </a:solidFill>
+            </a:endParaRPr>
+          </a:p>
+        </p:txBody>
+      </p:sp>
+      <p:sp>
+        <p:nvSpPr>
+          <p:cNvPr id="6" name="テキスト ボックス 5">
+            <a:extLst>
+              <a:ext uri="{FF2B5EF4-FFF2-40B4-BE49-F238E27FC236}">
+                <a16:creationId xmlns:a16="http://schemas.microsoft.com/office/drawing/2014/main" id="{7E094CCD-98F8-4E2B-811F-70CBB83A20D1}"/>
+              </a:ext>
+            </a:extLst>
+          </p:cNvPr>
+          <p:cNvSpPr txBox="1"/>
+          <p:nvPr/>
+        </p:nvSpPr>
+        <p:spPr>
+          <a:xfrm>
+            <a:off x="827584" y="3615407"/>
+            <a:ext cx="6032421" cy="461665"/>
+          </a:xfrm>
+          <a:prstGeom prst="rect">
+            <a:avLst/>
+          </a:prstGeom>
+          <a:noFill/>
+        </p:spPr>
+        <p:txBody>
+          <a:bodyPr wrap="none" rtlCol="0">
+            <a:spAutoFit/>
+          </a:bodyPr>
+          <a:lstStyle/>
+          <a:p>
+            <a:r>
+              <a:rPr lang="ja-JP" altLang="en-US" sz="2400"/>
+              <a:t>最上位階層から目的のファイルまでの位置</a:t>
+            </a:r>
+            <a:endParaRPr lang="en-US" sz="2400"/>
+          </a:p>
+        </p:txBody>
+      </p:sp>
+      <p:sp>
+        <p:nvSpPr>
+          <p:cNvPr id="7" name="テキスト ボックス 6">
+            <a:extLst>
+              <a:ext uri="{FF2B5EF4-FFF2-40B4-BE49-F238E27FC236}">
+                <a16:creationId xmlns:a16="http://schemas.microsoft.com/office/drawing/2014/main" id="{4BD060A0-91BA-4318-8686-766E9C543322}"/>
+              </a:ext>
+            </a:extLst>
+          </p:cNvPr>
+          <p:cNvSpPr txBox="1"/>
+          <p:nvPr/>
+        </p:nvSpPr>
+        <p:spPr>
+          <a:xfrm>
+            <a:off x="251520" y="4839543"/>
+            <a:ext cx="3921266" cy="523220"/>
+          </a:xfrm>
+          <a:prstGeom prst="rect">
+            <a:avLst/>
+          </a:prstGeom>
+          <a:noFill/>
+        </p:spPr>
+        <p:txBody>
+          <a:bodyPr wrap="none" rtlCol="0">
+            <a:spAutoFit/>
+          </a:bodyPr>
+          <a:lstStyle/>
+          <a:p>
+            <a:r>
+              <a:rPr lang="ja-JP" altLang="en-US" sz="2800">
+                <a:solidFill>
+                  <a:srgbClr val="011893"/>
+                </a:solidFill>
+              </a:rPr>
+              <a:t>相対パス </a:t>
+            </a:r>
+            <a:r>
+              <a:rPr lang="en-US" altLang="ja-JP" sz="2800">
+                <a:solidFill>
+                  <a:srgbClr val="011893"/>
+                </a:solidFill>
+              </a:rPr>
+              <a:t>(relative path)</a:t>
+            </a:r>
+            <a:endParaRPr lang="en-US" sz="2800">
+              <a:solidFill>
+                <a:srgbClr val="011893"/>
+              </a:solidFill>
+            </a:endParaRPr>
+          </a:p>
+        </p:txBody>
+      </p:sp>
+      <p:sp>
+        <p:nvSpPr>
+          <p:cNvPr id="8" name="テキスト ボックス 7">
+            <a:extLst>
+              <a:ext uri="{FF2B5EF4-FFF2-40B4-BE49-F238E27FC236}">
+                <a16:creationId xmlns:a16="http://schemas.microsoft.com/office/drawing/2014/main" id="{DA99A99D-E8F2-470A-9A70-940C973C8226}"/>
+              </a:ext>
+            </a:extLst>
+          </p:cNvPr>
+          <p:cNvSpPr txBox="1"/>
+          <p:nvPr/>
+        </p:nvSpPr>
+        <p:spPr>
+          <a:xfrm>
+            <a:off x="827584" y="5559623"/>
+            <a:ext cx="7571303" cy="461665"/>
+          </a:xfrm>
+          <a:prstGeom prst="rect">
+            <a:avLst/>
+          </a:prstGeom>
+          <a:noFill/>
+        </p:spPr>
+        <p:txBody>
+          <a:bodyPr wrap="none" rtlCol="0">
+            <a:spAutoFit/>
+          </a:bodyPr>
+          <a:lstStyle/>
+          <a:p>
+            <a:r>
+              <a:rPr lang="ja-JP" altLang="en-US" sz="2400"/>
+              <a:t>カレントディレクトリから目的のファイルまでの位置</a:t>
+            </a:r>
+            <a:endParaRPr lang="en-US" sz="2400"/>
+          </a:p>
+        </p:txBody>
+      </p:sp>
+      <p:cxnSp>
+        <p:nvCxnSpPr>
+          <p:cNvPr id="10" name="直線コネクタ 9">
+            <a:extLst>
+              <a:ext uri="{FF2B5EF4-FFF2-40B4-BE49-F238E27FC236}">
+                <a16:creationId xmlns:a16="http://schemas.microsoft.com/office/drawing/2014/main" id="{30D29385-CCE9-4267-AD52-62AA6E6CC5B9}"/>
+              </a:ext>
+            </a:extLst>
+          </p:cNvPr>
+          <p:cNvCxnSpPr/>
+          <p:nvPr/>
+        </p:nvCxnSpPr>
+        <p:spPr>
+          <a:xfrm flipH="1">
+            <a:off x="899592" y="4048497"/>
+            <a:ext cx="1584176" cy="0"/>
+          </a:xfrm>
+          <a:prstGeom prst="line">
+            <a:avLst/>
+          </a:prstGeom>
+          <a:ln w="38100">
+            <a:solidFill>
+              <a:srgbClr val="011893"/>
+            </a:solidFill>
+            <a:headEnd type="none" w="med" len="med"/>
+            <a:tailEnd type="none" w="med" len="med"/>
+          </a:ln>
+        </p:spPr>
+        <p:style>
+          <a:lnRef idx="1">
+            <a:schemeClr val="accent1"/>
+          </a:lnRef>
+          <a:fillRef idx="0">
+            <a:schemeClr val="accent1"/>
+          </a:fillRef>
+          <a:effectRef idx="0">
+            <a:schemeClr val="accent1"/>
+          </a:effectRef>
+          <a:fontRef idx="minor">
+            <a:schemeClr val="tx1"/>
+          </a:fontRef>
+        </p:style>
+      </p:cxnSp>
+      <p:sp>
+        <p:nvSpPr>
+          <p:cNvPr id="11" name="テキスト ボックス 10">
+            <a:extLst>
+              <a:ext uri="{FF2B5EF4-FFF2-40B4-BE49-F238E27FC236}">
+                <a16:creationId xmlns:a16="http://schemas.microsoft.com/office/drawing/2014/main" id="{7DE5A758-D24D-4D91-97A0-89D5103AEEB9}"/>
+              </a:ext>
+            </a:extLst>
+          </p:cNvPr>
+          <p:cNvSpPr txBox="1"/>
+          <p:nvPr/>
+        </p:nvSpPr>
+        <p:spPr>
+          <a:xfrm>
+            <a:off x="581650" y="4067780"/>
+            <a:ext cx="2262158" cy="369332"/>
+          </a:xfrm>
+          <a:prstGeom prst="rect">
+            <a:avLst/>
+          </a:prstGeom>
+          <a:noFill/>
+        </p:spPr>
+        <p:txBody>
+          <a:bodyPr wrap="none" rtlCol="0">
+            <a:spAutoFit/>
+          </a:bodyPr>
+          <a:lstStyle/>
+          <a:p>
+            <a:r>
+              <a:rPr lang="ja-JP" altLang="en-US"/>
+              <a:t>ルートディレクトリ</a:t>
+            </a:r>
+            <a:endParaRPr lang="en-US"/>
+          </a:p>
+        </p:txBody>
+      </p:sp>
+    </p:spTree>
+    <p:extLst>
+      <p:ext uri="{BB962C8B-B14F-4D97-AF65-F5344CB8AC3E}">
+        <p14:creationId xmlns:p14="http://schemas.microsoft.com/office/powerpoint/2010/main" val="865692800"/>
       </p:ext>
     </p:extLst>
   </p:cSld>

--- a/command/fig/slide.pptx
+++ b/command/fig/slide.pptx
@@ -5,7 +5,7 @@
     <p:sldMasterId id="2147483663" r:id="rId1"/>
   </p:sldMasterIdLst>
   <p:notesMasterIdLst>
-    <p:notesMasterId r:id="rId30"/>
+    <p:notesMasterId r:id="rId35"/>
   </p:notesMasterIdLst>
   <p:sldIdLst>
     <p:sldId id="256" r:id="rId2"/>
@@ -36,6 +36,11 @@
     <p:sldId id="319" r:id="rId27"/>
     <p:sldId id="320" r:id="rId28"/>
     <p:sldId id="321" r:id="rId29"/>
+    <p:sldId id="323" r:id="rId30"/>
+    <p:sldId id="322" r:id="rId31"/>
+    <p:sldId id="324" r:id="rId32"/>
+    <p:sldId id="325" r:id="rId33"/>
+    <p:sldId id="326" r:id="rId34"/>
   </p:sldIdLst>
   <p:sldSz cx="9144000" cy="6858000" type="screen4x3"/>
   <p:notesSz cx="6858000" cy="9144000"/>
@@ -234,7 +239,7 @@
           </a:lstStyle>
           <a:p>
             <a:fld id="{6B8D1B20-A248-FB47-8240-73C0C5F47C9D}" type="datetimeFigureOut">
-              <a:t>9/27/2021</a:t>
+              <a:t>2021/9/28</a:t>
             </a:fld>
             <a:endParaRPr kumimoji="1" lang="ja-JP" altLang="en-US"/>
           </a:p>
@@ -16663,11 +16668,14 @@
           <a:lstStyle/>
           <a:p>
             <a:r>
-              <a:rPr lang="en-US">
+              <a:rPr lang="en-US" dirty="0" err="1">
                 <a:latin typeface="Consolas" panose="020B0609020204030204" pitchFamily="49" charset="0"/>
               </a:rPr>
               <a:t>i</a:t>
             </a:r>
+            <a:endParaRPr lang="en-US" dirty="0">
+              <a:latin typeface="Consolas" panose="020B0609020204030204" pitchFamily="49" charset="0"/>
+            </a:endParaRPr>
           </a:p>
         </p:txBody>
       </p:sp>
@@ -16900,6 +16908,347 @@
     <p:extLst>
       <p:ext uri="{BB962C8B-B14F-4D97-AF65-F5344CB8AC3E}">
         <p14:creationId xmlns:p14="http://schemas.microsoft.com/office/powerpoint/2010/main" val="3132468401"/>
+      </p:ext>
+    </p:extLst>
+  </p:cSld>
+  <p:clrMapOvr>
+    <a:masterClrMapping/>
+  </p:clrMapOvr>
+</p:sld>
+</file>
+
+<file path=ppt/slides/slide29.xml><?xml version="1.0" encoding="utf-8"?>
+<p:sld xmlns:a="http://schemas.openxmlformats.org/drawingml/2006/main" xmlns:r="http://schemas.openxmlformats.org/officeDocument/2006/relationships" xmlns:p="http://schemas.openxmlformats.org/presentationml/2006/main">
+  <p:cSld>
+    <p:spTree>
+      <p:nvGrpSpPr>
+        <p:cNvPr id="1" name=""/>
+        <p:cNvGrpSpPr/>
+        <p:nvPr/>
+      </p:nvGrpSpPr>
+      <p:grpSpPr>
+        <a:xfrm>
+          <a:off x="0" y="0"/>
+          <a:ext cx="0" cy="0"/>
+          <a:chOff x="0" y="0"/>
+          <a:chExt cx="0" cy="0"/>
+        </a:xfrm>
+      </p:grpSpPr>
+      <p:sp>
+        <p:nvSpPr>
+          <p:cNvPr id="2" name="テキスト プレースホルダー 1">
+            <a:extLst>
+              <a:ext uri="{FF2B5EF4-FFF2-40B4-BE49-F238E27FC236}">
+                <a16:creationId xmlns:a16="http://schemas.microsoft.com/office/drawing/2014/main" id="{018FC0E0-E0D0-4AAE-B745-A505A21688E1}"/>
+              </a:ext>
+            </a:extLst>
+          </p:cNvPr>
+          <p:cNvSpPr>
+            <a:spLocks noGrp="1"/>
+          </p:cNvSpPr>
+          <p:nvPr>
+            <p:ph type="body" sz="quarter" idx="10"/>
+          </p:nvPr>
+        </p:nvSpPr>
+        <p:spPr/>
+        <p:txBody>
+          <a:bodyPr/>
+          <a:lstStyle/>
+          <a:p>
+            <a:r>
+              <a:rPr kumimoji="1" lang="en-US" altLang="ja-JP" dirty="0"/>
+              <a:t>Vim</a:t>
+            </a:r>
+            <a:r>
+              <a:rPr kumimoji="1" lang="ja-JP" altLang="en-US" dirty="0"/>
+              <a:t>のモード</a:t>
+            </a:r>
+          </a:p>
+        </p:txBody>
+      </p:sp>
+      <p:pic>
+        <p:nvPicPr>
+          <p:cNvPr id="3" name="Picture 2" descr="vim">
+            <a:extLst>
+              <a:ext uri="{FF2B5EF4-FFF2-40B4-BE49-F238E27FC236}">
+                <a16:creationId xmlns:a16="http://schemas.microsoft.com/office/drawing/2014/main" id="{8483AF59-0D6A-478A-A8D6-9F42775051D5}"/>
+              </a:ext>
+            </a:extLst>
+          </p:cNvPr>
+          <p:cNvPicPr>
+            <a:picLocks noChangeAspect="1" noChangeArrowheads="1"/>
+          </p:cNvPicPr>
+          <p:nvPr/>
+        </p:nvPicPr>
+        <p:blipFill>
+          <a:blip r:embed="rId2">
+            <a:extLst>
+              <a:ext uri="{28A0092B-C50C-407E-A947-70E740481C1C}">
+                <a14:useLocalDpi xmlns:a14="http://schemas.microsoft.com/office/drawing/2010/main" val="0"/>
+              </a:ext>
+            </a:extLst>
+          </a:blip>
+          <a:srcRect/>
+          <a:stretch>
+            <a:fillRect/>
+          </a:stretch>
+        </p:blipFill>
+        <p:spPr bwMode="auto">
+          <a:xfrm>
+            <a:off x="2195736" y="980728"/>
+            <a:ext cx="5940152" cy="3284615"/>
+          </a:xfrm>
+          <a:prstGeom prst="rect">
+            <a:avLst/>
+          </a:prstGeom>
+          <a:noFill/>
+          <a:extLst>
+            <a:ext uri="{909E8E84-426E-40DD-AFC4-6F175D3DCCD1}">
+              <a14:hiddenFill xmlns:a14="http://schemas.microsoft.com/office/drawing/2010/main">
+                <a:solidFill>
+                  <a:srgbClr val="FFFFFF"/>
+                </a:solidFill>
+              </a14:hiddenFill>
+            </a:ext>
+          </a:extLst>
+        </p:spPr>
+      </p:pic>
+      <p:sp>
+        <p:nvSpPr>
+          <p:cNvPr id="4" name="四角形: 角を丸くする 3">
+            <a:extLst>
+              <a:ext uri="{FF2B5EF4-FFF2-40B4-BE49-F238E27FC236}">
+                <a16:creationId xmlns:a16="http://schemas.microsoft.com/office/drawing/2014/main" id="{8AA544CD-946E-49FF-A98F-1E73AB1D5747}"/>
+              </a:ext>
+            </a:extLst>
+          </p:cNvPr>
+          <p:cNvSpPr/>
+          <p:nvPr/>
+        </p:nvSpPr>
+        <p:spPr>
+          <a:xfrm>
+            <a:off x="2123728" y="4149080"/>
+            <a:ext cx="3168352" cy="144016"/>
+          </a:xfrm>
+          <a:prstGeom prst="roundRect">
+            <a:avLst/>
+          </a:prstGeom>
+          <a:noFill/>
+          <a:ln w="38100">
+            <a:solidFill>
+              <a:srgbClr val="FF0000"/>
+            </a:solidFill>
+          </a:ln>
+        </p:spPr>
+        <p:style>
+          <a:lnRef idx="2">
+            <a:schemeClr val="accent1">
+              <a:shade val="50000"/>
+            </a:schemeClr>
+          </a:lnRef>
+          <a:fillRef idx="1">
+            <a:schemeClr val="accent1"/>
+          </a:fillRef>
+          <a:effectRef idx="0">
+            <a:schemeClr val="accent1"/>
+          </a:effectRef>
+          <a:fontRef idx="minor">
+            <a:schemeClr val="lt1"/>
+          </a:fontRef>
+        </p:style>
+        <p:txBody>
+          <a:bodyPr rtlCol="0" anchor="ctr"/>
+          <a:lstStyle/>
+          <a:p>
+            <a:pPr algn="ctr"/>
+            <a:endParaRPr kumimoji="1" lang="ja-JP" altLang="en-US"/>
+          </a:p>
+        </p:txBody>
+      </p:sp>
+      <p:sp>
+        <p:nvSpPr>
+          <p:cNvPr id="5" name="テキスト ボックス 4">
+            <a:extLst>
+              <a:ext uri="{FF2B5EF4-FFF2-40B4-BE49-F238E27FC236}">
+                <a16:creationId xmlns:a16="http://schemas.microsoft.com/office/drawing/2014/main" id="{51D094CD-8C78-45A6-A1C4-2115DF2E5F29}"/>
+              </a:ext>
+            </a:extLst>
+          </p:cNvPr>
+          <p:cNvSpPr txBox="1"/>
+          <p:nvPr/>
+        </p:nvSpPr>
+        <p:spPr>
+          <a:xfrm>
+            <a:off x="1043608" y="4581128"/>
+            <a:ext cx="3809697" cy="369332"/>
+          </a:xfrm>
+          <a:prstGeom prst="rect">
+            <a:avLst/>
+          </a:prstGeom>
+          <a:noFill/>
+        </p:spPr>
+        <p:txBody>
+          <a:bodyPr wrap="none" rtlCol="0">
+            <a:spAutoFit/>
+          </a:bodyPr>
+          <a:lstStyle/>
+          <a:p>
+            <a:r>
+              <a:rPr kumimoji="1" lang="en-US" altLang="ja-JP" dirty="0"/>
+              <a:t>Vim</a:t>
+            </a:r>
+            <a:r>
+              <a:rPr kumimoji="1" lang="ja-JP" altLang="en-US" dirty="0"/>
+              <a:t>のモードはここを見ればわかる</a:t>
+            </a:r>
+          </a:p>
+        </p:txBody>
+      </p:sp>
+      <p:cxnSp>
+        <p:nvCxnSpPr>
+          <p:cNvPr id="7" name="コネクタ: カギ線 6">
+            <a:extLst>
+              <a:ext uri="{FF2B5EF4-FFF2-40B4-BE49-F238E27FC236}">
+                <a16:creationId xmlns:a16="http://schemas.microsoft.com/office/drawing/2014/main" id="{F5CE4DC0-7B3A-4CE4-A515-8965D97E9EF4}"/>
+              </a:ext>
+            </a:extLst>
+          </p:cNvPr>
+          <p:cNvCxnSpPr>
+            <a:stCxn id="5" idx="0"/>
+            <a:endCxn id="4" idx="2"/>
+          </p:cNvCxnSpPr>
+          <p:nvPr/>
+        </p:nvCxnSpPr>
+        <p:spPr>
+          <a:xfrm rot="5400000" flipH="1" flipV="1">
+            <a:off x="3184164" y="4057389"/>
+            <a:ext cx="288032" cy="759447"/>
+          </a:xfrm>
+          <a:prstGeom prst="bentConnector3">
+            <a:avLst/>
+          </a:prstGeom>
+          <a:ln>
+            <a:solidFill>
+              <a:schemeClr val="tx1"/>
+            </a:solidFill>
+            <a:headEnd type="none" w="med" len="med"/>
+            <a:tailEnd type="triangle"/>
+          </a:ln>
+        </p:spPr>
+        <p:style>
+          <a:lnRef idx="1">
+            <a:schemeClr val="accent1"/>
+          </a:lnRef>
+          <a:fillRef idx="0">
+            <a:schemeClr val="accent1"/>
+          </a:fillRef>
+          <a:effectRef idx="0">
+            <a:schemeClr val="accent1"/>
+          </a:effectRef>
+          <a:fontRef idx="minor">
+            <a:schemeClr val="tx1"/>
+          </a:fontRef>
+        </p:style>
+      </p:cxnSp>
+      <p:sp>
+        <p:nvSpPr>
+          <p:cNvPr id="9" name="テキスト ボックス 8">
+            <a:extLst>
+              <a:ext uri="{FF2B5EF4-FFF2-40B4-BE49-F238E27FC236}">
+                <a16:creationId xmlns:a16="http://schemas.microsoft.com/office/drawing/2014/main" id="{A64C7993-3E4E-4AAA-912E-29F2FC0F6EEC}"/>
+              </a:ext>
+            </a:extLst>
+          </p:cNvPr>
+          <p:cNvSpPr txBox="1"/>
+          <p:nvPr/>
+        </p:nvSpPr>
+        <p:spPr>
+          <a:xfrm>
+            <a:off x="467544" y="5085184"/>
+            <a:ext cx="6902852" cy="1569660"/>
+          </a:xfrm>
+          <a:prstGeom prst="rect">
+            <a:avLst/>
+          </a:prstGeom>
+          <a:noFill/>
+        </p:spPr>
+        <p:txBody>
+          <a:bodyPr wrap="none" rtlCol="0">
+            <a:spAutoFit/>
+          </a:bodyPr>
+          <a:lstStyle/>
+          <a:p>
+            <a:r>
+              <a:rPr kumimoji="1" lang="ja-JP" altLang="en-US" sz="2400" dirty="0"/>
+              <a:t>ノーマルモード　：何も表示されない</a:t>
+            </a:r>
+            <a:endParaRPr kumimoji="1" lang="en-US" altLang="ja-JP" sz="2400" dirty="0"/>
+          </a:p>
+          <a:p>
+            <a:r>
+              <a:rPr kumimoji="1" lang="ja-JP" altLang="en-US" sz="2400" dirty="0"/>
+              <a:t>インサートモード：「</a:t>
+            </a:r>
+            <a:r>
+              <a:rPr kumimoji="1" lang="en-US" altLang="ja-JP" sz="2400" dirty="0">
+                <a:latin typeface="Consolas" panose="020B0609020204030204" pitchFamily="49" charset="0"/>
+              </a:rPr>
+              <a:t>-- INSERT --</a:t>
+            </a:r>
+            <a:r>
+              <a:rPr kumimoji="1" lang="ja-JP" altLang="en-US" sz="2400" dirty="0"/>
+              <a:t>」</a:t>
+            </a:r>
+            <a:r>
+              <a:rPr lang="ja-JP" altLang="en-US" sz="2400" dirty="0"/>
+              <a:t>と表示</a:t>
+            </a:r>
+            <a:endParaRPr lang="en-US" altLang="ja-JP" sz="2400" dirty="0"/>
+          </a:p>
+          <a:p>
+            <a:r>
+              <a:rPr kumimoji="1" lang="ja-JP" altLang="en-US" sz="2400" dirty="0"/>
+              <a:t>ビジュアルモード：「</a:t>
+            </a:r>
+            <a:r>
+              <a:rPr kumimoji="1" lang="en-US" altLang="ja-JP" sz="2400" dirty="0">
+                <a:latin typeface="Consolas" panose="020B0609020204030204" pitchFamily="49" charset="0"/>
+              </a:rPr>
+              <a:t>-- VISUAL --</a:t>
+            </a:r>
+            <a:r>
+              <a:rPr kumimoji="1" lang="ja-JP" altLang="en-US" sz="2400" dirty="0"/>
+              <a:t>」</a:t>
+            </a:r>
+            <a:r>
+              <a:rPr lang="ja-JP" altLang="en-US" sz="2400" dirty="0"/>
+              <a:t>と表示</a:t>
+            </a:r>
+            <a:endParaRPr lang="en-US" altLang="ja-JP" sz="2400" dirty="0"/>
+          </a:p>
+          <a:p>
+            <a:r>
+              <a:rPr kumimoji="1" lang="ja-JP" altLang="en-US" sz="2400" dirty="0"/>
+              <a:t>コマンドモード　： 「</a:t>
+            </a:r>
+            <a:r>
+              <a:rPr kumimoji="1" lang="en-US" altLang="ja-JP" sz="2400" dirty="0">
+                <a:latin typeface="Consolas" panose="020B0609020204030204" pitchFamily="49" charset="0"/>
+              </a:rPr>
+              <a:t>:</a:t>
+            </a:r>
+            <a:r>
+              <a:rPr kumimoji="1" lang="ja-JP" altLang="en-US" sz="2400" dirty="0"/>
+              <a:t>」が表示され入力待ちに</a:t>
+            </a:r>
+            <a:endParaRPr kumimoji="1" lang="en-US" altLang="ja-JP" sz="2400" dirty="0"/>
+          </a:p>
+        </p:txBody>
+      </p:sp>
+    </p:spTree>
+    <p:extLst>
+      <p:ext uri="{BB962C8B-B14F-4D97-AF65-F5344CB8AC3E}">
+        <p14:creationId xmlns:p14="http://schemas.microsoft.com/office/powerpoint/2010/main" val="621955731"/>
       </p:ext>
     </p:extLst>
   </p:cSld>
@@ -17305,6 +17654,1857 @@
     <p:extLst>
       <p:ext uri="{BB962C8B-B14F-4D97-AF65-F5344CB8AC3E}">
         <p14:creationId xmlns:p14="http://schemas.microsoft.com/office/powerpoint/2010/main" val="1235165796"/>
+      </p:ext>
+    </p:extLst>
+  </p:cSld>
+  <p:clrMapOvr>
+    <a:masterClrMapping/>
+  </p:clrMapOvr>
+</p:sld>
+</file>
+
+<file path=ppt/slides/slide30.xml><?xml version="1.0" encoding="utf-8"?>
+<p:sld xmlns:a="http://schemas.openxmlformats.org/drawingml/2006/main" xmlns:r="http://schemas.openxmlformats.org/officeDocument/2006/relationships" xmlns:p="http://schemas.openxmlformats.org/presentationml/2006/main">
+  <p:cSld>
+    <p:spTree>
+      <p:nvGrpSpPr>
+        <p:cNvPr id="1" name=""/>
+        <p:cNvGrpSpPr/>
+        <p:nvPr/>
+      </p:nvGrpSpPr>
+      <p:grpSpPr>
+        <a:xfrm>
+          <a:off x="0" y="0"/>
+          <a:ext cx="0" cy="0"/>
+          <a:chOff x="0" y="0"/>
+          <a:chExt cx="0" cy="0"/>
+        </a:xfrm>
+      </p:grpSpPr>
+      <p:sp>
+        <p:nvSpPr>
+          <p:cNvPr id="2" name="テキスト プレースホルダー 1">
+            <a:extLst>
+              <a:ext uri="{FF2B5EF4-FFF2-40B4-BE49-F238E27FC236}">
+                <a16:creationId xmlns:a16="http://schemas.microsoft.com/office/drawing/2014/main" id="{57F86FAE-DDB4-47A6-9283-2E52244EC8B8}"/>
+              </a:ext>
+            </a:extLst>
+          </p:cNvPr>
+          <p:cNvSpPr>
+            <a:spLocks noGrp="1"/>
+          </p:cNvSpPr>
+          <p:nvPr>
+            <p:ph type="body" sz="quarter" idx="10"/>
+          </p:nvPr>
+        </p:nvSpPr>
+        <p:spPr/>
+        <p:txBody>
+          <a:bodyPr/>
+          <a:lstStyle/>
+          <a:p>
+            <a:r>
+              <a:rPr kumimoji="1" lang="en-US" altLang="ja-JP" dirty="0"/>
+              <a:t>Vim</a:t>
+            </a:r>
+            <a:r>
+              <a:rPr kumimoji="1" lang="ja-JP" altLang="en-US" dirty="0"/>
+              <a:t>の終了の仕方</a:t>
+            </a:r>
+          </a:p>
+        </p:txBody>
+      </p:sp>
+      <p:sp>
+        <p:nvSpPr>
+          <p:cNvPr id="3" name="テキスト ボックス 2">
+            <a:extLst>
+              <a:ext uri="{FF2B5EF4-FFF2-40B4-BE49-F238E27FC236}">
+                <a16:creationId xmlns:a16="http://schemas.microsoft.com/office/drawing/2014/main" id="{DE299CB7-0C5F-4EF1-ADF2-9E5560F0DC45}"/>
+              </a:ext>
+            </a:extLst>
+          </p:cNvPr>
+          <p:cNvSpPr txBox="1"/>
+          <p:nvPr/>
+        </p:nvSpPr>
+        <p:spPr>
+          <a:xfrm>
+            <a:off x="1710042" y="1196752"/>
+            <a:ext cx="5742278" cy="461665"/>
+          </a:xfrm>
+          <a:prstGeom prst="rect">
+            <a:avLst/>
+          </a:prstGeom>
+          <a:noFill/>
+          <a:ln>
+            <a:solidFill>
+              <a:schemeClr val="tx1"/>
+            </a:solidFill>
+          </a:ln>
+        </p:spPr>
+        <p:txBody>
+          <a:bodyPr wrap="none" rtlCol="0">
+            <a:spAutoFit/>
+          </a:bodyPr>
+          <a:lstStyle/>
+          <a:p>
+            <a:r>
+              <a:rPr kumimoji="1" lang="en-US" altLang="ja-JP" sz="2400" dirty="0"/>
+              <a:t>ESC</a:t>
+            </a:r>
+            <a:r>
+              <a:rPr kumimoji="1" lang="ja-JP" altLang="en-US" sz="2400" dirty="0"/>
+              <a:t>キーを押してノーマルモードに戻る</a:t>
+            </a:r>
+          </a:p>
+        </p:txBody>
+      </p:sp>
+      <p:sp>
+        <p:nvSpPr>
+          <p:cNvPr id="4" name="テキスト ボックス 3">
+            <a:extLst>
+              <a:ext uri="{FF2B5EF4-FFF2-40B4-BE49-F238E27FC236}">
+                <a16:creationId xmlns:a16="http://schemas.microsoft.com/office/drawing/2014/main" id="{6B9FC26D-72ED-497B-9786-30B6D82E7E2C}"/>
+              </a:ext>
+            </a:extLst>
+          </p:cNvPr>
+          <p:cNvSpPr txBox="1"/>
+          <p:nvPr/>
+        </p:nvSpPr>
+        <p:spPr>
+          <a:xfrm>
+            <a:off x="2339752" y="2276872"/>
+            <a:ext cx="4493538" cy="461665"/>
+          </a:xfrm>
+          <a:prstGeom prst="rect">
+            <a:avLst/>
+          </a:prstGeom>
+          <a:noFill/>
+          <a:ln>
+            <a:solidFill>
+              <a:schemeClr val="tx1"/>
+            </a:solidFill>
+          </a:ln>
+        </p:spPr>
+        <p:txBody>
+          <a:bodyPr wrap="none" rtlCol="0">
+            <a:spAutoFit/>
+          </a:bodyPr>
+          <a:lstStyle/>
+          <a:p>
+            <a:r>
+              <a:rPr kumimoji="1" lang="ja-JP" altLang="en-US" sz="2400" dirty="0"/>
+              <a:t>ファイル名が指定されている？</a:t>
+            </a:r>
+          </a:p>
+        </p:txBody>
+      </p:sp>
+      <p:sp>
+        <p:nvSpPr>
+          <p:cNvPr id="5" name="テキスト ボックス 4">
+            <a:extLst>
+              <a:ext uri="{FF2B5EF4-FFF2-40B4-BE49-F238E27FC236}">
+                <a16:creationId xmlns:a16="http://schemas.microsoft.com/office/drawing/2014/main" id="{CE3DCC56-97F1-49D7-B6D0-68EDD89A8FB0}"/>
+              </a:ext>
+            </a:extLst>
+          </p:cNvPr>
+          <p:cNvSpPr txBox="1"/>
+          <p:nvPr/>
+        </p:nvSpPr>
+        <p:spPr>
+          <a:xfrm>
+            <a:off x="5292080" y="3573016"/>
+            <a:ext cx="2925801" cy="677108"/>
+          </a:xfrm>
+          <a:prstGeom prst="rect">
+            <a:avLst/>
+          </a:prstGeom>
+          <a:noFill/>
+          <a:ln>
+            <a:solidFill>
+              <a:schemeClr val="tx1"/>
+            </a:solidFill>
+          </a:ln>
+        </p:spPr>
+        <p:txBody>
+          <a:bodyPr wrap="none" rtlCol="0">
+            <a:spAutoFit/>
+          </a:bodyPr>
+          <a:lstStyle/>
+          <a:p>
+            <a:r>
+              <a:rPr kumimoji="1" lang="en-US" altLang="ja-JP" sz="2400" dirty="0"/>
+              <a:t>Shift + ZZ </a:t>
+            </a:r>
+          </a:p>
+          <a:p>
+            <a:r>
+              <a:rPr kumimoji="1" lang="en-US" altLang="ja-JP" sz="1400" dirty="0"/>
+              <a:t>(</a:t>
+            </a:r>
+            <a:r>
+              <a:rPr kumimoji="1" lang="ja-JP" altLang="en-US" sz="1400" dirty="0"/>
+              <a:t>シフトキーを押しながら</a:t>
+            </a:r>
+            <a:r>
+              <a:rPr kumimoji="1" lang="en-US" altLang="ja-JP" sz="1400" dirty="0"/>
+              <a:t>Z</a:t>
+            </a:r>
+            <a:r>
+              <a:rPr kumimoji="1" lang="ja-JP" altLang="en-US" sz="1400" dirty="0"/>
+              <a:t>を二回</a:t>
+            </a:r>
+            <a:r>
+              <a:rPr kumimoji="1" lang="en-US" altLang="ja-JP" sz="1400" dirty="0"/>
+              <a:t>)</a:t>
+            </a:r>
+            <a:endParaRPr kumimoji="1" lang="ja-JP" altLang="en-US" sz="1400" dirty="0"/>
+          </a:p>
+        </p:txBody>
+      </p:sp>
+      <p:sp>
+        <p:nvSpPr>
+          <p:cNvPr id="6" name="テキスト ボックス 5">
+            <a:extLst>
+              <a:ext uri="{FF2B5EF4-FFF2-40B4-BE49-F238E27FC236}">
+                <a16:creationId xmlns:a16="http://schemas.microsoft.com/office/drawing/2014/main" id="{830B9316-3C56-4FED-BDF9-7E6CE4385D60}"/>
+              </a:ext>
+            </a:extLst>
+          </p:cNvPr>
+          <p:cNvSpPr txBox="1"/>
+          <p:nvPr/>
+        </p:nvSpPr>
+        <p:spPr>
+          <a:xfrm>
+            <a:off x="755576" y="3573016"/>
+            <a:ext cx="4185761" cy="461665"/>
+          </a:xfrm>
+          <a:prstGeom prst="rect">
+            <a:avLst/>
+          </a:prstGeom>
+          <a:noFill/>
+          <a:ln>
+            <a:solidFill>
+              <a:schemeClr val="tx1"/>
+            </a:solidFill>
+          </a:ln>
+        </p:spPr>
+        <p:txBody>
+          <a:bodyPr wrap="none" rtlCol="0">
+            <a:spAutoFit/>
+          </a:bodyPr>
+          <a:lstStyle/>
+          <a:p>
+            <a:r>
+              <a:rPr kumimoji="1" lang="ja-JP" altLang="en-US" sz="2400" dirty="0"/>
+              <a:t>現在の編集内容を保存する？</a:t>
+            </a:r>
+          </a:p>
+        </p:txBody>
+      </p:sp>
+      <p:sp>
+        <p:nvSpPr>
+          <p:cNvPr id="7" name="テキスト ボックス 6">
+            <a:extLst>
+              <a:ext uri="{FF2B5EF4-FFF2-40B4-BE49-F238E27FC236}">
+                <a16:creationId xmlns:a16="http://schemas.microsoft.com/office/drawing/2014/main" id="{75E2DAF0-4211-4175-B50F-E1AD4DFE51B7}"/>
+              </a:ext>
+            </a:extLst>
+          </p:cNvPr>
+          <p:cNvSpPr txBox="1"/>
+          <p:nvPr/>
+        </p:nvSpPr>
+        <p:spPr>
+          <a:xfrm>
+            <a:off x="251520" y="5157192"/>
+            <a:ext cx="2646878" cy="830997"/>
+          </a:xfrm>
+          <a:prstGeom prst="rect">
+            <a:avLst/>
+          </a:prstGeom>
+          <a:noFill/>
+          <a:ln>
+            <a:solidFill>
+              <a:schemeClr val="tx1"/>
+            </a:solidFill>
+          </a:ln>
+        </p:spPr>
+        <p:txBody>
+          <a:bodyPr wrap="none" rtlCol="0">
+            <a:spAutoFit/>
+          </a:bodyPr>
+          <a:lstStyle/>
+          <a:p>
+            <a:r>
+              <a:rPr kumimoji="1" lang="ja-JP" altLang="en-US" sz="2400" dirty="0"/>
+              <a:t>コマンドモードで</a:t>
+            </a:r>
+            <a:endParaRPr kumimoji="1" lang="en-US" altLang="ja-JP" sz="2400" dirty="0"/>
+          </a:p>
+          <a:p>
+            <a:r>
+              <a:rPr lang="en-US" altLang="ja-JP" sz="2400" dirty="0"/>
+              <a:t>: q!</a:t>
+            </a:r>
+            <a:endParaRPr kumimoji="1" lang="ja-JP" altLang="en-US" sz="2400" dirty="0"/>
+          </a:p>
+        </p:txBody>
+      </p:sp>
+      <p:sp>
+        <p:nvSpPr>
+          <p:cNvPr id="8" name="テキスト ボックス 7">
+            <a:extLst>
+              <a:ext uri="{FF2B5EF4-FFF2-40B4-BE49-F238E27FC236}">
+                <a16:creationId xmlns:a16="http://schemas.microsoft.com/office/drawing/2014/main" id="{06DFF741-08C4-45D7-BFB9-5EF08EC9E34C}"/>
+              </a:ext>
+            </a:extLst>
+          </p:cNvPr>
+          <p:cNvSpPr txBox="1"/>
+          <p:nvPr/>
+        </p:nvSpPr>
+        <p:spPr>
+          <a:xfrm>
+            <a:off x="3347864" y="5157192"/>
+            <a:ext cx="2646878" cy="830997"/>
+          </a:xfrm>
+          <a:prstGeom prst="rect">
+            <a:avLst/>
+          </a:prstGeom>
+          <a:noFill/>
+          <a:ln>
+            <a:solidFill>
+              <a:schemeClr val="tx1"/>
+            </a:solidFill>
+          </a:ln>
+        </p:spPr>
+        <p:txBody>
+          <a:bodyPr wrap="none" rtlCol="0">
+            <a:spAutoFit/>
+          </a:bodyPr>
+          <a:lstStyle/>
+          <a:p>
+            <a:r>
+              <a:rPr kumimoji="1" lang="ja-JP" altLang="en-US" sz="2400" dirty="0"/>
+              <a:t>コマンドモードで</a:t>
+            </a:r>
+            <a:endParaRPr kumimoji="1" lang="en-US" altLang="ja-JP" sz="2400" dirty="0"/>
+          </a:p>
+          <a:p>
+            <a:r>
+              <a:rPr lang="en-US" altLang="ja-JP" sz="2400" dirty="0"/>
+              <a:t>:</a:t>
+            </a:r>
+            <a:r>
+              <a:rPr lang="en-US" altLang="ja-JP" sz="2400" dirty="0" err="1"/>
+              <a:t>wq</a:t>
+            </a:r>
+            <a:r>
+              <a:rPr lang="en-US" altLang="ja-JP" sz="2400" dirty="0"/>
+              <a:t> </a:t>
+            </a:r>
+            <a:r>
+              <a:rPr lang="ja-JP" altLang="en-US" sz="2400" dirty="0"/>
+              <a:t>ファイル名</a:t>
+            </a:r>
+            <a:endParaRPr kumimoji="1" lang="ja-JP" altLang="en-US" sz="2400" dirty="0"/>
+          </a:p>
+        </p:txBody>
+      </p:sp>
+      <p:cxnSp>
+        <p:nvCxnSpPr>
+          <p:cNvPr id="10" name="直線矢印コネクタ 9">
+            <a:extLst>
+              <a:ext uri="{FF2B5EF4-FFF2-40B4-BE49-F238E27FC236}">
+                <a16:creationId xmlns:a16="http://schemas.microsoft.com/office/drawing/2014/main" id="{65CEC022-5291-4435-BE95-B6F4DC8F0F32}"/>
+              </a:ext>
+            </a:extLst>
+          </p:cNvPr>
+          <p:cNvCxnSpPr>
+            <a:stCxn id="3" idx="2"/>
+            <a:endCxn id="4" idx="0"/>
+          </p:cNvCxnSpPr>
+          <p:nvPr/>
+        </p:nvCxnSpPr>
+        <p:spPr>
+          <a:xfrm>
+            <a:off x="4581181" y="1658417"/>
+            <a:ext cx="5340" cy="618455"/>
+          </a:xfrm>
+          <a:prstGeom prst="straightConnector1">
+            <a:avLst/>
+          </a:prstGeom>
+          <a:ln>
+            <a:solidFill>
+              <a:schemeClr val="tx1"/>
+            </a:solidFill>
+            <a:headEnd type="none" w="med" len="med"/>
+            <a:tailEnd type="triangle"/>
+          </a:ln>
+        </p:spPr>
+        <p:style>
+          <a:lnRef idx="1">
+            <a:schemeClr val="accent1"/>
+          </a:lnRef>
+          <a:fillRef idx="0">
+            <a:schemeClr val="accent1"/>
+          </a:fillRef>
+          <a:effectRef idx="0">
+            <a:schemeClr val="accent1"/>
+          </a:effectRef>
+          <a:fontRef idx="minor">
+            <a:schemeClr val="tx1"/>
+          </a:fontRef>
+        </p:style>
+      </p:cxnSp>
+      <p:cxnSp>
+        <p:nvCxnSpPr>
+          <p:cNvPr id="12" name="コネクタ: カギ線 11">
+            <a:extLst>
+              <a:ext uri="{FF2B5EF4-FFF2-40B4-BE49-F238E27FC236}">
+                <a16:creationId xmlns:a16="http://schemas.microsoft.com/office/drawing/2014/main" id="{C5E4FBBE-0A4D-4A99-ABDD-905A3429F297}"/>
+              </a:ext>
+            </a:extLst>
+          </p:cNvPr>
+          <p:cNvCxnSpPr>
+            <a:stCxn id="4" idx="2"/>
+            <a:endCxn id="5" idx="0"/>
+          </p:cNvCxnSpPr>
+          <p:nvPr/>
+        </p:nvCxnSpPr>
+        <p:spPr>
+          <a:xfrm rot="16200000" flipH="1">
+            <a:off x="5253512" y="2071546"/>
+            <a:ext cx="834479" cy="2168460"/>
+          </a:xfrm>
+          <a:prstGeom prst="bentConnector3">
+            <a:avLst/>
+          </a:prstGeom>
+          <a:ln>
+            <a:solidFill>
+              <a:schemeClr val="tx1"/>
+            </a:solidFill>
+            <a:headEnd type="none" w="med" len="med"/>
+            <a:tailEnd type="triangle"/>
+          </a:ln>
+        </p:spPr>
+        <p:style>
+          <a:lnRef idx="1">
+            <a:schemeClr val="accent1"/>
+          </a:lnRef>
+          <a:fillRef idx="0">
+            <a:schemeClr val="accent1"/>
+          </a:fillRef>
+          <a:effectRef idx="0">
+            <a:schemeClr val="accent1"/>
+          </a:effectRef>
+          <a:fontRef idx="minor">
+            <a:schemeClr val="tx1"/>
+          </a:fontRef>
+        </p:style>
+      </p:cxnSp>
+      <p:cxnSp>
+        <p:nvCxnSpPr>
+          <p:cNvPr id="14" name="コネクタ: カギ線 13">
+            <a:extLst>
+              <a:ext uri="{FF2B5EF4-FFF2-40B4-BE49-F238E27FC236}">
+                <a16:creationId xmlns:a16="http://schemas.microsoft.com/office/drawing/2014/main" id="{BC6D90F9-DC61-4C9F-A09E-305444C65911}"/>
+              </a:ext>
+            </a:extLst>
+          </p:cNvPr>
+          <p:cNvCxnSpPr>
+            <a:cxnSpLocks/>
+            <a:stCxn id="4" idx="2"/>
+            <a:endCxn id="6" idx="0"/>
+          </p:cNvCxnSpPr>
+          <p:nvPr/>
+        </p:nvCxnSpPr>
+        <p:spPr>
+          <a:xfrm rot="5400000">
+            <a:off x="3300250" y="2286744"/>
+            <a:ext cx="834479" cy="1738064"/>
+          </a:xfrm>
+          <a:prstGeom prst="bentConnector3">
+            <a:avLst>
+              <a:gd name="adj1" fmla="val 50000"/>
+            </a:avLst>
+          </a:prstGeom>
+          <a:ln>
+            <a:solidFill>
+              <a:schemeClr val="tx1"/>
+            </a:solidFill>
+            <a:headEnd type="none" w="med" len="med"/>
+            <a:tailEnd type="triangle"/>
+          </a:ln>
+        </p:spPr>
+        <p:style>
+          <a:lnRef idx="1">
+            <a:schemeClr val="accent1"/>
+          </a:lnRef>
+          <a:fillRef idx="0">
+            <a:schemeClr val="accent1"/>
+          </a:fillRef>
+          <a:effectRef idx="0">
+            <a:schemeClr val="accent1"/>
+          </a:effectRef>
+          <a:fontRef idx="minor">
+            <a:schemeClr val="tx1"/>
+          </a:fontRef>
+        </p:style>
+      </p:cxnSp>
+      <p:cxnSp>
+        <p:nvCxnSpPr>
+          <p:cNvPr id="17" name="コネクタ: カギ線 16">
+            <a:extLst>
+              <a:ext uri="{FF2B5EF4-FFF2-40B4-BE49-F238E27FC236}">
+                <a16:creationId xmlns:a16="http://schemas.microsoft.com/office/drawing/2014/main" id="{326B84A2-E8EC-4096-9F8E-5B29AF80D29F}"/>
+              </a:ext>
+            </a:extLst>
+          </p:cNvPr>
+          <p:cNvCxnSpPr>
+            <a:stCxn id="6" idx="2"/>
+            <a:endCxn id="8" idx="0"/>
+          </p:cNvCxnSpPr>
+          <p:nvPr/>
+        </p:nvCxnSpPr>
+        <p:spPr>
+          <a:xfrm rot="16200000" flipH="1">
+            <a:off x="3198625" y="3684513"/>
+            <a:ext cx="1122511" cy="1822846"/>
+          </a:xfrm>
+          <a:prstGeom prst="bentConnector3">
+            <a:avLst/>
+          </a:prstGeom>
+          <a:ln>
+            <a:solidFill>
+              <a:schemeClr val="tx1"/>
+            </a:solidFill>
+            <a:headEnd type="none" w="med" len="med"/>
+            <a:tailEnd type="triangle"/>
+          </a:ln>
+        </p:spPr>
+        <p:style>
+          <a:lnRef idx="1">
+            <a:schemeClr val="accent1"/>
+          </a:lnRef>
+          <a:fillRef idx="0">
+            <a:schemeClr val="accent1"/>
+          </a:fillRef>
+          <a:effectRef idx="0">
+            <a:schemeClr val="accent1"/>
+          </a:effectRef>
+          <a:fontRef idx="minor">
+            <a:schemeClr val="tx1"/>
+          </a:fontRef>
+        </p:style>
+      </p:cxnSp>
+      <p:cxnSp>
+        <p:nvCxnSpPr>
+          <p:cNvPr id="19" name="コネクタ: カギ線 18">
+            <a:extLst>
+              <a:ext uri="{FF2B5EF4-FFF2-40B4-BE49-F238E27FC236}">
+                <a16:creationId xmlns:a16="http://schemas.microsoft.com/office/drawing/2014/main" id="{C317014F-7FBF-42D5-993C-7C831E1D66AD}"/>
+              </a:ext>
+            </a:extLst>
+          </p:cNvPr>
+          <p:cNvCxnSpPr>
+            <a:stCxn id="6" idx="2"/>
+            <a:endCxn id="7" idx="0"/>
+          </p:cNvCxnSpPr>
+          <p:nvPr/>
+        </p:nvCxnSpPr>
+        <p:spPr>
+          <a:xfrm rot="5400000">
+            <a:off x="1650453" y="3959187"/>
+            <a:ext cx="1122511" cy="1273498"/>
+          </a:xfrm>
+          <a:prstGeom prst="bentConnector3">
+            <a:avLst/>
+          </a:prstGeom>
+          <a:ln>
+            <a:solidFill>
+              <a:schemeClr val="tx1"/>
+            </a:solidFill>
+            <a:headEnd type="none" w="med" len="med"/>
+            <a:tailEnd type="triangle"/>
+          </a:ln>
+        </p:spPr>
+        <p:style>
+          <a:lnRef idx="1">
+            <a:schemeClr val="accent1"/>
+          </a:lnRef>
+          <a:fillRef idx="0">
+            <a:schemeClr val="accent1"/>
+          </a:fillRef>
+          <a:effectRef idx="0">
+            <a:schemeClr val="accent1"/>
+          </a:effectRef>
+          <a:fontRef idx="minor">
+            <a:schemeClr val="tx1"/>
+          </a:fontRef>
+        </p:style>
+      </p:cxnSp>
+      <p:sp>
+        <p:nvSpPr>
+          <p:cNvPr id="20" name="テキスト ボックス 19">
+            <a:extLst>
+              <a:ext uri="{FF2B5EF4-FFF2-40B4-BE49-F238E27FC236}">
+                <a16:creationId xmlns:a16="http://schemas.microsoft.com/office/drawing/2014/main" id="{2EE4CBEC-FD69-4CA9-A722-24ABC6C5B044}"/>
+              </a:ext>
+            </a:extLst>
+          </p:cNvPr>
+          <p:cNvSpPr txBox="1"/>
+          <p:nvPr/>
+        </p:nvSpPr>
+        <p:spPr>
+          <a:xfrm>
+            <a:off x="3491880" y="2852936"/>
+            <a:ext cx="479618" cy="369332"/>
+          </a:xfrm>
+          <a:prstGeom prst="rect">
+            <a:avLst/>
+          </a:prstGeom>
+          <a:noFill/>
+        </p:spPr>
+        <p:txBody>
+          <a:bodyPr wrap="none" rtlCol="0">
+            <a:spAutoFit/>
+          </a:bodyPr>
+          <a:lstStyle/>
+          <a:p>
+            <a:r>
+              <a:rPr kumimoji="1" lang="en-US" altLang="ja-JP" dirty="0">
+                <a:solidFill>
+                  <a:srgbClr val="FF0000"/>
+                </a:solidFill>
+              </a:rPr>
+              <a:t>No</a:t>
+            </a:r>
+            <a:endParaRPr kumimoji="1" lang="ja-JP" altLang="en-US" dirty="0">
+              <a:solidFill>
+                <a:srgbClr val="FF0000"/>
+              </a:solidFill>
+            </a:endParaRPr>
+          </a:p>
+        </p:txBody>
+      </p:sp>
+      <p:sp>
+        <p:nvSpPr>
+          <p:cNvPr id="21" name="テキスト ボックス 20">
+            <a:extLst>
+              <a:ext uri="{FF2B5EF4-FFF2-40B4-BE49-F238E27FC236}">
+                <a16:creationId xmlns:a16="http://schemas.microsoft.com/office/drawing/2014/main" id="{68510700-7D7E-4A63-AF6D-56D4EA17B7D6}"/>
+              </a:ext>
+            </a:extLst>
+          </p:cNvPr>
+          <p:cNvSpPr txBox="1"/>
+          <p:nvPr/>
+        </p:nvSpPr>
+        <p:spPr>
+          <a:xfrm>
+            <a:off x="2076158" y="4283804"/>
+            <a:ext cx="479618" cy="369332"/>
+          </a:xfrm>
+          <a:prstGeom prst="rect">
+            <a:avLst/>
+          </a:prstGeom>
+          <a:noFill/>
+        </p:spPr>
+        <p:txBody>
+          <a:bodyPr wrap="none" rtlCol="0">
+            <a:spAutoFit/>
+          </a:bodyPr>
+          <a:lstStyle/>
+          <a:p>
+            <a:r>
+              <a:rPr kumimoji="1" lang="en-US" altLang="ja-JP" dirty="0">
+                <a:solidFill>
+                  <a:srgbClr val="FF0000"/>
+                </a:solidFill>
+              </a:rPr>
+              <a:t>No</a:t>
+            </a:r>
+            <a:endParaRPr kumimoji="1" lang="ja-JP" altLang="en-US" dirty="0">
+              <a:solidFill>
+                <a:srgbClr val="FF0000"/>
+              </a:solidFill>
+            </a:endParaRPr>
+          </a:p>
+        </p:txBody>
+      </p:sp>
+      <p:sp>
+        <p:nvSpPr>
+          <p:cNvPr id="22" name="テキスト ボックス 21">
+            <a:extLst>
+              <a:ext uri="{FF2B5EF4-FFF2-40B4-BE49-F238E27FC236}">
+                <a16:creationId xmlns:a16="http://schemas.microsoft.com/office/drawing/2014/main" id="{21D2A05A-C754-43ED-B34B-155F58BF731E}"/>
+              </a:ext>
+            </a:extLst>
+          </p:cNvPr>
+          <p:cNvSpPr txBox="1"/>
+          <p:nvPr/>
+        </p:nvSpPr>
+        <p:spPr>
+          <a:xfrm>
+            <a:off x="3419872" y="4283804"/>
+            <a:ext cx="561051" cy="369332"/>
+          </a:xfrm>
+          <a:prstGeom prst="rect">
+            <a:avLst/>
+          </a:prstGeom>
+          <a:noFill/>
+        </p:spPr>
+        <p:txBody>
+          <a:bodyPr wrap="none" rtlCol="0">
+            <a:spAutoFit/>
+          </a:bodyPr>
+          <a:lstStyle/>
+          <a:p>
+            <a:r>
+              <a:rPr kumimoji="1" lang="en-US" altLang="ja-JP" dirty="0">
+                <a:solidFill>
+                  <a:srgbClr val="011893"/>
+                </a:solidFill>
+              </a:rPr>
+              <a:t>Yes</a:t>
+            </a:r>
+            <a:endParaRPr kumimoji="1" lang="ja-JP" altLang="en-US" dirty="0">
+              <a:solidFill>
+                <a:srgbClr val="011893"/>
+              </a:solidFill>
+            </a:endParaRPr>
+          </a:p>
+        </p:txBody>
+      </p:sp>
+      <p:sp>
+        <p:nvSpPr>
+          <p:cNvPr id="26" name="テキスト ボックス 25">
+            <a:extLst>
+              <a:ext uri="{FF2B5EF4-FFF2-40B4-BE49-F238E27FC236}">
+                <a16:creationId xmlns:a16="http://schemas.microsoft.com/office/drawing/2014/main" id="{44A9653B-5019-4246-8439-A6C761E04E9E}"/>
+              </a:ext>
+            </a:extLst>
+          </p:cNvPr>
+          <p:cNvSpPr txBox="1"/>
+          <p:nvPr/>
+        </p:nvSpPr>
+        <p:spPr>
+          <a:xfrm>
+            <a:off x="5364088" y="2843644"/>
+            <a:ext cx="561051" cy="369332"/>
+          </a:xfrm>
+          <a:prstGeom prst="rect">
+            <a:avLst/>
+          </a:prstGeom>
+          <a:noFill/>
+        </p:spPr>
+        <p:txBody>
+          <a:bodyPr wrap="none" rtlCol="0">
+            <a:spAutoFit/>
+          </a:bodyPr>
+          <a:lstStyle/>
+          <a:p>
+            <a:r>
+              <a:rPr kumimoji="1" lang="en-US" altLang="ja-JP" dirty="0">
+                <a:solidFill>
+                  <a:srgbClr val="011893"/>
+                </a:solidFill>
+              </a:rPr>
+              <a:t>Yes</a:t>
+            </a:r>
+            <a:endParaRPr kumimoji="1" lang="ja-JP" altLang="en-US" dirty="0">
+              <a:solidFill>
+                <a:srgbClr val="011893"/>
+              </a:solidFill>
+            </a:endParaRPr>
+          </a:p>
+        </p:txBody>
+      </p:sp>
+      <p:sp>
+        <p:nvSpPr>
+          <p:cNvPr id="27" name="テキスト ボックス 26">
+            <a:extLst>
+              <a:ext uri="{FF2B5EF4-FFF2-40B4-BE49-F238E27FC236}">
+                <a16:creationId xmlns:a16="http://schemas.microsoft.com/office/drawing/2014/main" id="{C66CCB27-F1D6-41AA-ADED-33B2470DFEEC}"/>
+              </a:ext>
+            </a:extLst>
+          </p:cNvPr>
+          <p:cNvSpPr txBox="1"/>
+          <p:nvPr/>
+        </p:nvSpPr>
+        <p:spPr>
+          <a:xfrm>
+            <a:off x="3707904" y="6165304"/>
+            <a:ext cx="4532010" cy="369332"/>
+          </a:xfrm>
+          <a:prstGeom prst="rect">
+            <a:avLst/>
+          </a:prstGeom>
+          <a:noFill/>
+        </p:spPr>
+        <p:txBody>
+          <a:bodyPr wrap="none" rtlCol="0">
+            <a:spAutoFit/>
+          </a:bodyPr>
+          <a:lstStyle/>
+          <a:p>
+            <a:r>
+              <a:rPr kumimoji="1" lang="en-US" altLang="ja-JP" dirty="0"/>
+              <a:t>※ </a:t>
+            </a:r>
+            <a:r>
+              <a:rPr kumimoji="1" lang="ja-JP" altLang="en-US" dirty="0"/>
+              <a:t>既存のファイルを上書きする場合は</a:t>
+            </a:r>
+            <a:r>
+              <a:rPr lang="en-US" altLang="ja-JP" dirty="0" err="1"/>
+              <a:t>wq</a:t>
+            </a:r>
+            <a:r>
+              <a:rPr lang="en-US" altLang="ja-JP" dirty="0"/>
+              <a:t>!</a:t>
+            </a:r>
+            <a:endParaRPr kumimoji="1" lang="ja-JP" altLang="en-US" dirty="0"/>
+          </a:p>
+        </p:txBody>
+      </p:sp>
+    </p:spTree>
+    <p:extLst>
+      <p:ext uri="{BB962C8B-B14F-4D97-AF65-F5344CB8AC3E}">
+        <p14:creationId xmlns:p14="http://schemas.microsoft.com/office/powerpoint/2010/main" val="3043571331"/>
+      </p:ext>
+    </p:extLst>
+  </p:cSld>
+  <p:clrMapOvr>
+    <a:masterClrMapping/>
+  </p:clrMapOvr>
+</p:sld>
+</file>
+
+<file path=ppt/slides/slide31.xml><?xml version="1.0" encoding="utf-8"?>
+<p:sld xmlns:a="http://schemas.openxmlformats.org/drawingml/2006/main" xmlns:r="http://schemas.openxmlformats.org/officeDocument/2006/relationships" xmlns:p="http://schemas.openxmlformats.org/presentationml/2006/main">
+  <p:cSld>
+    <p:spTree>
+      <p:nvGrpSpPr>
+        <p:cNvPr id="1" name=""/>
+        <p:cNvGrpSpPr/>
+        <p:nvPr/>
+      </p:nvGrpSpPr>
+      <p:grpSpPr>
+        <a:xfrm>
+          <a:off x="0" y="0"/>
+          <a:ext cx="0" cy="0"/>
+          <a:chOff x="0" y="0"/>
+          <a:chExt cx="0" cy="0"/>
+        </a:xfrm>
+      </p:grpSpPr>
+      <p:sp>
+        <p:nvSpPr>
+          <p:cNvPr id="2" name="テキスト プレースホルダー 1">
+            <a:extLst>
+              <a:ext uri="{FF2B5EF4-FFF2-40B4-BE49-F238E27FC236}">
+                <a16:creationId xmlns:a16="http://schemas.microsoft.com/office/drawing/2014/main" id="{EEE65909-9F13-4431-84BC-285AE627D656}"/>
+              </a:ext>
+            </a:extLst>
+          </p:cNvPr>
+          <p:cNvSpPr>
+            <a:spLocks noGrp="1"/>
+          </p:cNvSpPr>
+          <p:nvPr>
+            <p:ph type="body" sz="quarter" idx="10"/>
+          </p:nvPr>
+        </p:nvSpPr>
+        <p:spPr/>
+        <p:txBody>
+          <a:bodyPr/>
+          <a:lstStyle/>
+          <a:p>
+            <a:r>
+              <a:rPr kumimoji="1" lang="en-US" altLang="ja-JP" dirty="0"/>
+              <a:t>Vim</a:t>
+            </a:r>
+            <a:r>
+              <a:rPr kumimoji="1" lang="ja-JP" altLang="en-US" dirty="0"/>
+              <a:t>と</a:t>
+            </a:r>
+            <a:r>
+              <a:rPr kumimoji="1" lang="en-US" altLang="ja-JP" dirty="0"/>
+              <a:t>Git</a:t>
+            </a:r>
+            <a:endParaRPr kumimoji="1" lang="ja-JP" altLang="en-US" dirty="0"/>
+          </a:p>
+        </p:txBody>
+      </p:sp>
+      <p:sp>
+        <p:nvSpPr>
+          <p:cNvPr id="3" name="テキスト ボックス 2">
+            <a:extLst>
+              <a:ext uri="{FF2B5EF4-FFF2-40B4-BE49-F238E27FC236}">
+                <a16:creationId xmlns:a16="http://schemas.microsoft.com/office/drawing/2014/main" id="{C8579993-0846-45B5-BCDE-8C81441F2FC7}"/>
+              </a:ext>
+            </a:extLst>
+          </p:cNvPr>
+          <p:cNvSpPr txBox="1"/>
+          <p:nvPr/>
+        </p:nvSpPr>
+        <p:spPr>
+          <a:xfrm>
+            <a:off x="323528" y="1196752"/>
+            <a:ext cx="8712968" cy="830997"/>
+          </a:xfrm>
+          <a:prstGeom prst="rect">
+            <a:avLst/>
+          </a:prstGeom>
+          <a:noFill/>
+        </p:spPr>
+        <p:txBody>
+          <a:bodyPr wrap="square" rtlCol="0">
+            <a:spAutoFit/>
+          </a:bodyPr>
+          <a:lstStyle/>
+          <a:p>
+            <a:r>
+              <a:rPr lang="en-US" altLang="ja-JP" sz="2400" dirty="0"/>
+              <a:t>Git</a:t>
+            </a:r>
+            <a:r>
+              <a:rPr lang="ja-JP" altLang="en-US" sz="2400" dirty="0"/>
+              <a:t>から</a:t>
+            </a:r>
+            <a:r>
+              <a:rPr lang="en-US" altLang="ja-JP" sz="2400" dirty="0"/>
+              <a:t>Vim</a:t>
+            </a:r>
+            <a:r>
+              <a:rPr lang="ja-JP" altLang="en-US" sz="2400" dirty="0"/>
+              <a:t>が呼び出される場合、ファイル名が指定された状態、かつ</a:t>
+            </a:r>
+            <a:r>
+              <a:rPr kumimoji="1" lang="ja-JP" altLang="en-US" sz="2400" dirty="0"/>
+              <a:t>ノーマルモードで起動される</a:t>
+            </a:r>
+          </a:p>
+        </p:txBody>
+      </p:sp>
+      <p:sp>
+        <p:nvSpPr>
+          <p:cNvPr id="4" name="テキスト ボックス 3">
+            <a:extLst>
+              <a:ext uri="{FF2B5EF4-FFF2-40B4-BE49-F238E27FC236}">
+                <a16:creationId xmlns:a16="http://schemas.microsoft.com/office/drawing/2014/main" id="{427F7B8C-23D2-4206-8F80-0602EF73D7DE}"/>
+              </a:ext>
+            </a:extLst>
+          </p:cNvPr>
+          <p:cNvSpPr txBox="1"/>
+          <p:nvPr/>
+        </p:nvSpPr>
+        <p:spPr>
+          <a:xfrm>
+            <a:off x="1187624" y="3212976"/>
+            <a:ext cx="6494085" cy="1569660"/>
+          </a:xfrm>
+          <a:prstGeom prst="rect">
+            <a:avLst/>
+          </a:prstGeom>
+          <a:noFill/>
+        </p:spPr>
+        <p:txBody>
+          <a:bodyPr wrap="none" rtlCol="0">
+            <a:spAutoFit/>
+          </a:bodyPr>
+          <a:lstStyle/>
+          <a:p>
+            <a:pPr marL="457200" indent="-457200">
+              <a:buFont typeface="+mj-lt"/>
+              <a:buAutoNum type="arabicPeriod"/>
+            </a:pPr>
+            <a:r>
+              <a:rPr kumimoji="1" lang="ja-JP" altLang="en-US" sz="2400" dirty="0"/>
+              <a:t>「</a:t>
+            </a:r>
+            <a:r>
+              <a:rPr kumimoji="1" lang="en-US" altLang="ja-JP" sz="2400" dirty="0" err="1"/>
+              <a:t>i</a:t>
+            </a:r>
+            <a:r>
+              <a:rPr kumimoji="1" lang="ja-JP" altLang="en-US" sz="2400" dirty="0"/>
+              <a:t>」を押してインサートモードへ</a:t>
+            </a:r>
+            <a:endParaRPr kumimoji="1" lang="en-US" altLang="ja-JP" sz="2400" dirty="0"/>
+          </a:p>
+          <a:p>
+            <a:pPr marL="457200" indent="-457200">
+              <a:buFont typeface="+mj-lt"/>
+              <a:buAutoNum type="arabicPeriod"/>
+            </a:pPr>
+            <a:r>
+              <a:rPr lang="ja-JP" altLang="en-US" sz="2400" dirty="0"/>
+              <a:t>内容を編集</a:t>
+            </a:r>
+            <a:endParaRPr lang="en-US" altLang="ja-JP" sz="2400" dirty="0"/>
+          </a:p>
+          <a:p>
+            <a:pPr marL="457200" indent="-457200">
+              <a:buFont typeface="+mj-lt"/>
+              <a:buAutoNum type="arabicPeriod"/>
+            </a:pPr>
+            <a:r>
+              <a:rPr kumimoji="1" lang="ja-JP" altLang="en-US" sz="2400" dirty="0"/>
+              <a:t>エスケープキーを押してノーマルモードへ</a:t>
+            </a:r>
+            <a:endParaRPr kumimoji="1" lang="en-US" altLang="ja-JP" sz="2400" dirty="0"/>
+          </a:p>
+          <a:p>
+            <a:pPr marL="457200" indent="-457200">
+              <a:buFont typeface="+mj-lt"/>
+              <a:buAutoNum type="arabicPeriod"/>
+            </a:pPr>
+            <a:r>
+              <a:rPr lang="ja-JP" altLang="en-US" sz="2400" dirty="0"/>
+              <a:t>「</a:t>
+            </a:r>
+            <a:r>
+              <a:rPr lang="en-US" altLang="ja-JP" sz="2400" dirty="0"/>
+              <a:t>ZZ</a:t>
+            </a:r>
+            <a:r>
+              <a:rPr lang="ja-JP" altLang="en-US" sz="2400" dirty="0"/>
+              <a:t>」でエディタを抜ける</a:t>
+            </a:r>
+            <a:endParaRPr kumimoji="1" lang="en-US" altLang="ja-JP" sz="2400" dirty="0"/>
+          </a:p>
+        </p:txBody>
+      </p:sp>
+      <p:sp>
+        <p:nvSpPr>
+          <p:cNvPr id="5" name="テキスト ボックス 4">
+            <a:extLst>
+              <a:ext uri="{FF2B5EF4-FFF2-40B4-BE49-F238E27FC236}">
+                <a16:creationId xmlns:a16="http://schemas.microsoft.com/office/drawing/2014/main" id="{C881002C-E640-45CB-A3E7-5258C46C9A0E}"/>
+              </a:ext>
+            </a:extLst>
+          </p:cNvPr>
+          <p:cNvSpPr txBox="1"/>
+          <p:nvPr/>
+        </p:nvSpPr>
+        <p:spPr>
+          <a:xfrm>
+            <a:off x="395536" y="2348880"/>
+            <a:ext cx="4801314" cy="461665"/>
+          </a:xfrm>
+          <a:prstGeom prst="rect">
+            <a:avLst/>
+          </a:prstGeom>
+          <a:noFill/>
+        </p:spPr>
+        <p:txBody>
+          <a:bodyPr wrap="none" rtlCol="0">
+            <a:spAutoFit/>
+          </a:bodyPr>
+          <a:lstStyle/>
+          <a:p>
+            <a:r>
+              <a:rPr kumimoji="1" lang="ja-JP" altLang="en-US" sz="2400" dirty="0"/>
+              <a:t>その後、以下の作業をすればよい</a:t>
+            </a:r>
+          </a:p>
+        </p:txBody>
+      </p:sp>
+    </p:spTree>
+    <p:extLst>
+      <p:ext uri="{BB962C8B-B14F-4D97-AF65-F5344CB8AC3E}">
+        <p14:creationId xmlns:p14="http://schemas.microsoft.com/office/powerpoint/2010/main" val="3969616057"/>
+      </p:ext>
+    </p:extLst>
+  </p:cSld>
+  <p:clrMapOvr>
+    <a:masterClrMapping/>
+  </p:clrMapOvr>
+</p:sld>
+</file>
+
+<file path=ppt/slides/slide32.xml><?xml version="1.0" encoding="utf-8"?>
+<p:sld xmlns:a="http://schemas.openxmlformats.org/drawingml/2006/main" xmlns:r="http://schemas.openxmlformats.org/officeDocument/2006/relationships" xmlns:p="http://schemas.openxmlformats.org/presentationml/2006/main">
+  <p:cSld>
+    <p:spTree>
+      <p:nvGrpSpPr>
+        <p:cNvPr id="1" name=""/>
+        <p:cNvGrpSpPr/>
+        <p:nvPr/>
+      </p:nvGrpSpPr>
+      <p:grpSpPr>
+        <a:xfrm>
+          <a:off x="0" y="0"/>
+          <a:ext cx="0" cy="0"/>
+          <a:chOff x="0" y="0"/>
+          <a:chExt cx="0" cy="0"/>
+        </a:xfrm>
+      </p:grpSpPr>
+      <p:sp>
+        <p:nvSpPr>
+          <p:cNvPr id="2" name="テキスト プレースホルダー 1">
+            <a:extLst>
+              <a:ext uri="{FF2B5EF4-FFF2-40B4-BE49-F238E27FC236}">
+                <a16:creationId xmlns:a16="http://schemas.microsoft.com/office/drawing/2014/main" id="{93F8048B-7BD8-422D-916B-80133914AA83}"/>
+              </a:ext>
+            </a:extLst>
+          </p:cNvPr>
+          <p:cNvSpPr>
+            <a:spLocks noGrp="1"/>
+          </p:cNvSpPr>
+          <p:nvPr>
+            <p:ph type="body" sz="quarter" idx="10"/>
+          </p:nvPr>
+        </p:nvSpPr>
+        <p:spPr/>
+        <p:txBody>
+          <a:bodyPr/>
+          <a:lstStyle/>
+          <a:p>
+            <a:r>
+              <a:rPr kumimoji="1" lang="en-US" altLang="ja-JP" dirty="0"/>
+              <a:t>Vim</a:t>
+            </a:r>
+            <a:r>
+              <a:rPr kumimoji="1" lang="ja-JP" altLang="en-US" dirty="0"/>
+              <a:t>のノーマルモードでの編集</a:t>
+            </a:r>
+          </a:p>
+        </p:txBody>
+      </p:sp>
+      <p:sp>
+        <p:nvSpPr>
+          <p:cNvPr id="3" name="テキスト ボックス 2">
+            <a:extLst>
+              <a:ext uri="{FF2B5EF4-FFF2-40B4-BE49-F238E27FC236}">
+                <a16:creationId xmlns:a16="http://schemas.microsoft.com/office/drawing/2014/main" id="{EE8C6E20-F030-41F3-BEFB-8E358EE4533D}"/>
+              </a:ext>
+            </a:extLst>
+          </p:cNvPr>
+          <p:cNvSpPr txBox="1"/>
+          <p:nvPr/>
+        </p:nvSpPr>
+        <p:spPr>
+          <a:xfrm>
+            <a:off x="611560" y="1412776"/>
+            <a:ext cx="7606570" cy="954107"/>
+          </a:xfrm>
+          <a:prstGeom prst="rect">
+            <a:avLst/>
+          </a:prstGeom>
+          <a:noFill/>
+        </p:spPr>
+        <p:txBody>
+          <a:bodyPr wrap="none" rtlCol="0">
+            <a:spAutoFit/>
+          </a:bodyPr>
+          <a:lstStyle/>
+          <a:p>
+            <a:r>
+              <a:rPr kumimoji="1" lang="ja-JP" altLang="en-US" sz="2800" dirty="0"/>
+              <a:t>ノーマルモードで様々な編集ができる</a:t>
+            </a:r>
+            <a:endParaRPr kumimoji="1" lang="en-US" altLang="ja-JP" sz="2800" dirty="0"/>
+          </a:p>
+          <a:p>
+            <a:r>
+              <a:rPr kumimoji="1" lang="ja-JP" altLang="en-US" sz="2800" dirty="0"/>
+              <a:t>とりあえずこれだけ覚えておく</a:t>
+            </a:r>
+            <a:r>
+              <a:rPr kumimoji="1" lang="en-US" altLang="ja-JP" sz="2800" dirty="0"/>
+              <a:t>(</a:t>
+            </a:r>
+            <a:r>
+              <a:rPr kumimoji="1" lang="ja-JP" altLang="en-US" sz="2800" dirty="0"/>
+              <a:t>後で使います</a:t>
+            </a:r>
+            <a:r>
+              <a:rPr kumimoji="1" lang="en-US" altLang="ja-JP" sz="2800" dirty="0"/>
+              <a:t>)</a:t>
+            </a:r>
+            <a:endParaRPr kumimoji="1" lang="ja-JP" altLang="en-US" sz="2800" dirty="0"/>
+          </a:p>
+        </p:txBody>
+      </p:sp>
+      <p:sp>
+        <p:nvSpPr>
+          <p:cNvPr id="4" name="テキスト ボックス 3">
+            <a:extLst>
+              <a:ext uri="{FF2B5EF4-FFF2-40B4-BE49-F238E27FC236}">
+                <a16:creationId xmlns:a16="http://schemas.microsoft.com/office/drawing/2014/main" id="{4221322E-45E0-474E-A9E2-42E72ADC4C12}"/>
+              </a:ext>
+            </a:extLst>
+          </p:cNvPr>
+          <p:cNvSpPr txBox="1"/>
+          <p:nvPr/>
+        </p:nvSpPr>
+        <p:spPr>
+          <a:xfrm>
+            <a:off x="1835696" y="2852936"/>
+            <a:ext cx="6955750" cy="2236574"/>
+          </a:xfrm>
+          <a:prstGeom prst="rect">
+            <a:avLst/>
+          </a:prstGeom>
+          <a:noFill/>
+        </p:spPr>
+        <p:txBody>
+          <a:bodyPr wrap="none" rtlCol="0">
+            <a:spAutoFit/>
+          </a:bodyPr>
+          <a:lstStyle/>
+          <a:p>
+            <a:pPr>
+              <a:lnSpc>
+                <a:spcPct val="150000"/>
+              </a:lnSpc>
+            </a:pPr>
+            <a:r>
+              <a:rPr kumimoji="1" lang="ja-JP" altLang="en-US" sz="2400" dirty="0"/>
+              <a:t>カーソル移動</a:t>
+            </a:r>
+            <a:endParaRPr lang="en-US" altLang="ja-JP" sz="2400" dirty="0"/>
+          </a:p>
+          <a:p>
+            <a:pPr>
+              <a:lnSpc>
+                <a:spcPct val="150000"/>
+              </a:lnSpc>
+            </a:pPr>
+            <a:r>
+              <a:rPr kumimoji="1" lang="ja-JP" altLang="en-US" sz="2400" dirty="0"/>
+              <a:t>カーソル位置の行を切り取り</a:t>
+            </a:r>
+            <a:endParaRPr kumimoji="1" lang="en-US" altLang="ja-JP" sz="2400" dirty="0"/>
+          </a:p>
+          <a:p>
+            <a:pPr>
+              <a:lnSpc>
+                <a:spcPct val="150000"/>
+              </a:lnSpc>
+            </a:pPr>
+            <a:r>
+              <a:rPr lang="ja-JP" altLang="en-US" sz="2400" dirty="0"/>
+              <a:t>切り取った行をカーソル位置の行の下に貼り付け</a:t>
+            </a:r>
+            <a:endParaRPr lang="en-US" altLang="ja-JP" sz="2400" dirty="0"/>
+          </a:p>
+          <a:p>
+            <a:pPr>
+              <a:lnSpc>
+                <a:spcPct val="150000"/>
+              </a:lnSpc>
+            </a:pPr>
+            <a:r>
+              <a:rPr lang="ja-JP" altLang="en-US" sz="2400" dirty="0"/>
+              <a:t>切り取った行をカーソル位置の行の下に貼り付け</a:t>
+            </a:r>
+            <a:endParaRPr kumimoji="1" lang="en-US" altLang="ja-JP" sz="2400" dirty="0"/>
+          </a:p>
+        </p:txBody>
+      </p:sp>
+      <p:sp>
+        <p:nvSpPr>
+          <p:cNvPr id="5" name="テキスト ボックス 4">
+            <a:extLst>
+              <a:ext uri="{FF2B5EF4-FFF2-40B4-BE49-F238E27FC236}">
+                <a16:creationId xmlns:a16="http://schemas.microsoft.com/office/drawing/2014/main" id="{FC5EAF32-A656-44FC-8E34-170A89612FB5}"/>
+              </a:ext>
+            </a:extLst>
+          </p:cNvPr>
+          <p:cNvSpPr txBox="1"/>
+          <p:nvPr/>
+        </p:nvSpPr>
+        <p:spPr>
+          <a:xfrm>
+            <a:off x="467544" y="3059668"/>
+            <a:ext cx="311304" cy="369332"/>
+          </a:xfrm>
+          <a:prstGeom prst="rect">
+            <a:avLst/>
+          </a:prstGeom>
+          <a:solidFill>
+            <a:schemeClr val="accent4">
+              <a:lumMod val="20000"/>
+              <a:lumOff val="80000"/>
+            </a:schemeClr>
+          </a:solidFill>
+        </p:spPr>
+        <p:txBody>
+          <a:bodyPr wrap="none" rtlCol="0">
+            <a:spAutoFit/>
+          </a:bodyPr>
+          <a:lstStyle/>
+          <a:p>
+            <a:r>
+              <a:rPr lang="en-US" dirty="0" err="1">
+                <a:latin typeface="Consolas" panose="020B0609020204030204" pitchFamily="49" charset="0"/>
+              </a:rPr>
+              <a:t>i</a:t>
+            </a:r>
+            <a:endParaRPr lang="en-US" dirty="0">
+              <a:latin typeface="Consolas" panose="020B0609020204030204" pitchFamily="49" charset="0"/>
+            </a:endParaRPr>
+          </a:p>
+        </p:txBody>
+      </p:sp>
+      <p:sp>
+        <p:nvSpPr>
+          <p:cNvPr id="6" name="テキスト ボックス 5">
+            <a:extLst>
+              <a:ext uri="{FF2B5EF4-FFF2-40B4-BE49-F238E27FC236}">
+                <a16:creationId xmlns:a16="http://schemas.microsoft.com/office/drawing/2014/main" id="{6947A449-306F-40FE-822E-C18EBFEFBF2F}"/>
+              </a:ext>
+            </a:extLst>
+          </p:cNvPr>
+          <p:cNvSpPr txBox="1"/>
+          <p:nvPr/>
+        </p:nvSpPr>
+        <p:spPr>
+          <a:xfrm>
+            <a:off x="827584" y="3059668"/>
+            <a:ext cx="311304" cy="369332"/>
+          </a:xfrm>
+          <a:prstGeom prst="rect">
+            <a:avLst/>
+          </a:prstGeom>
+          <a:solidFill>
+            <a:schemeClr val="accent4">
+              <a:lumMod val="20000"/>
+              <a:lumOff val="80000"/>
+            </a:schemeClr>
+          </a:solidFill>
+        </p:spPr>
+        <p:txBody>
+          <a:bodyPr wrap="none" rtlCol="0">
+            <a:spAutoFit/>
+          </a:bodyPr>
+          <a:lstStyle/>
+          <a:p>
+            <a:r>
+              <a:rPr lang="en-US" dirty="0">
+                <a:latin typeface="Consolas" panose="020B0609020204030204" pitchFamily="49" charset="0"/>
+              </a:rPr>
+              <a:t>j</a:t>
+            </a:r>
+          </a:p>
+        </p:txBody>
+      </p:sp>
+      <p:sp>
+        <p:nvSpPr>
+          <p:cNvPr id="7" name="テキスト ボックス 6">
+            <a:extLst>
+              <a:ext uri="{FF2B5EF4-FFF2-40B4-BE49-F238E27FC236}">
+                <a16:creationId xmlns:a16="http://schemas.microsoft.com/office/drawing/2014/main" id="{BDDE4FC2-5C23-4582-AD4D-528CBE1F6BD8}"/>
+              </a:ext>
+            </a:extLst>
+          </p:cNvPr>
+          <p:cNvSpPr txBox="1"/>
+          <p:nvPr/>
+        </p:nvSpPr>
+        <p:spPr>
+          <a:xfrm>
+            <a:off x="1187624" y="3059668"/>
+            <a:ext cx="311304" cy="369332"/>
+          </a:xfrm>
+          <a:prstGeom prst="rect">
+            <a:avLst/>
+          </a:prstGeom>
+          <a:solidFill>
+            <a:schemeClr val="accent4">
+              <a:lumMod val="20000"/>
+              <a:lumOff val="80000"/>
+            </a:schemeClr>
+          </a:solidFill>
+        </p:spPr>
+        <p:txBody>
+          <a:bodyPr wrap="none" rtlCol="0">
+            <a:spAutoFit/>
+          </a:bodyPr>
+          <a:lstStyle/>
+          <a:p>
+            <a:r>
+              <a:rPr lang="en-US" dirty="0">
+                <a:latin typeface="Consolas" panose="020B0609020204030204" pitchFamily="49" charset="0"/>
+              </a:rPr>
+              <a:t>k</a:t>
+            </a:r>
+          </a:p>
+        </p:txBody>
+      </p:sp>
+      <p:sp>
+        <p:nvSpPr>
+          <p:cNvPr id="8" name="テキスト ボックス 7">
+            <a:extLst>
+              <a:ext uri="{FF2B5EF4-FFF2-40B4-BE49-F238E27FC236}">
+                <a16:creationId xmlns:a16="http://schemas.microsoft.com/office/drawing/2014/main" id="{502D5AFC-39C6-4FEC-8ADA-5784F1DC98CE}"/>
+              </a:ext>
+            </a:extLst>
+          </p:cNvPr>
+          <p:cNvSpPr txBox="1"/>
+          <p:nvPr/>
+        </p:nvSpPr>
+        <p:spPr>
+          <a:xfrm>
+            <a:off x="1547664" y="3059668"/>
+            <a:ext cx="311304" cy="369332"/>
+          </a:xfrm>
+          <a:prstGeom prst="rect">
+            <a:avLst/>
+          </a:prstGeom>
+          <a:solidFill>
+            <a:schemeClr val="accent4">
+              <a:lumMod val="20000"/>
+              <a:lumOff val="80000"/>
+            </a:schemeClr>
+          </a:solidFill>
+        </p:spPr>
+        <p:txBody>
+          <a:bodyPr wrap="none" rtlCol="0">
+            <a:spAutoFit/>
+          </a:bodyPr>
+          <a:lstStyle/>
+          <a:p>
+            <a:r>
+              <a:rPr lang="en-US" dirty="0">
+                <a:latin typeface="Consolas" panose="020B0609020204030204" pitchFamily="49" charset="0"/>
+              </a:rPr>
+              <a:t>l</a:t>
+            </a:r>
+          </a:p>
+        </p:txBody>
+      </p:sp>
+      <p:sp>
+        <p:nvSpPr>
+          <p:cNvPr id="9" name="テキスト ボックス 8">
+            <a:extLst>
+              <a:ext uri="{FF2B5EF4-FFF2-40B4-BE49-F238E27FC236}">
+                <a16:creationId xmlns:a16="http://schemas.microsoft.com/office/drawing/2014/main" id="{B55AC817-DF22-49E7-AEC0-2B6BC55AE5AB}"/>
+              </a:ext>
+            </a:extLst>
+          </p:cNvPr>
+          <p:cNvSpPr txBox="1"/>
+          <p:nvPr/>
+        </p:nvSpPr>
+        <p:spPr>
+          <a:xfrm>
+            <a:off x="1475656" y="3573016"/>
+            <a:ext cx="437940" cy="369332"/>
+          </a:xfrm>
+          <a:prstGeom prst="rect">
+            <a:avLst/>
+          </a:prstGeom>
+          <a:solidFill>
+            <a:schemeClr val="accent4">
+              <a:lumMod val="20000"/>
+              <a:lumOff val="80000"/>
+            </a:schemeClr>
+          </a:solidFill>
+        </p:spPr>
+        <p:txBody>
+          <a:bodyPr wrap="square" rtlCol="0">
+            <a:spAutoFit/>
+          </a:bodyPr>
+          <a:lstStyle/>
+          <a:p>
+            <a:r>
+              <a:rPr lang="en-US" dirty="0">
+                <a:latin typeface="Consolas" panose="020B0609020204030204" pitchFamily="49" charset="0"/>
+              </a:rPr>
+              <a:t>dd</a:t>
+            </a:r>
+          </a:p>
+        </p:txBody>
+      </p:sp>
+      <p:sp>
+        <p:nvSpPr>
+          <p:cNvPr id="10" name="テキスト ボックス 9">
+            <a:extLst>
+              <a:ext uri="{FF2B5EF4-FFF2-40B4-BE49-F238E27FC236}">
+                <a16:creationId xmlns:a16="http://schemas.microsoft.com/office/drawing/2014/main" id="{388D9A6B-53A7-46B5-8249-6A5DC071C777}"/>
+              </a:ext>
+            </a:extLst>
+          </p:cNvPr>
+          <p:cNvSpPr txBox="1"/>
+          <p:nvPr/>
+        </p:nvSpPr>
+        <p:spPr>
+          <a:xfrm>
+            <a:off x="1547664" y="4077072"/>
+            <a:ext cx="311304" cy="369332"/>
+          </a:xfrm>
+          <a:prstGeom prst="rect">
+            <a:avLst/>
+          </a:prstGeom>
+          <a:solidFill>
+            <a:schemeClr val="accent4">
+              <a:lumMod val="20000"/>
+              <a:lumOff val="80000"/>
+            </a:schemeClr>
+          </a:solidFill>
+        </p:spPr>
+        <p:txBody>
+          <a:bodyPr wrap="none" rtlCol="0">
+            <a:spAutoFit/>
+          </a:bodyPr>
+          <a:lstStyle/>
+          <a:p>
+            <a:r>
+              <a:rPr lang="en-US" dirty="0">
+                <a:latin typeface="Consolas" panose="020B0609020204030204" pitchFamily="49" charset="0"/>
+              </a:rPr>
+              <a:t>p</a:t>
+            </a:r>
+          </a:p>
+        </p:txBody>
+      </p:sp>
+      <p:sp>
+        <p:nvSpPr>
+          <p:cNvPr id="11" name="テキスト ボックス 10">
+            <a:extLst>
+              <a:ext uri="{FF2B5EF4-FFF2-40B4-BE49-F238E27FC236}">
+                <a16:creationId xmlns:a16="http://schemas.microsoft.com/office/drawing/2014/main" id="{9AFA71F1-68FF-47DA-AFF3-15D52B64102A}"/>
+              </a:ext>
+            </a:extLst>
+          </p:cNvPr>
+          <p:cNvSpPr txBox="1"/>
+          <p:nvPr/>
+        </p:nvSpPr>
+        <p:spPr>
+          <a:xfrm>
+            <a:off x="1547664" y="4653136"/>
+            <a:ext cx="311304" cy="369332"/>
+          </a:xfrm>
+          <a:prstGeom prst="rect">
+            <a:avLst/>
+          </a:prstGeom>
+          <a:solidFill>
+            <a:schemeClr val="accent4">
+              <a:lumMod val="20000"/>
+              <a:lumOff val="80000"/>
+            </a:schemeClr>
+          </a:solidFill>
+        </p:spPr>
+        <p:txBody>
+          <a:bodyPr wrap="none" rtlCol="0">
+            <a:spAutoFit/>
+          </a:bodyPr>
+          <a:lstStyle/>
+          <a:p>
+            <a:r>
+              <a:rPr lang="en-US" dirty="0">
+                <a:latin typeface="Consolas" panose="020B0609020204030204" pitchFamily="49" charset="0"/>
+              </a:rPr>
+              <a:t>P</a:t>
+            </a:r>
+          </a:p>
+        </p:txBody>
+      </p:sp>
+    </p:spTree>
+    <p:extLst>
+      <p:ext uri="{BB962C8B-B14F-4D97-AF65-F5344CB8AC3E}">
+        <p14:creationId xmlns:p14="http://schemas.microsoft.com/office/powerpoint/2010/main" val="3291141295"/>
+      </p:ext>
+    </p:extLst>
+  </p:cSld>
+  <p:clrMapOvr>
+    <a:masterClrMapping/>
+  </p:clrMapOvr>
+</p:sld>
+</file>
+
+<file path=ppt/slides/slide33.xml><?xml version="1.0" encoding="utf-8"?>
+<p:sld xmlns:a="http://schemas.openxmlformats.org/drawingml/2006/main" xmlns:r="http://schemas.openxmlformats.org/officeDocument/2006/relationships" xmlns:p="http://schemas.openxmlformats.org/presentationml/2006/main">
+  <p:cSld>
+    <p:spTree>
+      <p:nvGrpSpPr>
+        <p:cNvPr id="1" name=""/>
+        <p:cNvGrpSpPr/>
+        <p:nvPr/>
+      </p:nvGrpSpPr>
+      <p:grpSpPr>
+        <a:xfrm>
+          <a:off x="0" y="0"/>
+          <a:ext cx="0" cy="0"/>
+          <a:chOff x="0" y="0"/>
+          <a:chExt cx="0" cy="0"/>
+        </a:xfrm>
+      </p:grpSpPr>
+      <p:sp>
+        <p:nvSpPr>
+          <p:cNvPr id="2" name="テキスト プレースホルダー 1">
+            <a:extLst>
+              <a:ext uri="{FF2B5EF4-FFF2-40B4-BE49-F238E27FC236}">
+                <a16:creationId xmlns:a16="http://schemas.microsoft.com/office/drawing/2014/main" id="{22BAB1D1-77B1-4FD7-92A3-0D7FF032B8E6}"/>
+              </a:ext>
+            </a:extLst>
+          </p:cNvPr>
+          <p:cNvSpPr>
+            <a:spLocks noGrp="1"/>
+          </p:cNvSpPr>
+          <p:nvPr>
+            <p:ph type="body" sz="quarter" idx="10"/>
+          </p:nvPr>
+        </p:nvSpPr>
+        <p:spPr/>
+        <p:txBody>
+          <a:bodyPr/>
+          <a:lstStyle/>
+          <a:p>
+            <a:r>
+              <a:rPr lang="ja-JP" altLang="en-US" dirty="0"/>
+              <a:t>まとめ</a:t>
+            </a:r>
+            <a:endParaRPr kumimoji="1" lang="ja-JP" altLang="en-US" dirty="0"/>
+          </a:p>
+        </p:txBody>
+      </p:sp>
+      <p:sp>
+        <p:nvSpPr>
+          <p:cNvPr id="3" name="テキスト ボックス 2">
+            <a:extLst>
+              <a:ext uri="{FF2B5EF4-FFF2-40B4-BE49-F238E27FC236}">
+                <a16:creationId xmlns:a16="http://schemas.microsoft.com/office/drawing/2014/main" id="{0B1DECF6-CC41-451B-B6DD-74C039DB47FF}"/>
+              </a:ext>
+            </a:extLst>
+          </p:cNvPr>
+          <p:cNvSpPr txBox="1"/>
+          <p:nvPr/>
+        </p:nvSpPr>
+        <p:spPr>
+          <a:xfrm>
+            <a:off x="611560" y="1988840"/>
+            <a:ext cx="8392041" cy="1631216"/>
+          </a:xfrm>
+          <a:prstGeom prst="rect">
+            <a:avLst/>
+          </a:prstGeom>
+          <a:noFill/>
+        </p:spPr>
+        <p:txBody>
+          <a:bodyPr wrap="none" rtlCol="0">
+            <a:spAutoFit/>
+          </a:bodyPr>
+          <a:lstStyle/>
+          <a:p>
+            <a:r>
+              <a:rPr kumimoji="1" lang="ja-JP" altLang="en-US" sz="2000" dirty="0"/>
+              <a:t>インタフェースにはコマンドラインとグラフィカルなものがある</a:t>
+            </a:r>
+            <a:endParaRPr kumimoji="1" lang="en-US" altLang="ja-JP" sz="2000" dirty="0"/>
+          </a:p>
+          <a:p>
+            <a:r>
+              <a:rPr lang="ja-JP" altLang="en-US" sz="2000" dirty="0"/>
+              <a:t>本講義では</a:t>
+            </a:r>
+            <a:r>
+              <a:rPr lang="en-US" altLang="ja-JP" sz="2000" dirty="0"/>
+              <a:t>Git</a:t>
+            </a:r>
+            <a:r>
+              <a:rPr lang="ja-JP" altLang="en-US" sz="2000" dirty="0"/>
+              <a:t>を主にコマンドラインで使う</a:t>
+            </a:r>
+            <a:endParaRPr lang="en-US" altLang="ja-JP" sz="2000" dirty="0"/>
+          </a:p>
+          <a:p>
+            <a:r>
+              <a:rPr kumimoji="1" lang="ja-JP" altLang="en-US" sz="2000" dirty="0"/>
+              <a:t>コマンドラインインタフェースでは、プロンプトにコマンドを入力する</a:t>
+            </a:r>
+            <a:endParaRPr kumimoji="1" lang="en-US" altLang="ja-JP" sz="2000" dirty="0"/>
+          </a:p>
+          <a:p>
+            <a:r>
+              <a:rPr kumimoji="1" lang="ja-JP" altLang="en-US" sz="2000" dirty="0"/>
+              <a:t>コマンドには引数やオプションを与える</a:t>
+            </a:r>
+            <a:endParaRPr kumimoji="1" lang="en-US" altLang="ja-JP" sz="2000" dirty="0"/>
+          </a:p>
+          <a:p>
+            <a:r>
+              <a:rPr lang="ja-JP" altLang="en-US" sz="2000" dirty="0"/>
+              <a:t>エラーメッセージを読む</a:t>
+            </a:r>
+            <a:endParaRPr kumimoji="1" lang="ja-JP" altLang="en-US" sz="2000" dirty="0"/>
+          </a:p>
+        </p:txBody>
+      </p:sp>
+      <p:sp>
+        <p:nvSpPr>
+          <p:cNvPr id="4" name="テキスト ボックス 3">
+            <a:extLst>
+              <a:ext uri="{FF2B5EF4-FFF2-40B4-BE49-F238E27FC236}">
+                <a16:creationId xmlns:a16="http://schemas.microsoft.com/office/drawing/2014/main" id="{2149F2D1-1E42-449B-BF41-799B1712FD3F}"/>
+              </a:ext>
+            </a:extLst>
+          </p:cNvPr>
+          <p:cNvSpPr txBox="1"/>
+          <p:nvPr/>
+        </p:nvSpPr>
+        <p:spPr>
+          <a:xfrm>
+            <a:off x="251520" y="1340768"/>
+            <a:ext cx="3570208" cy="461665"/>
+          </a:xfrm>
+          <a:prstGeom prst="rect">
+            <a:avLst/>
+          </a:prstGeom>
+          <a:noFill/>
+        </p:spPr>
+        <p:txBody>
+          <a:bodyPr wrap="none" rtlCol="0">
+            <a:spAutoFit/>
+          </a:bodyPr>
+          <a:lstStyle/>
+          <a:p>
+            <a:r>
+              <a:rPr lang="ja-JP" altLang="en-US" sz="2400" dirty="0">
+                <a:solidFill>
+                  <a:srgbClr val="011893"/>
+                </a:solidFill>
+              </a:rPr>
+              <a:t>インタフェースについて</a:t>
+            </a:r>
+            <a:endParaRPr kumimoji="1" lang="ja-JP" altLang="en-US" sz="2400" dirty="0">
+              <a:solidFill>
+                <a:srgbClr val="011893"/>
+              </a:solidFill>
+            </a:endParaRPr>
+          </a:p>
+        </p:txBody>
+      </p:sp>
+      <p:sp>
+        <p:nvSpPr>
+          <p:cNvPr id="5" name="テキスト ボックス 4">
+            <a:extLst>
+              <a:ext uri="{FF2B5EF4-FFF2-40B4-BE49-F238E27FC236}">
+                <a16:creationId xmlns:a16="http://schemas.microsoft.com/office/drawing/2014/main" id="{724FDAC2-0E63-44B7-AEF2-8BC99411A3D8}"/>
+              </a:ext>
+            </a:extLst>
+          </p:cNvPr>
+          <p:cNvSpPr txBox="1"/>
+          <p:nvPr/>
+        </p:nvSpPr>
+        <p:spPr>
+          <a:xfrm>
+            <a:off x="395536" y="4005064"/>
+            <a:ext cx="709681" cy="461665"/>
+          </a:xfrm>
+          <a:prstGeom prst="rect">
+            <a:avLst/>
+          </a:prstGeom>
+          <a:noFill/>
+        </p:spPr>
+        <p:txBody>
+          <a:bodyPr wrap="none" rtlCol="0">
+            <a:spAutoFit/>
+          </a:bodyPr>
+          <a:lstStyle/>
+          <a:p>
+            <a:r>
+              <a:rPr lang="en-US" altLang="ja-JP" sz="2400" dirty="0">
+                <a:solidFill>
+                  <a:srgbClr val="011893"/>
+                </a:solidFill>
+              </a:rPr>
+              <a:t>Vim</a:t>
+            </a:r>
+            <a:endParaRPr kumimoji="1" lang="ja-JP" altLang="en-US" sz="2400" dirty="0">
+              <a:solidFill>
+                <a:srgbClr val="011893"/>
+              </a:solidFill>
+            </a:endParaRPr>
+          </a:p>
+        </p:txBody>
+      </p:sp>
+      <p:sp>
+        <p:nvSpPr>
+          <p:cNvPr id="6" name="テキスト ボックス 5">
+            <a:extLst>
+              <a:ext uri="{FF2B5EF4-FFF2-40B4-BE49-F238E27FC236}">
+                <a16:creationId xmlns:a16="http://schemas.microsoft.com/office/drawing/2014/main" id="{2B889AFD-EFBD-48F2-A831-9C693E7EFE2F}"/>
+              </a:ext>
+            </a:extLst>
+          </p:cNvPr>
+          <p:cNvSpPr txBox="1"/>
+          <p:nvPr/>
+        </p:nvSpPr>
+        <p:spPr>
+          <a:xfrm>
+            <a:off x="611560" y="4509120"/>
+            <a:ext cx="5053178" cy="1323439"/>
+          </a:xfrm>
+          <a:prstGeom prst="rect">
+            <a:avLst/>
+          </a:prstGeom>
+          <a:noFill/>
+        </p:spPr>
+        <p:txBody>
+          <a:bodyPr wrap="none" rtlCol="0">
+            <a:spAutoFit/>
+          </a:bodyPr>
+          <a:lstStyle/>
+          <a:p>
+            <a:r>
+              <a:rPr lang="ja-JP" altLang="en-US" sz="2000" dirty="0"/>
+              <a:t>本講義では</a:t>
+            </a:r>
+            <a:r>
+              <a:rPr lang="en-US" altLang="ja-JP" sz="2000" dirty="0"/>
+              <a:t>Git</a:t>
+            </a:r>
+            <a:r>
+              <a:rPr lang="ja-JP" altLang="en-US" sz="2000" dirty="0"/>
+              <a:t>のエディタとして</a:t>
+            </a:r>
+            <a:r>
+              <a:rPr lang="en-US" altLang="ja-JP" sz="2000" dirty="0"/>
+              <a:t>Vim</a:t>
+            </a:r>
+            <a:r>
+              <a:rPr lang="ja-JP" altLang="en-US" sz="2000" dirty="0"/>
+              <a:t>を使う</a:t>
+            </a:r>
+            <a:endParaRPr lang="en-US" altLang="ja-JP" sz="2000" dirty="0"/>
+          </a:p>
+          <a:p>
+            <a:r>
+              <a:rPr lang="en-US" altLang="ja-JP" sz="2000" dirty="0"/>
+              <a:t>Vim</a:t>
+            </a:r>
+            <a:r>
+              <a:rPr lang="ja-JP" altLang="en-US" sz="2000" dirty="0"/>
+              <a:t>にはモードがある</a:t>
+            </a:r>
+            <a:endParaRPr lang="en-US" altLang="ja-JP" sz="2000" dirty="0"/>
+          </a:p>
+          <a:p>
+            <a:r>
+              <a:rPr lang="ja-JP" altLang="en-US" sz="2000" dirty="0"/>
+              <a:t>困ったらエスケープキー</a:t>
+            </a:r>
+            <a:endParaRPr lang="en-US" altLang="ja-JP" sz="2000" dirty="0"/>
+          </a:p>
+          <a:p>
+            <a:r>
+              <a:rPr lang="ja-JP" altLang="en-US" sz="2000" dirty="0"/>
+              <a:t>終了は「</a:t>
+            </a:r>
+            <a:r>
+              <a:rPr lang="en-US" altLang="ja-JP" sz="2000" dirty="0"/>
+              <a:t>ZZ</a:t>
+            </a:r>
+            <a:r>
+              <a:rPr lang="ja-JP" altLang="en-US" sz="2000" dirty="0"/>
+              <a:t>」</a:t>
+            </a:r>
+            <a:endParaRPr lang="en-US" altLang="ja-JP" sz="2000" dirty="0"/>
+          </a:p>
+        </p:txBody>
+      </p:sp>
+    </p:spTree>
+    <p:extLst>
+      <p:ext uri="{BB962C8B-B14F-4D97-AF65-F5344CB8AC3E}">
+        <p14:creationId xmlns:p14="http://schemas.microsoft.com/office/powerpoint/2010/main" val="1863805852"/>
       </p:ext>
     </p:extLst>
   </p:cSld>

--- a/command/fig/slide.pptx
+++ b/command/fig/slide.pptx
@@ -5,7 +5,7 @@
     <p:sldMasterId id="2147483663" r:id="rId1"/>
   </p:sldMasterIdLst>
   <p:notesMasterIdLst>
-    <p:notesMasterId r:id="rId21"/>
+    <p:notesMasterId r:id="rId30"/>
   </p:notesMasterIdLst>
   <p:sldIdLst>
     <p:sldId id="256" r:id="rId2"/>
@@ -27,6 +27,15 @@
     <p:sldId id="310" r:id="rId18"/>
     <p:sldId id="311" r:id="rId19"/>
     <p:sldId id="312" r:id="rId20"/>
+    <p:sldId id="313" r:id="rId21"/>
+    <p:sldId id="314" r:id="rId22"/>
+    <p:sldId id="315" r:id="rId23"/>
+    <p:sldId id="316" r:id="rId24"/>
+    <p:sldId id="317" r:id="rId25"/>
+    <p:sldId id="318" r:id="rId26"/>
+    <p:sldId id="319" r:id="rId27"/>
+    <p:sldId id="320" r:id="rId28"/>
+    <p:sldId id="321" r:id="rId29"/>
   </p:sldIdLst>
   <p:sldSz cx="9144000" cy="6858000" type="screen4x3"/>
   <p:notesSz cx="6858000" cy="9144000"/>
@@ -225,7 +234,7 @@
           </a:lstStyle>
           <a:p>
             <a:fld id="{6B8D1B20-A248-FB47-8240-73C0C5F47C9D}" type="datetimeFigureOut">
-              <a:t>9/26/2021</a:t>
+              <a:t>9/27/2021</a:t>
             </a:fld>
             <a:endParaRPr kumimoji="1" lang="ja-JP" altLang="en-US"/>
           </a:p>
@@ -8707,6 +8716,54 @@
           </a:fontRef>
         </p:style>
       </p:cxnSp>
+      <p:sp>
+        <p:nvSpPr>
+          <p:cNvPr id="4" name="テキスト ボックス 3">
+            <a:extLst>
+              <a:ext uri="{FF2B5EF4-FFF2-40B4-BE49-F238E27FC236}">
+                <a16:creationId xmlns:a16="http://schemas.microsoft.com/office/drawing/2014/main" id="{4B344615-8F5B-482F-B90A-CF0E3F6F7BBB}"/>
+              </a:ext>
+            </a:extLst>
+          </p:cNvPr>
+          <p:cNvSpPr txBox="1"/>
+          <p:nvPr/>
+        </p:nvSpPr>
+        <p:spPr>
+          <a:xfrm>
+            <a:off x="251520" y="6309320"/>
+            <a:ext cx="5622052" cy="369332"/>
+          </a:xfrm>
+          <a:prstGeom prst="rect">
+            <a:avLst/>
+          </a:prstGeom>
+          <a:noFill/>
+        </p:spPr>
+        <p:txBody>
+          <a:bodyPr wrap="none" rtlCol="0">
+            <a:spAutoFit/>
+          </a:bodyPr>
+          <a:lstStyle/>
+          <a:p>
+            <a:r>
+              <a:rPr lang="en-US" altLang="ja-JP"/>
+              <a:t>※ </a:t>
+            </a:r>
+            <a:r>
+              <a:rPr lang="ja-JP" altLang="en-US"/>
+              <a:t>ディレクトリの削除は</a:t>
+            </a:r>
+            <a:r>
+              <a:rPr lang="en-US" altLang="ja-JP"/>
+              <a:t>rmdir</a:t>
+            </a:r>
+            <a:r>
+              <a:rPr lang="ja-JP" altLang="en-US"/>
+              <a:t>だが、あまり使わない</a:t>
+            </a:r>
+            <a:endParaRPr lang="en-US"/>
+          </a:p>
+        </p:txBody>
+      </p:sp>
     </p:spTree>
     <p:extLst>
       <p:ext uri="{BB962C8B-B14F-4D97-AF65-F5344CB8AC3E}">
@@ -8930,6 +8987,7919 @@
     <p:extLst>
       <p:ext uri="{BB962C8B-B14F-4D97-AF65-F5344CB8AC3E}">
         <p14:creationId xmlns:p14="http://schemas.microsoft.com/office/powerpoint/2010/main" val="3926767080"/>
+      </p:ext>
+    </p:extLst>
+  </p:cSld>
+  <p:clrMapOvr>
+    <a:masterClrMapping/>
+  </p:clrMapOvr>
+</p:sld>
+</file>
+
+<file path=ppt/slides/slide20.xml><?xml version="1.0" encoding="utf-8"?>
+<p:sld xmlns:a="http://schemas.openxmlformats.org/drawingml/2006/main" xmlns:r="http://schemas.openxmlformats.org/officeDocument/2006/relationships" xmlns:p="http://schemas.openxmlformats.org/presentationml/2006/main">
+  <p:cSld>
+    <p:spTree>
+      <p:nvGrpSpPr>
+        <p:cNvPr id="1" name=""/>
+        <p:cNvGrpSpPr/>
+        <p:nvPr/>
+      </p:nvGrpSpPr>
+      <p:grpSpPr>
+        <a:xfrm>
+          <a:off x="0" y="0"/>
+          <a:ext cx="0" cy="0"/>
+          <a:chOff x="0" y="0"/>
+          <a:chExt cx="0" cy="0"/>
+        </a:xfrm>
+      </p:grpSpPr>
+      <p:sp>
+        <p:nvSpPr>
+          <p:cNvPr id="2" name="テキスト プレースホルダー 1">
+            <a:extLst>
+              <a:ext uri="{FF2B5EF4-FFF2-40B4-BE49-F238E27FC236}">
+                <a16:creationId xmlns:a16="http://schemas.microsoft.com/office/drawing/2014/main" id="{98DEBCC9-B04A-4428-9486-7FFA9C188B0C}"/>
+              </a:ext>
+            </a:extLst>
+          </p:cNvPr>
+          <p:cNvSpPr>
+            <a:spLocks noGrp="1"/>
+          </p:cNvSpPr>
+          <p:nvPr>
+            <p:ph type="body" sz="quarter" idx="10"/>
+          </p:nvPr>
+        </p:nvSpPr>
+        <p:spPr/>
+        <p:txBody>
+          <a:bodyPr/>
+          <a:lstStyle/>
+          <a:p>
+            <a:r>
+              <a:rPr lang="en-US"/>
+              <a:t>mv</a:t>
+            </a:r>
+          </a:p>
+        </p:txBody>
+      </p:sp>
+      <p:sp>
+        <p:nvSpPr>
+          <p:cNvPr id="4" name="テキスト ボックス 3">
+            <a:extLst>
+              <a:ext uri="{FF2B5EF4-FFF2-40B4-BE49-F238E27FC236}">
+                <a16:creationId xmlns:a16="http://schemas.microsoft.com/office/drawing/2014/main" id="{65132DA2-927C-4304-8257-40A9015A5E11}"/>
+              </a:ext>
+            </a:extLst>
+          </p:cNvPr>
+          <p:cNvSpPr txBox="1"/>
+          <p:nvPr/>
+        </p:nvSpPr>
+        <p:spPr>
+          <a:xfrm>
+            <a:off x="179512" y="1988840"/>
+            <a:ext cx="8784976" cy="1569660"/>
+          </a:xfrm>
+          <a:prstGeom prst="rect">
+            <a:avLst/>
+          </a:prstGeom>
+          <a:noFill/>
+        </p:spPr>
+        <p:txBody>
+          <a:bodyPr wrap="square" rtlCol="0">
+            <a:spAutoFit/>
+          </a:bodyPr>
+          <a:lstStyle/>
+          <a:p>
+            <a:r>
+              <a:rPr lang="ja-JP" altLang="en-US" sz="2400"/>
+              <a:t>ファイルやディレクトリの移動、リネームを行う</a:t>
+            </a:r>
+            <a:endParaRPr lang="en-US" altLang="ja-JP" sz="2400"/>
+          </a:p>
+          <a:p>
+            <a:r>
+              <a:rPr lang="ja-JP" altLang="en-US" sz="2400"/>
+              <a:t>「移動元」「移動先」と引数を二つとる</a:t>
+            </a:r>
+            <a:endParaRPr lang="en-US" altLang="ja-JP" sz="2400"/>
+          </a:p>
+          <a:p>
+            <a:r>
+              <a:rPr lang="ja-JP" altLang="en-US" sz="2400"/>
+              <a:t>移動元は存在するファイルやディレクトリでなければならない</a:t>
+            </a:r>
+            <a:endParaRPr lang="en-US" altLang="ja-JP" sz="2400"/>
+          </a:p>
+          <a:p>
+            <a:r>
+              <a:rPr lang="ja-JP" altLang="en-US" sz="2400"/>
+              <a:t>移動先が存在するかしないかで動作が変わる</a:t>
+            </a:r>
+            <a:endParaRPr lang="en-US" sz="2400"/>
+          </a:p>
+        </p:txBody>
+      </p:sp>
+      <p:sp>
+        <p:nvSpPr>
+          <p:cNvPr id="5" name="テキスト ボックス 4">
+            <a:extLst>
+              <a:ext uri="{FF2B5EF4-FFF2-40B4-BE49-F238E27FC236}">
+                <a16:creationId xmlns:a16="http://schemas.microsoft.com/office/drawing/2014/main" id="{CA4D60C0-B358-49F0-8345-9D7F687DDC11}"/>
+              </a:ext>
+            </a:extLst>
+          </p:cNvPr>
+          <p:cNvSpPr txBox="1"/>
+          <p:nvPr/>
+        </p:nvSpPr>
+        <p:spPr>
+          <a:xfrm>
+            <a:off x="2051720" y="980728"/>
+            <a:ext cx="4232249" cy="707886"/>
+          </a:xfrm>
+          <a:prstGeom prst="rect">
+            <a:avLst/>
+          </a:prstGeom>
+          <a:noFill/>
+        </p:spPr>
+        <p:txBody>
+          <a:bodyPr wrap="none" rtlCol="0">
+            <a:spAutoFit/>
+          </a:bodyPr>
+          <a:lstStyle/>
+          <a:p>
+            <a:r>
+              <a:rPr lang="en-US" sz="4000"/>
+              <a:t>mv </a:t>
+            </a:r>
+            <a:r>
+              <a:rPr lang="ja-JP" altLang="en-US" sz="4000"/>
+              <a:t>移動元 移動先</a:t>
+            </a:r>
+            <a:endParaRPr lang="en-US" sz="4000"/>
+          </a:p>
+        </p:txBody>
+      </p:sp>
+      <p:sp>
+        <p:nvSpPr>
+          <p:cNvPr id="8" name="テキスト ボックス 7">
+            <a:extLst>
+              <a:ext uri="{FF2B5EF4-FFF2-40B4-BE49-F238E27FC236}">
+                <a16:creationId xmlns:a16="http://schemas.microsoft.com/office/drawing/2014/main" id="{8F0FE023-2354-435F-8BA3-50ED6B4BA40B}"/>
+              </a:ext>
+            </a:extLst>
+          </p:cNvPr>
+          <p:cNvSpPr txBox="1"/>
+          <p:nvPr/>
+        </p:nvSpPr>
+        <p:spPr>
+          <a:xfrm>
+            <a:off x="251520" y="4221088"/>
+            <a:ext cx="8640960" cy="1569660"/>
+          </a:xfrm>
+          <a:prstGeom prst="rect">
+            <a:avLst/>
+          </a:prstGeom>
+          <a:noFill/>
+        </p:spPr>
+        <p:txBody>
+          <a:bodyPr wrap="square">
+            <a:spAutoFit/>
+          </a:bodyPr>
+          <a:lstStyle/>
+          <a:p>
+            <a:r>
+              <a:rPr lang="ja-JP" altLang="en-US" sz="2400" b="0" i="0">
+                <a:solidFill>
+                  <a:srgbClr val="24292F"/>
+                </a:solidFill>
+                <a:effectLst/>
+                <a:latin typeface="-apple-system"/>
+              </a:rPr>
+              <a:t>移動先が存在するディレクトリ</a:t>
+            </a:r>
+            <a:endParaRPr lang="en-US" altLang="ja-JP" sz="2400" b="0" i="0">
+              <a:solidFill>
+                <a:srgbClr val="24292F"/>
+              </a:solidFill>
+              <a:effectLst/>
+              <a:latin typeface="-apple-system"/>
+            </a:endParaRPr>
+          </a:p>
+          <a:p>
+            <a:r>
+              <a:rPr lang="ja-JP" altLang="en-US" sz="2400" b="0" i="0">
+                <a:solidFill>
+                  <a:srgbClr val="24292F"/>
+                </a:solidFill>
+                <a:effectLst/>
+                <a:latin typeface="-apple-system"/>
+              </a:rPr>
+              <a:t>→そこに移動</a:t>
+            </a:r>
+            <a:endParaRPr lang="en-US" altLang="ja-JP" sz="2400" b="0" i="0">
+              <a:solidFill>
+                <a:srgbClr val="24292F"/>
+              </a:solidFill>
+              <a:effectLst/>
+              <a:latin typeface="-apple-system"/>
+            </a:endParaRPr>
+          </a:p>
+          <a:p>
+            <a:r>
+              <a:rPr lang="ja-JP" altLang="en-US" sz="2400" b="0" i="0">
+                <a:solidFill>
+                  <a:srgbClr val="24292F"/>
+                </a:solidFill>
+                <a:effectLst/>
+                <a:latin typeface="-apple-system"/>
+              </a:rPr>
+              <a:t>移動先が存在しないファイルやディレクトリ</a:t>
+            </a:r>
+            <a:endParaRPr lang="en-US" altLang="ja-JP" sz="2400" b="0" i="0">
+              <a:solidFill>
+                <a:srgbClr val="24292F"/>
+              </a:solidFill>
+              <a:effectLst/>
+              <a:latin typeface="-apple-system"/>
+            </a:endParaRPr>
+          </a:p>
+          <a:p>
+            <a:r>
+              <a:rPr lang="ja-JP" altLang="en-US" sz="2400">
+                <a:solidFill>
+                  <a:srgbClr val="24292F"/>
+                </a:solidFill>
+                <a:latin typeface="-apple-system"/>
+              </a:rPr>
+              <a:t>→</a:t>
+            </a:r>
+            <a:r>
+              <a:rPr lang="ja-JP" altLang="en-US" sz="2400" b="0" i="0">
+                <a:solidFill>
+                  <a:srgbClr val="24292F"/>
+                </a:solidFill>
+                <a:effectLst/>
+                <a:latin typeface="-apple-system"/>
+              </a:rPr>
+              <a:t>移動元のファイルやディレクトリを移動した上でリネーム</a:t>
+            </a:r>
+            <a:endParaRPr lang="en-US" sz="2400"/>
+          </a:p>
+        </p:txBody>
+      </p:sp>
+    </p:spTree>
+    <p:extLst>
+      <p:ext uri="{BB962C8B-B14F-4D97-AF65-F5344CB8AC3E}">
+        <p14:creationId xmlns:p14="http://schemas.microsoft.com/office/powerpoint/2010/main" val="139254914"/>
+      </p:ext>
+    </p:extLst>
+  </p:cSld>
+  <p:clrMapOvr>
+    <a:masterClrMapping/>
+  </p:clrMapOvr>
+</p:sld>
+</file>
+
+<file path=ppt/slides/slide21.xml><?xml version="1.0" encoding="utf-8"?>
+<p:sld xmlns:a="http://schemas.openxmlformats.org/drawingml/2006/main" xmlns:r="http://schemas.openxmlformats.org/officeDocument/2006/relationships" xmlns:p="http://schemas.openxmlformats.org/presentationml/2006/main">
+  <p:cSld>
+    <p:spTree>
+      <p:nvGrpSpPr>
+        <p:cNvPr id="1" name=""/>
+        <p:cNvGrpSpPr/>
+        <p:nvPr/>
+      </p:nvGrpSpPr>
+      <p:grpSpPr>
+        <a:xfrm>
+          <a:off x="0" y="0"/>
+          <a:ext cx="0" cy="0"/>
+          <a:chOff x="0" y="0"/>
+          <a:chExt cx="0" cy="0"/>
+        </a:xfrm>
+      </p:grpSpPr>
+      <p:sp>
+        <p:nvSpPr>
+          <p:cNvPr id="2" name="テキスト プレースホルダー 1">
+            <a:extLst>
+              <a:ext uri="{FF2B5EF4-FFF2-40B4-BE49-F238E27FC236}">
+                <a16:creationId xmlns:a16="http://schemas.microsoft.com/office/drawing/2014/main" id="{10C15FC4-6A75-41E9-9144-6A1E120261AE}"/>
+              </a:ext>
+            </a:extLst>
+          </p:cNvPr>
+          <p:cNvSpPr>
+            <a:spLocks noGrp="1"/>
+          </p:cNvSpPr>
+          <p:nvPr>
+            <p:ph type="body" sz="quarter" idx="10"/>
+          </p:nvPr>
+        </p:nvSpPr>
+        <p:spPr/>
+        <p:txBody>
+          <a:bodyPr/>
+          <a:lstStyle/>
+          <a:p>
+            <a:r>
+              <a:rPr lang="en-US"/>
+              <a:t>mv</a:t>
+            </a:r>
+          </a:p>
+        </p:txBody>
+      </p:sp>
+      <p:pic>
+        <p:nvPicPr>
+          <p:cNvPr id="3" name="Picture 2" descr="フォルダのイラスト">
+            <a:extLst>
+              <a:ext uri="{FF2B5EF4-FFF2-40B4-BE49-F238E27FC236}">
+                <a16:creationId xmlns:a16="http://schemas.microsoft.com/office/drawing/2014/main" id="{0303B108-EBAA-4B5E-A953-699BDEFBD62F}"/>
+              </a:ext>
+            </a:extLst>
+          </p:cNvPr>
+          <p:cNvPicPr>
+            <a:picLocks noChangeAspect="1" noChangeArrowheads="1"/>
+          </p:cNvPicPr>
+          <p:nvPr/>
+        </p:nvPicPr>
+        <p:blipFill>
+          <a:blip r:embed="rId2" cstate="print">
+            <a:extLst>
+              <a:ext uri="{28A0092B-C50C-407E-A947-70E740481C1C}">
+                <a14:useLocalDpi xmlns:a14="http://schemas.microsoft.com/office/drawing/2010/main" val="0"/>
+              </a:ext>
+            </a:extLst>
+          </a:blip>
+          <a:srcRect/>
+          <a:stretch>
+            <a:fillRect/>
+          </a:stretch>
+        </p:blipFill>
+        <p:spPr bwMode="auto">
+          <a:xfrm>
+            <a:off x="2310887" y="3501008"/>
+            <a:ext cx="764145" cy="639971"/>
+          </a:xfrm>
+          <a:prstGeom prst="rect">
+            <a:avLst/>
+          </a:prstGeom>
+          <a:noFill/>
+          <a:extLst>
+            <a:ext uri="{909E8E84-426E-40DD-AFC4-6F175D3DCCD1}">
+              <a14:hiddenFill xmlns:a14="http://schemas.microsoft.com/office/drawing/2010/main">
+                <a:solidFill>
+                  <a:srgbClr val="FFFFFF"/>
+                </a:solidFill>
+              </a14:hiddenFill>
+            </a:ext>
+          </a:extLst>
+        </p:spPr>
+      </p:pic>
+      <p:sp>
+        <p:nvSpPr>
+          <p:cNvPr id="4" name="テキスト ボックス 3">
+            <a:extLst>
+              <a:ext uri="{FF2B5EF4-FFF2-40B4-BE49-F238E27FC236}">
+                <a16:creationId xmlns:a16="http://schemas.microsoft.com/office/drawing/2014/main" id="{BC531343-8B5E-4968-9219-78D6146802D0}"/>
+              </a:ext>
+            </a:extLst>
+          </p:cNvPr>
+          <p:cNvSpPr txBox="1"/>
+          <p:nvPr/>
+        </p:nvSpPr>
+        <p:spPr>
+          <a:xfrm>
+            <a:off x="2339752" y="3645024"/>
+            <a:ext cx="691215" cy="369332"/>
+          </a:xfrm>
+          <a:prstGeom prst="rect">
+            <a:avLst/>
+          </a:prstGeom>
+          <a:noFill/>
+        </p:spPr>
+        <p:txBody>
+          <a:bodyPr wrap="none" rtlCol="0">
+            <a:spAutoFit/>
+          </a:bodyPr>
+          <a:lstStyle/>
+          <a:p>
+            <a:r>
+              <a:rPr lang="en-US" altLang="ja-JP">
+                <a:solidFill>
+                  <a:schemeClr val="bg1"/>
+                </a:solidFill>
+                <a:latin typeface="Consolas" panose="020B0609020204030204" pitchFamily="49" charset="0"/>
+              </a:rPr>
+              <a:t>temp</a:t>
+            </a:r>
+            <a:endParaRPr kumimoji="1" lang="ja-JP" altLang="en-US" dirty="0">
+              <a:solidFill>
+                <a:schemeClr val="bg1"/>
+              </a:solidFill>
+              <a:latin typeface="Consolas" panose="020B0609020204030204" pitchFamily="49" charset="0"/>
+            </a:endParaRPr>
+          </a:p>
+        </p:txBody>
+      </p:sp>
+      <p:pic>
+        <p:nvPicPr>
+          <p:cNvPr id="5" name="Picture 2" descr="フォルダのイラスト">
+            <a:extLst>
+              <a:ext uri="{FF2B5EF4-FFF2-40B4-BE49-F238E27FC236}">
+                <a16:creationId xmlns:a16="http://schemas.microsoft.com/office/drawing/2014/main" id="{B7F4F179-656D-4ADF-B292-A90C723B7733}"/>
+              </a:ext>
+            </a:extLst>
+          </p:cNvPr>
+          <p:cNvPicPr>
+            <a:picLocks noChangeAspect="1" noChangeArrowheads="1"/>
+          </p:cNvPicPr>
+          <p:nvPr/>
+        </p:nvPicPr>
+        <p:blipFill>
+          <a:blip r:embed="rId2" cstate="print">
+            <a:extLst>
+              <a:ext uri="{28A0092B-C50C-407E-A947-70E740481C1C}">
+                <a14:useLocalDpi xmlns:a14="http://schemas.microsoft.com/office/drawing/2010/main" val="0"/>
+              </a:ext>
+            </a:extLst>
+          </a:blip>
+          <a:srcRect/>
+          <a:stretch>
+            <a:fillRect/>
+          </a:stretch>
+        </p:blipFill>
+        <p:spPr bwMode="auto">
+          <a:xfrm>
+            <a:off x="2310887" y="4437112"/>
+            <a:ext cx="764145" cy="639971"/>
+          </a:xfrm>
+          <a:prstGeom prst="rect">
+            <a:avLst/>
+          </a:prstGeom>
+          <a:noFill/>
+          <a:extLst>
+            <a:ext uri="{909E8E84-426E-40DD-AFC4-6F175D3DCCD1}">
+              <a14:hiddenFill xmlns:a14="http://schemas.microsoft.com/office/drawing/2010/main">
+                <a:solidFill>
+                  <a:srgbClr val="FFFFFF"/>
+                </a:solidFill>
+              </a14:hiddenFill>
+            </a:ext>
+          </a:extLst>
+        </p:spPr>
+      </p:pic>
+      <p:sp>
+        <p:nvSpPr>
+          <p:cNvPr id="6" name="テキスト ボックス 5">
+            <a:extLst>
+              <a:ext uri="{FF2B5EF4-FFF2-40B4-BE49-F238E27FC236}">
+                <a16:creationId xmlns:a16="http://schemas.microsoft.com/office/drawing/2014/main" id="{E73C2F09-C3ED-4952-9E27-E5594D781791}"/>
+              </a:ext>
+            </a:extLst>
+          </p:cNvPr>
+          <p:cNvSpPr txBox="1"/>
+          <p:nvPr/>
+        </p:nvSpPr>
+        <p:spPr>
+          <a:xfrm>
+            <a:off x="2339752" y="4581128"/>
+            <a:ext cx="691215" cy="369332"/>
+          </a:xfrm>
+          <a:prstGeom prst="rect">
+            <a:avLst/>
+          </a:prstGeom>
+          <a:noFill/>
+        </p:spPr>
+        <p:txBody>
+          <a:bodyPr wrap="none" rtlCol="0">
+            <a:spAutoFit/>
+          </a:bodyPr>
+          <a:lstStyle/>
+          <a:p>
+            <a:r>
+              <a:rPr kumimoji="1" lang="en-US" altLang="ja-JP">
+                <a:solidFill>
+                  <a:schemeClr val="bg1"/>
+                </a:solidFill>
+                <a:latin typeface="Consolas" panose="020B0609020204030204" pitchFamily="49" charset="0"/>
+              </a:rPr>
+              <a:t>dir1</a:t>
+            </a:r>
+            <a:endParaRPr kumimoji="1" lang="ja-JP" altLang="en-US" dirty="0">
+              <a:solidFill>
+                <a:schemeClr val="bg1"/>
+              </a:solidFill>
+              <a:latin typeface="Consolas" panose="020B0609020204030204" pitchFamily="49" charset="0"/>
+            </a:endParaRPr>
+          </a:p>
+        </p:txBody>
+      </p:sp>
+      <p:pic>
+        <p:nvPicPr>
+          <p:cNvPr id="7" name="Picture 2" descr="フォルダのイラスト">
+            <a:extLst>
+              <a:ext uri="{FF2B5EF4-FFF2-40B4-BE49-F238E27FC236}">
+                <a16:creationId xmlns:a16="http://schemas.microsoft.com/office/drawing/2014/main" id="{5A1161BD-A504-4B6E-A1DE-311566A41256}"/>
+              </a:ext>
+            </a:extLst>
+          </p:cNvPr>
+          <p:cNvPicPr>
+            <a:picLocks noChangeAspect="1" noChangeArrowheads="1"/>
+          </p:cNvPicPr>
+          <p:nvPr/>
+        </p:nvPicPr>
+        <p:blipFill>
+          <a:blip r:embed="rId2" cstate="print">
+            <a:extLst>
+              <a:ext uri="{28A0092B-C50C-407E-A947-70E740481C1C}">
+                <a14:useLocalDpi xmlns:a14="http://schemas.microsoft.com/office/drawing/2010/main" val="0"/>
+              </a:ext>
+            </a:extLst>
+          </a:blip>
+          <a:srcRect/>
+          <a:stretch>
+            <a:fillRect/>
+          </a:stretch>
+        </p:blipFill>
+        <p:spPr bwMode="auto">
+          <a:xfrm>
+            <a:off x="3275856" y="4437112"/>
+            <a:ext cx="764145" cy="639971"/>
+          </a:xfrm>
+          <a:prstGeom prst="rect">
+            <a:avLst/>
+          </a:prstGeom>
+          <a:noFill/>
+          <a:extLst>
+            <a:ext uri="{909E8E84-426E-40DD-AFC4-6F175D3DCCD1}">
+              <a14:hiddenFill xmlns:a14="http://schemas.microsoft.com/office/drawing/2010/main">
+                <a:solidFill>
+                  <a:srgbClr val="FFFFFF"/>
+                </a:solidFill>
+              </a14:hiddenFill>
+            </a:ext>
+          </a:extLst>
+        </p:spPr>
+      </p:pic>
+      <p:sp>
+        <p:nvSpPr>
+          <p:cNvPr id="8" name="テキスト ボックス 7">
+            <a:extLst>
+              <a:ext uri="{FF2B5EF4-FFF2-40B4-BE49-F238E27FC236}">
+                <a16:creationId xmlns:a16="http://schemas.microsoft.com/office/drawing/2014/main" id="{4E486958-8942-44F8-9564-466C54C95D78}"/>
+              </a:ext>
+            </a:extLst>
+          </p:cNvPr>
+          <p:cNvSpPr txBox="1"/>
+          <p:nvPr/>
+        </p:nvSpPr>
+        <p:spPr>
+          <a:xfrm>
+            <a:off x="3304721" y="4581128"/>
+            <a:ext cx="691215" cy="369332"/>
+          </a:xfrm>
+          <a:prstGeom prst="rect">
+            <a:avLst/>
+          </a:prstGeom>
+          <a:noFill/>
+        </p:spPr>
+        <p:txBody>
+          <a:bodyPr wrap="none" rtlCol="0">
+            <a:spAutoFit/>
+          </a:bodyPr>
+          <a:lstStyle/>
+          <a:p>
+            <a:r>
+              <a:rPr kumimoji="1" lang="en-US" altLang="ja-JP">
+                <a:solidFill>
+                  <a:schemeClr val="bg1"/>
+                </a:solidFill>
+                <a:latin typeface="Consolas" panose="020B0609020204030204" pitchFamily="49" charset="0"/>
+              </a:rPr>
+              <a:t>dir2</a:t>
+            </a:r>
+            <a:endParaRPr kumimoji="1" lang="ja-JP" altLang="en-US" dirty="0">
+              <a:solidFill>
+                <a:schemeClr val="bg1"/>
+              </a:solidFill>
+              <a:latin typeface="Consolas" panose="020B0609020204030204" pitchFamily="49" charset="0"/>
+            </a:endParaRPr>
+          </a:p>
+        </p:txBody>
+      </p:sp>
+      <p:pic>
+        <p:nvPicPr>
+          <p:cNvPr id="9" name="Picture 2" descr="ファイルアイコン（ブランク）">
+            <a:extLst>
+              <a:ext uri="{FF2B5EF4-FFF2-40B4-BE49-F238E27FC236}">
+                <a16:creationId xmlns:a16="http://schemas.microsoft.com/office/drawing/2014/main" id="{B98509F6-4528-4D69-8439-FA6E4FA87A08}"/>
+              </a:ext>
+            </a:extLst>
+          </p:cNvPr>
+          <p:cNvPicPr>
+            <a:picLocks noChangeAspect="1" noChangeArrowheads="1"/>
+          </p:cNvPicPr>
+          <p:nvPr/>
+        </p:nvPicPr>
+        <p:blipFill>
+          <a:blip r:embed="rId3" cstate="print">
+            <a:extLst>
+              <a:ext uri="{28A0092B-C50C-407E-A947-70E740481C1C}">
+                <a14:useLocalDpi xmlns:a14="http://schemas.microsoft.com/office/drawing/2010/main" val="0"/>
+              </a:ext>
+            </a:extLst>
+          </a:blip>
+          <a:srcRect/>
+          <a:stretch>
+            <a:fillRect/>
+          </a:stretch>
+        </p:blipFill>
+        <p:spPr bwMode="auto">
+          <a:xfrm>
+            <a:off x="4283968" y="4437112"/>
+            <a:ext cx="558061" cy="648072"/>
+          </a:xfrm>
+          <a:prstGeom prst="rect">
+            <a:avLst/>
+          </a:prstGeom>
+          <a:noFill/>
+          <a:extLst>
+            <a:ext uri="{909E8E84-426E-40DD-AFC4-6F175D3DCCD1}">
+              <a14:hiddenFill xmlns:a14="http://schemas.microsoft.com/office/drawing/2010/main">
+                <a:solidFill>
+                  <a:srgbClr val="FFFFFF"/>
+                </a:solidFill>
+              </a14:hiddenFill>
+            </a:ext>
+          </a:extLst>
+        </p:spPr>
+      </p:pic>
+      <p:sp>
+        <p:nvSpPr>
+          <p:cNvPr id="10" name="テキスト ボックス 9">
+            <a:extLst>
+              <a:ext uri="{FF2B5EF4-FFF2-40B4-BE49-F238E27FC236}">
+                <a16:creationId xmlns:a16="http://schemas.microsoft.com/office/drawing/2014/main" id="{785FE322-6FB0-4E5B-B5B3-7C524E823A83}"/>
+              </a:ext>
+            </a:extLst>
+          </p:cNvPr>
+          <p:cNvSpPr txBox="1"/>
+          <p:nvPr/>
+        </p:nvSpPr>
+        <p:spPr>
+          <a:xfrm>
+            <a:off x="4067944" y="5013176"/>
+            <a:ext cx="1115616" cy="307777"/>
+          </a:xfrm>
+          <a:prstGeom prst="rect">
+            <a:avLst/>
+          </a:prstGeom>
+          <a:noFill/>
+        </p:spPr>
+        <p:txBody>
+          <a:bodyPr wrap="square">
+            <a:spAutoFit/>
+          </a:bodyPr>
+          <a:lstStyle/>
+          <a:p>
+            <a:r>
+              <a:rPr lang="en-US" altLang="ja-JP" sz="1400">
+                <a:latin typeface="Consolas" panose="020B0609020204030204" pitchFamily="49" charset="0"/>
+              </a:rPr>
+              <a:t>file1.txt</a:t>
+            </a:r>
+            <a:endParaRPr kumimoji="1" lang="ja-JP" altLang="en-US" sz="1400" dirty="0">
+              <a:latin typeface="Consolas" panose="020B0609020204030204" pitchFamily="49" charset="0"/>
+            </a:endParaRPr>
+          </a:p>
+        </p:txBody>
+      </p:sp>
+      <p:pic>
+        <p:nvPicPr>
+          <p:cNvPr id="11" name="Picture 2" descr="ファイルアイコン（ブランク）">
+            <a:extLst>
+              <a:ext uri="{FF2B5EF4-FFF2-40B4-BE49-F238E27FC236}">
+                <a16:creationId xmlns:a16="http://schemas.microsoft.com/office/drawing/2014/main" id="{FCB71963-FD03-4C9A-AA0F-A5C8E672BF45}"/>
+              </a:ext>
+            </a:extLst>
+          </p:cNvPr>
+          <p:cNvPicPr>
+            <a:picLocks noChangeAspect="1" noChangeArrowheads="1"/>
+          </p:cNvPicPr>
+          <p:nvPr/>
+        </p:nvPicPr>
+        <p:blipFill>
+          <a:blip r:embed="rId3" cstate="print">
+            <a:extLst>
+              <a:ext uri="{28A0092B-C50C-407E-A947-70E740481C1C}">
+                <a14:useLocalDpi xmlns:a14="http://schemas.microsoft.com/office/drawing/2010/main" val="0"/>
+              </a:ext>
+            </a:extLst>
+          </a:blip>
+          <a:srcRect/>
+          <a:stretch>
+            <a:fillRect/>
+          </a:stretch>
+        </p:blipFill>
+        <p:spPr bwMode="auto">
+          <a:xfrm>
+            <a:off x="5292080" y="4437112"/>
+            <a:ext cx="558061" cy="648072"/>
+          </a:xfrm>
+          <a:prstGeom prst="rect">
+            <a:avLst/>
+          </a:prstGeom>
+          <a:noFill/>
+          <a:extLst>
+            <a:ext uri="{909E8E84-426E-40DD-AFC4-6F175D3DCCD1}">
+              <a14:hiddenFill xmlns:a14="http://schemas.microsoft.com/office/drawing/2010/main">
+                <a:solidFill>
+                  <a:srgbClr val="FFFFFF"/>
+                </a:solidFill>
+              </a14:hiddenFill>
+            </a:ext>
+          </a:extLst>
+        </p:spPr>
+      </p:pic>
+      <p:sp>
+        <p:nvSpPr>
+          <p:cNvPr id="12" name="テキスト ボックス 11">
+            <a:extLst>
+              <a:ext uri="{FF2B5EF4-FFF2-40B4-BE49-F238E27FC236}">
+                <a16:creationId xmlns:a16="http://schemas.microsoft.com/office/drawing/2014/main" id="{EAB004D1-8F86-46E1-A0E0-AFB8FF37F401}"/>
+              </a:ext>
+            </a:extLst>
+          </p:cNvPr>
+          <p:cNvSpPr txBox="1"/>
+          <p:nvPr/>
+        </p:nvSpPr>
+        <p:spPr>
+          <a:xfrm>
+            <a:off x="5076056" y="5013176"/>
+            <a:ext cx="1115616" cy="307777"/>
+          </a:xfrm>
+          <a:prstGeom prst="rect">
+            <a:avLst/>
+          </a:prstGeom>
+          <a:noFill/>
+        </p:spPr>
+        <p:txBody>
+          <a:bodyPr wrap="square">
+            <a:spAutoFit/>
+          </a:bodyPr>
+          <a:lstStyle/>
+          <a:p>
+            <a:r>
+              <a:rPr lang="en-US" altLang="ja-JP" sz="1400">
+                <a:latin typeface="Consolas" panose="020B0609020204030204" pitchFamily="49" charset="0"/>
+              </a:rPr>
+              <a:t>file2.txt</a:t>
+            </a:r>
+            <a:endParaRPr kumimoji="1" lang="ja-JP" altLang="en-US" sz="1400" dirty="0">
+              <a:latin typeface="Consolas" panose="020B0609020204030204" pitchFamily="49" charset="0"/>
+            </a:endParaRPr>
+          </a:p>
+        </p:txBody>
+      </p:sp>
+      <p:pic>
+        <p:nvPicPr>
+          <p:cNvPr id="13" name="Picture 2" descr="ファイルアイコン（ブランク）">
+            <a:extLst>
+              <a:ext uri="{FF2B5EF4-FFF2-40B4-BE49-F238E27FC236}">
+                <a16:creationId xmlns:a16="http://schemas.microsoft.com/office/drawing/2014/main" id="{ABEB054B-41FC-4C24-B0B6-BB3F6F8E8179}"/>
+              </a:ext>
+            </a:extLst>
+          </p:cNvPr>
+          <p:cNvPicPr>
+            <a:picLocks noChangeAspect="1" noChangeArrowheads="1"/>
+          </p:cNvPicPr>
+          <p:nvPr/>
+        </p:nvPicPr>
+        <p:blipFill>
+          <a:blip r:embed="rId3" cstate="print">
+            <a:extLst>
+              <a:ext uri="{28A0092B-C50C-407E-A947-70E740481C1C}">
+                <a14:useLocalDpi xmlns:a14="http://schemas.microsoft.com/office/drawing/2010/main" val="0"/>
+              </a:ext>
+            </a:extLst>
+          </a:blip>
+          <a:srcRect/>
+          <a:stretch>
+            <a:fillRect/>
+          </a:stretch>
+        </p:blipFill>
+        <p:spPr bwMode="auto">
+          <a:xfrm>
+            <a:off x="2411760" y="5445224"/>
+            <a:ext cx="558061" cy="648072"/>
+          </a:xfrm>
+          <a:prstGeom prst="rect">
+            <a:avLst/>
+          </a:prstGeom>
+          <a:noFill/>
+          <a:extLst>
+            <a:ext uri="{909E8E84-426E-40DD-AFC4-6F175D3DCCD1}">
+              <a14:hiddenFill xmlns:a14="http://schemas.microsoft.com/office/drawing/2010/main">
+                <a:solidFill>
+                  <a:srgbClr val="FFFFFF"/>
+                </a:solidFill>
+              </a14:hiddenFill>
+            </a:ext>
+          </a:extLst>
+        </p:spPr>
+      </p:pic>
+      <p:sp>
+        <p:nvSpPr>
+          <p:cNvPr id="14" name="テキスト ボックス 13">
+            <a:extLst>
+              <a:ext uri="{FF2B5EF4-FFF2-40B4-BE49-F238E27FC236}">
+                <a16:creationId xmlns:a16="http://schemas.microsoft.com/office/drawing/2014/main" id="{4C5E43CB-98CE-491B-BBBF-5E0DAED7B8CC}"/>
+              </a:ext>
+            </a:extLst>
+          </p:cNvPr>
+          <p:cNvSpPr txBox="1"/>
+          <p:nvPr/>
+        </p:nvSpPr>
+        <p:spPr>
+          <a:xfrm>
+            <a:off x="2230785" y="6070128"/>
+            <a:ext cx="1115616" cy="307777"/>
+          </a:xfrm>
+          <a:prstGeom prst="rect">
+            <a:avLst/>
+          </a:prstGeom>
+          <a:noFill/>
+        </p:spPr>
+        <p:txBody>
+          <a:bodyPr wrap="square">
+            <a:spAutoFit/>
+          </a:bodyPr>
+          <a:lstStyle/>
+          <a:p>
+            <a:r>
+              <a:rPr lang="en-US" altLang="ja-JP" sz="1400">
+                <a:latin typeface="Consolas" panose="020B0609020204030204" pitchFamily="49" charset="0"/>
+              </a:rPr>
+              <a:t>file3.txt</a:t>
+            </a:r>
+            <a:endParaRPr kumimoji="1" lang="ja-JP" altLang="en-US" sz="1400" dirty="0">
+              <a:latin typeface="Consolas" panose="020B0609020204030204" pitchFamily="49" charset="0"/>
+            </a:endParaRPr>
+          </a:p>
+        </p:txBody>
+      </p:sp>
+      <p:cxnSp>
+        <p:nvCxnSpPr>
+          <p:cNvPr id="15" name="コネクタ: カギ線 14">
+            <a:extLst>
+              <a:ext uri="{FF2B5EF4-FFF2-40B4-BE49-F238E27FC236}">
+                <a16:creationId xmlns:a16="http://schemas.microsoft.com/office/drawing/2014/main" id="{BAD109F3-95A9-4490-B98E-497D16564C06}"/>
+              </a:ext>
+            </a:extLst>
+          </p:cNvPr>
+          <p:cNvCxnSpPr>
+            <a:cxnSpLocks/>
+            <a:stCxn id="3" idx="2"/>
+            <a:endCxn id="7" idx="0"/>
+          </p:cNvCxnSpPr>
+          <p:nvPr/>
+        </p:nvCxnSpPr>
+        <p:spPr>
+          <a:xfrm rot="16200000" flipH="1">
+            <a:off x="3027378" y="3806560"/>
+            <a:ext cx="296133" cy="964969"/>
+          </a:xfrm>
+          <a:prstGeom prst="bentConnector3">
+            <a:avLst/>
+          </a:prstGeom>
+          <a:ln w="12700">
+            <a:solidFill>
+              <a:schemeClr val="tx1"/>
+            </a:solidFill>
+          </a:ln>
+        </p:spPr>
+        <p:style>
+          <a:lnRef idx="1">
+            <a:schemeClr val="accent1"/>
+          </a:lnRef>
+          <a:fillRef idx="0">
+            <a:schemeClr val="accent1"/>
+          </a:fillRef>
+          <a:effectRef idx="0">
+            <a:schemeClr val="accent1"/>
+          </a:effectRef>
+          <a:fontRef idx="minor">
+            <a:schemeClr val="tx1"/>
+          </a:fontRef>
+        </p:style>
+      </p:cxnSp>
+      <p:cxnSp>
+        <p:nvCxnSpPr>
+          <p:cNvPr id="16" name="コネクタ: カギ線 15">
+            <a:extLst>
+              <a:ext uri="{FF2B5EF4-FFF2-40B4-BE49-F238E27FC236}">
+                <a16:creationId xmlns:a16="http://schemas.microsoft.com/office/drawing/2014/main" id="{4968884B-3C2A-41EB-A79F-8993A25A824D}"/>
+              </a:ext>
+            </a:extLst>
+          </p:cNvPr>
+          <p:cNvCxnSpPr>
+            <a:cxnSpLocks/>
+            <a:stCxn id="3" idx="2"/>
+            <a:endCxn id="9" idx="0"/>
+          </p:cNvCxnSpPr>
+          <p:nvPr/>
+        </p:nvCxnSpPr>
+        <p:spPr>
+          <a:xfrm rot="16200000" flipH="1">
+            <a:off x="3479913" y="3354025"/>
+            <a:ext cx="296133" cy="1870039"/>
+          </a:xfrm>
+          <a:prstGeom prst="bentConnector3">
+            <a:avLst/>
+          </a:prstGeom>
+          <a:ln w="12700">
+            <a:solidFill>
+              <a:schemeClr val="tx1"/>
+            </a:solidFill>
+          </a:ln>
+        </p:spPr>
+        <p:style>
+          <a:lnRef idx="1">
+            <a:schemeClr val="accent1"/>
+          </a:lnRef>
+          <a:fillRef idx="0">
+            <a:schemeClr val="accent1"/>
+          </a:fillRef>
+          <a:effectRef idx="0">
+            <a:schemeClr val="accent1"/>
+          </a:effectRef>
+          <a:fontRef idx="minor">
+            <a:schemeClr val="tx1"/>
+          </a:fontRef>
+        </p:style>
+      </p:cxnSp>
+      <p:cxnSp>
+        <p:nvCxnSpPr>
+          <p:cNvPr id="17" name="コネクタ: カギ線 16">
+            <a:extLst>
+              <a:ext uri="{FF2B5EF4-FFF2-40B4-BE49-F238E27FC236}">
+                <a16:creationId xmlns:a16="http://schemas.microsoft.com/office/drawing/2014/main" id="{445AE0E4-A927-4075-ADA2-3D447D25A8DC}"/>
+              </a:ext>
+            </a:extLst>
+          </p:cNvPr>
+          <p:cNvCxnSpPr>
+            <a:cxnSpLocks/>
+            <a:stCxn id="3" idx="2"/>
+            <a:endCxn id="11" idx="0"/>
+          </p:cNvCxnSpPr>
+          <p:nvPr/>
+        </p:nvCxnSpPr>
+        <p:spPr>
+          <a:xfrm rot="16200000" flipH="1">
+            <a:off x="3983969" y="2849969"/>
+            <a:ext cx="296133" cy="2878151"/>
+          </a:xfrm>
+          <a:prstGeom prst="bentConnector3">
+            <a:avLst/>
+          </a:prstGeom>
+          <a:ln w="12700">
+            <a:solidFill>
+              <a:schemeClr val="tx1"/>
+            </a:solidFill>
+          </a:ln>
+        </p:spPr>
+        <p:style>
+          <a:lnRef idx="1">
+            <a:schemeClr val="accent1"/>
+          </a:lnRef>
+          <a:fillRef idx="0">
+            <a:schemeClr val="accent1"/>
+          </a:fillRef>
+          <a:effectRef idx="0">
+            <a:schemeClr val="accent1"/>
+          </a:effectRef>
+          <a:fontRef idx="minor">
+            <a:schemeClr val="tx1"/>
+          </a:fontRef>
+        </p:style>
+      </p:cxnSp>
+      <p:cxnSp>
+        <p:nvCxnSpPr>
+          <p:cNvPr id="18" name="直線コネクタ 17">
+            <a:extLst>
+              <a:ext uri="{FF2B5EF4-FFF2-40B4-BE49-F238E27FC236}">
+                <a16:creationId xmlns:a16="http://schemas.microsoft.com/office/drawing/2014/main" id="{F2ECA9EA-4829-4B13-9812-5B8C579C58E6}"/>
+              </a:ext>
+            </a:extLst>
+          </p:cNvPr>
+          <p:cNvCxnSpPr>
+            <a:stCxn id="3" idx="2"/>
+            <a:endCxn id="5" idx="0"/>
+          </p:cNvCxnSpPr>
+          <p:nvPr/>
+        </p:nvCxnSpPr>
+        <p:spPr>
+          <a:xfrm>
+            <a:off x="2692960" y="4140979"/>
+            <a:ext cx="0" cy="296133"/>
+          </a:xfrm>
+          <a:prstGeom prst="line">
+            <a:avLst/>
+          </a:prstGeom>
+          <a:ln w="12700">
+            <a:solidFill>
+              <a:schemeClr val="tx1"/>
+            </a:solidFill>
+          </a:ln>
+        </p:spPr>
+        <p:style>
+          <a:lnRef idx="1">
+            <a:schemeClr val="accent1"/>
+          </a:lnRef>
+          <a:fillRef idx="0">
+            <a:schemeClr val="accent1"/>
+          </a:fillRef>
+          <a:effectRef idx="0">
+            <a:schemeClr val="accent1"/>
+          </a:effectRef>
+          <a:fontRef idx="minor">
+            <a:schemeClr val="tx1"/>
+          </a:fontRef>
+        </p:style>
+      </p:cxnSp>
+      <p:cxnSp>
+        <p:nvCxnSpPr>
+          <p:cNvPr id="19" name="直線コネクタ 18">
+            <a:extLst>
+              <a:ext uri="{FF2B5EF4-FFF2-40B4-BE49-F238E27FC236}">
+                <a16:creationId xmlns:a16="http://schemas.microsoft.com/office/drawing/2014/main" id="{E8AE49B3-984B-4AFE-BBCE-FB1044FEAA64}"/>
+              </a:ext>
+            </a:extLst>
+          </p:cNvPr>
+          <p:cNvCxnSpPr/>
+          <p:nvPr/>
+        </p:nvCxnSpPr>
+        <p:spPr>
+          <a:xfrm>
+            <a:off x="2699792" y="5013176"/>
+            <a:ext cx="0" cy="296133"/>
+          </a:xfrm>
+          <a:prstGeom prst="line">
+            <a:avLst/>
+          </a:prstGeom>
+          <a:ln w="12700">
+            <a:solidFill>
+              <a:schemeClr val="tx1"/>
+            </a:solidFill>
+          </a:ln>
+        </p:spPr>
+        <p:style>
+          <a:lnRef idx="1">
+            <a:schemeClr val="accent1"/>
+          </a:lnRef>
+          <a:fillRef idx="0">
+            <a:schemeClr val="accent1"/>
+          </a:fillRef>
+          <a:effectRef idx="0">
+            <a:schemeClr val="accent1"/>
+          </a:effectRef>
+          <a:fontRef idx="minor">
+            <a:schemeClr val="tx1"/>
+          </a:fontRef>
+        </p:style>
+      </p:cxnSp>
+      <p:sp>
+        <p:nvSpPr>
+          <p:cNvPr id="20" name="四角形: 角を丸くする 19">
+            <a:extLst>
+              <a:ext uri="{FF2B5EF4-FFF2-40B4-BE49-F238E27FC236}">
+                <a16:creationId xmlns:a16="http://schemas.microsoft.com/office/drawing/2014/main" id="{BCB5E2BD-1A65-488E-BF1B-CD4B4CB851E1}"/>
+              </a:ext>
+            </a:extLst>
+          </p:cNvPr>
+          <p:cNvSpPr/>
+          <p:nvPr/>
+        </p:nvSpPr>
+        <p:spPr>
+          <a:xfrm>
+            <a:off x="2195736" y="3429000"/>
+            <a:ext cx="936104" cy="720080"/>
+          </a:xfrm>
+          <a:prstGeom prst="roundRect">
+            <a:avLst/>
+          </a:prstGeom>
+          <a:noFill/>
+          <a:ln w="28575">
+            <a:solidFill>
+              <a:srgbClr val="FF0000"/>
+            </a:solidFill>
+            <a:prstDash val="sysDash"/>
+          </a:ln>
+        </p:spPr>
+        <p:style>
+          <a:lnRef idx="2">
+            <a:schemeClr val="accent1">
+              <a:shade val="50000"/>
+            </a:schemeClr>
+          </a:lnRef>
+          <a:fillRef idx="1">
+            <a:schemeClr val="accent1"/>
+          </a:fillRef>
+          <a:effectRef idx="0">
+            <a:schemeClr val="accent1"/>
+          </a:effectRef>
+          <a:fontRef idx="minor">
+            <a:schemeClr val="lt1"/>
+          </a:fontRef>
+        </p:style>
+        <p:txBody>
+          <a:bodyPr rtlCol="0" anchor="ctr"/>
+          <a:lstStyle/>
+          <a:p>
+            <a:pPr algn="ctr"/>
+            <a:endParaRPr kumimoji="1" lang="ja-JP" altLang="en-US"/>
+          </a:p>
+        </p:txBody>
+      </p:sp>
+      <p:sp>
+        <p:nvSpPr>
+          <p:cNvPr id="21" name="テキスト ボックス 20">
+            <a:extLst>
+              <a:ext uri="{FF2B5EF4-FFF2-40B4-BE49-F238E27FC236}">
+                <a16:creationId xmlns:a16="http://schemas.microsoft.com/office/drawing/2014/main" id="{4A7D60A5-1E23-47C4-BF2C-B6A33E7CEE62}"/>
+              </a:ext>
+            </a:extLst>
+          </p:cNvPr>
+          <p:cNvSpPr txBox="1"/>
+          <p:nvPr/>
+        </p:nvSpPr>
+        <p:spPr>
+          <a:xfrm>
+            <a:off x="1835696" y="3068960"/>
+            <a:ext cx="1723549" cy="276999"/>
+          </a:xfrm>
+          <a:prstGeom prst="rect">
+            <a:avLst/>
+          </a:prstGeom>
+          <a:noFill/>
+        </p:spPr>
+        <p:txBody>
+          <a:bodyPr wrap="none" rtlCol="0">
+            <a:spAutoFit/>
+          </a:bodyPr>
+          <a:lstStyle/>
+          <a:p>
+            <a:r>
+              <a:rPr kumimoji="1" lang="ja-JP" altLang="en-US" sz="1200"/>
+              <a:t>カレントディレクトリ</a:t>
+            </a:r>
+          </a:p>
+        </p:txBody>
+      </p:sp>
+      <p:sp>
+        <p:nvSpPr>
+          <p:cNvPr id="24" name="テキスト ボックス 23">
+            <a:extLst>
+              <a:ext uri="{FF2B5EF4-FFF2-40B4-BE49-F238E27FC236}">
+                <a16:creationId xmlns:a16="http://schemas.microsoft.com/office/drawing/2014/main" id="{4E3492D9-6283-403D-970E-B9A7EBE677F5}"/>
+              </a:ext>
+            </a:extLst>
+          </p:cNvPr>
+          <p:cNvSpPr txBox="1"/>
+          <p:nvPr/>
+        </p:nvSpPr>
+        <p:spPr>
+          <a:xfrm>
+            <a:off x="251520" y="2391271"/>
+            <a:ext cx="4283968" cy="461665"/>
+          </a:xfrm>
+          <a:prstGeom prst="rect">
+            <a:avLst/>
+          </a:prstGeom>
+          <a:noFill/>
+          <a:ln>
+            <a:solidFill>
+              <a:schemeClr val="tx1"/>
+            </a:solidFill>
+          </a:ln>
+        </p:spPr>
+        <p:txBody>
+          <a:bodyPr wrap="square">
+            <a:spAutoFit/>
+          </a:bodyPr>
+          <a:lstStyle/>
+          <a:p>
+            <a:r>
+              <a:rPr lang="en-US" sz="2400">
+                <a:solidFill>
+                  <a:prstClr val="black"/>
+                </a:solidFill>
+                <a:latin typeface="Lucida Console" panose="020B0609040504020204" pitchFamily="49" charset="0"/>
+              </a:rPr>
+              <a:t>$ mv file1.txt dir2</a:t>
+            </a:r>
+          </a:p>
+        </p:txBody>
+      </p:sp>
+      <p:sp>
+        <p:nvSpPr>
+          <p:cNvPr id="25" name="テキスト ボックス 24">
+            <a:extLst>
+              <a:ext uri="{FF2B5EF4-FFF2-40B4-BE49-F238E27FC236}">
+                <a16:creationId xmlns:a16="http://schemas.microsoft.com/office/drawing/2014/main" id="{589E2329-E2DF-4DC5-8C3C-B03FCF582798}"/>
+              </a:ext>
+            </a:extLst>
+          </p:cNvPr>
+          <p:cNvSpPr txBox="1"/>
+          <p:nvPr/>
+        </p:nvSpPr>
+        <p:spPr>
+          <a:xfrm>
+            <a:off x="2051720" y="1052736"/>
+            <a:ext cx="5062604" cy="584775"/>
+          </a:xfrm>
+          <a:prstGeom prst="rect">
+            <a:avLst/>
+          </a:prstGeom>
+          <a:noFill/>
+        </p:spPr>
+        <p:txBody>
+          <a:bodyPr wrap="none" rtlCol="0">
+            <a:spAutoFit/>
+          </a:bodyPr>
+          <a:lstStyle/>
+          <a:p>
+            <a:r>
+              <a:rPr lang="en-US" sz="3200"/>
+              <a:t>mv </a:t>
+            </a:r>
+            <a:r>
+              <a:rPr lang="ja-JP" altLang="en-US" sz="3200"/>
+              <a:t>ファイル ディレクトリ</a:t>
+            </a:r>
+            <a:endParaRPr lang="en-US" sz="3200"/>
+          </a:p>
+        </p:txBody>
+      </p:sp>
+      <p:sp>
+        <p:nvSpPr>
+          <p:cNvPr id="26" name="矢印: 左カーブ 25">
+            <a:extLst>
+              <a:ext uri="{FF2B5EF4-FFF2-40B4-BE49-F238E27FC236}">
+                <a16:creationId xmlns:a16="http://schemas.microsoft.com/office/drawing/2014/main" id="{4379E209-68AB-4C61-8736-080441A1A38A}"/>
+              </a:ext>
+            </a:extLst>
+          </p:cNvPr>
+          <p:cNvSpPr/>
+          <p:nvPr/>
+        </p:nvSpPr>
+        <p:spPr>
+          <a:xfrm rot="5400000">
+            <a:off x="3959932" y="4977172"/>
+            <a:ext cx="360040" cy="1008112"/>
+          </a:xfrm>
+          <a:prstGeom prst="curvedLeftArrow">
+            <a:avLst/>
+          </a:prstGeom>
+          <a:solidFill>
+            <a:srgbClr val="FF0000"/>
+          </a:solidFill>
+          <a:ln>
+            <a:solidFill>
+              <a:schemeClr val="tx1"/>
+            </a:solidFill>
+          </a:ln>
+        </p:spPr>
+        <p:style>
+          <a:lnRef idx="2">
+            <a:schemeClr val="accent1">
+              <a:shade val="50000"/>
+            </a:schemeClr>
+          </a:lnRef>
+          <a:fillRef idx="1">
+            <a:schemeClr val="accent1"/>
+          </a:fillRef>
+          <a:effectRef idx="0">
+            <a:schemeClr val="accent1"/>
+          </a:effectRef>
+          <a:fontRef idx="minor">
+            <a:schemeClr val="lt1"/>
+          </a:fontRef>
+        </p:style>
+        <p:txBody>
+          <a:bodyPr rtlCol="0" anchor="ctr"/>
+          <a:lstStyle/>
+          <a:p>
+            <a:pPr algn="ctr"/>
+            <a:endParaRPr kumimoji="1" lang="en-US">
+              <a:solidFill>
+                <a:schemeClr val="tx1"/>
+              </a:solidFill>
+            </a:endParaRPr>
+          </a:p>
+        </p:txBody>
+      </p:sp>
+      <p:sp>
+        <p:nvSpPr>
+          <p:cNvPr id="27" name="テキスト ボックス 26">
+            <a:extLst>
+              <a:ext uri="{FF2B5EF4-FFF2-40B4-BE49-F238E27FC236}">
+                <a16:creationId xmlns:a16="http://schemas.microsoft.com/office/drawing/2014/main" id="{7D6067E4-1204-498A-A86E-CB180E00092B}"/>
+              </a:ext>
+            </a:extLst>
+          </p:cNvPr>
+          <p:cNvSpPr txBox="1"/>
+          <p:nvPr/>
+        </p:nvSpPr>
+        <p:spPr>
+          <a:xfrm>
+            <a:off x="1691680" y="1700808"/>
+            <a:ext cx="5724644" cy="461665"/>
+          </a:xfrm>
+          <a:prstGeom prst="rect">
+            <a:avLst/>
+          </a:prstGeom>
+          <a:noFill/>
+        </p:spPr>
+        <p:txBody>
+          <a:bodyPr wrap="none" rtlCol="0">
+            <a:spAutoFit/>
+          </a:bodyPr>
+          <a:lstStyle/>
+          <a:p>
+            <a:r>
+              <a:rPr lang="ja-JP" altLang="en-US" sz="2400"/>
+              <a:t>ファイルをそのディレクトリへ移動する</a:t>
+            </a:r>
+            <a:endParaRPr lang="en-US" sz="2400"/>
+          </a:p>
+        </p:txBody>
+      </p:sp>
+    </p:spTree>
+    <p:extLst>
+      <p:ext uri="{BB962C8B-B14F-4D97-AF65-F5344CB8AC3E}">
+        <p14:creationId xmlns:p14="http://schemas.microsoft.com/office/powerpoint/2010/main" val="2279518434"/>
+      </p:ext>
+    </p:extLst>
+  </p:cSld>
+  <p:clrMapOvr>
+    <a:masterClrMapping/>
+  </p:clrMapOvr>
+</p:sld>
+</file>
+
+<file path=ppt/slides/slide22.xml><?xml version="1.0" encoding="utf-8"?>
+<p:sld xmlns:a="http://schemas.openxmlformats.org/drawingml/2006/main" xmlns:r="http://schemas.openxmlformats.org/officeDocument/2006/relationships" xmlns:p="http://schemas.openxmlformats.org/presentationml/2006/main">
+  <p:cSld>
+    <p:spTree>
+      <p:nvGrpSpPr>
+        <p:cNvPr id="1" name=""/>
+        <p:cNvGrpSpPr/>
+        <p:nvPr/>
+      </p:nvGrpSpPr>
+      <p:grpSpPr>
+        <a:xfrm>
+          <a:off x="0" y="0"/>
+          <a:ext cx="0" cy="0"/>
+          <a:chOff x="0" y="0"/>
+          <a:chExt cx="0" cy="0"/>
+        </a:xfrm>
+      </p:grpSpPr>
+      <p:sp>
+        <p:nvSpPr>
+          <p:cNvPr id="2" name="テキスト プレースホルダー 1">
+            <a:extLst>
+              <a:ext uri="{FF2B5EF4-FFF2-40B4-BE49-F238E27FC236}">
+                <a16:creationId xmlns:a16="http://schemas.microsoft.com/office/drawing/2014/main" id="{058277CA-1079-472C-810A-E903CC030122}"/>
+              </a:ext>
+            </a:extLst>
+          </p:cNvPr>
+          <p:cNvSpPr>
+            <a:spLocks noGrp="1"/>
+          </p:cNvSpPr>
+          <p:nvPr>
+            <p:ph type="body" sz="quarter" idx="10"/>
+          </p:nvPr>
+        </p:nvSpPr>
+        <p:spPr/>
+        <p:txBody>
+          <a:bodyPr/>
+          <a:lstStyle/>
+          <a:p>
+            <a:r>
+              <a:rPr lang="en-US"/>
+              <a:t>mv</a:t>
+            </a:r>
+          </a:p>
+        </p:txBody>
+      </p:sp>
+      <p:sp>
+        <p:nvSpPr>
+          <p:cNvPr id="3" name="テキスト ボックス 2">
+            <a:extLst>
+              <a:ext uri="{FF2B5EF4-FFF2-40B4-BE49-F238E27FC236}">
+                <a16:creationId xmlns:a16="http://schemas.microsoft.com/office/drawing/2014/main" id="{129F1EB7-9A92-49BF-BAF4-4ADF80C875E9}"/>
+              </a:ext>
+            </a:extLst>
+          </p:cNvPr>
+          <p:cNvSpPr txBox="1"/>
+          <p:nvPr/>
+        </p:nvSpPr>
+        <p:spPr>
+          <a:xfrm>
+            <a:off x="2051720" y="1052736"/>
+            <a:ext cx="5062604" cy="584775"/>
+          </a:xfrm>
+          <a:prstGeom prst="rect">
+            <a:avLst/>
+          </a:prstGeom>
+          <a:noFill/>
+        </p:spPr>
+        <p:txBody>
+          <a:bodyPr wrap="none" rtlCol="0">
+            <a:spAutoFit/>
+          </a:bodyPr>
+          <a:lstStyle/>
+          <a:p>
+            <a:r>
+              <a:rPr lang="en-US" sz="3200"/>
+              <a:t>mv </a:t>
+            </a:r>
+            <a:r>
+              <a:rPr lang="ja-JP" altLang="en-US" sz="3200"/>
+              <a:t>ファイル ディレクトリ</a:t>
+            </a:r>
+            <a:endParaRPr lang="en-US" sz="3200"/>
+          </a:p>
+        </p:txBody>
+      </p:sp>
+      <p:sp>
+        <p:nvSpPr>
+          <p:cNvPr id="4" name="テキスト ボックス 3">
+            <a:extLst>
+              <a:ext uri="{FF2B5EF4-FFF2-40B4-BE49-F238E27FC236}">
+                <a16:creationId xmlns:a16="http://schemas.microsoft.com/office/drawing/2014/main" id="{F63DBB02-6FD2-4534-88FD-7B45BE6A3260}"/>
+              </a:ext>
+            </a:extLst>
+          </p:cNvPr>
+          <p:cNvSpPr txBox="1"/>
+          <p:nvPr/>
+        </p:nvSpPr>
+        <p:spPr>
+          <a:xfrm>
+            <a:off x="1691680" y="1700808"/>
+            <a:ext cx="5724644" cy="461665"/>
+          </a:xfrm>
+          <a:prstGeom prst="rect">
+            <a:avLst/>
+          </a:prstGeom>
+          <a:noFill/>
+        </p:spPr>
+        <p:txBody>
+          <a:bodyPr wrap="none" rtlCol="0">
+            <a:spAutoFit/>
+          </a:bodyPr>
+          <a:lstStyle/>
+          <a:p>
+            <a:r>
+              <a:rPr lang="ja-JP" altLang="en-US" sz="2400"/>
+              <a:t>ファイルをそのディレクトリへ移動する</a:t>
+            </a:r>
+            <a:endParaRPr lang="en-US" sz="2400"/>
+          </a:p>
+        </p:txBody>
+      </p:sp>
+      <p:pic>
+        <p:nvPicPr>
+          <p:cNvPr id="5" name="Picture 2" descr="フォルダのイラスト">
+            <a:extLst>
+              <a:ext uri="{FF2B5EF4-FFF2-40B4-BE49-F238E27FC236}">
+                <a16:creationId xmlns:a16="http://schemas.microsoft.com/office/drawing/2014/main" id="{52629259-A285-4F21-9820-8889A12E79DF}"/>
+              </a:ext>
+            </a:extLst>
+          </p:cNvPr>
+          <p:cNvPicPr>
+            <a:picLocks noChangeAspect="1" noChangeArrowheads="1"/>
+          </p:cNvPicPr>
+          <p:nvPr/>
+        </p:nvPicPr>
+        <p:blipFill>
+          <a:blip r:embed="rId2" cstate="print">
+            <a:extLst>
+              <a:ext uri="{28A0092B-C50C-407E-A947-70E740481C1C}">
+                <a14:useLocalDpi xmlns:a14="http://schemas.microsoft.com/office/drawing/2010/main" val="0"/>
+              </a:ext>
+            </a:extLst>
+          </a:blip>
+          <a:srcRect/>
+          <a:stretch>
+            <a:fillRect/>
+          </a:stretch>
+        </p:blipFill>
+        <p:spPr bwMode="auto">
+          <a:xfrm>
+            <a:off x="2598919" y="3717032"/>
+            <a:ext cx="764145" cy="639971"/>
+          </a:xfrm>
+          <a:prstGeom prst="rect">
+            <a:avLst/>
+          </a:prstGeom>
+          <a:noFill/>
+          <a:extLst>
+            <a:ext uri="{909E8E84-426E-40DD-AFC4-6F175D3DCCD1}">
+              <a14:hiddenFill xmlns:a14="http://schemas.microsoft.com/office/drawing/2010/main">
+                <a:solidFill>
+                  <a:srgbClr val="FFFFFF"/>
+                </a:solidFill>
+              </a14:hiddenFill>
+            </a:ext>
+          </a:extLst>
+        </p:spPr>
+      </p:pic>
+      <p:sp>
+        <p:nvSpPr>
+          <p:cNvPr id="6" name="テキスト ボックス 5">
+            <a:extLst>
+              <a:ext uri="{FF2B5EF4-FFF2-40B4-BE49-F238E27FC236}">
+                <a16:creationId xmlns:a16="http://schemas.microsoft.com/office/drawing/2014/main" id="{00E3CE6C-B751-498A-9EA4-6448902DB868}"/>
+              </a:ext>
+            </a:extLst>
+          </p:cNvPr>
+          <p:cNvSpPr txBox="1"/>
+          <p:nvPr/>
+        </p:nvSpPr>
+        <p:spPr>
+          <a:xfrm>
+            <a:off x="2627784" y="3861048"/>
+            <a:ext cx="691215" cy="369332"/>
+          </a:xfrm>
+          <a:prstGeom prst="rect">
+            <a:avLst/>
+          </a:prstGeom>
+          <a:noFill/>
+        </p:spPr>
+        <p:txBody>
+          <a:bodyPr wrap="none" rtlCol="0">
+            <a:spAutoFit/>
+          </a:bodyPr>
+          <a:lstStyle/>
+          <a:p>
+            <a:r>
+              <a:rPr lang="en-US" altLang="ja-JP">
+                <a:solidFill>
+                  <a:schemeClr val="bg1"/>
+                </a:solidFill>
+                <a:latin typeface="Consolas" panose="020B0609020204030204" pitchFamily="49" charset="0"/>
+              </a:rPr>
+              <a:t>temp</a:t>
+            </a:r>
+            <a:endParaRPr kumimoji="1" lang="ja-JP" altLang="en-US" dirty="0">
+              <a:solidFill>
+                <a:schemeClr val="bg1"/>
+              </a:solidFill>
+              <a:latin typeface="Consolas" panose="020B0609020204030204" pitchFamily="49" charset="0"/>
+            </a:endParaRPr>
+          </a:p>
+        </p:txBody>
+      </p:sp>
+      <p:pic>
+        <p:nvPicPr>
+          <p:cNvPr id="7" name="Picture 2" descr="フォルダのイラスト">
+            <a:extLst>
+              <a:ext uri="{FF2B5EF4-FFF2-40B4-BE49-F238E27FC236}">
+                <a16:creationId xmlns:a16="http://schemas.microsoft.com/office/drawing/2014/main" id="{F20F2ADF-FC7F-40D4-9ED7-D286824ACE0C}"/>
+              </a:ext>
+            </a:extLst>
+          </p:cNvPr>
+          <p:cNvPicPr>
+            <a:picLocks noChangeAspect="1" noChangeArrowheads="1"/>
+          </p:cNvPicPr>
+          <p:nvPr/>
+        </p:nvPicPr>
+        <p:blipFill>
+          <a:blip r:embed="rId2" cstate="print">
+            <a:extLst>
+              <a:ext uri="{28A0092B-C50C-407E-A947-70E740481C1C}">
+                <a14:useLocalDpi xmlns:a14="http://schemas.microsoft.com/office/drawing/2010/main" val="0"/>
+              </a:ext>
+            </a:extLst>
+          </a:blip>
+          <a:srcRect/>
+          <a:stretch>
+            <a:fillRect/>
+          </a:stretch>
+        </p:blipFill>
+        <p:spPr bwMode="auto">
+          <a:xfrm>
+            <a:off x="2598919" y="4653136"/>
+            <a:ext cx="764145" cy="639971"/>
+          </a:xfrm>
+          <a:prstGeom prst="rect">
+            <a:avLst/>
+          </a:prstGeom>
+          <a:noFill/>
+          <a:extLst>
+            <a:ext uri="{909E8E84-426E-40DD-AFC4-6F175D3DCCD1}">
+              <a14:hiddenFill xmlns:a14="http://schemas.microsoft.com/office/drawing/2010/main">
+                <a:solidFill>
+                  <a:srgbClr val="FFFFFF"/>
+                </a:solidFill>
+              </a14:hiddenFill>
+            </a:ext>
+          </a:extLst>
+        </p:spPr>
+      </p:pic>
+      <p:sp>
+        <p:nvSpPr>
+          <p:cNvPr id="8" name="テキスト ボックス 7">
+            <a:extLst>
+              <a:ext uri="{FF2B5EF4-FFF2-40B4-BE49-F238E27FC236}">
+                <a16:creationId xmlns:a16="http://schemas.microsoft.com/office/drawing/2014/main" id="{323B478C-C71E-4365-940C-51C5DB5CF066}"/>
+              </a:ext>
+            </a:extLst>
+          </p:cNvPr>
+          <p:cNvSpPr txBox="1"/>
+          <p:nvPr/>
+        </p:nvSpPr>
+        <p:spPr>
+          <a:xfrm>
+            <a:off x="2627784" y="4797152"/>
+            <a:ext cx="691215" cy="369332"/>
+          </a:xfrm>
+          <a:prstGeom prst="rect">
+            <a:avLst/>
+          </a:prstGeom>
+          <a:noFill/>
+        </p:spPr>
+        <p:txBody>
+          <a:bodyPr wrap="none" rtlCol="0">
+            <a:spAutoFit/>
+          </a:bodyPr>
+          <a:lstStyle/>
+          <a:p>
+            <a:r>
+              <a:rPr kumimoji="1" lang="en-US" altLang="ja-JP">
+                <a:solidFill>
+                  <a:schemeClr val="bg1"/>
+                </a:solidFill>
+                <a:latin typeface="Consolas" panose="020B0609020204030204" pitchFamily="49" charset="0"/>
+              </a:rPr>
+              <a:t>dir1</a:t>
+            </a:r>
+            <a:endParaRPr kumimoji="1" lang="ja-JP" altLang="en-US" dirty="0">
+              <a:solidFill>
+                <a:schemeClr val="bg1"/>
+              </a:solidFill>
+              <a:latin typeface="Consolas" panose="020B0609020204030204" pitchFamily="49" charset="0"/>
+            </a:endParaRPr>
+          </a:p>
+        </p:txBody>
+      </p:sp>
+      <p:pic>
+        <p:nvPicPr>
+          <p:cNvPr id="9" name="Picture 2" descr="フォルダのイラスト">
+            <a:extLst>
+              <a:ext uri="{FF2B5EF4-FFF2-40B4-BE49-F238E27FC236}">
+                <a16:creationId xmlns:a16="http://schemas.microsoft.com/office/drawing/2014/main" id="{DA1D7CCC-E91A-429D-98FD-A4D64734939C}"/>
+              </a:ext>
+            </a:extLst>
+          </p:cNvPr>
+          <p:cNvPicPr>
+            <a:picLocks noChangeAspect="1" noChangeArrowheads="1"/>
+          </p:cNvPicPr>
+          <p:nvPr/>
+        </p:nvPicPr>
+        <p:blipFill>
+          <a:blip r:embed="rId2" cstate="print">
+            <a:extLst>
+              <a:ext uri="{28A0092B-C50C-407E-A947-70E740481C1C}">
+                <a14:useLocalDpi xmlns:a14="http://schemas.microsoft.com/office/drawing/2010/main" val="0"/>
+              </a:ext>
+            </a:extLst>
+          </a:blip>
+          <a:srcRect/>
+          <a:stretch>
+            <a:fillRect/>
+          </a:stretch>
+        </p:blipFill>
+        <p:spPr bwMode="auto">
+          <a:xfrm>
+            <a:off x="3563888" y="4653136"/>
+            <a:ext cx="764145" cy="639971"/>
+          </a:xfrm>
+          <a:prstGeom prst="rect">
+            <a:avLst/>
+          </a:prstGeom>
+          <a:noFill/>
+          <a:extLst>
+            <a:ext uri="{909E8E84-426E-40DD-AFC4-6F175D3DCCD1}">
+              <a14:hiddenFill xmlns:a14="http://schemas.microsoft.com/office/drawing/2010/main">
+                <a:solidFill>
+                  <a:srgbClr val="FFFFFF"/>
+                </a:solidFill>
+              </a14:hiddenFill>
+            </a:ext>
+          </a:extLst>
+        </p:spPr>
+      </p:pic>
+      <p:sp>
+        <p:nvSpPr>
+          <p:cNvPr id="10" name="テキスト ボックス 9">
+            <a:extLst>
+              <a:ext uri="{FF2B5EF4-FFF2-40B4-BE49-F238E27FC236}">
+                <a16:creationId xmlns:a16="http://schemas.microsoft.com/office/drawing/2014/main" id="{B8D6F6FD-51E8-46A3-9205-54360CCD5777}"/>
+              </a:ext>
+            </a:extLst>
+          </p:cNvPr>
+          <p:cNvSpPr txBox="1"/>
+          <p:nvPr/>
+        </p:nvSpPr>
+        <p:spPr>
+          <a:xfrm>
+            <a:off x="3592753" y="4797152"/>
+            <a:ext cx="691215" cy="369332"/>
+          </a:xfrm>
+          <a:prstGeom prst="rect">
+            <a:avLst/>
+          </a:prstGeom>
+          <a:noFill/>
+        </p:spPr>
+        <p:txBody>
+          <a:bodyPr wrap="none" rtlCol="0">
+            <a:spAutoFit/>
+          </a:bodyPr>
+          <a:lstStyle/>
+          <a:p>
+            <a:r>
+              <a:rPr kumimoji="1" lang="en-US" altLang="ja-JP">
+                <a:solidFill>
+                  <a:schemeClr val="bg1"/>
+                </a:solidFill>
+                <a:latin typeface="Consolas" panose="020B0609020204030204" pitchFamily="49" charset="0"/>
+              </a:rPr>
+              <a:t>dir2</a:t>
+            </a:r>
+            <a:endParaRPr kumimoji="1" lang="ja-JP" altLang="en-US" dirty="0">
+              <a:solidFill>
+                <a:schemeClr val="bg1"/>
+              </a:solidFill>
+              <a:latin typeface="Consolas" panose="020B0609020204030204" pitchFamily="49" charset="0"/>
+            </a:endParaRPr>
+          </a:p>
+        </p:txBody>
+      </p:sp>
+      <p:pic>
+        <p:nvPicPr>
+          <p:cNvPr id="11" name="Picture 2" descr="ファイルアイコン（ブランク）">
+            <a:extLst>
+              <a:ext uri="{FF2B5EF4-FFF2-40B4-BE49-F238E27FC236}">
+                <a16:creationId xmlns:a16="http://schemas.microsoft.com/office/drawing/2014/main" id="{AB020BED-7F56-4CC2-B11D-90D86F7EE4B1}"/>
+              </a:ext>
+            </a:extLst>
+          </p:cNvPr>
+          <p:cNvPicPr>
+            <a:picLocks noChangeAspect="1" noChangeArrowheads="1"/>
+          </p:cNvPicPr>
+          <p:nvPr/>
+        </p:nvPicPr>
+        <p:blipFill>
+          <a:blip r:embed="rId3" cstate="print">
+            <a:extLst>
+              <a:ext uri="{28A0092B-C50C-407E-A947-70E740481C1C}">
+                <a14:useLocalDpi xmlns:a14="http://schemas.microsoft.com/office/drawing/2010/main" val="0"/>
+              </a:ext>
+            </a:extLst>
+          </a:blip>
+          <a:srcRect/>
+          <a:stretch>
+            <a:fillRect/>
+          </a:stretch>
+        </p:blipFill>
+        <p:spPr bwMode="auto">
+          <a:xfrm>
+            <a:off x="4572000" y="4653136"/>
+            <a:ext cx="558061" cy="648072"/>
+          </a:xfrm>
+          <a:prstGeom prst="rect">
+            <a:avLst/>
+          </a:prstGeom>
+          <a:noFill/>
+          <a:extLst>
+            <a:ext uri="{909E8E84-426E-40DD-AFC4-6F175D3DCCD1}">
+              <a14:hiddenFill xmlns:a14="http://schemas.microsoft.com/office/drawing/2010/main">
+                <a:solidFill>
+                  <a:srgbClr val="FFFFFF"/>
+                </a:solidFill>
+              </a14:hiddenFill>
+            </a:ext>
+          </a:extLst>
+        </p:spPr>
+      </p:pic>
+      <p:sp>
+        <p:nvSpPr>
+          <p:cNvPr id="12" name="テキスト ボックス 11">
+            <a:extLst>
+              <a:ext uri="{FF2B5EF4-FFF2-40B4-BE49-F238E27FC236}">
+                <a16:creationId xmlns:a16="http://schemas.microsoft.com/office/drawing/2014/main" id="{E099ED0C-AF25-4349-A445-C936CD9C7360}"/>
+              </a:ext>
+            </a:extLst>
+          </p:cNvPr>
+          <p:cNvSpPr txBox="1"/>
+          <p:nvPr/>
+        </p:nvSpPr>
+        <p:spPr>
+          <a:xfrm>
+            <a:off x="4355976" y="5229200"/>
+            <a:ext cx="1115616" cy="307777"/>
+          </a:xfrm>
+          <a:prstGeom prst="rect">
+            <a:avLst/>
+          </a:prstGeom>
+          <a:noFill/>
+        </p:spPr>
+        <p:txBody>
+          <a:bodyPr wrap="square">
+            <a:spAutoFit/>
+          </a:bodyPr>
+          <a:lstStyle/>
+          <a:p>
+            <a:r>
+              <a:rPr lang="en-US" altLang="ja-JP" sz="1400">
+                <a:latin typeface="Consolas" panose="020B0609020204030204" pitchFamily="49" charset="0"/>
+              </a:rPr>
+              <a:t>file1.txt</a:t>
+            </a:r>
+            <a:endParaRPr kumimoji="1" lang="ja-JP" altLang="en-US" sz="1400" dirty="0">
+              <a:latin typeface="Consolas" panose="020B0609020204030204" pitchFamily="49" charset="0"/>
+            </a:endParaRPr>
+          </a:p>
+        </p:txBody>
+      </p:sp>
+      <p:pic>
+        <p:nvPicPr>
+          <p:cNvPr id="13" name="Picture 2" descr="ファイルアイコン（ブランク）">
+            <a:extLst>
+              <a:ext uri="{FF2B5EF4-FFF2-40B4-BE49-F238E27FC236}">
+                <a16:creationId xmlns:a16="http://schemas.microsoft.com/office/drawing/2014/main" id="{EED81E03-9D79-4EC9-AA10-8F5F6494D8A0}"/>
+              </a:ext>
+            </a:extLst>
+          </p:cNvPr>
+          <p:cNvPicPr>
+            <a:picLocks noChangeAspect="1" noChangeArrowheads="1"/>
+          </p:cNvPicPr>
+          <p:nvPr/>
+        </p:nvPicPr>
+        <p:blipFill>
+          <a:blip r:embed="rId3" cstate="print">
+            <a:extLst>
+              <a:ext uri="{28A0092B-C50C-407E-A947-70E740481C1C}">
+                <a14:useLocalDpi xmlns:a14="http://schemas.microsoft.com/office/drawing/2010/main" val="0"/>
+              </a:ext>
+            </a:extLst>
+          </a:blip>
+          <a:srcRect/>
+          <a:stretch>
+            <a:fillRect/>
+          </a:stretch>
+        </p:blipFill>
+        <p:spPr bwMode="auto">
+          <a:xfrm>
+            <a:off x="5580112" y="4653136"/>
+            <a:ext cx="558061" cy="648072"/>
+          </a:xfrm>
+          <a:prstGeom prst="rect">
+            <a:avLst/>
+          </a:prstGeom>
+          <a:noFill/>
+          <a:extLst>
+            <a:ext uri="{909E8E84-426E-40DD-AFC4-6F175D3DCCD1}">
+              <a14:hiddenFill xmlns:a14="http://schemas.microsoft.com/office/drawing/2010/main">
+                <a:solidFill>
+                  <a:srgbClr val="FFFFFF"/>
+                </a:solidFill>
+              </a14:hiddenFill>
+            </a:ext>
+          </a:extLst>
+        </p:spPr>
+      </p:pic>
+      <p:sp>
+        <p:nvSpPr>
+          <p:cNvPr id="14" name="テキスト ボックス 13">
+            <a:extLst>
+              <a:ext uri="{FF2B5EF4-FFF2-40B4-BE49-F238E27FC236}">
+                <a16:creationId xmlns:a16="http://schemas.microsoft.com/office/drawing/2014/main" id="{4939C1B8-D2B6-40A8-B827-3F498439686C}"/>
+              </a:ext>
+            </a:extLst>
+          </p:cNvPr>
+          <p:cNvSpPr txBox="1"/>
+          <p:nvPr/>
+        </p:nvSpPr>
+        <p:spPr>
+          <a:xfrm>
+            <a:off x="5364088" y="5229200"/>
+            <a:ext cx="1115616" cy="307777"/>
+          </a:xfrm>
+          <a:prstGeom prst="rect">
+            <a:avLst/>
+          </a:prstGeom>
+          <a:noFill/>
+        </p:spPr>
+        <p:txBody>
+          <a:bodyPr wrap="square">
+            <a:spAutoFit/>
+          </a:bodyPr>
+          <a:lstStyle/>
+          <a:p>
+            <a:r>
+              <a:rPr lang="en-US" altLang="ja-JP" sz="1400">
+                <a:latin typeface="Consolas" panose="020B0609020204030204" pitchFamily="49" charset="0"/>
+              </a:rPr>
+              <a:t>file2.txt</a:t>
+            </a:r>
+            <a:endParaRPr kumimoji="1" lang="ja-JP" altLang="en-US" sz="1400" dirty="0">
+              <a:latin typeface="Consolas" panose="020B0609020204030204" pitchFamily="49" charset="0"/>
+            </a:endParaRPr>
+          </a:p>
+        </p:txBody>
+      </p:sp>
+      <p:pic>
+        <p:nvPicPr>
+          <p:cNvPr id="15" name="Picture 2" descr="ファイルアイコン（ブランク）">
+            <a:extLst>
+              <a:ext uri="{FF2B5EF4-FFF2-40B4-BE49-F238E27FC236}">
+                <a16:creationId xmlns:a16="http://schemas.microsoft.com/office/drawing/2014/main" id="{22DA800E-6246-4DA0-837E-5FED8D1FF7A3}"/>
+              </a:ext>
+            </a:extLst>
+          </p:cNvPr>
+          <p:cNvPicPr>
+            <a:picLocks noChangeAspect="1" noChangeArrowheads="1"/>
+          </p:cNvPicPr>
+          <p:nvPr/>
+        </p:nvPicPr>
+        <p:blipFill>
+          <a:blip r:embed="rId3" cstate="print">
+            <a:extLst>
+              <a:ext uri="{28A0092B-C50C-407E-A947-70E740481C1C}">
+                <a14:useLocalDpi xmlns:a14="http://schemas.microsoft.com/office/drawing/2010/main" val="0"/>
+              </a:ext>
+            </a:extLst>
+          </a:blip>
+          <a:srcRect/>
+          <a:stretch>
+            <a:fillRect/>
+          </a:stretch>
+        </p:blipFill>
+        <p:spPr bwMode="auto">
+          <a:xfrm>
+            <a:off x="2699792" y="5661248"/>
+            <a:ext cx="558061" cy="648072"/>
+          </a:xfrm>
+          <a:prstGeom prst="rect">
+            <a:avLst/>
+          </a:prstGeom>
+          <a:noFill/>
+          <a:extLst>
+            <a:ext uri="{909E8E84-426E-40DD-AFC4-6F175D3DCCD1}">
+              <a14:hiddenFill xmlns:a14="http://schemas.microsoft.com/office/drawing/2010/main">
+                <a:solidFill>
+                  <a:srgbClr val="FFFFFF"/>
+                </a:solidFill>
+              </a14:hiddenFill>
+            </a:ext>
+          </a:extLst>
+        </p:spPr>
+      </p:pic>
+      <p:sp>
+        <p:nvSpPr>
+          <p:cNvPr id="16" name="テキスト ボックス 15">
+            <a:extLst>
+              <a:ext uri="{FF2B5EF4-FFF2-40B4-BE49-F238E27FC236}">
+                <a16:creationId xmlns:a16="http://schemas.microsoft.com/office/drawing/2014/main" id="{5883B9E5-8CCD-4F0A-B92E-3855261F62CF}"/>
+              </a:ext>
+            </a:extLst>
+          </p:cNvPr>
+          <p:cNvSpPr txBox="1"/>
+          <p:nvPr/>
+        </p:nvSpPr>
+        <p:spPr>
+          <a:xfrm>
+            <a:off x="2518817" y="6286152"/>
+            <a:ext cx="1115616" cy="307777"/>
+          </a:xfrm>
+          <a:prstGeom prst="rect">
+            <a:avLst/>
+          </a:prstGeom>
+          <a:noFill/>
+        </p:spPr>
+        <p:txBody>
+          <a:bodyPr wrap="square">
+            <a:spAutoFit/>
+          </a:bodyPr>
+          <a:lstStyle/>
+          <a:p>
+            <a:r>
+              <a:rPr lang="en-US" altLang="ja-JP" sz="1400">
+                <a:latin typeface="Consolas" panose="020B0609020204030204" pitchFamily="49" charset="0"/>
+              </a:rPr>
+              <a:t>file3.txt</a:t>
+            </a:r>
+            <a:endParaRPr kumimoji="1" lang="ja-JP" altLang="en-US" sz="1400" dirty="0">
+              <a:latin typeface="Consolas" panose="020B0609020204030204" pitchFamily="49" charset="0"/>
+            </a:endParaRPr>
+          </a:p>
+        </p:txBody>
+      </p:sp>
+      <p:cxnSp>
+        <p:nvCxnSpPr>
+          <p:cNvPr id="17" name="コネクタ: カギ線 16">
+            <a:extLst>
+              <a:ext uri="{FF2B5EF4-FFF2-40B4-BE49-F238E27FC236}">
+                <a16:creationId xmlns:a16="http://schemas.microsoft.com/office/drawing/2014/main" id="{CD627738-87E6-4DC2-8852-5D252B5A3649}"/>
+              </a:ext>
+            </a:extLst>
+          </p:cNvPr>
+          <p:cNvCxnSpPr>
+            <a:cxnSpLocks/>
+            <a:stCxn id="5" idx="2"/>
+            <a:endCxn id="9" idx="0"/>
+          </p:cNvCxnSpPr>
+          <p:nvPr/>
+        </p:nvCxnSpPr>
+        <p:spPr>
+          <a:xfrm rot="16200000" flipH="1">
+            <a:off x="3315410" y="4022584"/>
+            <a:ext cx="296133" cy="964969"/>
+          </a:xfrm>
+          <a:prstGeom prst="bentConnector3">
+            <a:avLst/>
+          </a:prstGeom>
+          <a:ln w="12700">
+            <a:solidFill>
+              <a:schemeClr val="tx1"/>
+            </a:solidFill>
+          </a:ln>
+        </p:spPr>
+        <p:style>
+          <a:lnRef idx="1">
+            <a:schemeClr val="accent1"/>
+          </a:lnRef>
+          <a:fillRef idx="0">
+            <a:schemeClr val="accent1"/>
+          </a:fillRef>
+          <a:effectRef idx="0">
+            <a:schemeClr val="accent1"/>
+          </a:effectRef>
+          <a:fontRef idx="minor">
+            <a:schemeClr val="tx1"/>
+          </a:fontRef>
+        </p:style>
+      </p:cxnSp>
+      <p:cxnSp>
+        <p:nvCxnSpPr>
+          <p:cNvPr id="18" name="コネクタ: カギ線 17">
+            <a:extLst>
+              <a:ext uri="{FF2B5EF4-FFF2-40B4-BE49-F238E27FC236}">
+                <a16:creationId xmlns:a16="http://schemas.microsoft.com/office/drawing/2014/main" id="{18E3904C-1FD1-4146-8064-74998A7F1073}"/>
+              </a:ext>
+            </a:extLst>
+          </p:cNvPr>
+          <p:cNvCxnSpPr>
+            <a:cxnSpLocks/>
+            <a:stCxn id="5" idx="2"/>
+            <a:endCxn id="11" idx="0"/>
+          </p:cNvCxnSpPr>
+          <p:nvPr/>
+        </p:nvCxnSpPr>
+        <p:spPr>
+          <a:xfrm rot="16200000" flipH="1">
+            <a:off x="3767945" y="3570049"/>
+            <a:ext cx="296133" cy="1870039"/>
+          </a:xfrm>
+          <a:prstGeom prst="bentConnector3">
+            <a:avLst/>
+          </a:prstGeom>
+          <a:ln w="12700">
+            <a:solidFill>
+              <a:schemeClr val="tx1"/>
+            </a:solidFill>
+          </a:ln>
+        </p:spPr>
+        <p:style>
+          <a:lnRef idx="1">
+            <a:schemeClr val="accent1"/>
+          </a:lnRef>
+          <a:fillRef idx="0">
+            <a:schemeClr val="accent1"/>
+          </a:fillRef>
+          <a:effectRef idx="0">
+            <a:schemeClr val="accent1"/>
+          </a:effectRef>
+          <a:fontRef idx="minor">
+            <a:schemeClr val="tx1"/>
+          </a:fontRef>
+        </p:style>
+      </p:cxnSp>
+      <p:cxnSp>
+        <p:nvCxnSpPr>
+          <p:cNvPr id="19" name="コネクタ: カギ線 18">
+            <a:extLst>
+              <a:ext uri="{FF2B5EF4-FFF2-40B4-BE49-F238E27FC236}">
+                <a16:creationId xmlns:a16="http://schemas.microsoft.com/office/drawing/2014/main" id="{DCB86970-F3BF-41ED-8475-9782D3B64F95}"/>
+              </a:ext>
+            </a:extLst>
+          </p:cNvPr>
+          <p:cNvCxnSpPr>
+            <a:cxnSpLocks/>
+            <a:stCxn id="5" idx="2"/>
+            <a:endCxn id="13" idx="0"/>
+          </p:cNvCxnSpPr>
+          <p:nvPr/>
+        </p:nvCxnSpPr>
+        <p:spPr>
+          <a:xfrm rot="16200000" flipH="1">
+            <a:off x="4272001" y="3065993"/>
+            <a:ext cx="296133" cy="2878151"/>
+          </a:xfrm>
+          <a:prstGeom prst="bentConnector3">
+            <a:avLst/>
+          </a:prstGeom>
+          <a:ln w="12700">
+            <a:solidFill>
+              <a:schemeClr val="tx1"/>
+            </a:solidFill>
+          </a:ln>
+        </p:spPr>
+        <p:style>
+          <a:lnRef idx="1">
+            <a:schemeClr val="accent1"/>
+          </a:lnRef>
+          <a:fillRef idx="0">
+            <a:schemeClr val="accent1"/>
+          </a:fillRef>
+          <a:effectRef idx="0">
+            <a:schemeClr val="accent1"/>
+          </a:effectRef>
+          <a:fontRef idx="minor">
+            <a:schemeClr val="tx1"/>
+          </a:fontRef>
+        </p:style>
+      </p:cxnSp>
+      <p:cxnSp>
+        <p:nvCxnSpPr>
+          <p:cNvPr id="20" name="直線コネクタ 19">
+            <a:extLst>
+              <a:ext uri="{FF2B5EF4-FFF2-40B4-BE49-F238E27FC236}">
+                <a16:creationId xmlns:a16="http://schemas.microsoft.com/office/drawing/2014/main" id="{62FF5E66-4376-45E8-B3A0-2B59D3D3958B}"/>
+              </a:ext>
+            </a:extLst>
+          </p:cNvPr>
+          <p:cNvCxnSpPr>
+            <a:stCxn id="5" idx="2"/>
+            <a:endCxn id="7" idx="0"/>
+          </p:cNvCxnSpPr>
+          <p:nvPr/>
+        </p:nvCxnSpPr>
+        <p:spPr>
+          <a:xfrm>
+            <a:off x="2980992" y="4357003"/>
+            <a:ext cx="0" cy="296133"/>
+          </a:xfrm>
+          <a:prstGeom prst="line">
+            <a:avLst/>
+          </a:prstGeom>
+          <a:ln w="12700">
+            <a:solidFill>
+              <a:schemeClr val="tx1"/>
+            </a:solidFill>
+          </a:ln>
+        </p:spPr>
+        <p:style>
+          <a:lnRef idx="1">
+            <a:schemeClr val="accent1"/>
+          </a:lnRef>
+          <a:fillRef idx="0">
+            <a:schemeClr val="accent1"/>
+          </a:fillRef>
+          <a:effectRef idx="0">
+            <a:schemeClr val="accent1"/>
+          </a:effectRef>
+          <a:fontRef idx="minor">
+            <a:schemeClr val="tx1"/>
+          </a:fontRef>
+        </p:style>
+      </p:cxnSp>
+      <p:cxnSp>
+        <p:nvCxnSpPr>
+          <p:cNvPr id="21" name="直線コネクタ 20">
+            <a:extLst>
+              <a:ext uri="{FF2B5EF4-FFF2-40B4-BE49-F238E27FC236}">
+                <a16:creationId xmlns:a16="http://schemas.microsoft.com/office/drawing/2014/main" id="{32AF8F48-1B17-4C17-BB00-ED7D2D12B319}"/>
+              </a:ext>
+            </a:extLst>
+          </p:cNvPr>
+          <p:cNvCxnSpPr/>
+          <p:nvPr/>
+        </p:nvCxnSpPr>
+        <p:spPr>
+          <a:xfrm>
+            <a:off x="2987824" y="5229200"/>
+            <a:ext cx="0" cy="296133"/>
+          </a:xfrm>
+          <a:prstGeom prst="line">
+            <a:avLst/>
+          </a:prstGeom>
+          <a:ln w="12700">
+            <a:solidFill>
+              <a:schemeClr val="tx1"/>
+            </a:solidFill>
+          </a:ln>
+        </p:spPr>
+        <p:style>
+          <a:lnRef idx="1">
+            <a:schemeClr val="accent1"/>
+          </a:lnRef>
+          <a:fillRef idx="0">
+            <a:schemeClr val="accent1"/>
+          </a:fillRef>
+          <a:effectRef idx="0">
+            <a:schemeClr val="accent1"/>
+          </a:effectRef>
+          <a:fontRef idx="minor">
+            <a:schemeClr val="tx1"/>
+          </a:fontRef>
+        </p:style>
+      </p:cxnSp>
+      <p:sp>
+        <p:nvSpPr>
+          <p:cNvPr id="22" name="四角形: 角を丸くする 21">
+            <a:extLst>
+              <a:ext uri="{FF2B5EF4-FFF2-40B4-BE49-F238E27FC236}">
+                <a16:creationId xmlns:a16="http://schemas.microsoft.com/office/drawing/2014/main" id="{F895E26C-642B-4963-BDC9-929016B163D2}"/>
+              </a:ext>
+            </a:extLst>
+          </p:cNvPr>
+          <p:cNvSpPr/>
+          <p:nvPr/>
+        </p:nvSpPr>
+        <p:spPr>
+          <a:xfrm>
+            <a:off x="3491880" y="4653136"/>
+            <a:ext cx="936104" cy="720080"/>
+          </a:xfrm>
+          <a:prstGeom prst="roundRect">
+            <a:avLst/>
+          </a:prstGeom>
+          <a:noFill/>
+          <a:ln w="28575">
+            <a:solidFill>
+              <a:srgbClr val="FF0000"/>
+            </a:solidFill>
+            <a:prstDash val="sysDash"/>
+          </a:ln>
+        </p:spPr>
+        <p:style>
+          <a:lnRef idx="2">
+            <a:schemeClr val="accent1">
+              <a:shade val="50000"/>
+            </a:schemeClr>
+          </a:lnRef>
+          <a:fillRef idx="1">
+            <a:schemeClr val="accent1"/>
+          </a:fillRef>
+          <a:effectRef idx="0">
+            <a:schemeClr val="accent1"/>
+          </a:effectRef>
+          <a:fontRef idx="minor">
+            <a:schemeClr val="lt1"/>
+          </a:fontRef>
+        </p:style>
+        <p:txBody>
+          <a:bodyPr rtlCol="0" anchor="ctr"/>
+          <a:lstStyle/>
+          <a:p>
+            <a:pPr algn="ctr"/>
+            <a:endParaRPr kumimoji="1" lang="ja-JP" altLang="en-US"/>
+          </a:p>
+        </p:txBody>
+      </p:sp>
+      <p:sp>
+        <p:nvSpPr>
+          <p:cNvPr id="23" name="テキスト ボックス 22">
+            <a:extLst>
+              <a:ext uri="{FF2B5EF4-FFF2-40B4-BE49-F238E27FC236}">
+                <a16:creationId xmlns:a16="http://schemas.microsoft.com/office/drawing/2014/main" id="{80D1DD5F-E03A-4277-85EC-82A1010EBE50}"/>
+              </a:ext>
+            </a:extLst>
+          </p:cNvPr>
+          <p:cNvSpPr txBox="1"/>
+          <p:nvPr/>
+        </p:nvSpPr>
+        <p:spPr>
+          <a:xfrm>
+            <a:off x="3419872" y="3212976"/>
+            <a:ext cx="1107996" cy="461665"/>
+          </a:xfrm>
+          <a:prstGeom prst="rect">
+            <a:avLst/>
+          </a:prstGeom>
+          <a:noFill/>
+        </p:spPr>
+        <p:txBody>
+          <a:bodyPr wrap="none" rtlCol="0">
+            <a:spAutoFit/>
+          </a:bodyPr>
+          <a:lstStyle/>
+          <a:p>
+            <a:r>
+              <a:rPr kumimoji="1" lang="ja-JP" altLang="en-US" sz="1200"/>
+              <a:t>カレント</a:t>
+            </a:r>
+            <a:endParaRPr kumimoji="1" lang="en-US" altLang="ja-JP" sz="1200"/>
+          </a:p>
+          <a:p>
+            <a:r>
+              <a:rPr kumimoji="1" lang="ja-JP" altLang="en-US" sz="1200"/>
+              <a:t>ディレクトリ</a:t>
+            </a:r>
+          </a:p>
+        </p:txBody>
+      </p:sp>
+      <p:sp>
+        <p:nvSpPr>
+          <p:cNvPr id="25" name="矢印: 左カーブ 24">
+            <a:extLst>
+              <a:ext uri="{FF2B5EF4-FFF2-40B4-BE49-F238E27FC236}">
+                <a16:creationId xmlns:a16="http://schemas.microsoft.com/office/drawing/2014/main" id="{FD81E007-E98E-45B1-85D1-8406FB9AB0DA}"/>
+              </a:ext>
+            </a:extLst>
+          </p:cNvPr>
+          <p:cNvSpPr/>
+          <p:nvPr/>
+        </p:nvSpPr>
+        <p:spPr>
+          <a:xfrm rot="5400000">
+            <a:off x="4247964" y="5193196"/>
+            <a:ext cx="360040" cy="1008112"/>
+          </a:xfrm>
+          <a:prstGeom prst="curvedLeftArrow">
+            <a:avLst/>
+          </a:prstGeom>
+          <a:solidFill>
+            <a:srgbClr val="FF0000"/>
+          </a:solidFill>
+          <a:ln>
+            <a:solidFill>
+              <a:schemeClr val="tx1"/>
+            </a:solidFill>
+          </a:ln>
+        </p:spPr>
+        <p:style>
+          <a:lnRef idx="2">
+            <a:schemeClr val="accent1">
+              <a:shade val="50000"/>
+            </a:schemeClr>
+          </a:lnRef>
+          <a:fillRef idx="1">
+            <a:schemeClr val="accent1"/>
+          </a:fillRef>
+          <a:effectRef idx="0">
+            <a:schemeClr val="accent1"/>
+          </a:effectRef>
+          <a:fontRef idx="minor">
+            <a:schemeClr val="lt1"/>
+          </a:fontRef>
+        </p:style>
+        <p:txBody>
+          <a:bodyPr rtlCol="0" anchor="ctr"/>
+          <a:lstStyle/>
+          <a:p>
+            <a:pPr algn="ctr"/>
+            <a:endParaRPr kumimoji="1" lang="en-US">
+              <a:solidFill>
+                <a:schemeClr val="tx1"/>
+              </a:solidFill>
+            </a:endParaRPr>
+          </a:p>
+        </p:txBody>
+      </p:sp>
+      <p:cxnSp>
+        <p:nvCxnSpPr>
+          <p:cNvPr id="27" name="直線矢印コネクタ 26">
+            <a:extLst>
+              <a:ext uri="{FF2B5EF4-FFF2-40B4-BE49-F238E27FC236}">
+                <a16:creationId xmlns:a16="http://schemas.microsoft.com/office/drawing/2014/main" id="{A95460A5-BB69-4FBF-9789-959E6808F074}"/>
+              </a:ext>
+            </a:extLst>
+          </p:cNvPr>
+          <p:cNvCxnSpPr>
+            <a:cxnSpLocks/>
+          </p:cNvCxnSpPr>
+          <p:nvPr/>
+        </p:nvCxnSpPr>
+        <p:spPr>
+          <a:xfrm>
+            <a:off x="3707904" y="3717032"/>
+            <a:ext cx="0" cy="906487"/>
+          </a:xfrm>
+          <a:prstGeom prst="straightConnector1">
+            <a:avLst/>
+          </a:prstGeom>
+          <a:ln>
+            <a:solidFill>
+              <a:schemeClr val="tx1"/>
+            </a:solidFill>
+            <a:headEnd type="none" w="med" len="med"/>
+            <a:tailEnd type="triangle"/>
+          </a:ln>
+        </p:spPr>
+        <p:style>
+          <a:lnRef idx="1">
+            <a:schemeClr val="accent1"/>
+          </a:lnRef>
+          <a:fillRef idx="0">
+            <a:schemeClr val="accent1"/>
+          </a:fillRef>
+          <a:effectRef idx="0">
+            <a:schemeClr val="accent1"/>
+          </a:effectRef>
+          <a:fontRef idx="minor">
+            <a:schemeClr val="tx1"/>
+          </a:fontRef>
+        </p:style>
+      </p:cxnSp>
+      <p:sp>
+        <p:nvSpPr>
+          <p:cNvPr id="29" name="テキスト ボックス 28">
+            <a:extLst>
+              <a:ext uri="{FF2B5EF4-FFF2-40B4-BE49-F238E27FC236}">
+                <a16:creationId xmlns:a16="http://schemas.microsoft.com/office/drawing/2014/main" id="{21DE2399-0E15-4BFC-B510-F39B6459C928}"/>
+              </a:ext>
+            </a:extLst>
+          </p:cNvPr>
+          <p:cNvSpPr txBox="1"/>
+          <p:nvPr/>
+        </p:nvSpPr>
+        <p:spPr>
+          <a:xfrm>
+            <a:off x="251520" y="2420888"/>
+            <a:ext cx="4283968" cy="461665"/>
+          </a:xfrm>
+          <a:prstGeom prst="rect">
+            <a:avLst/>
+          </a:prstGeom>
+          <a:noFill/>
+          <a:ln>
+            <a:solidFill>
+              <a:schemeClr val="tx1"/>
+            </a:solidFill>
+          </a:ln>
+        </p:spPr>
+        <p:txBody>
+          <a:bodyPr wrap="square">
+            <a:spAutoFit/>
+          </a:bodyPr>
+          <a:lstStyle/>
+          <a:p>
+            <a:r>
+              <a:rPr lang="en-US" sz="2400">
+                <a:solidFill>
+                  <a:prstClr val="black"/>
+                </a:solidFill>
+                <a:latin typeface="Lucida Console" panose="020B0609040504020204" pitchFamily="49" charset="0"/>
+              </a:rPr>
+              <a:t>$ mv ../file1.txt .</a:t>
+            </a:r>
+          </a:p>
+        </p:txBody>
+      </p:sp>
+    </p:spTree>
+    <p:extLst>
+      <p:ext uri="{BB962C8B-B14F-4D97-AF65-F5344CB8AC3E}">
+        <p14:creationId xmlns:p14="http://schemas.microsoft.com/office/powerpoint/2010/main" val="3253703336"/>
+      </p:ext>
+    </p:extLst>
+  </p:cSld>
+  <p:clrMapOvr>
+    <a:masterClrMapping/>
+  </p:clrMapOvr>
+</p:sld>
+</file>
+
+<file path=ppt/slides/slide23.xml><?xml version="1.0" encoding="utf-8"?>
+<p:sld xmlns:a="http://schemas.openxmlformats.org/drawingml/2006/main" xmlns:r="http://schemas.openxmlformats.org/officeDocument/2006/relationships" xmlns:p="http://schemas.openxmlformats.org/presentationml/2006/main">
+  <p:cSld>
+    <p:spTree>
+      <p:nvGrpSpPr>
+        <p:cNvPr id="1" name=""/>
+        <p:cNvGrpSpPr/>
+        <p:nvPr/>
+      </p:nvGrpSpPr>
+      <p:grpSpPr>
+        <a:xfrm>
+          <a:off x="0" y="0"/>
+          <a:ext cx="0" cy="0"/>
+          <a:chOff x="0" y="0"/>
+          <a:chExt cx="0" cy="0"/>
+        </a:xfrm>
+      </p:grpSpPr>
+      <p:sp>
+        <p:nvSpPr>
+          <p:cNvPr id="2" name="テキスト プレースホルダー 1">
+            <a:extLst>
+              <a:ext uri="{FF2B5EF4-FFF2-40B4-BE49-F238E27FC236}">
+                <a16:creationId xmlns:a16="http://schemas.microsoft.com/office/drawing/2014/main" id="{74045D2D-7469-4CEA-9E90-D6226BAA724A}"/>
+              </a:ext>
+            </a:extLst>
+          </p:cNvPr>
+          <p:cNvSpPr>
+            <a:spLocks noGrp="1"/>
+          </p:cNvSpPr>
+          <p:nvPr>
+            <p:ph type="body" sz="quarter" idx="10"/>
+          </p:nvPr>
+        </p:nvSpPr>
+        <p:spPr/>
+        <p:txBody>
+          <a:bodyPr/>
+          <a:lstStyle/>
+          <a:p>
+            <a:r>
+              <a:rPr lang="en-US"/>
+              <a:t>mv</a:t>
+            </a:r>
+          </a:p>
+        </p:txBody>
+      </p:sp>
+      <p:sp>
+        <p:nvSpPr>
+          <p:cNvPr id="3" name="テキスト ボックス 2">
+            <a:extLst>
+              <a:ext uri="{FF2B5EF4-FFF2-40B4-BE49-F238E27FC236}">
+                <a16:creationId xmlns:a16="http://schemas.microsoft.com/office/drawing/2014/main" id="{B5ABA2B7-61BF-44B6-BAAC-69BCCD5F995D}"/>
+              </a:ext>
+            </a:extLst>
+          </p:cNvPr>
+          <p:cNvSpPr txBox="1"/>
+          <p:nvPr/>
+        </p:nvSpPr>
+        <p:spPr>
+          <a:xfrm>
+            <a:off x="2051720" y="1052736"/>
+            <a:ext cx="4241867" cy="584775"/>
+          </a:xfrm>
+          <a:prstGeom prst="rect">
+            <a:avLst/>
+          </a:prstGeom>
+          <a:noFill/>
+        </p:spPr>
+        <p:txBody>
+          <a:bodyPr wrap="none" rtlCol="0">
+            <a:spAutoFit/>
+          </a:bodyPr>
+          <a:lstStyle/>
+          <a:p>
+            <a:r>
+              <a:rPr lang="en-US" sz="3200"/>
+              <a:t>mv </a:t>
+            </a:r>
+            <a:r>
+              <a:rPr lang="ja-JP" altLang="en-US" sz="3200"/>
+              <a:t>ファイル ファイル</a:t>
+            </a:r>
+            <a:endParaRPr lang="en-US" sz="3200"/>
+          </a:p>
+        </p:txBody>
+      </p:sp>
+      <p:pic>
+        <p:nvPicPr>
+          <p:cNvPr id="4" name="Picture 2" descr="フォルダのイラスト">
+            <a:extLst>
+              <a:ext uri="{FF2B5EF4-FFF2-40B4-BE49-F238E27FC236}">
+                <a16:creationId xmlns:a16="http://schemas.microsoft.com/office/drawing/2014/main" id="{8FBF099F-4AFB-41EB-9E66-158598BC966D}"/>
+              </a:ext>
+            </a:extLst>
+          </p:cNvPr>
+          <p:cNvPicPr>
+            <a:picLocks noChangeAspect="1" noChangeArrowheads="1"/>
+          </p:cNvPicPr>
+          <p:nvPr/>
+        </p:nvPicPr>
+        <p:blipFill>
+          <a:blip r:embed="rId2" cstate="print">
+            <a:extLst>
+              <a:ext uri="{28A0092B-C50C-407E-A947-70E740481C1C}">
+                <a14:useLocalDpi xmlns:a14="http://schemas.microsoft.com/office/drawing/2010/main" val="0"/>
+              </a:ext>
+            </a:extLst>
+          </a:blip>
+          <a:srcRect/>
+          <a:stretch>
+            <a:fillRect/>
+          </a:stretch>
+        </p:blipFill>
+        <p:spPr bwMode="auto">
+          <a:xfrm>
+            <a:off x="2310887" y="3501008"/>
+            <a:ext cx="764145" cy="639971"/>
+          </a:xfrm>
+          <a:prstGeom prst="rect">
+            <a:avLst/>
+          </a:prstGeom>
+          <a:noFill/>
+          <a:extLst>
+            <a:ext uri="{909E8E84-426E-40DD-AFC4-6F175D3DCCD1}">
+              <a14:hiddenFill xmlns:a14="http://schemas.microsoft.com/office/drawing/2010/main">
+                <a:solidFill>
+                  <a:srgbClr val="FFFFFF"/>
+                </a:solidFill>
+              </a14:hiddenFill>
+            </a:ext>
+          </a:extLst>
+        </p:spPr>
+      </p:pic>
+      <p:sp>
+        <p:nvSpPr>
+          <p:cNvPr id="5" name="テキスト ボックス 4">
+            <a:extLst>
+              <a:ext uri="{FF2B5EF4-FFF2-40B4-BE49-F238E27FC236}">
+                <a16:creationId xmlns:a16="http://schemas.microsoft.com/office/drawing/2014/main" id="{C51E0198-B561-4EFD-92D3-64E5D34F7527}"/>
+              </a:ext>
+            </a:extLst>
+          </p:cNvPr>
+          <p:cNvSpPr txBox="1"/>
+          <p:nvPr/>
+        </p:nvSpPr>
+        <p:spPr>
+          <a:xfrm>
+            <a:off x="2339752" y="3645024"/>
+            <a:ext cx="691215" cy="369332"/>
+          </a:xfrm>
+          <a:prstGeom prst="rect">
+            <a:avLst/>
+          </a:prstGeom>
+          <a:noFill/>
+        </p:spPr>
+        <p:txBody>
+          <a:bodyPr wrap="none" rtlCol="0">
+            <a:spAutoFit/>
+          </a:bodyPr>
+          <a:lstStyle/>
+          <a:p>
+            <a:r>
+              <a:rPr lang="en-US" altLang="ja-JP">
+                <a:solidFill>
+                  <a:schemeClr val="bg1"/>
+                </a:solidFill>
+                <a:latin typeface="Consolas" panose="020B0609020204030204" pitchFamily="49" charset="0"/>
+              </a:rPr>
+              <a:t>temp</a:t>
+            </a:r>
+            <a:endParaRPr kumimoji="1" lang="ja-JP" altLang="en-US" dirty="0">
+              <a:solidFill>
+                <a:schemeClr val="bg1"/>
+              </a:solidFill>
+              <a:latin typeface="Consolas" panose="020B0609020204030204" pitchFamily="49" charset="0"/>
+            </a:endParaRPr>
+          </a:p>
+        </p:txBody>
+      </p:sp>
+      <p:pic>
+        <p:nvPicPr>
+          <p:cNvPr id="6" name="Picture 2" descr="フォルダのイラスト">
+            <a:extLst>
+              <a:ext uri="{FF2B5EF4-FFF2-40B4-BE49-F238E27FC236}">
+                <a16:creationId xmlns:a16="http://schemas.microsoft.com/office/drawing/2014/main" id="{926B1572-821C-4236-8A06-E5D4917B4777}"/>
+              </a:ext>
+            </a:extLst>
+          </p:cNvPr>
+          <p:cNvPicPr>
+            <a:picLocks noChangeAspect="1" noChangeArrowheads="1"/>
+          </p:cNvPicPr>
+          <p:nvPr/>
+        </p:nvPicPr>
+        <p:blipFill>
+          <a:blip r:embed="rId2" cstate="print">
+            <a:extLst>
+              <a:ext uri="{28A0092B-C50C-407E-A947-70E740481C1C}">
+                <a14:useLocalDpi xmlns:a14="http://schemas.microsoft.com/office/drawing/2010/main" val="0"/>
+              </a:ext>
+            </a:extLst>
+          </a:blip>
+          <a:srcRect/>
+          <a:stretch>
+            <a:fillRect/>
+          </a:stretch>
+        </p:blipFill>
+        <p:spPr bwMode="auto">
+          <a:xfrm>
+            <a:off x="2310887" y="4437112"/>
+            <a:ext cx="764145" cy="639971"/>
+          </a:xfrm>
+          <a:prstGeom prst="rect">
+            <a:avLst/>
+          </a:prstGeom>
+          <a:noFill/>
+          <a:extLst>
+            <a:ext uri="{909E8E84-426E-40DD-AFC4-6F175D3DCCD1}">
+              <a14:hiddenFill xmlns:a14="http://schemas.microsoft.com/office/drawing/2010/main">
+                <a:solidFill>
+                  <a:srgbClr val="FFFFFF"/>
+                </a:solidFill>
+              </a14:hiddenFill>
+            </a:ext>
+          </a:extLst>
+        </p:spPr>
+      </p:pic>
+      <p:sp>
+        <p:nvSpPr>
+          <p:cNvPr id="7" name="テキスト ボックス 6">
+            <a:extLst>
+              <a:ext uri="{FF2B5EF4-FFF2-40B4-BE49-F238E27FC236}">
+                <a16:creationId xmlns:a16="http://schemas.microsoft.com/office/drawing/2014/main" id="{E0F5748F-A5F3-4980-8ABA-346C74D0505E}"/>
+              </a:ext>
+            </a:extLst>
+          </p:cNvPr>
+          <p:cNvSpPr txBox="1"/>
+          <p:nvPr/>
+        </p:nvSpPr>
+        <p:spPr>
+          <a:xfrm>
+            <a:off x="2339752" y="4581128"/>
+            <a:ext cx="691215" cy="369332"/>
+          </a:xfrm>
+          <a:prstGeom prst="rect">
+            <a:avLst/>
+          </a:prstGeom>
+          <a:noFill/>
+        </p:spPr>
+        <p:txBody>
+          <a:bodyPr wrap="none" rtlCol="0">
+            <a:spAutoFit/>
+          </a:bodyPr>
+          <a:lstStyle/>
+          <a:p>
+            <a:r>
+              <a:rPr kumimoji="1" lang="en-US" altLang="ja-JP">
+                <a:solidFill>
+                  <a:schemeClr val="bg1"/>
+                </a:solidFill>
+                <a:latin typeface="Consolas" panose="020B0609020204030204" pitchFamily="49" charset="0"/>
+              </a:rPr>
+              <a:t>dir1</a:t>
+            </a:r>
+            <a:endParaRPr kumimoji="1" lang="ja-JP" altLang="en-US" dirty="0">
+              <a:solidFill>
+                <a:schemeClr val="bg1"/>
+              </a:solidFill>
+              <a:latin typeface="Consolas" panose="020B0609020204030204" pitchFamily="49" charset="0"/>
+            </a:endParaRPr>
+          </a:p>
+        </p:txBody>
+      </p:sp>
+      <p:pic>
+        <p:nvPicPr>
+          <p:cNvPr id="8" name="Picture 2" descr="フォルダのイラスト">
+            <a:extLst>
+              <a:ext uri="{FF2B5EF4-FFF2-40B4-BE49-F238E27FC236}">
+                <a16:creationId xmlns:a16="http://schemas.microsoft.com/office/drawing/2014/main" id="{B1720207-8CCD-4D8B-A678-113C8E5DAEBA}"/>
+              </a:ext>
+            </a:extLst>
+          </p:cNvPr>
+          <p:cNvPicPr>
+            <a:picLocks noChangeAspect="1" noChangeArrowheads="1"/>
+          </p:cNvPicPr>
+          <p:nvPr/>
+        </p:nvPicPr>
+        <p:blipFill>
+          <a:blip r:embed="rId2" cstate="print">
+            <a:extLst>
+              <a:ext uri="{28A0092B-C50C-407E-A947-70E740481C1C}">
+                <a14:useLocalDpi xmlns:a14="http://schemas.microsoft.com/office/drawing/2010/main" val="0"/>
+              </a:ext>
+            </a:extLst>
+          </a:blip>
+          <a:srcRect/>
+          <a:stretch>
+            <a:fillRect/>
+          </a:stretch>
+        </p:blipFill>
+        <p:spPr bwMode="auto">
+          <a:xfrm>
+            <a:off x="3275856" y="4437112"/>
+            <a:ext cx="764145" cy="639971"/>
+          </a:xfrm>
+          <a:prstGeom prst="rect">
+            <a:avLst/>
+          </a:prstGeom>
+          <a:noFill/>
+          <a:extLst>
+            <a:ext uri="{909E8E84-426E-40DD-AFC4-6F175D3DCCD1}">
+              <a14:hiddenFill xmlns:a14="http://schemas.microsoft.com/office/drawing/2010/main">
+                <a:solidFill>
+                  <a:srgbClr val="FFFFFF"/>
+                </a:solidFill>
+              </a14:hiddenFill>
+            </a:ext>
+          </a:extLst>
+        </p:spPr>
+      </p:pic>
+      <p:sp>
+        <p:nvSpPr>
+          <p:cNvPr id="9" name="テキスト ボックス 8">
+            <a:extLst>
+              <a:ext uri="{FF2B5EF4-FFF2-40B4-BE49-F238E27FC236}">
+                <a16:creationId xmlns:a16="http://schemas.microsoft.com/office/drawing/2014/main" id="{AB69B129-9056-467F-9A85-A63B383DD5BA}"/>
+              </a:ext>
+            </a:extLst>
+          </p:cNvPr>
+          <p:cNvSpPr txBox="1"/>
+          <p:nvPr/>
+        </p:nvSpPr>
+        <p:spPr>
+          <a:xfrm>
+            <a:off x="3304721" y="4581128"/>
+            <a:ext cx="691215" cy="369332"/>
+          </a:xfrm>
+          <a:prstGeom prst="rect">
+            <a:avLst/>
+          </a:prstGeom>
+          <a:noFill/>
+        </p:spPr>
+        <p:txBody>
+          <a:bodyPr wrap="none" rtlCol="0">
+            <a:spAutoFit/>
+          </a:bodyPr>
+          <a:lstStyle/>
+          <a:p>
+            <a:r>
+              <a:rPr kumimoji="1" lang="en-US" altLang="ja-JP">
+                <a:solidFill>
+                  <a:schemeClr val="bg1"/>
+                </a:solidFill>
+                <a:latin typeface="Consolas" panose="020B0609020204030204" pitchFamily="49" charset="0"/>
+              </a:rPr>
+              <a:t>dir2</a:t>
+            </a:r>
+            <a:endParaRPr kumimoji="1" lang="ja-JP" altLang="en-US" dirty="0">
+              <a:solidFill>
+                <a:schemeClr val="bg1"/>
+              </a:solidFill>
+              <a:latin typeface="Consolas" panose="020B0609020204030204" pitchFamily="49" charset="0"/>
+            </a:endParaRPr>
+          </a:p>
+        </p:txBody>
+      </p:sp>
+      <p:pic>
+        <p:nvPicPr>
+          <p:cNvPr id="10" name="Picture 2" descr="ファイルアイコン（ブランク）">
+            <a:extLst>
+              <a:ext uri="{FF2B5EF4-FFF2-40B4-BE49-F238E27FC236}">
+                <a16:creationId xmlns:a16="http://schemas.microsoft.com/office/drawing/2014/main" id="{AB8E3F9A-6E25-4777-B31A-5C61F999FC37}"/>
+              </a:ext>
+            </a:extLst>
+          </p:cNvPr>
+          <p:cNvPicPr>
+            <a:picLocks noChangeAspect="1" noChangeArrowheads="1"/>
+          </p:cNvPicPr>
+          <p:nvPr/>
+        </p:nvPicPr>
+        <p:blipFill>
+          <a:blip r:embed="rId3" cstate="print">
+            <a:extLst>
+              <a:ext uri="{28A0092B-C50C-407E-A947-70E740481C1C}">
+                <a14:useLocalDpi xmlns:a14="http://schemas.microsoft.com/office/drawing/2010/main" val="0"/>
+              </a:ext>
+            </a:extLst>
+          </a:blip>
+          <a:srcRect/>
+          <a:stretch>
+            <a:fillRect/>
+          </a:stretch>
+        </p:blipFill>
+        <p:spPr bwMode="auto">
+          <a:xfrm>
+            <a:off x="4283968" y="4437112"/>
+            <a:ext cx="558061" cy="648072"/>
+          </a:xfrm>
+          <a:prstGeom prst="rect">
+            <a:avLst/>
+          </a:prstGeom>
+          <a:noFill/>
+          <a:extLst>
+            <a:ext uri="{909E8E84-426E-40DD-AFC4-6F175D3DCCD1}">
+              <a14:hiddenFill xmlns:a14="http://schemas.microsoft.com/office/drawing/2010/main">
+                <a:solidFill>
+                  <a:srgbClr val="FFFFFF"/>
+                </a:solidFill>
+              </a14:hiddenFill>
+            </a:ext>
+          </a:extLst>
+        </p:spPr>
+      </p:pic>
+      <p:sp>
+        <p:nvSpPr>
+          <p:cNvPr id="11" name="テキスト ボックス 10">
+            <a:extLst>
+              <a:ext uri="{FF2B5EF4-FFF2-40B4-BE49-F238E27FC236}">
+                <a16:creationId xmlns:a16="http://schemas.microsoft.com/office/drawing/2014/main" id="{10324582-7FC4-466D-97C2-EBCCB0508E58}"/>
+              </a:ext>
+            </a:extLst>
+          </p:cNvPr>
+          <p:cNvSpPr txBox="1"/>
+          <p:nvPr/>
+        </p:nvSpPr>
+        <p:spPr>
+          <a:xfrm>
+            <a:off x="4067944" y="5013176"/>
+            <a:ext cx="1115616" cy="307777"/>
+          </a:xfrm>
+          <a:prstGeom prst="rect">
+            <a:avLst/>
+          </a:prstGeom>
+          <a:noFill/>
+        </p:spPr>
+        <p:txBody>
+          <a:bodyPr wrap="square">
+            <a:spAutoFit/>
+          </a:bodyPr>
+          <a:lstStyle/>
+          <a:p>
+            <a:r>
+              <a:rPr lang="en-US" altLang="ja-JP" sz="1400">
+                <a:latin typeface="Consolas" panose="020B0609020204030204" pitchFamily="49" charset="0"/>
+              </a:rPr>
+              <a:t>file1.txt</a:t>
+            </a:r>
+            <a:endParaRPr kumimoji="1" lang="ja-JP" altLang="en-US" sz="1400" dirty="0">
+              <a:latin typeface="Consolas" panose="020B0609020204030204" pitchFamily="49" charset="0"/>
+            </a:endParaRPr>
+          </a:p>
+        </p:txBody>
+      </p:sp>
+      <p:pic>
+        <p:nvPicPr>
+          <p:cNvPr id="12" name="Picture 2" descr="ファイルアイコン（ブランク）">
+            <a:extLst>
+              <a:ext uri="{FF2B5EF4-FFF2-40B4-BE49-F238E27FC236}">
+                <a16:creationId xmlns:a16="http://schemas.microsoft.com/office/drawing/2014/main" id="{C2201630-E698-4405-A4C7-900DB4EA0C18}"/>
+              </a:ext>
+            </a:extLst>
+          </p:cNvPr>
+          <p:cNvPicPr>
+            <a:picLocks noChangeAspect="1" noChangeArrowheads="1"/>
+          </p:cNvPicPr>
+          <p:nvPr/>
+        </p:nvPicPr>
+        <p:blipFill>
+          <a:blip r:embed="rId3" cstate="print">
+            <a:extLst>
+              <a:ext uri="{28A0092B-C50C-407E-A947-70E740481C1C}">
+                <a14:useLocalDpi xmlns:a14="http://schemas.microsoft.com/office/drawing/2010/main" val="0"/>
+              </a:ext>
+            </a:extLst>
+          </a:blip>
+          <a:srcRect/>
+          <a:stretch>
+            <a:fillRect/>
+          </a:stretch>
+        </p:blipFill>
+        <p:spPr bwMode="auto">
+          <a:xfrm>
+            <a:off x="5292080" y="4437112"/>
+            <a:ext cx="558061" cy="648072"/>
+          </a:xfrm>
+          <a:prstGeom prst="rect">
+            <a:avLst/>
+          </a:prstGeom>
+          <a:noFill/>
+          <a:extLst>
+            <a:ext uri="{909E8E84-426E-40DD-AFC4-6F175D3DCCD1}">
+              <a14:hiddenFill xmlns:a14="http://schemas.microsoft.com/office/drawing/2010/main">
+                <a:solidFill>
+                  <a:srgbClr val="FFFFFF"/>
+                </a:solidFill>
+              </a14:hiddenFill>
+            </a:ext>
+          </a:extLst>
+        </p:spPr>
+      </p:pic>
+      <p:sp>
+        <p:nvSpPr>
+          <p:cNvPr id="13" name="テキスト ボックス 12">
+            <a:extLst>
+              <a:ext uri="{FF2B5EF4-FFF2-40B4-BE49-F238E27FC236}">
+                <a16:creationId xmlns:a16="http://schemas.microsoft.com/office/drawing/2014/main" id="{30CE12E6-EA4E-40DF-96E1-55CBD3BCC3E7}"/>
+              </a:ext>
+            </a:extLst>
+          </p:cNvPr>
+          <p:cNvSpPr txBox="1"/>
+          <p:nvPr/>
+        </p:nvSpPr>
+        <p:spPr>
+          <a:xfrm>
+            <a:off x="5076056" y="5013176"/>
+            <a:ext cx="1115616" cy="307777"/>
+          </a:xfrm>
+          <a:prstGeom prst="rect">
+            <a:avLst/>
+          </a:prstGeom>
+          <a:noFill/>
+        </p:spPr>
+        <p:txBody>
+          <a:bodyPr wrap="square">
+            <a:spAutoFit/>
+          </a:bodyPr>
+          <a:lstStyle/>
+          <a:p>
+            <a:r>
+              <a:rPr lang="en-US" altLang="ja-JP" sz="1400">
+                <a:latin typeface="Consolas" panose="020B0609020204030204" pitchFamily="49" charset="0"/>
+              </a:rPr>
+              <a:t>file2.txt</a:t>
+            </a:r>
+            <a:endParaRPr kumimoji="1" lang="ja-JP" altLang="en-US" sz="1400" dirty="0">
+              <a:latin typeface="Consolas" panose="020B0609020204030204" pitchFamily="49" charset="0"/>
+            </a:endParaRPr>
+          </a:p>
+        </p:txBody>
+      </p:sp>
+      <p:pic>
+        <p:nvPicPr>
+          <p:cNvPr id="14" name="Picture 2" descr="ファイルアイコン（ブランク）">
+            <a:extLst>
+              <a:ext uri="{FF2B5EF4-FFF2-40B4-BE49-F238E27FC236}">
+                <a16:creationId xmlns:a16="http://schemas.microsoft.com/office/drawing/2014/main" id="{7A49FDD5-2D74-4EC3-9B9B-1C5A90220DD3}"/>
+              </a:ext>
+            </a:extLst>
+          </p:cNvPr>
+          <p:cNvPicPr>
+            <a:picLocks noChangeAspect="1" noChangeArrowheads="1"/>
+          </p:cNvPicPr>
+          <p:nvPr/>
+        </p:nvPicPr>
+        <p:blipFill>
+          <a:blip r:embed="rId3" cstate="print">
+            <a:extLst>
+              <a:ext uri="{28A0092B-C50C-407E-A947-70E740481C1C}">
+                <a14:useLocalDpi xmlns:a14="http://schemas.microsoft.com/office/drawing/2010/main" val="0"/>
+              </a:ext>
+            </a:extLst>
+          </a:blip>
+          <a:srcRect/>
+          <a:stretch>
+            <a:fillRect/>
+          </a:stretch>
+        </p:blipFill>
+        <p:spPr bwMode="auto">
+          <a:xfrm>
+            <a:off x="2411760" y="5445224"/>
+            <a:ext cx="558061" cy="648072"/>
+          </a:xfrm>
+          <a:prstGeom prst="rect">
+            <a:avLst/>
+          </a:prstGeom>
+          <a:noFill/>
+          <a:extLst>
+            <a:ext uri="{909E8E84-426E-40DD-AFC4-6F175D3DCCD1}">
+              <a14:hiddenFill xmlns:a14="http://schemas.microsoft.com/office/drawing/2010/main">
+                <a:solidFill>
+                  <a:srgbClr val="FFFFFF"/>
+                </a:solidFill>
+              </a14:hiddenFill>
+            </a:ext>
+          </a:extLst>
+        </p:spPr>
+      </p:pic>
+      <p:sp>
+        <p:nvSpPr>
+          <p:cNvPr id="15" name="テキスト ボックス 14">
+            <a:extLst>
+              <a:ext uri="{FF2B5EF4-FFF2-40B4-BE49-F238E27FC236}">
+                <a16:creationId xmlns:a16="http://schemas.microsoft.com/office/drawing/2014/main" id="{464E4F3B-8D2F-4572-A97F-9C81D373ACE6}"/>
+              </a:ext>
+            </a:extLst>
+          </p:cNvPr>
+          <p:cNvSpPr txBox="1"/>
+          <p:nvPr/>
+        </p:nvSpPr>
+        <p:spPr>
+          <a:xfrm>
+            <a:off x="2230785" y="6070128"/>
+            <a:ext cx="1115616" cy="307777"/>
+          </a:xfrm>
+          <a:prstGeom prst="rect">
+            <a:avLst/>
+          </a:prstGeom>
+          <a:noFill/>
+        </p:spPr>
+        <p:txBody>
+          <a:bodyPr wrap="square">
+            <a:spAutoFit/>
+          </a:bodyPr>
+          <a:lstStyle/>
+          <a:p>
+            <a:r>
+              <a:rPr lang="en-US" altLang="ja-JP" sz="1400">
+                <a:latin typeface="Consolas" panose="020B0609020204030204" pitchFamily="49" charset="0"/>
+              </a:rPr>
+              <a:t>file3.txt</a:t>
+            </a:r>
+            <a:endParaRPr kumimoji="1" lang="ja-JP" altLang="en-US" sz="1400" dirty="0">
+              <a:latin typeface="Consolas" panose="020B0609020204030204" pitchFamily="49" charset="0"/>
+            </a:endParaRPr>
+          </a:p>
+        </p:txBody>
+      </p:sp>
+      <p:cxnSp>
+        <p:nvCxnSpPr>
+          <p:cNvPr id="16" name="コネクタ: カギ線 15">
+            <a:extLst>
+              <a:ext uri="{FF2B5EF4-FFF2-40B4-BE49-F238E27FC236}">
+                <a16:creationId xmlns:a16="http://schemas.microsoft.com/office/drawing/2014/main" id="{113F691F-4377-4EF6-8D3A-EC26CBE6B86A}"/>
+              </a:ext>
+            </a:extLst>
+          </p:cNvPr>
+          <p:cNvCxnSpPr>
+            <a:cxnSpLocks/>
+            <a:stCxn id="4" idx="2"/>
+            <a:endCxn id="8" idx="0"/>
+          </p:cNvCxnSpPr>
+          <p:nvPr/>
+        </p:nvCxnSpPr>
+        <p:spPr>
+          <a:xfrm rot="16200000" flipH="1">
+            <a:off x="3027378" y="3806560"/>
+            <a:ext cx="296133" cy="964969"/>
+          </a:xfrm>
+          <a:prstGeom prst="bentConnector3">
+            <a:avLst/>
+          </a:prstGeom>
+          <a:ln w="12700">
+            <a:solidFill>
+              <a:schemeClr val="tx1"/>
+            </a:solidFill>
+          </a:ln>
+        </p:spPr>
+        <p:style>
+          <a:lnRef idx="1">
+            <a:schemeClr val="accent1"/>
+          </a:lnRef>
+          <a:fillRef idx="0">
+            <a:schemeClr val="accent1"/>
+          </a:fillRef>
+          <a:effectRef idx="0">
+            <a:schemeClr val="accent1"/>
+          </a:effectRef>
+          <a:fontRef idx="minor">
+            <a:schemeClr val="tx1"/>
+          </a:fontRef>
+        </p:style>
+      </p:cxnSp>
+      <p:cxnSp>
+        <p:nvCxnSpPr>
+          <p:cNvPr id="17" name="コネクタ: カギ線 16">
+            <a:extLst>
+              <a:ext uri="{FF2B5EF4-FFF2-40B4-BE49-F238E27FC236}">
+                <a16:creationId xmlns:a16="http://schemas.microsoft.com/office/drawing/2014/main" id="{ED0DB23F-AFAC-457F-9C9E-C3DDCF86E5E4}"/>
+              </a:ext>
+            </a:extLst>
+          </p:cNvPr>
+          <p:cNvCxnSpPr>
+            <a:cxnSpLocks/>
+            <a:stCxn id="4" idx="2"/>
+            <a:endCxn id="10" idx="0"/>
+          </p:cNvCxnSpPr>
+          <p:nvPr/>
+        </p:nvCxnSpPr>
+        <p:spPr>
+          <a:xfrm rot="16200000" flipH="1">
+            <a:off x="3479913" y="3354025"/>
+            <a:ext cx="296133" cy="1870039"/>
+          </a:xfrm>
+          <a:prstGeom prst="bentConnector3">
+            <a:avLst/>
+          </a:prstGeom>
+          <a:ln w="12700">
+            <a:solidFill>
+              <a:schemeClr val="tx1"/>
+            </a:solidFill>
+          </a:ln>
+        </p:spPr>
+        <p:style>
+          <a:lnRef idx="1">
+            <a:schemeClr val="accent1"/>
+          </a:lnRef>
+          <a:fillRef idx="0">
+            <a:schemeClr val="accent1"/>
+          </a:fillRef>
+          <a:effectRef idx="0">
+            <a:schemeClr val="accent1"/>
+          </a:effectRef>
+          <a:fontRef idx="minor">
+            <a:schemeClr val="tx1"/>
+          </a:fontRef>
+        </p:style>
+      </p:cxnSp>
+      <p:cxnSp>
+        <p:nvCxnSpPr>
+          <p:cNvPr id="18" name="コネクタ: カギ線 17">
+            <a:extLst>
+              <a:ext uri="{FF2B5EF4-FFF2-40B4-BE49-F238E27FC236}">
+                <a16:creationId xmlns:a16="http://schemas.microsoft.com/office/drawing/2014/main" id="{C26E422C-5934-40E7-BB7D-418192C5AC83}"/>
+              </a:ext>
+            </a:extLst>
+          </p:cNvPr>
+          <p:cNvCxnSpPr>
+            <a:cxnSpLocks/>
+            <a:stCxn id="4" idx="2"/>
+            <a:endCxn id="12" idx="0"/>
+          </p:cNvCxnSpPr>
+          <p:nvPr/>
+        </p:nvCxnSpPr>
+        <p:spPr>
+          <a:xfrm rot="16200000" flipH="1">
+            <a:off x="3983969" y="2849969"/>
+            <a:ext cx="296133" cy="2878151"/>
+          </a:xfrm>
+          <a:prstGeom prst="bentConnector3">
+            <a:avLst/>
+          </a:prstGeom>
+          <a:ln w="12700">
+            <a:solidFill>
+              <a:schemeClr val="tx1"/>
+            </a:solidFill>
+          </a:ln>
+        </p:spPr>
+        <p:style>
+          <a:lnRef idx="1">
+            <a:schemeClr val="accent1"/>
+          </a:lnRef>
+          <a:fillRef idx="0">
+            <a:schemeClr val="accent1"/>
+          </a:fillRef>
+          <a:effectRef idx="0">
+            <a:schemeClr val="accent1"/>
+          </a:effectRef>
+          <a:fontRef idx="minor">
+            <a:schemeClr val="tx1"/>
+          </a:fontRef>
+        </p:style>
+      </p:cxnSp>
+      <p:cxnSp>
+        <p:nvCxnSpPr>
+          <p:cNvPr id="19" name="直線コネクタ 18">
+            <a:extLst>
+              <a:ext uri="{FF2B5EF4-FFF2-40B4-BE49-F238E27FC236}">
+                <a16:creationId xmlns:a16="http://schemas.microsoft.com/office/drawing/2014/main" id="{6B3C29D9-6379-4322-B23A-7D63DF4903D4}"/>
+              </a:ext>
+            </a:extLst>
+          </p:cNvPr>
+          <p:cNvCxnSpPr>
+            <a:stCxn id="4" idx="2"/>
+            <a:endCxn id="6" idx="0"/>
+          </p:cNvCxnSpPr>
+          <p:nvPr/>
+        </p:nvCxnSpPr>
+        <p:spPr>
+          <a:xfrm>
+            <a:off x="2692960" y="4140979"/>
+            <a:ext cx="0" cy="296133"/>
+          </a:xfrm>
+          <a:prstGeom prst="line">
+            <a:avLst/>
+          </a:prstGeom>
+          <a:ln w="12700">
+            <a:solidFill>
+              <a:schemeClr val="tx1"/>
+            </a:solidFill>
+          </a:ln>
+        </p:spPr>
+        <p:style>
+          <a:lnRef idx="1">
+            <a:schemeClr val="accent1"/>
+          </a:lnRef>
+          <a:fillRef idx="0">
+            <a:schemeClr val="accent1"/>
+          </a:fillRef>
+          <a:effectRef idx="0">
+            <a:schemeClr val="accent1"/>
+          </a:effectRef>
+          <a:fontRef idx="minor">
+            <a:schemeClr val="tx1"/>
+          </a:fontRef>
+        </p:style>
+      </p:cxnSp>
+      <p:cxnSp>
+        <p:nvCxnSpPr>
+          <p:cNvPr id="20" name="直線コネクタ 19">
+            <a:extLst>
+              <a:ext uri="{FF2B5EF4-FFF2-40B4-BE49-F238E27FC236}">
+                <a16:creationId xmlns:a16="http://schemas.microsoft.com/office/drawing/2014/main" id="{2CF2C7B5-3879-4D85-B431-E83D295AA919}"/>
+              </a:ext>
+            </a:extLst>
+          </p:cNvPr>
+          <p:cNvCxnSpPr/>
+          <p:nvPr/>
+        </p:nvCxnSpPr>
+        <p:spPr>
+          <a:xfrm>
+            <a:off x="2699792" y="5013176"/>
+            <a:ext cx="0" cy="296133"/>
+          </a:xfrm>
+          <a:prstGeom prst="line">
+            <a:avLst/>
+          </a:prstGeom>
+          <a:ln w="12700">
+            <a:solidFill>
+              <a:schemeClr val="tx1"/>
+            </a:solidFill>
+          </a:ln>
+        </p:spPr>
+        <p:style>
+          <a:lnRef idx="1">
+            <a:schemeClr val="accent1"/>
+          </a:lnRef>
+          <a:fillRef idx="0">
+            <a:schemeClr val="accent1"/>
+          </a:fillRef>
+          <a:effectRef idx="0">
+            <a:schemeClr val="accent1"/>
+          </a:effectRef>
+          <a:fontRef idx="minor">
+            <a:schemeClr val="tx1"/>
+          </a:fontRef>
+        </p:style>
+      </p:cxnSp>
+      <p:sp>
+        <p:nvSpPr>
+          <p:cNvPr id="21" name="四角形: 角を丸くする 20">
+            <a:extLst>
+              <a:ext uri="{FF2B5EF4-FFF2-40B4-BE49-F238E27FC236}">
+                <a16:creationId xmlns:a16="http://schemas.microsoft.com/office/drawing/2014/main" id="{BC728C41-C77C-45E6-A7BE-C5B694D84E5D}"/>
+              </a:ext>
+            </a:extLst>
+          </p:cNvPr>
+          <p:cNvSpPr/>
+          <p:nvPr/>
+        </p:nvSpPr>
+        <p:spPr>
+          <a:xfrm>
+            <a:off x="2195736" y="3429000"/>
+            <a:ext cx="936104" cy="720080"/>
+          </a:xfrm>
+          <a:prstGeom prst="roundRect">
+            <a:avLst/>
+          </a:prstGeom>
+          <a:noFill/>
+          <a:ln w="28575">
+            <a:solidFill>
+              <a:srgbClr val="FF0000"/>
+            </a:solidFill>
+            <a:prstDash val="sysDash"/>
+          </a:ln>
+        </p:spPr>
+        <p:style>
+          <a:lnRef idx="2">
+            <a:schemeClr val="accent1">
+              <a:shade val="50000"/>
+            </a:schemeClr>
+          </a:lnRef>
+          <a:fillRef idx="1">
+            <a:schemeClr val="accent1"/>
+          </a:fillRef>
+          <a:effectRef idx="0">
+            <a:schemeClr val="accent1"/>
+          </a:effectRef>
+          <a:fontRef idx="minor">
+            <a:schemeClr val="lt1"/>
+          </a:fontRef>
+        </p:style>
+        <p:txBody>
+          <a:bodyPr rtlCol="0" anchor="ctr"/>
+          <a:lstStyle/>
+          <a:p>
+            <a:pPr algn="ctr"/>
+            <a:endParaRPr kumimoji="1" lang="ja-JP" altLang="en-US"/>
+          </a:p>
+        </p:txBody>
+      </p:sp>
+      <p:sp>
+        <p:nvSpPr>
+          <p:cNvPr id="22" name="テキスト ボックス 21">
+            <a:extLst>
+              <a:ext uri="{FF2B5EF4-FFF2-40B4-BE49-F238E27FC236}">
+                <a16:creationId xmlns:a16="http://schemas.microsoft.com/office/drawing/2014/main" id="{B8B8EABF-390A-44D7-87D9-FC783794C0AE}"/>
+              </a:ext>
+            </a:extLst>
+          </p:cNvPr>
+          <p:cNvSpPr txBox="1"/>
+          <p:nvPr/>
+        </p:nvSpPr>
+        <p:spPr>
+          <a:xfrm>
+            <a:off x="1835696" y="3068960"/>
+            <a:ext cx="1723549" cy="276999"/>
+          </a:xfrm>
+          <a:prstGeom prst="rect">
+            <a:avLst/>
+          </a:prstGeom>
+          <a:noFill/>
+        </p:spPr>
+        <p:txBody>
+          <a:bodyPr wrap="none" rtlCol="0">
+            <a:spAutoFit/>
+          </a:bodyPr>
+          <a:lstStyle/>
+          <a:p>
+            <a:r>
+              <a:rPr kumimoji="1" lang="ja-JP" altLang="en-US" sz="1200"/>
+              <a:t>カレントディレクトリ</a:t>
+            </a:r>
+          </a:p>
+        </p:txBody>
+      </p:sp>
+      <p:sp>
+        <p:nvSpPr>
+          <p:cNvPr id="25" name="テキスト ボックス 24">
+            <a:extLst>
+              <a:ext uri="{FF2B5EF4-FFF2-40B4-BE49-F238E27FC236}">
+                <a16:creationId xmlns:a16="http://schemas.microsoft.com/office/drawing/2014/main" id="{E86AF719-5E74-4859-93C8-8FA1A6D191F8}"/>
+              </a:ext>
+            </a:extLst>
+          </p:cNvPr>
+          <p:cNvSpPr txBox="1"/>
+          <p:nvPr/>
+        </p:nvSpPr>
+        <p:spPr>
+          <a:xfrm>
+            <a:off x="251520" y="2204864"/>
+            <a:ext cx="5256584" cy="461665"/>
+          </a:xfrm>
+          <a:prstGeom prst="rect">
+            <a:avLst/>
+          </a:prstGeom>
+          <a:noFill/>
+          <a:ln>
+            <a:solidFill>
+              <a:schemeClr val="tx1"/>
+            </a:solidFill>
+          </a:ln>
+        </p:spPr>
+        <p:txBody>
+          <a:bodyPr wrap="square">
+            <a:spAutoFit/>
+          </a:bodyPr>
+          <a:lstStyle/>
+          <a:p>
+            <a:r>
+              <a:rPr lang="en-US" sz="2400">
+                <a:solidFill>
+                  <a:prstClr val="black"/>
+                </a:solidFill>
+                <a:latin typeface="Lucida Console" panose="020B0609040504020204" pitchFamily="49" charset="0"/>
+              </a:rPr>
+              <a:t>$ mv file2.txt file3.txt</a:t>
+            </a:r>
+          </a:p>
+        </p:txBody>
+      </p:sp>
+      <p:pic>
+        <p:nvPicPr>
+          <p:cNvPr id="27" name="Picture 2" descr="ファイルアイコン（ブランク）">
+            <a:extLst>
+              <a:ext uri="{FF2B5EF4-FFF2-40B4-BE49-F238E27FC236}">
+                <a16:creationId xmlns:a16="http://schemas.microsoft.com/office/drawing/2014/main" id="{DD233E7A-D993-4029-9739-10D8CD7AD4F6}"/>
+              </a:ext>
+            </a:extLst>
+          </p:cNvPr>
+          <p:cNvPicPr>
+            <a:picLocks noChangeAspect="1" noChangeArrowheads="1"/>
+          </p:cNvPicPr>
+          <p:nvPr/>
+        </p:nvPicPr>
+        <p:blipFill>
+          <a:blip r:embed="rId3" cstate="print">
+            <a:extLst>
+              <a:ext uri="{28A0092B-C50C-407E-A947-70E740481C1C}">
+                <a14:useLocalDpi xmlns:a14="http://schemas.microsoft.com/office/drawing/2010/main" val="0"/>
+              </a:ext>
+            </a:extLst>
+          </a:blip>
+          <a:srcRect/>
+          <a:stretch>
+            <a:fillRect/>
+          </a:stretch>
+        </p:blipFill>
+        <p:spPr bwMode="auto">
+          <a:xfrm>
+            <a:off x="6660232" y="4437112"/>
+            <a:ext cx="558061" cy="648072"/>
+          </a:xfrm>
+          <a:prstGeom prst="rect">
+            <a:avLst/>
+          </a:prstGeom>
+          <a:noFill/>
+          <a:extLst>
+            <a:ext uri="{909E8E84-426E-40DD-AFC4-6F175D3DCCD1}">
+              <a14:hiddenFill xmlns:a14="http://schemas.microsoft.com/office/drawing/2010/main">
+                <a:solidFill>
+                  <a:srgbClr val="FFFFFF"/>
+                </a:solidFill>
+              </a14:hiddenFill>
+            </a:ext>
+          </a:extLst>
+        </p:spPr>
+      </p:pic>
+      <p:sp>
+        <p:nvSpPr>
+          <p:cNvPr id="28" name="テキスト ボックス 27">
+            <a:extLst>
+              <a:ext uri="{FF2B5EF4-FFF2-40B4-BE49-F238E27FC236}">
+                <a16:creationId xmlns:a16="http://schemas.microsoft.com/office/drawing/2014/main" id="{9541BEDC-7B78-4DEF-8DCB-BA9CA6254A6E}"/>
+              </a:ext>
+            </a:extLst>
+          </p:cNvPr>
+          <p:cNvSpPr txBox="1"/>
+          <p:nvPr/>
+        </p:nvSpPr>
+        <p:spPr>
+          <a:xfrm>
+            <a:off x="6444208" y="5013176"/>
+            <a:ext cx="1115616" cy="307777"/>
+          </a:xfrm>
+          <a:prstGeom prst="rect">
+            <a:avLst/>
+          </a:prstGeom>
+          <a:noFill/>
+        </p:spPr>
+        <p:txBody>
+          <a:bodyPr wrap="square">
+            <a:spAutoFit/>
+          </a:bodyPr>
+          <a:lstStyle/>
+          <a:p>
+            <a:r>
+              <a:rPr lang="en-US" altLang="ja-JP" sz="1400">
+                <a:latin typeface="Consolas" panose="020B0609020204030204" pitchFamily="49" charset="0"/>
+              </a:rPr>
+              <a:t>file3.txt</a:t>
+            </a:r>
+            <a:endParaRPr kumimoji="1" lang="ja-JP" altLang="en-US" sz="1400" dirty="0">
+              <a:latin typeface="Consolas" panose="020B0609020204030204" pitchFamily="49" charset="0"/>
+            </a:endParaRPr>
+          </a:p>
+        </p:txBody>
+      </p:sp>
+      <p:sp>
+        <p:nvSpPr>
+          <p:cNvPr id="29" name="矢印: 右 28">
+            <a:extLst>
+              <a:ext uri="{FF2B5EF4-FFF2-40B4-BE49-F238E27FC236}">
+                <a16:creationId xmlns:a16="http://schemas.microsoft.com/office/drawing/2014/main" id="{AE52776F-6E6C-41E1-838F-DF8570F35733}"/>
+              </a:ext>
+            </a:extLst>
+          </p:cNvPr>
+          <p:cNvSpPr/>
+          <p:nvPr/>
+        </p:nvSpPr>
+        <p:spPr>
+          <a:xfrm>
+            <a:off x="6012160" y="4581128"/>
+            <a:ext cx="504056" cy="412624"/>
+          </a:xfrm>
+          <a:prstGeom prst="rightArrow">
+            <a:avLst/>
+          </a:prstGeom>
+          <a:solidFill>
+            <a:srgbClr val="FF0000"/>
+          </a:solidFill>
+          <a:ln>
+            <a:solidFill>
+              <a:schemeClr val="tx1"/>
+            </a:solidFill>
+          </a:ln>
+        </p:spPr>
+        <p:style>
+          <a:lnRef idx="2">
+            <a:schemeClr val="accent1">
+              <a:shade val="50000"/>
+            </a:schemeClr>
+          </a:lnRef>
+          <a:fillRef idx="1">
+            <a:schemeClr val="accent1"/>
+          </a:fillRef>
+          <a:effectRef idx="0">
+            <a:schemeClr val="accent1"/>
+          </a:effectRef>
+          <a:fontRef idx="minor">
+            <a:schemeClr val="lt1"/>
+          </a:fontRef>
+        </p:style>
+        <p:txBody>
+          <a:bodyPr rtlCol="0" anchor="ctr"/>
+          <a:lstStyle/>
+          <a:p>
+            <a:pPr algn="ctr"/>
+            <a:endParaRPr kumimoji="1" lang="en-US"/>
+          </a:p>
+        </p:txBody>
+      </p:sp>
+      <p:sp>
+        <p:nvSpPr>
+          <p:cNvPr id="30" name="テキスト ボックス 29">
+            <a:extLst>
+              <a:ext uri="{FF2B5EF4-FFF2-40B4-BE49-F238E27FC236}">
+                <a16:creationId xmlns:a16="http://schemas.microsoft.com/office/drawing/2014/main" id="{3913B529-665F-43D9-818A-CAFB4B98E27C}"/>
+              </a:ext>
+            </a:extLst>
+          </p:cNvPr>
+          <p:cNvSpPr txBox="1"/>
+          <p:nvPr/>
+        </p:nvSpPr>
+        <p:spPr>
+          <a:xfrm>
+            <a:off x="5796136" y="4221088"/>
+            <a:ext cx="800219" cy="276999"/>
+          </a:xfrm>
+          <a:prstGeom prst="rect">
+            <a:avLst/>
+          </a:prstGeom>
+          <a:noFill/>
+        </p:spPr>
+        <p:txBody>
+          <a:bodyPr wrap="none" rtlCol="0">
+            <a:spAutoFit/>
+          </a:bodyPr>
+          <a:lstStyle/>
+          <a:p>
+            <a:r>
+              <a:rPr lang="ja-JP" altLang="en-US" sz="1200"/>
+              <a:t>リネーム</a:t>
+            </a:r>
+            <a:endParaRPr lang="en-US" sz="1200"/>
+          </a:p>
+        </p:txBody>
+      </p:sp>
+    </p:spTree>
+    <p:extLst>
+      <p:ext uri="{BB962C8B-B14F-4D97-AF65-F5344CB8AC3E}">
+        <p14:creationId xmlns:p14="http://schemas.microsoft.com/office/powerpoint/2010/main" val="703985222"/>
+      </p:ext>
+    </p:extLst>
+  </p:cSld>
+  <p:clrMapOvr>
+    <a:masterClrMapping/>
+  </p:clrMapOvr>
+</p:sld>
+</file>
+
+<file path=ppt/slides/slide24.xml><?xml version="1.0" encoding="utf-8"?>
+<p:sld xmlns:a="http://schemas.openxmlformats.org/drawingml/2006/main" xmlns:r="http://schemas.openxmlformats.org/officeDocument/2006/relationships" xmlns:p="http://schemas.openxmlformats.org/presentationml/2006/main">
+  <p:cSld>
+    <p:spTree>
+      <p:nvGrpSpPr>
+        <p:cNvPr id="1" name=""/>
+        <p:cNvGrpSpPr/>
+        <p:nvPr/>
+      </p:nvGrpSpPr>
+      <p:grpSpPr>
+        <a:xfrm>
+          <a:off x="0" y="0"/>
+          <a:ext cx="0" cy="0"/>
+          <a:chOff x="0" y="0"/>
+          <a:chExt cx="0" cy="0"/>
+        </a:xfrm>
+      </p:grpSpPr>
+      <p:sp>
+        <p:nvSpPr>
+          <p:cNvPr id="2" name="テキスト プレースホルダー 1">
+            <a:extLst>
+              <a:ext uri="{FF2B5EF4-FFF2-40B4-BE49-F238E27FC236}">
+                <a16:creationId xmlns:a16="http://schemas.microsoft.com/office/drawing/2014/main" id="{9D7AD000-8F25-4E7A-A7C0-BD90BA41E282}"/>
+              </a:ext>
+            </a:extLst>
+          </p:cNvPr>
+          <p:cNvSpPr>
+            <a:spLocks noGrp="1"/>
+          </p:cNvSpPr>
+          <p:nvPr>
+            <p:ph type="body" sz="quarter" idx="10"/>
+          </p:nvPr>
+        </p:nvSpPr>
+        <p:spPr/>
+        <p:txBody>
+          <a:bodyPr/>
+          <a:lstStyle/>
+          <a:p>
+            <a:r>
+              <a:rPr lang="en-US"/>
+              <a:t>cp</a:t>
+            </a:r>
+          </a:p>
+        </p:txBody>
+      </p:sp>
+      <p:sp>
+        <p:nvSpPr>
+          <p:cNvPr id="3" name="テキスト ボックス 2">
+            <a:extLst>
+              <a:ext uri="{FF2B5EF4-FFF2-40B4-BE49-F238E27FC236}">
+                <a16:creationId xmlns:a16="http://schemas.microsoft.com/office/drawing/2014/main" id="{71DD6E76-C162-4B68-B75C-0D4C958A2721}"/>
+              </a:ext>
+            </a:extLst>
+          </p:cNvPr>
+          <p:cNvSpPr txBox="1"/>
+          <p:nvPr/>
+        </p:nvSpPr>
+        <p:spPr>
+          <a:xfrm>
+            <a:off x="395536" y="908720"/>
+            <a:ext cx="8204490" cy="954107"/>
+          </a:xfrm>
+          <a:prstGeom prst="rect">
+            <a:avLst/>
+          </a:prstGeom>
+          <a:noFill/>
+        </p:spPr>
+        <p:txBody>
+          <a:bodyPr wrap="none" rtlCol="0">
+            <a:spAutoFit/>
+          </a:bodyPr>
+          <a:lstStyle/>
+          <a:p>
+            <a:r>
+              <a:rPr lang="ja-JP" altLang="en-US" sz="2800"/>
+              <a:t>ファイルをコピーする</a:t>
+            </a:r>
+            <a:endParaRPr lang="en-US" altLang="ja-JP" sz="2800"/>
+          </a:p>
+          <a:p>
+            <a:r>
+              <a:rPr lang="ja-JP" altLang="en-US" sz="2800"/>
+              <a:t>移動元のファイルが消えない以外はほぼ</a:t>
+            </a:r>
+            <a:r>
+              <a:rPr lang="en-US" altLang="ja-JP" sz="2800"/>
+              <a:t>mv</a:t>
+            </a:r>
+            <a:r>
+              <a:rPr lang="ja-JP" altLang="en-US" sz="2800"/>
+              <a:t>と同じ</a:t>
+            </a:r>
+            <a:endParaRPr lang="en-US" sz="2800"/>
+          </a:p>
+        </p:txBody>
+      </p:sp>
+      <p:pic>
+        <p:nvPicPr>
+          <p:cNvPr id="4" name="Picture 2" descr="フォルダのイラスト">
+            <a:extLst>
+              <a:ext uri="{FF2B5EF4-FFF2-40B4-BE49-F238E27FC236}">
+                <a16:creationId xmlns:a16="http://schemas.microsoft.com/office/drawing/2014/main" id="{7CB1D655-73F7-4D82-AEDB-25733BE3D104}"/>
+              </a:ext>
+            </a:extLst>
+          </p:cNvPr>
+          <p:cNvPicPr>
+            <a:picLocks noChangeAspect="1" noChangeArrowheads="1"/>
+          </p:cNvPicPr>
+          <p:nvPr/>
+        </p:nvPicPr>
+        <p:blipFill>
+          <a:blip r:embed="rId2" cstate="print">
+            <a:extLst>
+              <a:ext uri="{28A0092B-C50C-407E-A947-70E740481C1C}">
+                <a14:useLocalDpi xmlns:a14="http://schemas.microsoft.com/office/drawing/2010/main" val="0"/>
+              </a:ext>
+            </a:extLst>
+          </a:blip>
+          <a:srcRect/>
+          <a:stretch>
+            <a:fillRect/>
+          </a:stretch>
+        </p:blipFill>
+        <p:spPr bwMode="auto">
+          <a:xfrm>
+            <a:off x="2310887" y="3068960"/>
+            <a:ext cx="764145" cy="639971"/>
+          </a:xfrm>
+          <a:prstGeom prst="rect">
+            <a:avLst/>
+          </a:prstGeom>
+          <a:noFill/>
+          <a:extLst>
+            <a:ext uri="{909E8E84-426E-40DD-AFC4-6F175D3DCCD1}">
+              <a14:hiddenFill xmlns:a14="http://schemas.microsoft.com/office/drawing/2010/main">
+                <a:solidFill>
+                  <a:srgbClr val="FFFFFF"/>
+                </a:solidFill>
+              </a14:hiddenFill>
+            </a:ext>
+          </a:extLst>
+        </p:spPr>
+      </p:pic>
+      <p:sp>
+        <p:nvSpPr>
+          <p:cNvPr id="5" name="テキスト ボックス 4">
+            <a:extLst>
+              <a:ext uri="{FF2B5EF4-FFF2-40B4-BE49-F238E27FC236}">
+                <a16:creationId xmlns:a16="http://schemas.microsoft.com/office/drawing/2014/main" id="{17A3D295-5596-49A1-8AC5-038BFF035F89}"/>
+              </a:ext>
+            </a:extLst>
+          </p:cNvPr>
+          <p:cNvSpPr txBox="1"/>
+          <p:nvPr/>
+        </p:nvSpPr>
+        <p:spPr>
+          <a:xfrm>
+            <a:off x="2339752" y="3212976"/>
+            <a:ext cx="691215" cy="369332"/>
+          </a:xfrm>
+          <a:prstGeom prst="rect">
+            <a:avLst/>
+          </a:prstGeom>
+          <a:noFill/>
+        </p:spPr>
+        <p:txBody>
+          <a:bodyPr wrap="none" rtlCol="0">
+            <a:spAutoFit/>
+          </a:bodyPr>
+          <a:lstStyle/>
+          <a:p>
+            <a:r>
+              <a:rPr lang="en-US" altLang="ja-JP">
+                <a:solidFill>
+                  <a:schemeClr val="bg1"/>
+                </a:solidFill>
+                <a:latin typeface="Consolas" panose="020B0609020204030204" pitchFamily="49" charset="0"/>
+              </a:rPr>
+              <a:t>temp</a:t>
+            </a:r>
+            <a:endParaRPr kumimoji="1" lang="ja-JP" altLang="en-US" dirty="0">
+              <a:solidFill>
+                <a:schemeClr val="bg1"/>
+              </a:solidFill>
+              <a:latin typeface="Consolas" panose="020B0609020204030204" pitchFamily="49" charset="0"/>
+            </a:endParaRPr>
+          </a:p>
+        </p:txBody>
+      </p:sp>
+      <p:pic>
+        <p:nvPicPr>
+          <p:cNvPr id="6" name="Picture 2" descr="フォルダのイラスト">
+            <a:extLst>
+              <a:ext uri="{FF2B5EF4-FFF2-40B4-BE49-F238E27FC236}">
+                <a16:creationId xmlns:a16="http://schemas.microsoft.com/office/drawing/2014/main" id="{284CD96F-1270-4022-A1D8-23F3FC2B0EF2}"/>
+              </a:ext>
+            </a:extLst>
+          </p:cNvPr>
+          <p:cNvPicPr>
+            <a:picLocks noChangeAspect="1" noChangeArrowheads="1"/>
+          </p:cNvPicPr>
+          <p:nvPr/>
+        </p:nvPicPr>
+        <p:blipFill>
+          <a:blip r:embed="rId2" cstate="print">
+            <a:extLst>
+              <a:ext uri="{28A0092B-C50C-407E-A947-70E740481C1C}">
+                <a14:useLocalDpi xmlns:a14="http://schemas.microsoft.com/office/drawing/2010/main" val="0"/>
+              </a:ext>
+            </a:extLst>
+          </a:blip>
+          <a:srcRect/>
+          <a:stretch>
+            <a:fillRect/>
+          </a:stretch>
+        </p:blipFill>
+        <p:spPr bwMode="auto">
+          <a:xfrm>
+            <a:off x="2310887" y="4005064"/>
+            <a:ext cx="764145" cy="639971"/>
+          </a:xfrm>
+          <a:prstGeom prst="rect">
+            <a:avLst/>
+          </a:prstGeom>
+          <a:noFill/>
+          <a:extLst>
+            <a:ext uri="{909E8E84-426E-40DD-AFC4-6F175D3DCCD1}">
+              <a14:hiddenFill xmlns:a14="http://schemas.microsoft.com/office/drawing/2010/main">
+                <a:solidFill>
+                  <a:srgbClr val="FFFFFF"/>
+                </a:solidFill>
+              </a14:hiddenFill>
+            </a:ext>
+          </a:extLst>
+        </p:spPr>
+      </p:pic>
+      <p:sp>
+        <p:nvSpPr>
+          <p:cNvPr id="7" name="テキスト ボックス 6">
+            <a:extLst>
+              <a:ext uri="{FF2B5EF4-FFF2-40B4-BE49-F238E27FC236}">
+                <a16:creationId xmlns:a16="http://schemas.microsoft.com/office/drawing/2014/main" id="{022F8A08-0E70-4D39-8ABF-88696745FFC1}"/>
+              </a:ext>
+            </a:extLst>
+          </p:cNvPr>
+          <p:cNvSpPr txBox="1"/>
+          <p:nvPr/>
+        </p:nvSpPr>
+        <p:spPr>
+          <a:xfrm>
+            <a:off x="2339752" y="4149080"/>
+            <a:ext cx="691215" cy="369332"/>
+          </a:xfrm>
+          <a:prstGeom prst="rect">
+            <a:avLst/>
+          </a:prstGeom>
+          <a:noFill/>
+        </p:spPr>
+        <p:txBody>
+          <a:bodyPr wrap="none" rtlCol="0">
+            <a:spAutoFit/>
+          </a:bodyPr>
+          <a:lstStyle/>
+          <a:p>
+            <a:r>
+              <a:rPr kumimoji="1" lang="en-US" altLang="ja-JP">
+                <a:solidFill>
+                  <a:schemeClr val="bg1"/>
+                </a:solidFill>
+                <a:latin typeface="Consolas" panose="020B0609020204030204" pitchFamily="49" charset="0"/>
+              </a:rPr>
+              <a:t>dir1</a:t>
+            </a:r>
+            <a:endParaRPr kumimoji="1" lang="ja-JP" altLang="en-US" dirty="0">
+              <a:solidFill>
+                <a:schemeClr val="bg1"/>
+              </a:solidFill>
+              <a:latin typeface="Consolas" panose="020B0609020204030204" pitchFamily="49" charset="0"/>
+            </a:endParaRPr>
+          </a:p>
+        </p:txBody>
+      </p:sp>
+      <p:pic>
+        <p:nvPicPr>
+          <p:cNvPr id="8" name="Picture 2" descr="フォルダのイラスト">
+            <a:extLst>
+              <a:ext uri="{FF2B5EF4-FFF2-40B4-BE49-F238E27FC236}">
+                <a16:creationId xmlns:a16="http://schemas.microsoft.com/office/drawing/2014/main" id="{366CDE48-1F71-4EF3-BA0C-E60CC9DF5638}"/>
+              </a:ext>
+            </a:extLst>
+          </p:cNvPr>
+          <p:cNvPicPr>
+            <a:picLocks noChangeAspect="1" noChangeArrowheads="1"/>
+          </p:cNvPicPr>
+          <p:nvPr/>
+        </p:nvPicPr>
+        <p:blipFill>
+          <a:blip r:embed="rId2" cstate="print">
+            <a:extLst>
+              <a:ext uri="{28A0092B-C50C-407E-A947-70E740481C1C}">
+                <a14:useLocalDpi xmlns:a14="http://schemas.microsoft.com/office/drawing/2010/main" val="0"/>
+              </a:ext>
+            </a:extLst>
+          </a:blip>
+          <a:srcRect/>
+          <a:stretch>
+            <a:fillRect/>
+          </a:stretch>
+        </p:blipFill>
+        <p:spPr bwMode="auto">
+          <a:xfrm>
+            <a:off x="3275856" y="4005064"/>
+            <a:ext cx="764145" cy="639971"/>
+          </a:xfrm>
+          <a:prstGeom prst="rect">
+            <a:avLst/>
+          </a:prstGeom>
+          <a:noFill/>
+          <a:extLst>
+            <a:ext uri="{909E8E84-426E-40DD-AFC4-6F175D3DCCD1}">
+              <a14:hiddenFill xmlns:a14="http://schemas.microsoft.com/office/drawing/2010/main">
+                <a:solidFill>
+                  <a:srgbClr val="FFFFFF"/>
+                </a:solidFill>
+              </a14:hiddenFill>
+            </a:ext>
+          </a:extLst>
+        </p:spPr>
+      </p:pic>
+      <p:sp>
+        <p:nvSpPr>
+          <p:cNvPr id="9" name="テキスト ボックス 8">
+            <a:extLst>
+              <a:ext uri="{FF2B5EF4-FFF2-40B4-BE49-F238E27FC236}">
+                <a16:creationId xmlns:a16="http://schemas.microsoft.com/office/drawing/2014/main" id="{61270E42-C7B4-43BA-B749-DB6F70AC7FF7}"/>
+              </a:ext>
+            </a:extLst>
+          </p:cNvPr>
+          <p:cNvSpPr txBox="1"/>
+          <p:nvPr/>
+        </p:nvSpPr>
+        <p:spPr>
+          <a:xfrm>
+            <a:off x="3304721" y="4149080"/>
+            <a:ext cx="691215" cy="369332"/>
+          </a:xfrm>
+          <a:prstGeom prst="rect">
+            <a:avLst/>
+          </a:prstGeom>
+          <a:noFill/>
+        </p:spPr>
+        <p:txBody>
+          <a:bodyPr wrap="none" rtlCol="0">
+            <a:spAutoFit/>
+          </a:bodyPr>
+          <a:lstStyle/>
+          <a:p>
+            <a:r>
+              <a:rPr kumimoji="1" lang="en-US" altLang="ja-JP">
+                <a:solidFill>
+                  <a:schemeClr val="bg1"/>
+                </a:solidFill>
+                <a:latin typeface="Consolas" panose="020B0609020204030204" pitchFamily="49" charset="0"/>
+              </a:rPr>
+              <a:t>dir2</a:t>
+            </a:r>
+            <a:endParaRPr kumimoji="1" lang="ja-JP" altLang="en-US" dirty="0">
+              <a:solidFill>
+                <a:schemeClr val="bg1"/>
+              </a:solidFill>
+              <a:latin typeface="Consolas" panose="020B0609020204030204" pitchFamily="49" charset="0"/>
+            </a:endParaRPr>
+          </a:p>
+        </p:txBody>
+      </p:sp>
+      <p:pic>
+        <p:nvPicPr>
+          <p:cNvPr id="10" name="Picture 2" descr="ファイルアイコン（ブランク）">
+            <a:extLst>
+              <a:ext uri="{FF2B5EF4-FFF2-40B4-BE49-F238E27FC236}">
+                <a16:creationId xmlns:a16="http://schemas.microsoft.com/office/drawing/2014/main" id="{4796F7EE-E31F-4DF6-B741-511D42A7DE0C}"/>
+              </a:ext>
+            </a:extLst>
+          </p:cNvPr>
+          <p:cNvPicPr>
+            <a:picLocks noChangeAspect="1" noChangeArrowheads="1"/>
+          </p:cNvPicPr>
+          <p:nvPr/>
+        </p:nvPicPr>
+        <p:blipFill>
+          <a:blip r:embed="rId3" cstate="print">
+            <a:extLst>
+              <a:ext uri="{28A0092B-C50C-407E-A947-70E740481C1C}">
+                <a14:useLocalDpi xmlns:a14="http://schemas.microsoft.com/office/drawing/2010/main" val="0"/>
+              </a:ext>
+            </a:extLst>
+          </a:blip>
+          <a:srcRect/>
+          <a:stretch>
+            <a:fillRect/>
+          </a:stretch>
+        </p:blipFill>
+        <p:spPr bwMode="auto">
+          <a:xfrm>
+            <a:off x="4283968" y="4005064"/>
+            <a:ext cx="558061" cy="648072"/>
+          </a:xfrm>
+          <a:prstGeom prst="rect">
+            <a:avLst/>
+          </a:prstGeom>
+          <a:noFill/>
+          <a:extLst>
+            <a:ext uri="{909E8E84-426E-40DD-AFC4-6F175D3DCCD1}">
+              <a14:hiddenFill xmlns:a14="http://schemas.microsoft.com/office/drawing/2010/main">
+                <a:solidFill>
+                  <a:srgbClr val="FFFFFF"/>
+                </a:solidFill>
+              </a14:hiddenFill>
+            </a:ext>
+          </a:extLst>
+        </p:spPr>
+      </p:pic>
+      <p:sp>
+        <p:nvSpPr>
+          <p:cNvPr id="11" name="テキスト ボックス 10">
+            <a:extLst>
+              <a:ext uri="{FF2B5EF4-FFF2-40B4-BE49-F238E27FC236}">
+                <a16:creationId xmlns:a16="http://schemas.microsoft.com/office/drawing/2014/main" id="{99A2A77A-50D9-45BA-8348-3401603FE534}"/>
+              </a:ext>
+            </a:extLst>
+          </p:cNvPr>
+          <p:cNvSpPr txBox="1"/>
+          <p:nvPr/>
+        </p:nvSpPr>
+        <p:spPr>
+          <a:xfrm>
+            <a:off x="4067944" y="4581128"/>
+            <a:ext cx="1115616" cy="307777"/>
+          </a:xfrm>
+          <a:prstGeom prst="rect">
+            <a:avLst/>
+          </a:prstGeom>
+          <a:noFill/>
+        </p:spPr>
+        <p:txBody>
+          <a:bodyPr wrap="square">
+            <a:spAutoFit/>
+          </a:bodyPr>
+          <a:lstStyle/>
+          <a:p>
+            <a:r>
+              <a:rPr lang="en-US" altLang="ja-JP" sz="1400">
+                <a:latin typeface="Consolas" panose="020B0609020204030204" pitchFamily="49" charset="0"/>
+              </a:rPr>
+              <a:t>file1.txt</a:t>
+            </a:r>
+            <a:endParaRPr kumimoji="1" lang="ja-JP" altLang="en-US" sz="1400" dirty="0">
+              <a:latin typeface="Consolas" panose="020B0609020204030204" pitchFamily="49" charset="0"/>
+            </a:endParaRPr>
+          </a:p>
+        </p:txBody>
+      </p:sp>
+      <p:pic>
+        <p:nvPicPr>
+          <p:cNvPr id="12" name="Picture 2" descr="ファイルアイコン（ブランク）">
+            <a:extLst>
+              <a:ext uri="{FF2B5EF4-FFF2-40B4-BE49-F238E27FC236}">
+                <a16:creationId xmlns:a16="http://schemas.microsoft.com/office/drawing/2014/main" id="{D3CC8A89-F7FF-42E2-A0D8-DEB509548AFC}"/>
+              </a:ext>
+            </a:extLst>
+          </p:cNvPr>
+          <p:cNvPicPr>
+            <a:picLocks noChangeAspect="1" noChangeArrowheads="1"/>
+          </p:cNvPicPr>
+          <p:nvPr/>
+        </p:nvPicPr>
+        <p:blipFill>
+          <a:blip r:embed="rId3" cstate="print">
+            <a:extLst>
+              <a:ext uri="{28A0092B-C50C-407E-A947-70E740481C1C}">
+                <a14:useLocalDpi xmlns:a14="http://schemas.microsoft.com/office/drawing/2010/main" val="0"/>
+              </a:ext>
+            </a:extLst>
+          </a:blip>
+          <a:srcRect/>
+          <a:stretch>
+            <a:fillRect/>
+          </a:stretch>
+        </p:blipFill>
+        <p:spPr bwMode="auto">
+          <a:xfrm>
+            <a:off x="5292080" y="4005064"/>
+            <a:ext cx="558061" cy="648072"/>
+          </a:xfrm>
+          <a:prstGeom prst="rect">
+            <a:avLst/>
+          </a:prstGeom>
+          <a:noFill/>
+          <a:extLst>
+            <a:ext uri="{909E8E84-426E-40DD-AFC4-6F175D3DCCD1}">
+              <a14:hiddenFill xmlns:a14="http://schemas.microsoft.com/office/drawing/2010/main">
+                <a:solidFill>
+                  <a:srgbClr val="FFFFFF"/>
+                </a:solidFill>
+              </a14:hiddenFill>
+            </a:ext>
+          </a:extLst>
+        </p:spPr>
+      </p:pic>
+      <p:sp>
+        <p:nvSpPr>
+          <p:cNvPr id="13" name="テキスト ボックス 12">
+            <a:extLst>
+              <a:ext uri="{FF2B5EF4-FFF2-40B4-BE49-F238E27FC236}">
+                <a16:creationId xmlns:a16="http://schemas.microsoft.com/office/drawing/2014/main" id="{6B1C753F-302C-45B7-8EC9-091FBFDFFC19}"/>
+              </a:ext>
+            </a:extLst>
+          </p:cNvPr>
+          <p:cNvSpPr txBox="1"/>
+          <p:nvPr/>
+        </p:nvSpPr>
+        <p:spPr>
+          <a:xfrm>
+            <a:off x="5076056" y="4581128"/>
+            <a:ext cx="1115616" cy="307777"/>
+          </a:xfrm>
+          <a:prstGeom prst="rect">
+            <a:avLst/>
+          </a:prstGeom>
+          <a:noFill/>
+        </p:spPr>
+        <p:txBody>
+          <a:bodyPr wrap="square">
+            <a:spAutoFit/>
+          </a:bodyPr>
+          <a:lstStyle/>
+          <a:p>
+            <a:r>
+              <a:rPr lang="en-US" altLang="ja-JP" sz="1400">
+                <a:latin typeface="Consolas" panose="020B0609020204030204" pitchFamily="49" charset="0"/>
+              </a:rPr>
+              <a:t>file2.txt</a:t>
+            </a:r>
+            <a:endParaRPr kumimoji="1" lang="ja-JP" altLang="en-US" sz="1400" dirty="0">
+              <a:latin typeface="Consolas" panose="020B0609020204030204" pitchFamily="49" charset="0"/>
+            </a:endParaRPr>
+          </a:p>
+        </p:txBody>
+      </p:sp>
+      <p:pic>
+        <p:nvPicPr>
+          <p:cNvPr id="14" name="Picture 2" descr="ファイルアイコン（ブランク）">
+            <a:extLst>
+              <a:ext uri="{FF2B5EF4-FFF2-40B4-BE49-F238E27FC236}">
+                <a16:creationId xmlns:a16="http://schemas.microsoft.com/office/drawing/2014/main" id="{5C4BD243-4B76-4FA1-A79F-403EC32D53F2}"/>
+              </a:ext>
+            </a:extLst>
+          </p:cNvPr>
+          <p:cNvPicPr>
+            <a:picLocks noChangeAspect="1" noChangeArrowheads="1"/>
+          </p:cNvPicPr>
+          <p:nvPr/>
+        </p:nvPicPr>
+        <p:blipFill>
+          <a:blip r:embed="rId3" cstate="print">
+            <a:extLst>
+              <a:ext uri="{28A0092B-C50C-407E-A947-70E740481C1C}">
+                <a14:useLocalDpi xmlns:a14="http://schemas.microsoft.com/office/drawing/2010/main" val="0"/>
+              </a:ext>
+            </a:extLst>
+          </a:blip>
+          <a:srcRect/>
+          <a:stretch>
+            <a:fillRect/>
+          </a:stretch>
+        </p:blipFill>
+        <p:spPr bwMode="auto">
+          <a:xfrm>
+            <a:off x="2411760" y="5013176"/>
+            <a:ext cx="558061" cy="648072"/>
+          </a:xfrm>
+          <a:prstGeom prst="rect">
+            <a:avLst/>
+          </a:prstGeom>
+          <a:noFill/>
+          <a:extLst>
+            <a:ext uri="{909E8E84-426E-40DD-AFC4-6F175D3DCCD1}">
+              <a14:hiddenFill xmlns:a14="http://schemas.microsoft.com/office/drawing/2010/main">
+                <a:solidFill>
+                  <a:srgbClr val="FFFFFF"/>
+                </a:solidFill>
+              </a14:hiddenFill>
+            </a:ext>
+          </a:extLst>
+        </p:spPr>
+      </p:pic>
+      <p:sp>
+        <p:nvSpPr>
+          <p:cNvPr id="15" name="テキスト ボックス 14">
+            <a:extLst>
+              <a:ext uri="{FF2B5EF4-FFF2-40B4-BE49-F238E27FC236}">
+                <a16:creationId xmlns:a16="http://schemas.microsoft.com/office/drawing/2014/main" id="{CD06350A-BD14-4BA6-A005-39AAB52917FC}"/>
+              </a:ext>
+            </a:extLst>
+          </p:cNvPr>
+          <p:cNvSpPr txBox="1"/>
+          <p:nvPr/>
+        </p:nvSpPr>
+        <p:spPr>
+          <a:xfrm>
+            <a:off x="2230785" y="5638080"/>
+            <a:ext cx="1115616" cy="307777"/>
+          </a:xfrm>
+          <a:prstGeom prst="rect">
+            <a:avLst/>
+          </a:prstGeom>
+          <a:noFill/>
+        </p:spPr>
+        <p:txBody>
+          <a:bodyPr wrap="square">
+            <a:spAutoFit/>
+          </a:bodyPr>
+          <a:lstStyle/>
+          <a:p>
+            <a:r>
+              <a:rPr lang="en-US" altLang="ja-JP" sz="1400">
+                <a:latin typeface="Consolas" panose="020B0609020204030204" pitchFamily="49" charset="0"/>
+              </a:rPr>
+              <a:t>file3.txt</a:t>
+            </a:r>
+            <a:endParaRPr kumimoji="1" lang="ja-JP" altLang="en-US" sz="1400" dirty="0">
+              <a:latin typeface="Consolas" panose="020B0609020204030204" pitchFamily="49" charset="0"/>
+            </a:endParaRPr>
+          </a:p>
+        </p:txBody>
+      </p:sp>
+      <p:cxnSp>
+        <p:nvCxnSpPr>
+          <p:cNvPr id="16" name="コネクタ: カギ線 15">
+            <a:extLst>
+              <a:ext uri="{FF2B5EF4-FFF2-40B4-BE49-F238E27FC236}">
+                <a16:creationId xmlns:a16="http://schemas.microsoft.com/office/drawing/2014/main" id="{263CCE3F-8EF0-4E0B-BDB6-1286664A8B6E}"/>
+              </a:ext>
+            </a:extLst>
+          </p:cNvPr>
+          <p:cNvCxnSpPr>
+            <a:cxnSpLocks/>
+            <a:stCxn id="4" idx="2"/>
+            <a:endCxn id="8" idx="0"/>
+          </p:cNvCxnSpPr>
+          <p:nvPr/>
+        </p:nvCxnSpPr>
+        <p:spPr>
+          <a:xfrm rot="16200000" flipH="1">
+            <a:off x="3027378" y="3374512"/>
+            <a:ext cx="296133" cy="964969"/>
+          </a:xfrm>
+          <a:prstGeom prst="bentConnector3">
+            <a:avLst/>
+          </a:prstGeom>
+          <a:ln w="12700">
+            <a:solidFill>
+              <a:schemeClr val="tx1"/>
+            </a:solidFill>
+          </a:ln>
+        </p:spPr>
+        <p:style>
+          <a:lnRef idx="1">
+            <a:schemeClr val="accent1"/>
+          </a:lnRef>
+          <a:fillRef idx="0">
+            <a:schemeClr val="accent1"/>
+          </a:fillRef>
+          <a:effectRef idx="0">
+            <a:schemeClr val="accent1"/>
+          </a:effectRef>
+          <a:fontRef idx="minor">
+            <a:schemeClr val="tx1"/>
+          </a:fontRef>
+        </p:style>
+      </p:cxnSp>
+      <p:cxnSp>
+        <p:nvCxnSpPr>
+          <p:cNvPr id="17" name="コネクタ: カギ線 16">
+            <a:extLst>
+              <a:ext uri="{FF2B5EF4-FFF2-40B4-BE49-F238E27FC236}">
+                <a16:creationId xmlns:a16="http://schemas.microsoft.com/office/drawing/2014/main" id="{F2F9AB9F-5747-4378-9D8A-8D6CB402C7B8}"/>
+              </a:ext>
+            </a:extLst>
+          </p:cNvPr>
+          <p:cNvCxnSpPr>
+            <a:cxnSpLocks/>
+            <a:stCxn id="4" idx="2"/>
+            <a:endCxn id="10" idx="0"/>
+          </p:cNvCxnSpPr>
+          <p:nvPr/>
+        </p:nvCxnSpPr>
+        <p:spPr>
+          <a:xfrm rot="16200000" flipH="1">
+            <a:off x="3479913" y="2921977"/>
+            <a:ext cx="296133" cy="1870039"/>
+          </a:xfrm>
+          <a:prstGeom prst="bentConnector3">
+            <a:avLst/>
+          </a:prstGeom>
+          <a:ln w="12700">
+            <a:solidFill>
+              <a:schemeClr val="tx1"/>
+            </a:solidFill>
+          </a:ln>
+        </p:spPr>
+        <p:style>
+          <a:lnRef idx="1">
+            <a:schemeClr val="accent1"/>
+          </a:lnRef>
+          <a:fillRef idx="0">
+            <a:schemeClr val="accent1"/>
+          </a:fillRef>
+          <a:effectRef idx="0">
+            <a:schemeClr val="accent1"/>
+          </a:effectRef>
+          <a:fontRef idx="minor">
+            <a:schemeClr val="tx1"/>
+          </a:fontRef>
+        </p:style>
+      </p:cxnSp>
+      <p:cxnSp>
+        <p:nvCxnSpPr>
+          <p:cNvPr id="18" name="コネクタ: カギ線 17">
+            <a:extLst>
+              <a:ext uri="{FF2B5EF4-FFF2-40B4-BE49-F238E27FC236}">
+                <a16:creationId xmlns:a16="http://schemas.microsoft.com/office/drawing/2014/main" id="{AF18C547-EEDB-4C1B-8CBF-C5AF3A671721}"/>
+              </a:ext>
+            </a:extLst>
+          </p:cNvPr>
+          <p:cNvCxnSpPr>
+            <a:cxnSpLocks/>
+            <a:stCxn id="4" idx="2"/>
+            <a:endCxn id="12" idx="0"/>
+          </p:cNvCxnSpPr>
+          <p:nvPr/>
+        </p:nvCxnSpPr>
+        <p:spPr>
+          <a:xfrm rot="16200000" flipH="1">
+            <a:off x="3983969" y="2417921"/>
+            <a:ext cx="296133" cy="2878151"/>
+          </a:xfrm>
+          <a:prstGeom prst="bentConnector3">
+            <a:avLst/>
+          </a:prstGeom>
+          <a:ln w="12700">
+            <a:solidFill>
+              <a:schemeClr val="tx1"/>
+            </a:solidFill>
+          </a:ln>
+        </p:spPr>
+        <p:style>
+          <a:lnRef idx="1">
+            <a:schemeClr val="accent1"/>
+          </a:lnRef>
+          <a:fillRef idx="0">
+            <a:schemeClr val="accent1"/>
+          </a:fillRef>
+          <a:effectRef idx="0">
+            <a:schemeClr val="accent1"/>
+          </a:effectRef>
+          <a:fontRef idx="minor">
+            <a:schemeClr val="tx1"/>
+          </a:fontRef>
+        </p:style>
+      </p:cxnSp>
+      <p:cxnSp>
+        <p:nvCxnSpPr>
+          <p:cNvPr id="19" name="直線コネクタ 18">
+            <a:extLst>
+              <a:ext uri="{FF2B5EF4-FFF2-40B4-BE49-F238E27FC236}">
+                <a16:creationId xmlns:a16="http://schemas.microsoft.com/office/drawing/2014/main" id="{D63987A2-F5EA-473C-A2E5-EA8F2F32A835}"/>
+              </a:ext>
+            </a:extLst>
+          </p:cNvPr>
+          <p:cNvCxnSpPr>
+            <a:stCxn id="4" idx="2"/>
+            <a:endCxn id="6" idx="0"/>
+          </p:cNvCxnSpPr>
+          <p:nvPr/>
+        </p:nvCxnSpPr>
+        <p:spPr>
+          <a:xfrm>
+            <a:off x="2692960" y="3708931"/>
+            <a:ext cx="0" cy="296133"/>
+          </a:xfrm>
+          <a:prstGeom prst="line">
+            <a:avLst/>
+          </a:prstGeom>
+          <a:ln w="12700">
+            <a:solidFill>
+              <a:schemeClr val="tx1"/>
+            </a:solidFill>
+          </a:ln>
+        </p:spPr>
+        <p:style>
+          <a:lnRef idx="1">
+            <a:schemeClr val="accent1"/>
+          </a:lnRef>
+          <a:fillRef idx="0">
+            <a:schemeClr val="accent1"/>
+          </a:fillRef>
+          <a:effectRef idx="0">
+            <a:schemeClr val="accent1"/>
+          </a:effectRef>
+          <a:fontRef idx="minor">
+            <a:schemeClr val="tx1"/>
+          </a:fontRef>
+        </p:style>
+      </p:cxnSp>
+      <p:cxnSp>
+        <p:nvCxnSpPr>
+          <p:cNvPr id="20" name="直線コネクタ 19">
+            <a:extLst>
+              <a:ext uri="{FF2B5EF4-FFF2-40B4-BE49-F238E27FC236}">
+                <a16:creationId xmlns:a16="http://schemas.microsoft.com/office/drawing/2014/main" id="{95FC8BD1-E3A3-49B1-8B72-6206559280D6}"/>
+              </a:ext>
+            </a:extLst>
+          </p:cNvPr>
+          <p:cNvCxnSpPr/>
+          <p:nvPr/>
+        </p:nvCxnSpPr>
+        <p:spPr>
+          <a:xfrm>
+            <a:off x="2699792" y="4581128"/>
+            <a:ext cx="0" cy="296133"/>
+          </a:xfrm>
+          <a:prstGeom prst="line">
+            <a:avLst/>
+          </a:prstGeom>
+          <a:ln w="12700">
+            <a:solidFill>
+              <a:schemeClr val="tx1"/>
+            </a:solidFill>
+          </a:ln>
+        </p:spPr>
+        <p:style>
+          <a:lnRef idx="1">
+            <a:schemeClr val="accent1"/>
+          </a:lnRef>
+          <a:fillRef idx="0">
+            <a:schemeClr val="accent1"/>
+          </a:fillRef>
+          <a:effectRef idx="0">
+            <a:schemeClr val="accent1"/>
+          </a:effectRef>
+          <a:fontRef idx="minor">
+            <a:schemeClr val="tx1"/>
+          </a:fontRef>
+        </p:style>
+      </p:cxnSp>
+      <p:sp>
+        <p:nvSpPr>
+          <p:cNvPr id="21" name="四角形: 角を丸くする 20">
+            <a:extLst>
+              <a:ext uri="{FF2B5EF4-FFF2-40B4-BE49-F238E27FC236}">
+                <a16:creationId xmlns:a16="http://schemas.microsoft.com/office/drawing/2014/main" id="{28279FA7-C00A-45FF-8355-571A74A29B6D}"/>
+              </a:ext>
+            </a:extLst>
+          </p:cNvPr>
+          <p:cNvSpPr/>
+          <p:nvPr/>
+        </p:nvSpPr>
+        <p:spPr>
+          <a:xfrm>
+            <a:off x="2195736" y="2996952"/>
+            <a:ext cx="936104" cy="720080"/>
+          </a:xfrm>
+          <a:prstGeom prst="roundRect">
+            <a:avLst/>
+          </a:prstGeom>
+          <a:noFill/>
+          <a:ln w="28575">
+            <a:solidFill>
+              <a:srgbClr val="FF0000"/>
+            </a:solidFill>
+            <a:prstDash val="sysDash"/>
+          </a:ln>
+        </p:spPr>
+        <p:style>
+          <a:lnRef idx="2">
+            <a:schemeClr val="accent1">
+              <a:shade val="50000"/>
+            </a:schemeClr>
+          </a:lnRef>
+          <a:fillRef idx="1">
+            <a:schemeClr val="accent1"/>
+          </a:fillRef>
+          <a:effectRef idx="0">
+            <a:schemeClr val="accent1"/>
+          </a:effectRef>
+          <a:fontRef idx="minor">
+            <a:schemeClr val="lt1"/>
+          </a:fontRef>
+        </p:style>
+        <p:txBody>
+          <a:bodyPr rtlCol="0" anchor="ctr"/>
+          <a:lstStyle/>
+          <a:p>
+            <a:pPr algn="ctr"/>
+            <a:endParaRPr kumimoji="1" lang="ja-JP" altLang="en-US"/>
+          </a:p>
+        </p:txBody>
+      </p:sp>
+      <p:sp>
+        <p:nvSpPr>
+          <p:cNvPr id="22" name="テキスト ボックス 21">
+            <a:extLst>
+              <a:ext uri="{FF2B5EF4-FFF2-40B4-BE49-F238E27FC236}">
+                <a16:creationId xmlns:a16="http://schemas.microsoft.com/office/drawing/2014/main" id="{114C1CD0-1282-4667-89ED-DBDEC57C2ADF}"/>
+              </a:ext>
+            </a:extLst>
+          </p:cNvPr>
+          <p:cNvSpPr txBox="1"/>
+          <p:nvPr/>
+        </p:nvSpPr>
+        <p:spPr>
+          <a:xfrm>
+            <a:off x="1043608" y="3140968"/>
+            <a:ext cx="1107996" cy="461665"/>
+          </a:xfrm>
+          <a:prstGeom prst="rect">
+            <a:avLst/>
+          </a:prstGeom>
+          <a:noFill/>
+        </p:spPr>
+        <p:txBody>
+          <a:bodyPr wrap="none" rtlCol="0">
+            <a:spAutoFit/>
+          </a:bodyPr>
+          <a:lstStyle/>
+          <a:p>
+            <a:r>
+              <a:rPr kumimoji="1" lang="ja-JP" altLang="en-US" sz="1200"/>
+              <a:t>カレント</a:t>
+            </a:r>
+            <a:endParaRPr kumimoji="1" lang="en-US" altLang="ja-JP" sz="1200"/>
+          </a:p>
+          <a:p>
+            <a:r>
+              <a:rPr kumimoji="1" lang="ja-JP" altLang="en-US" sz="1200"/>
+              <a:t>ディレクトリ</a:t>
+            </a:r>
+          </a:p>
+        </p:txBody>
+      </p:sp>
+      <p:sp>
+        <p:nvSpPr>
+          <p:cNvPr id="28" name="テキスト ボックス 27">
+            <a:extLst>
+              <a:ext uri="{FF2B5EF4-FFF2-40B4-BE49-F238E27FC236}">
+                <a16:creationId xmlns:a16="http://schemas.microsoft.com/office/drawing/2014/main" id="{7B5E06B5-22AF-4C3B-A943-B8C569ACCD7D}"/>
+              </a:ext>
+            </a:extLst>
+          </p:cNvPr>
+          <p:cNvSpPr txBox="1"/>
+          <p:nvPr/>
+        </p:nvSpPr>
+        <p:spPr>
+          <a:xfrm>
+            <a:off x="251520" y="1988840"/>
+            <a:ext cx="5256584" cy="461665"/>
+          </a:xfrm>
+          <a:prstGeom prst="rect">
+            <a:avLst/>
+          </a:prstGeom>
+          <a:noFill/>
+          <a:ln>
+            <a:solidFill>
+              <a:schemeClr val="tx1"/>
+            </a:solidFill>
+          </a:ln>
+        </p:spPr>
+        <p:txBody>
+          <a:bodyPr wrap="square">
+            <a:spAutoFit/>
+          </a:bodyPr>
+          <a:lstStyle/>
+          <a:p>
+            <a:r>
+              <a:rPr lang="en-US" sz="2400">
+                <a:solidFill>
+                  <a:prstClr val="black"/>
+                </a:solidFill>
+                <a:latin typeface="Lucida Console" panose="020B0609040504020204" pitchFamily="49" charset="0"/>
+              </a:rPr>
+              <a:t>$ cp –r dir1 dir2</a:t>
+            </a:r>
+          </a:p>
+        </p:txBody>
+      </p:sp>
+      <p:pic>
+        <p:nvPicPr>
+          <p:cNvPr id="35" name="Picture 2" descr="フォルダのイラスト">
+            <a:extLst>
+              <a:ext uri="{FF2B5EF4-FFF2-40B4-BE49-F238E27FC236}">
+                <a16:creationId xmlns:a16="http://schemas.microsoft.com/office/drawing/2014/main" id="{0E531FB6-EBB4-489C-9C32-916A9D37E9E0}"/>
+              </a:ext>
+            </a:extLst>
+          </p:cNvPr>
+          <p:cNvPicPr>
+            <a:picLocks noChangeAspect="1" noChangeArrowheads="1"/>
+          </p:cNvPicPr>
+          <p:nvPr/>
+        </p:nvPicPr>
+        <p:blipFill>
+          <a:blip r:embed="rId2" cstate="print">
+            <a:extLst>
+              <a:ext uri="{28A0092B-C50C-407E-A947-70E740481C1C}">
+                <a14:useLocalDpi xmlns:a14="http://schemas.microsoft.com/office/drawing/2010/main" val="0"/>
+              </a:ext>
+            </a:extLst>
+          </a:blip>
+          <a:srcRect/>
+          <a:stretch>
+            <a:fillRect/>
+          </a:stretch>
+        </p:blipFill>
+        <p:spPr bwMode="auto">
+          <a:xfrm>
+            <a:off x="3275856" y="4941168"/>
+            <a:ext cx="764145" cy="639971"/>
+          </a:xfrm>
+          <a:prstGeom prst="rect">
+            <a:avLst/>
+          </a:prstGeom>
+          <a:noFill/>
+          <a:extLst>
+            <a:ext uri="{909E8E84-426E-40DD-AFC4-6F175D3DCCD1}">
+              <a14:hiddenFill xmlns:a14="http://schemas.microsoft.com/office/drawing/2010/main">
+                <a:solidFill>
+                  <a:srgbClr val="FFFFFF"/>
+                </a:solidFill>
+              </a14:hiddenFill>
+            </a:ext>
+          </a:extLst>
+        </p:spPr>
+      </p:pic>
+      <p:sp>
+        <p:nvSpPr>
+          <p:cNvPr id="36" name="テキスト ボックス 35">
+            <a:extLst>
+              <a:ext uri="{FF2B5EF4-FFF2-40B4-BE49-F238E27FC236}">
+                <a16:creationId xmlns:a16="http://schemas.microsoft.com/office/drawing/2014/main" id="{6A7C9AE1-02D7-4F14-B0C7-5E81CDADEB0E}"/>
+              </a:ext>
+            </a:extLst>
+          </p:cNvPr>
+          <p:cNvSpPr txBox="1"/>
+          <p:nvPr/>
+        </p:nvSpPr>
+        <p:spPr>
+          <a:xfrm>
+            <a:off x="3304721" y="5085184"/>
+            <a:ext cx="691215" cy="369332"/>
+          </a:xfrm>
+          <a:prstGeom prst="rect">
+            <a:avLst/>
+          </a:prstGeom>
+          <a:noFill/>
+        </p:spPr>
+        <p:txBody>
+          <a:bodyPr wrap="none" rtlCol="0">
+            <a:spAutoFit/>
+          </a:bodyPr>
+          <a:lstStyle/>
+          <a:p>
+            <a:r>
+              <a:rPr kumimoji="1" lang="en-US" altLang="ja-JP">
+                <a:solidFill>
+                  <a:schemeClr val="bg1"/>
+                </a:solidFill>
+                <a:latin typeface="Consolas" panose="020B0609020204030204" pitchFamily="49" charset="0"/>
+              </a:rPr>
+              <a:t>dir1</a:t>
+            </a:r>
+            <a:endParaRPr kumimoji="1" lang="ja-JP" altLang="en-US" dirty="0">
+              <a:solidFill>
+                <a:schemeClr val="bg1"/>
+              </a:solidFill>
+              <a:latin typeface="Consolas" panose="020B0609020204030204" pitchFamily="49" charset="0"/>
+            </a:endParaRPr>
+          </a:p>
+        </p:txBody>
+      </p:sp>
+      <p:pic>
+        <p:nvPicPr>
+          <p:cNvPr id="37" name="Picture 2" descr="ファイルアイコン（ブランク）">
+            <a:extLst>
+              <a:ext uri="{FF2B5EF4-FFF2-40B4-BE49-F238E27FC236}">
+                <a16:creationId xmlns:a16="http://schemas.microsoft.com/office/drawing/2014/main" id="{2D44E2CB-E997-4EA3-A4DA-745E279B96C6}"/>
+              </a:ext>
+            </a:extLst>
+          </p:cNvPr>
+          <p:cNvPicPr>
+            <a:picLocks noChangeAspect="1" noChangeArrowheads="1"/>
+          </p:cNvPicPr>
+          <p:nvPr/>
+        </p:nvPicPr>
+        <p:blipFill>
+          <a:blip r:embed="rId3" cstate="print">
+            <a:extLst>
+              <a:ext uri="{28A0092B-C50C-407E-A947-70E740481C1C}">
+                <a14:useLocalDpi xmlns:a14="http://schemas.microsoft.com/office/drawing/2010/main" val="0"/>
+              </a:ext>
+            </a:extLst>
+          </a:blip>
+          <a:srcRect/>
+          <a:stretch>
+            <a:fillRect/>
+          </a:stretch>
+        </p:blipFill>
+        <p:spPr bwMode="auto">
+          <a:xfrm>
+            <a:off x="3376729" y="5805264"/>
+            <a:ext cx="558061" cy="648072"/>
+          </a:xfrm>
+          <a:prstGeom prst="rect">
+            <a:avLst/>
+          </a:prstGeom>
+          <a:noFill/>
+          <a:extLst>
+            <a:ext uri="{909E8E84-426E-40DD-AFC4-6F175D3DCCD1}">
+              <a14:hiddenFill xmlns:a14="http://schemas.microsoft.com/office/drawing/2010/main">
+                <a:solidFill>
+                  <a:srgbClr val="FFFFFF"/>
+                </a:solidFill>
+              </a14:hiddenFill>
+            </a:ext>
+          </a:extLst>
+        </p:spPr>
+      </p:pic>
+      <p:cxnSp>
+        <p:nvCxnSpPr>
+          <p:cNvPr id="38" name="直線コネクタ 37">
+            <a:extLst>
+              <a:ext uri="{FF2B5EF4-FFF2-40B4-BE49-F238E27FC236}">
+                <a16:creationId xmlns:a16="http://schemas.microsoft.com/office/drawing/2014/main" id="{8D67D0E4-7690-4E87-BBFB-8B6B8F85CDDA}"/>
+              </a:ext>
+            </a:extLst>
+          </p:cNvPr>
+          <p:cNvCxnSpPr>
+            <a:cxnSpLocks/>
+            <a:stCxn id="35" idx="2"/>
+            <a:endCxn id="37" idx="0"/>
+          </p:cNvCxnSpPr>
+          <p:nvPr/>
+        </p:nvCxnSpPr>
+        <p:spPr>
+          <a:xfrm flipH="1">
+            <a:off x="3655760" y="5581139"/>
+            <a:ext cx="2169" cy="224125"/>
+          </a:xfrm>
+          <a:prstGeom prst="line">
+            <a:avLst/>
+          </a:prstGeom>
+          <a:ln w="12700">
+            <a:solidFill>
+              <a:schemeClr val="tx1"/>
+            </a:solidFill>
+          </a:ln>
+        </p:spPr>
+        <p:style>
+          <a:lnRef idx="1">
+            <a:schemeClr val="accent1"/>
+          </a:lnRef>
+          <a:fillRef idx="0">
+            <a:schemeClr val="accent1"/>
+          </a:fillRef>
+          <a:effectRef idx="0">
+            <a:schemeClr val="accent1"/>
+          </a:effectRef>
+          <a:fontRef idx="minor">
+            <a:schemeClr val="tx1"/>
+          </a:fontRef>
+        </p:style>
+      </p:cxnSp>
+      <p:cxnSp>
+        <p:nvCxnSpPr>
+          <p:cNvPr id="39" name="直線コネクタ 38">
+            <a:extLst>
+              <a:ext uri="{FF2B5EF4-FFF2-40B4-BE49-F238E27FC236}">
+                <a16:creationId xmlns:a16="http://schemas.microsoft.com/office/drawing/2014/main" id="{C3CD0F5E-EC57-4DC9-85A7-2267FE0EC8AA}"/>
+              </a:ext>
+            </a:extLst>
+          </p:cNvPr>
+          <p:cNvCxnSpPr>
+            <a:cxnSpLocks/>
+            <a:stCxn id="8" idx="2"/>
+            <a:endCxn id="35" idx="0"/>
+          </p:cNvCxnSpPr>
+          <p:nvPr/>
+        </p:nvCxnSpPr>
+        <p:spPr>
+          <a:xfrm>
+            <a:off x="3657929" y="4645035"/>
+            <a:ext cx="0" cy="296133"/>
+          </a:xfrm>
+          <a:prstGeom prst="line">
+            <a:avLst/>
+          </a:prstGeom>
+          <a:ln w="12700">
+            <a:solidFill>
+              <a:schemeClr val="tx1"/>
+            </a:solidFill>
+          </a:ln>
+        </p:spPr>
+        <p:style>
+          <a:lnRef idx="1">
+            <a:schemeClr val="accent1"/>
+          </a:lnRef>
+          <a:fillRef idx="0">
+            <a:schemeClr val="accent1"/>
+          </a:fillRef>
+          <a:effectRef idx="0">
+            <a:schemeClr val="accent1"/>
+          </a:effectRef>
+          <a:fontRef idx="minor">
+            <a:schemeClr val="tx1"/>
+          </a:fontRef>
+        </p:style>
+      </p:cxnSp>
+      <p:sp>
+        <p:nvSpPr>
+          <p:cNvPr id="45" name="テキスト ボックス 44">
+            <a:extLst>
+              <a:ext uri="{FF2B5EF4-FFF2-40B4-BE49-F238E27FC236}">
+                <a16:creationId xmlns:a16="http://schemas.microsoft.com/office/drawing/2014/main" id="{2425BC05-2650-4EA0-AFC7-82E50BE8AAE9}"/>
+              </a:ext>
+            </a:extLst>
+          </p:cNvPr>
+          <p:cNvSpPr txBox="1"/>
+          <p:nvPr/>
+        </p:nvSpPr>
+        <p:spPr>
+          <a:xfrm>
+            <a:off x="3131840" y="6406207"/>
+            <a:ext cx="1115616" cy="307777"/>
+          </a:xfrm>
+          <a:prstGeom prst="rect">
+            <a:avLst/>
+          </a:prstGeom>
+          <a:noFill/>
+        </p:spPr>
+        <p:txBody>
+          <a:bodyPr wrap="square">
+            <a:spAutoFit/>
+          </a:bodyPr>
+          <a:lstStyle/>
+          <a:p>
+            <a:r>
+              <a:rPr lang="en-US" altLang="ja-JP" sz="1400">
+                <a:latin typeface="Consolas" panose="020B0609020204030204" pitchFamily="49" charset="0"/>
+              </a:rPr>
+              <a:t>file3.txt</a:t>
+            </a:r>
+            <a:endParaRPr kumimoji="1" lang="ja-JP" altLang="en-US" sz="1400" dirty="0">
+              <a:latin typeface="Consolas" panose="020B0609020204030204" pitchFamily="49" charset="0"/>
+            </a:endParaRPr>
+          </a:p>
+        </p:txBody>
+      </p:sp>
+      <p:sp>
+        <p:nvSpPr>
+          <p:cNvPr id="46" name="四角形: 角を丸くする 45">
+            <a:extLst>
+              <a:ext uri="{FF2B5EF4-FFF2-40B4-BE49-F238E27FC236}">
+                <a16:creationId xmlns:a16="http://schemas.microsoft.com/office/drawing/2014/main" id="{588F9256-2CDB-469F-8569-2D339735BE01}"/>
+              </a:ext>
+            </a:extLst>
+          </p:cNvPr>
+          <p:cNvSpPr/>
+          <p:nvPr/>
+        </p:nvSpPr>
+        <p:spPr>
+          <a:xfrm>
+            <a:off x="2195736" y="4005064"/>
+            <a:ext cx="936104" cy="1944216"/>
+          </a:xfrm>
+          <a:prstGeom prst="roundRect">
+            <a:avLst/>
+          </a:prstGeom>
+          <a:noFill/>
+          <a:ln w="28575">
+            <a:solidFill>
+              <a:srgbClr val="011893"/>
+            </a:solidFill>
+            <a:prstDash val="sysDash"/>
+          </a:ln>
+        </p:spPr>
+        <p:style>
+          <a:lnRef idx="2">
+            <a:schemeClr val="accent1">
+              <a:shade val="50000"/>
+            </a:schemeClr>
+          </a:lnRef>
+          <a:fillRef idx="1">
+            <a:schemeClr val="accent1"/>
+          </a:fillRef>
+          <a:effectRef idx="0">
+            <a:schemeClr val="accent1"/>
+          </a:effectRef>
+          <a:fontRef idx="minor">
+            <a:schemeClr val="lt1"/>
+          </a:fontRef>
+        </p:style>
+        <p:txBody>
+          <a:bodyPr rtlCol="0" anchor="ctr"/>
+          <a:lstStyle/>
+          <a:p>
+            <a:pPr algn="ctr"/>
+            <a:endParaRPr kumimoji="1" lang="ja-JP" altLang="en-US"/>
+          </a:p>
+        </p:txBody>
+      </p:sp>
+      <p:sp>
+        <p:nvSpPr>
+          <p:cNvPr id="47" name="四角形: 角を丸くする 46">
+            <a:extLst>
+              <a:ext uri="{FF2B5EF4-FFF2-40B4-BE49-F238E27FC236}">
+                <a16:creationId xmlns:a16="http://schemas.microsoft.com/office/drawing/2014/main" id="{FA09DD12-1F6C-4B21-BB2F-808937D77AE5}"/>
+              </a:ext>
+            </a:extLst>
+          </p:cNvPr>
+          <p:cNvSpPr/>
+          <p:nvPr/>
+        </p:nvSpPr>
+        <p:spPr>
+          <a:xfrm>
+            <a:off x="3203848" y="4769768"/>
+            <a:ext cx="936104" cy="1944216"/>
+          </a:xfrm>
+          <a:prstGeom prst="roundRect">
+            <a:avLst/>
+          </a:prstGeom>
+          <a:noFill/>
+          <a:ln w="28575">
+            <a:solidFill>
+              <a:srgbClr val="011893"/>
+            </a:solidFill>
+            <a:prstDash val="sysDash"/>
+          </a:ln>
+        </p:spPr>
+        <p:style>
+          <a:lnRef idx="2">
+            <a:schemeClr val="accent1">
+              <a:shade val="50000"/>
+            </a:schemeClr>
+          </a:lnRef>
+          <a:fillRef idx="1">
+            <a:schemeClr val="accent1"/>
+          </a:fillRef>
+          <a:effectRef idx="0">
+            <a:schemeClr val="accent1"/>
+          </a:effectRef>
+          <a:fontRef idx="minor">
+            <a:schemeClr val="lt1"/>
+          </a:fontRef>
+        </p:style>
+        <p:txBody>
+          <a:bodyPr rtlCol="0" anchor="ctr"/>
+          <a:lstStyle/>
+          <a:p>
+            <a:pPr algn="ctr"/>
+            <a:endParaRPr kumimoji="1" lang="ja-JP" altLang="en-US"/>
+          </a:p>
+        </p:txBody>
+      </p:sp>
+      <p:sp>
+        <p:nvSpPr>
+          <p:cNvPr id="29" name="矢印: 右 28">
+            <a:extLst>
+              <a:ext uri="{FF2B5EF4-FFF2-40B4-BE49-F238E27FC236}">
+                <a16:creationId xmlns:a16="http://schemas.microsoft.com/office/drawing/2014/main" id="{B8730074-F957-4EC3-A494-A6B7A40A2C62}"/>
+              </a:ext>
+            </a:extLst>
+          </p:cNvPr>
+          <p:cNvSpPr/>
+          <p:nvPr/>
+        </p:nvSpPr>
+        <p:spPr>
+          <a:xfrm rot="2952038">
+            <a:off x="2834478" y="4569827"/>
+            <a:ext cx="539552" cy="412624"/>
+          </a:xfrm>
+          <a:prstGeom prst="rightArrow">
+            <a:avLst/>
+          </a:prstGeom>
+          <a:solidFill>
+            <a:srgbClr val="FF0000"/>
+          </a:solidFill>
+          <a:ln>
+            <a:solidFill>
+              <a:schemeClr val="tx1"/>
+            </a:solidFill>
+          </a:ln>
+        </p:spPr>
+        <p:style>
+          <a:lnRef idx="2">
+            <a:schemeClr val="accent1">
+              <a:shade val="50000"/>
+            </a:schemeClr>
+          </a:lnRef>
+          <a:fillRef idx="1">
+            <a:schemeClr val="accent1"/>
+          </a:fillRef>
+          <a:effectRef idx="0">
+            <a:schemeClr val="accent1"/>
+          </a:effectRef>
+          <a:fontRef idx="minor">
+            <a:schemeClr val="lt1"/>
+          </a:fontRef>
+        </p:style>
+        <p:txBody>
+          <a:bodyPr rtlCol="0" anchor="ctr"/>
+          <a:lstStyle/>
+          <a:p>
+            <a:pPr algn="ctr"/>
+            <a:endParaRPr kumimoji="1" lang="en-US"/>
+          </a:p>
+        </p:txBody>
+      </p:sp>
+      <p:sp>
+        <p:nvSpPr>
+          <p:cNvPr id="48" name="テキスト ボックス 47">
+            <a:extLst>
+              <a:ext uri="{FF2B5EF4-FFF2-40B4-BE49-F238E27FC236}">
+                <a16:creationId xmlns:a16="http://schemas.microsoft.com/office/drawing/2014/main" id="{3AC1DF97-CD67-41E5-9E70-5B28F16E89A9}"/>
+              </a:ext>
+            </a:extLst>
+          </p:cNvPr>
+          <p:cNvSpPr txBox="1"/>
+          <p:nvPr/>
+        </p:nvSpPr>
+        <p:spPr>
+          <a:xfrm>
+            <a:off x="3995936" y="2636912"/>
+            <a:ext cx="4955203" cy="369332"/>
+          </a:xfrm>
+          <a:prstGeom prst="rect">
+            <a:avLst/>
+          </a:prstGeom>
+          <a:noFill/>
+        </p:spPr>
+        <p:txBody>
+          <a:bodyPr wrap="none" rtlCol="0">
+            <a:spAutoFit/>
+          </a:bodyPr>
+          <a:lstStyle/>
+          <a:p>
+            <a:r>
+              <a:rPr lang="ja-JP" altLang="en-US"/>
+              <a:t>ディレクトリのコピーには</a:t>
+            </a:r>
+            <a:r>
+              <a:rPr lang="en-US" altLang="ja-JP"/>
+              <a:t>-r</a:t>
+            </a:r>
+            <a:r>
+              <a:rPr lang="ja-JP" altLang="en-US"/>
+              <a:t>オプションが必要</a:t>
+            </a:r>
+            <a:endParaRPr lang="en-US"/>
+          </a:p>
+        </p:txBody>
+      </p:sp>
+    </p:spTree>
+    <p:extLst>
+      <p:ext uri="{BB962C8B-B14F-4D97-AF65-F5344CB8AC3E}">
+        <p14:creationId xmlns:p14="http://schemas.microsoft.com/office/powerpoint/2010/main" val="658370536"/>
+      </p:ext>
+    </p:extLst>
+  </p:cSld>
+  <p:clrMapOvr>
+    <a:masterClrMapping/>
+  </p:clrMapOvr>
+</p:sld>
+</file>
+
+<file path=ppt/slides/slide25.xml><?xml version="1.0" encoding="utf-8"?>
+<p:sld xmlns:a="http://schemas.openxmlformats.org/drawingml/2006/main" xmlns:r="http://schemas.openxmlformats.org/officeDocument/2006/relationships" xmlns:p="http://schemas.openxmlformats.org/presentationml/2006/main">
+  <p:cSld>
+    <p:spTree>
+      <p:nvGrpSpPr>
+        <p:cNvPr id="1" name=""/>
+        <p:cNvGrpSpPr/>
+        <p:nvPr/>
+      </p:nvGrpSpPr>
+      <p:grpSpPr>
+        <a:xfrm>
+          <a:off x="0" y="0"/>
+          <a:ext cx="0" cy="0"/>
+          <a:chOff x="0" y="0"/>
+          <a:chExt cx="0" cy="0"/>
+        </a:xfrm>
+      </p:grpSpPr>
+      <p:sp>
+        <p:nvSpPr>
+          <p:cNvPr id="2" name="テキスト プレースホルダー 1">
+            <a:extLst>
+              <a:ext uri="{FF2B5EF4-FFF2-40B4-BE49-F238E27FC236}">
+                <a16:creationId xmlns:a16="http://schemas.microsoft.com/office/drawing/2014/main" id="{A13D186F-033B-4E9D-970A-CA6E39B22002}"/>
+              </a:ext>
+            </a:extLst>
+          </p:cNvPr>
+          <p:cNvSpPr>
+            <a:spLocks noGrp="1"/>
+          </p:cNvSpPr>
+          <p:nvPr>
+            <p:ph type="body" sz="quarter" idx="10"/>
+          </p:nvPr>
+        </p:nvSpPr>
+        <p:spPr/>
+        <p:txBody>
+          <a:bodyPr/>
+          <a:lstStyle/>
+          <a:p>
+            <a:r>
+              <a:rPr lang="en-US"/>
+              <a:t>rm</a:t>
+            </a:r>
+          </a:p>
+        </p:txBody>
+      </p:sp>
+      <p:sp>
+        <p:nvSpPr>
+          <p:cNvPr id="3" name="テキスト ボックス 2">
+            <a:extLst>
+              <a:ext uri="{FF2B5EF4-FFF2-40B4-BE49-F238E27FC236}">
+                <a16:creationId xmlns:a16="http://schemas.microsoft.com/office/drawing/2014/main" id="{7A95298F-E918-4843-92C5-99D9F2D02A51}"/>
+              </a:ext>
+            </a:extLst>
+          </p:cNvPr>
+          <p:cNvSpPr txBox="1"/>
+          <p:nvPr/>
+        </p:nvSpPr>
+        <p:spPr>
+          <a:xfrm>
+            <a:off x="395536" y="1052736"/>
+            <a:ext cx="7247497" cy="954107"/>
+          </a:xfrm>
+          <a:prstGeom prst="rect">
+            <a:avLst/>
+          </a:prstGeom>
+          <a:noFill/>
+        </p:spPr>
+        <p:txBody>
+          <a:bodyPr wrap="none" rtlCol="0">
+            <a:spAutoFit/>
+          </a:bodyPr>
+          <a:lstStyle/>
+          <a:p>
+            <a:r>
+              <a:rPr lang="ja-JP" altLang="en-US" sz="2800"/>
+              <a:t>ファイルやディレクトリを削除する</a:t>
+            </a:r>
+            <a:endParaRPr lang="en-US" altLang="ja-JP" sz="2800"/>
+          </a:p>
+          <a:p>
+            <a:r>
+              <a:rPr lang="ja-JP" altLang="en-US" sz="2800"/>
+              <a:t>ディレクトリの削除には</a:t>
+            </a:r>
+            <a:r>
+              <a:rPr lang="en-US" altLang="ja-JP" sz="2800"/>
+              <a:t>-r</a:t>
+            </a:r>
+            <a:r>
+              <a:rPr lang="ja-JP" altLang="en-US" sz="2800"/>
+              <a:t>オプションが必要</a:t>
+            </a:r>
+            <a:endParaRPr lang="en-US" sz="2800"/>
+          </a:p>
+        </p:txBody>
+      </p:sp>
+      <p:pic>
+        <p:nvPicPr>
+          <p:cNvPr id="4" name="Picture 2" descr="フォルダのイラスト">
+            <a:extLst>
+              <a:ext uri="{FF2B5EF4-FFF2-40B4-BE49-F238E27FC236}">
+                <a16:creationId xmlns:a16="http://schemas.microsoft.com/office/drawing/2014/main" id="{D772A356-CF4D-4DB2-A5CC-E9BBA8EED69C}"/>
+              </a:ext>
+            </a:extLst>
+          </p:cNvPr>
+          <p:cNvPicPr>
+            <a:picLocks noChangeAspect="1" noChangeArrowheads="1"/>
+          </p:cNvPicPr>
+          <p:nvPr/>
+        </p:nvPicPr>
+        <p:blipFill>
+          <a:blip r:embed="rId2" cstate="print">
+            <a:extLst>
+              <a:ext uri="{28A0092B-C50C-407E-A947-70E740481C1C}">
+                <a14:useLocalDpi xmlns:a14="http://schemas.microsoft.com/office/drawing/2010/main" val="0"/>
+              </a:ext>
+            </a:extLst>
+          </a:blip>
+          <a:srcRect/>
+          <a:stretch>
+            <a:fillRect/>
+          </a:stretch>
+        </p:blipFill>
+        <p:spPr bwMode="auto">
+          <a:xfrm>
+            <a:off x="4615143" y="3068960"/>
+            <a:ext cx="764145" cy="639971"/>
+          </a:xfrm>
+          <a:prstGeom prst="rect">
+            <a:avLst/>
+          </a:prstGeom>
+          <a:noFill/>
+          <a:extLst>
+            <a:ext uri="{909E8E84-426E-40DD-AFC4-6F175D3DCCD1}">
+              <a14:hiddenFill xmlns:a14="http://schemas.microsoft.com/office/drawing/2010/main">
+                <a:solidFill>
+                  <a:srgbClr val="FFFFFF"/>
+                </a:solidFill>
+              </a14:hiddenFill>
+            </a:ext>
+          </a:extLst>
+        </p:spPr>
+      </p:pic>
+      <p:sp>
+        <p:nvSpPr>
+          <p:cNvPr id="5" name="テキスト ボックス 4">
+            <a:extLst>
+              <a:ext uri="{FF2B5EF4-FFF2-40B4-BE49-F238E27FC236}">
+                <a16:creationId xmlns:a16="http://schemas.microsoft.com/office/drawing/2014/main" id="{50DB40DE-A2AD-4662-9C20-2DA99A70F5AB}"/>
+              </a:ext>
+            </a:extLst>
+          </p:cNvPr>
+          <p:cNvSpPr txBox="1"/>
+          <p:nvPr/>
+        </p:nvSpPr>
+        <p:spPr>
+          <a:xfrm>
+            <a:off x="4644008" y="3212976"/>
+            <a:ext cx="691215" cy="369332"/>
+          </a:xfrm>
+          <a:prstGeom prst="rect">
+            <a:avLst/>
+          </a:prstGeom>
+          <a:noFill/>
+        </p:spPr>
+        <p:txBody>
+          <a:bodyPr wrap="none" rtlCol="0">
+            <a:spAutoFit/>
+          </a:bodyPr>
+          <a:lstStyle/>
+          <a:p>
+            <a:r>
+              <a:rPr lang="en-US" altLang="ja-JP">
+                <a:solidFill>
+                  <a:schemeClr val="bg1"/>
+                </a:solidFill>
+                <a:latin typeface="Consolas" panose="020B0609020204030204" pitchFamily="49" charset="0"/>
+              </a:rPr>
+              <a:t>temp</a:t>
+            </a:r>
+            <a:endParaRPr kumimoji="1" lang="ja-JP" altLang="en-US" dirty="0">
+              <a:solidFill>
+                <a:schemeClr val="bg1"/>
+              </a:solidFill>
+              <a:latin typeface="Consolas" panose="020B0609020204030204" pitchFamily="49" charset="0"/>
+            </a:endParaRPr>
+          </a:p>
+        </p:txBody>
+      </p:sp>
+      <p:pic>
+        <p:nvPicPr>
+          <p:cNvPr id="6" name="Picture 2" descr="フォルダのイラスト">
+            <a:extLst>
+              <a:ext uri="{FF2B5EF4-FFF2-40B4-BE49-F238E27FC236}">
+                <a16:creationId xmlns:a16="http://schemas.microsoft.com/office/drawing/2014/main" id="{71010DC7-0E3E-4124-BD77-81DA683C9195}"/>
+              </a:ext>
+            </a:extLst>
+          </p:cNvPr>
+          <p:cNvPicPr>
+            <a:picLocks noChangeAspect="1" noChangeArrowheads="1"/>
+          </p:cNvPicPr>
+          <p:nvPr/>
+        </p:nvPicPr>
+        <p:blipFill>
+          <a:blip r:embed="rId2" cstate="print">
+            <a:extLst>
+              <a:ext uri="{28A0092B-C50C-407E-A947-70E740481C1C}">
+                <a14:useLocalDpi xmlns:a14="http://schemas.microsoft.com/office/drawing/2010/main" val="0"/>
+              </a:ext>
+            </a:extLst>
+          </a:blip>
+          <a:srcRect/>
+          <a:stretch>
+            <a:fillRect/>
+          </a:stretch>
+        </p:blipFill>
+        <p:spPr bwMode="auto">
+          <a:xfrm>
+            <a:off x="4615143" y="4005064"/>
+            <a:ext cx="764145" cy="639971"/>
+          </a:xfrm>
+          <a:prstGeom prst="rect">
+            <a:avLst/>
+          </a:prstGeom>
+          <a:noFill/>
+          <a:extLst>
+            <a:ext uri="{909E8E84-426E-40DD-AFC4-6F175D3DCCD1}">
+              <a14:hiddenFill xmlns:a14="http://schemas.microsoft.com/office/drawing/2010/main">
+                <a:solidFill>
+                  <a:srgbClr val="FFFFFF"/>
+                </a:solidFill>
+              </a14:hiddenFill>
+            </a:ext>
+          </a:extLst>
+        </p:spPr>
+      </p:pic>
+      <p:sp>
+        <p:nvSpPr>
+          <p:cNvPr id="7" name="テキスト ボックス 6">
+            <a:extLst>
+              <a:ext uri="{FF2B5EF4-FFF2-40B4-BE49-F238E27FC236}">
+                <a16:creationId xmlns:a16="http://schemas.microsoft.com/office/drawing/2014/main" id="{59B490A5-1601-4A50-80A7-B5246FF31E15}"/>
+              </a:ext>
+            </a:extLst>
+          </p:cNvPr>
+          <p:cNvSpPr txBox="1"/>
+          <p:nvPr/>
+        </p:nvSpPr>
+        <p:spPr>
+          <a:xfrm>
+            <a:off x="4644008" y="4149080"/>
+            <a:ext cx="691215" cy="369332"/>
+          </a:xfrm>
+          <a:prstGeom prst="rect">
+            <a:avLst/>
+          </a:prstGeom>
+          <a:noFill/>
+        </p:spPr>
+        <p:txBody>
+          <a:bodyPr wrap="none" rtlCol="0">
+            <a:spAutoFit/>
+          </a:bodyPr>
+          <a:lstStyle/>
+          <a:p>
+            <a:r>
+              <a:rPr kumimoji="1" lang="en-US" altLang="ja-JP">
+                <a:solidFill>
+                  <a:schemeClr val="bg1"/>
+                </a:solidFill>
+                <a:latin typeface="Consolas" panose="020B0609020204030204" pitchFamily="49" charset="0"/>
+              </a:rPr>
+              <a:t>dir1</a:t>
+            </a:r>
+            <a:endParaRPr kumimoji="1" lang="ja-JP" altLang="en-US" dirty="0">
+              <a:solidFill>
+                <a:schemeClr val="bg1"/>
+              </a:solidFill>
+              <a:latin typeface="Consolas" panose="020B0609020204030204" pitchFamily="49" charset="0"/>
+            </a:endParaRPr>
+          </a:p>
+        </p:txBody>
+      </p:sp>
+      <p:pic>
+        <p:nvPicPr>
+          <p:cNvPr id="8" name="Picture 2" descr="フォルダのイラスト">
+            <a:extLst>
+              <a:ext uri="{FF2B5EF4-FFF2-40B4-BE49-F238E27FC236}">
+                <a16:creationId xmlns:a16="http://schemas.microsoft.com/office/drawing/2014/main" id="{8E5FE1A0-A0A7-4694-9C47-C2E9F5AF2AFE}"/>
+              </a:ext>
+            </a:extLst>
+          </p:cNvPr>
+          <p:cNvPicPr>
+            <a:picLocks noChangeAspect="1" noChangeArrowheads="1"/>
+          </p:cNvPicPr>
+          <p:nvPr/>
+        </p:nvPicPr>
+        <p:blipFill>
+          <a:blip r:embed="rId2" cstate="print">
+            <a:extLst>
+              <a:ext uri="{28A0092B-C50C-407E-A947-70E740481C1C}">
+                <a14:useLocalDpi xmlns:a14="http://schemas.microsoft.com/office/drawing/2010/main" val="0"/>
+              </a:ext>
+            </a:extLst>
+          </a:blip>
+          <a:srcRect/>
+          <a:stretch>
+            <a:fillRect/>
+          </a:stretch>
+        </p:blipFill>
+        <p:spPr bwMode="auto">
+          <a:xfrm>
+            <a:off x="5580112" y="4005064"/>
+            <a:ext cx="764145" cy="639971"/>
+          </a:xfrm>
+          <a:prstGeom prst="rect">
+            <a:avLst/>
+          </a:prstGeom>
+          <a:noFill/>
+          <a:extLst>
+            <a:ext uri="{909E8E84-426E-40DD-AFC4-6F175D3DCCD1}">
+              <a14:hiddenFill xmlns:a14="http://schemas.microsoft.com/office/drawing/2010/main">
+                <a:solidFill>
+                  <a:srgbClr val="FFFFFF"/>
+                </a:solidFill>
+              </a14:hiddenFill>
+            </a:ext>
+          </a:extLst>
+        </p:spPr>
+      </p:pic>
+      <p:sp>
+        <p:nvSpPr>
+          <p:cNvPr id="9" name="テキスト ボックス 8">
+            <a:extLst>
+              <a:ext uri="{FF2B5EF4-FFF2-40B4-BE49-F238E27FC236}">
+                <a16:creationId xmlns:a16="http://schemas.microsoft.com/office/drawing/2014/main" id="{E56065F8-6320-48BC-864D-6BF5A1618117}"/>
+              </a:ext>
+            </a:extLst>
+          </p:cNvPr>
+          <p:cNvSpPr txBox="1"/>
+          <p:nvPr/>
+        </p:nvSpPr>
+        <p:spPr>
+          <a:xfrm>
+            <a:off x="5608977" y="4149080"/>
+            <a:ext cx="691215" cy="369332"/>
+          </a:xfrm>
+          <a:prstGeom prst="rect">
+            <a:avLst/>
+          </a:prstGeom>
+          <a:noFill/>
+        </p:spPr>
+        <p:txBody>
+          <a:bodyPr wrap="none" rtlCol="0">
+            <a:spAutoFit/>
+          </a:bodyPr>
+          <a:lstStyle/>
+          <a:p>
+            <a:r>
+              <a:rPr kumimoji="1" lang="en-US" altLang="ja-JP">
+                <a:solidFill>
+                  <a:schemeClr val="bg1"/>
+                </a:solidFill>
+                <a:latin typeface="Consolas" panose="020B0609020204030204" pitchFamily="49" charset="0"/>
+              </a:rPr>
+              <a:t>dir2</a:t>
+            </a:r>
+            <a:endParaRPr kumimoji="1" lang="ja-JP" altLang="en-US" dirty="0">
+              <a:solidFill>
+                <a:schemeClr val="bg1"/>
+              </a:solidFill>
+              <a:latin typeface="Consolas" panose="020B0609020204030204" pitchFamily="49" charset="0"/>
+            </a:endParaRPr>
+          </a:p>
+        </p:txBody>
+      </p:sp>
+      <p:pic>
+        <p:nvPicPr>
+          <p:cNvPr id="10" name="Picture 2" descr="ファイルアイコン（ブランク）">
+            <a:extLst>
+              <a:ext uri="{FF2B5EF4-FFF2-40B4-BE49-F238E27FC236}">
+                <a16:creationId xmlns:a16="http://schemas.microsoft.com/office/drawing/2014/main" id="{4D8E06F9-20F1-433E-BF93-316D31E3F588}"/>
+              </a:ext>
+            </a:extLst>
+          </p:cNvPr>
+          <p:cNvPicPr>
+            <a:picLocks noChangeAspect="1" noChangeArrowheads="1"/>
+          </p:cNvPicPr>
+          <p:nvPr/>
+        </p:nvPicPr>
+        <p:blipFill>
+          <a:blip r:embed="rId3" cstate="print">
+            <a:extLst>
+              <a:ext uri="{28A0092B-C50C-407E-A947-70E740481C1C}">
+                <a14:useLocalDpi xmlns:a14="http://schemas.microsoft.com/office/drawing/2010/main" val="0"/>
+              </a:ext>
+            </a:extLst>
+          </a:blip>
+          <a:srcRect/>
+          <a:stretch>
+            <a:fillRect/>
+          </a:stretch>
+        </p:blipFill>
+        <p:spPr bwMode="auto">
+          <a:xfrm>
+            <a:off x="6588224" y="4005064"/>
+            <a:ext cx="558061" cy="648072"/>
+          </a:xfrm>
+          <a:prstGeom prst="rect">
+            <a:avLst/>
+          </a:prstGeom>
+          <a:noFill/>
+          <a:extLst>
+            <a:ext uri="{909E8E84-426E-40DD-AFC4-6F175D3DCCD1}">
+              <a14:hiddenFill xmlns:a14="http://schemas.microsoft.com/office/drawing/2010/main">
+                <a:solidFill>
+                  <a:srgbClr val="FFFFFF"/>
+                </a:solidFill>
+              </a14:hiddenFill>
+            </a:ext>
+          </a:extLst>
+        </p:spPr>
+      </p:pic>
+      <p:sp>
+        <p:nvSpPr>
+          <p:cNvPr id="11" name="テキスト ボックス 10">
+            <a:extLst>
+              <a:ext uri="{FF2B5EF4-FFF2-40B4-BE49-F238E27FC236}">
+                <a16:creationId xmlns:a16="http://schemas.microsoft.com/office/drawing/2014/main" id="{79C2BDA2-6597-4797-8E08-0FB7475D124F}"/>
+              </a:ext>
+            </a:extLst>
+          </p:cNvPr>
+          <p:cNvSpPr txBox="1"/>
+          <p:nvPr/>
+        </p:nvSpPr>
+        <p:spPr>
+          <a:xfrm>
+            <a:off x="6372200" y="4581128"/>
+            <a:ext cx="1115616" cy="307777"/>
+          </a:xfrm>
+          <a:prstGeom prst="rect">
+            <a:avLst/>
+          </a:prstGeom>
+          <a:noFill/>
+        </p:spPr>
+        <p:txBody>
+          <a:bodyPr wrap="square">
+            <a:spAutoFit/>
+          </a:bodyPr>
+          <a:lstStyle/>
+          <a:p>
+            <a:r>
+              <a:rPr lang="en-US" altLang="ja-JP" sz="1400">
+                <a:latin typeface="Consolas" panose="020B0609020204030204" pitchFamily="49" charset="0"/>
+              </a:rPr>
+              <a:t>file1.txt</a:t>
+            </a:r>
+            <a:endParaRPr kumimoji="1" lang="ja-JP" altLang="en-US" sz="1400" dirty="0">
+              <a:latin typeface="Consolas" panose="020B0609020204030204" pitchFamily="49" charset="0"/>
+            </a:endParaRPr>
+          </a:p>
+        </p:txBody>
+      </p:sp>
+      <p:pic>
+        <p:nvPicPr>
+          <p:cNvPr id="12" name="Picture 2" descr="ファイルアイコン（ブランク）">
+            <a:extLst>
+              <a:ext uri="{FF2B5EF4-FFF2-40B4-BE49-F238E27FC236}">
+                <a16:creationId xmlns:a16="http://schemas.microsoft.com/office/drawing/2014/main" id="{A35C0925-8075-48BE-B8E3-9B7A02007178}"/>
+              </a:ext>
+            </a:extLst>
+          </p:cNvPr>
+          <p:cNvPicPr>
+            <a:picLocks noChangeAspect="1" noChangeArrowheads="1"/>
+          </p:cNvPicPr>
+          <p:nvPr/>
+        </p:nvPicPr>
+        <p:blipFill>
+          <a:blip r:embed="rId3" cstate="print">
+            <a:extLst>
+              <a:ext uri="{28A0092B-C50C-407E-A947-70E740481C1C}">
+                <a14:useLocalDpi xmlns:a14="http://schemas.microsoft.com/office/drawing/2010/main" val="0"/>
+              </a:ext>
+            </a:extLst>
+          </a:blip>
+          <a:srcRect/>
+          <a:stretch>
+            <a:fillRect/>
+          </a:stretch>
+        </p:blipFill>
+        <p:spPr bwMode="auto">
+          <a:xfrm>
+            <a:off x="7596336" y="4005064"/>
+            <a:ext cx="558061" cy="648072"/>
+          </a:xfrm>
+          <a:prstGeom prst="rect">
+            <a:avLst/>
+          </a:prstGeom>
+          <a:noFill/>
+          <a:extLst>
+            <a:ext uri="{909E8E84-426E-40DD-AFC4-6F175D3DCCD1}">
+              <a14:hiddenFill xmlns:a14="http://schemas.microsoft.com/office/drawing/2010/main">
+                <a:solidFill>
+                  <a:srgbClr val="FFFFFF"/>
+                </a:solidFill>
+              </a14:hiddenFill>
+            </a:ext>
+          </a:extLst>
+        </p:spPr>
+      </p:pic>
+      <p:sp>
+        <p:nvSpPr>
+          <p:cNvPr id="13" name="テキスト ボックス 12">
+            <a:extLst>
+              <a:ext uri="{FF2B5EF4-FFF2-40B4-BE49-F238E27FC236}">
+                <a16:creationId xmlns:a16="http://schemas.microsoft.com/office/drawing/2014/main" id="{5201BBB9-8657-45AB-A21C-EA4F49E45818}"/>
+              </a:ext>
+            </a:extLst>
+          </p:cNvPr>
+          <p:cNvSpPr txBox="1"/>
+          <p:nvPr/>
+        </p:nvSpPr>
+        <p:spPr>
+          <a:xfrm>
+            <a:off x="7380312" y="4581128"/>
+            <a:ext cx="1115616" cy="307777"/>
+          </a:xfrm>
+          <a:prstGeom prst="rect">
+            <a:avLst/>
+          </a:prstGeom>
+          <a:noFill/>
+        </p:spPr>
+        <p:txBody>
+          <a:bodyPr wrap="square">
+            <a:spAutoFit/>
+          </a:bodyPr>
+          <a:lstStyle/>
+          <a:p>
+            <a:r>
+              <a:rPr lang="en-US" altLang="ja-JP" sz="1400">
+                <a:latin typeface="Consolas" panose="020B0609020204030204" pitchFamily="49" charset="0"/>
+              </a:rPr>
+              <a:t>file2.txt</a:t>
+            </a:r>
+            <a:endParaRPr kumimoji="1" lang="ja-JP" altLang="en-US" sz="1400" dirty="0">
+              <a:latin typeface="Consolas" panose="020B0609020204030204" pitchFamily="49" charset="0"/>
+            </a:endParaRPr>
+          </a:p>
+        </p:txBody>
+      </p:sp>
+      <p:pic>
+        <p:nvPicPr>
+          <p:cNvPr id="14" name="Picture 2" descr="ファイルアイコン（ブランク）">
+            <a:extLst>
+              <a:ext uri="{FF2B5EF4-FFF2-40B4-BE49-F238E27FC236}">
+                <a16:creationId xmlns:a16="http://schemas.microsoft.com/office/drawing/2014/main" id="{7944010B-3E05-4F46-8216-66EF1ED30F5D}"/>
+              </a:ext>
+            </a:extLst>
+          </p:cNvPr>
+          <p:cNvPicPr>
+            <a:picLocks noChangeAspect="1" noChangeArrowheads="1"/>
+          </p:cNvPicPr>
+          <p:nvPr/>
+        </p:nvPicPr>
+        <p:blipFill>
+          <a:blip r:embed="rId3" cstate="print">
+            <a:extLst>
+              <a:ext uri="{28A0092B-C50C-407E-A947-70E740481C1C}">
+                <a14:useLocalDpi xmlns:a14="http://schemas.microsoft.com/office/drawing/2010/main" val="0"/>
+              </a:ext>
+            </a:extLst>
+          </a:blip>
+          <a:srcRect/>
+          <a:stretch>
+            <a:fillRect/>
+          </a:stretch>
+        </p:blipFill>
+        <p:spPr bwMode="auto">
+          <a:xfrm>
+            <a:off x="4716016" y="5013176"/>
+            <a:ext cx="558061" cy="648072"/>
+          </a:xfrm>
+          <a:prstGeom prst="rect">
+            <a:avLst/>
+          </a:prstGeom>
+          <a:noFill/>
+          <a:extLst>
+            <a:ext uri="{909E8E84-426E-40DD-AFC4-6F175D3DCCD1}">
+              <a14:hiddenFill xmlns:a14="http://schemas.microsoft.com/office/drawing/2010/main">
+                <a:solidFill>
+                  <a:srgbClr val="FFFFFF"/>
+                </a:solidFill>
+              </a14:hiddenFill>
+            </a:ext>
+          </a:extLst>
+        </p:spPr>
+      </p:pic>
+      <p:sp>
+        <p:nvSpPr>
+          <p:cNvPr id="15" name="テキスト ボックス 14">
+            <a:extLst>
+              <a:ext uri="{FF2B5EF4-FFF2-40B4-BE49-F238E27FC236}">
+                <a16:creationId xmlns:a16="http://schemas.microsoft.com/office/drawing/2014/main" id="{FD916EAA-0917-47CC-A582-FDA8B72BBDF1}"/>
+              </a:ext>
+            </a:extLst>
+          </p:cNvPr>
+          <p:cNvSpPr txBox="1"/>
+          <p:nvPr/>
+        </p:nvSpPr>
+        <p:spPr>
+          <a:xfrm>
+            <a:off x="4535041" y="5638080"/>
+            <a:ext cx="1115616" cy="307777"/>
+          </a:xfrm>
+          <a:prstGeom prst="rect">
+            <a:avLst/>
+          </a:prstGeom>
+          <a:noFill/>
+        </p:spPr>
+        <p:txBody>
+          <a:bodyPr wrap="square">
+            <a:spAutoFit/>
+          </a:bodyPr>
+          <a:lstStyle/>
+          <a:p>
+            <a:r>
+              <a:rPr lang="en-US" altLang="ja-JP" sz="1400">
+                <a:latin typeface="Consolas" panose="020B0609020204030204" pitchFamily="49" charset="0"/>
+              </a:rPr>
+              <a:t>file3.txt</a:t>
+            </a:r>
+            <a:endParaRPr kumimoji="1" lang="ja-JP" altLang="en-US" sz="1400" dirty="0">
+              <a:latin typeface="Consolas" panose="020B0609020204030204" pitchFamily="49" charset="0"/>
+            </a:endParaRPr>
+          </a:p>
+        </p:txBody>
+      </p:sp>
+      <p:cxnSp>
+        <p:nvCxnSpPr>
+          <p:cNvPr id="16" name="コネクタ: カギ線 15">
+            <a:extLst>
+              <a:ext uri="{FF2B5EF4-FFF2-40B4-BE49-F238E27FC236}">
+                <a16:creationId xmlns:a16="http://schemas.microsoft.com/office/drawing/2014/main" id="{FD8E1BC1-FB05-4586-8EDB-0A224273F3BF}"/>
+              </a:ext>
+            </a:extLst>
+          </p:cNvPr>
+          <p:cNvCxnSpPr>
+            <a:cxnSpLocks/>
+            <a:stCxn id="4" idx="2"/>
+            <a:endCxn id="8" idx="0"/>
+          </p:cNvCxnSpPr>
+          <p:nvPr/>
+        </p:nvCxnSpPr>
+        <p:spPr>
+          <a:xfrm rot="16200000" flipH="1">
+            <a:off x="5331634" y="3374512"/>
+            <a:ext cx="296133" cy="964969"/>
+          </a:xfrm>
+          <a:prstGeom prst="bentConnector3">
+            <a:avLst/>
+          </a:prstGeom>
+          <a:ln w="12700">
+            <a:solidFill>
+              <a:schemeClr val="tx1"/>
+            </a:solidFill>
+          </a:ln>
+        </p:spPr>
+        <p:style>
+          <a:lnRef idx="1">
+            <a:schemeClr val="accent1"/>
+          </a:lnRef>
+          <a:fillRef idx="0">
+            <a:schemeClr val="accent1"/>
+          </a:fillRef>
+          <a:effectRef idx="0">
+            <a:schemeClr val="accent1"/>
+          </a:effectRef>
+          <a:fontRef idx="minor">
+            <a:schemeClr val="tx1"/>
+          </a:fontRef>
+        </p:style>
+      </p:cxnSp>
+      <p:cxnSp>
+        <p:nvCxnSpPr>
+          <p:cNvPr id="17" name="コネクタ: カギ線 16">
+            <a:extLst>
+              <a:ext uri="{FF2B5EF4-FFF2-40B4-BE49-F238E27FC236}">
+                <a16:creationId xmlns:a16="http://schemas.microsoft.com/office/drawing/2014/main" id="{B5219BA5-32A2-45A0-B16C-FB667C45D3A3}"/>
+              </a:ext>
+            </a:extLst>
+          </p:cNvPr>
+          <p:cNvCxnSpPr>
+            <a:cxnSpLocks/>
+            <a:stCxn id="4" idx="2"/>
+            <a:endCxn id="10" idx="0"/>
+          </p:cNvCxnSpPr>
+          <p:nvPr/>
+        </p:nvCxnSpPr>
+        <p:spPr>
+          <a:xfrm rot="16200000" flipH="1">
+            <a:off x="5784169" y="2921977"/>
+            <a:ext cx="296133" cy="1870039"/>
+          </a:xfrm>
+          <a:prstGeom prst="bentConnector3">
+            <a:avLst/>
+          </a:prstGeom>
+          <a:ln w="12700">
+            <a:solidFill>
+              <a:schemeClr val="tx1"/>
+            </a:solidFill>
+          </a:ln>
+        </p:spPr>
+        <p:style>
+          <a:lnRef idx="1">
+            <a:schemeClr val="accent1"/>
+          </a:lnRef>
+          <a:fillRef idx="0">
+            <a:schemeClr val="accent1"/>
+          </a:fillRef>
+          <a:effectRef idx="0">
+            <a:schemeClr val="accent1"/>
+          </a:effectRef>
+          <a:fontRef idx="minor">
+            <a:schemeClr val="tx1"/>
+          </a:fontRef>
+        </p:style>
+      </p:cxnSp>
+      <p:cxnSp>
+        <p:nvCxnSpPr>
+          <p:cNvPr id="18" name="コネクタ: カギ線 17">
+            <a:extLst>
+              <a:ext uri="{FF2B5EF4-FFF2-40B4-BE49-F238E27FC236}">
+                <a16:creationId xmlns:a16="http://schemas.microsoft.com/office/drawing/2014/main" id="{3B06CD51-10E6-4524-BDC9-983071B1D212}"/>
+              </a:ext>
+            </a:extLst>
+          </p:cNvPr>
+          <p:cNvCxnSpPr>
+            <a:cxnSpLocks/>
+            <a:stCxn id="4" idx="2"/>
+            <a:endCxn id="12" idx="0"/>
+          </p:cNvCxnSpPr>
+          <p:nvPr/>
+        </p:nvCxnSpPr>
+        <p:spPr>
+          <a:xfrm rot="16200000" flipH="1">
+            <a:off x="6288225" y="2417921"/>
+            <a:ext cx="296133" cy="2878151"/>
+          </a:xfrm>
+          <a:prstGeom prst="bentConnector3">
+            <a:avLst/>
+          </a:prstGeom>
+          <a:ln w="12700">
+            <a:solidFill>
+              <a:schemeClr val="tx1"/>
+            </a:solidFill>
+          </a:ln>
+        </p:spPr>
+        <p:style>
+          <a:lnRef idx="1">
+            <a:schemeClr val="accent1"/>
+          </a:lnRef>
+          <a:fillRef idx="0">
+            <a:schemeClr val="accent1"/>
+          </a:fillRef>
+          <a:effectRef idx="0">
+            <a:schemeClr val="accent1"/>
+          </a:effectRef>
+          <a:fontRef idx="minor">
+            <a:schemeClr val="tx1"/>
+          </a:fontRef>
+        </p:style>
+      </p:cxnSp>
+      <p:cxnSp>
+        <p:nvCxnSpPr>
+          <p:cNvPr id="19" name="直線コネクタ 18">
+            <a:extLst>
+              <a:ext uri="{FF2B5EF4-FFF2-40B4-BE49-F238E27FC236}">
+                <a16:creationId xmlns:a16="http://schemas.microsoft.com/office/drawing/2014/main" id="{E1BD95D2-EEFB-42D8-B126-B92AC8D21D48}"/>
+              </a:ext>
+            </a:extLst>
+          </p:cNvPr>
+          <p:cNvCxnSpPr>
+            <a:stCxn id="4" idx="2"/>
+            <a:endCxn id="6" idx="0"/>
+          </p:cNvCxnSpPr>
+          <p:nvPr/>
+        </p:nvCxnSpPr>
+        <p:spPr>
+          <a:xfrm>
+            <a:off x="4997216" y="3708931"/>
+            <a:ext cx="0" cy="296133"/>
+          </a:xfrm>
+          <a:prstGeom prst="line">
+            <a:avLst/>
+          </a:prstGeom>
+          <a:ln w="12700">
+            <a:solidFill>
+              <a:schemeClr val="tx1"/>
+            </a:solidFill>
+          </a:ln>
+        </p:spPr>
+        <p:style>
+          <a:lnRef idx="1">
+            <a:schemeClr val="accent1"/>
+          </a:lnRef>
+          <a:fillRef idx="0">
+            <a:schemeClr val="accent1"/>
+          </a:fillRef>
+          <a:effectRef idx="0">
+            <a:schemeClr val="accent1"/>
+          </a:effectRef>
+          <a:fontRef idx="minor">
+            <a:schemeClr val="tx1"/>
+          </a:fontRef>
+        </p:style>
+      </p:cxnSp>
+      <p:cxnSp>
+        <p:nvCxnSpPr>
+          <p:cNvPr id="20" name="直線コネクタ 19">
+            <a:extLst>
+              <a:ext uri="{FF2B5EF4-FFF2-40B4-BE49-F238E27FC236}">
+                <a16:creationId xmlns:a16="http://schemas.microsoft.com/office/drawing/2014/main" id="{F8111B11-02C4-49C4-ADE9-AD09E73AFFA8}"/>
+              </a:ext>
+            </a:extLst>
+          </p:cNvPr>
+          <p:cNvCxnSpPr/>
+          <p:nvPr/>
+        </p:nvCxnSpPr>
+        <p:spPr>
+          <a:xfrm>
+            <a:off x="5004048" y="4581128"/>
+            <a:ext cx="0" cy="296133"/>
+          </a:xfrm>
+          <a:prstGeom prst="line">
+            <a:avLst/>
+          </a:prstGeom>
+          <a:ln w="12700">
+            <a:solidFill>
+              <a:schemeClr val="tx1"/>
+            </a:solidFill>
+          </a:ln>
+        </p:spPr>
+        <p:style>
+          <a:lnRef idx="1">
+            <a:schemeClr val="accent1"/>
+          </a:lnRef>
+          <a:fillRef idx="0">
+            <a:schemeClr val="accent1"/>
+          </a:fillRef>
+          <a:effectRef idx="0">
+            <a:schemeClr val="accent1"/>
+          </a:effectRef>
+          <a:fontRef idx="minor">
+            <a:schemeClr val="tx1"/>
+          </a:fontRef>
+        </p:style>
+      </p:cxnSp>
+      <p:sp>
+        <p:nvSpPr>
+          <p:cNvPr id="21" name="四角形: 角を丸くする 20">
+            <a:extLst>
+              <a:ext uri="{FF2B5EF4-FFF2-40B4-BE49-F238E27FC236}">
+                <a16:creationId xmlns:a16="http://schemas.microsoft.com/office/drawing/2014/main" id="{F26E21A4-B9C7-4731-9316-5629C399BAEC}"/>
+              </a:ext>
+            </a:extLst>
+          </p:cNvPr>
+          <p:cNvSpPr/>
+          <p:nvPr/>
+        </p:nvSpPr>
+        <p:spPr>
+          <a:xfrm>
+            <a:off x="4499992" y="2996952"/>
+            <a:ext cx="936104" cy="720080"/>
+          </a:xfrm>
+          <a:prstGeom prst="roundRect">
+            <a:avLst/>
+          </a:prstGeom>
+          <a:noFill/>
+          <a:ln w="28575">
+            <a:solidFill>
+              <a:srgbClr val="FF0000"/>
+            </a:solidFill>
+            <a:prstDash val="sysDash"/>
+          </a:ln>
+        </p:spPr>
+        <p:style>
+          <a:lnRef idx="2">
+            <a:schemeClr val="accent1">
+              <a:shade val="50000"/>
+            </a:schemeClr>
+          </a:lnRef>
+          <a:fillRef idx="1">
+            <a:schemeClr val="accent1"/>
+          </a:fillRef>
+          <a:effectRef idx="0">
+            <a:schemeClr val="accent1"/>
+          </a:effectRef>
+          <a:fontRef idx="minor">
+            <a:schemeClr val="lt1"/>
+          </a:fontRef>
+        </p:style>
+        <p:txBody>
+          <a:bodyPr rtlCol="0" anchor="ctr"/>
+          <a:lstStyle/>
+          <a:p>
+            <a:pPr algn="ctr"/>
+            <a:endParaRPr kumimoji="1" lang="ja-JP" altLang="en-US"/>
+          </a:p>
+        </p:txBody>
+      </p:sp>
+      <p:sp>
+        <p:nvSpPr>
+          <p:cNvPr id="22" name="テキスト ボックス 21">
+            <a:extLst>
+              <a:ext uri="{FF2B5EF4-FFF2-40B4-BE49-F238E27FC236}">
+                <a16:creationId xmlns:a16="http://schemas.microsoft.com/office/drawing/2014/main" id="{130B56E0-01D7-4E4C-8C9B-A935CC8D2C18}"/>
+              </a:ext>
+            </a:extLst>
+          </p:cNvPr>
+          <p:cNvSpPr txBox="1"/>
+          <p:nvPr/>
+        </p:nvSpPr>
+        <p:spPr>
+          <a:xfrm>
+            <a:off x="4139952" y="2636912"/>
+            <a:ext cx="1723549" cy="276999"/>
+          </a:xfrm>
+          <a:prstGeom prst="rect">
+            <a:avLst/>
+          </a:prstGeom>
+          <a:noFill/>
+        </p:spPr>
+        <p:txBody>
+          <a:bodyPr wrap="none" rtlCol="0">
+            <a:spAutoFit/>
+          </a:bodyPr>
+          <a:lstStyle/>
+          <a:p>
+            <a:r>
+              <a:rPr kumimoji="1" lang="ja-JP" altLang="en-US" sz="1200"/>
+              <a:t>カレントディレクトリ</a:t>
+            </a:r>
+          </a:p>
+        </p:txBody>
+      </p:sp>
+      <p:sp>
+        <p:nvSpPr>
+          <p:cNvPr id="25" name="四角形: 角を丸くする 24">
+            <a:extLst>
+              <a:ext uri="{FF2B5EF4-FFF2-40B4-BE49-F238E27FC236}">
+                <a16:creationId xmlns:a16="http://schemas.microsoft.com/office/drawing/2014/main" id="{FAC1EA14-CB4A-47B6-A5B6-08B1B1B24ABE}"/>
+              </a:ext>
+            </a:extLst>
+          </p:cNvPr>
+          <p:cNvSpPr/>
+          <p:nvPr/>
+        </p:nvSpPr>
+        <p:spPr>
+          <a:xfrm>
+            <a:off x="4572000" y="4005064"/>
+            <a:ext cx="936104" cy="1944216"/>
+          </a:xfrm>
+          <a:prstGeom prst="roundRect">
+            <a:avLst/>
+          </a:prstGeom>
+          <a:noFill/>
+          <a:ln w="28575">
+            <a:solidFill>
+              <a:srgbClr val="011893"/>
+            </a:solidFill>
+            <a:prstDash val="sysDash"/>
+          </a:ln>
+        </p:spPr>
+        <p:style>
+          <a:lnRef idx="2">
+            <a:schemeClr val="accent1">
+              <a:shade val="50000"/>
+            </a:schemeClr>
+          </a:lnRef>
+          <a:fillRef idx="1">
+            <a:schemeClr val="accent1"/>
+          </a:fillRef>
+          <a:effectRef idx="0">
+            <a:schemeClr val="accent1"/>
+          </a:effectRef>
+          <a:fontRef idx="minor">
+            <a:schemeClr val="lt1"/>
+          </a:fontRef>
+        </p:style>
+        <p:txBody>
+          <a:bodyPr rtlCol="0" anchor="ctr"/>
+          <a:lstStyle/>
+          <a:p>
+            <a:pPr algn="ctr"/>
+            <a:endParaRPr kumimoji="1" lang="ja-JP" altLang="en-US"/>
+          </a:p>
+        </p:txBody>
+      </p:sp>
+      <p:pic>
+        <p:nvPicPr>
+          <p:cNvPr id="1026" name="Picture 2" descr="ゴミ箱のイラスト（満杯・丸）">
+            <a:extLst>
+              <a:ext uri="{FF2B5EF4-FFF2-40B4-BE49-F238E27FC236}">
+                <a16:creationId xmlns:a16="http://schemas.microsoft.com/office/drawing/2014/main" id="{9DD27F30-7C74-43C6-8E01-97615F6E900F}"/>
+              </a:ext>
+            </a:extLst>
+          </p:cNvPr>
+          <p:cNvPicPr>
+            <a:picLocks noChangeAspect="1" noChangeArrowheads="1"/>
+          </p:cNvPicPr>
+          <p:nvPr/>
+        </p:nvPicPr>
+        <p:blipFill>
+          <a:blip r:embed="rId4" cstate="print">
+            <a:extLst>
+              <a:ext uri="{28A0092B-C50C-407E-A947-70E740481C1C}">
+                <a14:useLocalDpi xmlns:a14="http://schemas.microsoft.com/office/drawing/2010/main" val="0"/>
+              </a:ext>
+            </a:extLst>
+          </a:blip>
+          <a:srcRect/>
+          <a:stretch>
+            <a:fillRect/>
+          </a:stretch>
+        </p:blipFill>
+        <p:spPr bwMode="auto">
+          <a:xfrm>
+            <a:off x="2843808" y="4797152"/>
+            <a:ext cx="1148774" cy="1400944"/>
+          </a:xfrm>
+          <a:prstGeom prst="rect">
+            <a:avLst/>
+          </a:prstGeom>
+          <a:noFill/>
+          <a:extLst>
+            <a:ext uri="{909E8E84-426E-40DD-AFC4-6F175D3DCCD1}">
+              <a14:hiddenFill xmlns:a14="http://schemas.microsoft.com/office/drawing/2010/main">
+                <a:solidFill>
+                  <a:srgbClr val="FFFFFF"/>
+                </a:solidFill>
+              </a14:hiddenFill>
+            </a:ext>
+          </a:extLst>
+        </p:spPr>
+      </p:pic>
+      <p:sp>
+        <p:nvSpPr>
+          <p:cNvPr id="27" name="矢印: 右 26">
+            <a:extLst>
+              <a:ext uri="{FF2B5EF4-FFF2-40B4-BE49-F238E27FC236}">
+                <a16:creationId xmlns:a16="http://schemas.microsoft.com/office/drawing/2014/main" id="{1E62D0D8-D1D5-42FE-A0D4-CAEF378FBEAB}"/>
+              </a:ext>
+            </a:extLst>
+          </p:cNvPr>
+          <p:cNvSpPr/>
+          <p:nvPr/>
+        </p:nvSpPr>
+        <p:spPr>
+          <a:xfrm rot="8100000">
+            <a:off x="3918790" y="4639453"/>
+            <a:ext cx="539552" cy="412624"/>
+          </a:xfrm>
+          <a:prstGeom prst="rightArrow">
+            <a:avLst/>
+          </a:prstGeom>
+          <a:solidFill>
+            <a:srgbClr val="FF0000"/>
+          </a:solidFill>
+          <a:ln>
+            <a:solidFill>
+              <a:schemeClr val="tx1"/>
+            </a:solidFill>
+          </a:ln>
+        </p:spPr>
+        <p:style>
+          <a:lnRef idx="2">
+            <a:schemeClr val="accent1">
+              <a:shade val="50000"/>
+            </a:schemeClr>
+          </a:lnRef>
+          <a:fillRef idx="1">
+            <a:schemeClr val="accent1"/>
+          </a:fillRef>
+          <a:effectRef idx="0">
+            <a:schemeClr val="accent1"/>
+          </a:effectRef>
+          <a:fontRef idx="minor">
+            <a:schemeClr val="lt1"/>
+          </a:fontRef>
+        </p:style>
+        <p:txBody>
+          <a:bodyPr rtlCol="0" anchor="ctr"/>
+          <a:lstStyle/>
+          <a:p>
+            <a:pPr algn="ctr"/>
+            <a:endParaRPr kumimoji="1" lang="en-US"/>
+          </a:p>
+        </p:txBody>
+      </p:sp>
+      <p:sp>
+        <p:nvSpPr>
+          <p:cNvPr id="28" name="テキスト ボックス 27">
+            <a:extLst>
+              <a:ext uri="{FF2B5EF4-FFF2-40B4-BE49-F238E27FC236}">
+                <a16:creationId xmlns:a16="http://schemas.microsoft.com/office/drawing/2014/main" id="{13AC9E05-0B7A-4BC0-A6D2-F1A3575FCDBC}"/>
+              </a:ext>
+            </a:extLst>
+          </p:cNvPr>
+          <p:cNvSpPr txBox="1"/>
+          <p:nvPr/>
+        </p:nvSpPr>
+        <p:spPr>
+          <a:xfrm>
+            <a:off x="251520" y="2132856"/>
+            <a:ext cx="5256584" cy="461665"/>
+          </a:xfrm>
+          <a:prstGeom prst="rect">
+            <a:avLst/>
+          </a:prstGeom>
+          <a:noFill/>
+          <a:ln>
+            <a:solidFill>
+              <a:schemeClr val="tx1"/>
+            </a:solidFill>
+          </a:ln>
+        </p:spPr>
+        <p:txBody>
+          <a:bodyPr wrap="square">
+            <a:spAutoFit/>
+          </a:bodyPr>
+          <a:lstStyle/>
+          <a:p>
+            <a:r>
+              <a:rPr lang="en-US" sz="2400">
+                <a:solidFill>
+                  <a:prstClr val="black"/>
+                </a:solidFill>
+                <a:latin typeface="Lucida Console" panose="020B0609040504020204" pitchFamily="49" charset="0"/>
+              </a:rPr>
+              <a:t>$ rm –r dir1</a:t>
+            </a:r>
+          </a:p>
+        </p:txBody>
+      </p:sp>
+      <p:sp>
+        <p:nvSpPr>
+          <p:cNvPr id="26" name="テキスト ボックス 25">
+            <a:extLst>
+              <a:ext uri="{FF2B5EF4-FFF2-40B4-BE49-F238E27FC236}">
+                <a16:creationId xmlns:a16="http://schemas.microsoft.com/office/drawing/2014/main" id="{03F9AECB-B134-4841-9194-B7F89D44A70B}"/>
+              </a:ext>
+            </a:extLst>
+          </p:cNvPr>
+          <p:cNvSpPr txBox="1"/>
+          <p:nvPr/>
+        </p:nvSpPr>
+        <p:spPr>
+          <a:xfrm>
+            <a:off x="251520" y="6309320"/>
+            <a:ext cx="8161209" cy="369332"/>
+          </a:xfrm>
+          <a:prstGeom prst="rect">
+            <a:avLst/>
+          </a:prstGeom>
+          <a:noFill/>
+        </p:spPr>
+        <p:txBody>
+          <a:bodyPr wrap="none" rtlCol="0">
+            <a:spAutoFit/>
+          </a:bodyPr>
+          <a:lstStyle/>
+          <a:p>
+            <a:r>
+              <a:rPr lang="en-US" altLang="ja-JP"/>
+              <a:t>※ </a:t>
+            </a:r>
+            <a:r>
+              <a:rPr lang="ja-JP" altLang="en-US"/>
+              <a:t>問答無用で中身ごと削除するので注意。</a:t>
+            </a:r>
+            <a:r>
+              <a:rPr lang="en-US" altLang="ja-JP"/>
+              <a:t>-i</a:t>
+            </a:r>
+            <a:r>
+              <a:rPr lang="ja-JP" altLang="en-US"/>
+              <a:t>オプションを付けると確認する</a:t>
+            </a:r>
+            <a:endParaRPr lang="en-US"/>
+          </a:p>
+        </p:txBody>
+      </p:sp>
+    </p:spTree>
+    <p:extLst>
+      <p:ext uri="{BB962C8B-B14F-4D97-AF65-F5344CB8AC3E}">
+        <p14:creationId xmlns:p14="http://schemas.microsoft.com/office/powerpoint/2010/main" val="70770471"/>
+      </p:ext>
+    </p:extLst>
+  </p:cSld>
+  <p:clrMapOvr>
+    <a:masterClrMapping/>
+  </p:clrMapOvr>
+</p:sld>
+</file>
+
+<file path=ppt/slides/slide26.xml><?xml version="1.0" encoding="utf-8"?>
+<p:sld xmlns:a="http://schemas.openxmlformats.org/drawingml/2006/main" xmlns:r="http://schemas.openxmlformats.org/officeDocument/2006/relationships" xmlns:p="http://schemas.openxmlformats.org/presentationml/2006/main">
+  <p:cSld>
+    <p:spTree>
+      <p:nvGrpSpPr>
+        <p:cNvPr id="1" name=""/>
+        <p:cNvGrpSpPr/>
+        <p:nvPr/>
+      </p:nvGrpSpPr>
+      <p:grpSpPr>
+        <a:xfrm>
+          <a:off x="0" y="0"/>
+          <a:ext cx="0" cy="0"/>
+          <a:chOff x="0" y="0"/>
+          <a:chExt cx="0" cy="0"/>
+        </a:xfrm>
+      </p:grpSpPr>
+      <p:sp>
+        <p:nvSpPr>
+          <p:cNvPr id="2" name="テキスト プレースホルダー 1">
+            <a:extLst>
+              <a:ext uri="{FF2B5EF4-FFF2-40B4-BE49-F238E27FC236}">
+                <a16:creationId xmlns:a16="http://schemas.microsoft.com/office/drawing/2014/main" id="{8B915941-7948-4535-B976-01BED15BC7C4}"/>
+              </a:ext>
+            </a:extLst>
+          </p:cNvPr>
+          <p:cNvSpPr>
+            <a:spLocks noGrp="1"/>
+          </p:cNvSpPr>
+          <p:nvPr>
+            <p:ph type="body" sz="quarter" idx="10"/>
+          </p:nvPr>
+        </p:nvSpPr>
+        <p:spPr/>
+        <p:txBody>
+          <a:bodyPr/>
+          <a:lstStyle/>
+          <a:p>
+            <a:r>
+              <a:rPr lang="en-US"/>
+              <a:t>cat</a:t>
+            </a:r>
+            <a:r>
+              <a:rPr lang="ja-JP" altLang="en-US"/>
+              <a:t>と</a:t>
+            </a:r>
+            <a:r>
+              <a:rPr lang="en-US"/>
+              <a:t>echo</a:t>
+            </a:r>
+          </a:p>
+        </p:txBody>
+      </p:sp>
+      <p:sp>
+        <p:nvSpPr>
+          <p:cNvPr id="3" name="テキスト ボックス 2">
+            <a:extLst>
+              <a:ext uri="{FF2B5EF4-FFF2-40B4-BE49-F238E27FC236}">
+                <a16:creationId xmlns:a16="http://schemas.microsoft.com/office/drawing/2014/main" id="{995C71A0-62BF-4D2C-AA35-7B5A1106CCE8}"/>
+              </a:ext>
+            </a:extLst>
+          </p:cNvPr>
+          <p:cNvSpPr txBox="1"/>
+          <p:nvPr/>
+        </p:nvSpPr>
+        <p:spPr>
+          <a:xfrm>
+            <a:off x="467544" y="980728"/>
+            <a:ext cx="3916457" cy="769441"/>
+          </a:xfrm>
+          <a:prstGeom prst="rect">
+            <a:avLst/>
+          </a:prstGeom>
+          <a:noFill/>
+        </p:spPr>
+        <p:txBody>
+          <a:bodyPr wrap="none" rtlCol="0">
+            <a:spAutoFit/>
+          </a:bodyPr>
+          <a:lstStyle/>
+          <a:p>
+            <a:r>
+              <a:rPr lang="en-US" sz="4400"/>
+              <a:t>cat </a:t>
+            </a:r>
+            <a:r>
+              <a:rPr lang="ja-JP" altLang="en-US" sz="4400"/>
+              <a:t>ファイル名</a:t>
+            </a:r>
+            <a:endParaRPr lang="en-US" sz="4400"/>
+          </a:p>
+        </p:txBody>
+      </p:sp>
+      <p:sp>
+        <p:nvSpPr>
+          <p:cNvPr id="4" name="テキスト ボックス 3">
+            <a:extLst>
+              <a:ext uri="{FF2B5EF4-FFF2-40B4-BE49-F238E27FC236}">
+                <a16:creationId xmlns:a16="http://schemas.microsoft.com/office/drawing/2014/main" id="{DF9FBE83-B8A6-4718-A119-B14B40F868A2}"/>
+              </a:ext>
+            </a:extLst>
+          </p:cNvPr>
+          <p:cNvSpPr txBox="1"/>
+          <p:nvPr/>
+        </p:nvSpPr>
+        <p:spPr>
+          <a:xfrm>
+            <a:off x="1043608" y="1844824"/>
+            <a:ext cx="4493538" cy="523220"/>
+          </a:xfrm>
+          <a:prstGeom prst="rect">
+            <a:avLst/>
+          </a:prstGeom>
+          <a:noFill/>
+        </p:spPr>
+        <p:txBody>
+          <a:bodyPr wrap="none" rtlCol="0">
+            <a:spAutoFit/>
+          </a:bodyPr>
+          <a:lstStyle/>
+          <a:p>
+            <a:r>
+              <a:rPr lang="ja-JP" altLang="en-US" sz="2800"/>
+              <a:t>ファイルの中身を表示する</a:t>
+            </a:r>
+            <a:endParaRPr lang="en-US" sz="2800"/>
+          </a:p>
+        </p:txBody>
+      </p:sp>
+      <p:sp>
+        <p:nvSpPr>
+          <p:cNvPr id="5" name="テキスト ボックス 4">
+            <a:extLst>
+              <a:ext uri="{FF2B5EF4-FFF2-40B4-BE49-F238E27FC236}">
+                <a16:creationId xmlns:a16="http://schemas.microsoft.com/office/drawing/2014/main" id="{123EFBF2-B050-400F-AD1A-C4E0481AF522}"/>
+              </a:ext>
+            </a:extLst>
+          </p:cNvPr>
+          <p:cNvSpPr txBox="1"/>
+          <p:nvPr/>
+        </p:nvSpPr>
+        <p:spPr>
+          <a:xfrm>
+            <a:off x="467544" y="2420888"/>
+            <a:ext cx="4387740" cy="769441"/>
+          </a:xfrm>
+          <a:prstGeom prst="rect">
+            <a:avLst/>
+          </a:prstGeom>
+          <a:noFill/>
+        </p:spPr>
+        <p:txBody>
+          <a:bodyPr wrap="none" rtlCol="0">
+            <a:spAutoFit/>
+          </a:bodyPr>
+          <a:lstStyle/>
+          <a:p>
+            <a:r>
+              <a:rPr lang="en-US" sz="4400"/>
+              <a:t>echo </a:t>
+            </a:r>
+            <a:r>
+              <a:rPr lang="ja-JP" altLang="en-US" sz="4400"/>
+              <a:t>メッセージ</a:t>
+            </a:r>
+            <a:endParaRPr lang="en-US" sz="4400"/>
+          </a:p>
+        </p:txBody>
+      </p:sp>
+      <p:sp>
+        <p:nvSpPr>
+          <p:cNvPr id="6" name="テキスト ボックス 5">
+            <a:extLst>
+              <a:ext uri="{FF2B5EF4-FFF2-40B4-BE49-F238E27FC236}">
+                <a16:creationId xmlns:a16="http://schemas.microsoft.com/office/drawing/2014/main" id="{59CE5A0F-885A-47C9-8412-CFD92D394FA2}"/>
+              </a:ext>
+            </a:extLst>
+          </p:cNvPr>
+          <p:cNvSpPr txBox="1"/>
+          <p:nvPr/>
+        </p:nvSpPr>
+        <p:spPr>
+          <a:xfrm>
+            <a:off x="827584" y="3501008"/>
+            <a:ext cx="3775393" cy="523220"/>
+          </a:xfrm>
+          <a:prstGeom prst="rect">
+            <a:avLst/>
+          </a:prstGeom>
+          <a:noFill/>
+        </p:spPr>
+        <p:txBody>
+          <a:bodyPr wrap="none" rtlCol="0">
+            <a:spAutoFit/>
+          </a:bodyPr>
+          <a:lstStyle/>
+          <a:p>
+            <a:r>
+              <a:rPr lang="ja-JP" altLang="en-US" sz="2800"/>
+              <a:t>メッセージを表示する</a:t>
+            </a:r>
+            <a:endParaRPr lang="en-US" sz="2800"/>
+          </a:p>
+        </p:txBody>
+      </p:sp>
+      <p:sp>
+        <p:nvSpPr>
+          <p:cNvPr id="7" name="テキスト ボックス 6">
+            <a:extLst>
+              <a:ext uri="{FF2B5EF4-FFF2-40B4-BE49-F238E27FC236}">
+                <a16:creationId xmlns:a16="http://schemas.microsoft.com/office/drawing/2014/main" id="{F2700FFB-E28C-49E5-9BAF-399FB8F2EEE1}"/>
+              </a:ext>
+            </a:extLst>
+          </p:cNvPr>
+          <p:cNvSpPr txBox="1"/>
+          <p:nvPr/>
+        </p:nvSpPr>
+        <p:spPr>
+          <a:xfrm>
+            <a:off x="971600" y="5445224"/>
+            <a:ext cx="5537093" cy="646331"/>
+          </a:xfrm>
+          <a:prstGeom prst="rect">
+            <a:avLst/>
+          </a:prstGeom>
+          <a:noFill/>
+        </p:spPr>
+        <p:txBody>
+          <a:bodyPr wrap="none" rtlCol="0">
+            <a:spAutoFit/>
+          </a:bodyPr>
+          <a:lstStyle/>
+          <a:p>
+            <a:r>
+              <a:rPr lang="en-US" sz="3600"/>
+              <a:t>echo </a:t>
+            </a:r>
+            <a:r>
+              <a:rPr lang="ja-JP" altLang="en-US" sz="2400"/>
+              <a:t>メッセージ</a:t>
+            </a:r>
+            <a:r>
+              <a:rPr lang="ja-JP" altLang="en-US" sz="3600"/>
+              <a:t> </a:t>
+            </a:r>
+            <a:r>
+              <a:rPr lang="en-US" altLang="ja-JP" sz="3600"/>
+              <a:t>| </a:t>
+            </a:r>
+            <a:r>
+              <a:rPr lang="ja-JP" altLang="en-US" sz="3600"/>
+              <a:t>プログラム</a:t>
+            </a:r>
+            <a:endParaRPr lang="en-US" sz="3600"/>
+          </a:p>
+        </p:txBody>
+      </p:sp>
+      <p:sp>
+        <p:nvSpPr>
+          <p:cNvPr id="8" name="テキスト ボックス 7">
+            <a:extLst>
+              <a:ext uri="{FF2B5EF4-FFF2-40B4-BE49-F238E27FC236}">
+                <a16:creationId xmlns:a16="http://schemas.microsoft.com/office/drawing/2014/main" id="{B6B3E0C7-AD8E-41D6-A046-543A698C7760}"/>
+              </a:ext>
+            </a:extLst>
+          </p:cNvPr>
+          <p:cNvSpPr txBox="1"/>
+          <p:nvPr/>
+        </p:nvSpPr>
+        <p:spPr>
+          <a:xfrm>
+            <a:off x="1475656" y="4797152"/>
+            <a:ext cx="6647974" cy="523220"/>
+          </a:xfrm>
+          <a:prstGeom prst="rect">
+            <a:avLst/>
+          </a:prstGeom>
+          <a:noFill/>
+        </p:spPr>
+        <p:txBody>
+          <a:bodyPr wrap="none" rtlCol="0">
+            <a:spAutoFit/>
+          </a:bodyPr>
+          <a:lstStyle/>
+          <a:p>
+            <a:r>
+              <a:rPr lang="ja-JP" altLang="en-US" sz="2800"/>
+              <a:t>メッセージを中身とするファイルを作成</a:t>
+            </a:r>
+            <a:endParaRPr lang="en-US" sz="2800"/>
+          </a:p>
+        </p:txBody>
+      </p:sp>
+      <p:sp>
+        <p:nvSpPr>
+          <p:cNvPr id="9" name="テキスト ボックス 8">
+            <a:extLst>
+              <a:ext uri="{FF2B5EF4-FFF2-40B4-BE49-F238E27FC236}">
+                <a16:creationId xmlns:a16="http://schemas.microsoft.com/office/drawing/2014/main" id="{800DE304-76C7-4316-957D-EB83A526829E}"/>
+              </a:ext>
+            </a:extLst>
+          </p:cNvPr>
+          <p:cNvSpPr txBox="1"/>
+          <p:nvPr/>
+        </p:nvSpPr>
+        <p:spPr>
+          <a:xfrm>
+            <a:off x="971600" y="4149080"/>
+            <a:ext cx="5686172" cy="646331"/>
+          </a:xfrm>
+          <a:prstGeom prst="rect">
+            <a:avLst/>
+          </a:prstGeom>
+          <a:noFill/>
+        </p:spPr>
+        <p:txBody>
+          <a:bodyPr wrap="none" rtlCol="0">
+            <a:spAutoFit/>
+          </a:bodyPr>
+          <a:lstStyle/>
+          <a:p>
+            <a:r>
+              <a:rPr lang="en-US" sz="3600"/>
+              <a:t>echo </a:t>
+            </a:r>
+            <a:r>
+              <a:rPr lang="ja-JP" altLang="en-US" sz="2400"/>
+              <a:t>メッセージ</a:t>
+            </a:r>
+            <a:r>
+              <a:rPr lang="ja-JP" altLang="en-US" sz="3600"/>
+              <a:t> </a:t>
+            </a:r>
+            <a:r>
+              <a:rPr lang="en-US" altLang="ja-JP" sz="3600"/>
+              <a:t>&gt; </a:t>
+            </a:r>
+            <a:r>
+              <a:rPr lang="ja-JP" altLang="en-US" sz="3600"/>
+              <a:t>ファイル名</a:t>
+            </a:r>
+            <a:endParaRPr lang="en-US" sz="3600"/>
+          </a:p>
+        </p:txBody>
+      </p:sp>
+      <p:sp>
+        <p:nvSpPr>
+          <p:cNvPr id="10" name="テキスト ボックス 9">
+            <a:extLst>
+              <a:ext uri="{FF2B5EF4-FFF2-40B4-BE49-F238E27FC236}">
+                <a16:creationId xmlns:a16="http://schemas.microsoft.com/office/drawing/2014/main" id="{5EA9C222-6673-4ECF-B9FE-5DEDC72461E6}"/>
+              </a:ext>
+            </a:extLst>
+          </p:cNvPr>
+          <p:cNvSpPr txBox="1"/>
+          <p:nvPr/>
+        </p:nvSpPr>
+        <p:spPr>
+          <a:xfrm>
+            <a:off x="1547664" y="6093296"/>
+            <a:ext cx="7007046" cy="523220"/>
+          </a:xfrm>
+          <a:prstGeom prst="rect">
+            <a:avLst/>
+          </a:prstGeom>
+          <a:noFill/>
+        </p:spPr>
+        <p:txBody>
+          <a:bodyPr wrap="none" rtlCol="0">
+            <a:spAutoFit/>
+          </a:bodyPr>
+          <a:lstStyle/>
+          <a:p>
+            <a:r>
+              <a:rPr lang="ja-JP" altLang="en-US" sz="2800"/>
+              <a:t>メッセージをプログラムの入力として実行</a:t>
+            </a:r>
+            <a:endParaRPr lang="en-US" sz="2800"/>
+          </a:p>
+        </p:txBody>
+      </p:sp>
+    </p:spTree>
+    <p:extLst>
+      <p:ext uri="{BB962C8B-B14F-4D97-AF65-F5344CB8AC3E}">
+        <p14:creationId xmlns:p14="http://schemas.microsoft.com/office/powerpoint/2010/main" val="1304321930"/>
+      </p:ext>
+    </p:extLst>
+  </p:cSld>
+  <p:clrMapOvr>
+    <a:masterClrMapping/>
+  </p:clrMapOvr>
+</p:sld>
+</file>
+
+<file path=ppt/slides/slide27.xml><?xml version="1.0" encoding="utf-8"?>
+<p:sld xmlns:a="http://schemas.openxmlformats.org/drawingml/2006/main" xmlns:r="http://schemas.openxmlformats.org/officeDocument/2006/relationships" xmlns:p="http://schemas.openxmlformats.org/presentationml/2006/main">
+  <p:cSld>
+    <p:spTree>
+      <p:nvGrpSpPr>
+        <p:cNvPr id="1" name=""/>
+        <p:cNvGrpSpPr/>
+        <p:nvPr/>
+      </p:nvGrpSpPr>
+      <p:grpSpPr>
+        <a:xfrm>
+          <a:off x="0" y="0"/>
+          <a:ext cx="0" cy="0"/>
+          <a:chOff x="0" y="0"/>
+          <a:chExt cx="0" cy="0"/>
+        </a:xfrm>
+      </p:grpSpPr>
+      <p:sp>
+        <p:nvSpPr>
+          <p:cNvPr id="2" name="テキスト プレースホルダー 1">
+            <a:extLst>
+              <a:ext uri="{FF2B5EF4-FFF2-40B4-BE49-F238E27FC236}">
+                <a16:creationId xmlns:a16="http://schemas.microsoft.com/office/drawing/2014/main" id="{1189563E-9994-41E9-A955-A08EE61067D5}"/>
+              </a:ext>
+            </a:extLst>
+          </p:cNvPr>
+          <p:cNvSpPr>
+            <a:spLocks noGrp="1"/>
+          </p:cNvSpPr>
+          <p:nvPr>
+            <p:ph type="body" sz="quarter" idx="10"/>
+          </p:nvPr>
+        </p:nvSpPr>
+        <p:spPr/>
+        <p:txBody>
+          <a:bodyPr/>
+          <a:lstStyle/>
+          <a:p>
+            <a:r>
+              <a:rPr lang="en-US"/>
+              <a:t>Vim</a:t>
+            </a:r>
+          </a:p>
+        </p:txBody>
+      </p:sp>
+      <p:sp>
+        <p:nvSpPr>
+          <p:cNvPr id="3" name="テキスト ボックス 2">
+            <a:extLst>
+              <a:ext uri="{FF2B5EF4-FFF2-40B4-BE49-F238E27FC236}">
+                <a16:creationId xmlns:a16="http://schemas.microsoft.com/office/drawing/2014/main" id="{F9BD616F-7FB0-4383-B8AB-46BF3815E504}"/>
+              </a:ext>
+            </a:extLst>
+          </p:cNvPr>
+          <p:cNvSpPr txBox="1"/>
+          <p:nvPr/>
+        </p:nvSpPr>
+        <p:spPr>
+          <a:xfrm>
+            <a:off x="323528" y="989335"/>
+            <a:ext cx="8424936" cy="2062103"/>
+          </a:xfrm>
+          <a:prstGeom prst="rect">
+            <a:avLst/>
+          </a:prstGeom>
+          <a:noFill/>
+        </p:spPr>
+        <p:txBody>
+          <a:bodyPr wrap="square" rtlCol="0">
+            <a:spAutoFit/>
+          </a:bodyPr>
+          <a:lstStyle/>
+          <a:p>
+            <a:r>
+              <a:rPr lang="en-US" altLang="ja-JP" sz="3200"/>
+              <a:t>Vim (</a:t>
+            </a:r>
+            <a:r>
+              <a:rPr lang="ja-JP" altLang="en-US" sz="3200"/>
+              <a:t>ヴィム</a:t>
+            </a:r>
+            <a:r>
+              <a:rPr lang="en-US" altLang="ja-JP" sz="3200"/>
+              <a:t>)</a:t>
+            </a:r>
+          </a:p>
+          <a:p>
+            <a:r>
+              <a:rPr lang="ja-JP" altLang="en-US" sz="3200"/>
+              <a:t>多くの環境で</a:t>
+            </a:r>
+            <a:r>
+              <a:rPr lang="en-US" altLang="ja-JP" sz="3200"/>
+              <a:t>Git</a:t>
+            </a:r>
+            <a:r>
+              <a:rPr lang="ja-JP" altLang="en-US" sz="3200"/>
+              <a:t>のデフォルトエディタ</a:t>
+            </a:r>
+            <a:endParaRPr lang="en-US" altLang="ja-JP" sz="3200"/>
+          </a:p>
+          <a:p>
+            <a:r>
+              <a:rPr lang="ja-JP" altLang="en-US" sz="3200"/>
+              <a:t>モードという概念がある</a:t>
+            </a:r>
+            <a:endParaRPr lang="en-US" altLang="ja-JP" sz="3200"/>
+          </a:p>
+          <a:p>
+            <a:r>
+              <a:rPr lang="ja-JP" altLang="en-US" sz="3200"/>
+              <a:t>とっつきにくいが慣れると使いやすい</a:t>
+            </a:r>
+            <a:endParaRPr lang="en-US" altLang="ja-JP" sz="3200"/>
+          </a:p>
+        </p:txBody>
+      </p:sp>
+      <p:pic>
+        <p:nvPicPr>
+          <p:cNvPr id="2050" name="Picture 2" descr="vim">
+            <a:extLst>
+              <a:ext uri="{FF2B5EF4-FFF2-40B4-BE49-F238E27FC236}">
+                <a16:creationId xmlns:a16="http://schemas.microsoft.com/office/drawing/2014/main" id="{1B3329A6-1495-438F-ACAC-ABF87687A5E2}"/>
+              </a:ext>
+            </a:extLst>
+          </p:cNvPr>
+          <p:cNvPicPr>
+            <a:picLocks noChangeAspect="1" noChangeArrowheads="1"/>
+          </p:cNvPicPr>
+          <p:nvPr/>
+        </p:nvPicPr>
+        <p:blipFill>
+          <a:blip r:embed="rId2">
+            <a:extLst>
+              <a:ext uri="{28A0092B-C50C-407E-A947-70E740481C1C}">
+                <a14:useLocalDpi xmlns:a14="http://schemas.microsoft.com/office/drawing/2010/main" val="0"/>
+              </a:ext>
+            </a:extLst>
+          </a:blip>
+          <a:srcRect/>
+          <a:stretch>
+            <a:fillRect/>
+          </a:stretch>
+        </p:blipFill>
+        <p:spPr bwMode="auto">
+          <a:xfrm>
+            <a:off x="1259632" y="3356992"/>
+            <a:ext cx="5940152" cy="3284615"/>
+          </a:xfrm>
+          <a:prstGeom prst="rect">
+            <a:avLst/>
+          </a:prstGeom>
+          <a:noFill/>
+          <a:extLst>
+            <a:ext uri="{909E8E84-426E-40DD-AFC4-6F175D3DCCD1}">
+              <a14:hiddenFill xmlns:a14="http://schemas.microsoft.com/office/drawing/2010/main">
+                <a:solidFill>
+                  <a:srgbClr val="FFFFFF"/>
+                </a:solidFill>
+              </a14:hiddenFill>
+            </a:ext>
+          </a:extLst>
+        </p:spPr>
+      </p:pic>
+    </p:spTree>
+    <p:extLst>
+      <p:ext uri="{BB962C8B-B14F-4D97-AF65-F5344CB8AC3E}">
+        <p14:creationId xmlns:p14="http://schemas.microsoft.com/office/powerpoint/2010/main" val="1087512925"/>
+      </p:ext>
+    </p:extLst>
+  </p:cSld>
+  <p:clrMapOvr>
+    <a:masterClrMapping/>
+  </p:clrMapOvr>
+</p:sld>
+</file>
+
+<file path=ppt/slides/slide28.xml><?xml version="1.0" encoding="utf-8"?>
+<p:sld xmlns:a="http://schemas.openxmlformats.org/drawingml/2006/main" xmlns:r="http://schemas.openxmlformats.org/officeDocument/2006/relationships" xmlns:p="http://schemas.openxmlformats.org/presentationml/2006/main">
+  <p:cSld>
+    <p:spTree>
+      <p:nvGrpSpPr>
+        <p:cNvPr id="1" name=""/>
+        <p:cNvGrpSpPr/>
+        <p:nvPr/>
+      </p:nvGrpSpPr>
+      <p:grpSpPr>
+        <a:xfrm>
+          <a:off x="0" y="0"/>
+          <a:ext cx="0" cy="0"/>
+          <a:chOff x="0" y="0"/>
+          <a:chExt cx="0" cy="0"/>
+        </a:xfrm>
+      </p:grpSpPr>
+      <p:sp>
+        <p:nvSpPr>
+          <p:cNvPr id="2" name="テキスト プレースホルダー 1">
+            <a:extLst>
+              <a:ext uri="{FF2B5EF4-FFF2-40B4-BE49-F238E27FC236}">
+                <a16:creationId xmlns:a16="http://schemas.microsoft.com/office/drawing/2014/main" id="{BE0078CE-BBA4-4446-8FE4-CFC1D9159F97}"/>
+              </a:ext>
+            </a:extLst>
+          </p:cNvPr>
+          <p:cNvSpPr>
+            <a:spLocks noGrp="1"/>
+          </p:cNvSpPr>
+          <p:nvPr>
+            <p:ph type="body" sz="quarter" idx="10"/>
+          </p:nvPr>
+        </p:nvSpPr>
+        <p:spPr/>
+        <p:txBody>
+          <a:bodyPr/>
+          <a:lstStyle/>
+          <a:p>
+            <a:r>
+              <a:rPr lang="en-US"/>
+              <a:t>Vim</a:t>
+            </a:r>
+            <a:r>
+              <a:rPr lang="ja-JP" altLang="en-US"/>
+              <a:t>のモード</a:t>
+            </a:r>
+            <a:endParaRPr lang="en-US"/>
+          </a:p>
+        </p:txBody>
+      </p:sp>
+      <p:sp>
+        <p:nvSpPr>
+          <p:cNvPr id="3" name="四角形: 角を丸くする 2">
+            <a:extLst>
+              <a:ext uri="{FF2B5EF4-FFF2-40B4-BE49-F238E27FC236}">
+                <a16:creationId xmlns:a16="http://schemas.microsoft.com/office/drawing/2014/main" id="{9B25F49C-A7D7-41F6-97B2-0B6AE54C2EEF}"/>
+              </a:ext>
+            </a:extLst>
+          </p:cNvPr>
+          <p:cNvSpPr/>
+          <p:nvPr/>
+        </p:nvSpPr>
+        <p:spPr>
+          <a:xfrm>
+            <a:off x="3533931" y="3933056"/>
+            <a:ext cx="1938677" cy="720080"/>
+          </a:xfrm>
+          <a:prstGeom prst="roundRect">
+            <a:avLst/>
+          </a:prstGeom>
+          <a:noFill/>
+          <a:ln>
+            <a:solidFill>
+              <a:schemeClr val="tx1"/>
+            </a:solidFill>
+          </a:ln>
+        </p:spPr>
+        <p:style>
+          <a:lnRef idx="2">
+            <a:schemeClr val="accent1">
+              <a:shade val="50000"/>
+            </a:schemeClr>
+          </a:lnRef>
+          <a:fillRef idx="1">
+            <a:schemeClr val="accent1"/>
+          </a:fillRef>
+          <a:effectRef idx="0">
+            <a:schemeClr val="accent1"/>
+          </a:effectRef>
+          <a:fontRef idx="minor">
+            <a:schemeClr val="lt1"/>
+          </a:fontRef>
+        </p:style>
+        <p:txBody>
+          <a:bodyPr rtlCol="0" anchor="ctr"/>
+          <a:lstStyle/>
+          <a:p>
+            <a:pPr algn="ctr"/>
+            <a:r>
+              <a:rPr kumimoji="1" lang="ja-JP" altLang="en-US">
+                <a:solidFill>
+                  <a:sysClr val="windowText" lastClr="000000"/>
+                </a:solidFill>
+              </a:rPr>
+              <a:t>ノーマル</a:t>
+            </a:r>
+            <a:endParaRPr kumimoji="1" lang="en-US" altLang="ja-JP">
+              <a:solidFill>
+                <a:sysClr val="windowText" lastClr="000000"/>
+              </a:solidFill>
+            </a:endParaRPr>
+          </a:p>
+          <a:p>
+            <a:pPr algn="ctr"/>
+            <a:r>
+              <a:rPr kumimoji="1" lang="ja-JP" altLang="en-US">
+                <a:solidFill>
+                  <a:sysClr val="windowText" lastClr="000000"/>
+                </a:solidFill>
+              </a:rPr>
+              <a:t>モード</a:t>
+            </a:r>
+            <a:endParaRPr kumimoji="1" lang="en-US">
+              <a:solidFill>
+                <a:sysClr val="windowText" lastClr="000000"/>
+              </a:solidFill>
+            </a:endParaRPr>
+          </a:p>
+        </p:txBody>
+      </p:sp>
+      <p:sp>
+        <p:nvSpPr>
+          <p:cNvPr id="4" name="四角形: 角を丸くする 3">
+            <a:extLst>
+              <a:ext uri="{FF2B5EF4-FFF2-40B4-BE49-F238E27FC236}">
+                <a16:creationId xmlns:a16="http://schemas.microsoft.com/office/drawing/2014/main" id="{9EDB53D2-E866-4549-BA0B-5CC57F12F259}"/>
+              </a:ext>
+            </a:extLst>
+          </p:cNvPr>
+          <p:cNvSpPr/>
+          <p:nvPr/>
+        </p:nvSpPr>
+        <p:spPr>
+          <a:xfrm>
+            <a:off x="3533931" y="1700808"/>
+            <a:ext cx="1938677" cy="720080"/>
+          </a:xfrm>
+          <a:prstGeom prst="roundRect">
+            <a:avLst/>
+          </a:prstGeom>
+          <a:noFill/>
+          <a:ln>
+            <a:solidFill>
+              <a:schemeClr val="tx1"/>
+            </a:solidFill>
+          </a:ln>
+        </p:spPr>
+        <p:style>
+          <a:lnRef idx="2">
+            <a:schemeClr val="accent1">
+              <a:shade val="50000"/>
+            </a:schemeClr>
+          </a:lnRef>
+          <a:fillRef idx="1">
+            <a:schemeClr val="accent1"/>
+          </a:fillRef>
+          <a:effectRef idx="0">
+            <a:schemeClr val="accent1"/>
+          </a:effectRef>
+          <a:fontRef idx="minor">
+            <a:schemeClr val="lt1"/>
+          </a:fontRef>
+        </p:style>
+        <p:txBody>
+          <a:bodyPr rtlCol="0" anchor="ctr"/>
+          <a:lstStyle/>
+          <a:p>
+            <a:pPr algn="ctr"/>
+            <a:r>
+              <a:rPr lang="ja-JP" altLang="en-US">
+                <a:solidFill>
+                  <a:sysClr val="windowText" lastClr="000000"/>
+                </a:solidFill>
+              </a:rPr>
+              <a:t>インサート</a:t>
+            </a:r>
+            <a:endParaRPr lang="en-US" altLang="ja-JP">
+              <a:solidFill>
+                <a:sysClr val="windowText" lastClr="000000"/>
+              </a:solidFill>
+            </a:endParaRPr>
+          </a:p>
+          <a:p>
+            <a:pPr algn="ctr"/>
+            <a:r>
+              <a:rPr kumimoji="1" lang="ja-JP" altLang="en-US">
+                <a:solidFill>
+                  <a:sysClr val="windowText" lastClr="000000"/>
+                </a:solidFill>
+              </a:rPr>
+              <a:t>モード</a:t>
+            </a:r>
+            <a:endParaRPr kumimoji="1" lang="en-US">
+              <a:solidFill>
+                <a:sysClr val="windowText" lastClr="000000"/>
+              </a:solidFill>
+            </a:endParaRPr>
+          </a:p>
+        </p:txBody>
+      </p:sp>
+      <p:sp>
+        <p:nvSpPr>
+          <p:cNvPr id="5" name="四角形: 角を丸くする 4">
+            <a:extLst>
+              <a:ext uri="{FF2B5EF4-FFF2-40B4-BE49-F238E27FC236}">
+                <a16:creationId xmlns:a16="http://schemas.microsoft.com/office/drawing/2014/main" id="{07CE0E17-3970-4C14-B206-6A9BA5074723}"/>
+              </a:ext>
+            </a:extLst>
+          </p:cNvPr>
+          <p:cNvSpPr/>
+          <p:nvPr/>
+        </p:nvSpPr>
+        <p:spPr>
+          <a:xfrm>
+            <a:off x="6737779" y="3933056"/>
+            <a:ext cx="1938677" cy="720080"/>
+          </a:xfrm>
+          <a:prstGeom prst="roundRect">
+            <a:avLst/>
+          </a:prstGeom>
+          <a:noFill/>
+          <a:ln>
+            <a:solidFill>
+              <a:schemeClr val="tx1"/>
+            </a:solidFill>
+          </a:ln>
+        </p:spPr>
+        <p:style>
+          <a:lnRef idx="2">
+            <a:schemeClr val="accent1">
+              <a:shade val="50000"/>
+            </a:schemeClr>
+          </a:lnRef>
+          <a:fillRef idx="1">
+            <a:schemeClr val="accent1"/>
+          </a:fillRef>
+          <a:effectRef idx="0">
+            <a:schemeClr val="accent1"/>
+          </a:effectRef>
+          <a:fontRef idx="minor">
+            <a:schemeClr val="lt1"/>
+          </a:fontRef>
+        </p:style>
+        <p:txBody>
+          <a:bodyPr rtlCol="0" anchor="ctr"/>
+          <a:lstStyle/>
+          <a:p>
+            <a:pPr algn="ctr"/>
+            <a:r>
+              <a:rPr kumimoji="1" lang="ja-JP" altLang="en-US">
+                <a:solidFill>
+                  <a:sysClr val="windowText" lastClr="000000"/>
+                </a:solidFill>
+              </a:rPr>
+              <a:t>ビジュアル</a:t>
+            </a:r>
+            <a:endParaRPr kumimoji="1" lang="en-US" altLang="ja-JP">
+              <a:solidFill>
+                <a:sysClr val="windowText" lastClr="000000"/>
+              </a:solidFill>
+            </a:endParaRPr>
+          </a:p>
+          <a:p>
+            <a:pPr algn="ctr"/>
+            <a:r>
+              <a:rPr kumimoji="1" lang="ja-JP" altLang="en-US">
+                <a:solidFill>
+                  <a:sysClr val="windowText" lastClr="000000"/>
+                </a:solidFill>
+              </a:rPr>
+              <a:t>モード</a:t>
+            </a:r>
+            <a:endParaRPr kumimoji="1" lang="en-US">
+              <a:solidFill>
+                <a:sysClr val="windowText" lastClr="000000"/>
+              </a:solidFill>
+            </a:endParaRPr>
+          </a:p>
+        </p:txBody>
+      </p:sp>
+      <p:sp>
+        <p:nvSpPr>
+          <p:cNvPr id="6" name="四角形: 角を丸くする 5">
+            <a:extLst>
+              <a:ext uri="{FF2B5EF4-FFF2-40B4-BE49-F238E27FC236}">
+                <a16:creationId xmlns:a16="http://schemas.microsoft.com/office/drawing/2014/main" id="{96E40B59-6521-4924-AD48-C21CDAA22E8F}"/>
+              </a:ext>
+            </a:extLst>
+          </p:cNvPr>
+          <p:cNvSpPr/>
+          <p:nvPr/>
+        </p:nvSpPr>
+        <p:spPr>
+          <a:xfrm>
+            <a:off x="365579" y="3933056"/>
+            <a:ext cx="1938677" cy="720080"/>
+          </a:xfrm>
+          <a:prstGeom prst="roundRect">
+            <a:avLst/>
+          </a:prstGeom>
+          <a:noFill/>
+          <a:ln>
+            <a:solidFill>
+              <a:schemeClr val="tx1"/>
+            </a:solidFill>
+          </a:ln>
+        </p:spPr>
+        <p:style>
+          <a:lnRef idx="2">
+            <a:schemeClr val="accent1">
+              <a:shade val="50000"/>
+            </a:schemeClr>
+          </a:lnRef>
+          <a:fillRef idx="1">
+            <a:schemeClr val="accent1"/>
+          </a:fillRef>
+          <a:effectRef idx="0">
+            <a:schemeClr val="accent1"/>
+          </a:effectRef>
+          <a:fontRef idx="minor">
+            <a:schemeClr val="lt1"/>
+          </a:fontRef>
+        </p:style>
+        <p:txBody>
+          <a:bodyPr rtlCol="0" anchor="ctr"/>
+          <a:lstStyle/>
+          <a:p>
+            <a:pPr algn="ctr"/>
+            <a:r>
+              <a:rPr kumimoji="1" lang="ja-JP" altLang="en-US">
+                <a:solidFill>
+                  <a:sysClr val="windowText" lastClr="000000"/>
+                </a:solidFill>
+              </a:rPr>
+              <a:t>コマンドライン</a:t>
+            </a:r>
+            <a:endParaRPr kumimoji="1" lang="en-US" altLang="ja-JP">
+              <a:solidFill>
+                <a:sysClr val="windowText" lastClr="000000"/>
+              </a:solidFill>
+            </a:endParaRPr>
+          </a:p>
+          <a:p>
+            <a:pPr algn="ctr"/>
+            <a:r>
+              <a:rPr kumimoji="1" lang="ja-JP" altLang="en-US">
+                <a:solidFill>
+                  <a:sysClr val="windowText" lastClr="000000"/>
+                </a:solidFill>
+              </a:rPr>
+              <a:t>モード</a:t>
+            </a:r>
+            <a:endParaRPr kumimoji="1" lang="en-US">
+              <a:solidFill>
+                <a:sysClr val="windowText" lastClr="000000"/>
+              </a:solidFill>
+            </a:endParaRPr>
+          </a:p>
+        </p:txBody>
+      </p:sp>
+      <p:sp>
+        <p:nvSpPr>
+          <p:cNvPr id="8" name="テキスト ボックス 7">
+            <a:extLst>
+              <a:ext uri="{FF2B5EF4-FFF2-40B4-BE49-F238E27FC236}">
+                <a16:creationId xmlns:a16="http://schemas.microsoft.com/office/drawing/2014/main" id="{C1435CC0-0BD2-46D3-B755-C3CB5CA25691}"/>
+              </a:ext>
+            </a:extLst>
+          </p:cNvPr>
+          <p:cNvSpPr txBox="1"/>
+          <p:nvPr/>
+        </p:nvSpPr>
+        <p:spPr>
+          <a:xfrm>
+            <a:off x="4427984" y="6381328"/>
+            <a:ext cx="4576762" cy="369332"/>
+          </a:xfrm>
+          <a:prstGeom prst="rect">
+            <a:avLst/>
+          </a:prstGeom>
+          <a:noFill/>
+        </p:spPr>
+        <p:txBody>
+          <a:bodyPr wrap="square">
+            <a:spAutoFit/>
+          </a:bodyPr>
+          <a:lstStyle/>
+          <a:p>
+            <a:r>
+              <a:rPr lang="en-US"/>
+              <a:t>https://knowledge.sakura.ad.jp/21687/</a:t>
+            </a:r>
+          </a:p>
+        </p:txBody>
+      </p:sp>
+      <p:sp>
+        <p:nvSpPr>
+          <p:cNvPr id="10" name="テキスト ボックス 9">
+            <a:extLst>
+              <a:ext uri="{FF2B5EF4-FFF2-40B4-BE49-F238E27FC236}">
+                <a16:creationId xmlns:a16="http://schemas.microsoft.com/office/drawing/2014/main" id="{28C1963A-DAD9-4E5D-A7BB-1F6D83660446}"/>
+              </a:ext>
+            </a:extLst>
+          </p:cNvPr>
+          <p:cNvSpPr txBox="1"/>
+          <p:nvPr/>
+        </p:nvSpPr>
+        <p:spPr>
+          <a:xfrm>
+            <a:off x="2123728" y="6381328"/>
+            <a:ext cx="2448272" cy="369332"/>
+          </a:xfrm>
+          <a:prstGeom prst="rect">
+            <a:avLst/>
+          </a:prstGeom>
+          <a:noFill/>
+        </p:spPr>
+        <p:txBody>
+          <a:bodyPr wrap="square">
+            <a:spAutoFit/>
+          </a:bodyPr>
+          <a:lstStyle/>
+          <a:p>
+            <a:pPr algn="l"/>
+            <a:r>
+              <a:rPr lang="ja-JP" altLang="en-US" i="0">
+                <a:effectLst/>
+                <a:latin typeface="ヒラギノ角ゴPro W3"/>
+              </a:rPr>
+              <a:t>ゴリラと学ぶ</a:t>
+            </a:r>
+            <a:r>
+              <a:rPr lang="en-US" altLang="ja-JP" i="0">
+                <a:effectLst/>
+                <a:latin typeface="ヒラギノ角ゴPro W3"/>
+              </a:rPr>
+              <a:t>Vim</a:t>
+            </a:r>
+            <a:r>
+              <a:rPr lang="ja-JP" altLang="en-US" i="0">
+                <a:effectLst/>
+                <a:latin typeface="ヒラギノ角ゴPro W3"/>
+              </a:rPr>
+              <a:t>講座</a:t>
+            </a:r>
+          </a:p>
+        </p:txBody>
+      </p:sp>
+      <p:cxnSp>
+        <p:nvCxnSpPr>
+          <p:cNvPr id="12" name="直線矢印コネクタ 11">
+            <a:extLst>
+              <a:ext uri="{FF2B5EF4-FFF2-40B4-BE49-F238E27FC236}">
+                <a16:creationId xmlns:a16="http://schemas.microsoft.com/office/drawing/2014/main" id="{78B0EF05-3129-401F-85E8-9AC499B72712}"/>
+              </a:ext>
+            </a:extLst>
+          </p:cNvPr>
+          <p:cNvCxnSpPr/>
+          <p:nvPr/>
+        </p:nvCxnSpPr>
+        <p:spPr>
+          <a:xfrm flipV="1">
+            <a:off x="3995936" y="2780928"/>
+            <a:ext cx="0" cy="1008112"/>
+          </a:xfrm>
+          <a:prstGeom prst="straightConnector1">
+            <a:avLst/>
+          </a:prstGeom>
+          <a:ln>
+            <a:solidFill>
+              <a:schemeClr val="tx1"/>
+            </a:solidFill>
+            <a:headEnd type="none" w="med" len="med"/>
+            <a:tailEnd type="triangle"/>
+          </a:ln>
+        </p:spPr>
+        <p:style>
+          <a:lnRef idx="1">
+            <a:schemeClr val="accent1"/>
+          </a:lnRef>
+          <a:fillRef idx="0">
+            <a:schemeClr val="accent1"/>
+          </a:fillRef>
+          <a:effectRef idx="0">
+            <a:schemeClr val="accent1"/>
+          </a:effectRef>
+          <a:fontRef idx="minor">
+            <a:schemeClr val="tx1"/>
+          </a:fontRef>
+        </p:style>
+      </p:cxnSp>
+      <p:cxnSp>
+        <p:nvCxnSpPr>
+          <p:cNvPr id="14" name="直線矢印コネクタ 13">
+            <a:extLst>
+              <a:ext uri="{FF2B5EF4-FFF2-40B4-BE49-F238E27FC236}">
+                <a16:creationId xmlns:a16="http://schemas.microsoft.com/office/drawing/2014/main" id="{E4458999-14FD-4E12-81B8-7CFC766FAD4D}"/>
+              </a:ext>
+            </a:extLst>
+          </p:cNvPr>
+          <p:cNvCxnSpPr>
+            <a:cxnSpLocks/>
+          </p:cNvCxnSpPr>
+          <p:nvPr/>
+        </p:nvCxnSpPr>
+        <p:spPr>
+          <a:xfrm>
+            <a:off x="5004048" y="2780928"/>
+            <a:ext cx="0" cy="1008112"/>
+          </a:xfrm>
+          <a:prstGeom prst="straightConnector1">
+            <a:avLst/>
+          </a:prstGeom>
+          <a:ln>
+            <a:solidFill>
+              <a:schemeClr val="tx1"/>
+            </a:solidFill>
+            <a:headEnd type="none" w="med" len="med"/>
+            <a:tailEnd type="triangle"/>
+          </a:ln>
+        </p:spPr>
+        <p:style>
+          <a:lnRef idx="1">
+            <a:schemeClr val="accent1"/>
+          </a:lnRef>
+          <a:fillRef idx="0">
+            <a:schemeClr val="accent1"/>
+          </a:fillRef>
+          <a:effectRef idx="0">
+            <a:schemeClr val="accent1"/>
+          </a:effectRef>
+          <a:fontRef idx="minor">
+            <a:schemeClr val="tx1"/>
+          </a:fontRef>
+        </p:style>
+      </p:cxnSp>
+      <p:cxnSp>
+        <p:nvCxnSpPr>
+          <p:cNvPr id="18" name="直線矢印コネクタ 17">
+            <a:extLst>
+              <a:ext uri="{FF2B5EF4-FFF2-40B4-BE49-F238E27FC236}">
+                <a16:creationId xmlns:a16="http://schemas.microsoft.com/office/drawing/2014/main" id="{5B02A9CC-0474-4BDF-B077-01D02B3C8154}"/>
+              </a:ext>
+            </a:extLst>
+          </p:cNvPr>
+          <p:cNvCxnSpPr/>
+          <p:nvPr/>
+        </p:nvCxnSpPr>
+        <p:spPr>
+          <a:xfrm>
+            <a:off x="5796136" y="4077072"/>
+            <a:ext cx="792088" cy="0"/>
+          </a:xfrm>
+          <a:prstGeom prst="straightConnector1">
+            <a:avLst/>
+          </a:prstGeom>
+          <a:ln>
+            <a:solidFill>
+              <a:schemeClr val="tx1"/>
+            </a:solidFill>
+            <a:headEnd type="none" w="med" len="med"/>
+            <a:tailEnd type="triangle"/>
+          </a:ln>
+        </p:spPr>
+        <p:style>
+          <a:lnRef idx="1">
+            <a:schemeClr val="accent1"/>
+          </a:lnRef>
+          <a:fillRef idx="0">
+            <a:schemeClr val="accent1"/>
+          </a:fillRef>
+          <a:effectRef idx="0">
+            <a:schemeClr val="accent1"/>
+          </a:effectRef>
+          <a:fontRef idx="minor">
+            <a:schemeClr val="tx1"/>
+          </a:fontRef>
+        </p:style>
+      </p:cxnSp>
+      <p:cxnSp>
+        <p:nvCxnSpPr>
+          <p:cNvPr id="19" name="直線矢印コネクタ 18">
+            <a:extLst>
+              <a:ext uri="{FF2B5EF4-FFF2-40B4-BE49-F238E27FC236}">
+                <a16:creationId xmlns:a16="http://schemas.microsoft.com/office/drawing/2014/main" id="{CB330BA0-3D47-41F3-83B0-74534B80F3F3}"/>
+              </a:ext>
+            </a:extLst>
+          </p:cNvPr>
+          <p:cNvCxnSpPr>
+            <a:cxnSpLocks/>
+          </p:cNvCxnSpPr>
+          <p:nvPr/>
+        </p:nvCxnSpPr>
+        <p:spPr>
+          <a:xfrm flipH="1">
+            <a:off x="5796136" y="4509120"/>
+            <a:ext cx="792088" cy="0"/>
+          </a:xfrm>
+          <a:prstGeom prst="straightConnector1">
+            <a:avLst/>
+          </a:prstGeom>
+          <a:ln>
+            <a:solidFill>
+              <a:schemeClr val="tx1"/>
+            </a:solidFill>
+            <a:headEnd type="none" w="med" len="med"/>
+            <a:tailEnd type="triangle"/>
+          </a:ln>
+        </p:spPr>
+        <p:style>
+          <a:lnRef idx="1">
+            <a:schemeClr val="accent1"/>
+          </a:lnRef>
+          <a:fillRef idx="0">
+            <a:schemeClr val="accent1"/>
+          </a:fillRef>
+          <a:effectRef idx="0">
+            <a:schemeClr val="accent1"/>
+          </a:effectRef>
+          <a:fontRef idx="minor">
+            <a:schemeClr val="tx1"/>
+          </a:fontRef>
+        </p:style>
+      </p:cxnSp>
+      <p:cxnSp>
+        <p:nvCxnSpPr>
+          <p:cNvPr id="22" name="直線矢印コネクタ 21">
+            <a:extLst>
+              <a:ext uri="{FF2B5EF4-FFF2-40B4-BE49-F238E27FC236}">
+                <a16:creationId xmlns:a16="http://schemas.microsoft.com/office/drawing/2014/main" id="{0680BF31-376E-486F-B09C-D672155517BF}"/>
+              </a:ext>
+            </a:extLst>
+          </p:cNvPr>
+          <p:cNvCxnSpPr>
+            <a:cxnSpLocks/>
+          </p:cNvCxnSpPr>
+          <p:nvPr/>
+        </p:nvCxnSpPr>
+        <p:spPr>
+          <a:xfrm flipH="1">
+            <a:off x="2555776" y="4077072"/>
+            <a:ext cx="792088" cy="0"/>
+          </a:xfrm>
+          <a:prstGeom prst="straightConnector1">
+            <a:avLst/>
+          </a:prstGeom>
+          <a:ln>
+            <a:solidFill>
+              <a:schemeClr val="tx1"/>
+            </a:solidFill>
+            <a:headEnd type="none" w="med" len="med"/>
+            <a:tailEnd type="triangle"/>
+          </a:ln>
+        </p:spPr>
+        <p:style>
+          <a:lnRef idx="1">
+            <a:schemeClr val="accent1"/>
+          </a:lnRef>
+          <a:fillRef idx="0">
+            <a:schemeClr val="accent1"/>
+          </a:fillRef>
+          <a:effectRef idx="0">
+            <a:schemeClr val="accent1"/>
+          </a:effectRef>
+          <a:fontRef idx="minor">
+            <a:schemeClr val="tx1"/>
+          </a:fontRef>
+        </p:style>
+      </p:cxnSp>
+      <p:cxnSp>
+        <p:nvCxnSpPr>
+          <p:cNvPr id="23" name="直線矢印コネクタ 22">
+            <a:extLst>
+              <a:ext uri="{FF2B5EF4-FFF2-40B4-BE49-F238E27FC236}">
+                <a16:creationId xmlns:a16="http://schemas.microsoft.com/office/drawing/2014/main" id="{CAA8A834-1643-4D93-8DBF-2093D81FAA7F}"/>
+              </a:ext>
+            </a:extLst>
+          </p:cNvPr>
+          <p:cNvCxnSpPr/>
+          <p:nvPr/>
+        </p:nvCxnSpPr>
+        <p:spPr>
+          <a:xfrm>
+            <a:off x="2555776" y="4509120"/>
+            <a:ext cx="792088" cy="0"/>
+          </a:xfrm>
+          <a:prstGeom prst="straightConnector1">
+            <a:avLst/>
+          </a:prstGeom>
+          <a:ln>
+            <a:solidFill>
+              <a:schemeClr val="tx1"/>
+            </a:solidFill>
+            <a:headEnd type="none" w="med" len="med"/>
+            <a:tailEnd type="triangle"/>
+          </a:ln>
+        </p:spPr>
+        <p:style>
+          <a:lnRef idx="1">
+            <a:schemeClr val="accent1"/>
+          </a:lnRef>
+          <a:fillRef idx="0">
+            <a:schemeClr val="accent1"/>
+          </a:fillRef>
+          <a:effectRef idx="0">
+            <a:schemeClr val="accent1"/>
+          </a:effectRef>
+          <a:fontRef idx="minor">
+            <a:schemeClr val="tx1"/>
+          </a:fontRef>
+        </p:style>
+      </p:cxnSp>
+      <p:sp>
+        <p:nvSpPr>
+          <p:cNvPr id="24" name="テキスト ボックス 23">
+            <a:extLst>
+              <a:ext uri="{FF2B5EF4-FFF2-40B4-BE49-F238E27FC236}">
+                <a16:creationId xmlns:a16="http://schemas.microsoft.com/office/drawing/2014/main" id="{43568C5B-1292-44D9-BE16-8A3C8B568B6F}"/>
+              </a:ext>
+            </a:extLst>
+          </p:cNvPr>
+          <p:cNvSpPr txBox="1"/>
+          <p:nvPr/>
+        </p:nvSpPr>
+        <p:spPr>
+          <a:xfrm>
+            <a:off x="3491880" y="3068960"/>
+            <a:ext cx="311304" cy="369332"/>
+          </a:xfrm>
+          <a:prstGeom prst="rect">
+            <a:avLst/>
+          </a:prstGeom>
+          <a:solidFill>
+            <a:schemeClr val="accent4">
+              <a:lumMod val="20000"/>
+              <a:lumOff val="80000"/>
+            </a:schemeClr>
+          </a:solidFill>
+        </p:spPr>
+        <p:txBody>
+          <a:bodyPr wrap="none" rtlCol="0">
+            <a:spAutoFit/>
+          </a:bodyPr>
+          <a:lstStyle/>
+          <a:p>
+            <a:r>
+              <a:rPr lang="en-US">
+                <a:latin typeface="Consolas" panose="020B0609020204030204" pitchFamily="49" charset="0"/>
+              </a:rPr>
+              <a:t>i</a:t>
+            </a:r>
+          </a:p>
+        </p:txBody>
+      </p:sp>
+      <p:sp>
+        <p:nvSpPr>
+          <p:cNvPr id="25" name="テキスト ボックス 24">
+            <a:extLst>
+              <a:ext uri="{FF2B5EF4-FFF2-40B4-BE49-F238E27FC236}">
+                <a16:creationId xmlns:a16="http://schemas.microsoft.com/office/drawing/2014/main" id="{67573436-10E5-4725-9143-D8598F727D43}"/>
+              </a:ext>
+            </a:extLst>
+          </p:cNvPr>
+          <p:cNvSpPr txBox="1"/>
+          <p:nvPr/>
+        </p:nvSpPr>
+        <p:spPr>
+          <a:xfrm>
+            <a:off x="5148064" y="3068960"/>
+            <a:ext cx="564578" cy="369332"/>
+          </a:xfrm>
+          <a:prstGeom prst="rect">
+            <a:avLst/>
+          </a:prstGeom>
+          <a:solidFill>
+            <a:schemeClr val="accent4">
+              <a:lumMod val="20000"/>
+              <a:lumOff val="80000"/>
+            </a:schemeClr>
+          </a:solidFill>
+          <a:ln>
+            <a:solidFill>
+              <a:srgbClr val="FF0000"/>
+            </a:solidFill>
+          </a:ln>
+        </p:spPr>
+        <p:txBody>
+          <a:bodyPr wrap="none" rtlCol="0">
+            <a:spAutoFit/>
+          </a:bodyPr>
+          <a:lstStyle/>
+          <a:p>
+            <a:r>
+              <a:rPr lang="en-US">
+                <a:latin typeface="Consolas" panose="020B0609020204030204" pitchFamily="49" charset="0"/>
+              </a:rPr>
+              <a:t>ESC</a:t>
+            </a:r>
+          </a:p>
+        </p:txBody>
+      </p:sp>
+      <p:sp>
+        <p:nvSpPr>
+          <p:cNvPr id="26" name="テキスト ボックス 25">
+            <a:extLst>
+              <a:ext uri="{FF2B5EF4-FFF2-40B4-BE49-F238E27FC236}">
+                <a16:creationId xmlns:a16="http://schemas.microsoft.com/office/drawing/2014/main" id="{55BD59AD-99E3-4716-949A-80D6737BF81C}"/>
+              </a:ext>
+            </a:extLst>
+          </p:cNvPr>
+          <p:cNvSpPr txBox="1"/>
+          <p:nvPr/>
+        </p:nvSpPr>
+        <p:spPr>
+          <a:xfrm>
+            <a:off x="5940152" y="4581128"/>
+            <a:ext cx="564578" cy="369332"/>
+          </a:xfrm>
+          <a:prstGeom prst="rect">
+            <a:avLst/>
+          </a:prstGeom>
+          <a:solidFill>
+            <a:schemeClr val="accent4">
+              <a:lumMod val="20000"/>
+              <a:lumOff val="80000"/>
+            </a:schemeClr>
+          </a:solidFill>
+          <a:ln>
+            <a:solidFill>
+              <a:srgbClr val="FF0000"/>
+            </a:solidFill>
+          </a:ln>
+        </p:spPr>
+        <p:txBody>
+          <a:bodyPr wrap="none" rtlCol="0">
+            <a:spAutoFit/>
+          </a:bodyPr>
+          <a:lstStyle/>
+          <a:p>
+            <a:r>
+              <a:rPr lang="en-US">
+                <a:latin typeface="Consolas" panose="020B0609020204030204" pitchFamily="49" charset="0"/>
+              </a:rPr>
+              <a:t>ESC</a:t>
+            </a:r>
+          </a:p>
+        </p:txBody>
+      </p:sp>
+      <p:sp>
+        <p:nvSpPr>
+          <p:cNvPr id="27" name="テキスト ボックス 26">
+            <a:extLst>
+              <a:ext uri="{FF2B5EF4-FFF2-40B4-BE49-F238E27FC236}">
+                <a16:creationId xmlns:a16="http://schemas.microsoft.com/office/drawing/2014/main" id="{E0CE921D-EEBB-4FD9-AEB5-C0A2E69C7FF2}"/>
+              </a:ext>
+            </a:extLst>
+          </p:cNvPr>
+          <p:cNvSpPr txBox="1"/>
+          <p:nvPr/>
+        </p:nvSpPr>
+        <p:spPr>
+          <a:xfrm>
+            <a:off x="2699792" y="4643844"/>
+            <a:ext cx="564578" cy="369332"/>
+          </a:xfrm>
+          <a:prstGeom prst="rect">
+            <a:avLst/>
+          </a:prstGeom>
+          <a:solidFill>
+            <a:schemeClr val="accent4">
+              <a:lumMod val="20000"/>
+              <a:lumOff val="80000"/>
+            </a:schemeClr>
+          </a:solidFill>
+          <a:ln>
+            <a:solidFill>
+              <a:srgbClr val="FF0000"/>
+            </a:solidFill>
+          </a:ln>
+        </p:spPr>
+        <p:txBody>
+          <a:bodyPr wrap="none" rtlCol="0">
+            <a:spAutoFit/>
+          </a:bodyPr>
+          <a:lstStyle/>
+          <a:p>
+            <a:r>
+              <a:rPr lang="en-US">
+                <a:latin typeface="Consolas" panose="020B0609020204030204" pitchFamily="49" charset="0"/>
+              </a:rPr>
+              <a:t>ESC</a:t>
+            </a:r>
+          </a:p>
+        </p:txBody>
+      </p:sp>
+      <p:sp>
+        <p:nvSpPr>
+          <p:cNvPr id="28" name="テキスト ボックス 27">
+            <a:extLst>
+              <a:ext uri="{FF2B5EF4-FFF2-40B4-BE49-F238E27FC236}">
+                <a16:creationId xmlns:a16="http://schemas.microsoft.com/office/drawing/2014/main" id="{00F51E1E-62BE-4896-935C-B515176F5FBB}"/>
+              </a:ext>
+            </a:extLst>
+          </p:cNvPr>
+          <p:cNvSpPr txBox="1"/>
+          <p:nvPr/>
+        </p:nvSpPr>
+        <p:spPr>
+          <a:xfrm>
+            <a:off x="2771800" y="3573016"/>
+            <a:ext cx="311304" cy="369332"/>
+          </a:xfrm>
+          <a:prstGeom prst="rect">
+            <a:avLst/>
+          </a:prstGeom>
+          <a:solidFill>
+            <a:schemeClr val="accent4">
+              <a:lumMod val="20000"/>
+              <a:lumOff val="80000"/>
+            </a:schemeClr>
+          </a:solidFill>
+        </p:spPr>
+        <p:txBody>
+          <a:bodyPr wrap="none" rtlCol="0">
+            <a:spAutoFit/>
+          </a:bodyPr>
+          <a:lstStyle/>
+          <a:p>
+            <a:r>
+              <a:rPr lang="en-US">
+                <a:latin typeface="Consolas" panose="020B0609020204030204" pitchFamily="49" charset="0"/>
+              </a:rPr>
+              <a:t>:</a:t>
+            </a:r>
+          </a:p>
+        </p:txBody>
+      </p:sp>
+      <p:sp>
+        <p:nvSpPr>
+          <p:cNvPr id="29" name="テキスト ボックス 28">
+            <a:extLst>
+              <a:ext uri="{FF2B5EF4-FFF2-40B4-BE49-F238E27FC236}">
+                <a16:creationId xmlns:a16="http://schemas.microsoft.com/office/drawing/2014/main" id="{CD2A6FEF-77E4-4399-AB89-79DC3CD96298}"/>
+              </a:ext>
+            </a:extLst>
+          </p:cNvPr>
+          <p:cNvSpPr txBox="1"/>
+          <p:nvPr/>
+        </p:nvSpPr>
+        <p:spPr>
+          <a:xfrm>
+            <a:off x="6084168" y="3573016"/>
+            <a:ext cx="311304" cy="369332"/>
+          </a:xfrm>
+          <a:prstGeom prst="rect">
+            <a:avLst/>
+          </a:prstGeom>
+          <a:solidFill>
+            <a:schemeClr val="accent4">
+              <a:lumMod val="20000"/>
+              <a:lumOff val="80000"/>
+            </a:schemeClr>
+          </a:solidFill>
+        </p:spPr>
+        <p:txBody>
+          <a:bodyPr wrap="none" rtlCol="0">
+            <a:spAutoFit/>
+          </a:bodyPr>
+          <a:lstStyle/>
+          <a:p>
+            <a:r>
+              <a:rPr lang="en-US">
+                <a:latin typeface="Consolas" panose="020B0609020204030204" pitchFamily="49" charset="0"/>
+              </a:rPr>
+              <a:t>v</a:t>
+            </a:r>
+          </a:p>
+        </p:txBody>
+      </p:sp>
+    </p:spTree>
+    <p:extLst>
+      <p:ext uri="{BB962C8B-B14F-4D97-AF65-F5344CB8AC3E}">
+        <p14:creationId xmlns:p14="http://schemas.microsoft.com/office/powerpoint/2010/main" val="3132468401"/>
       </p:ext>
     </p:extLst>
   </p:cSld>

--- a/command/fig/slide.pptx
+++ b/command/fig/slide.pptx
@@ -239,7 +239,7 @@
           </a:lstStyle>
           <a:p>
             <a:fld id="{6B8D1B20-A248-FB47-8240-73C0C5F47C9D}" type="datetimeFigureOut">
-              <a:t>2021/9/28</a:t>
+              <a:t>2021/10/13</a:t>
             </a:fld>
             <a:endParaRPr kumimoji="1" lang="ja-JP" altLang="en-US"/>
           </a:p>
@@ -18934,14 +18934,11 @@
           <a:lstStyle/>
           <a:p>
             <a:r>
-              <a:rPr lang="en-US" dirty="0" err="1">
+              <a:rPr lang="en-US" dirty="0">
                 <a:latin typeface="Consolas" panose="020B0609020204030204" pitchFamily="49" charset="0"/>
               </a:rPr>
-              <a:t>i</a:t>
-            </a:r>
-            <a:endParaRPr lang="en-US" dirty="0">
-              <a:latin typeface="Consolas" panose="020B0609020204030204" pitchFamily="49" charset="0"/>
-            </a:endParaRPr>
+              <a:t>h</a:t>
+            </a:r>
           </a:p>
         </p:txBody>
       </p:sp>

--- a/command/fig/slide.pptx
+++ b/command/fig/slide.pptx
@@ -239,7 +239,7 @@
           </a:lstStyle>
           <a:p>
             <a:fld id="{6B8D1B20-A248-FB47-8240-73C0C5F47C9D}" type="datetimeFigureOut">
-              <a:t>2021/10/13</a:t>
+              <a:t>2022/9/27</a:t>
             </a:fld>
             <a:endParaRPr kumimoji="1" lang="ja-JP" altLang="en-US"/>
           </a:p>
@@ -531,10 +531,54 @@
       </p:grpSpPr>
       <p:sp>
         <p:nvSpPr>
-          <p:cNvPr id="4" name="円/楕円 3">
-            <a:extLst>
-              <a:ext uri="{FF2B5EF4-FFF2-40B4-BE49-F238E27FC236}">
-                <a16:creationId xmlns:a16="http://schemas.microsoft.com/office/drawing/2014/main" id="{40BD511A-FE9E-B641-A323-1F2451D0C873}"/>
+          <p:cNvPr id="7" name="テキスト プレースホルダー 6">
+            <a:extLst>
+              <a:ext uri="{FF2B5EF4-FFF2-40B4-BE49-F238E27FC236}">
+                <a16:creationId xmlns:a16="http://schemas.microsoft.com/office/drawing/2014/main" id="{1977278B-6103-7448-8885-11FCA29D84A1}"/>
+              </a:ext>
+            </a:extLst>
+          </p:cNvPr>
+          <p:cNvSpPr>
+            <a:spLocks noGrp="1"/>
+          </p:cNvSpPr>
+          <p:nvPr>
+            <p:ph type="body" sz="quarter" idx="10"/>
+          </p:nvPr>
+        </p:nvSpPr>
+        <p:spPr>
+          <a:xfrm>
+            <a:off x="0" y="190133"/>
+            <a:ext cx="9144000" cy="754062"/>
+          </a:xfrm>
+          <a:prstGeom prst="rect">
+            <a:avLst/>
+          </a:prstGeom>
+        </p:spPr>
+        <p:txBody>
+          <a:bodyPr/>
+          <a:lstStyle>
+            <a:lvl1pPr marL="0" indent="0" algn="ctr">
+              <a:buNone/>
+              <a:defRPr sz="4000">
+                <a:ln>
+                  <a:solidFill>
+                    <a:srgbClr val="011893"/>
+                  </a:solidFill>
+                </a:ln>
+              </a:defRPr>
+            </a:lvl1pPr>
+          </a:lstStyle>
+          <a:p>
+            <a:endParaRPr kumimoji="1" lang="ja-JP" altLang="en-US"/>
+          </a:p>
+        </p:txBody>
+      </p:sp>
+      <p:sp>
+        <p:nvSpPr>
+          <p:cNvPr id="2" name="円/楕円 3">
+            <a:extLst>
+              <a:ext uri="{FF2B5EF4-FFF2-40B4-BE49-F238E27FC236}">
+                <a16:creationId xmlns:a16="http://schemas.microsoft.com/office/drawing/2014/main" id="{DECD8406-90B4-8AA2-EB33-E58243BF2D17}"/>
               </a:ext>
             </a:extLst>
           </p:cNvPr>
@@ -543,8 +587,8 @@
         </p:nvSpPr>
         <p:spPr>
           <a:xfrm>
-            <a:off x="8651631" y="6350558"/>
-            <a:ext cx="411982" cy="411982"/>
+            <a:off x="8497721" y="6230795"/>
+            <a:ext cx="531173" cy="531173"/>
           </a:xfrm>
           <a:prstGeom prst="ellipse">
             <a:avLst/>
@@ -592,10 +636,10 @@
       </p:sp>
       <p:sp>
         <p:nvSpPr>
-          <p:cNvPr id="5" name="テキスト ボックス 4">
-            <a:extLst>
-              <a:ext uri="{FF2B5EF4-FFF2-40B4-BE49-F238E27FC236}">
-                <a16:creationId xmlns:a16="http://schemas.microsoft.com/office/drawing/2014/main" id="{80A01A1C-B0C5-904D-963A-785848775F4A}"/>
+          <p:cNvPr id="3" name="テキスト ボックス 2">
+            <a:extLst>
+              <a:ext uri="{FF2B5EF4-FFF2-40B4-BE49-F238E27FC236}">
+                <a16:creationId xmlns:a16="http://schemas.microsoft.com/office/drawing/2014/main" id="{889DCA16-15E3-8896-D502-21C3C41EC008}"/>
               </a:ext>
             </a:extLst>
           </p:cNvPr>
@@ -604,7 +648,7 @@
         </p:nvSpPr>
         <p:spPr>
           <a:xfrm>
-            <a:off x="8661679" y="6400799"/>
+            <a:off x="8491428" y="6270575"/>
             <a:ext cx="401072" cy="307777"/>
           </a:xfrm>
           <a:prstGeom prst="rect">
@@ -624,51 +668,103 @@
               <a:pPr algn="ctr"/>
               <a:t>‹#›</a:t>
             </a:fld>
-            <a:endParaRPr kumimoji="1" lang="ja-JP" altLang="en-US" sz="1400"/>
-          </a:p>
-        </p:txBody>
-      </p:sp>
-      <p:sp>
-        <p:nvSpPr>
-          <p:cNvPr id="7" name="テキスト プレースホルダー 6">
-            <a:extLst>
-              <a:ext uri="{FF2B5EF4-FFF2-40B4-BE49-F238E27FC236}">
-                <a16:creationId xmlns:a16="http://schemas.microsoft.com/office/drawing/2014/main" id="{1977278B-6103-7448-8885-11FCA29D84A1}"/>
-              </a:ext>
-            </a:extLst>
-          </p:cNvPr>
-          <p:cNvSpPr>
-            <a:spLocks noGrp="1"/>
-          </p:cNvSpPr>
-          <p:nvPr>
-            <p:ph type="body" sz="quarter" idx="10"/>
-          </p:nvPr>
-        </p:nvSpPr>
-        <p:spPr>
-          <a:xfrm>
-            <a:off x="0" y="190133"/>
-            <a:ext cx="9144000" cy="754062"/>
-          </a:xfrm>
-          <a:prstGeom prst="rect">
-            <a:avLst/>
-          </a:prstGeom>
-        </p:spPr>
-        <p:txBody>
-          <a:bodyPr/>
-          <a:lstStyle>
-            <a:lvl1pPr marL="0" indent="0" algn="ctr">
-              <a:buNone/>
-              <a:defRPr sz="4000">
-                <a:ln>
-                  <a:solidFill>
-                    <a:srgbClr val="011893"/>
-                  </a:solidFill>
-                </a:ln>
-              </a:defRPr>
-            </a:lvl1pPr>
-          </a:lstStyle>
-          <a:p>
-            <a:endParaRPr kumimoji="1" lang="ja-JP" altLang="en-US"/>
+            <a:endParaRPr kumimoji="1" lang="ja-JP" altLang="en-US" sz="1400" dirty="0"/>
+          </a:p>
+        </p:txBody>
+      </p:sp>
+      <p:sp>
+        <p:nvSpPr>
+          <p:cNvPr id="6" name="弦 5">
+            <a:extLst>
+              <a:ext uri="{FF2B5EF4-FFF2-40B4-BE49-F238E27FC236}">
+                <a16:creationId xmlns:a16="http://schemas.microsoft.com/office/drawing/2014/main" id="{65F898B3-F17D-D20D-FEA1-494B0DCC93FC}"/>
+              </a:ext>
+            </a:extLst>
+          </p:cNvPr>
+          <p:cNvSpPr/>
+          <p:nvPr userDrawn="1"/>
+        </p:nvSpPr>
+        <p:spPr>
+          <a:xfrm rot="16200000">
+            <a:off x="8491626" y="6224701"/>
+            <a:ext cx="588253" cy="576063"/>
+          </a:xfrm>
+          <a:prstGeom prst="chord">
+            <a:avLst>
+              <a:gd name="adj1" fmla="val 2700000"/>
+              <a:gd name="adj2" fmla="val 14142403"/>
+            </a:avLst>
+          </a:prstGeom>
+          <a:solidFill>
+            <a:schemeClr val="bg1">
+              <a:lumMod val="65000"/>
+            </a:schemeClr>
+          </a:solidFill>
+          <a:ln>
+            <a:noFill/>
+          </a:ln>
+          <a:effectLst>
+            <a:softEdge rad="31750"/>
+          </a:effectLst>
+        </p:spPr>
+        <p:style>
+          <a:lnRef idx="2">
+            <a:schemeClr val="accent1">
+              <a:shade val="50000"/>
+            </a:schemeClr>
+          </a:lnRef>
+          <a:fillRef idx="1">
+            <a:schemeClr val="accent1"/>
+          </a:fillRef>
+          <a:effectRef idx="0">
+            <a:schemeClr val="accent1"/>
+          </a:effectRef>
+          <a:fontRef idx="minor">
+            <a:schemeClr val="lt1"/>
+          </a:fontRef>
+        </p:style>
+        <p:txBody>
+          <a:bodyPr rtlCol="0" anchor="ctr"/>
+          <a:lstStyle/>
+          <a:p>
+            <a:pPr algn="ctr"/>
+            <a:endParaRPr kumimoji="1" lang="ja-JP" altLang="en-US" dirty="0"/>
+          </a:p>
+        </p:txBody>
+      </p:sp>
+      <p:sp>
+        <p:nvSpPr>
+          <p:cNvPr id="8" name="テキスト ボックス 7">
+            <a:extLst>
+              <a:ext uri="{FF2B5EF4-FFF2-40B4-BE49-F238E27FC236}">
+                <a16:creationId xmlns:a16="http://schemas.microsoft.com/office/drawing/2014/main" id="{2C0B5AE7-BF48-0924-7906-EC9245AC4C3A}"/>
+              </a:ext>
+            </a:extLst>
+          </p:cNvPr>
+          <p:cNvSpPr txBox="1"/>
+          <p:nvPr userDrawn="1"/>
+        </p:nvSpPr>
+        <p:spPr>
+          <a:xfrm>
+            <a:off x="8596070" y="6442913"/>
+            <a:ext cx="496310" cy="307777"/>
+          </a:xfrm>
+          <a:prstGeom prst="rect">
+            <a:avLst/>
+          </a:prstGeom>
+          <a:noFill/>
+        </p:spPr>
+        <p:txBody>
+          <a:bodyPr wrap="square" rtlCol="0">
+            <a:spAutoFit/>
+          </a:bodyPr>
+          <a:lstStyle/>
+          <a:p>
+            <a:pPr algn="ctr"/>
+            <a:r>
+              <a:rPr kumimoji="1" lang="en-US" altLang="ja-JP" sz="1400" dirty="0"/>
+              <a:t>33</a:t>
+            </a:r>
           </a:p>
         </p:txBody>
       </p:sp>

--- a/command/fig/slide.pptx
+++ b/command/fig/slide.pptx
@@ -239,7 +239,7 @@
           </a:lstStyle>
           <a:p>
             <a:fld id="{6B8D1B20-A248-FB47-8240-73C0C5F47C9D}" type="datetimeFigureOut">
-              <a:t>2022/9/27</a:t>
+              <a:t>2022/10/7</a:t>
             </a:fld>
             <a:endParaRPr kumimoji="1" lang="ja-JP" altLang="en-US"/>
           </a:p>
@@ -18990,7 +18990,15 @@
             </a:pPr>
             <a:r>
               <a:rPr lang="ja-JP" altLang="en-US" sz="2400" dirty="0"/>
-              <a:t>切り取った行をカーソル位置の行の下に貼り付け</a:t>
+              <a:t>切り取った行をカーソル位置の</a:t>
+            </a:r>
+            <a:r>
+              <a:rPr lang="ja-JP" altLang="en-US" sz="2400"/>
+              <a:t>行の上に</a:t>
+            </a:r>
+            <a:r>
+              <a:rPr lang="ja-JP" altLang="en-US" sz="2400" dirty="0"/>
+              <a:t>貼り付け</a:t>
             </a:r>
             <a:endParaRPr kumimoji="1" lang="en-US" altLang="ja-JP" sz="2400" dirty="0"/>
           </a:p>
